--- a/presentation.pptx
+++ b/presentation.pptx
@@ -5,17 +5,20 @@
     <p:sldMasterId id="2147483672" r:id="rId1"/>
   </p:sldMasterIdLst>
   <p:notesMasterIdLst>
-    <p:notesMasterId r:id="rId10"/>
+    <p:notesMasterId r:id="rId13"/>
   </p:notesMasterIdLst>
   <p:sldIdLst>
     <p:sldId id="256" r:id="rId2"/>
     <p:sldId id="257" r:id="rId3"/>
     <p:sldId id="258" r:id="rId4"/>
-    <p:sldId id="259" r:id="rId5"/>
-    <p:sldId id="260" r:id="rId6"/>
-    <p:sldId id="261" r:id="rId7"/>
-    <p:sldId id="262" r:id="rId8"/>
-    <p:sldId id="263" r:id="rId9"/>
+    <p:sldId id="264" r:id="rId5"/>
+    <p:sldId id="266" r:id="rId6"/>
+    <p:sldId id="267" r:id="rId7"/>
+    <p:sldId id="259" r:id="rId8"/>
+    <p:sldId id="260" r:id="rId9"/>
+    <p:sldId id="261" r:id="rId10"/>
+    <p:sldId id="262" r:id="rId11"/>
+    <p:sldId id="263" r:id="rId12"/>
   </p:sldIdLst>
   <p:sldSz cx="12192000" cy="6858000"/>
   <p:notesSz cx="6858000" cy="9144000"/>
@@ -125,13 +128,318 @@
 <file path=ppt/revisionInfo.xml><?xml version="1.0" encoding="utf-8"?>
 <p1510:revInfo xmlns:a="http://schemas.openxmlformats.org/drawingml/2006/main" xmlns:r="http://schemas.openxmlformats.org/officeDocument/2006/relationships" xmlns:p1510="http://schemas.microsoft.com/office/powerpoint/2015/10/main">
   <p1510:revLst>
-    <p1510:client id="{D2304C36-6F9A-49D4-BBB1-E2AF6025F6E7}" v="2" dt="2023-05-29T12:23:58.283"/>
+    <p1510:client id="{497DC6A5-6E98-4823-B94B-BA98122E7321}" v="8" dt="2023-06-01T11:02:22.263"/>
   </p1510:revLst>
 </p1510:revInfo>
 </file>
 
 <file path=ppt/changesInfos/changesInfo1.xml><?xml version="1.0" encoding="utf-8"?>
 <pc:chgInfo xmlns:a="http://schemas.openxmlformats.org/drawingml/2006/main" xmlns:r="http://schemas.openxmlformats.org/officeDocument/2006/relationships" xmlns:ac="http://schemas.microsoft.com/office/drawing/2013/main/command" xmlns:pc="http://schemas.microsoft.com/office/powerpoint/2013/main/command">
+  <pc:docChgLst>
+    <pc:chgData name="Maximilian Schlake" userId="d69807565a22ab48" providerId="LiveId" clId="{497DC6A5-6E98-4823-B94B-BA98122E7321}"/>
+    <pc:docChg chg="undo redo custSel addSld delSld modSld">
+      <pc:chgData name="Maximilian Schlake" userId="d69807565a22ab48" providerId="LiveId" clId="{497DC6A5-6E98-4823-B94B-BA98122E7321}" dt="2023-06-01T11:16:19.897" v="578" actId="20577"/>
+      <pc:docMkLst>
+        <pc:docMk/>
+      </pc:docMkLst>
+      <pc:sldChg chg="modSp mod">
+        <pc:chgData name="Maximilian Schlake" userId="d69807565a22ab48" providerId="LiveId" clId="{497DC6A5-6E98-4823-B94B-BA98122E7321}" dt="2023-06-01T11:08:16.225" v="453" actId="1036"/>
+        <pc:sldMkLst>
+          <pc:docMk/>
+          <pc:sldMk cId="2177361413" sldId="256"/>
+        </pc:sldMkLst>
+        <pc:spChg chg="mod">
+          <ac:chgData name="Maximilian Schlake" userId="d69807565a22ab48" providerId="LiveId" clId="{497DC6A5-6E98-4823-B94B-BA98122E7321}" dt="2023-06-01T11:08:16.225" v="453" actId="1036"/>
+          <ac:spMkLst>
+            <pc:docMk/>
+            <pc:sldMk cId="2177361413" sldId="256"/>
+            <ac:spMk id="2" creationId="{1D178E61-77BC-38F0-44A5-449A66BC49F5}"/>
+          </ac:spMkLst>
+        </pc:spChg>
+        <pc:spChg chg="mod">
+          <ac:chgData name="Maximilian Schlake" userId="d69807565a22ab48" providerId="LiveId" clId="{497DC6A5-6E98-4823-B94B-BA98122E7321}" dt="2023-06-01T11:08:06.469" v="387" actId="1076"/>
+          <ac:spMkLst>
+            <pc:docMk/>
+            <pc:sldMk cId="2177361413" sldId="256"/>
+            <ac:spMk id="3" creationId="{BA61D91F-A662-BAB9-6FF7-DC995D5422D5}"/>
+          </ac:spMkLst>
+        </pc:spChg>
+      </pc:sldChg>
+      <pc:sldChg chg="modSp mod">
+        <pc:chgData name="Maximilian Schlake" userId="d69807565a22ab48" providerId="LiveId" clId="{497DC6A5-6E98-4823-B94B-BA98122E7321}" dt="2023-06-01T11:09:13.218" v="535" actId="14100"/>
+        <pc:sldMkLst>
+          <pc:docMk/>
+          <pc:sldMk cId="4972780" sldId="257"/>
+        </pc:sldMkLst>
+        <pc:spChg chg="mod">
+          <ac:chgData name="Maximilian Schlake" userId="d69807565a22ab48" providerId="LiveId" clId="{497DC6A5-6E98-4823-B94B-BA98122E7321}" dt="2023-06-01T11:09:13.218" v="535" actId="14100"/>
+          <ac:spMkLst>
+            <pc:docMk/>
+            <pc:sldMk cId="4972780" sldId="257"/>
+            <ac:spMk id="3" creationId="{9E28193F-FE09-8E4B-A363-00025BEC7E88}"/>
+          </ac:spMkLst>
+        </pc:spChg>
+      </pc:sldChg>
+      <pc:sldChg chg="addSp delSp modSp mod modNotesTx">
+        <pc:chgData name="Maximilian Schlake" userId="d69807565a22ab48" providerId="LiveId" clId="{497DC6A5-6E98-4823-B94B-BA98122E7321}" dt="2023-06-01T11:08:45.581" v="485" actId="20577"/>
+        <pc:sldMkLst>
+          <pc:docMk/>
+          <pc:sldMk cId="2742971747" sldId="258"/>
+        </pc:sldMkLst>
+        <pc:spChg chg="mod">
+          <ac:chgData name="Maximilian Schlake" userId="d69807565a22ab48" providerId="LiveId" clId="{497DC6A5-6E98-4823-B94B-BA98122E7321}" dt="2023-06-01T11:08:45.581" v="485" actId="20577"/>
+          <ac:spMkLst>
+            <pc:docMk/>
+            <pc:sldMk cId="2742971747" sldId="258"/>
+            <ac:spMk id="2" creationId="{9CEF219F-A752-AF3A-FEDC-8EB897838D43}"/>
+          </ac:spMkLst>
+        </pc:spChg>
+        <pc:spChg chg="mod">
+          <ac:chgData name="Maximilian Schlake" userId="d69807565a22ab48" providerId="LiveId" clId="{497DC6A5-6E98-4823-B94B-BA98122E7321}" dt="2023-06-01T10:05:42.163" v="70" actId="20577"/>
+          <ac:spMkLst>
+            <pc:docMk/>
+            <pc:sldMk cId="2742971747" sldId="258"/>
+            <ac:spMk id="3" creationId="{DD7E7B8A-64D7-42FA-69FE-83D28EA0770B}"/>
+          </ac:spMkLst>
+        </pc:spChg>
+        <pc:graphicFrameChg chg="add del mod">
+          <ac:chgData name="Maximilian Schlake" userId="d69807565a22ab48" providerId="LiveId" clId="{497DC6A5-6E98-4823-B94B-BA98122E7321}" dt="2023-06-01T09:24:58.416" v="1"/>
+          <ac:graphicFrameMkLst>
+            <pc:docMk/>
+            <pc:sldMk cId="2742971747" sldId="258"/>
+            <ac:graphicFrameMk id="4" creationId="{212E369F-2394-3BEE-D6A1-CE0A1665F47D}"/>
+          </ac:graphicFrameMkLst>
+        </pc:graphicFrameChg>
+      </pc:sldChg>
+      <pc:sldChg chg="addSp delSp modSp mod">
+        <pc:chgData name="Maximilian Schlake" userId="d69807565a22ab48" providerId="LiveId" clId="{497DC6A5-6E98-4823-B94B-BA98122E7321}" dt="2023-06-01T09:44:53.233" v="5" actId="21"/>
+        <pc:sldMkLst>
+          <pc:docMk/>
+          <pc:sldMk cId="2082576824" sldId="259"/>
+        </pc:sldMkLst>
+        <pc:spChg chg="del">
+          <ac:chgData name="Maximilian Schlake" userId="d69807565a22ab48" providerId="LiveId" clId="{497DC6A5-6E98-4823-B94B-BA98122E7321}" dt="2023-06-01T09:44:41.337" v="2" actId="22"/>
+          <ac:spMkLst>
+            <pc:docMk/>
+            <pc:sldMk cId="2082576824" sldId="259"/>
+            <ac:spMk id="3" creationId="{00097D50-5ACB-4FDD-50C2-902AABD801B5}"/>
+          </ac:spMkLst>
+        </pc:spChg>
+        <pc:spChg chg="add mod">
+          <ac:chgData name="Maximilian Schlake" userId="d69807565a22ab48" providerId="LiveId" clId="{497DC6A5-6E98-4823-B94B-BA98122E7321}" dt="2023-06-01T09:44:53.233" v="5" actId="21"/>
+          <ac:spMkLst>
+            <pc:docMk/>
+            <pc:sldMk cId="2082576824" sldId="259"/>
+            <ac:spMk id="7" creationId="{9C296F9C-B501-5452-9A38-DC9F1E00FA23}"/>
+          </ac:spMkLst>
+        </pc:spChg>
+        <pc:picChg chg="add del mod ord">
+          <ac:chgData name="Maximilian Schlake" userId="d69807565a22ab48" providerId="LiveId" clId="{497DC6A5-6E98-4823-B94B-BA98122E7321}" dt="2023-06-01T09:44:53.233" v="5" actId="21"/>
+          <ac:picMkLst>
+            <pc:docMk/>
+            <pc:sldMk cId="2082576824" sldId="259"/>
+            <ac:picMk id="5" creationId="{CDE566F0-38DB-F343-8DED-3389C1D55D6F}"/>
+          </ac:picMkLst>
+        </pc:picChg>
+      </pc:sldChg>
+      <pc:sldChg chg="addSp delSp modSp add mod modNotesTx">
+        <pc:chgData name="Maximilian Schlake" userId="d69807565a22ab48" providerId="LiveId" clId="{497DC6A5-6E98-4823-B94B-BA98122E7321}" dt="2023-06-01T11:09:20.758" v="536" actId="20577"/>
+        <pc:sldMkLst>
+          <pc:docMk/>
+          <pc:sldMk cId="47249489" sldId="264"/>
+        </pc:sldMkLst>
+        <pc:spChg chg="mod">
+          <ac:chgData name="Maximilian Schlake" userId="d69807565a22ab48" providerId="LiveId" clId="{497DC6A5-6E98-4823-B94B-BA98122E7321}" dt="2023-06-01T11:09:20.758" v="536" actId="20577"/>
+          <ac:spMkLst>
+            <pc:docMk/>
+            <pc:sldMk cId="47249489" sldId="264"/>
+            <ac:spMk id="2" creationId="{9CEF219F-A752-AF3A-FEDC-8EB897838D43}"/>
+          </ac:spMkLst>
+        </pc:spChg>
+        <pc:spChg chg="del mod">
+          <ac:chgData name="Maximilian Schlake" userId="d69807565a22ab48" providerId="LiveId" clId="{497DC6A5-6E98-4823-B94B-BA98122E7321}" dt="2023-06-01T09:45:01.050" v="9"/>
+          <ac:spMkLst>
+            <pc:docMk/>
+            <pc:sldMk cId="47249489" sldId="264"/>
+            <ac:spMk id="3" creationId="{DD7E7B8A-64D7-42FA-69FE-83D28EA0770B}"/>
+          </ac:spMkLst>
+        </pc:spChg>
+        <pc:spChg chg="add mod">
+          <ac:chgData name="Maximilian Schlake" userId="d69807565a22ab48" providerId="LiveId" clId="{497DC6A5-6E98-4823-B94B-BA98122E7321}" dt="2023-06-01T10:07:00.562" v="102" actId="1076"/>
+          <ac:spMkLst>
+            <pc:docMk/>
+            <pc:sldMk cId="47249489" sldId="264"/>
+            <ac:spMk id="7" creationId="{38434C18-E629-8B9D-4E85-3B193564F614}"/>
+          </ac:spMkLst>
+        </pc:spChg>
+        <pc:picChg chg="add del mod">
+          <ac:chgData name="Maximilian Schlake" userId="d69807565a22ab48" providerId="LiveId" clId="{497DC6A5-6E98-4823-B94B-BA98122E7321}" dt="2023-06-01T09:45:35.960" v="14" actId="478"/>
+          <ac:picMkLst>
+            <pc:docMk/>
+            <pc:sldMk cId="47249489" sldId="264"/>
+            <ac:picMk id="4" creationId="{A180C1B9-15D3-8561-4836-13D2188BDB10}"/>
+          </ac:picMkLst>
+        </pc:picChg>
+        <pc:picChg chg="del">
+          <ac:chgData name="Maximilian Schlake" userId="d69807565a22ab48" providerId="LiveId" clId="{497DC6A5-6E98-4823-B94B-BA98122E7321}" dt="2023-06-01T09:44:59.480" v="8" actId="478"/>
+          <ac:picMkLst>
+            <pc:docMk/>
+            <pc:sldMk cId="47249489" sldId="264"/>
+            <ac:picMk id="5" creationId="{5C8ED170-4989-2D1E-ED52-6ED9FFAE4CF9}"/>
+          </ac:picMkLst>
+        </pc:picChg>
+        <pc:picChg chg="add mod">
+          <ac:chgData name="Maximilian Schlake" userId="d69807565a22ab48" providerId="LiveId" clId="{497DC6A5-6E98-4823-B94B-BA98122E7321}" dt="2023-06-01T10:06:38.345" v="80" actId="1076"/>
+          <ac:picMkLst>
+            <pc:docMk/>
+            <pc:sldMk cId="47249489" sldId="264"/>
+            <ac:picMk id="9" creationId="{80148DE4-913D-B647-35B2-CD78F58DC834}"/>
+          </ac:picMkLst>
+        </pc:picChg>
+        <pc:picChg chg="add del mod">
+          <ac:chgData name="Maximilian Schlake" userId="d69807565a22ab48" providerId="LiveId" clId="{497DC6A5-6E98-4823-B94B-BA98122E7321}" dt="2023-06-01T10:06:14.739" v="77" actId="478"/>
+          <ac:picMkLst>
+            <pc:docMk/>
+            <pc:sldMk cId="47249489" sldId="264"/>
+            <ac:picMk id="10" creationId="{A8E7008A-6C42-BC98-7685-D82E7D7D4C4A}"/>
+          </ac:picMkLst>
+        </pc:picChg>
+      </pc:sldChg>
+      <pc:sldChg chg="addSp delSp modSp add del mod modNotesTx">
+        <pc:chgData name="Maximilian Schlake" userId="d69807565a22ab48" providerId="LiveId" clId="{497DC6A5-6E98-4823-B94B-BA98122E7321}" dt="2023-06-01T11:09:30.778" v="539" actId="2696"/>
+        <pc:sldMkLst>
+          <pc:docMk/>
+          <pc:sldMk cId="1034375881" sldId="265"/>
+        </pc:sldMkLst>
+        <pc:spChg chg="add mod">
+          <ac:chgData name="Maximilian Schlake" userId="d69807565a22ab48" providerId="LiveId" clId="{497DC6A5-6E98-4823-B94B-BA98122E7321}" dt="2023-06-01T10:07:41.949" v="139" actId="21"/>
+          <ac:spMkLst>
+            <pc:docMk/>
+            <pc:sldMk cId="1034375881" sldId="265"/>
+            <ac:spMk id="5" creationId="{3F06AFB1-6182-DC3D-F685-DD16604F6CEE}"/>
+          </ac:spMkLst>
+        </pc:spChg>
+        <pc:picChg chg="del mod">
+          <ac:chgData name="Maximilian Schlake" userId="d69807565a22ab48" providerId="LiveId" clId="{497DC6A5-6E98-4823-B94B-BA98122E7321}" dt="2023-06-01T10:07:41.949" v="139" actId="21"/>
+          <ac:picMkLst>
+            <pc:docMk/>
+            <pc:sldMk cId="1034375881" sldId="265"/>
+            <ac:picMk id="4" creationId="{A180C1B9-15D3-8561-4836-13D2188BDB10}"/>
+          </ac:picMkLst>
+        </pc:picChg>
+      </pc:sldChg>
+      <pc:sldChg chg="addSp delSp modSp add mod modNotesTx">
+        <pc:chgData name="Maximilian Schlake" userId="d69807565a22ab48" providerId="LiveId" clId="{497DC6A5-6E98-4823-B94B-BA98122E7321}" dt="2023-06-01T11:16:19.897" v="578" actId="20577"/>
+        <pc:sldMkLst>
+          <pc:docMk/>
+          <pc:sldMk cId="2877771453" sldId="266"/>
+        </pc:sldMkLst>
+        <pc:spChg chg="mod">
+          <ac:chgData name="Maximilian Schlake" userId="d69807565a22ab48" providerId="LiveId" clId="{497DC6A5-6E98-4823-B94B-BA98122E7321}" dt="2023-06-01T11:09:23.172" v="537" actId="20577"/>
+          <ac:spMkLst>
+            <pc:docMk/>
+            <pc:sldMk cId="2877771453" sldId="266"/>
+            <ac:spMk id="2" creationId="{9CEF219F-A752-AF3A-FEDC-8EB897838D43}"/>
+          </ac:spMkLst>
+        </pc:spChg>
+        <pc:spChg chg="mod">
+          <ac:chgData name="Maximilian Schlake" userId="d69807565a22ab48" providerId="LiveId" clId="{497DC6A5-6E98-4823-B94B-BA98122E7321}" dt="2023-06-01T11:16:19.897" v="578" actId="20577"/>
+          <ac:spMkLst>
+            <pc:docMk/>
+            <pc:sldMk cId="2877771453" sldId="266"/>
+            <ac:spMk id="7" creationId="{38434C18-E629-8B9D-4E85-3B193564F614}"/>
+          </ac:spMkLst>
+        </pc:spChg>
+        <pc:picChg chg="add mod">
+          <ac:chgData name="Maximilian Schlake" userId="d69807565a22ab48" providerId="LiveId" clId="{497DC6A5-6E98-4823-B94B-BA98122E7321}" dt="2023-06-01T10:08:21.867" v="151" actId="1076"/>
+          <ac:picMkLst>
+            <pc:docMk/>
+            <pc:sldMk cId="2877771453" sldId="266"/>
+            <ac:picMk id="3" creationId="{057CC8B5-B4A5-56F9-3445-E53C7CBDE4B1}"/>
+          </ac:picMkLst>
+        </pc:picChg>
+        <pc:picChg chg="add mod">
+          <ac:chgData name="Maximilian Schlake" userId="d69807565a22ab48" providerId="LiveId" clId="{497DC6A5-6E98-4823-B94B-BA98122E7321}" dt="2023-06-01T10:08:31.795" v="152" actId="1076"/>
+          <ac:picMkLst>
+            <pc:docMk/>
+            <pc:sldMk cId="2877771453" sldId="266"/>
+            <ac:picMk id="5" creationId="{DBDEEF7F-1D3B-737D-9027-905F1B043533}"/>
+          </ac:picMkLst>
+        </pc:picChg>
+        <pc:picChg chg="del">
+          <ac:chgData name="Maximilian Schlake" userId="d69807565a22ab48" providerId="LiveId" clId="{497DC6A5-6E98-4823-B94B-BA98122E7321}" dt="2023-06-01T10:07:39.147" v="138" actId="478"/>
+          <ac:picMkLst>
+            <pc:docMk/>
+            <pc:sldMk cId="2877771453" sldId="266"/>
+            <ac:picMk id="9" creationId="{80148DE4-913D-B647-35B2-CD78F58DC834}"/>
+          </ac:picMkLst>
+        </pc:picChg>
+      </pc:sldChg>
+      <pc:sldChg chg="addSp delSp modSp add mod">
+        <pc:chgData name="Maximilian Schlake" userId="d69807565a22ab48" providerId="LiveId" clId="{497DC6A5-6E98-4823-B94B-BA98122E7321}" dt="2023-06-01T11:09:25.438" v="538" actId="20577"/>
+        <pc:sldMkLst>
+          <pc:docMk/>
+          <pc:sldMk cId="852344474" sldId="267"/>
+        </pc:sldMkLst>
+        <pc:spChg chg="mod">
+          <ac:chgData name="Maximilian Schlake" userId="d69807565a22ab48" providerId="LiveId" clId="{497DC6A5-6E98-4823-B94B-BA98122E7321}" dt="2023-06-01T11:09:25.438" v="538" actId="20577"/>
+          <ac:spMkLst>
+            <pc:docMk/>
+            <pc:sldMk cId="852344474" sldId="267"/>
+            <ac:spMk id="2" creationId="{9CEF219F-A752-AF3A-FEDC-8EB897838D43}"/>
+          </ac:spMkLst>
+        </pc:spChg>
+        <pc:spChg chg="mod">
+          <ac:chgData name="Maximilian Schlake" userId="d69807565a22ab48" providerId="LiveId" clId="{497DC6A5-6E98-4823-B94B-BA98122E7321}" dt="2023-06-01T10:34:16.775" v="203" actId="20577"/>
+          <ac:spMkLst>
+            <pc:docMk/>
+            <pc:sldMk cId="852344474" sldId="267"/>
+            <ac:spMk id="7" creationId="{38434C18-E629-8B9D-4E85-3B193564F614}"/>
+          </ac:spMkLst>
+        </pc:spChg>
+        <pc:picChg chg="del">
+          <ac:chgData name="Maximilian Schlake" userId="d69807565a22ab48" providerId="LiveId" clId="{497DC6A5-6E98-4823-B94B-BA98122E7321}" dt="2023-06-01T10:34:23.891" v="205" actId="478"/>
+          <ac:picMkLst>
+            <pc:docMk/>
+            <pc:sldMk cId="852344474" sldId="267"/>
+            <ac:picMk id="3" creationId="{057CC8B5-B4A5-56F9-3445-E53C7CBDE4B1}"/>
+          </ac:picMkLst>
+        </pc:picChg>
+        <pc:picChg chg="del">
+          <ac:chgData name="Maximilian Schlake" userId="d69807565a22ab48" providerId="LiveId" clId="{497DC6A5-6E98-4823-B94B-BA98122E7321}" dt="2023-06-01T10:34:23.239" v="204" actId="478"/>
+          <ac:picMkLst>
+            <pc:docMk/>
+            <pc:sldMk cId="852344474" sldId="267"/>
+            <ac:picMk id="5" creationId="{DBDEEF7F-1D3B-737D-9027-905F1B043533}"/>
+          </ac:picMkLst>
+        </pc:picChg>
+        <pc:picChg chg="add mod">
+          <ac:chgData name="Maximilian Schlake" userId="d69807565a22ab48" providerId="LiveId" clId="{497DC6A5-6E98-4823-B94B-BA98122E7321}" dt="2023-06-01T10:50:34.944" v="241" actId="1076"/>
+          <ac:picMkLst>
+            <pc:docMk/>
+            <pc:sldMk cId="852344474" sldId="267"/>
+            <ac:picMk id="6" creationId="{63D627F6-5C7E-ECDE-6812-5A0255CC8FE1}"/>
+          </ac:picMkLst>
+        </pc:picChg>
+        <pc:picChg chg="add mod">
+          <ac:chgData name="Maximilian Schlake" userId="d69807565a22ab48" providerId="LiveId" clId="{497DC6A5-6E98-4823-B94B-BA98122E7321}" dt="2023-06-01T10:50:34.944" v="241" actId="1076"/>
+          <ac:picMkLst>
+            <pc:docMk/>
+            <pc:sldMk cId="852344474" sldId="267"/>
+            <ac:picMk id="9" creationId="{82C6D728-F90C-831C-54F8-A60161E93EE7}"/>
+          </ac:picMkLst>
+        </pc:picChg>
+        <pc:picChg chg="add mod">
+          <ac:chgData name="Maximilian Schlake" userId="d69807565a22ab48" providerId="LiveId" clId="{497DC6A5-6E98-4823-B94B-BA98122E7321}" dt="2023-06-01T10:50:34.944" v="241" actId="1076"/>
+          <ac:picMkLst>
+            <pc:docMk/>
+            <pc:sldMk cId="852344474" sldId="267"/>
+            <ac:picMk id="11" creationId="{CA2F37BF-7AA0-41BB-813B-DBFE232C748F}"/>
+          </ac:picMkLst>
+        </pc:picChg>
+      </pc:sldChg>
+    </pc:docChg>
+  </pc:docChgLst>
   <pc:docChgLst>
     <pc:chgData name="Maximilian Schlake" userId="d69807565a22ab48" providerId="LiveId" clId="{D2304C36-6F9A-49D4-BBB1-E2AF6025F6E7}"/>
     <pc:docChg chg="undo custSel addSld modSld">
@@ -378,7 +686,7 @@
           <a:p>
             <a:fld id="{0C8215FD-C011-40F7-B8C6-36FA60F83152}" type="datetimeFigureOut">
               <a:rPr lang="en-GB" smtClean="0"/>
-              <a:t>31/05/2023</a:t>
+              <a:t>01/06/2023</a:t>
             </a:fld>
             <a:endParaRPr lang="en-GB"/>
           </a:p>
@@ -817,6 +1125,26 @@
             </a:r>
           </a:p>
           <a:p>
+            <a:r>
+              <a:rPr lang="en-US" b="1" dirty="0"/>
+              <a:t>Creatinine: </a:t>
+            </a:r>
+            <a:r>
+              <a:rPr lang="en-US" b="0" dirty="0"/>
+              <a:t>Serum creatinine level is based on a blood test that measures the amount of creatinine in the blood. When the kidneys are not working well, serum creatinine level goes up. </a:t>
+            </a:r>
+          </a:p>
+          <a:p>
+            <a:r>
+              <a:rPr lang="en-US" b="1" dirty="0"/>
+              <a:t>Platelets</a:t>
+            </a:r>
+            <a:r>
+              <a:rPr lang="en-US" b="0" dirty="0"/>
+              <a:t>: Pieces of very large cells in the bone marrow called megakaryocytes. They help form blood clots to slow or stop bleeding and to help wounds heal. Having too many or too few platelets or having platelets that don't work as they should can cause problems.</a:t>
+            </a:r>
+          </a:p>
+          <a:p>
             <a:pPr marL="0" marR="0" lvl="0" indent="0" algn="l" defTabSz="914400" rtl="0" eaLnBrk="1" fontAlgn="auto" latinLnBrk="0" hangingPunct="1">
               <a:lnSpc>
                 <a:spcPct val="100000"/>
@@ -855,17 +1183,6 @@
               <a:t>An enzyme (a protein that helps to elicit chemical changes in the body) found in the heart, brain, and skeletal muscles. When muscle tissue is damaged, CPK leaks into your blood. Therefore, high levels of CPK usually indicate some sort of stress or injury to the heart or other muscles</a:t>
             </a:r>
             <a:endParaRPr lang="en-GB" b="1" i="0" dirty="0"/>
-          </a:p>
-          <a:p>
-            <a:r>
-              <a:rPr lang="en-US" b="1" dirty="0"/>
-              <a:t>Platelets</a:t>
-            </a:r>
-            <a:r>
-              <a:rPr lang="en-US" b="0" dirty="0"/>
-              <a:t>: Pieces of very large cells in the bone marrow called megakaryocytes. They help form blood clots to slow or stop bleeding and to help wounds heal. Having too many or too few platelets or having platelets that don't work as they should can cause problems.</a:t>
-            </a:r>
-            <a:endParaRPr lang="en-GB" b="0" dirty="0"/>
           </a:p>
         </p:txBody>
       </p:sp>
@@ -949,7 +1266,91 @@
           <a:bodyPr/>
           <a:lstStyle/>
           <a:p>
-            <a:endParaRPr lang="en-GB" dirty="0"/>
+            <a:endParaRPr lang="en-GB" b="0" dirty="0"/>
+          </a:p>
+        </p:txBody>
+      </p:sp>
+      <p:sp>
+        <p:nvSpPr>
+          <p:cNvPr id="4" name="Slide Number Placeholder 3"/>
+          <p:cNvSpPr>
+            <a:spLocks noGrp="1"/>
+          </p:cNvSpPr>
+          <p:nvPr>
+            <p:ph type="sldNum" sz="quarter" idx="5"/>
+          </p:nvPr>
+        </p:nvSpPr>
+        <p:spPr/>
+        <p:txBody>
+          <a:bodyPr/>
+          <a:lstStyle/>
+          <a:p>
+            <a:fld id="{85EBC9E2-2C9A-438E-83DE-17F69134D413}" type="slidenum">
+              <a:rPr lang="en-GB" smtClean="0"/>
+              <a:t>4</a:t>
+            </a:fld>
+            <a:endParaRPr lang="en-GB"/>
+          </a:p>
+        </p:txBody>
+      </p:sp>
+    </p:spTree>
+    <p:extLst>
+      <p:ext uri="{BB962C8B-B14F-4D97-AF65-F5344CB8AC3E}">
+        <p14:creationId xmlns:p14="http://schemas.microsoft.com/office/powerpoint/2010/main" val="622820937"/>
+      </p:ext>
+    </p:extLst>
+  </p:cSld>
+  <p:clrMapOvr>
+    <a:masterClrMapping/>
+  </p:clrMapOvr>
+</p:notes>
+</file>
+
+<file path=ppt/notesSlides/notesSlide4.xml><?xml version="1.0" encoding="utf-8"?>
+<p:notes xmlns:a="http://schemas.openxmlformats.org/drawingml/2006/main" xmlns:r="http://schemas.openxmlformats.org/officeDocument/2006/relationships" xmlns:p="http://schemas.openxmlformats.org/presentationml/2006/main">
+  <p:cSld>
+    <p:spTree>
+      <p:nvGrpSpPr>
+        <p:cNvPr id="1" name=""/>
+        <p:cNvGrpSpPr/>
+        <p:nvPr/>
+      </p:nvGrpSpPr>
+      <p:grpSpPr>
+        <a:xfrm>
+          <a:off x="0" y="0"/>
+          <a:ext cx="0" cy="0"/>
+          <a:chOff x="0" y="0"/>
+          <a:chExt cx="0" cy="0"/>
+        </a:xfrm>
+      </p:grpSpPr>
+      <p:sp>
+        <p:nvSpPr>
+          <p:cNvPr id="2" name="Slide Image Placeholder 1"/>
+          <p:cNvSpPr>
+            <a:spLocks noGrp="1" noRot="1" noChangeAspect="1"/>
+          </p:cNvSpPr>
+          <p:nvPr>
+            <p:ph type="sldImg"/>
+          </p:nvPr>
+        </p:nvSpPr>
+        <p:spPr/>
+      </p:sp>
+      <p:sp>
+        <p:nvSpPr>
+          <p:cNvPr id="3" name="Notes Placeholder 2"/>
+          <p:cNvSpPr>
+            <a:spLocks noGrp="1"/>
+          </p:cNvSpPr>
+          <p:nvPr>
+            <p:ph type="body" idx="1"/>
+          </p:nvPr>
+        </p:nvSpPr>
+        <p:spPr/>
+        <p:txBody>
+          <a:bodyPr/>
+          <a:lstStyle/>
+          <a:p>
+            <a:endParaRPr lang="en-GB" b="0" dirty="0"/>
           </a:p>
         </p:txBody>
       </p:sp>
@@ -971,6 +1372,174 @@
             <a:fld id="{85EBC9E2-2C9A-438E-83DE-17F69134D413}" type="slidenum">
               <a:rPr lang="en-GB" smtClean="0"/>
               <a:t>5</a:t>
+            </a:fld>
+            <a:endParaRPr lang="en-GB"/>
+          </a:p>
+        </p:txBody>
+      </p:sp>
+    </p:spTree>
+    <p:extLst>
+      <p:ext uri="{BB962C8B-B14F-4D97-AF65-F5344CB8AC3E}">
+        <p14:creationId xmlns:p14="http://schemas.microsoft.com/office/powerpoint/2010/main" val="745004438"/>
+      </p:ext>
+    </p:extLst>
+  </p:cSld>
+  <p:clrMapOvr>
+    <a:masterClrMapping/>
+  </p:clrMapOvr>
+</p:notes>
+</file>
+
+<file path=ppt/notesSlides/notesSlide5.xml><?xml version="1.0" encoding="utf-8"?>
+<p:notes xmlns:a="http://schemas.openxmlformats.org/drawingml/2006/main" xmlns:r="http://schemas.openxmlformats.org/officeDocument/2006/relationships" xmlns:p="http://schemas.openxmlformats.org/presentationml/2006/main">
+  <p:cSld>
+    <p:spTree>
+      <p:nvGrpSpPr>
+        <p:cNvPr id="1" name=""/>
+        <p:cNvGrpSpPr/>
+        <p:nvPr/>
+      </p:nvGrpSpPr>
+      <p:grpSpPr>
+        <a:xfrm>
+          <a:off x="0" y="0"/>
+          <a:ext cx="0" cy="0"/>
+          <a:chOff x="0" y="0"/>
+          <a:chExt cx="0" cy="0"/>
+        </a:xfrm>
+      </p:grpSpPr>
+      <p:sp>
+        <p:nvSpPr>
+          <p:cNvPr id="2" name="Slide Image Placeholder 1"/>
+          <p:cNvSpPr>
+            <a:spLocks noGrp="1" noRot="1" noChangeAspect="1"/>
+          </p:cNvSpPr>
+          <p:nvPr>
+            <p:ph type="sldImg"/>
+          </p:nvPr>
+        </p:nvSpPr>
+        <p:spPr/>
+      </p:sp>
+      <p:sp>
+        <p:nvSpPr>
+          <p:cNvPr id="3" name="Notes Placeholder 2"/>
+          <p:cNvSpPr>
+            <a:spLocks noGrp="1"/>
+          </p:cNvSpPr>
+          <p:nvPr>
+            <p:ph type="body" idx="1"/>
+          </p:nvPr>
+        </p:nvSpPr>
+        <p:spPr/>
+        <p:txBody>
+          <a:bodyPr/>
+          <a:lstStyle/>
+          <a:p>
+            <a:endParaRPr lang="en-GB" b="0" dirty="0"/>
+          </a:p>
+        </p:txBody>
+      </p:sp>
+      <p:sp>
+        <p:nvSpPr>
+          <p:cNvPr id="4" name="Slide Number Placeholder 3"/>
+          <p:cNvSpPr>
+            <a:spLocks noGrp="1"/>
+          </p:cNvSpPr>
+          <p:nvPr>
+            <p:ph type="sldNum" sz="quarter" idx="5"/>
+          </p:nvPr>
+        </p:nvSpPr>
+        <p:spPr/>
+        <p:txBody>
+          <a:bodyPr/>
+          <a:lstStyle/>
+          <a:p>
+            <a:fld id="{85EBC9E2-2C9A-438E-83DE-17F69134D413}" type="slidenum">
+              <a:rPr lang="en-GB" smtClean="0"/>
+              <a:t>6</a:t>
+            </a:fld>
+            <a:endParaRPr lang="en-GB"/>
+          </a:p>
+        </p:txBody>
+      </p:sp>
+    </p:spTree>
+    <p:extLst>
+      <p:ext uri="{BB962C8B-B14F-4D97-AF65-F5344CB8AC3E}">
+        <p14:creationId xmlns:p14="http://schemas.microsoft.com/office/powerpoint/2010/main" val="1714189590"/>
+      </p:ext>
+    </p:extLst>
+  </p:cSld>
+  <p:clrMapOvr>
+    <a:masterClrMapping/>
+  </p:clrMapOvr>
+</p:notes>
+</file>
+
+<file path=ppt/notesSlides/notesSlide6.xml><?xml version="1.0" encoding="utf-8"?>
+<p:notes xmlns:a="http://schemas.openxmlformats.org/drawingml/2006/main" xmlns:r="http://schemas.openxmlformats.org/officeDocument/2006/relationships" xmlns:p="http://schemas.openxmlformats.org/presentationml/2006/main">
+  <p:cSld>
+    <p:spTree>
+      <p:nvGrpSpPr>
+        <p:cNvPr id="1" name=""/>
+        <p:cNvGrpSpPr/>
+        <p:nvPr/>
+      </p:nvGrpSpPr>
+      <p:grpSpPr>
+        <a:xfrm>
+          <a:off x="0" y="0"/>
+          <a:ext cx="0" cy="0"/>
+          <a:chOff x="0" y="0"/>
+          <a:chExt cx="0" cy="0"/>
+        </a:xfrm>
+      </p:grpSpPr>
+      <p:sp>
+        <p:nvSpPr>
+          <p:cNvPr id="2" name="Slide Image Placeholder 1"/>
+          <p:cNvSpPr>
+            <a:spLocks noGrp="1" noRot="1" noChangeAspect="1"/>
+          </p:cNvSpPr>
+          <p:nvPr>
+            <p:ph type="sldImg"/>
+          </p:nvPr>
+        </p:nvSpPr>
+        <p:spPr/>
+      </p:sp>
+      <p:sp>
+        <p:nvSpPr>
+          <p:cNvPr id="3" name="Notes Placeholder 2"/>
+          <p:cNvSpPr>
+            <a:spLocks noGrp="1"/>
+          </p:cNvSpPr>
+          <p:nvPr>
+            <p:ph type="body" idx="1"/>
+          </p:nvPr>
+        </p:nvSpPr>
+        <p:spPr/>
+        <p:txBody>
+          <a:bodyPr/>
+          <a:lstStyle/>
+          <a:p>
+            <a:endParaRPr lang="en-GB" dirty="0"/>
+          </a:p>
+        </p:txBody>
+      </p:sp>
+      <p:sp>
+        <p:nvSpPr>
+          <p:cNvPr id="4" name="Slide Number Placeholder 3"/>
+          <p:cNvSpPr>
+            <a:spLocks noGrp="1"/>
+          </p:cNvSpPr>
+          <p:nvPr>
+            <p:ph type="sldNum" sz="quarter" idx="5"/>
+          </p:nvPr>
+        </p:nvSpPr>
+        <p:spPr/>
+        <p:txBody>
+          <a:bodyPr/>
+          <a:lstStyle/>
+          <a:p>
+            <a:fld id="{85EBC9E2-2C9A-438E-83DE-17F69134D413}" type="slidenum">
+              <a:rPr lang="en-GB" smtClean="0"/>
+              <a:t>8</a:t>
             </a:fld>
             <a:endParaRPr lang="en-GB"/>
           </a:p>
@@ -1206,7 +1775,7 @@
           <a:p>
             <a:fld id="{A1B2EB48-0D68-46EB-BB33-70996AFA08CC}" type="datetimeFigureOut">
               <a:rPr lang="en-GB" smtClean="0"/>
-              <a:t>31/05/2023</a:t>
+              <a:t>01/06/2023</a:t>
             </a:fld>
             <a:endParaRPr lang="en-GB"/>
           </a:p>
@@ -1541,7 +2110,7 @@
           <a:p>
             <a:fld id="{A1B2EB48-0D68-46EB-BB33-70996AFA08CC}" type="datetimeFigureOut">
               <a:rPr lang="en-GB" smtClean="0"/>
-              <a:t>31/05/2023</a:t>
+              <a:t>01/06/2023</a:t>
             </a:fld>
             <a:endParaRPr lang="en-GB"/>
           </a:p>
@@ -1844,7 +2413,7 @@
           <a:p>
             <a:fld id="{A1B2EB48-0D68-46EB-BB33-70996AFA08CC}" type="datetimeFigureOut">
               <a:rPr lang="en-GB" smtClean="0"/>
-              <a:t>31/05/2023</a:t>
+              <a:t>01/06/2023</a:t>
             </a:fld>
             <a:endParaRPr lang="en-GB"/>
           </a:p>
@@ -2092,7 +2661,7 @@
           <a:p>
             <a:fld id="{A1B2EB48-0D68-46EB-BB33-70996AFA08CC}" type="datetimeFigureOut">
               <a:rPr lang="en-GB" smtClean="0"/>
-              <a:t>31/05/2023</a:t>
+              <a:t>01/06/2023</a:t>
             </a:fld>
             <a:endParaRPr lang="en-GB"/>
           </a:p>
@@ -2500,7 +3069,7 @@
           <a:p>
             <a:fld id="{A1B2EB48-0D68-46EB-BB33-70996AFA08CC}" type="datetimeFigureOut">
               <a:rPr lang="en-GB" smtClean="0"/>
-              <a:t>31/05/2023</a:t>
+              <a:t>01/06/2023</a:t>
             </a:fld>
             <a:endParaRPr lang="en-GB"/>
           </a:p>
@@ -2815,7 +3384,7 @@
           <a:p>
             <a:fld id="{A1B2EB48-0D68-46EB-BB33-70996AFA08CC}" type="datetimeFigureOut">
               <a:rPr lang="en-GB" smtClean="0"/>
-              <a:t>31/05/2023</a:t>
+              <a:t>01/06/2023</a:t>
             </a:fld>
             <a:endParaRPr lang="en-GB"/>
           </a:p>
@@ -3360,7 +3929,7 @@
           <a:p>
             <a:fld id="{A1B2EB48-0D68-46EB-BB33-70996AFA08CC}" type="datetimeFigureOut">
               <a:rPr lang="en-GB" smtClean="0"/>
-              <a:t>31/05/2023</a:t>
+              <a:t>01/06/2023</a:t>
             </a:fld>
             <a:endParaRPr lang="en-GB"/>
           </a:p>
@@ -3556,7 +4125,7 @@
           <a:p>
             <a:fld id="{A1B2EB48-0D68-46EB-BB33-70996AFA08CC}" type="datetimeFigureOut">
               <a:rPr lang="en-GB" smtClean="0"/>
-              <a:t>31/05/2023</a:t>
+              <a:t>01/06/2023</a:t>
             </a:fld>
             <a:endParaRPr lang="en-GB"/>
           </a:p>
@@ -3770,7 +4339,7 @@
           <a:p>
             <a:fld id="{A1B2EB48-0D68-46EB-BB33-70996AFA08CC}" type="datetimeFigureOut">
               <a:rPr lang="en-GB" smtClean="0"/>
-              <a:t>31/05/2023</a:t>
+              <a:t>01/06/2023</a:t>
             </a:fld>
             <a:endParaRPr lang="en-GB"/>
           </a:p>
@@ -4140,7 +4709,7 @@
           <a:p>
             <a:fld id="{A1B2EB48-0D68-46EB-BB33-70996AFA08CC}" type="datetimeFigureOut">
               <a:rPr lang="en-GB" smtClean="0"/>
-              <a:t>31/05/2023</a:t>
+              <a:t>01/06/2023</a:t>
             </a:fld>
             <a:endParaRPr lang="en-GB"/>
           </a:p>
@@ -4544,7 +5113,7 @@
           <a:p>
             <a:fld id="{A1B2EB48-0D68-46EB-BB33-70996AFA08CC}" type="datetimeFigureOut">
               <a:rPr lang="en-GB" smtClean="0"/>
-              <a:t>31/05/2023</a:t>
+              <a:t>01/06/2023</a:t>
             </a:fld>
             <a:endParaRPr lang="en-GB"/>
           </a:p>
@@ -4856,7 +5425,7 @@
           <a:p>
             <a:fld id="{A1B2EB48-0D68-46EB-BB33-70996AFA08CC}" type="datetimeFigureOut">
               <a:rPr lang="en-GB" smtClean="0"/>
-              <a:t>31/05/2023</a:t>
+              <a:t>01/06/2023</a:t>
             </a:fld>
             <a:endParaRPr lang="en-GB"/>
           </a:p>
@@ -5390,13 +5959,13 @@
         </p:nvSpPr>
         <p:spPr>
           <a:xfrm>
-            <a:off x="2099388" y="3429000"/>
-            <a:ext cx="6030486" cy="2738537"/>
+            <a:off x="2099388" y="3353844"/>
+            <a:ext cx="6030486" cy="3122112"/>
           </a:xfrm>
         </p:spPr>
         <p:txBody>
           <a:bodyPr>
-            <a:normAutofit/>
+            <a:normAutofit fontScale="90000"/>
           </a:bodyPr>
           <a:lstStyle/>
           <a:p>
@@ -5404,7 +5973,21 @@
               <a:rPr lang="en-US" dirty="0"/>
               <a:t>Survival analysis of heart failure patients</a:t>
             </a:r>
-            <a:endParaRPr lang="en-GB" dirty="0"/>
+            <a:br>
+              <a:rPr lang="en-US" dirty="0"/>
+            </a:br>
+            <a:r>
+              <a:rPr lang="en-US" sz="2400" dirty="0"/>
+              <a:t> </a:t>
+            </a:r>
+            <a:br>
+              <a:rPr lang="en-US" sz="2400" dirty="0"/>
+            </a:br>
+            <a:r>
+              <a:rPr lang="en-US" sz="2200" i="1" dirty="0"/>
+              <a:t>– based on a case study by Ahmad et al. (2017)</a:t>
+            </a:r>
+            <a:endParaRPr lang="en-GB" i="1" dirty="0"/>
           </a:p>
         </p:txBody>
       </p:sp>
@@ -5426,22 +6009,38 @@
         </p:nvSpPr>
         <p:spPr>
           <a:xfrm>
-            <a:off x="2772274" y="1559659"/>
+            <a:off x="2772274" y="407266"/>
             <a:ext cx="5357600" cy="1160213"/>
           </a:xfrm>
         </p:spPr>
         <p:txBody>
           <a:bodyPr>
-            <a:normAutofit fontScale="92500" lnSpcReduction="10000"/>
+            <a:normAutofit fontScale="77500" lnSpcReduction="20000"/>
           </a:bodyPr>
           <a:lstStyle/>
           <a:p>
+            <a:pPr>
+              <a:spcBef>
+                <a:spcPts val="0"/>
+              </a:spcBef>
+              <a:spcAft>
+                <a:spcPts val="0"/>
+              </a:spcAft>
+            </a:pPr>
             <a:r>
               <a:rPr lang="en-GB" sz="2000" b="1" dirty="0"/>
               <a:t>Data Science Applications – B0925</a:t>
             </a:r>
           </a:p>
           <a:p>
+            <a:pPr>
+              <a:spcBef>
+                <a:spcPts val="0"/>
+              </a:spcBef>
+              <a:spcAft>
+                <a:spcPts val="0"/>
+              </a:spcAft>
+            </a:pPr>
             <a:r>
               <a:rPr lang="en-GB" dirty="0"/>
               <a:t>Sebastian </a:t>
@@ -5450,9 +6049,20 @@
               <a:rPr lang="en-GB" dirty="0" err="1"/>
               <a:t>Veuskens</a:t>
             </a:r>
+            <a:endParaRPr lang="en-GB" dirty="0"/>
+          </a:p>
+          <a:p>
+            <a:pPr>
+              <a:spcBef>
+                <a:spcPts val="0"/>
+              </a:spcBef>
+              <a:spcAft>
+                <a:spcPts val="0"/>
+              </a:spcAft>
+            </a:pPr>
             <a:r>
               <a:rPr lang="en-GB" dirty="0"/>
-              <a:t>, Jose Gabriel </a:t>
+              <a:t>Jose Gabriel </a:t>
             </a:r>
             <a:r>
               <a:rPr lang="en-GB" dirty="0" err="1"/>
@@ -5460,7 +6070,35 @@
             </a:r>
             <a:r>
               <a:rPr lang="en-GB" dirty="0"/>
-              <a:t>, Desmond Reynolds, Maximilian Schlake</a:t>
+              <a:t> </a:t>
+            </a:r>
+          </a:p>
+          <a:p>
+            <a:pPr>
+              <a:spcBef>
+                <a:spcPts val="0"/>
+              </a:spcBef>
+              <a:spcAft>
+                <a:spcPts val="0"/>
+              </a:spcAft>
+            </a:pPr>
+            <a:r>
+              <a:rPr lang="en-GB" dirty="0"/>
+              <a:t>Desmond Reynolds</a:t>
+            </a:r>
+          </a:p>
+          <a:p>
+            <a:pPr>
+              <a:spcBef>
+                <a:spcPts val="0"/>
+              </a:spcBef>
+              <a:spcAft>
+                <a:spcPts val="0"/>
+              </a:spcAft>
+            </a:pPr>
+            <a:r>
+              <a:rPr lang="en-GB" dirty="0"/>
+              <a:t> Maximilian Schlake</a:t>
             </a:r>
           </a:p>
         </p:txBody>
@@ -5469,6 +6107,268 @@
     <p:extLst>
       <p:ext uri="{BB962C8B-B14F-4D97-AF65-F5344CB8AC3E}">
         <p14:creationId xmlns:p14="http://schemas.microsoft.com/office/powerpoint/2010/main" val="2177361413"/>
+      </p:ext>
+    </p:extLst>
+  </p:cSld>
+  <p:clrMapOvr>
+    <a:masterClrMapping/>
+  </p:clrMapOvr>
+</p:sld>
+</file>
+
+<file path=ppt/slides/slide10.xml><?xml version="1.0" encoding="utf-8"?>
+<p:sld xmlns:a="http://schemas.openxmlformats.org/drawingml/2006/main" xmlns:r="http://schemas.openxmlformats.org/officeDocument/2006/relationships" xmlns:p="http://schemas.openxmlformats.org/presentationml/2006/main">
+  <p:cSld>
+    <p:spTree>
+      <p:nvGrpSpPr>
+        <p:cNvPr id="1" name=""/>
+        <p:cNvGrpSpPr/>
+        <p:nvPr/>
+      </p:nvGrpSpPr>
+      <p:grpSpPr>
+        <a:xfrm>
+          <a:off x="0" y="0"/>
+          <a:ext cx="0" cy="0"/>
+          <a:chOff x="0" y="0"/>
+          <a:chExt cx="0" cy="0"/>
+        </a:xfrm>
+      </p:grpSpPr>
+      <p:sp>
+        <p:nvSpPr>
+          <p:cNvPr id="2" name="Title 1">
+            <a:extLst>
+              <a:ext uri="{FF2B5EF4-FFF2-40B4-BE49-F238E27FC236}">
+                <a16:creationId xmlns:a16="http://schemas.microsoft.com/office/drawing/2014/main" id="{497E08B4-1A21-5C4A-FF59-0254370A8800}"/>
+              </a:ext>
+            </a:extLst>
+          </p:cNvPr>
+          <p:cNvSpPr>
+            <a:spLocks noGrp="1"/>
+          </p:cNvSpPr>
+          <p:nvPr>
+            <p:ph type="title"/>
+          </p:nvPr>
+        </p:nvSpPr>
+        <p:spPr/>
+        <p:txBody>
+          <a:bodyPr/>
+          <a:lstStyle/>
+          <a:p>
+            <a:r>
+              <a:rPr lang="es-ES" dirty="0" err="1"/>
+              <a:t>iv</a:t>
+            </a:r>
+            <a:r>
+              <a:rPr lang="es-ES" dirty="0"/>
+              <a:t>. </a:t>
+            </a:r>
+            <a:r>
+              <a:rPr lang="es-ES" dirty="0" err="1"/>
+              <a:t>Choice</a:t>
+            </a:r>
+            <a:r>
+              <a:rPr lang="es-ES" dirty="0"/>
+              <a:t> </a:t>
+            </a:r>
+            <a:r>
+              <a:rPr lang="es-ES" dirty="0" err="1"/>
+              <a:t>of</a:t>
+            </a:r>
+            <a:r>
+              <a:rPr lang="es-ES" dirty="0"/>
+              <a:t> </a:t>
+            </a:r>
+            <a:r>
+              <a:rPr lang="es-ES" dirty="0" err="1"/>
+              <a:t>the</a:t>
+            </a:r>
+            <a:r>
+              <a:rPr lang="es-ES" dirty="0"/>
+              <a:t> ‘</a:t>
+            </a:r>
+            <a:r>
+              <a:rPr lang="es-ES" dirty="0" err="1"/>
+              <a:t>best</a:t>
+            </a:r>
+            <a:r>
+              <a:rPr lang="es-ES" dirty="0"/>
+              <a:t>’ </a:t>
+            </a:r>
+            <a:r>
+              <a:rPr lang="es-ES" dirty="0" err="1"/>
+              <a:t>parametric</a:t>
+            </a:r>
+            <a:r>
+              <a:rPr lang="es-ES" dirty="0"/>
+              <a:t> </a:t>
+            </a:r>
+            <a:r>
+              <a:rPr lang="es-ES" dirty="0" err="1"/>
+              <a:t>model</a:t>
+            </a:r>
+            <a:endParaRPr lang="en-GB" dirty="0"/>
+          </a:p>
+        </p:txBody>
+      </p:sp>
+      <p:sp>
+        <p:nvSpPr>
+          <p:cNvPr id="3" name="Content Placeholder 2">
+            <a:extLst>
+              <a:ext uri="{FF2B5EF4-FFF2-40B4-BE49-F238E27FC236}">
+                <a16:creationId xmlns:a16="http://schemas.microsoft.com/office/drawing/2014/main" id="{00097D50-5ACB-4FDD-50C2-902AABD801B5}"/>
+              </a:ext>
+            </a:extLst>
+          </p:cNvPr>
+          <p:cNvSpPr>
+            <a:spLocks noGrp="1"/>
+          </p:cNvSpPr>
+          <p:nvPr>
+            <p:ph idx="1"/>
+          </p:nvPr>
+        </p:nvSpPr>
+        <p:spPr/>
+        <p:txBody>
+          <a:bodyPr/>
+          <a:lstStyle/>
+          <a:p>
+            <a:endParaRPr lang="en-GB"/>
+          </a:p>
+        </p:txBody>
+      </p:sp>
+    </p:spTree>
+    <p:extLst>
+      <p:ext uri="{BB962C8B-B14F-4D97-AF65-F5344CB8AC3E}">
+        <p14:creationId xmlns:p14="http://schemas.microsoft.com/office/powerpoint/2010/main" val="2789381983"/>
+      </p:ext>
+    </p:extLst>
+  </p:cSld>
+  <p:clrMapOvr>
+    <a:masterClrMapping/>
+  </p:clrMapOvr>
+</p:sld>
+</file>
+
+<file path=ppt/slides/slide11.xml><?xml version="1.0" encoding="utf-8"?>
+<p:sld xmlns:a="http://schemas.openxmlformats.org/drawingml/2006/main" xmlns:r="http://schemas.openxmlformats.org/officeDocument/2006/relationships" xmlns:p="http://schemas.openxmlformats.org/presentationml/2006/main">
+  <p:cSld>
+    <p:spTree>
+      <p:nvGrpSpPr>
+        <p:cNvPr id="1" name=""/>
+        <p:cNvGrpSpPr/>
+        <p:nvPr/>
+      </p:nvGrpSpPr>
+      <p:grpSpPr>
+        <a:xfrm>
+          <a:off x="0" y="0"/>
+          <a:ext cx="0" cy="0"/>
+          <a:chOff x="0" y="0"/>
+          <a:chExt cx="0" cy="0"/>
+        </a:xfrm>
+      </p:grpSpPr>
+      <p:sp>
+        <p:nvSpPr>
+          <p:cNvPr id="2" name="Title 1">
+            <a:extLst>
+              <a:ext uri="{FF2B5EF4-FFF2-40B4-BE49-F238E27FC236}">
+                <a16:creationId xmlns:a16="http://schemas.microsoft.com/office/drawing/2014/main" id="{4F09B721-2CE6-D091-186A-443E39FF16C9}"/>
+              </a:ext>
+            </a:extLst>
+          </p:cNvPr>
+          <p:cNvSpPr>
+            <a:spLocks noGrp="1"/>
+          </p:cNvSpPr>
+          <p:nvPr>
+            <p:ph type="title"/>
+          </p:nvPr>
+        </p:nvSpPr>
+        <p:spPr/>
+        <p:txBody>
+          <a:bodyPr/>
+          <a:lstStyle/>
+          <a:p>
+            <a:r>
+              <a:rPr lang="es-ES" dirty="0" err="1"/>
+              <a:t>References</a:t>
+            </a:r>
+            <a:endParaRPr lang="en-GB" dirty="0"/>
+          </a:p>
+        </p:txBody>
+      </p:sp>
+      <p:sp>
+        <p:nvSpPr>
+          <p:cNvPr id="3" name="Content Placeholder 2">
+            <a:extLst>
+              <a:ext uri="{FF2B5EF4-FFF2-40B4-BE49-F238E27FC236}">
+                <a16:creationId xmlns:a16="http://schemas.microsoft.com/office/drawing/2014/main" id="{7B93926A-8058-58EE-8571-32D25C423456}"/>
+              </a:ext>
+            </a:extLst>
+          </p:cNvPr>
+          <p:cNvSpPr>
+            <a:spLocks noGrp="1"/>
+          </p:cNvSpPr>
+          <p:nvPr>
+            <p:ph idx="1"/>
+          </p:nvPr>
+        </p:nvSpPr>
+        <p:spPr/>
+        <p:txBody>
+          <a:bodyPr>
+            <a:normAutofit/>
+          </a:bodyPr>
+          <a:lstStyle/>
+          <a:p>
+            <a:r>
+              <a:rPr lang="en-GB" sz="1600" dirty="0"/>
+              <a:t>Tanvir Ahmad, </a:t>
+            </a:r>
+            <a:r>
+              <a:rPr lang="en-GB" sz="1600" dirty="0" err="1"/>
+              <a:t>Assia</a:t>
+            </a:r>
+            <a:r>
+              <a:rPr lang="en-GB" sz="1600" dirty="0"/>
+              <a:t> </a:t>
+            </a:r>
+            <a:r>
+              <a:rPr lang="en-GB" sz="1600" dirty="0" err="1"/>
+              <a:t>Munir,Sajjad</a:t>
+            </a:r>
+            <a:r>
+              <a:rPr lang="en-GB" sz="1600" dirty="0"/>
+              <a:t> Haider Bhatti, Muhammad Aftab, Muhammad Ali Raza (2017): </a:t>
+            </a:r>
+            <a:r>
+              <a:rPr lang="en-US" sz="1600" dirty="0"/>
+              <a:t>Survival analysis of heart failure patients: A case study, </a:t>
+            </a:r>
+            <a:r>
+              <a:rPr lang="en-US" sz="1600" dirty="0" err="1"/>
+              <a:t>PLoS</a:t>
+            </a:r>
+            <a:r>
+              <a:rPr lang="en-US" sz="1600" dirty="0"/>
+              <a:t> ONE 12(7), </a:t>
+            </a:r>
+            <a:r>
+              <a:rPr lang="en-US" sz="1600" dirty="0">
+                <a:hlinkClick r:id="rId2"/>
+              </a:rPr>
+              <a:t>https://journals.plos.org/plosone/article?id=10.1371/journal.pone.0181001</a:t>
+            </a:r>
+            <a:r>
+              <a:rPr lang="en-US" sz="1600" dirty="0"/>
+              <a:t> </a:t>
+            </a:r>
+          </a:p>
+          <a:p>
+            <a:endParaRPr lang="en-GB" sz="1600" dirty="0"/>
+          </a:p>
+        </p:txBody>
+      </p:sp>
+    </p:spTree>
+    <p:extLst>
+      <p:ext uri="{BB962C8B-B14F-4D97-AF65-F5344CB8AC3E}">
+        <p14:creationId xmlns:p14="http://schemas.microsoft.com/office/powerpoint/2010/main" val="1052708400"/>
       </p:ext>
     </p:extLst>
   </p:cSld>
@@ -5554,13 +6454,43 @@
         </p:nvSpPr>
         <p:spPr>
           <a:xfrm>
-            <a:off x="2611808" y="2052116"/>
-            <a:ext cx="7958331" cy="3997828"/>
+            <a:off x="2611808" y="1885285"/>
+            <a:ext cx="7958331" cy="4164659"/>
           </a:xfrm>
         </p:spPr>
         <p:txBody>
           <a:bodyPr/>
           <a:lstStyle/>
+          <a:p>
+            <a:pPr marL="514350" indent="-514350">
+              <a:buFont typeface="+mj-lt"/>
+              <a:buAutoNum type="romanLcPeriod"/>
+            </a:pPr>
+            <a:r>
+              <a:rPr lang="es-ES" dirty="0" err="1"/>
+              <a:t>Introduction</a:t>
+            </a:r>
+            <a:r>
+              <a:rPr lang="es-ES" dirty="0"/>
+              <a:t> </a:t>
+            </a:r>
+            <a:r>
+              <a:rPr lang="es-ES" dirty="0" err="1"/>
+              <a:t>to</a:t>
+            </a:r>
+            <a:r>
+              <a:rPr lang="es-ES" dirty="0"/>
+              <a:t> </a:t>
+            </a:r>
+            <a:r>
+              <a:rPr lang="es-ES" dirty="0" err="1"/>
+              <a:t>the</a:t>
+            </a:r>
+            <a:r>
+              <a:rPr lang="es-ES" dirty="0"/>
+              <a:t> data</a:t>
+            </a:r>
+          </a:p>
           <a:p>
             <a:pPr marL="514350" indent="-514350">
               <a:buFont typeface="+mj-lt"/>
@@ -5780,7 +6710,7 @@
             </a:r>
             <a:r>
               <a:rPr lang="es-ES" dirty="0" err="1"/>
-              <a:t>Univariate</a:t>
+              <a:t>Introduction</a:t>
             </a:r>
             <a:r>
               <a:rPr lang="es-ES" dirty="0"/>
@@ -5788,7 +6718,19 @@
             </a:r>
             <a:r>
               <a:rPr lang="es-ES" dirty="0" err="1"/>
-              <a:t>analysis</a:t>
+              <a:t>to</a:t>
+            </a:r>
+            <a:r>
+              <a:rPr lang="es-ES" dirty="0"/>
+              <a:t> </a:t>
+            </a:r>
+            <a:r>
+              <a:rPr lang="es-ES" dirty="0" err="1"/>
+              <a:t>the</a:t>
+            </a:r>
+            <a:r>
+              <a:rPr lang="es-ES" dirty="0"/>
+              <a:t> data</a:t>
             </a:r>
             <a:endParaRPr lang="en-GB" dirty="0"/>
           </a:p>
@@ -5878,7 +6820,7 @@
             </a:pPr>
             <a:r>
               <a:rPr lang="en-US" dirty="0"/>
-              <a:t>All patients more than 40 years old</a:t>
+              <a:t>more than 40 years old</a:t>
             </a:r>
           </a:p>
           <a:p>
@@ -5892,7 +6834,7 @@
             </a:pPr>
             <a:r>
               <a:rPr lang="en-US" dirty="0"/>
-              <a:t>Left ventricular systolic dysfunction</a:t>
+              <a:t>with left ventricular systolic dysfunction</a:t>
             </a:r>
           </a:p>
           <a:p>
@@ -6365,7 +7307,7 @@
           <p:cNvPr id="2" name="Title 1">
             <a:extLst>
               <a:ext uri="{FF2B5EF4-FFF2-40B4-BE49-F238E27FC236}">
-                <a16:creationId xmlns:a16="http://schemas.microsoft.com/office/drawing/2014/main" id="{497E08B4-1A21-5C4A-FF59-0254370A8800}"/>
+                <a16:creationId xmlns:a16="http://schemas.microsoft.com/office/drawing/2014/main" id="{9CEF219F-A752-AF3A-FEDC-8EB897838D43}"/>
               </a:ext>
             </a:extLst>
           </p:cNvPr>
@@ -6391,15 +7333,7 @@
             </a:r>
             <a:r>
               <a:rPr lang="es-ES" dirty="0" err="1"/>
-              <a:t>Multivariate</a:t>
-            </a:r>
-            <a:r>
-              <a:rPr lang="es-ES" dirty="0"/>
-              <a:t> Cox </a:t>
-            </a:r>
-            <a:r>
-              <a:rPr lang="es-ES" dirty="0" err="1"/>
-              <a:t>regression</a:t>
+              <a:t>Univariate</a:t>
             </a:r>
             <a:r>
               <a:rPr lang="es-ES" dirty="0"/>
@@ -6407,18 +7341,7 @@
             </a:r>
             <a:r>
               <a:rPr lang="es-ES" dirty="0" err="1"/>
-              <a:t>model</a:t>
-            </a:r>
-            <a:br>
-              <a:rPr lang="es-ES" dirty="0"/>
-            </a:br>
-            <a:r>
-              <a:rPr lang="es-ES" dirty="0"/>
-              <a:t>A. Base </a:t>
-            </a:r>
-            <a:r>
-              <a:rPr lang="es-ES" dirty="0" err="1"/>
-              <a:t>model</a:t>
+              <a:t>analysis</a:t>
             </a:r>
             <a:endParaRPr lang="en-GB" dirty="0"/>
           </a:p>
@@ -6426,10 +7349,10 @@
       </p:sp>
       <p:sp>
         <p:nvSpPr>
-          <p:cNvPr id="3" name="Content Placeholder 2">
+          <p:cNvPr id="7" name="Content Placeholder 6">
             <a:extLst>
               <a:ext uri="{FF2B5EF4-FFF2-40B4-BE49-F238E27FC236}">
-                <a16:creationId xmlns:a16="http://schemas.microsoft.com/office/drawing/2014/main" id="{00097D50-5ACB-4FDD-50C2-902AABD801B5}"/>
+                <a16:creationId xmlns:a16="http://schemas.microsoft.com/office/drawing/2014/main" id="{38434C18-E629-8B9D-4E85-3B193564F614}"/>
               </a:ext>
             </a:extLst>
           </p:cNvPr>
@@ -6440,19 +7363,74 @@
             <p:ph idx="1"/>
           </p:nvPr>
         </p:nvSpPr>
-        <p:spPr/>
+        <p:spPr>
+          <a:xfrm>
+            <a:off x="2197729" y="1346670"/>
+            <a:ext cx="7796540" cy="895621"/>
+          </a:xfrm>
+        </p:spPr>
         <p:txBody>
           <a:bodyPr/>
           <a:lstStyle/>
           <a:p>
-            <a:endParaRPr lang="en-GB"/>
-          </a:p>
-        </p:txBody>
-      </p:sp>
+            <a:r>
+              <a:rPr lang="es-ES" dirty="0" err="1"/>
+              <a:t>Overall</a:t>
+            </a:r>
+            <a:r>
+              <a:rPr lang="es-ES" dirty="0"/>
+              <a:t> </a:t>
+            </a:r>
+            <a:r>
+              <a:rPr lang="es-ES" dirty="0" err="1"/>
+              <a:t>Survival</a:t>
+            </a:r>
+            <a:r>
+              <a:rPr lang="es-ES" dirty="0"/>
+              <a:t> </a:t>
+            </a:r>
+            <a:r>
+              <a:rPr lang="es-ES" dirty="0" err="1"/>
+              <a:t>Probability</a:t>
+            </a:r>
+            <a:endParaRPr lang="en-GB" dirty="0"/>
+          </a:p>
+        </p:txBody>
+      </p:sp>
+      <p:pic>
+        <p:nvPicPr>
+          <p:cNvPr id="9" name="Picture 8">
+            <a:extLst>
+              <a:ext uri="{FF2B5EF4-FFF2-40B4-BE49-F238E27FC236}">
+                <a16:creationId xmlns:a16="http://schemas.microsoft.com/office/drawing/2014/main" id="{80148DE4-913D-B647-35B2-CD78F58DC834}"/>
+              </a:ext>
+            </a:extLst>
+          </p:cNvPr>
+          <p:cNvPicPr>
+            <a:picLocks noChangeAspect="1"/>
+          </p:cNvPicPr>
+          <p:nvPr/>
+        </p:nvPicPr>
+        <p:blipFill>
+          <a:blip r:embed="rId3"/>
+          <a:stretch>
+            <a:fillRect/>
+          </a:stretch>
+        </p:blipFill>
+        <p:spPr>
+          <a:xfrm>
+            <a:off x="3874395" y="2104973"/>
+            <a:ext cx="4443209" cy="4443209"/>
+          </a:xfrm>
+          <a:prstGeom prst="rect">
+            <a:avLst/>
+          </a:prstGeom>
+        </p:spPr>
+      </p:pic>
     </p:spTree>
     <p:extLst>
       <p:ext uri="{BB962C8B-B14F-4D97-AF65-F5344CB8AC3E}">
-        <p14:creationId xmlns:p14="http://schemas.microsoft.com/office/powerpoint/2010/main" val="2082576824"/>
+        <p14:creationId xmlns:p14="http://schemas.microsoft.com/office/powerpoint/2010/main" val="47249489"/>
       </p:ext>
     </p:extLst>
   </p:cSld>
@@ -6484,7 +7462,7 @@
           <p:cNvPr id="2" name="Title 1">
             <a:extLst>
               <a:ext uri="{FF2B5EF4-FFF2-40B4-BE49-F238E27FC236}">
-                <a16:creationId xmlns:a16="http://schemas.microsoft.com/office/drawing/2014/main" id="{497E08B4-1A21-5C4A-FF59-0254370A8800}"/>
+                <a16:creationId xmlns:a16="http://schemas.microsoft.com/office/drawing/2014/main" id="{9CEF219F-A752-AF3A-FEDC-8EB897838D43}"/>
               </a:ext>
             </a:extLst>
           </p:cNvPr>
@@ -6510,15 +7488,7 @@
             </a:r>
             <a:r>
               <a:rPr lang="es-ES" dirty="0" err="1"/>
-              <a:t>Multivariate</a:t>
-            </a:r>
-            <a:r>
-              <a:rPr lang="es-ES" dirty="0"/>
-              <a:t> Cox </a:t>
-            </a:r>
-            <a:r>
-              <a:rPr lang="es-ES" dirty="0" err="1"/>
-              <a:t>regression</a:t>
+              <a:t>Univariate</a:t>
             </a:r>
             <a:r>
               <a:rPr lang="es-ES" dirty="0"/>
@@ -6526,34 +7496,7 @@
             </a:r>
             <a:r>
               <a:rPr lang="es-ES" dirty="0" err="1"/>
-              <a:t>model</a:t>
-            </a:r>
-            <a:br>
-              <a:rPr lang="es-ES" dirty="0"/>
-            </a:br>
-            <a:r>
-              <a:rPr lang="es-ES" dirty="0"/>
-              <a:t>B. </a:t>
-            </a:r>
-            <a:r>
-              <a:rPr lang="es-ES" dirty="0" err="1"/>
-              <a:t>With</a:t>
-            </a:r>
-            <a:r>
-              <a:rPr lang="es-ES" dirty="0"/>
-              <a:t> time </a:t>
-            </a:r>
-            <a:r>
-              <a:rPr lang="es-ES" dirty="0" err="1"/>
-              <a:t>varying</a:t>
-            </a:r>
-            <a:r>
-              <a:rPr lang="es-ES" dirty="0"/>
-              <a:t> </a:t>
-            </a:r>
-            <a:r>
-              <a:rPr lang="es-ES" dirty="0" err="1"/>
-              <a:t>coefficients</a:t>
+              <a:t>analysis</a:t>
             </a:r>
             <a:endParaRPr lang="en-GB" dirty="0"/>
           </a:p>
@@ -6561,10 +7504,10 @@
       </p:sp>
       <p:sp>
         <p:nvSpPr>
-          <p:cNvPr id="3" name="Content Placeholder 2">
+          <p:cNvPr id="7" name="Content Placeholder 6">
             <a:extLst>
               <a:ext uri="{FF2B5EF4-FFF2-40B4-BE49-F238E27FC236}">
-                <a16:creationId xmlns:a16="http://schemas.microsoft.com/office/drawing/2014/main" id="{00097D50-5ACB-4FDD-50C2-902AABD801B5}"/>
+                <a16:creationId xmlns:a16="http://schemas.microsoft.com/office/drawing/2014/main" id="{38434C18-E629-8B9D-4E85-3B193564F614}"/>
               </a:ext>
             </a:extLst>
           </p:cNvPr>
@@ -6575,19 +7518,156 @@
             <p:ph idx="1"/>
           </p:nvPr>
         </p:nvSpPr>
-        <p:spPr/>
+        <p:spPr>
+          <a:xfrm>
+            <a:off x="2197729" y="1346670"/>
+            <a:ext cx="7796540" cy="895621"/>
+          </a:xfrm>
+        </p:spPr>
         <p:txBody>
           <a:bodyPr/>
           <a:lstStyle/>
           <a:p>
-            <a:endParaRPr lang="en-GB"/>
-          </a:p>
-        </p:txBody>
-      </p:sp>
+            <a:r>
+              <a:rPr lang="es-ES" dirty="0" err="1"/>
+              <a:t>Survival</a:t>
+            </a:r>
+            <a:r>
+              <a:rPr lang="es-ES" dirty="0"/>
+              <a:t> </a:t>
+            </a:r>
+            <a:r>
+              <a:rPr lang="es-ES" dirty="0" err="1"/>
+              <a:t>Probability</a:t>
+            </a:r>
+            <a:r>
+              <a:rPr lang="es-ES" dirty="0"/>
+              <a:t> </a:t>
+            </a:r>
+            <a:r>
+              <a:rPr lang="es-ES" dirty="0" err="1"/>
+              <a:t>by</a:t>
+            </a:r>
+            <a:r>
+              <a:rPr lang="es-ES" dirty="0"/>
+              <a:t> </a:t>
+            </a:r>
+            <a:r>
+              <a:rPr lang="es-ES" dirty="0" err="1"/>
+              <a:t>Blood</a:t>
+            </a:r>
+            <a:r>
+              <a:rPr lang="es-ES" dirty="0"/>
+              <a:t> </a:t>
+            </a:r>
+            <a:r>
+              <a:rPr lang="es-ES" dirty="0" err="1"/>
+              <a:t>Pressure</a:t>
+            </a:r>
+            <a:r>
+              <a:rPr lang="es-ES" dirty="0"/>
+              <a:t>, </a:t>
+            </a:r>
+            <a:r>
+              <a:rPr lang="es-ES" dirty="0" err="1"/>
+              <a:t>Anaemia</a:t>
+            </a:r>
+            <a:r>
+              <a:rPr lang="es-ES" dirty="0"/>
+              <a:t> and </a:t>
+            </a:r>
+            <a:r>
+              <a:rPr lang="es-ES" dirty="0" err="1"/>
+              <a:t>Creatinine_group</a:t>
+            </a:r>
+            <a:r>
+              <a:rPr lang="es-ES" dirty="0"/>
+              <a:t> (</a:t>
+            </a:r>
+            <a:r>
+              <a:rPr lang="es-ES" dirty="0" err="1"/>
+              <a:t>to</a:t>
+            </a:r>
+            <a:r>
+              <a:rPr lang="es-ES" dirty="0"/>
+              <a:t> be </a:t>
+            </a:r>
+            <a:r>
+              <a:rPr lang="es-ES" dirty="0" err="1"/>
+              <a:t>added</a:t>
+            </a:r>
+            <a:r>
+              <a:rPr lang="es-ES"/>
+              <a:t>)</a:t>
+            </a:r>
+            <a:endParaRPr lang="en-GB" dirty="0"/>
+          </a:p>
+        </p:txBody>
+      </p:sp>
+      <p:pic>
+        <p:nvPicPr>
+          <p:cNvPr id="3" name="Content Placeholder 4">
+            <a:extLst>
+              <a:ext uri="{FF2B5EF4-FFF2-40B4-BE49-F238E27FC236}">
+                <a16:creationId xmlns:a16="http://schemas.microsoft.com/office/drawing/2014/main" id="{057CC8B5-B4A5-56F9-3445-E53C7CBDE4B1}"/>
+              </a:ext>
+            </a:extLst>
+          </p:cNvPr>
+          <p:cNvPicPr>
+            <a:picLocks noChangeAspect="1"/>
+          </p:cNvPicPr>
+          <p:nvPr/>
+        </p:nvPicPr>
+        <p:blipFill>
+          <a:blip r:embed="rId3"/>
+          <a:stretch>
+            <a:fillRect/>
+          </a:stretch>
+        </p:blipFill>
+        <p:spPr>
+          <a:xfrm>
+            <a:off x="6368453" y="2055866"/>
+            <a:ext cx="4704343" cy="4704343"/>
+          </a:xfrm>
+          <a:prstGeom prst="rect">
+            <a:avLst/>
+          </a:prstGeom>
+        </p:spPr>
+      </p:pic>
+      <p:pic>
+        <p:nvPicPr>
+          <p:cNvPr id="5" name="Picture 4">
+            <a:extLst>
+              <a:ext uri="{FF2B5EF4-FFF2-40B4-BE49-F238E27FC236}">
+                <a16:creationId xmlns:a16="http://schemas.microsoft.com/office/drawing/2014/main" id="{DBDEEF7F-1D3B-737D-9027-905F1B043533}"/>
+              </a:ext>
+            </a:extLst>
+          </p:cNvPr>
+          <p:cNvPicPr>
+            <a:picLocks noChangeAspect="1"/>
+          </p:cNvPicPr>
+          <p:nvPr/>
+        </p:nvPicPr>
+        <p:blipFill>
+          <a:blip r:embed="rId4"/>
+          <a:stretch>
+            <a:fillRect/>
+          </a:stretch>
+        </p:blipFill>
+        <p:spPr>
+          <a:xfrm>
+            <a:off x="1119205" y="2055866"/>
+            <a:ext cx="4704343" cy="4704343"/>
+          </a:xfrm>
+          <a:prstGeom prst="rect">
+            <a:avLst/>
+          </a:prstGeom>
+        </p:spPr>
+      </p:pic>
     </p:spTree>
     <p:extLst>
       <p:ext uri="{BB962C8B-B14F-4D97-AF65-F5344CB8AC3E}">
-        <p14:creationId xmlns:p14="http://schemas.microsoft.com/office/powerpoint/2010/main" val="3708354059"/>
+        <p14:creationId xmlns:p14="http://schemas.microsoft.com/office/powerpoint/2010/main" val="2877771453"/>
       </p:ext>
     </p:extLst>
   </p:cSld>
@@ -6619,7 +7699,7 @@
           <p:cNvPr id="2" name="Title 1">
             <a:extLst>
               <a:ext uri="{FF2B5EF4-FFF2-40B4-BE49-F238E27FC236}">
-                <a16:creationId xmlns:a16="http://schemas.microsoft.com/office/drawing/2014/main" id="{497E08B4-1A21-5C4A-FF59-0254370A8800}"/>
+                <a16:creationId xmlns:a16="http://schemas.microsoft.com/office/drawing/2014/main" id="{9CEF219F-A752-AF3A-FEDC-8EB897838D43}"/>
               </a:ext>
             </a:extLst>
           </p:cNvPr>
@@ -6637,7 +7717,7 @@
           <a:p>
             <a:r>
               <a:rPr lang="es-ES" dirty="0" err="1"/>
-              <a:t>iii</a:t>
+              <a:t>ii</a:t>
             </a:r>
             <a:r>
               <a:rPr lang="es-ES" dirty="0"/>
@@ -6645,11 +7725,15 @@
             </a:r>
             <a:r>
               <a:rPr lang="es-ES" dirty="0" err="1"/>
-              <a:t>Linearity</a:t>
+              <a:t>Univariate</a:t>
             </a:r>
             <a:r>
               <a:rPr lang="es-ES" dirty="0"/>
-              <a:t> test</a:t>
+              <a:t> </a:t>
+            </a:r>
+            <a:r>
+              <a:rPr lang="es-ES" dirty="0" err="1"/>
+              <a:t>analysis</a:t>
             </a:r>
             <a:endParaRPr lang="en-GB" dirty="0"/>
           </a:p>
@@ -6657,10 +7741,10 @@
       </p:sp>
       <p:sp>
         <p:nvSpPr>
-          <p:cNvPr id="3" name="Content Placeholder 2">
+          <p:cNvPr id="7" name="Content Placeholder 6">
             <a:extLst>
               <a:ext uri="{FF2B5EF4-FFF2-40B4-BE49-F238E27FC236}">
-                <a16:creationId xmlns:a16="http://schemas.microsoft.com/office/drawing/2014/main" id="{00097D50-5ACB-4FDD-50C2-902AABD801B5}"/>
+                <a16:creationId xmlns:a16="http://schemas.microsoft.com/office/drawing/2014/main" id="{38434C18-E629-8B9D-4E85-3B193564F614}"/>
               </a:ext>
             </a:extLst>
           </p:cNvPr>
@@ -6671,19 +7755,142 @@
             <p:ph idx="1"/>
           </p:nvPr>
         </p:nvSpPr>
-        <p:spPr/>
+        <p:spPr>
+          <a:xfrm>
+            <a:off x="2197729" y="1346670"/>
+            <a:ext cx="7796540" cy="895621"/>
+          </a:xfrm>
+        </p:spPr>
         <p:txBody>
           <a:bodyPr/>
           <a:lstStyle/>
           <a:p>
-            <a:endParaRPr lang="en-GB"/>
-          </a:p>
-        </p:txBody>
-      </p:sp>
+            <a:r>
+              <a:rPr lang="es-ES" dirty="0" err="1"/>
+              <a:t>Cloglog</a:t>
+            </a:r>
+            <a:r>
+              <a:rPr lang="es-ES" dirty="0"/>
+              <a:t> </a:t>
+            </a:r>
+            <a:r>
+              <a:rPr lang="es-ES" dirty="0" err="1"/>
+              <a:t>transformation</a:t>
+            </a:r>
+            <a:r>
+              <a:rPr lang="es-ES" dirty="0"/>
+              <a:t> </a:t>
+            </a:r>
+            <a:r>
+              <a:rPr lang="es-ES" dirty="0" err="1"/>
+              <a:t>to</a:t>
+            </a:r>
+            <a:r>
+              <a:rPr lang="es-ES" dirty="0"/>
+              <a:t> test PH </a:t>
+            </a:r>
+            <a:r>
+              <a:rPr lang="es-ES" dirty="0" err="1"/>
+              <a:t>assumption</a:t>
+            </a:r>
+            <a:endParaRPr lang="en-GB" dirty="0"/>
+          </a:p>
+        </p:txBody>
+      </p:sp>
+      <p:pic>
+        <p:nvPicPr>
+          <p:cNvPr id="6" name="Picture 5">
+            <a:extLst>
+              <a:ext uri="{FF2B5EF4-FFF2-40B4-BE49-F238E27FC236}">
+                <a16:creationId xmlns:a16="http://schemas.microsoft.com/office/drawing/2014/main" id="{63D627F6-5C7E-ECDE-6812-5A0255CC8FE1}"/>
+              </a:ext>
+            </a:extLst>
+          </p:cNvPr>
+          <p:cNvPicPr>
+            <a:picLocks noChangeAspect="1"/>
+          </p:cNvPicPr>
+          <p:nvPr/>
+        </p:nvPicPr>
+        <p:blipFill>
+          <a:blip r:embed="rId3"/>
+          <a:stretch>
+            <a:fillRect/>
+          </a:stretch>
+        </p:blipFill>
+        <p:spPr>
+          <a:xfrm>
+            <a:off x="4525830" y="2250093"/>
+            <a:ext cx="3272625" cy="3272625"/>
+          </a:xfrm>
+          <a:prstGeom prst="rect">
+            <a:avLst/>
+          </a:prstGeom>
+        </p:spPr>
+      </p:pic>
+      <p:pic>
+        <p:nvPicPr>
+          <p:cNvPr id="9" name="Picture 8">
+            <a:extLst>
+              <a:ext uri="{FF2B5EF4-FFF2-40B4-BE49-F238E27FC236}">
+                <a16:creationId xmlns:a16="http://schemas.microsoft.com/office/drawing/2014/main" id="{82C6D728-F90C-831C-54F8-A60161E93EE7}"/>
+              </a:ext>
+            </a:extLst>
+          </p:cNvPr>
+          <p:cNvPicPr>
+            <a:picLocks noChangeAspect="1"/>
+          </p:cNvPicPr>
+          <p:nvPr/>
+        </p:nvPicPr>
+        <p:blipFill>
+          <a:blip r:embed="rId4"/>
+          <a:stretch>
+            <a:fillRect/>
+          </a:stretch>
+        </p:blipFill>
+        <p:spPr>
+          <a:xfrm>
+            <a:off x="1085632" y="2242291"/>
+            <a:ext cx="3272625" cy="3272625"/>
+          </a:xfrm>
+          <a:prstGeom prst="rect">
+            <a:avLst/>
+          </a:prstGeom>
+        </p:spPr>
+      </p:pic>
+      <p:pic>
+        <p:nvPicPr>
+          <p:cNvPr id="11" name="Picture 10">
+            <a:extLst>
+              <a:ext uri="{FF2B5EF4-FFF2-40B4-BE49-F238E27FC236}">
+                <a16:creationId xmlns:a16="http://schemas.microsoft.com/office/drawing/2014/main" id="{CA2F37BF-7AA0-41BB-813B-DBFE232C748F}"/>
+              </a:ext>
+            </a:extLst>
+          </p:cNvPr>
+          <p:cNvPicPr>
+            <a:picLocks noChangeAspect="1"/>
+          </p:cNvPicPr>
+          <p:nvPr/>
+        </p:nvPicPr>
+        <p:blipFill>
+          <a:blip r:embed="rId5"/>
+          <a:stretch>
+            <a:fillRect/>
+          </a:stretch>
+        </p:blipFill>
+        <p:spPr>
+          <a:xfrm>
+            <a:off x="7966028" y="2250093"/>
+            <a:ext cx="3291694" cy="3291694"/>
+          </a:xfrm>
+          <a:prstGeom prst="rect">
+            <a:avLst/>
+          </a:prstGeom>
+        </p:spPr>
+      </p:pic>
     </p:spTree>
     <p:extLst>
       <p:ext uri="{BB962C8B-B14F-4D97-AF65-F5344CB8AC3E}">
-        <p14:creationId xmlns:p14="http://schemas.microsoft.com/office/powerpoint/2010/main" val="3148376159"/>
+        <p14:creationId xmlns:p14="http://schemas.microsoft.com/office/powerpoint/2010/main" val="852344474"/>
       </p:ext>
     </p:extLst>
   </p:cSld>
@@ -6733,7 +7940,7 @@
           <a:p>
             <a:r>
               <a:rPr lang="es-ES" dirty="0" err="1"/>
-              <a:t>iv</a:t>
+              <a:t>ii</a:t>
             </a:r>
             <a:r>
               <a:rPr lang="es-ES" dirty="0"/>
@@ -6741,7 +7948,15 @@
             </a:r>
             <a:r>
               <a:rPr lang="es-ES" dirty="0" err="1"/>
-              <a:t>Choice</a:t>
+              <a:t>Multivariate</a:t>
+            </a:r>
+            <a:r>
+              <a:rPr lang="es-ES" dirty="0"/>
+              <a:t> Cox </a:t>
+            </a:r>
+            <a:r>
+              <a:rPr lang="es-ES" dirty="0" err="1"/>
+              <a:t>regression</a:t>
             </a:r>
             <a:r>
               <a:rPr lang="es-ES" dirty="0"/>
@@ -6749,35 +7964,14 @@
             </a:r>
             <a:r>
               <a:rPr lang="es-ES" dirty="0" err="1"/>
-              <a:t>of</a:t>
-            </a:r>
-            <a:r>
+              <a:t>model</a:t>
+            </a:r>
+            <a:br>
               <a:rPr lang="es-ES" dirty="0"/>
-              <a:t> </a:t>
-            </a:r>
-            <a:r>
-              <a:rPr lang="es-ES" dirty="0" err="1"/>
-              <a:t>the</a:t>
-            </a:r>
+            </a:br>
             <a:r>
               <a:rPr lang="es-ES" dirty="0"/>
-              <a:t> ‘</a:t>
-            </a:r>
-            <a:r>
-              <a:rPr lang="es-ES" dirty="0" err="1"/>
-              <a:t>best</a:t>
-            </a:r>
-            <a:r>
-              <a:rPr lang="es-ES" dirty="0"/>
-              <a:t>’ </a:t>
-            </a:r>
-            <a:r>
-              <a:rPr lang="es-ES" dirty="0" err="1"/>
-              <a:t>parametric</a:t>
-            </a:r>
-            <a:r>
-              <a:rPr lang="es-ES" dirty="0"/>
-              <a:t> </a:t>
+              <a:t>A. Base </a:t>
             </a:r>
             <a:r>
               <a:rPr lang="es-ES" dirty="0" err="1"/>
@@ -6789,10 +7983,10 @@
       </p:sp>
       <p:sp>
         <p:nvSpPr>
-          <p:cNvPr id="3" name="Content Placeholder 2">
+          <p:cNvPr id="7" name="Content Placeholder 6">
             <a:extLst>
               <a:ext uri="{FF2B5EF4-FFF2-40B4-BE49-F238E27FC236}">
-                <a16:creationId xmlns:a16="http://schemas.microsoft.com/office/drawing/2014/main" id="{00097D50-5ACB-4FDD-50C2-902AABD801B5}"/>
+                <a16:creationId xmlns:a16="http://schemas.microsoft.com/office/drawing/2014/main" id="{9C296F9C-B501-5452-9A38-DC9F1E00FA23}"/>
               </a:ext>
             </a:extLst>
           </p:cNvPr>
@@ -6808,14 +8002,14 @@
           <a:bodyPr/>
           <a:lstStyle/>
           <a:p>
-            <a:endParaRPr lang="en-GB"/>
+            <a:endParaRPr lang="en-GB" dirty="0"/>
           </a:p>
         </p:txBody>
       </p:sp>
     </p:spTree>
     <p:extLst>
       <p:ext uri="{BB962C8B-B14F-4D97-AF65-F5344CB8AC3E}">
-        <p14:creationId xmlns:p14="http://schemas.microsoft.com/office/powerpoint/2010/main" val="2789381983"/>
+        <p14:creationId xmlns:p14="http://schemas.microsoft.com/office/powerpoint/2010/main" val="2082576824"/>
       </p:ext>
     </p:extLst>
   </p:cSld>
@@ -6847,7 +8041,7 @@
           <p:cNvPr id="2" name="Title 1">
             <a:extLst>
               <a:ext uri="{FF2B5EF4-FFF2-40B4-BE49-F238E27FC236}">
-                <a16:creationId xmlns:a16="http://schemas.microsoft.com/office/drawing/2014/main" id="{4F09B721-2CE6-D091-186A-443E39FF16C9}"/>
+                <a16:creationId xmlns:a16="http://schemas.microsoft.com/office/drawing/2014/main" id="{497E08B4-1A21-5C4A-FF59-0254370A8800}"/>
               </a:ext>
             </a:extLst>
           </p:cNvPr>
@@ -6865,7 +8059,58 @@
           <a:p>
             <a:r>
               <a:rPr lang="es-ES" dirty="0" err="1"/>
-              <a:t>References</a:t>
+              <a:t>ii</a:t>
+            </a:r>
+            <a:r>
+              <a:rPr lang="es-ES" dirty="0"/>
+              <a:t>. </a:t>
+            </a:r>
+            <a:r>
+              <a:rPr lang="es-ES" dirty="0" err="1"/>
+              <a:t>Multivariate</a:t>
+            </a:r>
+            <a:r>
+              <a:rPr lang="es-ES" dirty="0"/>
+              <a:t> Cox </a:t>
+            </a:r>
+            <a:r>
+              <a:rPr lang="es-ES" dirty="0" err="1"/>
+              <a:t>regression</a:t>
+            </a:r>
+            <a:r>
+              <a:rPr lang="es-ES" dirty="0"/>
+              <a:t> </a:t>
+            </a:r>
+            <a:r>
+              <a:rPr lang="es-ES" dirty="0" err="1"/>
+              <a:t>model</a:t>
+            </a:r>
+            <a:br>
+              <a:rPr lang="es-ES" dirty="0"/>
+            </a:br>
+            <a:r>
+              <a:rPr lang="es-ES" dirty="0"/>
+              <a:t>B. </a:t>
+            </a:r>
+            <a:r>
+              <a:rPr lang="es-ES" dirty="0" err="1"/>
+              <a:t>With</a:t>
+            </a:r>
+            <a:r>
+              <a:rPr lang="es-ES" dirty="0"/>
+              <a:t> time </a:t>
+            </a:r>
+            <a:r>
+              <a:rPr lang="es-ES" dirty="0" err="1"/>
+              <a:t>varying</a:t>
+            </a:r>
+            <a:r>
+              <a:rPr lang="es-ES" dirty="0"/>
+              <a:t> </a:t>
+            </a:r>
+            <a:r>
+              <a:rPr lang="es-ES" dirty="0" err="1"/>
+              <a:t>coefficients</a:t>
             </a:r>
             <a:endParaRPr lang="en-GB" dirty="0"/>
           </a:p>
@@ -6876,7 +8121,7 @@
           <p:cNvPr id="3" name="Content Placeholder 2">
             <a:extLst>
               <a:ext uri="{FF2B5EF4-FFF2-40B4-BE49-F238E27FC236}">
-                <a16:creationId xmlns:a16="http://schemas.microsoft.com/office/drawing/2014/main" id="{7B93926A-8058-58EE-8571-32D25C423456}"/>
+                <a16:creationId xmlns:a16="http://schemas.microsoft.com/office/drawing/2014/main" id="{00097D50-5ACB-4FDD-50C2-902AABD801B5}"/>
               </a:ext>
             </a:extLst>
           </p:cNvPr>
@@ -6889,63 +8134,113 @@
         </p:nvSpPr>
         <p:spPr/>
         <p:txBody>
-          <a:bodyPr>
-            <a:normAutofit/>
-          </a:bodyPr>
-          <a:lstStyle/>
-          <a:p>
-            <a:r>
-              <a:rPr lang="en-GB" sz="1600" dirty="0"/>
-              <a:t>Tanvir Ahmad, </a:t>
-            </a:r>
-            <a:r>
-              <a:rPr lang="en-GB" sz="1600" dirty="0" err="1"/>
-              <a:t>Assia</a:t>
-            </a:r>
-            <a:r>
-              <a:rPr lang="en-GB" sz="1600" dirty="0"/>
-              <a:t> </a:t>
-            </a:r>
-            <a:r>
-              <a:rPr lang="en-GB" sz="1600" dirty="0" err="1"/>
-              <a:t>Munir,Sajjad</a:t>
-            </a:r>
-            <a:r>
-              <a:rPr lang="en-GB" sz="1600" dirty="0"/>
-              <a:t> Haider Bhatti, Muhammad Aftab, Muhammad Ali Raza (2017): </a:t>
-            </a:r>
-            <a:r>
-              <a:rPr lang="en-US" sz="1600" dirty="0"/>
-              <a:t>Survival analysis of heart failure patients: A case study, </a:t>
-            </a:r>
-            <a:r>
-              <a:rPr lang="en-US" sz="1600" dirty="0" err="1"/>
-              <a:t>PLoS</a:t>
-            </a:r>
-            <a:r>
-              <a:rPr lang="en-US" sz="1600" dirty="0"/>
-              <a:t> ONE 12(7), </a:t>
-            </a:r>
-            <a:r>
-              <a:rPr lang="en-US" sz="1600" dirty="0">
-                <a:hlinkClick r:id="rId2"/>
-              </a:rPr>
-              <a:t>https://journals.plos.org/plosone/article?id=10.1371/journal.pone.0181001</a:t>
-            </a:r>
-            <a:r>
-              <a:rPr lang="en-US" sz="1600" dirty="0"/>
-              <a:t> </a:t>
-            </a:r>
-          </a:p>
-          <a:p>
-            <a:endParaRPr lang="en-GB" sz="1600" dirty="0"/>
+          <a:bodyPr/>
+          <a:lstStyle/>
+          <a:p>
+            <a:endParaRPr lang="en-GB"/>
           </a:p>
         </p:txBody>
       </p:sp>
     </p:spTree>
     <p:extLst>
       <p:ext uri="{BB962C8B-B14F-4D97-AF65-F5344CB8AC3E}">
-        <p14:creationId xmlns:p14="http://schemas.microsoft.com/office/powerpoint/2010/main" val="1052708400"/>
+        <p14:creationId xmlns:p14="http://schemas.microsoft.com/office/powerpoint/2010/main" val="3708354059"/>
+      </p:ext>
+    </p:extLst>
+  </p:cSld>
+  <p:clrMapOvr>
+    <a:masterClrMapping/>
+  </p:clrMapOvr>
+</p:sld>
+</file>
+
+<file path=ppt/slides/slide9.xml><?xml version="1.0" encoding="utf-8"?>
+<p:sld xmlns:a="http://schemas.openxmlformats.org/drawingml/2006/main" xmlns:r="http://schemas.openxmlformats.org/officeDocument/2006/relationships" xmlns:p="http://schemas.openxmlformats.org/presentationml/2006/main">
+  <p:cSld>
+    <p:spTree>
+      <p:nvGrpSpPr>
+        <p:cNvPr id="1" name=""/>
+        <p:cNvGrpSpPr/>
+        <p:nvPr/>
+      </p:nvGrpSpPr>
+      <p:grpSpPr>
+        <a:xfrm>
+          <a:off x="0" y="0"/>
+          <a:ext cx="0" cy="0"/>
+          <a:chOff x="0" y="0"/>
+          <a:chExt cx="0" cy="0"/>
+        </a:xfrm>
+      </p:grpSpPr>
+      <p:sp>
+        <p:nvSpPr>
+          <p:cNvPr id="2" name="Title 1">
+            <a:extLst>
+              <a:ext uri="{FF2B5EF4-FFF2-40B4-BE49-F238E27FC236}">
+                <a16:creationId xmlns:a16="http://schemas.microsoft.com/office/drawing/2014/main" id="{497E08B4-1A21-5C4A-FF59-0254370A8800}"/>
+              </a:ext>
+            </a:extLst>
+          </p:cNvPr>
+          <p:cNvSpPr>
+            <a:spLocks noGrp="1"/>
+          </p:cNvSpPr>
+          <p:nvPr>
+            <p:ph type="title"/>
+          </p:nvPr>
+        </p:nvSpPr>
+        <p:spPr/>
+        <p:txBody>
+          <a:bodyPr/>
+          <a:lstStyle/>
+          <a:p>
+            <a:r>
+              <a:rPr lang="es-ES" dirty="0" err="1"/>
+              <a:t>iii</a:t>
+            </a:r>
+            <a:r>
+              <a:rPr lang="es-ES" dirty="0"/>
+              <a:t>. </a:t>
+            </a:r>
+            <a:r>
+              <a:rPr lang="es-ES" dirty="0" err="1"/>
+              <a:t>Linearity</a:t>
+            </a:r>
+            <a:r>
+              <a:rPr lang="es-ES" dirty="0"/>
+              <a:t> test</a:t>
+            </a:r>
+            <a:endParaRPr lang="en-GB" dirty="0"/>
+          </a:p>
+        </p:txBody>
+      </p:sp>
+      <p:sp>
+        <p:nvSpPr>
+          <p:cNvPr id="3" name="Content Placeholder 2">
+            <a:extLst>
+              <a:ext uri="{FF2B5EF4-FFF2-40B4-BE49-F238E27FC236}">
+                <a16:creationId xmlns:a16="http://schemas.microsoft.com/office/drawing/2014/main" id="{00097D50-5ACB-4FDD-50C2-902AABD801B5}"/>
+              </a:ext>
+            </a:extLst>
+          </p:cNvPr>
+          <p:cNvSpPr>
+            <a:spLocks noGrp="1"/>
+          </p:cNvSpPr>
+          <p:nvPr>
+            <p:ph idx="1"/>
+          </p:nvPr>
+        </p:nvSpPr>
+        <p:spPr/>
+        <p:txBody>
+          <a:bodyPr/>
+          <a:lstStyle/>
+          <a:p>
+            <a:endParaRPr lang="en-GB"/>
+          </a:p>
+        </p:txBody>
+      </p:sp>
+    </p:spTree>
+    <p:extLst>
+      <p:ext uri="{BB962C8B-B14F-4D97-AF65-F5344CB8AC3E}">
+        <p14:creationId xmlns:p14="http://schemas.microsoft.com/office/powerpoint/2010/main" val="3148376159"/>
       </p:ext>
     </p:extLst>
   </p:cSld>

--- a/presentation.pptx
+++ b/presentation.pptx
@@ -5,20 +5,24 @@
     <p:sldMasterId id="2147483672" r:id="rId1"/>
   </p:sldMasterIdLst>
   <p:notesMasterIdLst>
-    <p:notesMasterId r:id="rId13"/>
+    <p:notesMasterId r:id="rId17"/>
   </p:notesMasterIdLst>
   <p:sldIdLst>
     <p:sldId id="256" r:id="rId2"/>
     <p:sldId id="257" r:id="rId3"/>
     <p:sldId id="258" r:id="rId4"/>
     <p:sldId id="264" r:id="rId5"/>
-    <p:sldId id="266" r:id="rId6"/>
+    <p:sldId id="268" r:id="rId6"/>
     <p:sldId id="267" r:id="rId7"/>
-    <p:sldId id="259" r:id="rId8"/>
-    <p:sldId id="260" r:id="rId9"/>
-    <p:sldId id="261" r:id="rId10"/>
-    <p:sldId id="262" r:id="rId11"/>
-    <p:sldId id="263" r:id="rId12"/>
+    <p:sldId id="269" r:id="rId8"/>
+    <p:sldId id="271" r:id="rId9"/>
+    <p:sldId id="259" r:id="rId10"/>
+    <p:sldId id="272" r:id="rId11"/>
+    <p:sldId id="273" r:id="rId12"/>
+    <p:sldId id="260" r:id="rId13"/>
+    <p:sldId id="261" r:id="rId14"/>
+    <p:sldId id="262" r:id="rId15"/>
+    <p:sldId id="263" r:id="rId16"/>
   </p:sldIdLst>
   <p:sldSz cx="12192000" cy="6858000"/>
   <p:notesSz cx="6858000" cy="9144000"/>
@@ -128,7 +132,7 @@
 <file path=ppt/revisionInfo.xml><?xml version="1.0" encoding="utf-8"?>
 <p1510:revInfo xmlns:a="http://schemas.openxmlformats.org/drawingml/2006/main" xmlns:r="http://schemas.openxmlformats.org/officeDocument/2006/relationships" xmlns:p1510="http://schemas.microsoft.com/office/powerpoint/2015/10/main">
   <p1510:revLst>
-    <p1510:client id="{497DC6A5-6E98-4823-B94B-BA98122E7321}" v="8" dt="2023-06-01T11:02:22.263"/>
+    <p1510:client id="{497DC6A5-6E98-4823-B94B-BA98122E7321}" v="29" dt="2023-06-01T17:02:33.573"/>
   </p1510:revLst>
 </p1510:revInfo>
 </file>
@@ -137,8 +141,8 @@
 <pc:chgInfo xmlns:a="http://schemas.openxmlformats.org/drawingml/2006/main" xmlns:r="http://schemas.openxmlformats.org/officeDocument/2006/relationships" xmlns:ac="http://schemas.microsoft.com/office/drawing/2013/main/command" xmlns:pc="http://schemas.microsoft.com/office/powerpoint/2013/main/command">
   <pc:docChgLst>
     <pc:chgData name="Maximilian Schlake" userId="d69807565a22ab48" providerId="LiveId" clId="{497DC6A5-6E98-4823-B94B-BA98122E7321}"/>
-    <pc:docChg chg="undo redo custSel addSld delSld modSld">
-      <pc:chgData name="Maximilian Schlake" userId="d69807565a22ab48" providerId="LiveId" clId="{497DC6A5-6E98-4823-B94B-BA98122E7321}" dt="2023-06-01T11:16:19.897" v="578" actId="20577"/>
+    <pc:docChg chg="undo redo custSel addSld delSld modSld sldOrd">
+      <pc:chgData name="Maximilian Schlake" userId="d69807565a22ab48" providerId="LiveId" clId="{497DC6A5-6E98-4823-B94B-BA98122E7321}" dt="2023-06-01T17:36:37.668" v="2011" actId="20577"/>
       <pc:docMkLst>
         <pc:docMk/>
       </pc:docMkLst>
@@ -166,13 +170,13 @@
         </pc:spChg>
       </pc:sldChg>
       <pc:sldChg chg="modSp mod">
-        <pc:chgData name="Maximilian Schlake" userId="d69807565a22ab48" providerId="LiveId" clId="{497DC6A5-6E98-4823-B94B-BA98122E7321}" dt="2023-06-01T11:09:13.218" v="535" actId="14100"/>
+        <pc:chgData name="Maximilian Schlake" userId="d69807565a22ab48" providerId="LiveId" clId="{497DC6A5-6E98-4823-B94B-BA98122E7321}" dt="2023-06-01T17:36:37.668" v="2011" actId="20577"/>
         <pc:sldMkLst>
           <pc:docMk/>
           <pc:sldMk cId="4972780" sldId="257"/>
         </pc:sldMkLst>
         <pc:spChg chg="mod">
-          <ac:chgData name="Maximilian Schlake" userId="d69807565a22ab48" providerId="LiveId" clId="{497DC6A5-6E98-4823-B94B-BA98122E7321}" dt="2023-06-01T11:09:13.218" v="535" actId="14100"/>
+          <ac:chgData name="Maximilian Schlake" userId="d69807565a22ab48" providerId="LiveId" clId="{497DC6A5-6E98-4823-B94B-BA98122E7321}" dt="2023-06-01T17:36:37.668" v="2011" actId="20577"/>
           <ac:spMkLst>
             <pc:docMk/>
             <pc:sldMk cId="4972780" sldId="257"/>
@@ -181,7 +185,7 @@
         </pc:spChg>
       </pc:sldChg>
       <pc:sldChg chg="addSp delSp modSp mod modNotesTx">
-        <pc:chgData name="Maximilian Schlake" userId="d69807565a22ab48" providerId="LiveId" clId="{497DC6A5-6E98-4823-B94B-BA98122E7321}" dt="2023-06-01T11:08:45.581" v="485" actId="20577"/>
+        <pc:chgData name="Maximilian Schlake" userId="d69807565a22ab48" providerId="LiveId" clId="{497DC6A5-6E98-4823-B94B-BA98122E7321}" dt="2023-06-01T13:40:59.845" v="583" actId="20577"/>
         <pc:sldMkLst>
           <pc:docMk/>
           <pc:sldMk cId="2742971747" sldId="258"/>
@@ -195,7 +199,7 @@
           </ac:spMkLst>
         </pc:spChg>
         <pc:spChg chg="mod">
-          <ac:chgData name="Maximilian Schlake" userId="d69807565a22ab48" providerId="LiveId" clId="{497DC6A5-6E98-4823-B94B-BA98122E7321}" dt="2023-06-01T10:05:42.163" v="70" actId="20577"/>
+          <ac:chgData name="Maximilian Schlake" userId="d69807565a22ab48" providerId="LiveId" clId="{497DC6A5-6E98-4823-B94B-BA98122E7321}" dt="2023-06-01T13:40:59.845" v="583" actId="20577"/>
           <ac:spMkLst>
             <pc:docMk/>
             <pc:sldMk cId="2742971747" sldId="258"/>
@@ -212,7 +216,7 @@
         </pc:graphicFrameChg>
       </pc:sldChg>
       <pc:sldChg chg="addSp delSp modSp mod">
-        <pc:chgData name="Maximilian Schlake" userId="d69807565a22ab48" providerId="LiveId" clId="{497DC6A5-6E98-4823-B94B-BA98122E7321}" dt="2023-06-01T09:44:53.233" v="5" actId="21"/>
+        <pc:chgData name="Maximilian Schlake" userId="d69807565a22ab48" providerId="LiveId" clId="{497DC6A5-6E98-4823-B94B-BA98122E7321}" dt="2023-06-01T16:35:05.707" v="1334" actId="20577"/>
         <pc:sldMkLst>
           <pc:docMk/>
           <pc:sldMk cId="2082576824" sldId="259"/>
@@ -225,14 +229,62 @@
             <ac:spMk id="3" creationId="{00097D50-5ACB-4FDD-50C2-902AABD801B5}"/>
           </ac:spMkLst>
         </pc:spChg>
-        <pc:spChg chg="add mod">
-          <ac:chgData name="Maximilian Schlake" userId="d69807565a22ab48" providerId="LiveId" clId="{497DC6A5-6E98-4823-B94B-BA98122E7321}" dt="2023-06-01T09:44:53.233" v="5" actId="21"/>
+        <pc:spChg chg="add del mod">
+          <ac:chgData name="Maximilian Schlake" userId="d69807565a22ab48" providerId="LiveId" clId="{497DC6A5-6E98-4823-B94B-BA98122E7321}" dt="2023-06-01T14:55:39.901" v="608" actId="478"/>
           <ac:spMkLst>
             <pc:docMk/>
             <pc:sldMk cId="2082576824" sldId="259"/>
             <ac:spMk id="7" creationId="{9C296F9C-B501-5452-9A38-DC9F1E00FA23}"/>
           </ac:spMkLst>
         </pc:spChg>
+        <pc:spChg chg="add del">
+          <ac:chgData name="Maximilian Schlake" userId="d69807565a22ab48" providerId="LiveId" clId="{497DC6A5-6E98-4823-B94B-BA98122E7321}" dt="2023-06-01T16:21:55.187" v="1135" actId="11529"/>
+          <ac:spMkLst>
+            <pc:docMk/>
+            <pc:sldMk cId="2082576824" sldId="259"/>
+            <ac:spMk id="25" creationId="{80D3822A-FBFA-848B-708B-103CF9143B6E}"/>
+          </ac:spMkLst>
+        </pc:spChg>
+        <pc:spChg chg="add del">
+          <ac:chgData name="Maximilian Schlake" userId="d69807565a22ab48" providerId="LiveId" clId="{497DC6A5-6E98-4823-B94B-BA98122E7321}" dt="2023-06-01T16:22:32.125" v="1137" actId="11529"/>
+          <ac:spMkLst>
+            <pc:docMk/>
+            <pc:sldMk cId="2082576824" sldId="259"/>
+            <ac:spMk id="26" creationId="{9D0196CD-B069-583F-99D9-63066DD5E440}"/>
+          </ac:spMkLst>
+        </pc:spChg>
+        <pc:spChg chg="add mod">
+          <ac:chgData name="Maximilian Schlake" userId="d69807565a22ab48" providerId="LiveId" clId="{497DC6A5-6E98-4823-B94B-BA98122E7321}" dt="2023-06-01T16:35:05.707" v="1334" actId="20577"/>
+          <ac:spMkLst>
+            <pc:docMk/>
+            <pc:sldMk cId="2082576824" sldId="259"/>
+            <ac:spMk id="27" creationId="{453E651C-77D0-0470-10FA-8D90E1A97A08}"/>
+          </ac:spMkLst>
+        </pc:spChg>
+        <pc:picChg chg="add del mod">
+          <ac:chgData name="Maximilian Schlake" userId="d69807565a22ab48" providerId="LiveId" clId="{497DC6A5-6E98-4823-B94B-BA98122E7321}" dt="2023-06-01T14:55:53.874" v="609" actId="21"/>
+          <ac:picMkLst>
+            <pc:docMk/>
+            <pc:sldMk cId="2082576824" sldId="259"/>
+            <ac:picMk id="3" creationId="{AFD166D9-689D-7B46-4B86-1FA81EFF7D88}"/>
+          </ac:picMkLst>
+        </pc:picChg>
+        <pc:picChg chg="add del mod">
+          <ac:chgData name="Maximilian Schlake" userId="d69807565a22ab48" providerId="LiveId" clId="{497DC6A5-6E98-4823-B94B-BA98122E7321}" dt="2023-06-01T14:55:53.874" v="609" actId="21"/>
+          <ac:picMkLst>
+            <pc:docMk/>
+            <pc:sldMk cId="2082576824" sldId="259"/>
+            <ac:picMk id="4" creationId="{9BB56CCB-894B-771A-59E5-8C5BAD31BE43}"/>
+          </ac:picMkLst>
+        </pc:picChg>
+        <pc:picChg chg="add del mod">
+          <ac:chgData name="Maximilian Schlake" userId="d69807565a22ab48" providerId="LiveId" clId="{497DC6A5-6E98-4823-B94B-BA98122E7321}" dt="2023-06-01T14:55:53.874" v="609" actId="21"/>
+          <ac:picMkLst>
+            <pc:docMk/>
+            <pc:sldMk cId="2082576824" sldId="259"/>
+            <ac:picMk id="5" creationId="{8747AEEC-116D-C66F-25D6-0E4AF09364C2}"/>
+          </ac:picMkLst>
+        </pc:picChg>
         <pc:picChg chg="add del mod ord">
           <ac:chgData name="Maximilian Schlake" userId="d69807565a22ab48" providerId="LiveId" clId="{497DC6A5-6E98-4823-B94B-BA98122E7321}" dt="2023-06-01T09:44:53.233" v="5" actId="21"/>
           <ac:picMkLst>
@@ -241,9 +293,96 @@
             <ac:picMk id="5" creationId="{CDE566F0-38DB-F343-8DED-3389C1D55D6F}"/>
           </ac:picMkLst>
         </pc:picChg>
+        <pc:picChg chg="add mod">
+          <ac:chgData name="Maximilian Schlake" userId="d69807565a22ab48" providerId="LiveId" clId="{497DC6A5-6E98-4823-B94B-BA98122E7321}" dt="2023-06-01T16:29:06.341" v="1262" actId="1035"/>
+          <ac:picMkLst>
+            <pc:docMk/>
+            <pc:sldMk cId="2082576824" sldId="259"/>
+            <ac:picMk id="8" creationId="{A30CBB7A-1EB9-0A6D-51B4-3AC5B27C270F}"/>
+          </ac:picMkLst>
+        </pc:picChg>
+        <pc:picChg chg="add mod">
+          <ac:chgData name="Maximilian Schlake" userId="d69807565a22ab48" providerId="LiveId" clId="{497DC6A5-6E98-4823-B94B-BA98122E7321}" dt="2023-06-01T16:29:06.341" v="1262" actId="1035"/>
+          <ac:picMkLst>
+            <pc:docMk/>
+            <pc:sldMk cId="2082576824" sldId="259"/>
+            <ac:picMk id="10" creationId="{93918629-06E7-5106-3F99-C27FCC165D06}"/>
+          </ac:picMkLst>
+        </pc:picChg>
+        <pc:picChg chg="add del mod">
+          <ac:chgData name="Maximilian Schlake" userId="d69807565a22ab48" providerId="LiveId" clId="{497DC6A5-6E98-4823-B94B-BA98122E7321}" dt="2023-06-01T16:12:20.903" v="1118" actId="478"/>
+          <ac:picMkLst>
+            <pc:docMk/>
+            <pc:sldMk cId="2082576824" sldId="259"/>
+            <ac:picMk id="12" creationId="{5F625B20-BAE8-0883-A90E-7DC733ED0225}"/>
+          </ac:picMkLst>
+        </pc:picChg>
+        <pc:picChg chg="add del mod">
+          <ac:chgData name="Maximilian Schlake" userId="d69807565a22ab48" providerId="LiveId" clId="{497DC6A5-6E98-4823-B94B-BA98122E7321}" dt="2023-06-01T16:10:04.189" v="1104" actId="478"/>
+          <ac:picMkLst>
+            <pc:docMk/>
+            <pc:sldMk cId="2082576824" sldId="259"/>
+            <ac:picMk id="14" creationId="{608C9C84-842E-B180-AFEF-BF0E088C6F7B}"/>
+          </ac:picMkLst>
+        </pc:picChg>
+        <pc:picChg chg="add del mod">
+          <ac:chgData name="Maximilian Schlake" userId="d69807565a22ab48" providerId="LiveId" clId="{497DC6A5-6E98-4823-B94B-BA98122E7321}" dt="2023-06-01T16:10:09.481" v="1108" actId="22"/>
+          <ac:picMkLst>
+            <pc:docMk/>
+            <pc:sldMk cId="2082576824" sldId="259"/>
+            <ac:picMk id="16" creationId="{B2D96605-F47E-C184-DDD6-BC7DDE5FC041}"/>
+          </ac:picMkLst>
+        </pc:picChg>
+        <pc:picChg chg="add mod">
+          <ac:chgData name="Maximilian Schlake" userId="d69807565a22ab48" providerId="LiveId" clId="{497DC6A5-6E98-4823-B94B-BA98122E7321}" dt="2023-06-01T16:29:06.341" v="1262" actId="1035"/>
+          <ac:picMkLst>
+            <pc:docMk/>
+            <pc:sldMk cId="2082576824" sldId="259"/>
+            <ac:picMk id="18" creationId="{279F2486-289C-FE77-D752-22634B8DAECD}"/>
+          </ac:picMkLst>
+        </pc:picChg>
+        <pc:picChg chg="add del mod">
+          <ac:chgData name="Maximilian Schlake" userId="d69807565a22ab48" providerId="LiveId" clId="{497DC6A5-6E98-4823-B94B-BA98122E7321}" dt="2023-06-01T16:14:45.818" v="1121" actId="478"/>
+          <ac:picMkLst>
+            <pc:docMk/>
+            <pc:sldMk cId="2082576824" sldId="259"/>
+            <ac:picMk id="20" creationId="{F1B967A0-6BC6-A0A9-92D5-71DBA32FD79F}"/>
+          </ac:picMkLst>
+        </pc:picChg>
+        <pc:picChg chg="add del mod">
+          <ac:chgData name="Maximilian Schlake" userId="d69807565a22ab48" providerId="LiveId" clId="{497DC6A5-6E98-4823-B94B-BA98122E7321}" dt="2023-06-01T16:15:33.086" v="1132" actId="478"/>
+          <ac:picMkLst>
+            <pc:docMk/>
+            <pc:sldMk cId="2082576824" sldId="259"/>
+            <ac:picMk id="22" creationId="{82584CB7-D0D2-C54F-A119-670736D49C43}"/>
+          </ac:picMkLst>
+        </pc:picChg>
+        <pc:picChg chg="add mod">
+          <ac:chgData name="Maximilian Schlake" userId="d69807565a22ab48" providerId="LiveId" clId="{497DC6A5-6E98-4823-B94B-BA98122E7321}" dt="2023-06-01T16:29:06.341" v="1262" actId="1035"/>
+          <ac:picMkLst>
+            <pc:docMk/>
+            <pc:sldMk cId="2082576824" sldId="259"/>
+            <ac:picMk id="24" creationId="{EADBC34E-9B58-7E6E-2D57-D76381B3C42B}"/>
+          </ac:picMkLst>
+        </pc:picChg>
+      </pc:sldChg>
+      <pc:sldChg chg="modSp mod">
+        <pc:chgData name="Maximilian Schlake" userId="d69807565a22ab48" providerId="LiveId" clId="{497DC6A5-6E98-4823-B94B-BA98122E7321}" dt="2023-06-01T17:36:03.824" v="1990" actId="20577"/>
+        <pc:sldMkLst>
+          <pc:docMk/>
+          <pc:sldMk cId="3708354059" sldId="260"/>
+        </pc:sldMkLst>
+        <pc:spChg chg="mod">
+          <ac:chgData name="Maximilian Schlake" userId="d69807565a22ab48" providerId="LiveId" clId="{497DC6A5-6E98-4823-B94B-BA98122E7321}" dt="2023-06-01T17:36:03.824" v="1990" actId="20577"/>
+          <ac:spMkLst>
+            <pc:docMk/>
+            <pc:sldMk cId="3708354059" sldId="260"/>
+            <ac:spMk id="2" creationId="{497E08B4-1A21-5C4A-FF59-0254370A8800}"/>
+          </ac:spMkLst>
+        </pc:spChg>
       </pc:sldChg>
       <pc:sldChg chg="addSp delSp modSp add mod modNotesTx">
-        <pc:chgData name="Maximilian Schlake" userId="d69807565a22ab48" providerId="LiveId" clId="{497DC6A5-6E98-4823-B94B-BA98122E7321}" dt="2023-06-01T11:09:20.758" v="536" actId="20577"/>
+        <pc:chgData name="Maximilian Schlake" userId="d69807565a22ab48" providerId="LiveId" clId="{497DC6A5-6E98-4823-B94B-BA98122E7321}" dt="2023-06-01T17:19:52.007" v="1959" actId="113"/>
         <pc:sldMkLst>
           <pc:docMk/>
           <pc:sldMk cId="47249489" sldId="264"/>
@@ -265,7 +404,7 @@
           </ac:spMkLst>
         </pc:spChg>
         <pc:spChg chg="add mod">
-          <ac:chgData name="Maximilian Schlake" userId="d69807565a22ab48" providerId="LiveId" clId="{497DC6A5-6E98-4823-B94B-BA98122E7321}" dt="2023-06-01T10:07:00.562" v="102" actId="1076"/>
+          <ac:chgData name="Maximilian Schlake" userId="d69807565a22ab48" providerId="LiveId" clId="{497DC6A5-6E98-4823-B94B-BA98122E7321}" dt="2023-06-01T17:19:52.007" v="1959" actId="113"/>
           <ac:spMkLst>
             <pc:docMk/>
             <pc:sldMk cId="47249489" sldId="264"/>
@@ -328,8 +467,8 @@
           </ac:picMkLst>
         </pc:picChg>
       </pc:sldChg>
-      <pc:sldChg chg="addSp delSp modSp add mod modNotesTx">
-        <pc:chgData name="Maximilian Schlake" userId="d69807565a22ab48" providerId="LiveId" clId="{497DC6A5-6E98-4823-B94B-BA98122E7321}" dt="2023-06-01T11:16:19.897" v="578" actId="20577"/>
+      <pc:sldChg chg="addSp delSp modSp add del mod modNotesTx">
+        <pc:chgData name="Maximilian Schlake" userId="d69807565a22ab48" providerId="LiveId" clId="{497DC6A5-6E98-4823-B94B-BA98122E7321}" dt="2023-06-01T14:57:26.310" v="637" actId="47"/>
         <pc:sldMkLst>
           <pc:docMk/>
           <pc:sldMk cId="2877771453" sldId="266"/>
@@ -343,15 +482,15 @@
           </ac:spMkLst>
         </pc:spChg>
         <pc:spChg chg="mod">
-          <ac:chgData name="Maximilian Schlake" userId="d69807565a22ab48" providerId="LiveId" clId="{497DC6A5-6E98-4823-B94B-BA98122E7321}" dt="2023-06-01T11:16:19.897" v="578" actId="20577"/>
+          <ac:chgData name="Maximilian Schlake" userId="d69807565a22ab48" providerId="LiveId" clId="{497DC6A5-6E98-4823-B94B-BA98122E7321}" dt="2023-06-01T14:56:01.016" v="624" actId="20577"/>
           <ac:spMkLst>
             <pc:docMk/>
             <pc:sldMk cId="2877771453" sldId="266"/>
             <ac:spMk id="7" creationId="{38434C18-E629-8B9D-4E85-3B193564F614}"/>
           </ac:spMkLst>
         </pc:spChg>
-        <pc:picChg chg="add mod">
-          <ac:chgData name="Maximilian Schlake" userId="d69807565a22ab48" providerId="LiveId" clId="{497DC6A5-6E98-4823-B94B-BA98122E7321}" dt="2023-06-01T10:08:21.867" v="151" actId="1076"/>
+        <pc:picChg chg="add del mod">
+          <ac:chgData name="Maximilian Schlake" userId="d69807565a22ab48" providerId="LiveId" clId="{497DC6A5-6E98-4823-B94B-BA98122E7321}" dt="2023-06-01T14:54:33.854" v="592" actId="21"/>
           <ac:picMkLst>
             <pc:docMk/>
             <pc:sldMk cId="2877771453" sldId="266"/>
@@ -359,11 +498,35 @@
           </ac:picMkLst>
         </pc:picChg>
         <pc:picChg chg="add mod">
-          <ac:chgData name="Maximilian Schlake" userId="d69807565a22ab48" providerId="LiveId" clId="{497DC6A5-6E98-4823-B94B-BA98122E7321}" dt="2023-06-01T10:08:31.795" v="152" actId="1076"/>
+          <ac:chgData name="Maximilian Schlake" userId="d69807565a22ab48" providerId="LiveId" clId="{497DC6A5-6E98-4823-B94B-BA98122E7321}" dt="2023-06-01T14:56:18.938" v="626" actId="1076"/>
+          <ac:picMkLst>
+            <pc:docMk/>
+            <pc:sldMk cId="2877771453" sldId="266"/>
+            <ac:picMk id="4" creationId="{58BC7E4A-C1EB-3DDC-1C17-6EAF6CD6A58B}"/>
+          </ac:picMkLst>
+        </pc:picChg>
+        <pc:picChg chg="add del mod">
+          <ac:chgData name="Maximilian Schlake" userId="d69807565a22ab48" providerId="LiveId" clId="{497DC6A5-6E98-4823-B94B-BA98122E7321}" dt="2023-06-01T14:54:07.592" v="585" actId="21"/>
           <ac:picMkLst>
             <pc:docMk/>
             <pc:sldMk cId="2877771453" sldId="266"/>
             <ac:picMk id="5" creationId="{DBDEEF7F-1D3B-737D-9027-905F1B043533}"/>
+          </ac:picMkLst>
+        </pc:picChg>
+        <pc:picChg chg="add mod">
+          <ac:chgData name="Maximilian Schlake" userId="d69807565a22ab48" providerId="LiveId" clId="{497DC6A5-6E98-4823-B94B-BA98122E7321}" dt="2023-06-01T14:56:18.938" v="626" actId="1076"/>
+          <ac:picMkLst>
+            <pc:docMk/>
+            <pc:sldMk cId="2877771453" sldId="266"/>
+            <ac:picMk id="6" creationId="{1625A561-FC7F-2DED-FE96-B9F946F40664}"/>
+          </ac:picMkLst>
+        </pc:picChg>
+        <pc:picChg chg="add mod">
+          <ac:chgData name="Maximilian Schlake" userId="d69807565a22ab48" providerId="LiveId" clId="{497DC6A5-6E98-4823-B94B-BA98122E7321}" dt="2023-06-01T14:56:18.938" v="626" actId="1076"/>
+          <ac:picMkLst>
+            <pc:docMk/>
+            <pc:sldMk cId="2877771453" sldId="266"/>
+            <ac:picMk id="8" creationId="{140363BC-B5D3-3CD1-B3AE-221D35E3B81C}"/>
           </ac:picMkLst>
         </pc:picChg>
         <pc:picChg chg="del">
@@ -376,13 +539,13 @@
         </pc:picChg>
       </pc:sldChg>
       <pc:sldChg chg="addSp delSp modSp add mod">
-        <pc:chgData name="Maximilian Schlake" userId="d69807565a22ab48" providerId="LiveId" clId="{497DC6A5-6E98-4823-B94B-BA98122E7321}" dt="2023-06-01T11:09:25.438" v="538" actId="20577"/>
+        <pc:chgData name="Maximilian Schlake" userId="d69807565a22ab48" providerId="LiveId" clId="{497DC6A5-6E98-4823-B94B-BA98122E7321}" dt="2023-06-01T17:19:34.063" v="1955" actId="113"/>
         <pc:sldMkLst>
           <pc:docMk/>
           <pc:sldMk cId="852344474" sldId="267"/>
         </pc:sldMkLst>
         <pc:spChg chg="mod">
-          <ac:chgData name="Maximilian Schlake" userId="d69807565a22ab48" providerId="LiveId" clId="{497DC6A5-6E98-4823-B94B-BA98122E7321}" dt="2023-06-01T11:09:25.438" v="538" actId="20577"/>
+          <ac:chgData name="Maximilian Schlake" userId="d69807565a22ab48" providerId="LiveId" clId="{497DC6A5-6E98-4823-B94B-BA98122E7321}" dt="2023-06-01T17:19:23.266" v="1953" actId="1076"/>
           <ac:spMkLst>
             <pc:docMk/>
             <pc:sldMk cId="852344474" sldId="267"/>
@@ -390,7 +553,7 @@
           </ac:spMkLst>
         </pc:spChg>
         <pc:spChg chg="mod">
-          <ac:chgData name="Maximilian Schlake" userId="d69807565a22ab48" providerId="LiveId" clId="{497DC6A5-6E98-4823-B94B-BA98122E7321}" dt="2023-06-01T10:34:16.775" v="203" actId="20577"/>
+          <ac:chgData name="Maximilian Schlake" userId="d69807565a22ab48" providerId="LiveId" clId="{497DC6A5-6E98-4823-B94B-BA98122E7321}" dt="2023-06-01T17:19:34.063" v="1955" actId="113"/>
           <ac:spMkLst>
             <pc:docMk/>
             <pc:sldMk cId="852344474" sldId="267"/>
@@ -403,6 +566,22 @@
             <pc:docMk/>
             <pc:sldMk cId="852344474" sldId="267"/>
             <ac:picMk id="3" creationId="{057CC8B5-B4A5-56F9-3445-E53C7CBDE4B1}"/>
+          </ac:picMkLst>
+        </pc:picChg>
+        <pc:picChg chg="add del mod">
+          <ac:chgData name="Maximilian Schlake" userId="d69807565a22ab48" providerId="LiveId" clId="{497DC6A5-6E98-4823-B94B-BA98122E7321}" dt="2023-06-01T14:55:33.520" v="605" actId="21"/>
+          <ac:picMkLst>
+            <pc:docMk/>
+            <pc:sldMk cId="852344474" sldId="267"/>
+            <ac:picMk id="3" creationId="{E2816256-79EB-BE6D-7E48-D81C82598559}"/>
+          </ac:picMkLst>
+        </pc:picChg>
+        <pc:picChg chg="add del mod">
+          <ac:chgData name="Maximilian Schlake" userId="d69807565a22ab48" providerId="LiveId" clId="{497DC6A5-6E98-4823-B94B-BA98122E7321}" dt="2023-06-01T14:55:33.520" v="605" actId="21"/>
+          <ac:picMkLst>
+            <pc:docMk/>
+            <pc:sldMk cId="852344474" sldId="267"/>
+            <ac:picMk id="4" creationId="{880451C0-5A41-FF35-2691-7A2159FD0A6B}"/>
           </ac:picMkLst>
         </pc:picChg>
         <pc:picChg chg="del">
@@ -421,6 +600,14 @@
             <ac:picMk id="6" creationId="{63D627F6-5C7E-ECDE-6812-5A0255CC8FE1}"/>
           </ac:picMkLst>
         </pc:picChg>
+        <pc:picChg chg="add del mod">
+          <ac:chgData name="Maximilian Schlake" userId="d69807565a22ab48" providerId="LiveId" clId="{497DC6A5-6E98-4823-B94B-BA98122E7321}" dt="2023-06-01T14:55:33.520" v="605" actId="21"/>
+          <ac:picMkLst>
+            <pc:docMk/>
+            <pc:sldMk cId="852344474" sldId="267"/>
+            <ac:picMk id="8" creationId="{02377EC1-C64A-F212-9D6F-21ABB84B543B}"/>
+          </ac:picMkLst>
+        </pc:picChg>
         <pc:picChg chg="add mod">
           <ac:chgData name="Maximilian Schlake" userId="d69807565a22ab48" providerId="LiveId" clId="{497DC6A5-6E98-4823-B94B-BA98122E7321}" dt="2023-06-01T10:50:34.944" v="241" actId="1076"/>
           <ac:picMkLst>
@@ -435,6 +622,392 @@
             <pc:docMk/>
             <pc:sldMk cId="852344474" sldId="267"/>
             <ac:picMk id="11" creationId="{CA2F37BF-7AA0-41BB-813B-DBFE232C748F}"/>
+          </ac:picMkLst>
+        </pc:picChg>
+        <pc:picChg chg="add del mod">
+          <ac:chgData name="Maximilian Schlake" userId="d69807565a22ab48" providerId="LiveId" clId="{497DC6A5-6E98-4823-B94B-BA98122E7321}" dt="2023-06-01T15:55:58.614" v="1054" actId="478"/>
+          <ac:picMkLst>
+            <pc:docMk/>
+            <pc:sldMk cId="852344474" sldId="267"/>
+            <ac:picMk id="12" creationId="{532A058C-1296-F864-C043-833495F099C4}"/>
+          </ac:picMkLst>
+        </pc:picChg>
+        <pc:picChg chg="add del mod">
+          <ac:chgData name="Maximilian Schlake" userId="d69807565a22ab48" providerId="LiveId" clId="{497DC6A5-6E98-4823-B94B-BA98122E7321}" dt="2023-06-01T15:55:59.483" v="1056" actId="478"/>
+          <ac:picMkLst>
+            <pc:docMk/>
+            <pc:sldMk cId="852344474" sldId="267"/>
+            <ac:picMk id="14" creationId="{9F10B256-8BF6-112F-0323-051D9ACBEC37}"/>
+          </ac:picMkLst>
+        </pc:picChg>
+        <pc:picChg chg="add del mod">
+          <ac:chgData name="Maximilian Schlake" userId="d69807565a22ab48" providerId="LiveId" clId="{497DC6A5-6E98-4823-B94B-BA98122E7321}" dt="2023-06-01T15:55:59.098" v="1055" actId="478"/>
+          <ac:picMkLst>
+            <pc:docMk/>
+            <pc:sldMk cId="852344474" sldId="267"/>
+            <ac:picMk id="16" creationId="{D6A81889-1B18-8808-6870-99E5DDBCAE2F}"/>
+          </ac:picMkLst>
+        </pc:picChg>
+      </pc:sldChg>
+      <pc:sldChg chg="addSp delSp modSp add mod ord">
+        <pc:chgData name="Maximilian Schlake" userId="d69807565a22ab48" providerId="LiveId" clId="{497DC6A5-6E98-4823-B94B-BA98122E7321}" dt="2023-06-01T17:19:45.184" v="1957" actId="20577"/>
+        <pc:sldMkLst>
+          <pc:docMk/>
+          <pc:sldMk cId="3410715490" sldId="268"/>
+        </pc:sldMkLst>
+        <pc:spChg chg="mod">
+          <ac:chgData name="Maximilian Schlake" userId="d69807565a22ab48" providerId="LiveId" clId="{497DC6A5-6E98-4823-B94B-BA98122E7321}" dt="2023-06-01T17:19:45.184" v="1957" actId="20577"/>
+          <ac:spMkLst>
+            <pc:docMk/>
+            <pc:sldMk cId="3410715490" sldId="268"/>
+            <ac:spMk id="7" creationId="{38434C18-E629-8B9D-4E85-3B193564F614}"/>
+          </ac:spMkLst>
+        </pc:spChg>
+        <pc:picChg chg="add mod">
+          <ac:chgData name="Maximilian Schlake" userId="d69807565a22ab48" providerId="LiveId" clId="{497DC6A5-6E98-4823-B94B-BA98122E7321}" dt="2023-06-01T14:57:10.080" v="635" actId="1076"/>
+          <ac:picMkLst>
+            <pc:docMk/>
+            <pc:sldMk cId="3410715490" sldId="268"/>
+            <ac:picMk id="3" creationId="{5BC247A6-A026-C28A-A020-9106CC410CAE}"/>
+          </ac:picMkLst>
+        </pc:picChg>
+        <pc:picChg chg="add mod">
+          <ac:chgData name="Maximilian Schlake" userId="d69807565a22ab48" providerId="LiveId" clId="{497DC6A5-6E98-4823-B94B-BA98122E7321}" dt="2023-06-01T14:57:05.897" v="633" actId="1076"/>
+          <ac:picMkLst>
+            <pc:docMk/>
+            <pc:sldMk cId="3410715490" sldId="268"/>
+            <ac:picMk id="4" creationId="{885F2D1A-3EA9-F9CA-54EC-A7D30DEA74D9}"/>
+          </ac:picMkLst>
+        </pc:picChg>
+        <pc:picChg chg="add del mod">
+          <ac:chgData name="Maximilian Schlake" userId="d69807565a22ab48" providerId="LiveId" clId="{497DC6A5-6E98-4823-B94B-BA98122E7321}" dt="2023-06-01T15:58:54.319" v="1082" actId="478"/>
+          <ac:picMkLst>
+            <pc:docMk/>
+            <pc:sldMk cId="3410715490" sldId="268"/>
+            <ac:picMk id="5" creationId="{F4190311-180F-744E-B7E8-C06FEB15EDE5}"/>
+          </ac:picMkLst>
+        </pc:picChg>
+        <pc:picChg chg="del">
+          <ac:chgData name="Maximilian Schlake" userId="d69807565a22ab48" providerId="LiveId" clId="{497DC6A5-6E98-4823-B94B-BA98122E7321}" dt="2023-06-01T14:56:46.906" v="630" actId="478"/>
+          <ac:picMkLst>
+            <pc:docMk/>
+            <pc:sldMk cId="3410715490" sldId="268"/>
+            <ac:picMk id="6" creationId="{63D627F6-5C7E-ECDE-6812-5A0255CC8FE1}"/>
+          </ac:picMkLst>
+        </pc:picChg>
+        <pc:picChg chg="del">
+          <ac:chgData name="Maximilian Schlake" userId="d69807565a22ab48" providerId="LiveId" clId="{497DC6A5-6E98-4823-B94B-BA98122E7321}" dt="2023-06-01T14:57:07.373" v="634" actId="478"/>
+          <ac:picMkLst>
+            <pc:docMk/>
+            <pc:sldMk cId="3410715490" sldId="268"/>
+            <ac:picMk id="9" creationId="{82C6D728-F90C-831C-54F8-A60161E93EE7}"/>
+          </ac:picMkLst>
+        </pc:picChg>
+        <pc:picChg chg="add mod">
+          <ac:chgData name="Maximilian Schlake" userId="d69807565a22ab48" providerId="LiveId" clId="{497DC6A5-6E98-4823-B94B-BA98122E7321}" dt="2023-06-01T15:59:04.362" v="1085" actId="14100"/>
+          <ac:picMkLst>
+            <pc:docMk/>
+            <pc:sldMk cId="3410715490" sldId="268"/>
+            <ac:picMk id="10" creationId="{9BFAD784-9041-FA98-28D7-236DC96E30F9}"/>
+          </ac:picMkLst>
+        </pc:picChg>
+        <pc:picChg chg="del">
+          <ac:chgData name="Maximilian Schlake" userId="d69807565a22ab48" providerId="LiveId" clId="{497DC6A5-6E98-4823-B94B-BA98122E7321}" dt="2023-06-01T14:56:48.241" v="631" actId="478"/>
+          <ac:picMkLst>
+            <pc:docMk/>
+            <pc:sldMk cId="3410715490" sldId="268"/>
+            <ac:picMk id="11" creationId="{CA2F37BF-7AA0-41BB-813B-DBFE232C748F}"/>
+          </ac:picMkLst>
+        </pc:picChg>
+      </pc:sldChg>
+      <pc:sldChg chg="addSp delSp modSp add mod">
+        <pc:chgData name="Maximilian Schlake" userId="d69807565a22ab48" providerId="LiveId" clId="{497DC6A5-6E98-4823-B94B-BA98122E7321}" dt="2023-06-01T17:19:20.061" v="1951" actId="113"/>
+        <pc:sldMkLst>
+          <pc:docMk/>
+          <pc:sldMk cId="404323534" sldId="269"/>
+        </pc:sldMkLst>
+        <pc:spChg chg="mod">
+          <ac:chgData name="Maximilian Schlake" userId="d69807565a22ab48" providerId="LiveId" clId="{497DC6A5-6E98-4823-B94B-BA98122E7321}" dt="2023-06-01T17:19:20.061" v="1951" actId="113"/>
+          <ac:spMkLst>
+            <pc:docMk/>
+            <pc:sldMk cId="404323534" sldId="269"/>
+            <ac:spMk id="7" creationId="{38434C18-E629-8B9D-4E85-3B193564F614}"/>
+          </ac:spMkLst>
+        </pc:spChg>
+        <pc:graphicFrameChg chg="add mod modGraphic">
+          <ac:chgData name="Maximilian Schlake" userId="d69807565a22ab48" providerId="LiveId" clId="{497DC6A5-6E98-4823-B94B-BA98122E7321}" dt="2023-06-01T15:16:59.037" v="987" actId="20577"/>
+          <ac:graphicFrameMkLst>
+            <pc:docMk/>
+            <pc:sldMk cId="404323534" sldId="269"/>
+            <ac:graphicFrameMk id="3" creationId="{D5968D79-A2E6-BAD1-BD4B-05FB00C12F0F}"/>
+          </ac:graphicFrameMkLst>
+        </pc:graphicFrameChg>
+        <pc:picChg chg="del">
+          <ac:chgData name="Maximilian Schlake" userId="d69807565a22ab48" providerId="LiveId" clId="{497DC6A5-6E98-4823-B94B-BA98122E7321}" dt="2023-06-01T14:58:47.058" v="668" actId="478"/>
+          <ac:picMkLst>
+            <pc:docMk/>
+            <pc:sldMk cId="404323534" sldId="269"/>
+            <ac:picMk id="6" creationId="{63D627F6-5C7E-ECDE-6812-5A0255CC8FE1}"/>
+          </ac:picMkLst>
+        </pc:picChg>
+        <pc:picChg chg="del">
+          <ac:chgData name="Maximilian Schlake" userId="d69807565a22ab48" providerId="LiveId" clId="{497DC6A5-6E98-4823-B94B-BA98122E7321}" dt="2023-06-01T14:58:46.623" v="667" actId="478"/>
+          <ac:picMkLst>
+            <pc:docMk/>
+            <pc:sldMk cId="404323534" sldId="269"/>
+            <ac:picMk id="9" creationId="{82C6D728-F90C-831C-54F8-A60161E93EE7}"/>
+          </ac:picMkLst>
+        </pc:picChg>
+        <pc:picChg chg="del">
+          <ac:chgData name="Maximilian Schlake" userId="d69807565a22ab48" providerId="LiveId" clId="{497DC6A5-6E98-4823-B94B-BA98122E7321}" dt="2023-06-01T14:58:47.363" v="669" actId="478"/>
+          <ac:picMkLst>
+            <pc:docMk/>
+            <pc:sldMk cId="404323534" sldId="269"/>
+            <ac:picMk id="11" creationId="{CA2F37BF-7AA0-41BB-813B-DBFE232C748F}"/>
+          </ac:picMkLst>
+        </pc:picChg>
+      </pc:sldChg>
+      <pc:sldChg chg="delSp modSp add del mod">
+        <pc:chgData name="Maximilian Schlake" userId="d69807565a22ab48" providerId="LiveId" clId="{497DC6A5-6E98-4823-B94B-BA98122E7321}" dt="2023-06-01T15:56:51.547" v="1081" actId="2696"/>
+        <pc:sldMkLst>
+          <pc:docMk/>
+          <pc:sldMk cId="1744504504" sldId="270"/>
+        </pc:sldMkLst>
+        <pc:spChg chg="mod">
+          <ac:chgData name="Maximilian Schlake" userId="d69807565a22ab48" providerId="LiveId" clId="{497DC6A5-6E98-4823-B94B-BA98122E7321}" dt="2023-06-01T15:18:26.724" v="1028" actId="20577"/>
+          <ac:spMkLst>
+            <pc:docMk/>
+            <pc:sldMk cId="1744504504" sldId="270"/>
+            <ac:spMk id="7" creationId="{38434C18-E629-8B9D-4E85-3B193564F614}"/>
+          </ac:spMkLst>
+        </pc:spChg>
+        <pc:graphicFrameChg chg="del">
+          <ac:chgData name="Maximilian Schlake" userId="d69807565a22ab48" providerId="LiveId" clId="{497DC6A5-6E98-4823-B94B-BA98122E7321}" dt="2023-06-01T15:19:03.794" v="1029" actId="478"/>
+          <ac:graphicFrameMkLst>
+            <pc:docMk/>
+            <pc:sldMk cId="1744504504" sldId="270"/>
+            <ac:graphicFrameMk id="3" creationId="{D5968D79-A2E6-BAD1-BD4B-05FB00C12F0F}"/>
+          </ac:graphicFrameMkLst>
+        </pc:graphicFrameChg>
+      </pc:sldChg>
+      <pc:sldChg chg="delSp modSp add mod ord">
+        <pc:chgData name="Maximilian Schlake" userId="d69807565a22ab48" providerId="LiveId" clId="{497DC6A5-6E98-4823-B94B-BA98122E7321}" dt="2023-06-01T17:19:09.770" v="1949" actId="113"/>
+        <pc:sldMkLst>
+          <pc:docMk/>
+          <pc:sldMk cId="3603686234" sldId="271"/>
+        </pc:sldMkLst>
+        <pc:spChg chg="mod">
+          <ac:chgData name="Maximilian Schlake" userId="d69807565a22ab48" providerId="LiveId" clId="{497DC6A5-6E98-4823-B94B-BA98122E7321}" dt="2023-06-01T17:19:09.770" v="1949" actId="113"/>
+          <ac:spMkLst>
+            <pc:docMk/>
+            <pc:sldMk cId="3603686234" sldId="271"/>
+            <ac:spMk id="7" creationId="{38434C18-E629-8B9D-4E85-3B193564F614}"/>
+          </ac:spMkLst>
+        </pc:spChg>
+        <pc:picChg chg="del">
+          <ac:chgData name="Maximilian Schlake" userId="d69807565a22ab48" providerId="LiveId" clId="{497DC6A5-6E98-4823-B94B-BA98122E7321}" dt="2023-06-01T15:56:05.147" v="1059" actId="478"/>
+          <ac:picMkLst>
+            <pc:docMk/>
+            <pc:sldMk cId="3603686234" sldId="271"/>
+            <ac:picMk id="6" creationId="{63D627F6-5C7E-ECDE-6812-5A0255CC8FE1}"/>
+          </ac:picMkLst>
+        </pc:picChg>
+        <pc:picChg chg="del">
+          <ac:chgData name="Maximilian Schlake" userId="d69807565a22ab48" providerId="LiveId" clId="{497DC6A5-6E98-4823-B94B-BA98122E7321}" dt="2023-06-01T15:56:15.973" v="1061" actId="478"/>
+          <ac:picMkLst>
+            <pc:docMk/>
+            <pc:sldMk cId="3603686234" sldId="271"/>
+            <ac:picMk id="9" creationId="{82C6D728-F90C-831C-54F8-A60161E93EE7}"/>
+          </ac:picMkLst>
+        </pc:picChg>
+        <pc:picChg chg="del">
+          <ac:chgData name="Maximilian Schlake" userId="d69807565a22ab48" providerId="LiveId" clId="{497DC6A5-6E98-4823-B94B-BA98122E7321}" dt="2023-06-01T15:56:02.002" v="1057" actId="478"/>
+          <ac:picMkLst>
+            <pc:docMk/>
+            <pc:sldMk cId="3603686234" sldId="271"/>
+            <ac:picMk id="11" creationId="{CA2F37BF-7AA0-41BB-813B-DBFE232C748F}"/>
+          </ac:picMkLst>
+        </pc:picChg>
+        <pc:picChg chg="mod">
+          <ac:chgData name="Maximilian Schlake" userId="d69807565a22ab48" providerId="LiveId" clId="{497DC6A5-6E98-4823-B94B-BA98122E7321}" dt="2023-06-01T15:56:03.901" v="1058" actId="1076"/>
+          <ac:picMkLst>
+            <pc:docMk/>
+            <pc:sldMk cId="3603686234" sldId="271"/>
+            <ac:picMk id="12" creationId="{532A058C-1296-F864-C043-833495F099C4}"/>
+          </ac:picMkLst>
+        </pc:picChg>
+        <pc:picChg chg="mod">
+          <ac:chgData name="Maximilian Schlake" userId="d69807565a22ab48" providerId="LiveId" clId="{497DC6A5-6E98-4823-B94B-BA98122E7321}" dt="2023-06-01T15:56:17.899" v="1062" actId="1076"/>
+          <ac:picMkLst>
+            <pc:docMk/>
+            <pc:sldMk cId="3603686234" sldId="271"/>
+            <ac:picMk id="14" creationId="{9F10B256-8BF6-112F-0323-051D9ACBEC37}"/>
+          </ac:picMkLst>
+        </pc:picChg>
+        <pc:picChg chg="mod">
+          <ac:chgData name="Maximilian Schlake" userId="d69807565a22ab48" providerId="LiveId" clId="{497DC6A5-6E98-4823-B94B-BA98122E7321}" dt="2023-06-01T15:56:14.611" v="1060" actId="1076"/>
+          <ac:picMkLst>
+            <pc:docMk/>
+            <pc:sldMk cId="3603686234" sldId="271"/>
+            <ac:picMk id="16" creationId="{D6A81889-1B18-8808-6870-99E5DDBCAE2F}"/>
+          </ac:picMkLst>
+        </pc:picChg>
+      </pc:sldChg>
+      <pc:sldChg chg="addSp delSp modSp add mod">
+        <pc:chgData name="Maximilian Schlake" userId="d69807565a22ab48" providerId="LiveId" clId="{497DC6A5-6E98-4823-B94B-BA98122E7321}" dt="2023-06-01T17:33:12.919" v="1989" actId="20577"/>
+        <pc:sldMkLst>
+          <pc:docMk/>
+          <pc:sldMk cId="3193646607" sldId="272"/>
+        </pc:sldMkLst>
+        <pc:spChg chg="add mod">
+          <ac:chgData name="Maximilian Schlake" userId="d69807565a22ab48" providerId="LiveId" clId="{497DC6A5-6E98-4823-B94B-BA98122E7321}" dt="2023-06-01T17:33:12.919" v="1989" actId="20577"/>
+          <ac:spMkLst>
+            <pc:docMk/>
+            <pc:sldMk cId="3193646607" sldId="272"/>
+            <ac:spMk id="7" creationId="{C286ED0A-2D4D-8B04-1FBE-436025404D2D}"/>
+          </ac:spMkLst>
+        </pc:spChg>
+        <pc:spChg chg="del">
+          <ac:chgData name="Maximilian Schlake" userId="d69807565a22ab48" providerId="LiveId" clId="{497DC6A5-6E98-4823-B94B-BA98122E7321}" dt="2023-06-01T16:35:43.114" v="1340" actId="478"/>
+          <ac:spMkLst>
+            <pc:docMk/>
+            <pc:sldMk cId="3193646607" sldId="272"/>
+            <ac:spMk id="27" creationId="{453E651C-77D0-0470-10FA-8D90E1A97A08}"/>
+          </ac:spMkLst>
+        </pc:spChg>
+        <pc:picChg chg="add mod">
+          <ac:chgData name="Maximilian Schlake" userId="d69807565a22ab48" providerId="LiveId" clId="{497DC6A5-6E98-4823-B94B-BA98122E7321}" dt="2023-06-01T16:39:27.615" v="1344" actId="1076"/>
+          <ac:picMkLst>
+            <pc:docMk/>
+            <pc:sldMk cId="3193646607" sldId="272"/>
+            <ac:picMk id="4" creationId="{755555F1-081E-F6D6-A388-D039EDDF956A}"/>
+          </ac:picMkLst>
+        </pc:picChg>
+        <pc:picChg chg="add mod">
+          <ac:chgData name="Maximilian Schlake" userId="d69807565a22ab48" providerId="LiveId" clId="{497DC6A5-6E98-4823-B94B-BA98122E7321}" dt="2023-06-01T16:39:33.079" v="1347" actId="14100"/>
+          <ac:picMkLst>
+            <pc:docMk/>
+            <pc:sldMk cId="3193646607" sldId="272"/>
+            <ac:picMk id="6" creationId="{6C341124-2E2F-A537-88CC-4904C85A4DCD}"/>
+          </ac:picMkLst>
+        </pc:picChg>
+        <pc:picChg chg="del">
+          <ac:chgData name="Maximilian Schlake" userId="d69807565a22ab48" providerId="LiveId" clId="{497DC6A5-6E98-4823-B94B-BA98122E7321}" dt="2023-06-01T16:35:40.297" v="1337" actId="478"/>
+          <ac:picMkLst>
+            <pc:docMk/>
+            <pc:sldMk cId="3193646607" sldId="272"/>
+            <ac:picMk id="8" creationId="{A30CBB7A-1EB9-0A6D-51B4-3AC5B27C270F}"/>
+          </ac:picMkLst>
+        </pc:picChg>
+        <pc:picChg chg="del">
+          <ac:chgData name="Maximilian Schlake" userId="d69807565a22ab48" providerId="LiveId" clId="{497DC6A5-6E98-4823-B94B-BA98122E7321}" dt="2023-06-01T16:35:39.695" v="1336" actId="478"/>
+          <ac:picMkLst>
+            <pc:docMk/>
+            <pc:sldMk cId="3193646607" sldId="272"/>
+            <ac:picMk id="10" creationId="{93918629-06E7-5106-3F99-C27FCC165D06}"/>
+          </ac:picMkLst>
+        </pc:picChg>
+        <pc:picChg chg="del">
+          <ac:chgData name="Maximilian Schlake" userId="d69807565a22ab48" providerId="LiveId" clId="{497DC6A5-6E98-4823-B94B-BA98122E7321}" dt="2023-06-01T16:35:41.121" v="1339" actId="478"/>
+          <ac:picMkLst>
+            <pc:docMk/>
+            <pc:sldMk cId="3193646607" sldId="272"/>
+            <ac:picMk id="18" creationId="{279F2486-289C-FE77-D752-22634B8DAECD}"/>
+          </ac:picMkLst>
+        </pc:picChg>
+        <pc:picChg chg="del">
+          <ac:chgData name="Maximilian Schlake" userId="d69807565a22ab48" providerId="LiveId" clId="{497DC6A5-6E98-4823-B94B-BA98122E7321}" dt="2023-06-01T16:35:40.615" v="1338" actId="478"/>
+          <ac:picMkLst>
+            <pc:docMk/>
+            <pc:sldMk cId="3193646607" sldId="272"/>
+            <ac:picMk id="24" creationId="{EADBC34E-9B58-7E6E-2D57-D76381B3C42B}"/>
+          </ac:picMkLst>
+        </pc:picChg>
+      </pc:sldChg>
+      <pc:sldChg chg="addSp delSp modSp add mod">
+        <pc:chgData name="Maximilian Schlake" userId="d69807565a22ab48" providerId="LiveId" clId="{497DC6A5-6E98-4823-B94B-BA98122E7321}" dt="2023-06-01T17:23:03.466" v="1988" actId="20577"/>
+        <pc:sldMkLst>
+          <pc:docMk/>
+          <pc:sldMk cId="3831600297" sldId="273"/>
+        </pc:sldMkLst>
+        <pc:spChg chg="mod">
+          <ac:chgData name="Maximilian Schlake" userId="d69807565a22ab48" providerId="LiveId" clId="{497DC6A5-6E98-4823-B94B-BA98122E7321}" dt="2023-06-01T16:50:46.378" v="1475" actId="20577"/>
+          <ac:spMkLst>
+            <pc:docMk/>
+            <pc:sldMk cId="3831600297" sldId="273"/>
+            <ac:spMk id="2" creationId="{497E08B4-1A21-5C4A-FF59-0254370A8800}"/>
+          </ac:spMkLst>
+        </pc:spChg>
+        <pc:spChg chg="del">
+          <ac:chgData name="Maximilian Schlake" userId="d69807565a22ab48" providerId="LiveId" clId="{497DC6A5-6E98-4823-B94B-BA98122E7321}" dt="2023-06-01T16:54:22.590" v="1478" actId="478"/>
+          <ac:spMkLst>
+            <pc:docMk/>
+            <pc:sldMk cId="3831600297" sldId="273"/>
+            <ac:spMk id="7" creationId="{C286ED0A-2D4D-8B04-1FBE-436025404D2D}"/>
+          </ac:spMkLst>
+        </pc:spChg>
+        <pc:spChg chg="add mod">
+          <ac:chgData name="Maximilian Schlake" userId="d69807565a22ab48" providerId="LiveId" clId="{497DC6A5-6E98-4823-B94B-BA98122E7321}" dt="2023-06-01T17:05:19.416" v="1808" actId="1076"/>
+          <ac:spMkLst>
+            <pc:docMk/>
+            <pc:sldMk cId="3831600297" sldId="273"/>
+            <ac:spMk id="12" creationId="{266858B4-C6E2-2B4A-F0DA-96BD82EB3B96}"/>
+          </ac:spMkLst>
+        </pc:spChg>
+        <pc:spChg chg="add mod">
+          <ac:chgData name="Maximilian Schlake" userId="d69807565a22ab48" providerId="LiveId" clId="{497DC6A5-6E98-4823-B94B-BA98122E7321}" dt="2023-06-01T17:23:03.466" v="1988" actId="20577"/>
+          <ac:spMkLst>
+            <pc:docMk/>
+            <pc:sldMk cId="3831600297" sldId="273"/>
+            <ac:spMk id="13" creationId="{54F54134-9C78-4D9C-A321-13C4B1DFD359}"/>
+          </ac:spMkLst>
+        </pc:spChg>
+        <pc:picChg chg="del">
+          <ac:chgData name="Maximilian Schlake" userId="d69807565a22ab48" providerId="LiveId" clId="{497DC6A5-6E98-4823-B94B-BA98122E7321}" dt="2023-06-01T16:51:00.299" v="1477" actId="478"/>
+          <ac:picMkLst>
+            <pc:docMk/>
+            <pc:sldMk cId="3831600297" sldId="273"/>
+            <ac:picMk id="4" creationId="{755555F1-081E-F6D6-A388-D039EDDF956A}"/>
+          </ac:picMkLst>
+        </pc:picChg>
+        <pc:picChg chg="add mod">
+          <ac:chgData name="Maximilian Schlake" userId="d69807565a22ab48" providerId="LiveId" clId="{497DC6A5-6E98-4823-B94B-BA98122E7321}" dt="2023-06-01T16:54:26.804" v="1480" actId="1076"/>
+          <ac:picMkLst>
+            <pc:docMk/>
+            <pc:sldMk cId="3831600297" sldId="273"/>
+            <ac:picMk id="5" creationId="{0A0B0805-49C9-35E5-0D01-D59E026167D1}"/>
+          </ac:picMkLst>
+        </pc:picChg>
+        <pc:picChg chg="del">
+          <ac:chgData name="Maximilian Schlake" userId="d69807565a22ab48" providerId="LiveId" clId="{497DC6A5-6E98-4823-B94B-BA98122E7321}" dt="2023-06-01T16:50:59.131" v="1476" actId="478"/>
+          <ac:picMkLst>
+            <pc:docMk/>
+            <pc:sldMk cId="3831600297" sldId="273"/>
+            <ac:picMk id="6" creationId="{6C341124-2E2F-A537-88CC-4904C85A4DCD}"/>
+          </ac:picMkLst>
+        </pc:picChg>
+        <pc:picChg chg="add del mod">
+          <ac:chgData name="Maximilian Schlake" userId="d69807565a22ab48" providerId="LiveId" clId="{497DC6A5-6E98-4823-B94B-BA98122E7321}" dt="2023-06-01T17:15:08.040" v="1809" actId="478"/>
+          <ac:picMkLst>
+            <pc:docMk/>
+            <pc:sldMk cId="3831600297" sldId="273"/>
+            <ac:picMk id="9" creationId="{60B395CC-C894-8DC8-FC12-33A41BB3FDEB}"/>
+          </ac:picMkLst>
+        </pc:picChg>
+        <pc:picChg chg="add mod">
+          <ac:chgData name="Maximilian Schlake" userId="d69807565a22ab48" providerId="LiveId" clId="{497DC6A5-6E98-4823-B94B-BA98122E7321}" dt="2023-06-01T16:59:31.719" v="1583" actId="1035"/>
+          <ac:picMkLst>
+            <pc:docMk/>
+            <pc:sldMk cId="3831600297" sldId="273"/>
+            <ac:picMk id="11" creationId="{BA72DC02-707B-335E-BFB2-752C5EEA1288}"/>
+          </ac:picMkLst>
+        </pc:picChg>
+        <pc:picChg chg="add mod">
+          <ac:chgData name="Maximilian Schlake" userId="d69807565a22ab48" providerId="LiveId" clId="{497DC6A5-6E98-4823-B94B-BA98122E7321}" dt="2023-06-01T17:15:17.271" v="1811" actId="1076"/>
+          <ac:picMkLst>
+            <pc:docMk/>
+            <pc:sldMk cId="3831600297" sldId="273"/>
+            <ac:picMk id="15" creationId="{51CD6BD5-3F4C-DDA2-1657-3D56D7F22735}"/>
           </ac:picMkLst>
         </pc:picChg>
       </pc:sldChg>
@@ -1038,6 +1611,174 @@
 </p:notes>
 </file>
 
+<file path=ppt/notesSlides/notesSlide10.xml><?xml version="1.0" encoding="utf-8"?>
+<p:notes xmlns:a="http://schemas.openxmlformats.org/drawingml/2006/main" xmlns:r="http://schemas.openxmlformats.org/officeDocument/2006/relationships" xmlns:p="http://schemas.openxmlformats.org/presentationml/2006/main">
+  <p:cSld>
+    <p:spTree>
+      <p:nvGrpSpPr>
+        <p:cNvPr id="1" name=""/>
+        <p:cNvGrpSpPr/>
+        <p:nvPr/>
+      </p:nvGrpSpPr>
+      <p:grpSpPr>
+        <a:xfrm>
+          <a:off x="0" y="0"/>
+          <a:ext cx="0" cy="0"/>
+          <a:chOff x="0" y="0"/>
+          <a:chExt cx="0" cy="0"/>
+        </a:xfrm>
+      </p:grpSpPr>
+      <p:sp>
+        <p:nvSpPr>
+          <p:cNvPr id="2" name="Slide Image Placeholder 1"/>
+          <p:cNvSpPr>
+            <a:spLocks noGrp="1" noRot="1" noChangeAspect="1"/>
+          </p:cNvSpPr>
+          <p:nvPr>
+            <p:ph type="sldImg"/>
+          </p:nvPr>
+        </p:nvSpPr>
+        <p:spPr/>
+      </p:sp>
+      <p:sp>
+        <p:nvSpPr>
+          <p:cNvPr id="3" name="Notes Placeholder 2"/>
+          <p:cNvSpPr>
+            <a:spLocks noGrp="1"/>
+          </p:cNvSpPr>
+          <p:nvPr>
+            <p:ph type="body" idx="1"/>
+          </p:nvPr>
+        </p:nvSpPr>
+        <p:spPr/>
+        <p:txBody>
+          <a:bodyPr/>
+          <a:lstStyle/>
+          <a:p>
+            <a:endParaRPr lang="en-GB" dirty="0"/>
+          </a:p>
+        </p:txBody>
+      </p:sp>
+      <p:sp>
+        <p:nvSpPr>
+          <p:cNvPr id="4" name="Slide Number Placeholder 3"/>
+          <p:cNvSpPr>
+            <a:spLocks noGrp="1"/>
+          </p:cNvSpPr>
+          <p:nvPr>
+            <p:ph type="sldNum" sz="quarter" idx="5"/>
+          </p:nvPr>
+        </p:nvSpPr>
+        <p:spPr/>
+        <p:txBody>
+          <a:bodyPr/>
+          <a:lstStyle/>
+          <a:p>
+            <a:fld id="{85EBC9E2-2C9A-438E-83DE-17F69134D413}" type="slidenum">
+              <a:rPr lang="en-GB" smtClean="0"/>
+              <a:t>11</a:t>
+            </a:fld>
+            <a:endParaRPr lang="en-GB"/>
+          </a:p>
+        </p:txBody>
+      </p:sp>
+    </p:spTree>
+    <p:extLst>
+      <p:ext uri="{BB962C8B-B14F-4D97-AF65-F5344CB8AC3E}">
+        <p14:creationId xmlns:p14="http://schemas.microsoft.com/office/powerpoint/2010/main" val="3430114397"/>
+      </p:ext>
+    </p:extLst>
+  </p:cSld>
+  <p:clrMapOvr>
+    <a:masterClrMapping/>
+  </p:clrMapOvr>
+</p:notes>
+</file>
+
+<file path=ppt/notesSlides/notesSlide11.xml><?xml version="1.0" encoding="utf-8"?>
+<p:notes xmlns:a="http://schemas.openxmlformats.org/drawingml/2006/main" xmlns:r="http://schemas.openxmlformats.org/officeDocument/2006/relationships" xmlns:p="http://schemas.openxmlformats.org/presentationml/2006/main">
+  <p:cSld>
+    <p:spTree>
+      <p:nvGrpSpPr>
+        <p:cNvPr id="1" name=""/>
+        <p:cNvGrpSpPr/>
+        <p:nvPr/>
+      </p:nvGrpSpPr>
+      <p:grpSpPr>
+        <a:xfrm>
+          <a:off x="0" y="0"/>
+          <a:ext cx="0" cy="0"/>
+          <a:chOff x="0" y="0"/>
+          <a:chExt cx="0" cy="0"/>
+        </a:xfrm>
+      </p:grpSpPr>
+      <p:sp>
+        <p:nvSpPr>
+          <p:cNvPr id="2" name="Slide Image Placeholder 1"/>
+          <p:cNvSpPr>
+            <a:spLocks noGrp="1" noRot="1" noChangeAspect="1"/>
+          </p:cNvSpPr>
+          <p:nvPr>
+            <p:ph type="sldImg"/>
+          </p:nvPr>
+        </p:nvSpPr>
+        <p:spPr/>
+      </p:sp>
+      <p:sp>
+        <p:nvSpPr>
+          <p:cNvPr id="3" name="Notes Placeholder 2"/>
+          <p:cNvSpPr>
+            <a:spLocks noGrp="1"/>
+          </p:cNvSpPr>
+          <p:nvPr>
+            <p:ph type="body" idx="1"/>
+          </p:nvPr>
+        </p:nvSpPr>
+        <p:spPr/>
+        <p:txBody>
+          <a:bodyPr/>
+          <a:lstStyle/>
+          <a:p>
+            <a:endParaRPr lang="en-GB" dirty="0"/>
+          </a:p>
+        </p:txBody>
+      </p:sp>
+      <p:sp>
+        <p:nvSpPr>
+          <p:cNvPr id="4" name="Slide Number Placeholder 3"/>
+          <p:cNvSpPr>
+            <a:spLocks noGrp="1"/>
+          </p:cNvSpPr>
+          <p:nvPr>
+            <p:ph type="sldNum" sz="quarter" idx="5"/>
+          </p:nvPr>
+        </p:nvSpPr>
+        <p:spPr/>
+        <p:txBody>
+          <a:bodyPr/>
+          <a:lstStyle/>
+          <a:p>
+            <a:fld id="{85EBC9E2-2C9A-438E-83DE-17F69134D413}" type="slidenum">
+              <a:rPr lang="en-GB" smtClean="0"/>
+              <a:t>12</a:t>
+            </a:fld>
+            <a:endParaRPr lang="en-GB"/>
+          </a:p>
+        </p:txBody>
+      </p:sp>
+    </p:spTree>
+    <p:extLst>
+      <p:ext uri="{BB962C8B-B14F-4D97-AF65-F5344CB8AC3E}">
+        <p14:creationId xmlns:p14="http://schemas.microsoft.com/office/powerpoint/2010/main" val="1799670140"/>
+      </p:ext>
+    </p:extLst>
+  </p:cSld>
+  <p:clrMapOvr>
+    <a:masterClrMapping/>
+  </p:clrMapOvr>
+</p:notes>
+</file>
+
 <file path=ppt/notesSlides/notesSlide2.xml><?xml version="1.0" encoding="utf-8"?>
 <p:notes xmlns:a="http://schemas.openxmlformats.org/drawingml/2006/main" xmlns:r="http://schemas.openxmlformats.org/officeDocument/2006/relationships" xmlns:p="http://schemas.openxmlformats.org/presentationml/2006/main">
   <p:cSld>
@@ -1380,7 +2121,7 @@
     </p:spTree>
     <p:extLst>
       <p:ext uri="{BB962C8B-B14F-4D97-AF65-F5344CB8AC3E}">
-        <p14:creationId xmlns:p14="http://schemas.microsoft.com/office/powerpoint/2010/main" val="745004438"/>
+        <p14:creationId xmlns:p14="http://schemas.microsoft.com/office/powerpoint/2010/main" val="1338066391"/>
       </p:ext>
     </p:extLst>
   </p:cSld>
@@ -1518,7 +2259,91 @@
           <a:bodyPr/>
           <a:lstStyle/>
           <a:p>
-            <a:endParaRPr lang="en-GB" dirty="0"/>
+            <a:endParaRPr lang="en-GB" b="0" dirty="0"/>
+          </a:p>
+        </p:txBody>
+      </p:sp>
+      <p:sp>
+        <p:nvSpPr>
+          <p:cNvPr id="4" name="Slide Number Placeholder 3"/>
+          <p:cNvSpPr>
+            <a:spLocks noGrp="1"/>
+          </p:cNvSpPr>
+          <p:nvPr>
+            <p:ph type="sldNum" sz="quarter" idx="5"/>
+          </p:nvPr>
+        </p:nvSpPr>
+        <p:spPr/>
+        <p:txBody>
+          <a:bodyPr/>
+          <a:lstStyle/>
+          <a:p>
+            <a:fld id="{85EBC9E2-2C9A-438E-83DE-17F69134D413}" type="slidenum">
+              <a:rPr lang="en-GB" smtClean="0"/>
+              <a:t>7</a:t>
+            </a:fld>
+            <a:endParaRPr lang="en-GB"/>
+          </a:p>
+        </p:txBody>
+      </p:sp>
+    </p:spTree>
+    <p:extLst>
+      <p:ext uri="{BB962C8B-B14F-4D97-AF65-F5344CB8AC3E}">
+        <p14:creationId xmlns:p14="http://schemas.microsoft.com/office/powerpoint/2010/main" val="1437128128"/>
+      </p:ext>
+    </p:extLst>
+  </p:cSld>
+  <p:clrMapOvr>
+    <a:masterClrMapping/>
+  </p:clrMapOvr>
+</p:notes>
+</file>
+
+<file path=ppt/notesSlides/notesSlide7.xml><?xml version="1.0" encoding="utf-8"?>
+<p:notes xmlns:a="http://schemas.openxmlformats.org/drawingml/2006/main" xmlns:r="http://schemas.openxmlformats.org/officeDocument/2006/relationships" xmlns:p="http://schemas.openxmlformats.org/presentationml/2006/main">
+  <p:cSld>
+    <p:spTree>
+      <p:nvGrpSpPr>
+        <p:cNvPr id="1" name=""/>
+        <p:cNvGrpSpPr/>
+        <p:nvPr/>
+      </p:nvGrpSpPr>
+      <p:grpSpPr>
+        <a:xfrm>
+          <a:off x="0" y="0"/>
+          <a:ext cx="0" cy="0"/>
+          <a:chOff x="0" y="0"/>
+          <a:chExt cx="0" cy="0"/>
+        </a:xfrm>
+      </p:grpSpPr>
+      <p:sp>
+        <p:nvSpPr>
+          <p:cNvPr id="2" name="Slide Image Placeholder 1"/>
+          <p:cNvSpPr>
+            <a:spLocks noGrp="1" noRot="1" noChangeAspect="1"/>
+          </p:cNvSpPr>
+          <p:nvPr>
+            <p:ph type="sldImg"/>
+          </p:nvPr>
+        </p:nvSpPr>
+        <p:spPr/>
+      </p:sp>
+      <p:sp>
+        <p:nvSpPr>
+          <p:cNvPr id="3" name="Notes Placeholder 2"/>
+          <p:cNvSpPr>
+            <a:spLocks noGrp="1"/>
+          </p:cNvSpPr>
+          <p:nvPr>
+            <p:ph type="body" idx="1"/>
+          </p:nvPr>
+        </p:nvSpPr>
+        <p:spPr/>
+        <p:txBody>
+          <a:bodyPr/>
+          <a:lstStyle/>
+          <a:p>
+            <a:endParaRPr lang="en-GB" b="0" dirty="0"/>
           </a:p>
         </p:txBody>
       </p:sp>
@@ -1548,7 +2373,175 @@
     </p:spTree>
     <p:extLst>
       <p:ext uri="{BB962C8B-B14F-4D97-AF65-F5344CB8AC3E}">
-        <p14:creationId xmlns:p14="http://schemas.microsoft.com/office/powerpoint/2010/main" val="1799670140"/>
+        <p14:creationId xmlns:p14="http://schemas.microsoft.com/office/powerpoint/2010/main" val="1352248156"/>
+      </p:ext>
+    </p:extLst>
+  </p:cSld>
+  <p:clrMapOvr>
+    <a:masterClrMapping/>
+  </p:clrMapOvr>
+</p:notes>
+</file>
+
+<file path=ppt/notesSlides/notesSlide8.xml><?xml version="1.0" encoding="utf-8"?>
+<p:notes xmlns:a="http://schemas.openxmlformats.org/drawingml/2006/main" xmlns:r="http://schemas.openxmlformats.org/officeDocument/2006/relationships" xmlns:p="http://schemas.openxmlformats.org/presentationml/2006/main">
+  <p:cSld>
+    <p:spTree>
+      <p:nvGrpSpPr>
+        <p:cNvPr id="1" name=""/>
+        <p:cNvGrpSpPr/>
+        <p:nvPr/>
+      </p:nvGrpSpPr>
+      <p:grpSpPr>
+        <a:xfrm>
+          <a:off x="0" y="0"/>
+          <a:ext cx="0" cy="0"/>
+          <a:chOff x="0" y="0"/>
+          <a:chExt cx="0" cy="0"/>
+        </a:xfrm>
+      </p:grpSpPr>
+      <p:sp>
+        <p:nvSpPr>
+          <p:cNvPr id="2" name="Slide Image Placeholder 1"/>
+          <p:cNvSpPr>
+            <a:spLocks noGrp="1" noRot="1" noChangeAspect="1"/>
+          </p:cNvSpPr>
+          <p:nvPr>
+            <p:ph type="sldImg"/>
+          </p:nvPr>
+        </p:nvSpPr>
+        <p:spPr/>
+      </p:sp>
+      <p:sp>
+        <p:nvSpPr>
+          <p:cNvPr id="3" name="Notes Placeholder 2"/>
+          <p:cNvSpPr>
+            <a:spLocks noGrp="1"/>
+          </p:cNvSpPr>
+          <p:nvPr>
+            <p:ph type="body" idx="1"/>
+          </p:nvPr>
+        </p:nvSpPr>
+        <p:spPr/>
+        <p:txBody>
+          <a:bodyPr/>
+          <a:lstStyle/>
+          <a:p>
+            <a:endParaRPr lang="en-GB" dirty="0"/>
+          </a:p>
+        </p:txBody>
+      </p:sp>
+      <p:sp>
+        <p:nvSpPr>
+          <p:cNvPr id="4" name="Slide Number Placeholder 3"/>
+          <p:cNvSpPr>
+            <a:spLocks noGrp="1"/>
+          </p:cNvSpPr>
+          <p:nvPr>
+            <p:ph type="sldNum" sz="quarter" idx="5"/>
+          </p:nvPr>
+        </p:nvSpPr>
+        <p:spPr/>
+        <p:txBody>
+          <a:bodyPr/>
+          <a:lstStyle/>
+          <a:p>
+            <a:fld id="{85EBC9E2-2C9A-438E-83DE-17F69134D413}" type="slidenum">
+              <a:rPr lang="en-GB" smtClean="0"/>
+              <a:t>9</a:t>
+            </a:fld>
+            <a:endParaRPr lang="en-GB"/>
+          </a:p>
+        </p:txBody>
+      </p:sp>
+    </p:spTree>
+    <p:extLst>
+      <p:ext uri="{BB962C8B-B14F-4D97-AF65-F5344CB8AC3E}">
+        <p14:creationId xmlns:p14="http://schemas.microsoft.com/office/powerpoint/2010/main" val="2652534523"/>
+      </p:ext>
+    </p:extLst>
+  </p:cSld>
+  <p:clrMapOvr>
+    <a:masterClrMapping/>
+  </p:clrMapOvr>
+</p:notes>
+</file>
+
+<file path=ppt/notesSlides/notesSlide9.xml><?xml version="1.0" encoding="utf-8"?>
+<p:notes xmlns:a="http://schemas.openxmlformats.org/drawingml/2006/main" xmlns:r="http://schemas.openxmlformats.org/officeDocument/2006/relationships" xmlns:p="http://schemas.openxmlformats.org/presentationml/2006/main">
+  <p:cSld>
+    <p:spTree>
+      <p:nvGrpSpPr>
+        <p:cNvPr id="1" name=""/>
+        <p:cNvGrpSpPr/>
+        <p:nvPr/>
+      </p:nvGrpSpPr>
+      <p:grpSpPr>
+        <a:xfrm>
+          <a:off x="0" y="0"/>
+          <a:ext cx="0" cy="0"/>
+          <a:chOff x="0" y="0"/>
+          <a:chExt cx="0" cy="0"/>
+        </a:xfrm>
+      </p:grpSpPr>
+      <p:sp>
+        <p:nvSpPr>
+          <p:cNvPr id="2" name="Slide Image Placeholder 1"/>
+          <p:cNvSpPr>
+            <a:spLocks noGrp="1" noRot="1" noChangeAspect="1"/>
+          </p:cNvSpPr>
+          <p:nvPr>
+            <p:ph type="sldImg"/>
+          </p:nvPr>
+        </p:nvSpPr>
+        <p:spPr/>
+      </p:sp>
+      <p:sp>
+        <p:nvSpPr>
+          <p:cNvPr id="3" name="Notes Placeholder 2"/>
+          <p:cNvSpPr>
+            <a:spLocks noGrp="1"/>
+          </p:cNvSpPr>
+          <p:nvPr>
+            <p:ph type="body" idx="1"/>
+          </p:nvPr>
+        </p:nvSpPr>
+        <p:spPr/>
+        <p:txBody>
+          <a:bodyPr/>
+          <a:lstStyle/>
+          <a:p>
+            <a:endParaRPr lang="en-GB" dirty="0"/>
+          </a:p>
+        </p:txBody>
+      </p:sp>
+      <p:sp>
+        <p:nvSpPr>
+          <p:cNvPr id="4" name="Slide Number Placeholder 3"/>
+          <p:cNvSpPr>
+            <a:spLocks noGrp="1"/>
+          </p:cNvSpPr>
+          <p:nvPr>
+            <p:ph type="sldNum" sz="quarter" idx="5"/>
+          </p:nvPr>
+        </p:nvSpPr>
+        <p:spPr/>
+        <p:txBody>
+          <a:bodyPr/>
+          <a:lstStyle/>
+          <a:p>
+            <a:fld id="{85EBC9E2-2C9A-438E-83DE-17F69134D413}" type="slidenum">
+              <a:rPr lang="en-GB" smtClean="0"/>
+              <a:t>10</a:t>
+            </a:fld>
+            <a:endParaRPr lang="en-GB"/>
+          </a:p>
+        </p:txBody>
+      </p:sp>
+    </p:spTree>
+    <p:extLst>
+      <p:ext uri="{BB962C8B-B14F-4D97-AF65-F5344CB8AC3E}">
+        <p14:creationId xmlns:p14="http://schemas.microsoft.com/office/powerpoint/2010/main" val="2530224052"/>
       </p:ext>
     </p:extLst>
   </p:cSld>
@@ -6156,6 +7149,1027 @@
           <a:p>
             <a:r>
               <a:rPr lang="es-ES" dirty="0" err="1"/>
+              <a:t>ii</a:t>
+            </a:r>
+            <a:r>
+              <a:rPr lang="es-ES" dirty="0"/>
+              <a:t>. </a:t>
+            </a:r>
+            <a:r>
+              <a:rPr lang="es-ES" dirty="0" err="1"/>
+              <a:t>Multivariate</a:t>
+            </a:r>
+            <a:r>
+              <a:rPr lang="es-ES" dirty="0"/>
+              <a:t> Cox </a:t>
+            </a:r>
+            <a:r>
+              <a:rPr lang="es-ES" dirty="0" err="1"/>
+              <a:t>regression</a:t>
+            </a:r>
+            <a:r>
+              <a:rPr lang="es-ES" dirty="0"/>
+              <a:t> </a:t>
+            </a:r>
+            <a:r>
+              <a:rPr lang="es-ES" dirty="0" err="1"/>
+              <a:t>model</a:t>
+            </a:r>
+            <a:br>
+              <a:rPr lang="es-ES" dirty="0"/>
+            </a:br>
+            <a:r>
+              <a:rPr lang="es-ES" dirty="0"/>
+              <a:t>A. Base </a:t>
+            </a:r>
+            <a:r>
+              <a:rPr lang="es-ES" dirty="0" err="1"/>
+              <a:t>model</a:t>
+            </a:r>
+            <a:endParaRPr lang="en-GB" dirty="0"/>
+          </a:p>
+        </p:txBody>
+      </p:sp>
+      <p:pic>
+        <p:nvPicPr>
+          <p:cNvPr id="4" name="Picture 3">
+            <a:extLst>
+              <a:ext uri="{FF2B5EF4-FFF2-40B4-BE49-F238E27FC236}">
+                <a16:creationId xmlns:a16="http://schemas.microsoft.com/office/drawing/2014/main" id="{755555F1-081E-F6D6-A388-D039EDDF956A}"/>
+              </a:ext>
+            </a:extLst>
+          </p:cNvPr>
+          <p:cNvPicPr>
+            <a:picLocks noChangeAspect="1"/>
+          </p:cNvPicPr>
+          <p:nvPr/>
+        </p:nvPicPr>
+        <p:blipFill>
+          <a:blip r:embed="rId3"/>
+          <a:stretch>
+            <a:fillRect/>
+          </a:stretch>
+        </p:blipFill>
+        <p:spPr>
+          <a:xfrm>
+            <a:off x="1223375" y="2104246"/>
+            <a:ext cx="4572000" cy="4572000"/>
+          </a:xfrm>
+          <a:prstGeom prst="rect">
+            <a:avLst/>
+          </a:prstGeom>
+        </p:spPr>
+      </p:pic>
+      <p:pic>
+        <p:nvPicPr>
+          <p:cNvPr id="6" name="Picture 5">
+            <a:extLst>
+              <a:ext uri="{FF2B5EF4-FFF2-40B4-BE49-F238E27FC236}">
+                <a16:creationId xmlns:a16="http://schemas.microsoft.com/office/drawing/2014/main" id="{6C341124-2E2F-A537-88CC-4904C85A4DCD}"/>
+              </a:ext>
+            </a:extLst>
+          </p:cNvPr>
+          <p:cNvPicPr>
+            <a:picLocks noChangeAspect="1"/>
+          </p:cNvPicPr>
+          <p:nvPr/>
+        </p:nvPicPr>
+        <p:blipFill>
+          <a:blip r:embed="rId4"/>
+          <a:stretch>
+            <a:fillRect/>
+          </a:stretch>
+        </p:blipFill>
+        <p:spPr>
+          <a:xfrm>
+            <a:off x="1206674" y="1667078"/>
+            <a:ext cx="4572001" cy="313051"/>
+          </a:xfrm>
+          <a:prstGeom prst="rect">
+            <a:avLst/>
+          </a:prstGeom>
+        </p:spPr>
+      </p:pic>
+      <p:sp>
+        <p:nvSpPr>
+          <p:cNvPr id="7" name="TextBox 6">
+            <a:extLst>
+              <a:ext uri="{FF2B5EF4-FFF2-40B4-BE49-F238E27FC236}">
+                <a16:creationId xmlns:a16="http://schemas.microsoft.com/office/drawing/2014/main" id="{C286ED0A-2D4D-8B04-1FBE-436025404D2D}"/>
+              </a:ext>
+            </a:extLst>
+          </p:cNvPr>
+          <p:cNvSpPr txBox="1"/>
+          <p:nvPr/>
+        </p:nvSpPr>
+        <p:spPr>
+          <a:xfrm>
+            <a:off x="6590973" y="3466916"/>
+            <a:ext cx="4296427" cy="1200329"/>
+          </a:xfrm>
+          <a:prstGeom prst="rect">
+            <a:avLst/>
+          </a:prstGeom>
+          <a:noFill/>
+        </p:spPr>
+        <p:txBody>
+          <a:bodyPr wrap="square" rtlCol="0">
+            <a:spAutoFit/>
+          </a:bodyPr>
+          <a:lstStyle/>
+          <a:p>
+            <a:r>
+              <a:rPr lang="es-ES" b="1" dirty="0"/>
+              <a:t>Cox </a:t>
+            </a:r>
+            <a:r>
+              <a:rPr lang="es-ES" b="1" dirty="0" err="1"/>
+              <a:t>Proportional</a:t>
+            </a:r>
+            <a:r>
+              <a:rPr lang="es-ES" b="1" dirty="0"/>
+              <a:t> Hazard </a:t>
+            </a:r>
+            <a:r>
+              <a:rPr lang="es-ES" b="1" dirty="0" err="1"/>
+              <a:t>model</a:t>
+            </a:r>
+            <a:r>
+              <a:rPr lang="es-ES" dirty="0"/>
+              <a:t>: </a:t>
+            </a:r>
+            <a:r>
+              <a:rPr lang="es-ES" dirty="0" err="1"/>
+              <a:t>The</a:t>
+            </a:r>
+            <a:r>
+              <a:rPr lang="es-ES" dirty="0"/>
+              <a:t> Cox </a:t>
+            </a:r>
+            <a:r>
+              <a:rPr lang="es-ES" dirty="0" err="1"/>
+              <a:t>model</a:t>
+            </a:r>
+            <a:r>
+              <a:rPr lang="es-ES" dirty="0"/>
+              <a:t> </a:t>
+            </a:r>
+            <a:r>
+              <a:rPr lang="es-ES" dirty="0" err="1"/>
+              <a:t>including</a:t>
+            </a:r>
+            <a:r>
+              <a:rPr lang="es-ES" dirty="0"/>
+              <a:t> </a:t>
+            </a:r>
+            <a:r>
+              <a:rPr lang="es-ES" dirty="0" err="1"/>
+              <a:t>all</a:t>
+            </a:r>
+            <a:r>
+              <a:rPr lang="es-ES" dirty="0"/>
+              <a:t> variables </a:t>
+            </a:r>
+            <a:r>
+              <a:rPr lang="es-ES" dirty="0" err="1"/>
+              <a:t>overestimates</a:t>
+            </a:r>
+            <a:r>
+              <a:rPr lang="es-ES" dirty="0"/>
+              <a:t> </a:t>
+            </a:r>
+            <a:r>
+              <a:rPr lang="es-ES" dirty="0" err="1"/>
+              <a:t>survival</a:t>
+            </a:r>
+            <a:r>
+              <a:rPr lang="es-ES" dirty="0"/>
+              <a:t> </a:t>
+            </a:r>
+            <a:r>
+              <a:rPr lang="es-ES" dirty="0" err="1"/>
+              <a:t>compared</a:t>
+            </a:r>
+            <a:r>
+              <a:rPr lang="es-ES" dirty="0"/>
+              <a:t> </a:t>
+            </a:r>
+            <a:r>
+              <a:rPr lang="es-ES" dirty="0" err="1"/>
+              <a:t>to</a:t>
+            </a:r>
+            <a:r>
+              <a:rPr lang="es-ES" dirty="0"/>
+              <a:t> </a:t>
+            </a:r>
+            <a:r>
+              <a:rPr lang="es-ES" dirty="0" err="1"/>
+              <a:t>the</a:t>
+            </a:r>
+            <a:r>
+              <a:rPr lang="es-ES" dirty="0"/>
+              <a:t> </a:t>
+            </a:r>
+            <a:r>
+              <a:rPr lang="es-ES" dirty="0" err="1"/>
+              <a:t>observed</a:t>
+            </a:r>
+            <a:r>
+              <a:rPr lang="es-ES" dirty="0"/>
+              <a:t> KM </a:t>
+            </a:r>
+            <a:r>
+              <a:rPr lang="es-ES" dirty="0" err="1"/>
+              <a:t>estimates</a:t>
+            </a:r>
+            <a:r>
+              <a:rPr lang="es-ES" dirty="0"/>
+              <a:t>.</a:t>
+            </a:r>
+            <a:endParaRPr lang="en-GB" dirty="0"/>
+          </a:p>
+        </p:txBody>
+      </p:sp>
+    </p:spTree>
+    <p:extLst>
+      <p:ext uri="{BB962C8B-B14F-4D97-AF65-F5344CB8AC3E}">
+        <p14:creationId xmlns:p14="http://schemas.microsoft.com/office/powerpoint/2010/main" val="3193646607"/>
+      </p:ext>
+    </p:extLst>
+  </p:cSld>
+  <p:clrMapOvr>
+    <a:masterClrMapping/>
+  </p:clrMapOvr>
+</p:sld>
+</file>
+
+<file path=ppt/slides/slide11.xml><?xml version="1.0" encoding="utf-8"?>
+<p:sld xmlns:a="http://schemas.openxmlformats.org/drawingml/2006/main" xmlns:r="http://schemas.openxmlformats.org/officeDocument/2006/relationships" xmlns:p="http://schemas.openxmlformats.org/presentationml/2006/main">
+  <p:cSld>
+    <p:spTree>
+      <p:nvGrpSpPr>
+        <p:cNvPr id="1" name=""/>
+        <p:cNvGrpSpPr/>
+        <p:nvPr/>
+      </p:nvGrpSpPr>
+      <p:grpSpPr>
+        <a:xfrm>
+          <a:off x="0" y="0"/>
+          <a:ext cx="0" cy="0"/>
+          <a:chOff x="0" y="0"/>
+          <a:chExt cx="0" cy="0"/>
+        </a:xfrm>
+      </p:grpSpPr>
+      <p:sp>
+        <p:nvSpPr>
+          <p:cNvPr id="2" name="Title 1">
+            <a:extLst>
+              <a:ext uri="{FF2B5EF4-FFF2-40B4-BE49-F238E27FC236}">
+                <a16:creationId xmlns:a16="http://schemas.microsoft.com/office/drawing/2014/main" id="{497E08B4-1A21-5C4A-FF59-0254370A8800}"/>
+              </a:ext>
+            </a:extLst>
+          </p:cNvPr>
+          <p:cNvSpPr>
+            <a:spLocks noGrp="1"/>
+          </p:cNvSpPr>
+          <p:nvPr>
+            <p:ph type="title"/>
+          </p:nvPr>
+        </p:nvSpPr>
+        <p:spPr/>
+        <p:txBody>
+          <a:bodyPr/>
+          <a:lstStyle/>
+          <a:p>
+            <a:r>
+              <a:rPr lang="es-ES" dirty="0" err="1"/>
+              <a:t>ii</a:t>
+            </a:r>
+            <a:r>
+              <a:rPr lang="es-ES" dirty="0"/>
+              <a:t>. </a:t>
+            </a:r>
+            <a:r>
+              <a:rPr lang="es-ES" dirty="0" err="1"/>
+              <a:t>Multivariate</a:t>
+            </a:r>
+            <a:r>
+              <a:rPr lang="es-ES" dirty="0"/>
+              <a:t> Cox </a:t>
+            </a:r>
+            <a:r>
+              <a:rPr lang="es-ES" dirty="0" err="1"/>
+              <a:t>regression</a:t>
+            </a:r>
+            <a:r>
+              <a:rPr lang="es-ES" dirty="0"/>
+              <a:t> </a:t>
+            </a:r>
+            <a:r>
+              <a:rPr lang="es-ES" dirty="0" err="1"/>
+              <a:t>model</a:t>
+            </a:r>
+            <a:br>
+              <a:rPr lang="es-ES" dirty="0"/>
+            </a:br>
+            <a:r>
+              <a:rPr lang="es-ES" dirty="0"/>
+              <a:t>B. </a:t>
+            </a:r>
+            <a:r>
+              <a:rPr lang="es-ES" dirty="0" err="1"/>
+              <a:t>Reduced</a:t>
+            </a:r>
+            <a:r>
+              <a:rPr lang="es-ES" dirty="0"/>
+              <a:t> </a:t>
+            </a:r>
+            <a:r>
+              <a:rPr lang="es-ES" dirty="0" err="1"/>
+              <a:t>model</a:t>
+            </a:r>
+            <a:endParaRPr lang="en-GB" dirty="0"/>
+          </a:p>
+        </p:txBody>
+      </p:sp>
+      <p:pic>
+        <p:nvPicPr>
+          <p:cNvPr id="5" name="Picture 4">
+            <a:extLst>
+              <a:ext uri="{FF2B5EF4-FFF2-40B4-BE49-F238E27FC236}">
+                <a16:creationId xmlns:a16="http://schemas.microsoft.com/office/drawing/2014/main" id="{0A0B0805-49C9-35E5-0D01-D59E026167D1}"/>
+              </a:ext>
+            </a:extLst>
+          </p:cNvPr>
+          <p:cNvPicPr>
+            <a:picLocks noChangeAspect="1"/>
+          </p:cNvPicPr>
+          <p:nvPr/>
+        </p:nvPicPr>
+        <p:blipFill>
+          <a:blip r:embed="rId3"/>
+          <a:stretch>
+            <a:fillRect/>
+          </a:stretch>
+        </p:blipFill>
+        <p:spPr>
+          <a:xfrm>
+            <a:off x="1247932" y="2037783"/>
+            <a:ext cx="6614733" cy="1028789"/>
+          </a:xfrm>
+          <a:prstGeom prst="rect">
+            <a:avLst/>
+          </a:prstGeom>
+        </p:spPr>
+      </p:pic>
+      <p:pic>
+        <p:nvPicPr>
+          <p:cNvPr id="11" name="Picture 10">
+            <a:extLst>
+              <a:ext uri="{FF2B5EF4-FFF2-40B4-BE49-F238E27FC236}">
+                <a16:creationId xmlns:a16="http://schemas.microsoft.com/office/drawing/2014/main" id="{BA72DC02-707B-335E-BFB2-752C5EEA1288}"/>
+              </a:ext>
+            </a:extLst>
+          </p:cNvPr>
+          <p:cNvPicPr>
+            <a:picLocks noChangeAspect="1"/>
+          </p:cNvPicPr>
+          <p:nvPr/>
+        </p:nvPicPr>
+        <p:blipFill>
+          <a:blip r:embed="rId4"/>
+          <a:stretch>
+            <a:fillRect/>
+          </a:stretch>
+        </p:blipFill>
+        <p:spPr>
+          <a:xfrm>
+            <a:off x="1247932" y="4795280"/>
+            <a:ext cx="2834886" cy="1501270"/>
+          </a:xfrm>
+          <a:prstGeom prst="rect">
+            <a:avLst/>
+          </a:prstGeom>
+        </p:spPr>
+      </p:pic>
+      <p:sp>
+        <p:nvSpPr>
+          <p:cNvPr id="12" name="TextBox 11">
+            <a:extLst>
+              <a:ext uri="{FF2B5EF4-FFF2-40B4-BE49-F238E27FC236}">
+                <a16:creationId xmlns:a16="http://schemas.microsoft.com/office/drawing/2014/main" id="{266858B4-C6E2-2B4A-F0DA-96BD82EB3B96}"/>
+              </a:ext>
+            </a:extLst>
+          </p:cNvPr>
+          <p:cNvSpPr txBox="1"/>
+          <p:nvPr/>
+        </p:nvSpPr>
+        <p:spPr>
+          <a:xfrm>
+            <a:off x="1247932" y="3371567"/>
+            <a:ext cx="9975389" cy="646331"/>
+          </a:xfrm>
+          <a:prstGeom prst="rect">
+            <a:avLst/>
+          </a:prstGeom>
+          <a:noFill/>
+        </p:spPr>
+        <p:txBody>
+          <a:bodyPr wrap="square" rtlCol="0">
+            <a:spAutoFit/>
+          </a:bodyPr>
+          <a:lstStyle/>
+          <a:p>
+            <a:r>
+              <a:rPr lang="es-ES" b="1" dirty="0" err="1"/>
+              <a:t>Backward</a:t>
+            </a:r>
+            <a:r>
+              <a:rPr lang="es-ES" b="1" dirty="0"/>
+              <a:t> </a:t>
+            </a:r>
+            <a:r>
+              <a:rPr lang="es-ES" b="1" dirty="0" err="1"/>
+              <a:t>selection</a:t>
+            </a:r>
+            <a:r>
+              <a:rPr lang="es-ES" dirty="0"/>
+              <a:t>: </a:t>
+            </a:r>
+            <a:r>
+              <a:rPr lang="es-ES" dirty="0" err="1"/>
+              <a:t>We</a:t>
+            </a:r>
+            <a:r>
+              <a:rPr lang="es-ES" dirty="0"/>
+              <a:t> are </a:t>
+            </a:r>
+            <a:r>
+              <a:rPr lang="es-ES" dirty="0" err="1"/>
+              <a:t>gradually</a:t>
+            </a:r>
+            <a:r>
+              <a:rPr lang="es-ES" dirty="0"/>
+              <a:t> </a:t>
+            </a:r>
+            <a:r>
+              <a:rPr lang="es-ES" dirty="0" err="1"/>
+              <a:t>reducing</a:t>
+            </a:r>
+            <a:r>
+              <a:rPr lang="es-ES" dirty="0"/>
+              <a:t> </a:t>
+            </a:r>
+            <a:r>
+              <a:rPr lang="es-ES" dirty="0" err="1"/>
+              <a:t>our</a:t>
+            </a:r>
+            <a:r>
+              <a:rPr lang="es-ES" dirty="0"/>
+              <a:t> </a:t>
+            </a:r>
+            <a:r>
+              <a:rPr lang="es-ES" dirty="0" err="1"/>
+              <a:t>baseline</a:t>
+            </a:r>
+            <a:r>
+              <a:rPr lang="es-ES" dirty="0"/>
+              <a:t> </a:t>
+            </a:r>
+            <a:r>
+              <a:rPr lang="es-ES" dirty="0" err="1"/>
+              <a:t>model</a:t>
+            </a:r>
+            <a:r>
+              <a:rPr lang="es-ES" dirty="0"/>
+              <a:t>, </a:t>
+            </a:r>
+            <a:r>
+              <a:rPr lang="es-ES" i="1" dirty="0" err="1">
+                <a:solidFill>
+                  <a:srgbClr val="FFFF00"/>
+                </a:solidFill>
+              </a:rPr>
+              <a:t>cox_all</a:t>
+            </a:r>
+            <a:r>
+              <a:rPr lang="es-ES" dirty="0"/>
+              <a:t>, </a:t>
+            </a:r>
+            <a:r>
+              <a:rPr lang="es-ES" dirty="0" err="1"/>
+              <a:t>by</a:t>
+            </a:r>
+            <a:r>
+              <a:rPr lang="es-ES" dirty="0"/>
+              <a:t> </a:t>
+            </a:r>
+            <a:r>
+              <a:rPr lang="es-ES" dirty="0" err="1"/>
+              <a:t>four</a:t>
+            </a:r>
+            <a:r>
+              <a:rPr lang="es-ES" dirty="0"/>
+              <a:t> variables </a:t>
+            </a:r>
+            <a:r>
+              <a:rPr lang="es-ES" dirty="0" err="1"/>
+              <a:t>which</a:t>
+            </a:r>
+            <a:r>
+              <a:rPr lang="es-ES" dirty="0"/>
+              <a:t> do </a:t>
+            </a:r>
+            <a:r>
+              <a:rPr lang="es-ES" dirty="0" err="1"/>
+              <a:t>not</a:t>
+            </a:r>
+            <a:r>
+              <a:rPr lang="es-ES" dirty="0"/>
+              <a:t> show </a:t>
+            </a:r>
+            <a:r>
+              <a:rPr lang="es-ES" dirty="0" err="1"/>
+              <a:t>significant</a:t>
+            </a:r>
+            <a:r>
+              <a:rPr lang="es-ES" dirty="0"/>
+              <a:t> </a:t>
+            </a:r>
+            <a:r>
+              <a:rPr lang="es-ES" dirty="0" err="1"/>
+              <a:t>effects</a:t>
+            </a:r>
+            <a:r>
+              <a:rPr lang="es-ES" dirty="0"/>
+              <a:t>. </a:t>
+            </a:r>
+            <a:r>
+              <a:rPr lang="es-ES" dirty="0" err="1"/>
+              <a:t>The</a:t>
+            </a:r>
+            <a:r>
+              <a:rPr lang="es-ES" dirty="0"/>
+              <a:t> </a:t>
+            </a:r>
+            <a:r>
+              <a:rPr lang="es-ES" dirty="0" err="1"/>
+              <a:t>remaining</a:t>
+            </a:r>
+            <a:r>
+              <a:rPr lang="es-ES" dirty="0"/>
+              <a:t> variables in </a:t>
+            </a:r>
+            <a:r>
+              <a:rPr lang="es-ES" i="1" dirty="0" err="1">
+                <a:solidFill>
+                  <a:srgbClr val="FFFF00"/>
+                </a:solidFill>
+              </a:rPr>
+              <a:t>cox_reduced</a:t>
+            </a:r>
+            <a:r>
+              <a:rPr lang="es-ES" i="1" dirty="0">
+                <a:solidFill>
+                  <a:srgbClr val="FFFF00"/>
+                </a:solidFill>
+              </a:rPr>
+              <a:t> </a:t>
+            </a:r>
+            <a:r>
+              <a:rPr lang="es-ES" dirty="0"/>
+              <a:t>are </a:t>
+            </a:r>
+            <a:r>
+              <a:rPr lang="es-ES" dirty="0" err="1"/>
+              <a:t>all</a:t>
+            </a:r>
+            <a:r>
+              <a:rPr lang="es-ES" dirty="0"/>
+              <a:t> </a:t>
+            </a:r>
+            <a:r>
+              <a:rPr lang="es-ES" dirty="0" err="1"/>
+              <a:t>significant</a:t>
+            </a:r>
+            <a:r>
+              <a:rPr lang="es-ES" dirty="0"/>
+              <a:t>. </a:t>
+            </a:r>
+            <a:endParaRPr lang="en-GB" dirty="0"/>
+          </a:p>
+        </p:txBody>
+      </p:sp>
+      <p:sp>
+        <p:nvSpPr>
+          <p:cNvPr id="13" name="TextBox 12">
+            <a:extLst>
+              <a:ext uri="{FF2B5EF4-FFF2-40B4-BE49-F238E27FC236}">
+                <a16:creationId xmlns:a16="http://schemas.microsoft.com/office/drawing/2014/main" id="{54F54134-9C78-4D9C-A321-13C4B1DFD359}"/>
+              </a:ext>
+            </a:extLst>
+          </p:cNvPr>
+          <p:cNvSpPr txBox="1"/>
+          <p:nvPr/>
+        </p:nvSpPr>
+        <p:spPr>
+          <a:xfrm>
+            <a:off x="4388345" y="4876020"/>
+            <a:ext cx="6722242" cy="1200329"/>
+          </a:xfrm>
+          <a:prstGeom prst="rect">
+            <a:avLst/>
+          </a:prstGeom>
+          <a:noFill/>
+        </p:spPr>
+        <p:txBody>
+          <a:bodyPr wrap="square" rtlCol="0">
+            <a:spAutoFit/>
+          </a:bodyPr>
+          <a:lstStyle/>
+          <a:p>
+            <a:r>
+              <a:rPr lang="es-ES" b="1" dirty="0" err="1"/>
+              <a:t>Testing</a:t>
+            </a:r>
+            <a:r>
+              <a:rPr lang="es-ES" b="1" dirty="0"/>
+              <a:t> </a:t>
+            </a:r>
+            <a:r>
+              <a:rPr lang="es-ES" b="1" dirty="0" err="1"/>
+              <a:t>for</a:t>
+            </a:r>
+            <a:r>
+              <a:rPr lang="es-ES" b="1" dirty="0"/>
+              <a:t> </a:t>
+            </a:r>
+            <a:r>
+              <a:rPr lang="es-ES" b="1" dirty="0" err="1"/>
+              <a:t>proportional</a:t>
+            </a:r>
+            <a:r>
+              <a:rPr lang="es-ES" b="1" dirty="0"/>
+              <a:t> </a:t>
+            </a:r>
+            <a:r>
+              <a:rPr lang="es-ES" b="1" dirty="0" err="1"/>
+              <a:t>hazard</a:t>
+            </a:r>
+            <a:r>
+              <a:rPr lang="es-ES" dirty="0"/>
+              <a:t>: </a:t>
+            </a:r>
+            <a:r>
+              <a:rPr lang="en-US" dirty="0"/>
+              <a:t>Globally, the PH assumption stands in all tests. Only </a:t>
+            </a:r>
+            <a:r>
+              <a:rPr lang="en-US" i="1" dirty="0" err="1">
+                <a:solidFill>
+                  <a:srgbClr val="FFFF00"/>
+                </a:solidFill>
+              </a:rPr>
+              <a:t>Ejection.Fraction</a:t>
+            </a:r>
+            <a:r>
+              <a:rPr lang="en-US" i="1" dirty="0">
+                <a:solidFill>
+                  <a:srgbClr val="FFFF00"/>
+                </a:solidFill>
+              </a:rPr>
+              <a:t> </a:t>
+            </a:r>
+            <a:r>
+              <a:rPr lang="en-US" dirty="0"/>
+              <a:t>shows inconsistent </a:t>
+            </a:r>
+            <a:r>
+              <a:rPr lang="en-US" dirty="0" err="1"/>
+              <a:t>behaviour</a:t>
+            </a:r>
+            <a:r>
+              <a:rPr lang="en-US" dirty="0"/>
+              <a:t> for the PH assumption under the 'identity' and 'km’ transformations.</a:t>
+            </a:r>
+            <a:endParaRPr lang="en-GB" dirty="0"/>
+          </a:p>
+        </p:txBody>
+      </p:sp>
+      <p:pic>
+        <p:nvPicPr>
+          <p:cNvPr id="15" name="Picture 14">
+            <a:extLst>
+              <a:ext uri="{FF2B5EF4-FFF2-40B4-BE49-F238E27FC236}">
+                <a16:creationId xmlns:a16="http://schemas.microsoft.com/office/drawing/2014/main" id="{51CD6BD5-3F4C-DDA2-1657-3D56D7F22735}"/>
+              </a:ext>
+            </a:extLst>
+          </p:cNvPr>
+          <p:cNvPicPr>
+            <a:picLocks noChangeAspect="1"/>
+          </p:cNvPicPr>
+          <p:nvPr/>
+        </p:nvPicPr>
+        <p:blipFill>
+          <a:blip r:embed="rId5"/>
+          <a:stretch>
+            <a:fillRect/>
+          </a:stretch>
+        </p:blipFill>
+        <p:spPr>
+          <a:xfrm>
+            <a:off x="1247932" y="4322893"/>
+            <a:ext cx="6264183" cy="320068"/>
+          </a:xfrm>
+          <a:prstGeom prst="rect">
+            <a:avLst/>
+          </a:prstGeom>
+        </p:spPr>
+      </p:pic>
+    </p:spTree>
+    <p:extLst>
+      <p:ext uri="{BB962C8B-B14F-4D97-AF65-F5344CB8AC3E}">
+        <p14:creationId xmlns:p14="http://schemas.microsoft.com/office/powerpoint/2010/main" val="3831600297"/>
+      </p:ext>
+    </p:extLst>
+  </p:cSld>
+  <p:clrMapOvr>
+    <a:masterClrMapping/>
+  </p:clrMapOvr>
+</p:sld>
+</file>
+
+<file path=ppt/slides/slide12.xml><?xml version="1.0" encoding="utf-8"?>
+<p:sld xmlns:a="http://schemas.openxmlformats.org/drawingml/2006/main" xmlns:r="http://schemas.openxmlformats.org/officeDocument/2006/relationships" xmlns:p="http://schemas.openxmlformats.org/presentationml/2006/main">
+  <p:cSld>
+    <p:spTree>
+      <p:nvGrpSpPr>
+        <p:cNvPr id="1" name=""/>
+        <p:cNvGrpSpPr/>
+        <p:nvPr/>
+      </p:nvGrpSpPr>
+      <p:grpSpPr>
+        <a:xfrm>
+          <a:off x="0" y="0"/>
+          <a:ext cx="0" cy="0"/>
+          <a:chOff x="0" y="0"/>
+          <a:chExt cx="0" cy="0"/>
+        </a:xfrm>
+      </p:grpSpPr>
+      <p:sp>
+        <p:nvSpPr>
+          <p:cNvPr id="2" name="Title 1">
+            <a:extLst>
+              <a:ext uri="{FF2B5EF4-FFF2-40B4-BE49-F238E27FC236}">
+                <a16:creationId xmlns:a16="http://schemas.microsoft.com/office/drawing/2014/main" id="{497E08B4-1A21-5C4A-FF59-0254370A8800}"/>
+              </a:ext>
+            </a:extLst>
+          </p:cNvPr>
+          <p:cNvSpPr>
+            <a:spLocks noGrp="1"/>
+          </p:cNvSpPr>
+          <p:nvPr>
+            <p:ph type="title"/>
+          </p:nvPr>
+        </p:nvSpPr>
+        <p:spPr/>
+        <p:txBody>
+          <a:bodyPr/>
+          <a:lstStyle/>
+          <a:p>
+            <a:r>
+              <a:rPr lang="es-ES" dirty="0" err="1"/>
+              <a:t>ii</a:t>
+            </a:r>
+            <a:r>
+              <a:rPr lang="es-ES" dirty="0"/>
+              <a:t>. </a:t>
+            </a:r>
+            <a:r>
+              <a:rPr lang="es-ES" dirty="0" err="1"/>
+              <a:t>Multivariate</a:t>
+            </a:r>
+            <a:r>
+              <a:rPr lang="es-ES" dirty="0"/>
+              <a:t> Cox </a:t>
+            </a:r>
+            <a:r>
+              <a:rPr lang="es-ES" dirty="0" err="1"/>
+              <a:t>regression</a:t>
+            </a:r>
+            <a:r>
+              <a:rPr lang="es-ES" dirty="0"/>
+              <a:t> </a:t>
+            </a:r>
+            <a:r>
+              <a:rPr lang="es-ES" dirty="0" err="1"/>
+              <a:t>model</a:t>
+            </a:r>
+            <a:br>
+              <a:rPr lang="es-ES" dirty="0"/>
+            </a:br>
+            <a:r>
+              <a:rPr lang="es-ES" dirty="0"/>
+              <a:t>C. </a:t>
+            </a:r>
+            <a:r>
+              <a:rPr lang="es-ES" dirty="0" err="1"/>
+              <a:t>With</a:t>
+            </a:r>
+            <a:r>
+              <a:rPr lang="es-ES" dirty="0"/>
+              <a:t> time </a:t>
+            </a:r>
+            <a:r>
+              <a:rPr lang="es-ES" dirty="0" err="1"/>
+              <a:t>varying</a:t>
+            </a:r>
+            <a:r>
+              <a:rPr lang="es-ES" dirty="0"/>
+              <a:t> </a:t>
+            </a:r>
+            <a:r>
+              <a:rPr lang="es-ES" dirty="0" err="1"/>
+              <a:t>coefficients</a:t>
+            </a:r>
+            <a:endParaRPr lang="en-GB" dirty="0"/>
+          </a:p>
+        </p:txBody>
+      </p:sp>
+      <p:sp>
+        <p:nvSpPr>
+          <p:cNvPr id="3" name="Content Placeholder 2">
+            <a:extLst>
+              <a:ext uri="{FF2B5EF4-FFF2-40B4-BE49-F238E27FC236}">
+                <a16:creationId xmlns:a16="http://schemas.microsoft.com/office/drawing/2014/main" id="{00097D50-5ACB-4FDD-50C2-902AABD801B5}"/>
+              </a:ext>
+            </a:extLst>
+          </p:cNvPr>
+          <p:cNvSpPr>
+            <a:spLocks noGrp="1"/>
+          </p:cNvSpPr>
+          <p:nvPr>
+            <p:ph idx="1"/>
+          </p:nvPr>
+        </p:nvSpPr>
+        <p:spPr/>
+        <p:txBody>
+          <a:bodyPr/>
+          <a:lstStyle/>
+          <a:p>
+            <a:endParaRPr lang="en-GB"/>
+          </a:p>
+        </p:txBody>
+      </p:sp>
+    </p:spTree>
+    <p:extLst>
+      <p:ext uri="{BB962C8B-B14F-4D97-AF65-F5344CB8AC3E}">
+        <p14:creationId xmlns:p14="http://schemas.microsoft.com/office/powerpoint/2010/main" val="3708354059"/>
+      </p:ext>
+    </p:extLst>
+  </p:cSld>
+  <p:clrMapOvr>
+    <a:masterClrMapping/>
+  </p:clrMapOvr>
+</p:sld>
+</file>
+
+<file path=ppt/slides/slide13.xml><?xml version="1.0" encoding="utf-8"?>
+<p:sld xmlns:a="http://schemas.openxmlformats.org/drawingml/2006/main" xmlns:r="http://schemas.openxmlformats.org/officeDocument/2006/relationships" xmlns:p="http://schemas.openxmlformats.org/presentationml/2006/main">
+  <p:cSld>
+    <p:spTree>
+      <p:nvGrpSpPr>
+        <p:cNvPr id="1" name=""/>
+        <p:cNvGrpSpPr/>
+        <p:nvPr/>
+      </p:nvGrpSpPr>
+      <p:grpSpPr>
+        <a:xfrm>
+          <a:off x="0" y="0"/>
+          <a:ext cx="0" cy="0"/>
+          <a:chOff x="0" y="0"/>
+          <a:chExt cx="0" cy="0"/>
+        </a:xfrm>
+      </p:grpSpPr>
+      <p:sp>
+        <p:nvSpPr>
+          <p:cNvPr id="2" name="Title 1">
+            <a:extLst>
+              <a:ext uri="{FF2B5EF4-FFF2-40B4-BE49-F238E27FC236}">
+                <a16:creationId xmlns:a16="http://schemas.microsoft.com/office/drawing/2014/main" id="{497E08B4-1A21-5C4A-FF59-0254370A8800}"/>
+              </a:ext>
+            </a:extLst>
+          </p:cNvPr>
+          <p:cNvSpPr>
+            <a:spLocks noGrp="1"/>
+          </p:cNvSpPr>
+          <p:nvPr>
+            <p:ph type="title"/>
+          </p:nvPr>
+        </p:nvSpPr>
+        <p:spPr/>
+        <p:txBody>
+          <a:bodyPr/>
+          <a:lstStyle/>
+          <a:p>
+            <a:r>
+              <a:rPr lang="es-ES" dirty="0" err="1"/>
+              <a:t>iii</a:t>
+            </a:r>
+            <a:r>
+              <a:rPr lang="es-ES" dirty="0"/>
+              <a:t>. </a:t>
+            </a:r>
+            <a:r>
+              <a:rPr lang="es-ES" dirty="0" err="1"/>
+              <a:t>Linearity</a:t>
+            </a:r>
+            <a:r>
+              <a:rPr lang="es-ES" dirty="0"/>
+              <a:t> test</a:t>
+            </a:r>
+            <a:endParaRPr lang="en-GB" dirty="0"/>
+          </a:p>
+        </p:txBody>
+      </p:sp>
+      <p:sp>
+        <p:nvSpPr>
+          <p:cNvPr id="3" name="Content Placeholder 2">
+            <a:extLst>
+              <a:ext uri="{FF2B5EF4-FFF2-40B4-BE49-F238E27FC236}">
+                <a16:creationId xmlns:a16="http://schemas.microsoft.com/office/drawing/2014/main" id="{00097D50-5ACB-4FDD-50C2-902AABD801B5}"/>
+              </a:ext>
+            </a:extLst>
+          </p:cNvPr>
+          <p:cNvSpPr>
+            <a:spLocks noGrp="1"/>
+          </p:cNvSpPr>
+          <p:nvPr>
+            <p:ph idx="1"/>
+          </p:nvPr>
+        </p:nvSpPr>
+        <p:spPr/>
+        <p:txBody>
+          <a:bodyPr/>
+          <a:lstStyle/>
+          <a:p>
+            <a:endParaRPr lang="en-GB"/>
+          </a:p>
+        </p:txBody>
+      </p:sp>
+    </p:spTree>
+    <p:extLst>
+      <p:ext uri="{BB962C8B-B14F-4D97-AF65-F5344CB8AC3E}">
+        <p14:creationId xmlns:p14="http://schemas.microsoft.com/office/powerpoint/2010/main" val="3148376159"/>
+      </p:ext>
+    </p:extLst>
+  </p:cSld>
+  <p:clrMapOvr>
+    <a:masterClrMapping/>
+  </p:clrMapOvr>
+</p:sld>
+</file>
+
+<file path=ppt/slides/slide14.xml><?xml version="1.0" encoding="utf-8"?>
+<p:sld xmlns:a="http://schemas.openxmlformats.org/drawingml/2006/main" xmlns:r="http://schemas.openxmlformats.org/officeDocument/2006/relationships" xmlns:p="http://schemas.openxmlformats.org/presentationml/2006/main">
+  <p:cSld>
+    <p:spTree>
+      <p:nvGrpSpPr>
+        <p:cNvPr id="1" name=""/>
+        <p:cNvGrpSpPr/>
+        <p:nvPr/>
+      </p:nvGrpSpPr>
+      <p:grpSpPr>
+        <a:xfrm>
+          <a:off x="0" y="0"/>
+          <a:ext cx="0" cy="0"/>
+          <a:chOff x="0" y="0"/>
+          <a:chExt cx="0" cy="0"/>
+        </a:xfrm>
+      </p:grpSpPr>
+      <p:sp>
+        <p:nvSpPr>
+          <p:cNvPr id="2" name="Title 1">
+            <a:extLst>
+              <a:ext uri="{FF2B5EF4-FFF2-40B4-BE49-F238E27FC236}">
+                <a16:creationId xmlns:a16="http://schemas.microsoft.com/office/drawing/2014/main" id="{497E08B4-1A21-5C4A-FF59-0254370A8800}"/>
+              </a:ext>
+            </a:extLst>
+          </p:cNvPr>
+          <p:cNvSpPr>
+            <a:spLocks noGrp="1"/>
+          </p:cNvSpPr>
+          <p:nvPr>
+            <p:ph type="title"/>
+          </p:nvPr>
+        </p:nvSpPr>
+        <p:spPr/>
+        <p:txBody>
+          <a:bodyPr/>
+          <a:lstStyle/>
+          <a:p>
+            <a:r>
+              <a:rPr lang="es-ES" dirty="0" err="1"/>
               <a:t>iv</a:t>
             </a:r>
             <a:r>
@@ -6248,7 +8262,7 @@
 </p:sld>
 </file>
 
-<file path=ppt/slides/slide11.xml><?xml version="1.0" encoding="utf-8"?>
+<file path=ppt/slides/slide15.xml><?xml version="1.0" encoding="utf-8"?>
 <p:sld xmlns:a="http://schemas.openxmlformats.org/drawingml/2006/main" xmlns:r="http://schemas.openxmlformats.org/officeDocument/2006/relationships" xmlns:p="http://schemas.openxmlformats.org/presentationml/2006/main">
   <p:cSld>
     <p:spTree>
@@ -6459,7 +8473,9 @@
           </a:xfrm>
         </p:spPr>
         <p:txBody>
-          <a:bodyPr/>
+          <a:bodyPr>
+            <a:normAutofit lnSpcReduction="10000"/>
+          </a:bodyPr>
           <a:lstStyle/>
           <a:p>
             <a:pPr marL="514350" indent="-514350">
@@ -6545,6 +8561,25 @@
             <a:r>
               <a:rPr lang="es-ES" dirty="0"/>
               <a:t>Base </a:t>
+            </a:r>
+            <a:r>
+              <a:rPr lang="es-ES" dirty="0" err="1"/>
+              <a:t>model</a:t>
+            </a:r>
+            <a:endParaRPr lang="es-ES" dirty="0"/>
+          </a:p>
+          <a:p>
+            <a:pPr marL="908050" lvl="1" indent="-457200">
+              <a:buFont typeface="+mj-lt"/>
+              <a:buAutoNum type="alphaUcPeriod"/>
+            </a:pPr>
+            <a:r>
+              <a:rPr lang="es-ES" dirty="0" err="1"/>
+              <a:t>Reduced</a:t>
+            </a:r>
+            <a:r>
+              <a:rPr lang="es-ES" dirty="0"/>
+              <a:t> </a:t>
             </a:r>
             <a:r>
               <a:rPr lang="es-ES" dirty="0" err="1"/>
@@ -7226,7 +9261,7 @@
             </a:pPr>
             <a:r>
               <a:rPr lang="en-GB" sz="1300" i="1" dirty="0"/>
-              <a:t>* indicates that an additional factor variable with 4 levels was created </a:t>
+              <a:t>* indicates that an additional factor variable with 4 levels was added </a:t>
             </a:r>
           </a:p>
         </p:txBody>
@@ -7374,24 +9409,28 @@
           <a:lstStyle/>
           <a:p>
             <a:r>
-              <a:rPr lang="es-ES" dirty="0" err="1"/>
+              <a:rPr lang="es-ES" b="1" dirty="0" err="1"/>
               <a:t>Overall</a:t>
             </a:r>
             <a:r>
+              <a:rPr lang="es-ES" b="1" dirty="0"/>
+              <a:t> </a:t>
+            </a:r>
+            <a:r>
+              <a:rPr lang="es-ES" b="1" dirty="0" err="1"/>
+              <a:t>Survival</a:t>
+            </a:r>
+            <a:r>
+              <a:rPr lang="es-ES" b="1" dirty="0"/>
+              <a:t> </a:t>
+            </a:r>
+            <a:r>
+              <a:rPr lang="es-ES" b="1" dirty="0" err="1"/>
+              <a:t>Probability</a:t>
+            </a:r>
+            <a:r>
               <a:rPr lang="es-ES" dirty="0"/>
-              <a:t> </a:t>
-            </a:r>
-            <a:r>
-              <a:rPr lang="es-ES" dirty="0" err="1"/>
-              <a:t>Survival</a:t>
-            </a:r>
-            <a:r>
-              <a:rPr lang="es-ES" dirty="0"/>
-              <a:t> </a:t>
-            </a:r>
-            <a:r>
-              <a:rPr lang="es-ES" dirty="0" err="1"/>
-              <a:t>Probability</a:t>
+              <a:t>:</a:t>
             </a:r>
             <a:endParaRPr lang="en-GB" dirty="0"/>
           </a:p>
@@ -7529,8 +9568,24 @@
           <a:lstStyle/>
           <a:p>
             <a:r>
+              <a:rPr lang="es-ES" b="1" dirty="0" err="1"/>
+              <a:t>Survival</a:t>
+            </a:r>
+            <a:r>
+              <a:rPr lang="es-ES" b="1" dirty="0"/>
+              <a:t> </a:t>
+            </a:r>
+            <a:r>
+              <a:rPr lang="es-ES" b="1" dirty="0" err="1"/>
+              <a:t>Probability</a:t>
+            </a:r>
+            <a:r>
+              <a:rPr lang="es-ES" b="1" dirty="0"/>
+              <a:t> </a:t>
+            </a:r>
+            <a:r>
               <a:rPr lang="es-ES" dirty="0" err="1"/>
-              <a:t>Survival</a:t>
+              <a:t>by</a:t>
             </a:r>
             <a:r>
               <a:rPr lang="es-ES" dirty="0"/>
@@ -7538,7 +9593,7 @@
             </a:r>
             <a:r>
               <a:rPr lang="es-ES" dirty="0" err="1"/>
-              <a:t>Probability</a:t>
+              <a:t>Blood</a:t>
             </a:r>
             <a:r>
               <a:rPr lang="es-ES" dirty="0"/>
@@ -7546,22 +9601,6 @@
             </a:r>
             <a:r>
               <a:rPr lang="es-ES" dirty="0" err="1"/>
-              <a:t>by</a:t>
-            </a:r>
-            <a:r>
-              <a:rPr lang="es-ES" dirty="0"/>
-              <a:t> </a:t>
-            </a:r>
-            <a:r>
-              <a:rPr lang="es-ES" dirty="0" err="1"/>
-              <a:t>Blood</a:t>
-            </a:r>
-            <a:r>
-              <a:rPr lang="es-ES" dirty="0"/>
-              <a:t> </a:t>
-            </a:r>
-            <a:r>
-              <a:rPr lang="es-ES" dirty="0" err="1"/>
               <a:t>Pressure</a:t>
             </a:r>
             <a:r>
@@ -7582,23 +9621,7 @@
             </a:r>
             <a:r>
               <a:rPr lang="es-ES" dirty="0"/>
-              <a:t> (</a:t>
-            </a:r>
-            <a:r>
-              <a:rPr lang="es-ES" dirty="0" err="1"/>
-              <a:t>to</a:t>
-            </a:r>
-            <a:r>
-              <a:rPr lang="es-ES" dirty="0"/>
-              <a:t> be </a:t>
-            </a:r>
-            <a:r>
-              <a:rPr lang="es-ES" dirty="0" err="1"/>
-              <a:t>added</a:t>
-            </a:r>
-            <a:r>
-              <a:rPr lang="es-ES"/>
-              <a:t>)</a:t>
+              <a:t>:</a:t>
             </a:r>
             <a:endParaRPr lang="en-GB" dirty="0"/>
           </a:p>
@@ -7606,10 +9629,10 @@
       </p:sp>
       <p:pic>
         <p:nvPicPr>
-          <p:cNvPr id="3" name="Content Placeholder 4">
+          <p:cNvPr id="3" name="Picture 2">
             <a:extLst>
               <a:ext uri="{FF2B5EF4-FFF2-40B4-BE49-F238E27FC236}">
-                <a16:creationId xmlns:a16="http://schemas.microsoft.com/office/drawing/2014/main" id="{057CC8B5-B4A5-56F9-3445-E53C7CBDE4B1}"/>
+                <a16:creationId xmlns:a16="http://schemas.microsoft.com/office/drawing/2014/main" id="{5BC247A6-A026-C28A-A020-9106CC410CAE}"/>
               </a:ext>
             </a:extLst>
           </p:cNvPr>
@@ -7626,8 +9649,8 @@
         </p:blipFill>
         <p:spPr>
           <a:xfrm>
-            <a:off x="6368453" y="2055866"/>
-            <a:ext cx="4704343" cy="4704343"/>
+            <a:off x="1073107" y="2238705"/>
+            <a:ext cx="3272625" cy="3272625"/>
           </a:xfrm>
           <a:prstGeom prst="rect">
             <a:avLst/>
@@ -7636,10 +9659,10 @@
       </p:pic>
       <p:pic>
         <p:nvPicPr>
-          <p:cNvPr id="5" name="Picture 4">
+          <p:cNvPr id="4" name="Content Placeholder 4">
             <a:extLst>
               <a:ext uri="{FF2B5EF4-FFF2-40B4-BE49-F238E27FC236}">
-                <a16:creationId xmlns:a16="http://schemas.microsoft.com/office/drawing/2014/main" id="{DBDEEF7F-1D3B-737D-9027-905F1B043533}"/>
+                <a16:creationId xmlns:a16="http://schemas.microsoft.com/office/drawing/2014/main" id="{885F2D1A-3EA9-F9CA-54EC-A7D30DEA74D9}"/>
               </a:ext>
             </a:extLst>
           </p:cNvPr>
@@ -7656,8 +9679,38 @@
         </p:blipFill>
         <p:spPr>
           <a:xfrm>
-            <a:off x="1119205" y="2055866"/>
-            <a:ext cx="4704343" cy="4704343"/>
+            <a:off x="4510456" y="2238705"/>
+            <a:ext cx="3272625" cy="3272625"/>
+          </a:xfrm>
+          <a:prstGeom prst="rect">
+            <a:avLst/>
+          </a:prstGeom>
+        </p:spPr>
+      </p:pic>
+      <p:pic>
+        <p:nvPicPr>
+          <p:cNvPr id="10" name="Picture 9">
+            <a:extLst>
+              <a:ext uri="{FF2B5EF4-FFF2-40B4-BE49-F238E27FC236}">
+                <a16:creationId xmlns:a16="http://schemas.microsoft.com/office/drawing/2014/main" id="{9BFAD784-9041-FA98-28D7-236DC96E30F9}"/>
+              </a:ext>
+            </a:extLst>
+          </p:cNvPr>
+          <p:cNvPicPr>
+            <a:picLocks noChangeAspect="1"/>
+          </p:cNvPicPr>
+          <p:nvPr/>
+        </p:nvPicPr>
+        <p:blipFill>
+          <a:blip r:embed="rId5"/>
+          <a:stretch>
+            <a:fillRect/>
+          </a:stretch>
+        </p:blipFill>
+        <p:spPr>
+          <a:xfrm>
+            <a:off x="7947805" y="2238705"/>
+            <a:ext cx="3272625" cy="3272625"/>
           </a:xfrm>
           <a:prstGeom prst="rect">
             <a:avLst/>
@@ -7667,7 +9720,7 @@
     </p:spTree>
     <p:extLst>
       <p:ext uri="{BB962C8B-B14F-4D97-AF65-F5344CB8AC3E}">
-        <p14:creationId xmlns:p14="http://schemas.microsoft.com/office/powerpoint/2010/main" val="2877771453"/>
+        <p14:creationId xmlns:p14="http://schemas.microsoft.com/office/powerpoint/2010/main" val="3410715490"/>
       </p:ext>
     </p:extLst>
   </p:cSld>
@@ -7766,19 +9819,19 @@
           <a:lstStyle/>
           <a:p>
             <a:r>
-              <a:rPr lang="es-ES" dirty="0" err="1"/>
+              <a:rPr lang="es-ES" b="1" dirty="0" err="1"/>
               <a:t>Cloglog</a:t>
             </a:r>
             <a:r>
-              <a:rPr lang="es-ES" dirty="0"/>
+              <a:rPr lang="es-ES" b="1" dirty="0"/>
               <a:t> </a:t>
             </a:r>
             <a:r>
-              <a:rPr lang="es-ES" dirty="0" err="1"/>
+              <a:rPr lang="es-ES" b="1" dirty="0" err="1"/>
               <a:t>transformation</a:t>
             </a:r>
             <a:r>
-              <a:rPr lang="es-ES" dirty="0"/>
+              <a:rPr lang="es-ES" b="1" dirty="0"/>
               <a:t> </a:t>
             </a:r>
             <a:r>
@@ -7792,6 +9845,10 @@
             <a:r>
               <a:rPr lang="es-ES" dirty="0" err="1"/>
               <a:t>assumption</a:t>
+            </a:r>
+            <a:r>
+              <a:rPr lang="es-ES" dirty="0"/>
+              <a:t>:</a:t>
             </a:r>
             <a:endParaRPr lang="en-GB" dirty="0"/>
           </a:p>
@@ -7922,7 +9979,7 @@
           <p:cNvPr id="2" name="Title 1">
             <a:extLst>
               <a:ext uri="{FF2B5EF4-FFF2-40B4-BE49-F238E27FC236}">
-                <a16:creationId xmlns:a16="http://schemas.microsoft.com/office/drawing/2014/main" id="{497E08B4-1A21-5C4A-FF59-0254370A8800}"/>
+                <a16:creationId xmlns:a16="http://schemas.microsoft.com/office/drawing/2014/main" id="{9CEF219F-A752-AF3A-FEDC-8EB897838D43}"/>
               </a:ext>
             </a:extLst>
           </p:cNvPr>
@@ -7948,15 +10005,7 @@
             </a:r>
             <a:r>
               <a:rPr lang="es-ES" dirty="0" err="1"/>
-              <a:t>Multivariate</a:t>
-            </a:r>
-            <a:r>
-              <a:rPr lang="es-ES" dirty="0"/>
-              <a:t> Cox </a:t>
-            </a:r>
-            <a:r>
-              <a:rPr lang="es-ES" dirty="0" err="1"/>
-              <a:t>regression</a:t>
+              <a:t>Univariate</a:t>
             </a:r>
             <a:r>
               <a:rPr lang="es-ES" dirty="0"/>
@@ -7964,18 +10013,7 @@
             </a:r>
             <a:r>
               <a:rPr lang="es-ES" dirty="0" err="1"/>
-              <a:t>model</a:t>
-            </a:r>
-            <a:br>
-              <a:rPr lang="es-ES" dirty="0"/>
-            </a:br>
-            <a:r>
-              <a:rPr lang="es-ES" dirty="0"/>
-              <a:t>A. Base </a:t>
-            </a:r>
-            <a:r>
-              <a:rPr lang="es-ES" dirty="0" err="1"/>
-              <a:t>model</a:t>
+              <a:t>analysis</a:t>
             </a:r>
             <a:endParaRPr lang="en-GB" dirty="0"/>
           </a:p>
@@ -7986,7 +10024,7 @@
           <p:cNvPr id="7" name="Content Placeholder 6">
             <a:extLst>
               <a:ext uri="{FF2B5EF4-FFF2-40B4-BE49-F238E27FC236}">
-                <a16:creationId xmlns:a16="http://schemas.microsoft.com/office/drawing/2014/main" id="{9C296F9C-B501-5452-9A38-DC9F1E00FA23}"/>
+                <a16:creationId xmlns:a16="http://schemas.microsoft.com/office/drawing/2014/main" id="{38434C18-E629-8B9D-4E85-3B193564F614}"/>
               </a:ext>
             </a:extLst>
           </p:cNvPr>
@@ -7997,19 +10035,888 @@
             <p:ph idx="1"/>
           </p:nvPr>
         </p:nvSpPr>
-        <p:spPr/>
+        <p:spPr>
+          <a:xfrm>
+            <a:off x="2197729" y="1346670"/>
+            <a:ext cx="7796540" cy="895621"/>
+          </a:xfrm>
+        </p:spPr>
         <p:txBody>
           <a:bodyPr/>
           <a:lstStyle/>
           <a:p>
-            <a:endParaRPr lang="en-GB" dirty="0"/>
-          </a:p>
-        </p:txBody>
-      </p:sp>
+            <a:r>
+              <a:rPr lang="es-ES" b="1" dirty="0" err="1"/>
+              <a:t>Logrank</a:t>
+            </a:r>
+            <a:r>
+              <a:rPr lang="es-ES" b="1" dirty="0"/>
+              <a:t> and Wilcoxon </a:t>
+            </a:r>
+            <a:r>
+              <a:rPr lang="es-ES" b="1" dirty="0" err="1"/>
+              <a:t>tests</a:t>
+            </a:r>
+            <a:r>
+              <a:rPr lang="es-ES" dirty="0"/>
+              <a:t>: </a:t>
+            </a:r>
+            <a:r>
+              <a:rPr lang="es-ES" sz="1400" i="1" dirty="0"/>
+              <a:t>(* </a:t>
+            </a:r>
+            <a:r>
+              <a:rPr lang="es-ES" sz="1400" i="1" dirty="0" err="1"/>
+              <a:t>indicates</a:t>
+            </a:r>
+            <a:r>
+              <a:rPr lang="es-ES" sz="1400" i="1" dirty="0"/>
+              <a:t> </a:t>
+            </a:r>
+            <a:r>
+              <a:rPr lang="es-ES" sz="1400" i="1" dirty="0" err="1"/>
+              <a:t>significance</a:t>
+            </a:r>
+            <a:r>
+              <a:rPr lang="es-ES" sz="1400" i="1" dirty="0"/>
+              <a:t> </a:t>
+            </a:r>
+            <a:r>
+              <a:rPr lang="es-ES" sz="1400" i="1" dirty="0" err="1"/>
+              <a:t>on</a:t>
+            </a:r>
+            <a:r>
+              <a:rPr lang="es-ES" sz="1400" i="1" dirty="0"/>
+              <a:t> </a:t>
+            </a:r>
+            <a:r>
+              <a:rPr lang="es-ES" sz="1400" i="1" dirty="0" err="1"/>
+              <a:t>the</a:t>
+            </a:r>
+            <a:r>
+              <a:rPr lang="es-ES" sz="1400" i="1" dirty="0"/>
+              <a:t> 5%-</a:t>
+            </a:r>
+            <a:r>
+              <a:rPr lang="es-ES" sz="1400" i="1" dirty="0" err="1"/>
+              <a:t>level</a:t>
+            </a:r>
+            <a:r>
+              <a:rPr lang="es-ES" sz="1400" i="1" dirty="0"/>
+              <a:t>)</a:t>
+            </a:r>
+            <a:endParaRPr lang="en-GB" i="1" dirty="0"/>
+          </a:p>
+        </p:txBody>
+      </p:sp>
+      <p:graphicFrame>
+        <p:nvGraphicFramePr>
+          <p:cNvPr id="3" name="Table 3">
+            <a:extLst>
+              <a:ext uri="{FF2B5EF4-FFF2-40B4-BE49-F238E27FC236}">
+                <a16:creationId xmlns:a16="http://schemas.microsoft.com/office/drawing/2014/main" id="{D5968D79-A2E6-BAD1-BD4B-05FB00C12F0F}"/>
+              </a:ext>
+            </a:extLst>
+          </p:cNvPr>
+          <p:cNvGraphicFramePr>
+            <a:graphicFrameLocks noGrp="1"/>
+          </p:cNvGraphicFramePr>
+          <p:nvPr>
+            <p:extLst>
+              <p:ext uri="{D42A27DB-BD31-4B8C-83A1-F6EECF244321}">
+                <p14:modId xmlns:p14="http://schemas.microsoft.com/office/powerpoint/2010/main" val="1349351641"/>
+              </p:ext>
+            </p:extLst>
+          </p:nvPr>
+        </p:nvGraphicFramePr>
+        <p:xfrm>
+          <a:off x="2197729" y="2060791"/>
+          <a:ext cx="8127999" cy="4424680"/>
+        </p:xfrm>
+        <a:graphic>
+          <a:graphicData uri="http://schemas.openxmlformats.org/drawingml/2006/table">
+            <a:tbl>
+              <a:tblPr firstRow="1" bandRow="1">
+                <a:tableStyleId>{5C22544A-7EE6-4342-B048-85BDC9FD1C3A}</a:tableStyleId>
+              </a:tblPr>
+              <a:tblGrid>
+                <a:gridCol w="2709333">
+                  <a:extLst>
+                    <a:ext uri="{9D8B030D-6E8A-4147-A177-3AD203B41FA5}">
+                      <a16:colId xmlns:a16="http://schemas.microsoft.com/office/drawing/2014/main" val="609590367"/>
+                    </a:ext>
+                  </a:extLst>
+                </a:gridCol>
+                <a:gridCol w="2709333">
+                  <a:extLst>
+                    <a:ext uri="{9D8B030D-6E8A-4147-A177-3AD203B41FA5}">
+                      <a16:colId xmlns:a16="http://schemas.microsoft.com/office/drawing/2014/main" val="3073907434"/>
+                    </a:ext>
+                  </a:extLst>
+                </a:gridCol>
+                <a:gridCol w="2709333">
+                  <a:extLst>
+                    <a:ext uri="{9D8B030D-6E8A-4147-A177-3AD203B41FA5}">
+                      <a16:colId xmlns:a16="http://schemas.microsoft.com/office/drawing/2014/main" val="4112593623"/>
+                    </a:ext>
+                  </a:extLst>
+                </a:gridCol>
+              </a:tblGrid>
+              <a:tr h="370840">
+                <a:tc>
+                  <a:txBody>
+                    <a:bodyPr/>
+                    <a:lstStyle/>
+                    <a:p>
+                      <a:r>
+                        <a:rPr lang="es-ES" dirty="0">
+                          <a:solidFill>
+                            <a:schemeClr val="bg1"/>
+                          </a:solidFill>
+                        </a:rPr>
+                        <a:t>Variable</a:t>
+                      </a:r>
+                      <a:endParaRPr lang="en-GB" dirty="0">
+                        <a:solidFill>
+                          <a:schemeClr val="bg1"/>
+                        </a:solidFill>
+                      </a:endParaRPr>
+                    </a:p>
+                  </a:txBody>
+                  <a:tcPr/>
+                </a:tc>
+                <a:tc>
+                  <a:txBody>
+                    <a:bodyPr/>
+                    <a:lstStyle/>
+                    <a:p>
+                      <a:r>
+                        <a:rPr lang="es-ES" dirty="0" err="1">
+                          <a:solidFill>
+                            <a:schemeClr val="bg1"/>
+                          </a:solidFill>
+                        </a:rPr>
+                        <a:t>Logrank</a:t>
+                      </a:r>
+                      <a:r>
+                        <a:rPr lang="es-ES" dirty="0">
+                          <a:solidFill>
+                            <a:schemeClr val="bg1"/>
+                          </a:solidFill>
+                        </a:rPr>
+                        <a:t> test (p-</a:t>
+                      </a:r>
+                      <a:r>
+                        <a:rPr lang="es-ES" dirty="0" err="1">
+                          <a:solidFill>
+                            <a:schemeClr val="bg1"/>
+                          </a:solidFill>
+                        </a:rPr>
+                        <a:t>value</a:t>
+                      </a:r>
+                      <a:r>
+                        <a:rPr lang="es-ES" dirty="0">
+                          <a:solidFill>
+                            <a:schemeClr val="bg1"/>
+                          </a:solidFill>
+                        </a:rPr>
+                        <a:t>)</a:t>
+                      </a:r>
+                      <a:endParaRPr lang="en-GB" dirty="0">
+                        <a:solidFill>
+                          <a:schemeClr val="bg1"/>
+                        </a:solidFill>
+                      </a:endParaRPr>
+                    </a:p>
+                  </a:txBody>
+                  <a:tcPr/>
+                </a:tc>
+                <a:tc>
+                  <a:txBody>
+                    <a:bodyPr/>
+                    <a:lstStyle/>
+                    <a:p>
+                      <a:r>
+                        <a:rPr lang="es-ES" dirty="0">
+                          <a:solidFill>
+                            <a:schemeClr val="bg1"/>
+                          </a:solidFill>
+                        </a:rPr>
+                        <a:t>Wilcoxon test (p-</a:t>
+                      </a:r>
+                      <a:r>
+                        <a:rPr lang="es-ES" dirty="0" err="1">
+                          <a:solidFill>
+                            <a:schemeClr val="bg1"/>
+                          </a:solidFill>
+                        </a:rPr>
+                        <a:t>value</a:t>
+                      </a:r>
+                      <a:r>
+                        <a:rPr lang="es-ES" dirty="0">
+                          <a:solidFill>
+                            <a:schemeClr val="bg1"/>
+                          </a:solidFill>
+                        </a:rPr>
+                        <a:t>)</a:t>
+                      </a:r>
+                      <a:endParaRPr lang="en-GB" dirty="0">
+                        <a:solidFill>
+                          <a:schemeClr val="bg1"/>
+                        </a:solidFill>
+                      </a:endParaRPr>
+                    </a:p>
+                  </a:txBody>
+                  <a:tcPr/>
+                </a:tc>
+                <a:extLst>
+                  <a:ext uri="{0D108BD9-81ED-4DB2-BD59-A6C34878D82A}">
+                    <a16:rowId xmlns:a16="http://schemas.microsoft.com/office/drawing/2014/main" val="423016576"/>
+                  </a:ext>
+                </a:extLst>
+              </a:tr>
+              <a:tr h="370840">
+                <a:tc>
+                  <a:txBody>
+                    <a:bodyPr/>
+                    <a:lstStyle/>
+                    <a:p>
+                      <a:r>
+                        <a:rPr lang="es-ES" i="1" dirty="0" err="1"/>
+                        <a:t>Gender</a:t>
+                      </a:r>
+                      <a:endParaRPr lang="en-GB" i="1" dirty="0"/>
+                    </a:p>
+                  </a:txBody>
+                  <a:tcPr/>
+                </a:tc>
+                <a:tc>
+                  <a:txBody>
+                    <a:bodyPr/>
+                    <a:lstStyle/>
+                    <a:p>
+                      <a:r>
+                        <a:rPr lang="es-ES" dirty="0">
+                          <a:solidFill>
+                            <a:schemeClr val="tx1">
+                              <a:lumMod val="65000"/>
+                            </a:schemeClr>
+                          </a:solidFill>
+                        </a:rPr>
+                        <a:t>0.9</a:t>
+                      </a:r>
+                      <a:endParaRPr lang="en-GB" dirty="0">
+                        <a:solidFill>
+                          <a:schemeClr val="tx1">
+                            <a:lumMod val="65000"/>
+                          </a:schemeClr>
+                        </a:solidFill>
+                      </a:endParaRPr>
+                    </a:p>
+                  </a:txBody>
+                  <a:tcPr/>
+                </a:tc>
+                <a:tc>
+                  <a:txBody>
+                    <a:bodyPr/>
+                    <a:lstStyle/>
+                    <a:p>
+                      <a:r>
+                        <a:rPr lang="es-ES" dirty="0"/>
+                        <a:t>0.9</a:t>
+                      </a:r>
+                      <a:endParaRPr lang="en-GB" dirty="0"/>
+                    </a:p>
+                  </a:txBody>
+                  <a:tcPr/>
+                </a:tc>
+                <a:extLst>
+                  <a:ext uri="{0D108BD9-81ED-4DB2-BD59-A6C34878D82A}">
+                    <a16:rowId xmlns:a16="http://schemas.microsoft.com/office/drawing/2014/main" val="349952682"/>
+                  </a:ext>
+                </a:extLst>
+              </a:tr>
+              <a:tr h="370840">
+                <a:tc>
+                  <a:txBody>
+                    <a:bodyPr/>
+                    <a:lstStyle/>
+                    <a:p>
+                      <a:r>
+                        <a:rPr lang="es-ES" i="1" dirty="0"/>
+                        <a:t>Smoking</a:t>
+                      </a:r>
+                      <a:endParaRPr lang="en-GB" i="1" dirty="0"/>
+                    </a:p>
+                  </a:txBody>
+                  <a:tcPr/>
+                </a:tc>
+                <a:tc>
+                  <a:txBody>
+                    <a:bodyPr/>
+                    <a:lstStyle/>
+                    <a:p>
+                      <a:r>
+                        <a:rPr lang="es-ES" dirty="0">
+                          <a:solidFill>
+                            <a:schemeClr val="tx1">
+                              <a:lumMod val="65000"/>
+                            </a:schemeClr>
+                          </a:solidFill>
+                        </a:rPr>
+                        <a:t>1.0</a:t>
+                      </a:r>
+                      <a:endParaRPr lang="en-GB" dirty="0">
+                        <a:solidFill>
+                          <a:schemeClr val="tx1">
+                            <a:lumMod val="65000"/>
+                          </a:schemeClr>
+                        </a:solidFill>
+                      </a:endParaRPr>
+                    </a:p>
+                  </a:txBody>
+                  <a:tcPr/>
+                </a:tc>
+                <a:tc>
+                  <a:txBody>
+                    <a:bodyPr/>
+                    <a:lstStyle/>
+                    <a:p>
+                      <a:r>
+                        <a:rPr lang="es-ES" dirty="0"/>
+                        <a:t>1.0</a:t>
+                      </a:r>
+                      <a:endParaRPr lang="en-GB" dirty="0"/>
+                    </a:p>
+                  </a:txBody>
+                  <a:tcPr/>
+                </a:tc>
+                <a:extLst>
+                  <a:ext uri="{0D108BD9-81ED-4DB2-BD59-A6C34878D82A}">
+                    <a16:rowId xmlns:a16="http://schemas.microsoft.com/office/drawing/2014/main" val="93902608"/>
+                  </a:ext>
+                </a:extLst>
+              </a:tr>
+              <a:tr h="370840">
+                <a:tc>
+                  <a:txBody>
+                    <a:bodyPr/>
+                    <a:lstStyle/>
+                    <a:p>
+                      <a:r>
+                        <a:rPr lang="es-ES" i="1" dirty="0"/>
+                        <a:t>Diabetes</a:t>
+                      </a:r>
+                      <a:endParaRPr lang="en-GB" i="1" dirty="0"/>
+                    </a:p>
+                  </a:txBody>
+                  <a:tcPr/>
+                </a:tc>
+                <a:tc>
+                  <a:txBody>
+                    <a:bodyPr/>
+                    <a:lstStyle/>
+                    <a:p>
+                      <a:r>
+                        <a:rPr lang="es-ES" dirty="0">
+                          <a:solidFill>
+                            <a:schemeClr val="tx1">
+                              <a:lumMod val="65000"/>
+                            </a:schemeClr>
+                          </a:solidFill>
+                        </a:rPr>
+                        <a:t>0.8</a:t>
+                      </a:r>
+                      <a:endParaRPr lang="en-GB" dirty="0">
+                        <a:solidFill>
+                          <a:schemeClr val="tx1">
+                            <a:lumMod val="65000"/>
+                          </a:schemeClr>
+                        </a:solidFill>
+                      </a:endParaRPr>
+                    </a:p>
+                  </a:txBody>
+                  <a:tcPr/>
+                </a:tc>
+                <a:tc>
+                  <a:txBody>
+                    <a:bodyPr/>
+                    <a:lstStyle/>
+                    <a:p>
+                      <a:r>
+                        <a:rPr lang="es-ES" dirty="0"/>
+                        <a:t>0.9</a:t>
+                      </a:r>
+                      <a:endParaRPr lang="en-GB" dirty="0"/>
+                    </a:p>
+                  </a:txBody>
+                  <a:tcPr/>
+                </a:tc>
+                <a:extLst>
+                  <a:ext uri="{0D108BD9-81ED-4DB2-BD59-A6C34878D82A}">
+                    <a16:rowId xmlns:a16="http://schemas.microsoft.com/office/drawing/2014/main" val="794258951"/>
+                  </a:ext>
+                </a:extLst>
+              </a:tr>
+              <a:tr h="370840">
+                <a:tc>
+                  <a:txBody>
+                    <a:bodyPr/>
+                    <a:lstStyle/>
+                    <a:p>
+                      <a:r>
+                        <a:rPr lang="es-ES" i="1" dirty="0"/>
+                        <a:t>BP</a:t>
+                      </a:r>
+                      <a:endParaRPr lang="en-GB" i="1" dirty="0"/>
+                    </a:p>
+                  </a:txBody>
+                  <a:tcPr/>
+                </a:tc>
+                <a:tc>
+                  <a:txBody>
+                    <a:bodyPr/>
+                    <a:lstStyle/>
+                    <a:p>
+                      <a:r>
+                        <a:rPr lang="es-ES" dirty="0"/>
+                        <a:t>0.04*</a:t>
+                      </a:r>
+                      <a:endParaRPr lang="en-GB" dirty="0"/>
+                    </a:p>
+                  </a:txBody>
+                  <a:tcPr/>
+                </a:tc>
+                <a:tc>
+                  <a:txBody>
+                    <a:bodyPr/>
+                    <a:lstStyle/>
+                    <a:p>
+                      <a:r>
+                        <a:rPr lang="es-ES" dirty="0"/>
+                        <a:t>0.03*</a:t>
+                      </a:r>
+                      <a:endParaRPr lang="en-GB" dirty="0"/>
+                    </a:p>
+                  </a:txBody>
+                  <a:tcPr/>
+                </a:tc>
+                <a:extLst>
+                  <a:ext uri="{0D108BD9-81ED-4DB2-BD59-A6C34878D82A}">
+                    <a16:rowId xmlns:a16="http://schemas.microsoft.com/office/drawing/2014/main" val="4169310468"/>
+                  </a:ext>
+                </a:extLst>
+              </a:tr>
+              <a:tr h="370840">
+                <a:tc>
+                  <a:txBody>
+                    <a:bodyPr/>
+                    <a:lstStyle/>
+                    <a:p>
+                      <a:r>
+                        <a:rPr lang="es-ES" i="1" dirty="0" err="1"/>
+                        <a:t>Anaemia</a:t>
+                      </a:r>
+                      <a:endParaRPr lang="en-GB" i="1" dirty="0"/>
+                    </a:p>
+                  </a:txBody>
+                  <a:tcPr/>
+                </a:tc>
+                <a:tc>
+                  <a:txBody>
+                    <a:bodyPr/>
+                    <a:lstStyle/>
+                    <a:p>
+                      <a:r>
+                        <a:rPr lang="es-ES" dirty="0"/>
+                        <a:t>0.1</a:t>
+                      </a:r>
+                      <a:endParaRPr lang="en-GB" dirty="0"/>
+                    </a:p>
+                  </a:txBody>
+                  <a:tcPr/>
+                </a:tc>
+                <a:tc>
+                  <a:txBody>
+                    <a:bodyPr/>
+                    <a:lstStyle/>
+                    <a:p>
+                      <a:r>
+                        <a:rPr lang="es-ES" dirty="0"/>
+                        <a:t>0.08</a:t>
+                      </a:r>
+                      <a:endParaRPr lang="en-GB" dirty="0"/>
+                    </a:p>
+                  </a:txBody>
+                  <a:tcPr/>
+                </a:tc>
+                <a:extLst>
+                  <a:ext uri="{0D108BD9-81ED-4DB2-BD59-A6C34878D82A}">
+                    <a16:rowId xmlns:a16="http://schemas.microsoft.com/office/drawing/2014/main" val="3225914729"/>
+                  </a:ext>
+                </a:extLst>
+              </a:tr>
+              <a:tr h="370840">
+                <a:tc>
+                  <a:txBody>
+                    <a:bodyPr/>
+                    <a:lstStyle/>
+                    <a:p>
+                      <a:r>
+                        <a:rPr lang="es-ES" i="1" dirty="0" err="1"/>
+                        <a:t>Age_group</a:t>
+                      </a:r>
+                      <a:endParaRPr lang="en-GB" i="1" dirty="0"/>
+                    </a:p>
+                  </a:txBody>
+                  <a:tcPr/>
+                </a:tc>
+                <a:tc>
+                  <a:txBody>
+                    <a:bodyPr/>
+                    <a:lstStyle/>
+                    <a:p>
+                      <a:r>
+                        <a:rPr lang="en-GB" dirty="0">
+                          <a:solidFill>
+                            <a:schemeClr val="tx1">
+                              <a:lumMod val="65000"/>
+                            </a:schemeClr>
+                          </a:solidFill>
+                        </a:rPr>
+                        <a:t>0.000004*</a:t>
+                      </a:r>
+                    </a:p>
+                  </a:txBody>
+                  <a:tcPr/>
+                </a:tc>
+                <a:tc>
+                  <a:txBody>
+                    <a:bodyPr/>
+                    <a:lstStyle/>
+                    <a:p>
+                      <a:r>
+                        <a:rPr lang="en-GB" dirty="0"/>
+                        <a:t>0.000007*</a:t>
+                      </a:r>
+                    </a:p>
+                  </a:txBody>
+                  <a:tcPr/>
+                </a:tc>
+                <a:extLst>
+                  <a:ext uri="{0D108BD9-81ED-4DB2-BD59-A6C34878D82A}">
+                    <a16:rowId xmlns:a16="http://schemas.microsoft.com/office/drawing/2014/main" val="2857183528"/>
+                  </a:ext>
+                </a:extLst>
+              </a:tr>
+              <a:tr h="0">
+                <a:tc>
+                  <a:txBody>
+                    <a:bodyPr/>
+                    <a:lstStyle/>
+                    <a:p>
+                      <a:r>
+                        <a:rPr lang="es-ES" i="1" dirty="0" err="1"/>
+                        <a:t>Ejection.Fraction</a:t>
+                      </a:r>
+                      <a:endParaRPr lang="en-GB" i="1" dirty="0"/>
+                    </a:p>
+                  </a:txBody>
+                  <a:tcPr/>
+                </a:tc>
+                <a:tc>
+                  <a:txBody>
+                    <a:bodyPr/>
+                    <a:lstStyle/>
+                    <a:p>
+                      <a:r>
+                        <a:rPr lang="en-GB" dirty="0">
+                          <a:solidFill>
+                            <a:schemeClr val="tx1">
+                              <a:lumMod val="65000"/>
+                            </a:schemeClr>
+                          </a:solidFill>
+                        </a:rPr>
+                        <a:t>0.0000006*</a:t>
+                      </a:r>
+                    </a:p>
+                  </a:txBody>
+                  <a:tcPr/>
+                </a:tc>
+                <a:tc>
+                  <a:txBody>
+                    <a:bodyPr/>
+                    <a:lstStyle/>
+                    <a:p>
+                      <a:pPr marL="0" marR="0" lvl="0" indent="0" algn="l" defTabSz="914400" rtl="0" eaLnBrk="1" fontAlgn="auto" latinLnBrk="0" hangingPunct="1">
+                        <a:lnSpc>
+                          <a:spcPct val="100000"/>
+                        </a:lnSpc>
+                        <a:spcBef>
+                          <a:spcPts val="0"/>
+                        </a:spcBef>
+                        <a:spcAft>
+                          <a:spcPts val="0"/>
+                        </a:spcAft>
+                        <a:buClrTx/>
+                        <a:buSzTx/>
+                        <a:buFontTx/>
+                        <a:buNone/>
+                        <a:tabLst/>
+                        <a:defRPr/>
+                      </a:pPr>
+                      <a:r>
+                        <a:rPr lang="en-GB" dirty="0"/>
+                        <a:t>0.000007*</a:t>
+                      </a:r>
+                    </a:p>
+                  </a:txBody>
+                  <a:tcPr/>
+                </a:tc>
+                <a:extLst>
+                  <a:ext uri="{0D108BD9-81ED-4DB2-BD59-A6C34878D82A}">
+                    <a16:rowId xmlns:a16="http://schemas.microsoft.com/office/drawing/2014/main" val="2682710705"/>
+                  </a:ext>
+                </a:extLst>
+              </a:tr>
+              <a:tr h="273050">
+                <a:tc>
+                  <a:txBody>
+                    <a:bodyPr/>
+                    <a:lstStyle/>
+                    <a:p>
+                      <a:r>
+                        <a:rPr lang="es-ES" i="1" dirty="0" err="1"/>
+                        <a:t>Sodium_group</a:t>
+                      </a:r>
+                      <a:endParaRPr lang="en-GB" i="1" dirty="0"/>
+                    </a:p>
+                  </a:txBody>
+                  <a:tcPr/>
+                </a:tc>
+                <a:tc>
+                  <a:txBody>
+                    <a:bodyPr/>
+                    <a:lstStyle/>
+                    <a:p>
+                      <a:r>
+                        <a:rPr lang="es-ES" dirty="0">
+                          <a:solidFill>
+                            <a:schemeClr val="tx1">
+                              <a:lumMod val="65000"/>
+                            </a:schemeClr>
+                          </a:solidFill>
+                        </a:rPr>
+                        <a:t>0.001*</a:t>
+                      </a:r>
+                      <a:endParaRPr lang="en-GB" dirty="0">
+                        <a:solidFill>
+                          <a:schemeClr val="tx1">
+                            <a:lumMod val="65000"/>
+                          </a:schemeClr>
+                        </a:solidFill>
+                      </a:endParaRPr>
+                    </a:p>
+                  </a:txBody>
+                  <a:tcPr/>
+                </a:tc>
+                <a:tc>
+                  <a:txBody>
+                    <a:bodyPr/>
+                    <a:lstStyle/>
+                    <a:p>
+                      <a:r>
+                        <a:rPr lang="es-ES" dirty="0"/>
+                        <a:t>0.002*</a:t>
+                      </a:r>
+                      <a:endParaRPr lang="en-GB" dirty="0"/>
+                    </a:p>
+                  </a:txBody>
+                  <a:tcPr/>
+                </a:tc>
+                <a:extLst>
+                  <a:ext uri="{0D108BD9-81ED-4DB2-BD59-A6C34878D82A}">
+                    <a16:rowId xmlns:a16="http://schemas.microsoft.com/office/drawing/2014/main" val="741059790"/>
+                  </a:ext>
+                </a:extLst>
+              </a:tr>
+              <a:tr h="180340">
+                <a:tc>
+                  <a:txBody>
+                    <a:bodyPr/>
+                    <a:lstStyle/>
+                    <a:p>
+                      <a:r>
+                        <a:rPr lang="es-ES" i="1" dirty="0" err="1"/>
+                        <a:t>Creatinine_group</a:t>
+                      </a:r>
+                      <a:endParaRPr lang="en-GB" i="1" dirty="0"/>
+                    </a:p>
+                  </a:txBody>
+                  <a:tcPr/>
+                </a:tc>
+                <a:tc>
+                  <a:txBody>
+                    <a:bodyPr/>
+                    <a:lstStyle/>
+                    <a:p>
+                      <a:r>
+                        <a:rPr lang="en-GB" dirty="0"/>
+                        <a:t>0.000000001*</a:t>
+                      </a:r>
+                    </a:p>
+                  </a:txBody>
+                  <a:tcPr/>
+                </a:tc>
+                <a:tc>
+                  <a:txBody>
+                    <a:bodyPr/>
+                    <a:lstStyle/>
+                    <a:p>
+                      <a:r>
+                        <a:rPr lang="en-GB" dirty="0"/>
+                        <a:t>0.000000008*</a:t>
+                      </a:r>
+                    </a:p>
+                  </a:txBody>
+                  <a:tcPr/>
+                </a:tc>
+                <a:extLst>
+                  <a:ext uri="{0D108BD9-81ED-4DB2-BD59-A6C34878D82A}">
+                    <a16:rowId xmlns:a16="http://schemas.microsoft.com/office/drawing/2014/main" val="2461947988"/>
+                  </a:ext>
+                </a:extLst>
+              </a:tr>
+              <a:tr h="182880">
+                <a:tc>
+                  <a:txBody>
+                    <a:bodyPr/>
+                    <a:lstStyle/>
+                    <a:p>
+                      <a:r>
+                        <a:rPr lang="es-ES" i="1" dirty="0" err="1"/>
+                        <a:t>Pletelets_group</a:t>
+                      </a:r>
+                      <a:endParaRPr lang="en-GB" i="1" dirty="0"/>
+                    </a:p>
+                  </a:txBody>
+                  <a:tcPr/>
+                </a:tc>
+                <a:tc>
+                  <a:txBody>
+                    <a:bodyPr/>
+                    <a:lstStyle/>
+                    <a:p>
+                      <a:r>
+                        <a:rPr lang="es-ES" dirty="0">
+                          <a:solidFill>
+                            <a:schemeClr val="tx1">
+                              <a:lumMod val="65000"/>
+                            </a:schemeClr>
+                          </a:solidFill>
+                        </a:rPr>
+                        <a:t>0.3</a:t>
+                      </a:r>
+                      <a:endParaRPr lang="en-GB" dirty="0">
+                        <a:solidFill>
+                          <a:schemeClr val="tx1">
+                            <a:lumMod val="65000"/>
+                          </a:schemeClr>
+                        </a:solidFill>
+                      </a:endParaRPr>
+                    </a:p>
+                  </a:txBody>
+                  <a:tcPr/>
+                </a:tc>
+                <a:tc>
+                  <a:txBody>
+                    <a:bodyPr/>
+                    <a:lstStyle/>
+                    <a:p>
+                      <a:r>
+                        <a:rPr lang="es-ES" dirty="0"/>
+                        <a:t>0.2</a:t>
+                      </a:r>
+                      <a:endParaRPr lang="en-GB" dirty="0"/>
+                    </a:p>
+                  </a:txBody>
+                  <a:tcPr/>
+                </a:tc>
+                <a:extLst>
+                  <a:ext uri="{0D108BD9-81ED-4DB2-BD59-A6C34878D82A}">
+                    <a16:rowId xmlns:a16="http://schemas.microsoft.com/office/drawing/2014/main" val="2075297352"/>
+                  </a:ext>
+                </a:extLst>
+              </a:tr>
+              <a:tr h="182880">
+                <a:tc>
+                  <a:txBody>
+                    <a:bodyPr/>
+                    <a:lstStyle/>
+                    <a:p>
+                      <a:r>
+                        <a:rPr lang="es-ES" i="1" dirty="0" err="1"/>
+                        <a:t>CPK_group</a:t>
+                      </a:r>
+                      <a:endParaRPr lang="en-GB" i="1" dirty="0"/>
+                    </a:p>
+                  </a:txBody>
+                  <a:tcPr/>
+                </a:tc>
+                <a:tc>
+                  <a:txBody>
+                    <a:bodyPr/>
+                    <a:lstStyle/>
+                    <a:p>
+                      <a:r>
+                        <a:rPr lang="es-ES" dirty="0">
+                          <a:solidFill>
+                            <a:schemeClr val="tx1">
+                              <a:lumMod val="65000"/>
+                            </a:schemeClr>
+                          </a:solidFill>
+                        </a:rPr>
+                        <a:t>0.3</a:t>
+                      </a:r>
+                      <a:endParaRPr lang="en-GB" dirty="0">
+                        <a:solidFill>
+                          <a:schemeClr val="tx1">
+                            <a:lumMod val="65000"/>
+                          </a:schemeClr>
+                        </a:solidFill>
+                      </a:endParaRPr>
+                    </a:p>
+                  </a:txBody>
+                  <a:tcPr/>
+                </a:tc>
+                <a:tc>
+                  <a:txBody>
+                    <a:bodyPr/>
+                    <a:lstStyle/>
+                    <a:p>
+                      <a:r>
+                        <a:rPr lang="es-ES" dirty="0"/>
+                        <a:t>0.3</a:t>
+                      </a:r>
+                      <a:endParaRPr lang="en-GB" dirty="0"/>
+                    </a:p>
+                  </a:txBody>
+                  <a:tcPr/>
+                </a:tc>
+                <a:extLst>
+                  <a:ext uri="{0D108BD9-81ED-4DB2-BD59-A6C34878D82A}">
+                    <a16:rowId xmlns:a16="http://schemas.microsoft.com/office/drawing/2014/main" val="1241581971"/>
+                  </a:ext>
+                </a:extLst>
+              </a:tr>
+            </a:tbl>
+          </a:graphicData>
+        </a:graphic>
+      </p:graphicFrame>
     </p:spTree>
     <p:extLst>
       <p:ext uri="{BB962C8B-B14F-4D97-AF65-F5344CB8AC3E}">
-        <p14:creationId xmlns:p14="http://schemas.microsoft.com/office/powerpoint/2010/main" val="2082576824"/>
+        <p14:creationId xmlns:p14="http://schemas.microsoft.com/office/powerpoint/2010/main" val="404323534"/>
       </p:ext>
     </p:extLst>
   </p:cSld>
@@ -8041,7 +10948,7 @@
           <p:cNvPr id="2" name="Title 1">
             <a:extLst>
               <a:ext uri="{FF2B5EF4-FFF2-40B4-BE49-F238E27FC236}">
-                <a16:creationId xmlns:a16="http://schemas.microsoft.com/office/drawing/2014/main" id="{497E08B4-1A21-5C4A-FF59-0254370A8800}"/>
+                <a16:creationId xmlns:a16="http://schemas.microsoft.com/office/drawing/2014/main" id="{9CEF219F-A752-AF3A-FEDC-8EB897838D43}"/>
               </a:ext>
             </a:extLst>
           </p:cNvPr>
@@ -8067,15 +10974,7 @@
             </a:r>
             <a:r>
               <a:rPr lang="es-ES" dirty="0" err="1"/>
-              <a:t>Multivariate</a:t>
-            </a:r>
-            <a:r>
-              <a:rPr lang="es-ES" dirty="0"/>
-              <a:t> Cox </a:t>
-            </a:r>
-            <a:r>
-              <a:rPr lang="es-ES" dirty="0" err="1"/>
-              <a:t>regression</a:t>
+              <a:t>Univariate</a:t>
             </a:r>
             <a:r>
               <a:rPr lang="es-ES" dirty="0"/>
@@ -8083,34 +10982,7 @@
             </a:r>
             <a:r>
               <a:rPr lang="es-ES" dirty="0" err="1"/>
-              <a:t>model</a:t>
-            </a:r>
-            <a:br>
-              <a:rPr lang="es-ES" dirty="0"/>
-            </a:br>
-            <a:r>
-              <a:rPr lang="es-ES" dirty="0"/>
-              <a:t>B. </a:t>
-            </a:r>
-            <a:r>
-              <a:rPr lang="es-ES" dirty="0" err="1"/>
-              <a:t>With</a:t>
-            </a:r>
-            <a:r>
-              <a:rPr lang="es-ES" dirty="0"/>
-              <a:t> time </a:t>
-            </a:r>
-            <a:r>
-              <a:rPr lang="es-ES" dirty="0" err="1"/>
-              <a:t>varying</a:t>
-            </a:r>
-            <a:r>
-              <a:rPr lang="es-ES" dirty="0"/>
-              <a:t> </a:t>
-            </a:r>
-            <a:r>
-              <a:rPr lang="es-ES" dirty="0" err="1"/>
-              <a:t>coefficients</a:t>
+              <a:t>analysis</a:t>
             </a:r>
             <a:endParaRPr lang="en-GB" dirty="0"/>
           </a:p>
@@ -8118,10 +10990,10 @@
       </p:sp>
       <p:sp>
         <p:nvSpPr>
-          <p:cNvPr id="3" name="Content Placeholder 2">
+          <p:cNvPr id="7" name="Content Placeholder 6">
             <a:extLst>
               <a:ext uri="{FF2B5EF4-FFF2-40B4-BE49-F238E27FC236}">
-                <a16:creationId xmlns:a16="http://schemas.microsoft.com/office/drawing/2014/main" id="{00097D50-5ACB-4FDD-50C2-902AABD801B5}"/>
+                <a16:creationId xmlns:a16="http://schemas.microsoft.com/office/drawing/2014/main" id="{38434C18-E629-8B9D-4E85-3B193564F614}"/>
               </a:ext>
             </a:extLst>
           </p:cNvPr>
@@ -8132,19 +11004,126 @@
             <p:ph idx="1"/>
           </p:nvPr>
         </p:nvSpPr>
-        <p:spPr/>
+        <p:spPr>
+          <a:xfrm>
+            <a:off x="2197729" y="1346670"/>
+            <a:ext cx="7796540" cy="895621"/>
+          </a:xfrm>
+        </p:spPr>
         <p:txBody>
           <a:bodyPr/>
           <a:lstStyle/>
           <a:p>
-            <a:endParaRPr lang="en-GB"/>
-          </a:p>
-        </p:txBody>
-      </p:sp>
+            <a:r>
+              <a:rPr lang="es-ES" b="1" dirty="0" err="1"/>
+              <a:t>Fitting</a:t>
+            </a:r>
+            <a:r>
+              <a:rPr lang="es-ES" b="1" dirty="0"/>
+              <a:t> KM vs. Cox</a:t>
+            </a:r>
+            <a:r>
+              <a:rPr lang="es-ES" dirty="0"/>
+              <a:t>:</a:t>
+            </a:r>
+            <a:endParaRPr lang="en-GB" dirty="0"/>
+          </a:p>
+        </p:txBody>
+      </p:sp>
+      <p:pic>
+        <p:nvPicPr>
+          <p:cNvPr id="12" name="Picture 11">
+            <a:extLst>
+              <a:ext uri="{FF2B5EF4-FFF2-40B4-BE49-F238E27FC236}">
+                <a16:creationId xmlns:a16="http://schemas.microsoft.com/office/drawing/2014/main" id="{532A058C-1296-F864-C043-833495F099C4}"/>
+              </a:ext>
+            </a:extLst>
+          </p:cNvPr>
+          <p:cNvPicPr>
+            <a:picLocks noChangeAspect="1"/>
+          </p:cNvPicPr>
+          <p:nvPr/>
+        </p:nvPicPr>
+        <p:blipFill>
+          <a:blip r:embed="rId3"/>
+          <a:stretch>
+            <a:fillRect/>
+          </a:stretch>
+        </p:blipFill>
+        <p:spPr>
+          <a:xfrm>
+            <a:off x="7966027" y="2242291"/>
+            <a:ext cx="3291694" cy="3291694"/>
+          </a:xfrm>
+          <a:prstGeom prst="rect">
+            <a:avLst/>
+          </a:prstGeom>
+        </p:spPr>
+      </p:pic>
+      <p:pic>
+        <p:nvPicPr>
+          <p:cNvPr id="14" name="Picture 13">
+            <a:extLst>
+              <a:ext uri="{FF2B5EF4-FFF2-40B4-BE49-F238E27FC236}">
+                <a16:creationId xmlns:a16="http://schemas.microsoft.com/office/drawing/2014/main" id="{9F10B256-8BF6-112F-0323-051D9ACBEC37}"/>
+              </a:ext>
+            </a:extLst>
+          </p:cNvPr>
+          <p:cNvPicPr>
+            <a:picLocks noChangeAspect="1"/>
+          </p:cNvPicPr>
+          <p:nvPr/>
+        </p:nvPicPr>
+        <p:blipFill>
+          <a:blip r:embed="rId4"/>
+          <a:stretch>
+            <a:fillRect/>
+          </a:stretch>
+        </p:blipFill>
+        <p:spPr>
+          <a:xfrm>
+            <a:off x="1090196" y="2261359"/>
+            <a:ext cx="3272626" cy="3272626"/>
+          </a:xfrm>
+          <a:prstGeom prst="rect">
+            <a:avLst/>
+          </a:prstGeom>
+        </p:spPr>
+      </p:pic>
+      <p:pic>
+        <p:nvPicPr>
+          <p:cNvPr id="16" name="Picture 15">
+            <a:extLst>
+              <a:ext uri="{FF2B5EF4-FFF2-40B4-BE49-F238E27FC236}">
+                <a16:creationId xmlns:a16="http://schemas.microsoft.com/office/drawing/2014/main" id="{D6A81889-1B18-8808-6870-99E5DDBCAE2F}"/>
+              </a:ext>
+            </a:extLst>
+          </p:cNvPr>
+          <p:cNvPicPr>
+            <a:picLocks noChangeAspect="1"/>
+          </p:cNvPicPr>
+          <p:nvPr/>
+        </p:nvPicPr>
+        <p:blipFill>
+          <a:blip r:embed="rId5"/>
+          <a:stretch>
+            <a:fillRect/>
+          </a:stretch>
+        </p:blipFill>
+        <p:spPr>
+          <a:xfrm>
+            <a:off x="4528112" y="2242291"/>
+            <a:ext cx="3272625" cy="3272625"/>
+          </a:xfrm>
+          <a:prstGeom prst="rect">
+            <a:avLst/>
+          </a:prstGeom>
+        </p:spPr>
+      </p:pic>
     </p:spTree>
     <p:extLst>
       <p:ext uri="{BB962C8B-B14F-4D97-AF65-F5344CB8AC3E}">
-        <p14:creationId xmlns:p14="http://schemas.microsoft.com/office/powerpoint/2010/main" val="3708354059"/>
+        <p14:creationId xmlns:p14="http://schemas.microsoft.com/office/powerpoint/2010/main" val="3603686234"/>
       </p:ext>
     </p:extLst>
   </p:cSld>
@@ -8194,7 +11173,7 @@
           <a:p>
             <a:r>
               <a:rPr lang="es-ES" dirty="0" err="1"/>
-              <a:t>iii</a:t>
+              <a:t>ii</a:t>
             </a:r>
             <a:r>
               <a:rPr lang="es-ES" dirty="0"/>
@@ -8202,45 +11181,340 @@
             </a:r>
             <a:r>
               <a:rPr lang="es-ES" dirty="0" err="1"/>
-              <a:t>Linearity</a:t>
+              <a:t>Multivariate</a:t>
             </a:r>
             <a:r>
               <a:rPr lang="es-ES" dirty="0"/>
-              <a:t> test</a:t>
+              <a:t> Cox </a:t>
+            </a:r>
+            <a:r>
+              <a:rPr lang="es-ES" dirty="0" err="1"/>
+              <a:t>regression</a:t>
+            </a:r>
+            <a:r>
+              <a:rPr lang="es-ES" dirty="0"/>
+              <a:t> </a:t>
+            </a:r>
+            <a:r>
+              <a:rPr lang="es-ES" dirty="0" err="1"/>
+              <a:t>model</a:t>
+            </a:r>
+            <a:br>
+              <a:rPr lang="es-ES" dirty="0"/>
+            </a:br>
+            <a:r>
+              <a:rPr lang="es-ES" dirty="0"/>
+              <a:t>A. Base </a:t>
+            </a:r>
+            <a:r>
+              <a:rPr lang="es-ES" dirty="0" err="1"/>
+              <a:t>model</a:t>
             </a:r>
             <a:endParaRPr lang="en-GB" dirty="0"/>
           </a:p>
         </p:txBody>
       </p:sp>
-      <p:sp>
-        <p:nvSpPr>
-          <p:cNvPr id="3" name="Content Placeholder 2">
+      <p:pic>
+        <p:nvPicPr>
+          <p:cNvPr id="8" name="Picture 7">
             <a:extLst>
               <a:ext uri="{FF2B5EF4-FFF2-40B4-BE49-F238E27FC236}">
-                <a16:creationId xmlns:a16="http://schemas.microsoft.com/office/drawing/2014/main" id="{00097D50-5ACB-4FDD-50C2-902AABD801B5}"/>
+                <a16:creationId xmlns:a16="http://schemas.microsoft.com/office/drawing/2014/main" id="{A30CBB7A-1EB9-0A6D-51B4-3AC5B27C270F}"/>
               </a:ext>
             </a:extLst>
           </p:cNvPr>
-          <p:cNvSpPr>
-            <a:spLocks noGrp="1"/>
-          </p:cNvSpPr>
-          <p:nvPr>
-            <p:ph idx="1"/>
-          </p:nvPr>
-        </p:nvSpPr>
-        <p:spPr/>
-        <p:txBody>
-          <a:bodyPr/>
+          <p:cNvPicPr>
+            <a:picLocks noChangeAspect="1"/>
+          </p:cNvPicPr>
+          <p:nvPr/>
+        </p:nvPicPr>
+        <p:blipFill>
+          <a:blip r:embed="rId3"/>
+          <a:stretch>
+            <a:fillRect/>
+          </a:stretch>
+        </p:blipFill>
+        <p:spPr>
+          <a:xfrm>
+            <a:off x="1168921" y="1572135"/>
+            <a:ext cx="6059905" cy="479921"/>
+          </a:xfrm>
+          <a:prstGeom prst="rect">
+            <a:avLst/>
+          </a:prstGeom>
+        </p:spPr>
+      </p:pic>
+      <p:pic>
+        <p:nvPicPr>
+          <p:cNvPr id="10" name="Picture 9">
+            <a:extLst>
+              <a:ext uri="{FF2B5EF4-FFF2-40B4-BE49-F238E27FC236}">
+                <a16:creationId xmlns:a16="http://schemas.microsoft.com/office/drawing/2014/main" id="{93918629-06E7-5106-3F99-C27FCC165D06}"/>
+              </a:ext>
+            </a:extLst>
+          </p:cNvPr>
+          <p:cNvPicPr>
+            <a:picLocks noChangeAspect="1"/>
+          </p:cNvPicPr>
+          <p:nvPr/>
+        </p:nvPicPr>
+        <p:blipFill>
+          <a:blip r:embed="rId4"/>
+          <a:stretch>
+            <a:fillRect/>
+          </a:stretch>
+        </p:blipFill>
+        <p:spPr>
+          <a:xfrm>
+            <a:off x="1168921" y="2195813"/>
+            <a:ext cx="6059905" cy="3540981"/>
+          </a:xfrm>
+          <a:prstGeom prst="rect">
+            <a:avLst/>
+          </a:prstGeom>
+        </p:spPr>
+      </p:pic>
+      <p:pic>
+        <p:nvPicPr>
+          <p:cNvPr id="18" name="Picture 17">
+            <a:extLst>
+              <a:ext uri="{FF2B5EF4-FFF2-40B4-BE49-F238E27FC236}">
+                <a16:creationId xmlns:a16="http://schemas.microsoft.com/office/drawing/2014/main" id="{279F2486-289C-FE77-D752-22634B8DAECD}"/>
+              </a:ext>
+            </a:extLst>
+          </p:cNvPr>
+          <p:cNvPicPr>
+            <a:picLocks noChangeAspect="1"/>
+          </p:cNvPicPr>
+          <p:nvPr/>
+        </p:nvPicPr>
+        <p:blipFill>
+          <a:blip r:embed="rId5"/>
+          <a:stretch>
+            <a:fillRect/>
+          </a:stretch>
+        </p:blipFill>
+        <p:spPr>
+          <a:xfrm>
+            <a:off x="7342399" y="1892022"/>
+            <a:ext cx="3093988" cy="160034"/>
+          </a:xfrm>
+          <a:prstGeom prst="rect">
+            <a:avLst/>
+          </a:prstGeom>
+        </p:spPr>
+      </p:pic>
+      <p:pic>
+        <p:nvPicPr>
+          <p:cNvPr id="24" name="Picture 23">
+            <a:extLst>
+              <a:ext uri="{FF2B5EF4-FFF2-40B4-BE49-F238E27FC236}">
+                <a16:creationId xmlns:a16="http://schemas.microsoft.com/office/drawing/2014/main" id="{EADBC34E-9B58-7E6E-2D57-D76381B3C42B}"/>
+              </a:ext>
+            </a:extLst>
+          </p:cNvPr>
+          <p:cNvPicPr>
+            <a:picLocks noChangeAspect="1"/>
+          </p:cNvPicPr>
+          <p:nvPr/>
+        </p:nvPicPr>
+        <p:blipFill>
+          <a:blip r:embed="rId6"/>
+          <a:stretch>
+            <a:fillRect/>
+          </a:stretch>
+        </p:blipFill>
+        <p:spPr>
+          <a:xfrm>
+            <a:off x="7342399" y="2195812"/>
+            <a:ext cx="3907290" cy="3540982"/>
+          </a:xfrm>
+          <a:prstGeom prst="rect">
+            <a:avLst/>
+          </a:prstGeom>
+        </p:spPr>
+      </p:pic>
+      <p:sp>
+        <p:nvSpPr>
+          <p:cNvPr id="27" name="TextBox 26">
+            <a:extLst>
+              <a:ext uri="{FF2B5EF4-FFF2-40B4-BE49-F238E27FC236}">
+                <a16:creationId xmlns:a16="http://schemas.microsoft.com/office/drawing/2014/main" id="{453E651C-77D0-0470-10FA-8D90E1A97A08}"/>
+              </a:ext>
+            </a:extLst>
+          </p:cNvPr>
+          <p:cNvSpPr txBox="1"/>
+          <p:nvPr/>
+        </p:nvSpPr>
+        <p:spPr>
+          <a:xfrm>
+            <a:off x="1168921" y="5880550"/>
+            <a:ext cx="8517698" cy="923330"/>
+          </a:xfrm>
+          <a:prstGeom prst="rect">
+            <a:avLst/>
+          </a:prstGeom>
+          <a:noFill/>
+        </p:spPr>
+        <p:txBody>
+          <a:bodyPr wrap="square" rtlCol="0">
+            <a:spAutoFit/>
+          </a:bodyPr>
           <a:lstStyle/>
           <a:p>
-            <a:endParaRPr lang="en-GB"/>
+            <a:r>
+              <a:rPr lang="es-ES" dirty="0" err="1"/>
+              <a:t>Significant</a:t>
+            </a:r>
+            <a:r>
+              <a:rPr lang="es-ES" dirty="0"/>
+              <a:t> </a:t>
+            </a:r>
+            <a:r>
+              <a:rPr lang="es-ES" dirty="0" err="1"/>
+              <a:t>risk</a:t>
+            </a:r>
+            <a:r>
+              <a:rPr lang="es-ES" dirty="0"/>
+              <a:t> </a:t>
+            </a:r>
+            <a:r>
+              <a:rPr lang="es-ES" dirty="0" err="1"/>
+              <a:t>factors</a:t>
+            </a:r>
+            <a:r>
+              <a:rPr lang="es-ES" dirty="0"/>
+              <a:t>: </a:t>
+            </a:r>
+            <a:r>
+              <a:rPr lang="es-ES" i="1" dirty="0">
+                <a:solidFill>
+                  <a:srgbClr val="FFFF00"/>
+                </a:solidFill>
+              </a:rPr>
+              <a:t>Age</a:t>
+            </a:r>
+            <a:r>
+              <a:rPr lang="es-ES" dirty="0"/>
+              <a:t>, </a:t>
+            </a:r>
+            <a:r>
+              <a:rPr lang="es-ES" i="1" dirty="0" err="1">
+                <a:solidFill>
+                  <a:srgbClr val="FFFF00"/>
+                </a:solidFill>
+              </a:rPr>
+              <a:t>Creatinine</a:t>
+            </a:r>
+            <a:r>
+              <a:rPr lang="es-ES" dirty="0"/>
+              <a:t>, </a:t>
+            </a:r>
+            <a:r>
+              <a:rPr lang="es-ES" i="1" dirty="0">
+                <a:solidFill>
+                  <a:srgbClr val="FFFF00"/>
+                </a:solidFill>
+              </a:rPr>
+              <a:t>BP</a:t>
+            </a:r>
+            <a:r>
+              <a:rPr lang="es-ES" dirty="0"/>
+              <a:t>, </a:t>
+            </a:r>
+            <a:r>
+              <a:rPr lang="es-ES" i="1" dirty="0" err="1">
+                <a:solidFill>
+                  <a:srgbClr val="FFFF00"/>
+                </a:solidFill>
+              </a:rPr>
+              <a:t>Anaemia</a:t>
+            </a:r>
+            <a:endParaRPr lang="es-ES" i="1" dirty="0">
+              <a:solidFill>
+                <a:srgbClr val="FFFF00"/>
+              </a:solidFill>
+            </a:endParaRPr>
+          </a:p>
+          <a:p>
+            <a:r>
+              <a:rPr lang="es-ES" dirty="0" err="1"/>
+              <a:t>Significant</a:t>
+            </a:r>
+            <a:r>
+              <a:rPr lang="es-ES" dirty="0"/>
+              <a:t> </a:t>
+            </a:r>
+            <a:r>
+              <a:rPr lang="es-ES" dirty="0" err="1"/>
+              <a:t>protective</a:t>
+            </a:r>
+            <a:r>
+              <a:rPr lang="es-ES" dirty="0"/>
+              <a:t> </a:t>
+            </a:r>
+            <a:r>
+              <a:rPr lang="es-ES" dirty="0" err="1"/>
+              <a:t>factors</a:t>
+            </a:r>
+            <a:r>
+              <a:rPr lang="es-ES" dirty="0"/>
+              <a:t>: </a:t>
+            </a:r>
+            <a:r>
+              <a:rPr lang="es-ES" i="1" dirty="0" err="1">
+                <a:solidFill>
+                  <a:srgbClr val="FFFF00"/>
+                </a:solidFill>
+              </a:rPr>
+              <a:t>Ejection.Fraction</a:t>
+            </a:r>
+            <a:r>
+              <a:rPr lang="es-ES" dirty="0"/>
+              <a:t>,</a:t>
+            </a:r>
+          </a:p>
+          <a:p>
+            <a:r>
+              <a:rPr lang="es-ES" dirty="0" err="1"/>
+              <a:t>Borderline</a:t>
+            </a:r>
+            <a:r>
+              <a:rPr lang="es-ES" dirty="0"/>
+              <a:t> cases: </a:t>
+            </a:r>
+            <a:r>
+              <a:rPr lang="es-ES" i="1" dirty="0" err="1">
+                <a:solidFill>
+                  <a:srgbClr val="FFFF00"/>
+                </a:solidFill>
+              </a:rPr>
+              <a:t>Sodium</a:t>
+            </a:r>
+            <a:r>
+              <a:rPr lang="es-ES" dirty="0"/>
+              <a:t>, </a:t>
+            </a:r>
+            <a:r>
+              <a:rPr lang="es-ES" i="1" dirty="0">
+                <a:solidFill>
+                  <a:srgbClr val="FFFF00"/>
+                </a:solidFill>
+              </a:rPr>
+              <a:t>CPK</a:t>
+            </a:r>
+            <a:r>
+              <a:rPr lang="es-ES" dirty="0"/>
+              <a:t> </a:t>
+            </a:r>
+            <a:endParaRPr lang="en-GB" dirty="0"/>
           </a:p>
         </p:txBody>
       </p:sp>
     </p:spTree>
     <p:extLst>
       <p:ext uri="{BB962C8B-B14F-4D97-AF65-F5344CB8AC3E}">
-        <p14:creationId xmlns:p14="http://schemas.microsoft.com/office/powerpoint/2010/main" val="3148376159"/>
+        <p14:creationId xmlns:p14="http://schemas.microsoft.com/office/powerpoint/2010/main" val="2082576824"/>
       </p:ext>
     </p:extLst>
   </p:cSld>

--- a/presentation.pptx
+++ b/presentation.pptx
@@ -5,7 +5,7 @@
     <p:sldMasterId id="2147483672" r:id="rId1"/>
   </p:sldMasterIdLst>
   <p:notesMasterIdLst>
-    <p:notesMasterId r:id="rId17"/>
+    <p:notesMasterId r:id="rId22"/>
   </p:notesMasterIdLst>
   <p:sldIdLst>
     <p:sldId id="256" r:id="rId2"/>
@@ -19,10 +19,15 @@
     <p:sldId id="259" r:id="rId10"/>
     <p:sldId id="272" r:id="rId11"/>
     <p:sldId id="273" r:id="rId12"/>
-    <p:sldId id="260" r:id="rId13"/>
-    <p:sldId id="261" r:id="rId14"/>
-    <p:sldId id="262" r:id="rId15"/>
-    <p:sldId id="263" r:id="rId16"/>
+    <p:sldId id="274" r:id="rId13"/>
+    <p:sldId id="260" r:id="rId14"/>
+    <p:sldId id="276" r:id="rId15"/>
+    <p:sldId id="261" r:id="rId16"/>
+    <p:sldId id="277" r:id="rId17"/>
+    <p:sldId id="278" r:id="rId18"/>
+    <p:sldId id="280" r:id="rId19"/>
+    <p:sldId id="262" r:id="rId20"/>
+    <p:sldId id="263" r:id="rId21"/>
   </p:sldIdLst>
   <p:sldSz cx="12192000" cy="6858000"/>
   <p:notesSz cx="6858000" cy="9144000"/>
@@ -132,7 +137,7 @@
 <file path=ppt/revisionInfo.xml><?xml version="1.0" encoding="utf-8"?>
 <p1510:revInfo xmlns:a="http://schemas.openxmlformats.org/drawingml/2006/main" xmlns:r="http://schemas.openxmlformats.org/officeDocument/2006/relationships" xmlns:p1510="http://schemas.microsoft.com/office/powerpoint/2015/10/main">
   <p1510:revLst>
-    <p1510:client id="{497DC6A5-6E98-4823-B94B-BA98122E7321}" v="29" dt="2023-06-01T17:02:33.573"/>
+    <p1510:client id="{497DC6A5-6E98-4823-B94B-BA98122E7321}" v="35" dt="2023-06-02T17:27:36.944"/>
   </p1510:revLst>
 </p1510:revInfo>
 </file>
@@ -142,7 +147,7 @@
   <pc:docChgLst>
     <pc:chgData name="Maximilian Schlake" userId="d69807565a22ab48" providerId="LiveId" clId="{497DC6A5-6E98-4823-B94B-BA98122E7321}"/>
     <pc:docChg chg="undo redo custSel addSld delSld modSld sldOrd">
-      <pc:chgData name="Maximilian Schlake" userId="d69807565a22ab48" providerId="LiveId" clId="{497DC6A5-6E98-4823-B94B-BA98122E7321}" dt="2023-06-01T17:36:37.668" v="2011" actId="20577"/>
+      <pc:chgData name="Maximilian Schlake" userId="d69807565a22ab48" providerId="LiveId" clId="{497DC6A5-6E98-4823-B94B-BA98122E7321}" dt="2023-06-02T18:52:44.149" v="5860" actId="14100"/>
       <pc:docMkLst>
         <pc:docMk/>
       </pc:docMkLst>
@@ -170,13 +175,13 @@
         </pc:spChg>
       </pc:sldChg>
       <pc:sldChg chg="modSp mod">
-        <pc:chgData name="Maximilian Schlake" userId="d69807565a22ab48" providerId="LiveId" clId="{497DC6A5-6E98-4823-B94B-BA98122E7321}" dt="2023-06-01T17:36:37.668" v="2011" actId="20577"/>
+        <pc:chgData name="Maximilian Schlake" userId="d69807565a22ab48" providerId="LiveId" clId="{497DC6A5-6E98-4823-B94B-BA98122E7321}" dt="2023-06-02T14:45:39.482" v="2763" actId="6549"/>
         <pc:sldMkLst>
           <pc:docMk/>
           <pc:sldMk cId="4972780" sldId="257"/>
         </pc:sldMkLst>
         <pc:spChg chg="mod">
-          <ac:chgData name="Maximilian Schlake" userId="d69807565a22ab48" providerId="LiveId" clId="{497DC6A5-6E98-4823-B94B-BA98122E7321}" dt="2023-06-01T17:36:37.668" v="2011" actId="20577"/>
+          <ac:chgData name="Maximilian Schlake" userId="d69807565a22ab48" providerId="LiveId" clId="{497DC6A5-6E98-4823-B94B-BA98122E7321}" dt="2023-06-02T14:45:39.482" v="2763" actId="6549"/>
           <ac:spMkLst>
             <pc:docMk/>
             <pc:sldMk cId="4972780" sldId="257"/>
@@ -215,12 +220,20 @@
           </ac:graphicFrameMkLst>
         </pc:graphicFrameChg>
       </pc:sldChg>
-      <pc:sldChg chg="addSp delSp modSp mod">
-        <pc:chgData name="Maximilian Schlake" userId="d69807565a22ab48" providerId="LiveId" clId="{497DC6A5-6E98-4823-B94B-BA98122E7321}" dt="2023-06-01T16:35:05.707" v="1334" actId="20577"/>
+      <pc:sldChg chg="addSp delSp modSp mod modNotesTx">
+        <pc:chgData name="Maximilian Schlake" userId="d69807565a22ab48" providerId="LiveId" clId="{497DC6A5-6E98-4823-B94B-BA98122E7321}" dt="2023-06-02T16:54:14.887" v="3732" actId="20577"/>
         <pc:sldMkLst>
           <pc:docMk/>
           <pc:sldMk cId="2082576824" sldId="259"/>
         </pc:sldMkLst>
+        <pc:spChg chg="mod">
+          <ac:chgData name="Maximilian Schlake" userId="d69807565a22ab48" providerId="LiveId" clId="{497DC6A5-6E98-4823-B94B-BA98122E7321}" dt="2023-06-02T16:54:14.887" v="3732" actId="20577"/>
+          <ac:spMkLst>
+            <pc:docMk/>
+            <pc:sldMk cId="2082576824" sldId="259"/>
+            <ac:spMk id="2" creationId="{497E08B4-1A21-5C4A-FF59-0254370A8800}"/>
+          </ac:spMkLst>
+        </pc:spChg>
         <pc:spChg chg="del">
           <ac:chgData name="Maximilian Schlake" userId="d69807565a22ab48" providerId="LiveId" clId="{497DC6A5-6E98-4823-B94B-BA98122E7321}" dt="2023-06-01T09:44:41.337" v="2" actId="22"/>
           <ac:spMkLst>
@@ -254,7 +267,7 @@
           </ac:spMkLst>
         </pc:spChg>
         <pc:spChg chg="add mod">
-          <ac:chgData name="Maximilian Schlake" userId="d69807565a22ab48" providerId="LiveId" clId="{497DC6A5-6E98-4823-B94B-BA98122E7321}" dt="2023-06-01T16:35:05.707" v="1334" actId="20577"/>
+          <ac:chgData name="Maximilian Schlake" userId="d69807565a22ab48" providerId="LiveId" clId="{497DC6A5-6E98-4823-B94B-BA98122E7321}" dt="2023-06-02T16:04:27.969" v="3614" actId="114"/>
           <ac:spMkLst>
             <pc:docMk/>
             <pc:sldMk cId="2082576824" sldId="259"/>
@@ -366,17 +379,143 @@
           </ac:picMkLst>
         </pc:picChg>
       </pc:sldChg>
-      <pc:sldChg chg="modSp mod">
-        <pc:chgData name="Maximilian Schlake" userId="d69807565a22ab48" providerId="LiveId" clId="{497DC6A5-6E98-4823-B94B-BA98122E7321}" dt="2023-06-01T17:36:03.824" v="1990" actId="20577"/>
+      <pc:sldChg chg="addSp delSp modSp mod modNotesTx">
+        <pc:chgData name="Maximilian Schlake" userId="d69807565a22ab48" providerId="LiveId" clId="{497DC6A5-6E98-4823-B94B-BA98122E7321}" dt="2023-06-02T16:54:27.196" v="3736" actId="20577"/>
         <pc:sldMkLst>
           <pc:docMk/>
           <pc:sldMk cId="3708354059" sldId="260"/>
         </pc:sldMkLst>
         <pc:spChg chg="mod">
-          <ac:chgData name="Maximilian Schlake" userId="d69807565a22ab48" providerId="LiveId" clId="{497DC6A5-6E98-4823-B94B-BA98122E7321}" dt="2023-06-01T17:36:03.824" v="1990" actId="20577"/>
+          <ac:chgData name="Maximilian Schlake" userId="d69807565a22ab48" providerId="LiveId" clId="{497DC6A5-6E98-4823-B94B-BA98122E7321}" dt="2023-06-02T16:54:27.196" v="3736" actId="20577"/>
           <ac:spMkLst>
             <pc:docMk/>
             <pc:sldMk cId="3708354059" sldId="260"/>
+            <ac:spMk id="2" creationId="{497E08B4-1A21-5C4A-FF59-0254370A8800}"/>
+          </ac:spMkLst>
+        </pc:spChg>
+        <pc:spChg chg="del">
+          <ac:chgData name="Maximilian Schlake" userId="d69807565a22ab48" providerId="LiveId" clId="{497DC6A5-6E98-4823-B94B-BA98122E7321}" dt="2023-06-02T14:53:01.782" v="2846" actId="478"/>
+          <ac:spMkLst>
+            <pc:docMk/>
+            <pc:sldMk cId="3708354059" sldId="260"/>
+            <ac:spMk id="3" creationId="{00097D50-5ACB-4FDD-50C2-902AABD801B5}"/>
+          </ac:spMkLst>
+        </pc:spChg>
+        <pc:spChg chg="add del mod">
+          <ac:chgData name="Maximilian Schlake" userId="d69807565a22ab48" providerId="LiveId" clId="{497DC6A5-6E98-4823-B94B-BA98122E7321}" dt="2023-06-02T14:55:16.555" v="2855"/>
+          <ac:spMkLst>
+            <pc:docMk/>
+            <pc:sldMk cId="3708354059" sldId="260"/>
+            <ac:spMk id="8" creationId="{FBB8D046-5062-AA98-6D96-CD174779232B}"/>
+          </ac:spMkLst>
+        </pc:spChg>
+        <pc:spChg chg="add mod">
+          <ac:chgData name="Maximilian Schlake" userId="d69807565a22ab48" providerId="LiveId" clId="{497DC6A5-6E98-4823-B94B-BA98122E7321}" dt="2023-06-02T16:07:15.321" v="3622" actId="20577"/>
+          <ac:spMkLst>
+            <pc:docMk/>
+            <pc:sldMk cId="3708354059" sldId="260"/>
+            <ac:spMk id="9" creationId="{C20DADFE-7887-4409-A3B2-77E87B80935D}"/>
+          </ac:spMkLst>
+        </pc:spChg>
+        <pc:picChg chg="add mod">
+          <ac:chgData name="Maximilian Schlake" userId="d69807565a22ab48" providerId="LiveId" clId="{497DC6A5-6E98-4823-B94B-BA98122E7321}" dt="2023-06-02T15:43:05.479" v="3199" actId="1076"/>
+          <ac:picMkLst>
+            <pc:docMk/>
+            <pc:sldMk cId="3708354059" sldId="260"/>
+            <ac:picMk id="5" creationId="{5F46927E-9F01-0402-C43F-41DDC0560BFC}"/>
+          </ac:picMkLst>
+        </pc:picChg>
+        <pc:picChg chg="add mod">
+          <ac:chgData name="Maximilian Schlake" userId="d69807565a22ab48" providerId="LiveId" clId="{497DC6A5-6E98-4823-B94B-BA98122E7321}" dt="2023-06-02T15:43:13.486" v="3201" actId="1076"/>
+          <ac:picMkLst>
+            <pc:docMk/>
+            <pc:sldMk cId="3708354059" sldId="260"/>
+            <ac:picMk id="7" creationId="{35FABCC9-DA63-B7AB-53EA-659105E4D3FB}"/>
+          </ac:picMkLst>
+        </pc:picChg>
+      </pc:sldChg>
+      <pc:sldChg chg="addSp delSp modSp mod modNotesTx">
+        <pc:chgData name="Maximilian Schlake" userId="d69807565a22ab48" providerId="LiveId" clId="{497DC6A5-6E98-4823-B94B-BA98122E7321}" dt="2023-06-02T18:34:47.531" v="5856" actId="20577"/>
+        <pc:sldMkLst>
+          <pc:docMk/>
+          <pc:sldMk cId="3148376159" sldId="261"/>
+        </pc:sldMkLst>
+        <pc:spChg chg="mod">
+          <ac:chgData name="Maximilian Schlake" userId="d69807565a22ab48" providerId="LiveId" clId="{497DC6A5-6E98-4823-B94B-BA98122E7321}" dt="2023-06-02T16:54:38.495" v="3738" actId="20577"/>
+          <ac:spMkLst>
+            <pc:docMk/>
+            <pc:sldMk cId="3148376159" sldId="261"/>
+            <ac:spMk id="2" creationId="{497E08B4-1A21-5C4A-FF59-0254370A8800}"/>
+          </ac:spMkLst>
+        </pc:spChg>
+        <pc:spChg chg="del">
+          <ac:chgData name="Maximilian Schlake" userId="d69807565a22ab48" providerId="LiveId" clId="{497DC6A5-6E98-4823-B94B-BA98122E7321}" dt="2023-06-02T16:32:34.710" v="3624" actId="478"/>
+          <ac:spMkLst>
+            <pc:docMk/>
+            <pc:sldMk cId="3148376159" sldId="261"/>
+            <ac:spMk id="3" creationId="{00097D50-5ACB-4FDD-50C2-902AABD801B5}"/>
+          </ac:spMkLst>
+        </pc:spChg>
+        <pc:spChg chg="add mod">
+          <ac:chgData name="Maximilian Schlake" userId="d69807565a22ab48" providerId="LiveId" clId="{497DC6A5-6E98-4823-B94B-BA98122E7321}" dt="2023-06-02T16:53:03.936" v="3731" actId="14100"/>
+          <ac:spMkLst>
+            <pc:docMk/>
+            <pc:sldMk cId="3148376159" sldId="261"/>
+            <ac:spMk id="10" creationId="{45FE6EE5-DD2F-2064-2E7F-59FE5212A61D}"/>
+          </ac:spMkLst>
+        </pc:spChg>
+        <pc:picChg chg="add del mod">
+          <ac:chgData name="Maximilian Schlake" userId="d69807565a22ab48" providerId="LiveId" clId="{497DC6A5-6E98-4823-B94B-BA98122E7321}" dt="2023-06-02T16:35:10.645" v="3630" actId="478"/>
+          <ac:picMkLst>
+            <pc:docMk/>
+            <pc:sldMk cId="3148376159" sldId="261"/>
+            <ac:picMk id="5" creationId="{7C24C308-9A25-8DBD-18A8-BDB710DAB54B}"/>
+          </ac:picMkLst>
+        </pc:picChg>
+        <pc:picChg chg="add mod">
+          <ac:chgData name="Maximilian Schlake" userId="d69807565a22ab48" providerId="LiveId" clId="{497DC6A5-6E98-4823-B94B-BA98122E7321}" dt="2023-06-02T16:40:55.358" v="3639" actId="1076"/>
+          <ac:picMkLst>
+            <pc:docMk/>
+            <pc:sldMk cId="3148376159" sldId="261"/>
+            <ac:picMk id="7" creationId="{5D533916-B888-9D0F-763E-A10EE1A98853}"/>
+          </ac:picMkLst>
+        </pc:picChg>
+        <pc:picChg chg="add del mod">
+          <ac:chgData name="Maximilian Schlake" userId="d69807565a22ab48" providerId="LiveId" clId="{497DC6A5-6E98-4823-B94B-BA98122E7321}" dt="2023-06-02T16:58:37.971" v="3824" actId="478"/>
+          <ac:picMkLst>
+            <pc:docMk/>
+            <pc:sldMk cId="3148376159" sldId="261"/>
+            <ac:picMk id="9" creationId="{4EB656DC-7F23-664F-AE57-4CDA276F1346}"/>
+          </ac:picMkLst>
+        </pc:picChg>
+        <pc:picChg chg="add del mod">
+          <ac:chgData name="Maximilian Schlake" userId="d69807565a22ab48" providerId="LiveId" clId="{497DC6A5-6E98-4823-B94B-BA98122E7321}" dt="2023-06-02T16:57:36.822" v="3810" actId="478"/>
+          <ac:picMkLst>
+            <pc:docMk/>
+            <pc:sldMk cId="3148376159" sldId="261"/>
+            <ac:picMk id="12" creationId="{2DA6CE1E-4D4D-9BCE-436A-4E5100F10ACF}"/>
+          </ac:picMkLst>
+        </pc:picChg>
+        <pc:picChg chg="add mod">
+          <ac:chgData name="Maximilian Schlake" userId="d69807565a22ab48" providerId="LiveId" clId="{497DC6A5-6E98-4823-B94B-BA98122E7321}" dt="2023-06-02T16:58:40.772" v="3833" actId="1036"/>
+          <ac:picMkLst>
+            <pc:docMk/>
+            <pc:sldMk cId="3148376159" sldId="261"/>
+            <ac:picMk id="14" creationId="{DA87EE1E-EF7E-0530-EC69-8B25DBC04EC4}"/>
+          </ac:picMkLst>
+        </pc:picChg>
+      </pc:sldChg>
+      <pc:sldChg chg="modSp mod">
+        <pc:chgData name="Maximilian Schlake" userId="d69807565a22ab48" providerId="LiveId" clId="{497DC6A5-6E98-4823-B94B-BA98122E7321}" dt="2023-06-02T16:54:41.602" v="3739" actId="20577"/>
+        <pc:sldMkLst>
+          <pc:docMk/>
+          <pc:sldMk cId="2789381983" sldId="262"/>
+        </pc:sldMkLst>
+        <pc:spChg chg="mod">
+          <ac:chgData name="Maximilian Schlake" userId="d69807565a22ab48" providerId="LiveId" clId="{497DC6A5-6E98-4823-B94B-BA98122E7321}" dt="2023-06-02T16:54:41.602" v="3739" actId="20577"/>
+          <ac:spMkLst>
+            <pc:docMk/>
+            <pc:sldMk cId="2789381983" sldId="262"/>
             <ac:spMk id="2" creationId="{497E08B4-1A21-5C4A-FF59-0254370A8800}"/>
           </ac:spMkLst>
         </pc:spChg>
@@ -538,8 +677,8 @@
           </ac:picMkLst>
         </pc:picChg>
       </pc:sldChg>
-      <pc:sldChg chg="addSp delSp modSp add mod">
-        <pc:chgData name="Maximilian Schlake" userId="d69807565a22ab48" providerId="LiveId" clId="{497DC6A5-6E98-4823-B94B-BA98122E7321}" dt="2023-06-01T17:19:34.063" v="1955" actId="113"/>
+      <pc:sldChg chg="addSp delSp modSp add mod modNotesTx">
+        <pc:chgData name="Maximilian Schlake" userId="d69807565a22ab48" providerId="LiveId" clId="{497DC6A5-6E98-4823-B94B-BA98122E7321}" dt="2023-06-02T18:33:21.723" v="5816" actId="20577"/>
         <pc:sldMkLst>
           <pc:docMk/>
           <pc:sldMk cId="852344474" sldId="267"/>
@@ -649,8 +788,8 @@
           </ac:picMkLst>
         </pc:picChg>
       </pc:sldChg>
-      <pc:sldChg chg="addSp delSp modSp add mod ord">
-        <pc:chgData name="Maximilian Schlake" userId="d69807565a22ab48" providerId="LiveId" clId="{497DC6A5-6E98-4823-B94B-BA98122E7321}" dt="2023-06-01T17:19:45.184" v="1957" actId="20577"/>
+      <pc:sldChg chg="addSp delSp modSp add mod ord modNotesTx">
+        <pc:chgData name="Maximilian Schlake" userId="d69807565a22ab48" providerId="LiveId" clId="{497DC6A5-6E98-4823-B94B-BA98122E7321}" dt="2023-06-02T18:22:10.826" v="5373" actId="20577"/>
         <pc:sldMkLst>
           <pc:docMk/>
           <pc:sldMk cId="3410715490" sldId="268"/>
@@ -720,8 +859,8 @@
           </ac:picMkLst>
         </pc:picChg>
       </pc:sldChg>
-      <pc:sldChg chg="addSp delSp modSp add mod">
-        <pc:chgData name="Maximilian Schlake" userId="d69807565a22ab48" providerId="LiveId" clId="{497DC6A5-6E98-4823-B94B-BA98122E7321}" dt="2023-06-01T17:19:20.061" v="1951" actId="113"/>
+      <pc:sldChg chg="addSp delSp modSp add mod modNotesTx">
+        <pc:chgData name="Maximilian Schlake" userId="d69807565a22ab48" providerId="LiveId" clId="{497DC6A5-6E98-4823-B94B-BA98122E7321}" dt="2023-06-02T18:33:36.544" v="5853" actId="20577"/>
         <pc:sldMkLst>
           <pc:docMk/>
           <pc:sldMk cId="404323534" sldId="269"/>
@@ -854,13 +993,21 @@
         </pc:picChg>
       </pc:sldChg>
       <pc:sldChg chg="addSp delSp modSp add mod">
-        <pc:chgData name="Maximilian Schlake" userId="d69807565a22ab48" providerId="LiveId" clId="{497DC6A5-6E98-4823-B94B-BA98122E7321}" dt="2023-06-01T17:33:12.919" v="1989" actId="20577"/>
+        <pc:chgData name="Maximilian Schlake" userId="d69807565a22ab48" providerId="LiveId" clId="{497DC6A5-6E98-4823-B94B-BA98122E7321}" dt="2023-06-02T16:54:20.500" v="3733" actId="20577"/>
         <pc:sldMkLst>
           <pc:docMk/>
           <pc:sldMk cId="3193646607" sldId="272"/>
         </pc:sldMkLst>
+        <pc:spChg chg="mod">
+          <ac:chgData name="Maximilian Schlake" userId="d69807565a22ab48" providerId="LiveId" clId="{497DC6A5-6E98-4823-B94B-BA98122E7321}" dt="2023-06-02T16:54:20.500" v="3733" actId="20577"/>
+          <ac:spMkLst>
+            <pc:docMk/>
+            <pc:sldMk cId="3193646607" sldId="272"/>
+            <ac:spMk id="2" creationId="{497E08B4-1A21-5C4A-FF59-0254370A8800}"/>
+          </ac:spMkLst>
+        </pc:spChg>
         <pc:spChg chg="add mod">
-          <ac:chgData name="Maximilian Schlake" userId="d69807565a22ab48" providerId="LiveId" clId="{497DC6A5-6E98-4823-B94B-BA98122E7321}" dt="2023-06-01T17:33:12.919" v="1989" actId="20577"/>
+          <ac:chgData name="Maximilian Schlake" userId="d69807565a22ab48" providerId="LiveId" clId="{497DC6A5-6E98-4823-B94B-BA98122E7321}" dt="2023-06-02T13:57:06.068" v="2274" actId="12"/>
           <ac:spMkLst>
             <pc:docMk/>
             <pc:sldMk cId="3193646607" sldId="272"/>
@@ -924,18 +1071,34 @@
           </ac:picMkLst>
         </pc:picChg>
       </pc:sldChg>
-      <pc:sldChg chg="addSp delSp modSp add mod">
-        <pc:chgData name="Maximilian Schlake" userId="d69807565a22ab48" providerId="LiveId" clId="{497DC6A5-6E98-4823-B94B-BA98122E7321}" dt="2023-06-01T17:23:03.466" v="1988" actId="20577"/>
+      <pc:sldChg chg="addSp delSp modSp add mod modNotesTx">
+        <pc:chgData name="Maximilian Schlake" userId="d69807565a22ab48" providerId="LiveId" clId="{497DC6A5-6E98-4823-B94B-BA98122E7321}" dt="2023-06-02T18:02:00.698" v="4518" actId="20577"/>
         <pc:sldMkLst>
           <pc:docMk/>
           <pc:sldMk cId="3831600297" sldId="273"/>
         </pc:sldMkLst>
         <pc:spChg chg="mod">
-          <ac:chgData name="Maximilian Schlake" userId="d69807565a22ab48" providerId="LiveId" clId="{497DC6A5-6E98-4823-B94B-BA98122E7321}" dt="2023-06-01T16:50:46.378" v="1475" actId="20577"/>
+          <ac:chgData name="Maximilian Schlake" userId="d69807565a22ab48" providerId="LiveId" clId="{497DC6A5-6E98-4823-B94B-BA98122E7321}" dt="2023-06-02T16:54:23.059" v="3734" actId="20577"/>
           <ac:spMkLst>
             <pc:docMk/>
             <pc:sldMk cId="3831600297" sldId="273"/>
             <ac:spMk id="2" creationId="{497E08B4-1A21-5C4A-FF59-0254370A8800}"/>
+          </ac:spMkLst>
+        </pc:spChg>
+        <pc:spChg chg="add mod">
+          <ac:chgData name="Maximilian Schlake" userId="d69807565a22ab48" providerId="LiveId" clId="{497DC6A5-6E98-4823-B94B-BA98122E7321}" dt="2023-06-02T16:06:38.217" v="3620" actId="20577"/>
+          <ac:spMkLst>
+            <pc:docMk/>
+            <pc:sldMk cId="3831600297" sldId="273"/>
+            <ac:spMk id="6" creationId="{192A0FC1-E8E6-C222-BD9E-9955F11B1C20}"/>
+          </ac:spMkLst>
+        </pc:spChg>
+        <pc:spChg chg="add mod">
+          <ac:chgData name="Maximilian Schlake" userId="d69807565a22ab48" providerId="LiveId" clId="{497DC6A5-6E98-4823-B94B-BA98122E7321}" dt="2023-06-02T13:57:22.040" v="2276" actId="12"/>
+          <ac:spMkLst>
+            <pc:docMk/>
+            <pc:sldMk cId="3831600297" sldId="273"/>
+            <ac:spMk id="7" creationId="{935A9DA5-8FC6-99A9-427D-5CBA2A927494}"/>
           </ac:spMkLst>
         </pc:spChg>
         <pc:spChg chg="del">
@@ -947,15 +1110,15 @@
           </ac:spMkLst>
         </pc:spChg>
         <pc:spChg chg="add mod">
-          <ac:chgData name="Maximilian Schlake" userId="d69807565a22ab48" providerId="LiveId" clId="{497DC6A5-6E98-4823-B94B-BA98122E7321}" dt="2023-06-01T17:05:19.416" v="1808" actId="1076"/>
+          <ac:chgData name="Maximilian Schlake" userId="d69807565a22ab48" providerId="LiveId" clId="{497DC6A5-6E98-4823-B94B-BA98122E7321}" dt="2023-06-02T18:02:00.698" v="4518" actId="20577"/>
           <ac:spMkLst>
             <pc:docMk/>
             <pc:sldMk cId="3831600297" sldId="273"/>
             <ac:spMk id="12" creationId="{266858B4-C6E2-2B4A-F0DA-96BD82EB3B96}"/>
           </ac:spMkLst>
         </pc:spChg>
-        <pc:spChg chg="add mod">
-          <ac:chgData name="Maximilian Schlake" userId="d69807565a22ab48" providerId="LiveId" clId="{497DC6A5-6E98-4823-B94B-BA98122E7321}" dt="2023-06-01T17:23:03.466" v="1988" actId="20577"/>
+        <pc:spChg chg="add del mod">
+          <ac:chgData name="Maximilian Schlake" userId="d69807565a22ab48" providerId="LiveId" clId="{497DC6A5-6E98-4823-B94B-BA98122E7321}" dt="2023-06-02T13:40:27.001" v="2150" actId="478"/>
           <ac:spMkLst>
             <pc:docMk/>
             <pc:sldMk cId="3831600297" sldId="273"/>
@@ -971,7 +1134,15 @@
           </ac:picMkLst>
         </pc:picChg>
         <pc:picChg chg="add mod">
-          <ac:chgData name="Maximilian Schlake" userId="d69807565a22ab48" providerId="LiveId" clId="{497DC6A5-6E98-4823-B94B-BA98122E7321}" dt="2023-06-01T16:54:26.804" v="1480" actId="1076"/>
+          <ac:chgData name="Maximilian Schlake" userId="d69807565a22ab48" providerId="LiveId" clId="{497DC6A5-6E98-4823-B94B-BA98122E7321}" dt="2023-06-02T13:47:11.547" v="2194" actId="1076"/>
+          <ac:picMkLst>
+            <pc:docMk/>
+            <pc:sldMk cId="3831600297" sldId="273"/>
+            <ac:picMk id="4" creationId="{A7CD4A61-2BAB-1D45-4A46-ECEDB0F565E9}"/>
+          </ac:picMkLst>
+        </pc:picChg>
+        <pc:picChg chg="add mod">
+          <ac:chgData name="Maximilian Schlake" userId="d69807565a22ab48" providerId="LiveId" clId="{497DC6A5-6E98-4823-B94B-BA98122E7321}" dt="2023-06-02T13:47:08.508" v="2193" actId="1076"/>
           <ac:picMkLst>
             <pc:docMk/>
             <pc:sldMk cId="3831600297" sldId="273"/>
@@ -994,22 +1165,367 @@
             <ac:picMk id="9" creationId="{60B395CC-C894-8DC8-FC12-33A41BB3FDEB}"/>
           </ac:picMkLst>
         </pc:picChg>
-        <pc:picChg chg="add mod">
-          <ac:chgData name="Maximilian Schlake" userId="d69807565a22ab48" providerId="LiveId" clId="{497DC6A5-6E98-4823-B94B-BA98122E7321}" dt="2023-06-01T16:59:31.719" v="1583" actId="1035"/>
+        <pc:picChg chg="add del mod">
+          <ac:chgData name="Maximilian Schlake" userId="d69807565a22ab48" providerId="LiveId" clId="{497DC6A5-6E98-4823-B94B-BA98122E7321}" dt="2023-06-02T13:40:25.795" v="2149" actId="478"/>
           <ac:picMkLst>
             <pc:docMk/>
             <pc:sldMk cId="3831600297" sldId="273"/>
             <ac:picMk id="11" creationId="{BA72DC02-707B-335E-BFB2-752C5EEA1288}"/>
           </ac:picMkLst>
         </pc:picChg>
-        <pc:picChg chg="add mod">
-          <ac:chgData name="Maximilian Schlake" userId="d69807565a22ab48" providerId="LiveId" clId="{497DC6A5-6E98-4823-B94B-BA98122E7321}" dt="2023-06-01T17:15:17.271" v="1811" actId="1076"/>
+        <pc:picChg chg="add del mod">
+          <ac:chgData name="Maximilian Schlake" userId="d69807565a22ab48" providerId="LiveId" clId="{497DC6A5-6E98-4823-B94B-BA98122E7321}" dt="2023-06-02T13:40:27.498" v="2151" actId="478"/>
           <ac:picMkLst>
             <pc:docMk/>
             <pc:sldMk cId="3831600297" sldId="273"/>
             <ac:picMk id="15" creationId="{51CD6BD5-3F4C-DDA2-1657-3D56D7F22735}"/>
           </ac:picMkLst>
         </pc:picChg>
+      </pc:sldChg>
+      <pc:sldChg chg="addSp delSp modSp add mod modNotesTx">
+        <pc:chgData name="Maximilian Schlake" userId="d69807565a22ab48" providerId="LiveId" clId="{497DC6A5-6E98-4823-B94B-BA98122E7321}" dt="2023-06-02T16:54:25.001" v="3735" actId="20577"/>
+        <pc:sldMkLst>
+          <pc:docMk/>
+          <pc:sldMk cId="4065129981" sldId="274"/>
+        </pc:sldMkLst>
+        <pc:spChg chg="mod">
+          <ac:chgData name="Maximilian Schlake" userId="d69807565a22ab48" providerId="LiveId" clId="{497DC6A5-6E98-4823-B94B-BA98122E7321}" dt="2023-06-02T16:54:25.001" v="3735" actId="20577"/>
+          <ac:spMkLst>
+            <pc:docMk/>
+            <pc:sldMk cId="4065129981" sldId="274"/>
+            <ac:spMk id="2" creationId="{497E08B4-1A21-5C4A-FF59-0254370A8800}"/>
+          </ac:spMkLst>
+        </pc:spChg>
+        <pc:spChg chg="add del">
+          <ac:chgData name="Maximilian Schlake" userId="d69807565a22ab48" providerId="LiveId" clId="{497DC6A5-6E98-4823-B94B-BA98122E7321}" dt="2023-06-02T14:30:19.505" v="2433" actId="22"/>
+          <ac:spMkLst>
+            <pc:docMk/>
+            <pc:sldMk cId="4065129981" sldId="274"/>
+            <ac:spMk id="4" creationId="{F43F57A4-91B6-4E67-B1EA-508C6CF35495}"/>
+          </ac:spMkLst>
+        </pc:spChg>
+        <pc:spChg chg="del">
+          <ac:chgData name="Maximilian Schlake" userId="d69807565a22ab48" providerId="LiveId" clId="{497DC6A5-6E98-4823-B94B-BA98122E7321}" dt="2023-06-02T13:48:50.405" v="2205" actId="478"/>
+          <ac:spMkLst>
+            <pc:docMk/>
+            <pc:sldMk cId="4065129981" sldId="274"/>
+            <ac:spMk id="12" creationId="{266858B4-C6E2-2B4A-F0DA-96BD82EB3B96}"/>
+          </ac:spMkLst>
+        </pc:spChg>
+        <pc:spChg chg="mod">
+          <ac:chgData name="Maximilian Schlake" userId="d69807565a22ab48" providerId="LiveId" clId="{497DC6A5-6E98-4823-B94B-BA98122E7321}" dt="2023-06-02T14:38:41.173" v="2615" actId="1076"/>
+          <ac:spMkLst>
+            <pc:docMk/>
+            <pc:sldMk cId="4065129981" sldId="274"/>
+            <ac:spMk id="13" creationId="{54F54134-9C78-4D9C-A321-13C4B1DFD359}"/>
+          </ac:spMkLst>
+        </pc:spChg>
+        <pc:picChg chg="del">
+          <ac:chgData name="Maximilian Schlake" userId="d69807565a22ab48" providerId="LiveId" clId="{497DC6A5-6E98-4823-B94B-BA98122E7321}" dt="2023-06-02T13:48:48.938" v="2204" actId="478"/>
+          <ac:picMkLst>
+            <pc:docMk/>
+            <pc:sldMk cId="4065129981" sldId="274"/>
+            <ac:picMk id="5" creationId="{0A0B0805-49C9-35E5-0D01-D59E026167D1}"/>
+          </ac:picMkLst>
+        </pc:picChg>
+        <pc:picChg chg="add mod">
+          <ac:chgData name="Maximilian Schlake" userId="d69807565a22ab48" providerId="LiveId" clId="{497DC6A5-6E98-4823-B94B-BA98122E7321}" dt="2023-06-02T14:38:01.653" v="2583" actId="1076"/>
+          <ac:picMkLst>
+            <pc:docMk/>
+            <pc:sldMk cId="4065129981" sldId="274"/>
+            <ac:picMk id="7" creationId="{C65DE0E6-1AFE-5FBB-3555-E94B535EC217}"/>
+          </ac:picMkLst>
+        </pc:picChg>
+        <pc:picChg chg="add mod">
+          <ac:chgData name="Maximilian Schlake" userId="d69807565a22ab48" providerId="LiveId" clId="{497DC6A5-6E98-4823-B94B-BA98122E7321}" dt="2023-06-02T14:37:56.454" v="2582" actId="1076"/>
+          <ac:picMkLst>
+            <pc:docMk/>
+            <pc:sldMk cId="4065129981" sldId="274"/>
+            <ac:picMk id="9" creationId="{8C8F4F9F-75D4-73EC-B6CE-F21E30E551C4}"/>
+          </ac:picMkLst>
+        </pc:picChg>
+        <pc:picChg chg="mod">
+          <ac:chgData name="Maximilian Schlake" userId="d69807565a22ab48" providerId="LiveId" clId="{497DC6A5-6E98-4823-B94B-BA98122E7321}" dt="2023-06-02T14:38:35.557" v="2614" actId="1076"/>
+          <ac:picMkLst>
+            <pc:docMk/>
+            <pc:sldMk cId="4065129981" sldId="274"/>
+            <ac:picMk id="11" creationId="{BA72DC02-707B-335E-BFB2-752C5EEA1288}"/>
+          </ac:picMkLst>
+        </pc:picChg>
+        <pc:picChg chg="add mod">
+          <ac:chgData name="Maximilian Schlake" userId="d69807565a22ab48" providerId="LiveId" clId="{497DC6A5-6E98-4823-B94B-BA98122E7321}" dt="2023-06-02T14:37:33.709" v="2580" actId="1076"/>
+          <ac:picMkLst>
+            <pc:docMk/>
+            <pc:sldMk cId="4065129981" sldId="274"/>
+            <ac:picMk id="14" creationId="{136555D1-3944-694E-C3BB-B90F19A9D6C5}"/>
+          </ac:picMkLst>
+        </pc:picChg>
+        <pc:picChg chg="mod">
+          <ac:chgData name="Maximilian Schlake" userId="d69807565a22ab48" providerId="LiveId" clId="{497DC6A5-6E98-4823-B94B-BA98122E7321}" dt="2023-06-02T14:31:38.029" v="2452" actId="1035"/>
+          <ac:picMkLst>
+            <pc:docMk/>
+            <pc:sldMk cId="4065129981" sldId="274"/>
+            <ac:picMk id="15" creationId="{51CD6BD5-3F4C-DDA2-1657-3D56D7F22735}"/>
+          </ac:picMkLst>
+        </pc:picChg>
+        <pc:picChg chg="add mod">
+          <ac:chgData name="Maximilian Schlake" userId="d69807565a22ab48" providerId="LiveId" clId="{497DC6A5-6E98-4823-B94B-BA98122E7321}" dt="2023-06-02T14:37:33.709" v="2580" actId="1076"/>
+          <ac:picMkLst>
+            <pc:docMk/>
+            <pc:sldMk cId="4065129981" sldId="274"/>
+            <ac:picMk id="17" creationId="{B2CCF7CF-05CF-9BF0-C199-2985DD0B7B82}"/>
+          </ac:picMkLst>
+        </pc:picChg>
+      </pc:sldChg>
+      <pc:sldChg chg="add del">
+        <pc:chgData name="Maximilian Schlake" userId="d69807565a22ab48" providerId="LiveId" clId="{497DC6A5-6E98-4823-B94B-BA98122E7321}" dt="2023-06-02T15:45:21.294" v="3206" actId="2696"/>
+        <pc:sldMkLst>
+          <pc:docMk/>
+          <pc:sldMk cId="2871844566" sldId="275"/>
+        </pc:sldMkLst>
+      </pc:sldChg>
+      <pc:sldChg chg="addSp delSp modSp add mod ord">
+        <pc:chgData name="Maximilian Schlake" userId="d69807565a22ab48" providerId="LiveId" clId="{497DC6A5-6E98-4823-B94B-BA98122E7321}" dt="2023-06-02T16:54:29.237" v="3737" actId="20577"/>
+        <pc:sldMkLst>
+          <pc:docMk/>
+          <pc:sldMk cId="2132109088" sldId="276"/>
+        </pc:sldMkLst>
+        <pc:spChg chg="mod">
+          <ac:chgData name="Maximilian Schlake" userId="d69807565a22ab48" providerId="LiveId" clId="{497DC6A5-6E98-4823-B94B-BA98122E7321}" dt="2023-06-02T16:54:29.237" v="3737" actId="20577"/>
+          <ac:spMkLst>
+            <pc:docMk/>
+            <pc:sldMk cId="2132109088" sldId="276"/>
+            <ac:spMk id="2" creationId="{497E08B4-1A21-5C4A-FF59-0254370A8800}"/>
+          </ac:spMkLst>
+        </pc:spChg>
+        <pc:spChg chg="mod">
+          <ac:chgData name="Maximilian Schlake" userId="d69807565a22ab48" providerId="LiveId" clId="{497DC6A5-6E98-4823-B94B-BA98122E7321}" dt="2023-06-02T15:52:14.806" v="3495" actId="114"/>
+          <ac:spMkLst>
+            <pc:docMk/>
+            <pc:sldMk cId="2132109088" sldId="276"/>
+            <ac:spMk id="6" creationId="{192A0FC1-E8E6-C222-BD9E-9955F11B1C20}"/>
+          </ac:spMkLst>
+        </pc:spChg>
+        <pc:spChg chg="mod">
+          <ac:chgData name="Maximilian Schlake" userId="d69807565a22ab48" providerId="LiveId" clId="{497DC6A5-6E98-4823-B94B-BA98122E7321}" dt="2023-06-02T16:07:35.014" v="3623" actId="1076"/>
+          <ac:spMkLst>
+            <pc:docMk/>
+            <pc:sldMk cId="2132109088" sldId="276"/>
+            <ac:spMk id="7" creationId="{935A9DA5-8FC6-99A9-427D-5CBA2A927494}"/>
+          </ac:spMkLst>
+        </pc:spChg>
+        <pc:spChg chg="mod">
+          <ac:chgData name="Maximilian Schlake" userId="d69807565a22ab48" providerId="LiveId" clId="{497DC6A5-6E98-4823-B94B-BA98122E7321}" dt="2023-06-02T15:51:49.678" v="3491" actId="1076"/>
+          <ac:spMkLst>
+            <pc:docMk/>
+            <pc:sldMk cId="2132109088" sldId="276"/>
+            <ac:spMk id="12" creationId="{266858B4-C6E2-2B4A-F0DA-96BD82EB3B96}"/>
+          </ac:spMkLst>
+        </pc:spChg>
+        <pc:picChg chg="del">
+          <ac:chgData name="Maximilian Schlake" userId="d69807565a22ab48" providerId="LiveId" clId="{497DC6A5-6E98-4823-B94B-BA98122E7321}" dt="2023-06-02T15:49:43.070" v="3456" actId="478"/>
+          <ac:picMkLst>
+            <pc:docMk/>
+            <pc:sldMk cId="2132109088" sldId="276"/>
+            <ac:picMk id="4" creationId="{A7CD4A61-2BAB-1D45-4A46-ECEDB0F565E9}"/>
+          </ac:picMkLst>
+        </pc:picChg>
+        <pc:picChg chg="del">
+          <ac:chgData name="Maximilian Schlake" userId="d69807565a22ab48" providerId="LiveId" clId="{497DC6A5-6E98-4823-B94B-BA98122E7321}" dt="2023-06-02T15:48:55.682" v="3453" actId="478"/>
+          <ac:picMkLst>
+            <pc:docMk/>
+            <pc:sldMk cId="2132109088" sldId="276"/>
+            <ac:picMk id="5" creationId="{0A0B0805-49C9-35E5-0D01-D59E026167D1}"/>
+          </ac:picMkLst>
+        </pc:picChg>
+        <pc:picChg chg="add mod">
+          <ac:chgData name="Maximilian Schlake" userId="d69807565a22ab48" providerId="LiveId" clId="{497DC6A5-6E98-4823-B94B-BA98122E7321}" dt="2023-06-02T15:50:18.805" v="3465" actId="1076"/>
+          <ac:picMkLst>
+            <pc:docMk/>
+            <pc:sldMk cId="2132109088" sldId="276"/>
+            <ac:picMk id="8" creationId="{C103778A-92B5-CD29-49FC-5D4C01B4BC53}"/>
+          </ac:picMkLst>
+        </pc:picChg>
+        <pc:picChg chg="add mod">
+          <ac:chgData name="Maximilian Schlake" userId="d69807565a22ab48" providerId="LiveId" clId="{497DC6A5-6E98-4823-B94B-BA98122E7321}" dt="2023-06-02T15:50:18.805" v="3465" actId="1076"/>
+          <ac:picMkLst>
+            <pc:docMk/>
+            <pc:sldMk cId="2132109088" sldId="276"/>
+            <ac:picMk id="10" creationId="{F209787C-F88C-359E-BC5D-5AC9A2A8F14F}"/>
+          </ac:picMkLst>
+        </pc:picChg>
+      </pc:sldChg>
+      <pc:sldChg chg="addSp delSp modSp add mod modNotesTx">
+        <pc:chgData name="Maximilian Schlake" userId="d69807565a22ab48" providerId="LiveId" clId="{497DC6A5-6E98-4823-B94B-BA98122E7321}" dt="2023-06-02T17:01:11.636" v="4010" actId="20577"/>
+        <pc:sldMkLst>
+          <pc:docMk/>
+          <pc:sldMk cId="1583453349" sldId="277"/>
+        </pc:sldMkLst>
+        <pc:spChg chg="mod">
+          <ac:chgData name="Maximilian Schlake" userId="d69807565a22ab48" providerId="LiveId" clId="{497DC6A5-6E98-4823-B94B-BA98122E7321}" dt="2023-06-02T16:55:00.851" v="3748" actId="20577"/>
+          <ac:spMkLst>
+            <pc:docMk/>
+            <pc:sldMk cId="1583453349" sldId="277"/>
+            <ac:spMk id="10" creationId="{45FE6EE5-DD2F-2064-2E7F-59FE5212A61D}"/>
+          </ac:spMkLst>
+        </pc:spChg>
+        <pc:picChg chg="add mod">
+          <ac:chgData name="Maximilian Schlake" userId="d69807565a22ab48" providerId="LiveId" clId="{497DC6A5-6E98-4823-B94B-BA98122E7321}" dt="2023-06-02T16:56:06.186" v="3799" actId="1037"/>
+          <ac:picMkLst>
+            <pc:docMk/>
+            <pc:sldMk cId="1583453349" sldId="277"/>
+            <ac:picMk id="4" creationId="{AAB67CA9-DB24-E861-B98E-3BC71118DF1A}"/>
+          </ac:picMkLst>
+        </pc:picChg>
+        <pc:picChg chg="add del">
+          <ac:chgData name="Maximilian Schlake" userId="d69807565a22ab48" providerId="LiveId" clId="{497DC6A5-6E98-4823-B94B-BA98122E7321}" dt="2023-06-02T16:56:03.617" v="3793" actId="478"/>
+          <ac:picMkLst>
+            <pc:docMk/>
+            <pc:sldMk cId="1583453349" sldId="277"/>
+            <ac:picMk id="7" creationId="{5D533916-B888-9D0F-763E-A10EE1A98853}"/>
+          </ac:picMkLst>
+        </pc:picChg>
+      </pc:sldChg>
+      <pc:sldChg chg="addSp delSp modSp add mod ord modNotesTx">
+        <pc:chgData name="Maximilian Schlake" userId="d69807565a22ab48" providerId="LiveId" clId="{497DC6A5-6E98-4823-B94B-BA98122E7321}" dt="2023-06-02T18:52:44.149" v="5860" actId="14100"/>
+        <pc:sldMkLst>
+          <pc:docMk/>
+          <pc:sldMk cId="817226470" sldId="278"/>
+        </pc:sldMkLst>
+        <pc:spChg chg="add mod">
+          <ac:chgData name="Maximilian Schlake" userId="d69807565a22ab48" providerId="LiveId" clId="{497DC6A5-6E98-4823-B94B-BA98122E7321}" dt="2023-06-02T18:29:08.600" v="5725" actId="1076"/>
+          <ac:spMkLst>
+            <pc:docMk/>
+            <pc:sldMk cId="817226470" sldId="278"/>
+            <ac:spMk id="8" creationId="{C588648D-8376-02FA-BE47-8DB125CA8323}"/>
+          </ac:spMkLst>
+        </pc:spChg>
+        <pc:spChg chg="mod">
+          <ac:chgData name="Maximilian Schlake" userId="d69807565a22ab48" providerId="LiveId" clId="{497DC6A5-6E98-4823-B94B-BA98122E7321}" dt="2023-06-02T18:29:04.872" v="5724" actId="1076"/>
+          <ac:spMkLst>
+            <pc:docMk/>
+            <pc:sldMk cId="817226470" sldId="278"/>
+            <ac:spMk id="10" creationId="{45FE6EE5-DD2F-2064-2E7F-59FE5212A61D}"/>
+          </ac:spMkLst>
+        </pc:spChg>
+        <pc:spChg chg="add del">
+          <ac:chgData name="Maximilian Schlake" userId="d69807565a22ab48" providerId="LiveId" clId="{497DC6A5-6E98-4823-B94B-BA98122E7321}" dt="2023-06-02T18:09:14.978" v="4709" actId="22"/>
+          <ac:spMkLst>
+            <pc:docMk/>
+            <pc:sldMk cId="817226470" sldId="278"/>
+            <ac:spMk id="12" creationId="{1CEC7B3E-FF25-6C73-4091-A91FD87CEAD4}"/>
+          </ac:spMkLst>
+        </pc:spChg>
+        <pc:spChg chg="add del">
+          <ac:chgData name="Maximilian Schlake" userId="d69807565a22ab48" providerId="LiveId" clId="{497DC6A5-6E98-4823-B94B-BA98122E7321}" dt="2023-06-02T18:15:46.930" v="4871" actId="22"/>
+          <ac:spMkLst>
+            <pc:docMk/>
+            <pc:sldMk cId="817226470" sldId="278"/>
+            <ac:spMk id="16" creationId="{C734CA30-617F-5A8E-7E3A-EE377D92871B}"/>
+          </ac:spMkLst>
+        </pc:spChg>
+        <pc:spChg chg="add del">
+          <ac:chgData name="Maximilian Schlake" userId="d69807565a22ab48" providerId="LiveId" clId="{497DC6A5-6E98-4823-B94B-BA98122E7321}" dt="2023-06-02T18:15:46.158" v="4870" actId="22"/>
+          <ac:spMkLst>
+            <pc:docMk/>
+            <pc:sldMk cId="817226470" sldId="278"/>
+            <ac:spMk id="18" creationId="{8DF54428-7A10-A765-3909-B8BB210362A6}"/>
+          </ac:spMkLst>
+        </pc:spChg>
+        <pc:picChg chg="add mod">
+          <ac:chgData name="Maximilian Schlake" userId="d69807565a22ab48" providerId="LiveId" clId="{497DC6A5-6E98-4823-B94B-BA98122E7321}" dt="2023-06-02T18:52:44.149" v="5860" actId="14100"/>
+          <ac:picMkLst>
+            <pc:docMk/>
+            <pc:sldMk cId="817226470" sldId="278"/>
+            <ac:picMk id="4" creationId="{24FA3289-9FD5-C3AD-39AC-3EBDB166DB4C}"/>
+          </ac:picMkLst>
+        </pc:picChg>
+        <pc:picChg chg="del">
+          <ac:chgData name="Maximilian Schlake" userId="d69807565a22ab48" providerId="LiveId" clId="{497DC6A5-6E98-4823-B94B-BA98122E7321}" dt="2023-06-02T17:23:38.861" v="4163" actId="478"/>
+          <ac:picMkLst>
+            <pc:docMk/>
+            <pc:sldMk cId="817226470" sldId="278"/>
+            <ac:picMk id="4" creationId="{AAB67CA9-DB24-E861-B98E-3BC71118DF1A}"/>
+          </ac:picMkLst>
+        </pc:picChg>
+        <pc:picChg chg="add del mod">
+          <ac:chgData name="Maximilian Schlake" userId="d69807565a22ab48" providerId="LiveId" clId="{497DC6A5-6E98-4823-B94B-BA98122E7321}" dt="2023-06-02T18:03:05.022" v="4522" actId="478"/>
+          <ac:picMkLst>
+            <pc:docMk/>
+            <pc:sldMk cId="817226470" sldId="278"/>
+            <ac:picMk id="5" creationId="{623DA34B-3BB7-BD15-CA53-A212C78C8282}"/>
+          </ac:picMkLst>
+        </pc:picChg>
+        <pc:picChg chg="add del mod">
+          <ac:chgData name="Maximilian Schlake" userId="d69807565a22ab48" providerId="LiveId" clId="{497DC6A5-6E98-4823-B94B-BA98122E7321}" dt="2023-06-02T18:03:05.683" v="4523" actId="478"/>
+          <ac:picMkLst>
+            <pc:docMk/>
+            <pc:sldMk cId="817226470" sldId="278"/>
+            <ac:picMk id="7" creationId="{C49F3AB2-291D-33D7-9A93-1A7136A825A7}"/>
+          </ac:picMkLst>
+        </pc:picChg>
+        <pc:picChg chg="del">
+          <ac:chgData name="Maximilian Schlake" userId="d69807565a22ab48" providerId="LiveId" clId="{497DC6A5-6E98-4823-B94B-BA98122E7321}" dt="2023-06-02T17:23:38.182" v="4162" actId="478"/>
+          <ac:picMkLst>
+            <pc:docMk/>
+            <pc:sldMk cId="817226470" sldId="278"/>
+            <ac:picMk id="9" creationId="{4EB656DC-7F23-664F-AE57-4CDA276F1346}"/>
+          </ac:picMkLst>
+        </pc:picChg>
+        <pc:picChg chg="add del mod">
+          <ac:chgData name="Maximilian Schlake" userId="d69807565a22ab48" providerId="LiveId" clId="{497DC6A5-6E98-4823-B94B-BA98122E7321}" dt="2023-06-02T18:12:48.533" v="4867" actId="478"/>
+          <ac:picMkLst>
+            <pc:docMk/>
+            <pc:sldMk cId="817226470" sldId="278"/>
+            <ac:picMk id="14" creationId="{3C0AAD28-4CDC-0651-776C-3BE8E7D87405}"/>
+          </ac:picMkLst>
+        </pc:picChg>
+        <pc:picChg chg="add del mod">
+          <ac:chgData name="Maximilian Schlake" userId="d69807565a22ab48" providerId="LiveId" clId="{497DC6A5-6E98-4823-B94B-BA98122E7321}" dt="2023-06-02T18:47:56.656" v="5857" actId="478"/>
+          <ac:picMkLst>
+            <pc:docMk/>
+            <pc:sldMk cId="817226470" sldId="278"/>
+            <ac:picMk id="20" creationId="{62215697-BBE1-120D-F49D-0F658750EA9A}"/>
+          </ac:picMkLst>
+        </pc:picChg>
+      </pc:sldChg>
+      <pc:sldChg chg="delSp modSp add del mod">
+        <pc:chgData name="Maximilian Schlake" userId="d69807565a22ab48" providerId="LiveId" clId="{497DC6A5-6E98-4823-B94B-BA98122E7321}" dt="2023-06-02T18:02:58.266" v="4521" actId="47"/>
+        <pc:sldMkLst>
+          <pc:docMk/>
+          <pc:sldMk cId="86007742" sldId="279"/>
+        </pc:sldMkLst>
+        <pc:spChg chg="mod">
+          <ac:chgData name="Maximilian Schlake" userId="d69807565a22ab48" providerId="LiveId" clId="{497DC6A5-6E98-4823-B94B-BA98122E7321}" dt="2023-06-02T18:02:49.288" v="4519" actId="1076"/>
+          <ac:spMkLst>
+            <pc:docMk/>
+            <pc:sldMk cId="86007742" sldId="279"/>
+            <ac:spMk id="10" creationId="{45FE6EE5-DD2F-2064-2E7F-59FE5212A61D}"/>
+          </ac:spMkLst>
+        </pc:spChg>
+        <pc:picChg chg="del">
+          <ac:chgData name="Maximilian Schlake" userId="d69807565a22ab48" providerId="LiveId" clId="{497DC6A5-6E98-4823-B94B-BA98122E7321}" dt="2023-06-02T17:57:27.162" v="4511" actId="478"/>
+          <ac:picMkLst>
+            <pc:docMk/>
+            <pc:sldMk cId="86007742" sldId="279"/>
+            <ac:picMk id="4" creationId="{AAB67CA9-DB24-E861-B98E-3BC71118DF1A}"/>
+          </ac:picMkLst>
+        </pc:picChg>
+        <pc:picChg chg="del">
+          <ac:chgData name="Maximilian Schlake" userId="d69807565a22ab48" providerId="LiveId" clId="{497DC6A5-6E98-4823-B94B-BA98122E7321}" dt="2023-06-02T17:57:28.086" v="4512" actId="478"/>
+          <ac:picMkLst>
+            <pc:docMk/>
+            <pc:sldMk cId="86007742" sldId="279"/>
+            <ac:picMk id="9" creationId="{4EB656DC-7F23-664F-AE57-4CDA276F1346}"/>
+          </ac:picMkLst>
+        </pc:picChg>
+      </pc:sldChg>
+      <pc:sldChg chg="add">
+        <pc:chgData name="Maximilian Schlake" userId="d69807565a22ab48" providerId="LiveId" clId="{497DC6A5-6E98-4823-B94B-BA98122E7321}" dt="2023-06-02T18:02:56.425" v="4520" actId="2890"/>
+        <pc:sldMkLst>
+          <pc:docMk/>
+          <pc:sldMk cId="1663767226" sldId="280"/>
+        </pc:sldMkLst>
       </pc:sldChg>
     </pc:docChg>
   </pc:docChgLst>
@@ -1259,7 +1775,7 @@
           <a:p>
             <a:fld id="{0C8215FD-C011-40F7-B8C6-36FA60F83152}" type="datetimeFigureOut">
               <a:rPr lang="en-GB" smtClean="0"/>
-              <a:t>01/06/2023</a:t>
+              <a:t>02/06/2023</a:t>
             </a:fld>
             <a:endParaRPr lang="en-GB"/>
           </a:p>
@@ -1655,6 +2171,98 @@
           <a:bodyPr/>
           <a:lstStyle/>
           <a:p>
+            <a:pPr marL="0" marR="0" lvl="0" indent="0" algn="l" defTabSz="914400" rtl="0" eaLnBrk="1" fontAlgn="auto" latinLnBrk="0" hangingPunct="1">
+              <a:lnSpc>
+                <a:spcPct val="100000"/>
+              </a:lnSpc>
+              <a:spcBef>
+                <a:spcPts val="0"/>
+              </a:spcBef>
+              <a:spcAft>
+                <a:spcPts val="0"/>
+              </a:spcAft>
+              <a:buClrTx/>
+              <a:buSzTx/>
+              <a:buFontTx/>
+              <a:buNone/>
+              <a:tabLst/>
+              <a:defRPr/>
+            </a:pPr>
+            <a:r>
+              <a:rPr lang="es-ES" dirty="0" err="1"/>
+              <a:t>For</a:t>
+            </a:r>
+            <a:r>
+              <a:rPr lang="es-ES" dirty="0"/>
+              <a:t> CPK, </a:t>
+            </a:r>
+            <a:r>
+              <a:rPr lang="es-ES" dirty="0" err="1"/>
+              <a:t>the</a:t>
+            </a:r>
+            <a:r>
+              <a:rPr lang="es-ES" dirty="0"/>
+              <a:t> </a:t>
+            </a:r>
+            <a:r>
+              <a:rPr lang="es-ES" dirty="0" err="1"/>
+              <a:t>exact</a:t>
+            </a:r>
+            <a:r>
+              <a:rPr lang="es-ES" dirty="0"/>
+              <a:t> </a:t>
+            </a:r>
+            <a:r>
+              <a:rPr lang="es-ES" dirty="0" err="1"/>
+              <a:t>value</a:t>
+            </a:r>
+            <a:r>
+              <a:rPr lang="es-ES" dirty="0"/>
+              <a:t> </a:t>
+            </a:r>
+            <a:r>
+              <a:rPr lang="es-ES" dirty="0" err="1"/>
+              <a:t>is</a:t>
+            </a:r>
+            <a:r>
+              <a:rPr lang="es-ES" dirty="0"/>
+              <a:t>: </a:t>
+            </a:r>
+            <a:r>
+              <a:rPr lang="es-ES" dirty="0" err="1"/>
+              <a:t>exp</a:t>
+            </a:r>
+            <a:r>
+              <a:rPr lang="es-ES" dirty="0"/>
+              <a:t>(</a:t>
+            </a:r>
+            <a:r>
+              <a:rPr lang="es-ES" dirty="0" err="1"/>
+              <a:t>coef</a:t>
+            </a:r>
+            <a:r>
+              <a:rPr lang="es-ES" dirty="0"/>
+              <a:t>) = 1.000221 -&gt; </a:t>
+            </a:r>
+            <a:r>
+              <a:rPr lang="es-ES" dirty="0" err="1"/>
+              <a:t>significant</a:t>
+            </a:r>
+            <a:r>
+              <a:rPr lang="es-ES" dirty="0"/>
+              <a:t> </a:t>
+            </a:r>
+            <a:r>
+              <a:rPr lang="es-ES" dirty="0" err="1"/>
+              <a:t>risk</a:t>
+            </a:r>
+            <a:r>
+              <a:rPr lang="es-ES" dirty="0"/>
+              <a:t> factor</a:t>
+            </a:r>
+            <a:endParaRPr lang="en-GB" dirty="0"/>
+          </a:p>
+          <a:p>
             <a:endParaRPr lang="en-GB" dirty="0"/>
           </a:p>
         </p:txBody>
@@ -1739,6 +2347,134 @@
           <a:bodyPr/>
           <a:lstStyle/>
           <a:p>
+            <a:r>
+              <a:rPr lang="es-ES" dirty="0" err="1"/>
+              <a:t>Question</a:t>
+            </a:r>
+            <a:r>
+              <a:rPr lang="es-ES" dirty="0"/>
+              <a:t>: </a:t>
+            </a:r>
+            <a:r>
+              <a:rPr lang="es-ES" dirty="0" err="1"/>
+              <a:t>Globally</a:t>
+            </a:r>
+            <a:r>
+              <a:rPr lang="es-ES" dirty="0"/>
+              <a:t>, </a:t>
+            </a:r>
+            <a:r>
+              <a:rPr lang="es-ES" dirty="0" err="1"/>
+              <a:t>the</a:t>
+            </a:r>
+            <a:r>
+              <a:rPr lang="es-ES" dirty="0"/>
+              <a:t> PH </a:t>
+            </a:r>
+            <a:r>
+              <a:rPr lang="es-ES" dirty="0" err="1"/>
+              <a:t>assumptions</a:t>
+            </a:r>
+            <a:r>
+              <a:rPr lang="es-ES" dirty="0"/>
+              <a:t> </a:t>
+            </a:r>
+            <a:r>
+              <a:rPr lang="es-ES" dirty="0" err="1"/>
+              <a:t>holds</a:t>
+            </a:r>
+            <a:r>
+              <a:rPr lang="es-ES" dirty="0"/>
+              <a:t>, </a:t>
+            </a:r>
+            <a:r>
+              <a:rPr lang="es-ES" dirty="0" err="1"/>
+              <a:t>but</a:t>
+            </a:r>
+            <a:r>
+              <a:rPr lang="es-ES" dirty="0"/>
+              <a:t> </a:t>
+            </a:r>
+            <a:r>
+              <a:rPr lang="es-ES" dirty="0" err="1"/>
+              <a:t>all</a:t>
+            </a:r>
+            <a:r>
+              <a:rPr lang="es-ES" dirty="0"/>
+              <a:t> </a:t>
+            </a:r>
+            <a:r>
+              <a:rPr lang="es-ES" dirty="0" err="1"/>
+              <a:t>our</a:t>
+            </a:r>
+            <a:r>
+              <a:rPr lang="es-ES" dirty="0"/>
+              <a:t> </a:t>
+            </a:r>
+            <a:r>
+              <a:rPr lang="es-ES" dirty="0" err="1"/>
+              <a:t>residuals</a:t>
+            </a:r>
+            <a:r>
+              <a:rPr lang="es-ES" dirty="0"/>
+              <a:t> look </a:t>
+            </a:r>
+            <a:r>
+              <a:rPr lang="es-ES" dirty="0" err="1"/>
+              <a:t>pretty</a:t>
+            </a:r>
+            <a:r>
+              <a:rPr lang="es-ES" dirty="0"/>
+              <a:t> non-</a:t>
+            </a:r>
+            <a:r>
+              <a:rPr lang="es-ES" dirty="0" err="1"/>
+              <a:t>constant</a:t>
+            </a:r>
+            <a:r>
+              <a:rPr lang="es-ES" dirty="0"/>
+              <a:t>. </a:t>
+            </a:r>
+            <a:r>
+              <a:rPr lang="es-ES" dirty="0" err="1"/>
+              <a:t>How</a:t>
+            </a:r>
+            <a:r>
+              <a:rPr lang="es-ES" dirty="0"/>
+              <a:t> </a:t>
+            </a:r>
+            <a:r>
+              <a:rPr lang="es-ES" dirty="0" err="1"/>
+              <a:t>does</a:t>
+            </a:r>
+            <a:r>
+              <a:rPr lang="es-ES" dirty="0"/>
+              <a:t> </a:t>
+            </a:r>
+            <a:r>
+              <a:rPr lang="es-ES" dirty="0" err="1"/>
+              <a:t>that</a:t>
+            </a:r>
+            <a:r>
+              <a:rPr lang="es-ES" dirty="0"/>
+              <a:t> </a:t>
+            </a:r>
+            <a:r>
+              <a:rPr lang="es-ES" dirty="0" err="1"/>
+              <a:t>fit</a:t>
+            </a:r>
+            <a:r>
+              <a:rPr lang="es-ES" dirty="0"/>
+              <a:t> </a:t>
+            </a:r>
+            <a:r>
+              <a:rPr lang="es-ES" dirty="0" err="1"/>
+              <a:t>together</a:t>
+            </a:r>
+            <a:r>
+              <a:rPr lang="es-ES" dirty="0"/>
+              <a:t>?</a:t>
+            </a:r>
             <a:endParaRPr lang="en-GB" dirty="0"/>
           </a:p>
         </p:txBody>
@@ -1769,7 +2505,1296 @@
     </p:spTree>
     <p:extLst>
       <p:ext uri="{BB962C8B-B14F-4D97-AF65-F5344CB8AC3E}">
+        <p14:creationId xmlns:p14="http://schemas.microsoft.com/office/powerpoint/2010/main" val="388395520"/>
+      </p:ext>
+    </p:extLst>
+  </p:cSld>
+  <p:clrMapOvr>
+    <a:masterClrMapping/>
+  </p:clrMapOvr>
+</p:notes>
+</file>
+
+<file path=ppt/notesSlides/notesSlide12.xml><?xml version="1.0" encoding="utf-8"?>
+<p:notes xmlns:a="http://schemas.openxmlformats.org/drawingml/2006/main" xmlns:r="http://schemas.openxmlformats.org/officeDocument/2006/relationships" xmlns:p="http://schemas.openxmlformats.org/presentationml/2006/main">
+  <p:cSld>
+    <p:spTree>
+      <p:nvGrpSpPr>
+        <p:cNvPr id="1" name=""/>
+        <p:cNvGrpSpPr/>
+        <p:nvPr/>
+      </p:nvGrpSpPr>
+      <p:grpSpPr>
+        <a:xfrm>
+          <a:off x="0" y="0"/>
+          <a:ext cx="0" cy="0"/>
+          <a:chOff x="0" y="0"/>
+          <a:chExt cx="0" cy="0"/>
+        </a:xfrm>
+      </p:grpSpPr>
+      <p:sp>
+        <p:nvSpPr>
+          <p:cNvPr id="2" name="Slide Image Placeholder 1"/>
+          <p:cNvSpPr>
+            <a:spLocks noGrp="1" noRot="1" noChangeAspect="1"/>
+          </p:cNvSpPr>
+          <p:nvPr>
+            <p:ph type="sldImg"/>
+          </p:nvPr>
+        </p:nvSpPr>
+        <p:spPr/>
+      </p:sp>
+      <p:sp>
+        <p:nvSpPr>
+          <p:cNvPr id="3" name="Notes Placeholder 2"/>
+          <p:cNvSpPr>
+            <a:spLocks noGrp="1"/>
+          </p:cNvSpPr>
+          <p:nvPr>
+            <p:ph type="body" idx="1"/>
+          </p:nvPr>
+        </p:nvSpPr>
+        <p:spPr/>
+        <p:txBody>
+          <a:bodyPr/>
+          <a:lstStyle/>
+          <a:p>
+            <a:r>
+              <a:rPr lang="es-ES" dirty="0" err="1"/>
+              <a:t>Question</a:t>
+            </a:r>
+            <a:r>
+              <a:rPr lang="es-ES" dirty="0"/>
+              <a:t>: </a:t>
+            </a:r>
+            <a:r>
+              <a:rPr lang="es-ES" dirty="0" err="1"/>
+              <a:t>We</a:t>
+            </a:r>
+            <a:r>
+              <a:rPr lang="es-ES" dirty="0"/>
+              <a:t> </a:t>
+            </a:r>
+            <a:r>
+              <a:rPr lang="es-ES" dirty="0" err="1"/>
+              <a:t>go</a:t>
+            </a:r>
+            <a:r>
+              <a:rPr lang="es-ES" dirty="0"/>
+              <a:t> </a:t>
+            </a:r>
+            <a:r>
+              <a:rPr lang="es-ES" dirty="0" err="1"/>
+              <a:t>for</a:t>
+            </a:r>
+            <a:r>
+              <a:rPr lang="es-ES" dirty="0"/>
+              <a:t> </a:t>
+            </a:r>
+            <a:r>
+              <a:rPr lang="es-ES" dirty="0" err="1"/>
+              <a:t>the</a:t>
+            </a:r>
+            <a:r>
+              <a:rPr lang="es-ES" dirty="0"/>
+              <a:t> </a:t>
+            </a:r>
+            <a:r>
+              <a:rPr lang="es-ES" dirty="0" err="1"/>
+              <a:t>model</a:t>
+            </a:r>
+            <a:r>
+              <a:rPr lang="es-ES" dirty="0"/>
+              <a:t> </a:t>
+            </a:r>
+            <a:r>
+              <a:rPr lang="es-ES" dirty="0" err="1"/>
+              <a:t>with</a:t>
+            </a:r>
+            <a:r>
+              <a:rPr lang="es-ES" dirty="0"/>
+              <a:t> log(time) </a:t>
+            </a:r>
+            <a:r>
+              <a:rPr lang="es-ES" dirty="0" err="1"/>
+              <a:t>instead</a:t>
+            </a:r>
+            <a:r>
+              <a:rPr lang="es-ES" dirty="0"/>
+              <a:t> </a:t>
+            </a:r>
+            <a:r>
+              <a:rPr lang="es-ES" dirty="0" err="1"/>
+              <a:t>of</a:t>
+            </a:r>
+            <a:r>
+              <a:rPr lang="es-ES" dirty="0"/>
+              <a:t> </a:t>
+            </a:r>
+            <a:r>
+              <a:rPr lang="es-ES" dirty="0" err="1"/>
+              <a:t>just</a:t>
+            </a:r>
+            <a:r>
+              <a:rPr lang="es-ES" dirty="0"/>
+              <a:t> time </a:t>
+            </a:r>
+            <a:r>
+              <a:rPr lang="es-ES" dirty="0" err="1"/>
+              <a:t>here</a:t>
+            </a:r>
+            <a:r>
+              <a:rPr lang="es-ES" dirty="0"/>
+              <a:t>, </a:t>
+            </a:r>
+            <a:r>
+              <a:rPr lang="es-ES" dirty="0" err="1"/>
+              <a:t>right</a:t>
+            </a:r>
+            <a:r>
+              <a:rPr lang="es-ES" dirty="0"/>
+              <a:t>?</a:t>
+            </a:r>
+            <a:endParaRPr lang="en-GB" dirty="0"/>
+          </a:p>
+        </p:txBody>
+      </p:sp>
+      <p:sp>
+        <p:nvSpPr>
+          <p:cNvPr id="4" name="Slide Number Placeholder 3"/>
+          <p:cNvSpPr>
+            <a:spLocks noGrp="1"/>
+          </p:cNvSpPr>
+          <p:nvPr>
+            <p:ph type="sldNum" sz="quarter" idx="5"/>
+          </p:nvPr>
+        </p:nvSpPr>
+        <p:spPr/>
+        <p:txBody>
+          <a:bodyPr/>
+          <a:lstStyle/>
+          <a:p>
+            <a:fld id="{85EBC9E2-2C9A-438E-83DE-17F69134D413}" type="slidenum">
+              <a:rPr lang="en-GB" smtClean="0"/>
+              <a:t>13</a:t>
+            </a:fld>
+            <a:endParaRPr lang="en-GB"/>
+          </a:p>
+        </p:txBody>
+      </p:sp>
+    </p:spTree>
+    <p:extLst>
+      <p:ext uri="{BB962C8B-B14F-4D97-AF65-F5344CB8AC3E}">
         <p14:creationId xmlns:p14="http://schemas.microsoft.com/office/powerpoint/2010/main" val="1799670140"/>
+      </p:ext>
+    </p:extLst>
+  </p:cSld>
+  <p:clrMapOvr>
+    <a:masterClrMapping/>
+  </p:clrMapOvr>
+</p:notes>
+</file>
+
+<file path=ppt/notesSlides/notesSlide13.xml><?xml version="1.0" encoding="utf-8"?>
+<p:notes xmlns:a="http://schemas.openxmlformats.org/drawingml/2006/main" xmlns:r="http://schemas.openxmlformats.org/officeDocument/2006/relationships" xmlns:p="http://schemas.openxmlformats.org/presentationml/2006/main">
+  <p:cSld>
+    <p:spTree>
+      <p:nvGrpSpPr>
+        <p:cNvPr id="1" name=""/>
+        <p:cNvGrpSpPr/>
+        <p:nvPr/>
+      </p:nvGrpSpPr>
+      <p:grpSpPr>
+        <a:xfrm>
+          <a:off x="0" y="0"/>
+          <a:ext cx="0" cy="0"/>
+          <a:chOff x="0" y="0"/>
+          <a:chExt cx="0" cy="0"/>
+        </a:xfrm>
+      </p:grpSpPr>
+      <p:sp>
+        <p:nvSpPr>
+          <p:cNvPr id="2" name="Slide Image Placeholder 1"/>
+          <p:cNvSpPr>
+            <a:spLocks noGrp="1" noRot="1" noChangeAspect="1"/>
+          </p:cNvSpPr>
+          <p:nvPr>
+            <p:ph type="sldImg"/>
+          </p:nvPr>
+        </p:nvSpPr>
+        <p:spPr/>
+      </p:sp>
+      <p:sp>
+        <p:nvSpPr>
+          <p:cNvPr id="3" name="Notes Placeholder 2"/>
+          <p:cNvSpPr>
+            <a:spLocks noGrp="1"/>
+          </p:cNvSpPr>
+          <p:nvPr>
+            <p:ph type="body" idx="1"/>
+          </p:nvPr>
+        </p:nvSpPr>
+        <p:spPr/>
+        <p:txBody>
+          <a:bodyPr/>
+          <a:lstStyle/>
+          <a:p>
+            <a:endParaRPr lang="en-GB" dirty="0"/>
+          </a:p>
+        </p:txBody>
+      </p:sp>
+      <p:sp>
+        <p:nvSpPr>
+          <p:cNvPr id="4" name="Slide Number Placeholder 3"/>
+          <p:cNvSpPr>
+            <a:spLocks noGrp="1"/>
+          </p:cNvSpPr>
+          <p:nvPr>
+            <p:ph type="sldNum" sz="quarter" idx="5"/>
+          </p:nvPr>
+        </p:nvSpPr>
+        <p:spPr/>
+        <p:txBody>
+          <a:bodyPr/>
+          <a:lstStyle/>
+          <a:p>
+            <a:fld id="{85EBC9E2-2C9A-438E-83DE-17F69134D413}" type="slidenum">
+              <a:rPr lang="en-GB" smtClean="0"/>
+              <a:t>14</a:t>
+            </a:fld>
+            <a:endParaRPr lang="en-GB"/>
+          </a:p>
+        </p:txBody>
+      </p:sp>
+    </p:spTree>
+    <p:extLst>
+      <p:ext uri="{BB962C8B-B14F-4D97-AF65-F5344CB8AC3E}">
+        <p14:creationId xmlns:p14="http://schemas.microsoft.com/office/powerpoint/2010/main" val="811532236"/>
+      </p:ext>
+    </p:extLst>
+  </p:cSld>
+  <p:clrMapOvr>
+    <a:masterClrMapping/>
+  </p:clrMapOvr>
+</p:notes>
+</file>
+
+<file path=ppt/notesSlides/notesSlide14.xml><?xml version="1.0" encoding="utf-8"?>
+<p:notes xmlns:a="http://schemas.openxmlformats.org/drawingml/2006/main" xmlns:r="http://schemas.openxmlformats.org/officeDocument/2006/relationships" xmlns:p="http://schemas.openxmlformats.org/presentationml/2006/main">
+  <p:cSld>
+    <p:spTree>
+      <p:nvGrpSpPr>
+        <p:cNvPr id="1" name=""/>
+        <p:cNvGrpSpPr/>
+        <p:nvPr/>
+      </p:nvGrpSpPr>
+      <p:grpSpPr>
+        <a:xfrm>
+          <a:off x="0" y="0"/>
+          <a:ext cx="0" cy="0"/>
+          <a:chOff x="0" y="0"/>
+          <a:chExt cx="0" cy="0"/>
+        </a:xfrm>
+      </p:grpSpPr>
+      <p:sp>
+        <p:nvSpPr>
+          <p:cNvPr id="2" name="Slide Image Placeholder 1"/>
+          <p:cNvSpPr>
+            <a:spLocks noGrp="1" noRot="1" noChangeAspect="1"/>
+          </p:cNvSpPr>
+          <p:nvPr>
+            <p:ph type="sldImg"/>
+          </p:nvPr>
+        </p:nvSpPr>
+        <p:spPr/>
+      </p:sp>
+      <p:sp>
+        <p:nvSpPr>
+          <p:cNvPr id="3" name="Notes Placeholder 2"/>
+          <p:cNvSpPr>
+            <a:spLocks noGrp="1"/>
+          </p:cNvSpPr>
+          <p:nvPr>
+            <p:ph type="body" idx="1"/>
+          </p:nvPr>
+        </p:nvSpPr>
+        <p:spPr/>
+        <p:txBody>
+          <a:bodyPr/>
+          <a:lstStyle/>
+          <a:p>
+            <a:r>
+              <a:rPr lang="es-ES" dirty="0"/>
+              <a:t>Note: </a:t>
+            </a:r>
+            <a:r>
+              <a:rPr lang="es-ES" dirty="0" err="1"/>
+              <a:t>Martingale</a:t>
+            </a:r>
+            <a:r>
+              <a:rPr lang="es-ES" dirty="0"/>
+              <a:t> </a:t>
+            </a:r>
+            <a:r>
+              <a:rPr lang="es-ES" dirty="0" err="1"/>
+              <a:t>residuals</a:t>
+            </a:r>
+            <a:r>
+              <a:rPr lang="es-ES" dirty="0"/>
+              <a:t> are </a:t>
+            </a:r>
+            <a:r>
+              <a:rPr lang="es-ES" dirty="0" err="1"/>
+              <a:t>useful</a:t>
+            </a:r>
+            <a:r>
+              <a:rPr lang="es-ES" dirty="0"/>
+              <a:t> </a:t>
+            </a:r>
+            <a:r>
+              <a:rPr lang="es-ES" dirty="0" err="1"/>
+              <a:t>to</a:t>
+            </a:r>
+            <a:r>
+              <a:rPr lang="es-ES" dirty="0"/>
+              <a:t> </a:t>
+            </a:r>
+            <a:r>
+              <a:rPr lang="es-ES" dirty="0" err="1"/>
+              <a:t>check</a:t>
+            </a:r>
+            <a:r>
+              <a:rPr lang="es-ES" dirty="0"/>
+              <a:t> </a:t>
+            </a:r>
+            <a:r>
+              <a:rPr lang="es-ES" dirty="0" err="1"/>
+              <a:t>the</a:t>
+            </a:r>
+            <a:r>
+              <a:rPr lang="es-ES" dirty="0"/>
+              <a:t> </a:t>
+            </a:r>
+            <a:r>
+              <a:rPr lang="es-ES" dirty="0" err="1"/>
+              <a:t>linearity</a:t>
+            </a:r>
+            <a:r>
+              <a:rPr lang="es-ES" dirty="0"/>
+              <a:t> </a:t>
+            </a:r>
+            <a:r>
+              <a:rPr lang="es-ES" dirty="0" err="1"/>
+              <a:t>assumption</a:t>
+            </a:r>
+            <a:r>
+              <a:rPr lang="es-ES" dirty="0"/>
+              <a:t> as </a:t>
+            </a:r>
+            <a:r>
+              <a:rPr lang="es-ES" dirty="0" err="1"/>
+              <a:t>it</a:t>
+            </a:r>
+            <a:r>
+              <a:rPr lang="es-ES" dirty="0"/>
+              <a:t> </a:t>
+            </a:r>
+            <a:r>
+              <a:rPr lang="es-ES" dirty="0" err="1"/>
+              <a:t>gives</a:t>
+            </a:r>
+            <a:r>
+              <a:rPr lang="es-ES" dirty="0"/>
+              <a:t> </a:t>
+            </a:r>
+            <a:r>
+              <a:rPr lang="es-ES" dirty="0" err="1"/>
+              <a:t>us</a:t>
+            </a:r>
+            <a:r>
+              <a:rPr lang="es-ES" dirty="0"/>
+              <a:t> </a:t>
+            </a:r>
+            <a:r>
+              <a:rPr lang="es-ES" dirty="0" err="1"/>
+              <a:t>an</a:t>
+            </a:r>
+            <a:r>
+              <a:rPr lang="es-ES" dirty="0"/>
+              <a:t> idea </a:t>
+            </a:r>
+            <a:r>
+              <a:rPr lang="es-ES" dirty="0" err="1"/>
+              <a:t>of</a:t>
+            </a:r>
+            <a:r>
+              <a:rPr lang="es-ES" dirty="0"/>
+              <a:t> </a:t>
+            </a:r>
+            <a:r>
+              <a:rPr lang="es-ES" dirty="0" err="1"/>
+              <a:t>the</a:t>
+            </a:r>
+            <a:r>
+              <a:rPr lang="es-ES" dirty="0"/>
+              <a:t> </a:t>
+            </a:r>
+            <a:r>
+              <a:rPr lang="es-ES" dirty="0" err="1"/>
+              <a:t>effect</a:t>
+            </a:r>
+            <a:r>
+              <a:rPr lang="es-ES" dirty="0"/>
+              <a:t> </a:t>
+            </a:r>
+            <a:r>
+              <a:rPr lang="es-ES" dirty="0" err="1"/>
+              <a:t>for</a:t>
+            </a:r>
+            <a:r>
+              <a:rPr lang="es-ES" dirty="0"/>
+              <a:t> </a:t>
+            </a:r>
+            <a:r>
+              <a:rPr lang="es-ES" dirty="0" err="1"/>
+              <a:t>each</a:t>
+            </a:r>
+            <a:r>
+              <a:rPr lang="es-ES" dirty="0"/>
+              <a:t> covariate</a:t>
+            </a:r>
+          </a:p>
+          <a:p>
+            <a:endParaRPr lang="es-ES" dirty="0"/>
+          </a:p>
+          <a:p>
+            <a:r>
+              <a:rPr lang="es-ES" dirty="0" err="1"/>
+              <a:t>Question</a:t>
+            </a:r>
+            <a:r>
+              <a:rPr lang="es-ES" dirty="0"/>
+              <a:t>: </a:t>
+            </a:r>
+            <a:r>
+              <a:rPr lang="es-ES" dirty="0" err="1"/>
+              <a:t>Should</a:t>
+            </a:r>
+            <a:r>
+              <a:rPr lang="es-ES" dirty="0"/>
+              <a:t> </a:t>
+            </a:r>
+            <a:r>
+              <a:rPr lang="es-ES" dirty="0" err="1"/>
+              <a:t>we</a:t>
+            </a:r>
+            <a:r>
+              <a:rPr lang="es-ES" dirty="0"/>
+              <a:t> </a:t>
+            </a:r>
+            <a:r>
+              <a:rPr lang="es-ES" dirty="0" err="1"/>
+              <a:t>give</a:t>
+            </a:r>
+            <a:r>
+              <a:rPr lang="es-ES" dirty="0"/>
+              <a:t> </a:t>
+            </a:r>
+            <a:r>
+              <a:rPr lang="es-ES" dirty="0" err="1"/>
+              <a:t>any</a:t>
+            </a:r>
+            <a:r>
+              <a:rPr lang="es-ES" dirty="0"/>
+              <a:t> </a:t>
+            </a:r>
+            <a:r>
+              <a:rPr lang="es-ES" dirty="0" err="1"/>
+              <a:t>reason</a:t>
+            </a:r>
+            <a:r>
+              <a:rPr lang="es-ES" dirty="0"/>
+              <a:t> </a:t>
+            </a:r>
+            <a:r>
+              <a:rPr lang="es-ES" dirty="0" err="1"/>
+              <a:t>why</a:t>
+            </a:r>
+            <a:r>
+              <a:rPr lang="es-ES" dirty="0"/>
+              <a:t> </a:t>
+            </a:r>
+            <a:r>
+              <a:rPr lang="es-ES" dirty="0" err="1"/>
+              <a:t>we</a:t>
+            </a:r>
+            <a:r>
+              <a:rPr lang="es-ES" dirty="0"/>
+              <a:t> are </a:t>
+            </a:r>
+            <a:r>
+              <a:rPr lang="es-ES" dirty="0" err="1"/>
+              <a:t>choosing</a:t>
+            </a:r>
+            <a:r>
+              <a:rPr lang="es-ES" dirty="0"/>
+              <a:t> </a:t>
+            </a:r>
+            <a:r>
+              <a:rPr lang="es-ES" dirty="0" err="1"/>
+              <a:t>cox_reduced</a:t>
+            </a:r>
+            <a:r>
+              <a:rPr lang="es-ES" dirty="0"/>
+              <a:t> </a:t>
+            </a:r>
+            <a:r>
+              <a:rPr lang="es-ES" dirty="0" err="1"/>
+              <a:t>here</a:t>
+            </a:r>
+            <a:r>
+              <a:rPr lang="es-ES" dirty="0"/>
+              <a:t>?</a:t>
+            </a:r>
+            <a:endParaRPr lang="en-GB" dirty="0"/>
+          </a:p>
+        </p:txBody>
+      </p:sp>
+      <p:sp>
+        <p:nvSpPr>
+          <p:cNvPr id="4" name="Slide Number Placeholder 3"/>
+          <p:cNvSpPr>
+            <a:spLocks noGrp="1"/>
+          </p:cNvSpPr>
+          <p:nvPr>
+            <p:ph type="sldNum" sz="quarter" idx="5"/>
+          </p:nvPr>
+        </p:nvSpPr>
+        <p:spPr/>
+        <p:txBody>
+          <a:bodyPr/>
+          <a:lstStyle/>
+          <a:p>
+            <a:fld id="{85EBC9E2-2C9A-438E-83DE-17F69134D413}" type="slidenum">
+              <a:rPr lang="en-GB" smtClean="0"/>
+              <a:t>15</a:t>
+            </a:fld>
+            <a:endParaRPr lang="en-GB"/>
+          </a:p>
+        </p:txBody>
+      </p:sp>
+    </p:spTree>
+    <p:extLst>
+      <p:ext uri="{BB962C8B-B14F-4D97-AF65-F5344CB8AC3E}">
+        <p14:creationId xmlns:p14="http://schemas.microsoft.com/office/powerpoint/2010/main" val="3713656712"/>
+      </p:ext>
+    </p:extLst>
+  </p:cSld>
+  <p:clrMapOvr>
+    <a:masterClrMapping/>
+  </p:clrMapOvr>
+</p:notes>
+</file>
+
+<file path=ppt/notesSlides/notesSlide15.xml><?xml version="1.0" encoding="utf-8"?>
+<p:notes xmlns:a="http://schemas.openxmlformats.org/drawingml/2006/main" xmlns:r="http://schemas.openxmlformats.org/officeDocument/2006/relationships" xmlns:p="http://schemas.openxmlformats.org/presentationml/2006/main">
+  <p:cSld>
+    <p:spTree>
+      <p:nvGrpSpPr>
+        <p:cNvPr id="1" name=""/>
+        <p:cNvGrpSpPr/>
+        <p:nvPr/>
+      </p:nvGrpSpPr>
+      <p:grpSpPr>
+        <a:xfrm>
+          <a:off x="0" y="0"/>
+          <a:ext cx="0" cy="0"/>
+          <a:chOff x="0" y="0"/>
+          <a:chExt cx="0" cy="0"/>
+        </a:xfrm>
+      </p:grpSpPr>
+      <p:sp>
+        <p:nvSpPr>
+          <p:cNvPr id="2" name="Slide Image Placeholder 1"/>
+          <p:cNvSpPr>
+            <a:spLocks noGrp="1" noRot="1" noChangeAspect="1"/>
+          </p:cNvSpPr>
+          <p:nvPr>
+            <p:ph type="sldImg"/>
+          </p:nvPr>
+        </p:nvSpPr>
+        <p:spPr/>
+      </p:sp>
+      <p:sp>
+        <p:nvSpPr>
+          <p:cNvPr id="3" name="Notes Placeholder 2"/>
+          <p:cNvSpPr>
+            <a:spLocks noGrp="1"/>
+          </p:cNvSpPr>
+          <p:nvPr>
+            <p:ph type="body" idx="1"/>
+          </p:nvPr>
+        </p:nvSpPr>
+        <p:spPr/>
+        <p:txBody>
+          <a:bodyPr/>
+          <a:lstStyle/>
+          <a:p>
+            <a:r>
+              <a:rPr lang="es-ES" dirty="0"/>
+              <a:t>Note: </a:t>
+            </a:r>
+            <a:r>
+              <a:rPr lang="es-ES" dirty="0" err="1"/>
+              <a:t>Deviance</a:t>
+            </a:r>
+            <a:r>
+              <a:rPr lang="es-ES" dirty="0"/>
+              <a:t> </a:t>
+            </a:r>
+            <a:r>
+              <a:rPr lang="es-ES" dirty="0" err="1"/>
+              <a:t>residuals</a:t>
+            </a:r>
+            <a:r>
+              <a:rPr lang="es-ES" dirty="0"/>
+              <a:t> are </a:t>
+            </a:r>
+            <a:r>
+              <a:rPr lang="es-ES" dirty="0" err="1"/>
+              <a:t>transformations</a:t>
+            </a:r>
+            <a:r>
+              <a:rPr lang="es-ES" dirty="0"/>
+              <a:t> </a:t>
+            </a:r>
+            <a:r>
+              <a:rPr lang="es-ES" dirty="0" err="1"/>
+              <a:t>of</a:t>
+            </a:r>
+            <a:r>
+              <a:rPr lang="es-ES" dirty="0"/>
+              <a:t> </a:t>
+            </a:r>
+            <a:r>
+              <a:rPr lang="es-ES" dirty="0" err="1"/>
+              <a:t>Martingale</a:t>
+            </a:r>
+            <a:r>
+              <a:rPr lang="es-ES" dirty="0"/>
+              <a:t> </a:t>
+            </a:r>
+            <a:r>
+              <a:rPr lang="es-ES" dirty="0" err="1"/>
+              <a:t>residuals</a:t>
+            </a:r>
+            <a:r>
+              <a:rPr lang="es-ES" dirty="0"/>
+              <a:t>. </a:t>
+            </a:r>
+            <a:r>
+              <a:rPr lang="es-ES" dirty="0" err="1"/>
+              <a:t>They</a:t>
+            </a:r>
+            <a:r>
+              <a:rPr lang="es-ES" dirty="0"/>
+              <a:t> can be </a:t>
+            </a:r>
+            <a:r>
+              <a:rPr lang="es-ES" dirty="0" err="1"/>
+              <a:t>used</a:t>
+            </a:r>
+            <a:r>
+              <a:rPr lang="es-ES" dirty="0"/>
+              <a:t> more </a:t>
+            </a:r>
+            <a:r>
+              <a:rPr lang="es-ES" dirty="0" err="1"/>
+              <a:t>or</a:t>
+            </a:r>
+            <a:r>
+              <a:rPr lang="es-ES" dirty="0"/>
+              <a:t> </a:t>
+            </a:r>
+            <a:r>
+              <a:rPr lang="es-ES" dirty="0" err="1"/>
+              <a:t>less</a:t>
+            </a:r>
+            <a:r>
+              <a:rPr lang="es-ES" dirty="0"/>
+              <a:t> </a:t>
+            </a:r>
+            <a:r>
+              <a:rPr lang="es-ES" dirty="0" err="1"/>
+              <a:t>like</a:t>
+            </a:r>
+            <a:r>
+              <a:rPr lang="es-ES" dirty="0"/>
+              <a:t> </a:t>
+            </a:r>
+            <a:r>
+              <a:rPr lang="es-ES" dirty="0" err="1"/>
+              <a:t>standardized</a:t>
+            </a:r>
+            <a:r>
+              <a:rPr lang="es-ES" dirty="0"/>
+              <a:t> </a:t>
+            </a:r>
+            <a:r>
+              <a:rPr lang="es-ES" dirty="0" err="1"/>
+              <a:t>residuals</a:t>
+            </a:r>
+            <a:r>
+              <a:rPr lang="es-ES" dirty="0"/>
+              <a:t> </a:t>
+            </a:r>
+            <a:r>
+              <a:rPr lang="es-ES" dirty="0" err="1"/>
+              <a:t>for</a:t>
+            </a:r>
+            <a:r>
+              <a:rPr lang="es-ES" dirty="0"/>
+              <a:t> linear </a:t>
+            </a:r>
+            <a:r>
+              <a:rPr lang="es-ES" dirty="0" err="1"/>
+              <a:t>models</a:t>
+            </a:r>
+            <a:endParaRPr lang="en-GB" dirty="0"/>
+          </a:p>
+        </p:txBody>
+      </p:sp>
+      <p:sp>
+        <p:nvSpPr>
+          <p:cNvPr id="4" name="Slide Number Placeholder 3"/>
+          <p:cNvSpPr>
+            <a:spLocks noGrp="1"/>
+          </p:cNvSpPr>
+          <p:nvPr>
+            <p:ph type="sldNum" sz="quarter" idx="5"/>
+          </p:nvPr>
+        </p:nvSpPr>
+        <p:spPr/>
+        <p:txBody>
+          <a:bodyPr/>
+          <a:lstStyle/>
+          <a:p>
+            <a:fld id="{85EBC9E2-2C9A-438E-83DE-17F69134D413}" type="slidenum">
+              <a:rPr lang="en-GB" smtClean="0"/>
+              <a:t>16</a:t>
+            </a:fld>
+            <a:endParaRPr lang="en-GB"/>
+          </a:p>
+        </p:txBody>
+      </p:sp>
+    </p:spTree>
+    <p:extLst>
+      <p:ext uri="{BB962C8B-B14F-4D97-AF65-F5344CB8AC3E}">
+        <p14:creationId xmlns:p14="http://schemas.microsoft.com/office/powerpoint/2010/main" val="3245281593"/>
+      </p:ext>
+    </p:extLst>
+  </p:cSld>
+  <p:clrMapOvr>
+    <a:masterClrMapping/>
+  </p:clrMapOvr>
+</p:notes>
+</file>
+
+<file path=ppt/notesSlides/notesSlide16.xml><?xml version="1.0" encoding="utf-8"?>
+<p:notes xmlns:a="http://schemas.openxmlformats.org/drawingml/2006/main" xmlns:r="http://schemas.openxmlformats.org/officeDocument/2006/relationships" xmlns:p="http://schemas.openxmlformats.org/presentationml/2006/main">
+  <p:cSld>
+    <p:spTree>
+      <p:nvGrpSpPr>
+        <p:cNvPr id="1" name=""/>
+        <p:cNvGrpSpPr/>
+        <p:nvPr/>
+      </p:nvGrpSpPr>
+      <p:grpSpPr>
+        <a:xfrm>
+          <a:off x="0" y="0"/>
+          <a:ext cx="0" cy="0"/>
+          <a:chOff x="0" y="0"/>
+          <a:chExt cx="0" cy="0"/>
+        </a:xfrm>
+      </p:grpSpPr>
+      <p:sp>
+        <p:nvSpPr>
+          <p:cNvPr id="2" name="Slide Image Placeholder 1"/>
+          <p:cNvSpPr>
+            <a:spLocks noGrp="1" noRot="1" noChangeAspect="1"/>
+          </p:cNvSpPr>
+          <p:nvPr>
+            <p:ph type="sldImg"/>
+          </p:nvPr>
+        </p:nvSpPr>
+        <p:spPr/>
+      </p:sp>
+      <p:sp>
+        <p:nvSpPr>
+          <p:cNvPr id="3" name="Notes Placeholder 2"/>
+          <p:cNvSpPr>
+            <a:spLocks noGrp="1"/>
+          </p:cNvSpPr>
+          <p:nvPr>
+            <p:ph type="body" idx="1"/>
+          </p:nvPr>
+        </p:nvSpPr>
+        <p:spPr/>
+        <p:txBody>
+          <a:bodyPr/>
+          <a:lstStyle/>
+          <a:p>
+            <a:r>
+              <a:rPr lang="es-ES" dirty="0" err="1"/>
+              <a:t>Question</a:t>
+            </a:r>
+            <a:r>
+              <a:rPr lang="es-ES" dirty="0"/>
+              <a:t>: </a:t>
+            </a:r>
+            <a:r>
+              <a:rPr lang="es-ES" dirty="0" err="1"/>
+              <a:t>Not</a:t>
+            </a:r>
+            <a:r>
+              <a:rPr lang="es-ES" dirty="0"/>
+              <a:t> </a:t>
+            </a:r>
+            <a:r>
+              <a:rPr lang="es-ES" dirty="0" err="1"/>
+              <a:t>sure</a:t>
+            </a:r>
+            <a:r>
+              <a:rPr lang="es-ES" dirty="0"/>
+              <a:t> </a:t>
+            </a:r>
+            <a:r>
+              <a:rPr lang="es-ES" dirty="0" err="1"/>
+              <a:t>how</a:t>
+            </a:r>
+            <a:r>
+              <a:rPr lang="es-ES" dirty="0"/>
+              <a:t> </a:t>
+            </a:r>
+            <a:r>
+              <a:rPr lang="es-ES" dirty="0" err="1"/>
+              <a:t>else</a:t>
+            </a:r>
+            <a:r>
+              <a:rPr lang="es-ES" dirty="0"/>
+              <a:t> </a:t>
+            </a:r>
+            <a:r>
+              <a:rPr lang="es-ES" dirty="0" err="1"/>
+              <a:t>to</a:t>
+            </a:r>
+            <a:r>
+              <a:rPr lang="es-ES" dirty="0"/>
+              <a:t> </a:t>
+            </a:r>
+            <a:r>
+              <a:rPr lang="es-ES" dirty="0" err="1"/>
+              <a:t>interpret</a:t>
+            </a:r>
+            <a:r>
+              <a:rPr lang="es-ES" dirty="0"/>
+              <a:t> </a:t>
+            </a:r>
+            <a:r>
+              <a:rPr lang="es-ES" dirty="0" err="1"/>
+              <a:t>this</a:t>
+            </a:r>
+            <a:r>
+              <a:rPr lang="es-ES" dirty="0"/>
+              <a:t> </a:t>
+            </a:r>
+            <a:r>
+              <a:rPr lang="es-ES" dirty="0" err="1"/>
+              <a:t>part</a:t>
+            </a:r>
+            <a:r>
+              <a:rPr lang="es-ES" dirty="0"/>
+              <a:t>. </a:t>
+            </a:r>
+            <a:r>
+              <a:rPr lang="es-ES" dirty="0" err="1"/>
+              <a:t>Basically</a:t>
+            </a:r>
+            <a:r>
+              <a:rPr lang="es-ES" dirty="0"/>
+              <a:t> </a:t>
+            </a:r>
+            <a:r>
+              <a:rPr lang="es-ES" dirty="0" err="1"/>
+              <a:t>our</a:t>
+            </a:r>
+            <a:r>
+              <a:rPr lang="es-ES" dirty="0"/>
+              <a:t> </a:t>
+            </a:r>
+            <a:r>
+              <a:rPr lang="es-ES" dirty="0" err="1"/>
+              <a:t>linearity</a:t>
+            </a:r>
+            <a:r>
+              <a:rPr lang="es-ES" dirty="0"/>
+              <a:t> </a:t>
+            </a:r>
+            <a:r>
+              <a:rPr lang="es-ES" dirty="0" err="1"/>
+              <a:t>assumption</a:t>
+            </a:r>
+            <a:r>
+              <a:rPr lang="es-ES" dirty="0"/>
+              <a:t> </a:t>
+            </a:r>
+            <a:r>
+              <a:rPr lang="es-ES" dirty="0" err="1"/>
+              <a:t>is</a:t>
+            </a:r>
+            <a:r>
+              <a:rPr lang="es-ES" dirty="0"/>
+              <a:t> </a:t>
+            </a:r>
+            <a:r>
+              <a:rPr lang="es-ES" dirty="0" err="1"/>
+              <a:t>does</a:t>
+            </a:r>
+            <a:r>
+              <a:rPr lang="es-ES" dirty="0"/>
+              <a:t> </a:t>
+            </a:r>
+            <a:r>
+              <a:rPr lang="es-ES" dirty="0" err="1"/>
+              <a:t>not</a:t>
+            </a:r>
+            <a:r>
+              <a:rPr lang="es-ES" dirty="0"/>
+              <a:t> </a:t>
+            </a:r>
+            <a:r>
+              <a:rPr lang="es-ES" dirty="0" err="1"/>
+              <a:t>hold</a:t>
+            </a:r>
+            <a:r>
+              <a:rPr lang="es-ES" dirty="0"/>
+              <a:t> </a:t>
+            </a:r>
+            <a:r>
+              <a:rPr lang="es-ES" dirty="0" err="1"/>
+              <a:t>which</a:t>
+            </a:r>
+            <a:r>
+              <a:rPr lang="es-ES" dirty="0"/>
+              <a:t> </a:t>
+            </a:r>
+            <a:r>
+              <a:rPr lang="es-ES" dirty="0" err="1"/>
+              <a:t>gives</a:t>
+            </a:r>
+            <a:r>
+              <a:rPr lang="es-ES" dirty="0"/>
+              <a:t> </a:t>
+            </a:r>
+            <a:r>
+              <a:rPr lang="es-ES" dirty="0" err="1"/>
+              <a:t>us</a:t>
+            </a:r>
+            <a:r>
+              <a:rPr lang="es-ES" dirty="0"/>
+              <a:t> </a:t>
+            </a:r>
+            <a:r>
+              <a:rPr lang="es-ES" dirty="0" err="1"/>
+              <a:t>another</a:t>
+            </a:r>
+            <a:r>
+              <a:rPr lang="es-ES" dirty="0"/>
+              <a:t> </a:t>
+            </a:r>
+            <a:r>
+              <a:rPr lang="es-ES" dirty="0" err="1"/>
+              <a:t>argument</a:t>
+            </a:r>
+            <a:r>
+              <a:rPr lang="es-ES" dirty="0"/>
+              <a:t> </a:t>
+            </a:r>
+            <a:r>
+              <a:rPr lang="es-ES" dirty="0" err="1"/>
+              <a:t>for</a:t>
+            </a:r>
+            <a:r>
+              <a:rPr lang="es-ES" dirty="0"/>
+              <a:t> </a:t>
+            </a:r>
+            <a:r>
+              <a:rPr lang="es-ES" dirty="0" err="1"/>
+              <a:t>the</a:t>
+            </a:r>
+            <a:r>
+              <a:rPr lang="es-ES" dirty="0"/>
+              <a:t> </a:t>
+            </a:r>
+            <a:r>
+              <a:rPr lang="es-ES" dirty="0" err="1"/>
+              <a:t>Royston</a:t>
+            </a:r>
+            <a:r>
+              <a:rPr lang="es-ES" dirty="0"/>
+              <a:t>/Altman test? (</a:t>
+            </a:r>
+            <a:r>
+              <a:rPr lang="es-ES" dirty="0" err="1"/>
+              <a:t>next</a:t>
+            </a:r>
+            <a:r>
+              <a:rPr lang="es-ES" dirty="0"/>
+              <a:t> </a:t>
+            </a:r>
+            <a:r>
+              <a:rPr lang="es-ES" dirty="0" err="1"/>
+              <a:t>slide</a:t>
+            </a:r>
+            <a:r>
+              <a:rPr lang="es-ES" dirty="0"/>
+              <a:t>)</a:t>
+            </a:r>
+            <a:endParaRPr lang="en-GB" dirty="0"/>
+          </a:p>
+        </p:txBody>
+      </p:sp>
+      <p:sp>
+        <p:nvSpPr>
+          <p:cNvPr id="4" name="Slide Number Placeholder 3"/>
+          <p:cNvSpPr>
+            <a:spLocks noGrp="1"/>
+          </p:cNvSpPr>
+          <p:nvPr>
+            <p:ph type="sldNum" sz="quarter" idx="5"/>
+          </p:nvPr>
+        </p:nvSpPr>
+        <p:spPr/>
+        <p:txBody>
+          <a:bodyPr/>
+          <a:lstStyle/>
+          <a:p>
+            <a:fld id="{85EBC9E2-2C9A-438E-83DE-17F69134D413}" type="slidenum">
+              <a:rPr lang="en-GB" smtClean="0"/>
+              <a:t>17</a:t>
+            </a:fld>
+            <a:endParaRPr lang="en-GB"/>
+          </a:p>
+        </p:txBody>
+      </p:sp>
+    </p:spTree>
+    <p:extLst>
+      <p:ext uri="{BB962C8B-B14F-4D97-AF65-F5344CB8AC3E}">
+        <p14:creationId xmlns:p14="http://schemas.microsoft.com/office/powerpoint/2010/main" val="3177459909"/>
+      </p:ext>
+    </p:extLst>
+  </p:cSld>
+  <p:clrMapOvr>
+    <a:masterClrMapping/>
+  </p:clrMapOvr>
+</p:notes>
+</file>
+
+<file path=ppt/notesSlides/notesSlide17.xml><?xml version="1.0" encoding="utf-8"?>
+<p:notes xmlns:a="http://schemas.openxmlformats.org/drawingml/2006/main" xmlns:r="http://schemas.openxmlformats.org/officeDocument/2006/relationships" xmlns:p="http://schemas.openxmlformats.org/presentationml/2006/main">
+  <p:cSld>
+    <p:spTree>
+      <p:nvGrpSpPr>
+        <p:cNvPr id="1" name=""/>
+        <p:cNvGrpSpPr/>
+        <p:nvPr/>
+      </p:nvGrpSpPr>
+      <p:grpSpPr>
+        <a:xfrm>
+          <a:off x="0" y="0"/>
+          <a:ext cx="0" cy="0"/>
+          <a:chOff x="0" y="0"/>
+          <a:chExt cx="0" cy="0"/>
+        </a:xfrm>
+      </p:grpSpPr>
+      <p:sp>
+        <p:nvSpPr>
+          <p:cNvPr id="2" name="Slide Image Placeholder 1"/>
+          <p:cNvSpPr>
+            <a:spLocks noGrp="1" noRot="1" noChangeAspect="1"/>
+          </p:cNvSpPr>
+          <p:nvPr>
+            <p:ph type="sldImg"/>
+          </p:nvPr>
+        </p:nvSpPr>
+        <p:spPr/>
+      </p:sp>
+      <p:sp>
+        <p:nvSpPr>
+          <p:cNvPr id="3" name="Notes Placeholder 2"/>
+          <p:cNvSpPr>
+            <a:spLocks noGrp="1"/>
+          </p:cNvSpPr>
+          <p:nvPr>
+            <p:ph type="body" idx="1"/>
+          </p:nvPr>
+        </p:nvSpPr>
+        <p:spPr/>
+        <p:txBody>
+          <a:bodyPr/>
+          <a:lstStyle/>
+          <a:p>
+            <a:r>
+              <a:rPr lang="es-ES" dirty="0"/>
+              <a:t>Note: </a:t>
+            </a:r>
+            <a:r>
+              <a:rPr lang="es-ES" dirty="0" err="1"/>
+              <a:t>Deviance</a:t>
+            </a:r>
+            <a:r>
+              <a:rPr lang="es-ES" dirty="0"/>
+              <a:t> </a:t>
+            </a:r>
+            <a:r>
+              <a:rPr lang="es-ES" dirty="0" err="1"/>
+              <a:t>residuals</a:t>
+            </a:r>
+            <a:r>
+              <a:rPr lang="es-ES" dirty="0"/>
+              <a:t> are </a:t>
+            </a:r>
+            <a:r>
+              <a:rPr lang="es-ES" dirty="0" err="1"/>
+              <a:t>transformations</a:t>
+            </a:r>
+            <a:r>
+              <a:rPr lang="es-ES" dirty="0"/>
+              <a:t> </a:t>
+            </a:r>
+            <a:r>
+              <a:rPr lang="es-ES" dirty="0" err="1"/>
+              <a:t>of</a:t>
+            </a:r>
+            <a:r>
+              <a:rPr lang="es-ES" dirty="0"/>
+              <a:t> </a:t>
+            </a:r>
+            <a:r>
+              <a:rPr lang="es-ES" dirty="0" err="1"/>
+              <a:t>Martingale</a:t>
+            </a:r>
+            <a:r>
+              <a:rPr lang="es-ES" dirty="0"/>
+              <a:t> </a:t>
+            </a:r>
+            <a:r>
+              <a:rPr lang="es-ES" dirty="0" err="1"/>
+              <a:t>residuals</a:t>
+            </a:r>
+            <a:r>
+              <a:rPr lang="es-ES" dirty="0"/>
+              <a:t>. </a:t>
+            </a:r>
+            <a:r>
+              <a:rPr lang="es-ES" dirty="0" err="1"/>
+              <a:t>They</a:t>
+            </a:r>
+            <a:r>
+              <a:rPr lang="es-ES" dirty="0"/>
+              <a:t> can be </a:t>
+            </a:r>
+            <a:r>
+              <a:rPr lang="es-ES" dirty="0" err="1"/>
+              <a:t>used</a:t>
+            </a:r>
+            <a:r>
+              <a:rPr lang="es-ES" dirty="0"/>
+              <a:t> more </a:t>
+            </a:r>
+            <a:r>
+              <a:rPr lang="es-ES" dirty="0" err="1"/>
+              <a:t>or</a:t>
+            </a:r>
+            <a:r>
+              <a:rPr lang="es-ES" dirty="0"/>
+              <a:t> </a:t>
+            </a:r>
+            <a:r>
+              <a:rPr lang="es-ES" dirty="0" err="1"/>
+              <a:t>less</a:t>
+            </a:r>
+            <a:r>
+              <a:rPr lang="es-ES" dirty="0"/>
+              <a:t> </a:t>
+            </a:r>
+            <a:r>
+              <a:rPr lang="es-ES" dirty="0" err="1"/>
+              <a:t>like</a:t>
+            </a:r>
+            <a:r>
+              <a:rPr lang="es-ES" dirty="0"/>
+              <a:t> </a:t>
+            </a:r>
+            <a:r>
+              <a:rPr lang="es-ES" dirty="0" err="1"/>
+              <a:t>standardized</a:t>
+            </a:r>
+            <a:r>
+              <a:rPr lang="es-ES" dirty="0"/>
+              <a:t> </a:t>
+            </a:r>
+            <a:r>
+              <a:rPr lang="es-ES" dirty="0" err="1"/>
+              <a:t>residuals</a:t>
+            </a:r>
+            <a:r>
+              <a:rPr lang="es-ES" dirty="0"/>
+              <a:t> </a:t>
+            </a:r>
+            <a:r>
+              <a:rPr lang="es-ES" dirty="0" err="1"/>
+              <a:t>for</a:t>
+            </a:r>
+            <a:r>
+              <a:rPr lang="es-ES" dirty="0"/>
+              <a:t> linear </a:t>
+            </a:r>
+            <a:r>
+              <a:rPr lang="es-ES" dirty="0" err="1"/>
+              <a:t>models</a:t>
+            </a:r>
+            <a:endParaRPr lang="en-GB" dirty="0"/>
+          </a:p>
+        </p:txBody>
+      </p:sp>
+      <p:sp>
+        <p:nvSpPr>
+          <p:cNvPr id="4" name="Slide Number Placeholder 3"/>
+          <p:cNvSpPr>
+            <a:spLocks noGrp="1"/>
+          </p:cNvSpPr>
+          <p:nvPr>
+            <p:ph type="sldNum" sz="quarter" idx="5"/>
+          </p:nvPr>
+        </p:nvSpPr>
+        <p:spPr/>
+        <p:txBody>
+          <a:bodyPr/>
+          <a:lstStyle/>
+          <a:p>
+            <a:fld id="{85EBC9E2-2C9A-438E-83DE-17F69134D413}" type="slidenum">
+              <a:rPr lang="en-GB" smtClean="0"/>
+              <a:t>18</a:t>
+            </a:fld>
+            <a:endParaRPr lang="en-GB"/>
+          </a:p>
+        </p:txBody>
+      </p:sp>
+    </p:spTree>
+    <p:extLst>
+      <p:ext uri="{BB962C8B-B14F-4D97-AF65-F5344CB8AC3E}">
+        <p14:creationId xmlns:p14="http://schemas.microsoft.com/office/powerpoint/2010/main" val="313783324"/>
       </p:ext>
     </p:extLst>
   </p:cSld>
@@ -2091,6 +4116,214 @@
           <a:bodyPr/>
           <a:lstStyle/>
           <a:p>
+            <a:r>
+              <a:rPr lang="es-ES" b="0" dirty="0" err="1"/>
+              <a:t>Question</a:t>
+            </a:r>
+            <a:r>
+              <a:rPr lang="es-ES" b="0" dirty="0"/>
+              <a:t>: As </a:t>
+            </a:r>
+            <a:r>
+              <a:rPr lang="es-ES" b="0" dirty="0" err="1"/>
+              <a:t>explained</a:t>
+            </a:r>
+            <a:r>
+              <a:rPr lang="es-ES" b="0" dirty="0"/>
+              <a:t> in </a:t>
+            </a:r>
+            <a:r>
+              <a:rPr lang="es-ES" b="0" dirty="0" err="1"/>
+              <a:t>the</a:t>
+            </a:r>
+            <a:r>
+              <a:rPr lang="es-ES" b="0" dirty="0"/>
+              <a:t> </a:t>
+            </a:r>
+            <a:r>
+              <a:rPr lang="es-ES" b="0" dirty="0" err="1"/>
+              <a:t>code</a:t>
+            </a:r>
+            <a:r>
+              <a:rPr lang="es-ES" b="0" dirty="0"/>
+              <a:t>, </a:t>
+            </a:r>
+            <a:r>
+              <a:rPr lang="es-ES" b="0" dirty="0" err="1"/>
+              <a:t>we</a:t>
+            </a:r>
+            <a:r>
+              <a:rPr lang="es-ES" b="0" dirty="0"/>
+              <a:t> </a:t>
+            </a:r>
+            <a:r>
+              <a:rPr lang="es-ES" b="0" dirty="0" err="1"/>
+              <a:t>could</a:t>
+            </a:r>
+            <a:r>
+              <a:rPr lang="es-ES" b="0" dirty="0"/>
+              <a:t> decide </a:t>
+            </a:r>
+            <a:r>
+              <a:rPr lang="es-ES" b="0" dirty="0" err="1"/>
+              <a:t>to</a:t>
+            </a:r>
+            <a:r>
+              <a:rPr lang="es-ES" b="0" dirty="0"/>
+              <a:t> </a:t>
+            </a:r>
+            <a:r>
+              <a:rPr lang="es-ES" b="0" dirty="0" err="1"/>
+              <a:t>go</a:t>
+            </a:r>
+            <a:r>
+              <a:rPr lang="es-ES" b="0" dirty="0"/>
+              <a:t> </a:t>
+            </a:r>
+            <a:r>
+              <a:rPr lang="es-ES" b="0" dirty="0" err="1"/>
+              <a:t>for</a:t>
+            </a:r>
+            <a:r>
+              <a:rPr lang="es-ES" b="0" dirty="0"/>
+              <a:t> a 3-way </a:t>
+            </a:r>
+            <a:r>
+              <a:rPr lang="es-ES" b="0" dirty="0" err="1"/>
+              <a:t>instead</a:t>
+            </a:r>
+            <a:r>
+              <a:rPr lang="es-ES" b="0" dirty="0"/>
+              <a:t> </a:t>
+            </a:r>
+            <a:r>
+              <a:rPr lang="es-ES" b="0" dirty="0" err="1"/>
+              <a:t>of</a:t>
+            </a:r>
+            <a:r>
+              <a:rPr lang="es-ES" b="0" dirty="0"/>
+              <a:t> 4-way </a:t>
+            </a:r>
+            <a:r>
+              <a:rPr lang="es-ES" b="0" dirty="0" err="1"/>
+              <a:t>split</a:t>
+            </a:r>
+            <a:r>
+              <a:rPr lang="es-ES" b="0" dirty="0"/>
+              <a:t> </a:t>
+            </a:r>
+            <a:r>
+              <a:rPr lang="es-ES" b="0" dirty="0" err="1"/>
+              <a:t>for</a:t>
+            </a:r>
+            <a:r>
+              <a:rPr lang="es-ES" b="0" dirty="0"/>
+              <a:t> </a:t>
+            </a:r>
+            <a:r>
+              <a:rPr lang="es-ES" b="0" dirty="0" err="1"/>
+              <a:t>the</a:t>
+            </a:r>
+            <a:r>
+              <a:rPr lang="es-ES" b="0" dirty="0"/>
+              <a:t> </a:t>
+            </a:r>
+            <a:r>
+              <a:rPr lang="es-ES" b="0" dirty="0" err="1"/>
+              <a:t>Creatinine</a:t>
+            </a:r>
+            <a:r>
+              <a:rPr lang="es-ES" b="0" dirty="0"/>
+              <a:t> variable. </a:t>
+            </a:r>
+            <a:r>
+              <a:rPr lang="es-ES" b="0" dirty="0" err="1"/>
+              <a:t>The</a:t>
+            </a:r>
+            <a:r>
+              <a:rPr lang="es-ES" b="0" dirty="0"/>
+              <a:t> </a:t>
+            </a:r>
+            <a:r>
+              <a:rPr lang="es-ES" b="0" dirty="0" err="1"/>
+              <a:t>two</a:t>
+            </a:r>
+            <a:r>
+              <a:rPr lang="es-ES" b="0" dirty="0"/>
+              <a:t> </a:t>
+            </a:r>
+            <a:r>
+              <a:rPr lang="es-ES" b="0" dirty="0" err="1"/>
+              <a:t>levels</a:t>
+            </a:r>
+            <a:r>
+              <a:rPr lang="es-ES" b="0" dirty="0"/>
+              <a:t> in </a:t>
+            </a:r>
+            <a:r>
+              <a:rPr lang="es-ES" b="0" dirty="0" err="1"/>
+              <a:t>the</a:t>
+            </a:r>
+            <a:r>
+              <a:rPr lang="es-ES" b="0" dirty="0"/>
+              <a:t> </a:t>
+            </a:r>
+            <a:r>
+              <a:rPr lang="es-ES" b="0" dirty="0" err="1"/>
+              <a:t>middle</a:t>
+            </a:r>
+            <a:r>
+              <a:rPr lang="es-ES" b="0" dirty="0"/>
+              <a:t> are </a:t>
+            </a:r>
+            <a:r>
+              <a:rPr lang="es-ES" b="0" dirty="0" err="1"/>
+              <a:t>very</a:t>
+            </a:r>
+            <a:r>
+              <a:rPr lang="es-ES" b="0" dirty="0"/>
+              <a:t> </a:t>
+            </a:r>
+            <a:r>
+              <a:rPr lang="es-ES" b="0" dirty="0" err="1"/>
+              <a:t>close</a:t>
+            </a:r>
+            <a:r>
+              <a:rPr lang="es-ES" b="0" dirty="0"/>
+              <a:t> (</a:t>
+            </a:r>
+            <a:r>
+              <a:rPr lang="es-ES" b="0" dirty="0" err="1"/>
+              <a:t>also</a:t>
+            </a:r>
+            <a:r>
+              <a:rPr lang="es-ES" b="0" dirty="0"/>
+              <a:t> in </a:t>
+            </a:r>
+            <a:r>
+              <a:rPr lang="es-ES" b="0" dirty="0" err="1"/>
+              <a:t>the</a:t>
+            </a:r>
+            <a:r>
+              <a:rPr lang="es-ES" b="0" dirty="0"/>
+              <a:t> </a:t>
+            </a:r>
+            <a:r>
+              <a:rPr lang="es-ES" b="0" dirty="0" err="1"/>
+              <a:t>next</a:t>
+            </a:r>
+            <a:r>
+              <a:rPr lang="es-ES" b="0" dirty="0"/>
+              <a:t> </a:t>
+            </a:r>
+            <a:r>
+              <a:rPr lang="es-ES" b="0" dirty="0" err="1"/>
+              <a:t>slide</a:t>
+            </a:r>
+            <a:r>
+              <a:rPr lang="es-ES" b="0" dirty="0"/>
+              <a:t>)</a:t>
+            </a:r>
             <a:endParaRPr lang="en-GB" b="0" dirty="0"/>
           </a:p>
         </p:txBody>
@@ -2175,6 +4408,278 @@
           <a:bodyPr/>
           <a:lstStyle/>
           <a:p>
+            <a:r>
+              <a:rPr lang="es-ES" b="0" dirty="0" err="1"/>
+              <a:t>Question</a:t>
+            </a:r>
+            <a:r>
+              <a:rPr lang="es-ES" b="0" dirty="0"/>
+              <a:t>: I am </a:t>
+            </a:r>
+            <a:r>
+              <a:rPr lang="es-ES" b="0" dirty="0" err="1"/>
+              <a:t>not</a:t>
+            </a:r>
+            <a:r>
+              <a:rPr lang="es-ES" b="0" dirty="0"/>
+              <a:t> </a:t>
+            </a:r>
+            <a:r>
+              <a:rPr lang="es-ES" b="0" dirty="0" err="1"/>
+              <a:t>sure</a:t>
+            </a:r>
+            <a:r>
+              <a:rPr lang="es-ES" b="0" dirty="0"/>
+              <a:t> </a:t>
+            </a:r>
+            <a:r>
+              <a:rPr lang="es-ES" b="0" dirty="0" err="1"/>
+              <a:t>if</a:t>
+            </a:r>
+            <a:r>
+              <a:rPr lang="es-ES" b="0" dirty="0"/>
+              <a:t> </a:t>
+            </a:r>
+            <a:r>
+              <a:rPr lang="es-ES" b="0" dirty="0" err="1"/>
+              <a:t>these</a:t>
+            </a:r>
+            <a:r>
+              <a:rPr lang="es-ES" b="0" dirty="0"/>
+              <a:t> </a:t>
+            </a:r>
+            <a:r>
+              <a:rPr lang="es-ES" b="0" dirty="0" err="1"/>
+              <a:t>three</a:t>
+            </a:r>
+            <a:r>
+              <a:rPr lang="es-ES" b="0" dirty="0"/>
+              <a:t> variables </a:t>
+            </a:r>
+            <a:r>
+              <a:rPr lang="es-ES" b="0" dirty="0" err="1"/>
+              <a:t>qualify</a:t>
+            </a:r>
+            <a:r>
+              <a:rPr lang="es-ES" b="0" dirty="0"/>
+              <a:t> as PH, as </a:t>
+            </a:r>
+            <a:r>
+              <a:rPr lang="es-ES" b="0" dirty="0" err="1"/>
+              <a:t>there</a:t>
+            </a:r>
+            <a:r>
+              <a:rPr lang="es-ES" b="0" dirty="0"/>
+              <a:t> are </a:t>
+            </a:r>
+            <a:r>
+              <a:rPr lang="es-ES" b="0" dirty="0" err="1"/>
+              <a:t>still</a:t>
+            </a:r>
+            <a:r>
+              <a:rPr lang="es-ES" b="0" dirty="0"/>
+              <a:t> </a:t>
+            </a:r>
+            <a:r>
+              <a:rPr lang="es-ES" b="0" dirty="0" err="1"/>
+              <a:t>some</a:t>
+            </a:r>
+            <a:r>
+              <a:rPr lang="es-ES" b="0" dirty="0"/>
+              <a:t> </a:t>
+            </a:r>
+            <a:r>
+              <a:rPr lang="es-ES" b="0" dirty="0" err="1"/>
+              <a:t>overlaps</a:t>
+            </a:r>
+            <a:r>
+              <a:rPr lang="es-ES" b="0" dirty="0"/>
+              <a:t> </a:t>
+            </a:r>
+            <a:r>
+              <a:rPr lang="es-ES" b="0" dirty="0" err="1"/>
+              <a:t>between</a:t>
+            </a:r>
+            <a:r>
+              <a:rPr lang="es-ES" b="0" dirty="0"/>
+              <a:t> </a:t>
+            </a:r>
+            <a:r>
+              <a:rPr lang="es-ES" b="0" dirty="0" err="1"/>
+              <a:t>the</a:t>
+            </a:r>
+            <a:r>
+              <a:rPr lang="es-ES" b="0" dirty="0"/>
+              <a:t> </a:t>
+            </a:r>
+            <a:r>
+              <a:rPr lang="es-ES" b="0" dirty="0" err="1"/>
+              <a:t>lines</a:t>
+            </a:r>
+            <a:r>
+              <a:rPr lang="es-ES" b="0" dirty="0"/>
+              <a:t>. </a:t>
+            </a:r>
+            <a:r>
+              <a:rPr lang="es-ES" b="0" dirty="0" err="1"/>
+              <a:t>If</a:t>
+            </a:r>
+            <a:r>
+              <a:rPr lang="es-ES" b="0" dirty="0"/>
+              <a:t> yes, </a:t>
+            </a:r>
+            <a:r>
+              <a:rPr lang="es-ES" b="0" dirty="0" err="1"/>
+              <a:t>then</a:t>
+            </a:r>
+            <a:r>
+              <a:rPr lang="es-ES" b="0" dirty="0"/>
+              <a:t> </a:t>
+            </a:r>
+            <a:r>
+              <a:rPr lang="es-ES" b="0" dirty="0" err="1"/>
+              <a:t>we</a:t>
+            </a:r>
+            <a:r>
+              <a:rPr lang="es-ES" b="0" dirty="0"/>
+              <a:t> </a:t>
+            </a:r>
+            <a:r>
+              <a:rPr lang="es-ES" b="0" dirty="0" err="1"/>
+              <a:t>should</a:t>
+            </a:r>
+            <a:r>
+              <a:rPr lang="es-ES" b="0" dirty="0"/>
+              <a:t> argue </a:t>
+            </a:r>
+            <a:r>
+              <a:rPr lang="es-ES" b="0" dirty="0" err="1"/>
+              <a:t>on</a:t>
+            </a:r>
+            <a:r>
+              <a:rPr lang="es-ES" b="0" dirty="0"/>
+              <a:t> </a:t>
+            </a:r>
+            <a:r>
+              <a:rPr lang="es-ES" b="0" dirty="0" err="1"/>
+              <a:t>the</a:t>
+            </a:r>
+            <a:r>
+              <a:rPr lang="es-ES" b="0" dirty="0"/>
+              <a:t> </a:t>
+            </a:r>
+            <a:r>
+              <a:rPr lang="es-ES" b="0" dirty="0" err="1"/>
+              <a:t>next</a:t>
+            </a:r>
+            <a:r>
+              <a:rPr lang="es-ES" b="0" dirty="0"/>
+              <a:t> </a:t>
+            </a:r>
+            <a:r>
+              <a:rPr lang="es-ES" b="0" dirty="0" err="1"/>
+              <a:t>slide</a:t>
+            </a:r>
+            <a:r>
+              <a:rPr lang="es-ES" b="0" dirty="0"/>
+              <a:t> </a:t>
+            </a:r>
+            <a:r>
+              <a:rPr lang="es-ES" b="0" dirty="0" err="1"/>
+              <a:t>that</a:t>
+            </a:r>
+            <a:r>
+              <a:rPr lang="es-ES" b="0" dirty="0"/>
+              <a:t> </a:t>
+            </a:r>
+            <a:r>
+              <a:rPr lang="es-ES" b="0" dirty="0" err="1"/>
+              <a:t>the</a:t>
+            </a:r>
+            <a:r>
+              <a:rPr lang="es-ES" b="0" dirty="0"/>
+              <a:t> </a:t>
+            </a:r>
+            <a:r>
+              <a:rPr lang="es-ES" b="0" dirty="0" err="1"/>
+              <a:t>logrank</a:t>
+            </a:r>
+            <a:r>
+              <a:rPr lang="es-ES" b="0" dirty="0"/>
+              <a:t> test can </a:t>
+            </a:r>
+            <a:r>
+              <a:rPr lang="es-ES" b="0" dirty="0" err="1"/>
+              <a:t>only</a:t>
+            </a:r>
+            <a:r>
+              <a:rPr lang="es-ES" b="0" dirty="0"/>
+              <a:t> be </a:t>
+            </a:r>
+            <a:r>
+              <a:rPr lang="es-ES" b="0" dirty="0" err="1"/>
+              <a:t>considered</a:t>
+            </a:r>
+            <a:r>
+              <a:rPr lang="es-ES" b="0" dirty="0"/>
+              <a:t> </a:t>
+            </a:r>
+            <a:r>
+              <a:rPr lang="es-ES" b="0" dirty="0" err="1"/>
+              <a:t>for</a:t>
+            </a:r>
+            <a:r>
+              <a:rPr lang="es-ES" b="0" dirty="0"/>
+              <a:t> </a:t>
+            </a:r>
+            <a:r>
+              <a:rPr lang="es-ES" b="0" dirty="0" err="1"/>
+              <a:t>these</a:t>
+            </a:r>
+            <a:r>
+              <a:rPr lang="es-ES" b="0" dirty="0"/>
+              <a:t> 3. </a:t>
+            </a:r>
+            <a:r>
+              <a:rPr lang="es-ES" b="0" dirty="0" err="1"/>
+              <a:t>For</a:t>
+            </a:r>
+            <a:r>
+              <a:rPr lang="es-ES" b="0" dirty="0"/>
+              <a:t> </a:t>
+            </a:r>
+            <a:r>
+              <a:rPr lang="es-ES" b="0" dirty="0" err="1"/>
+              <a:t>the</a:t>
+            </a:r>
+            <a:r>
+              <a:rPr lang="es-ES" b="0" dirty="0"/>
+              <a:t> </a:t>
+            </a:r>
+            <a:r>
+              <a:rPr lang="es-ES" b="0" dirty="0" err="1"/>
+              <a:t>rest</a:t>
+            </a:r>
+            <a:r>
+              <a:rPr lang="es-ES" b="0" dirty="0"/>
+              <a:t>, Wilcoxon </a:t>
+            </a:r>
+            <a:r>
+              <a:rPr lang="es-ES" b="0" dirty="0" err="1"/>
+              <a:t>should</a:t>
+            </a:r>
+            <a:r>
+              <a:rPr lang="es-ES" b="0" dirty="0"/>
+              <a:t> be </a:t>
+            </a:r>
+            <a:r>
+              <a:rPr lang="es-ES" b="0" dirty="0" err="1"/>
+              <a:t>looked</a:t>
+            </a:r>
+            <a:r>
+              <a:rPr lang="es-ES" b="0" dirty="0"/>
+              <a:t> at.</a:t>
+            </a:r>
             <a:endParaRPr lang="en-GB" b="0" dirty="0"/>
           </a:p>
         </p:txBody>
@@ -2259,6 +4764,42 @@
           <a:bodyPr/>
           <a:lstStyle/>
           <a:p>
+            <a:r>
+              <a:rPr lang="es-ES" b="0" dirty="0" err="1"/>
+              <a:t>See</a:t>
+            </a:r>
+            <a:r>
+              <a:rPr lang="es-ES" b="0" dirty="0"/>
+              <a:t> </a:t>
+            </a:r>
+            <a:r>
+              <a:rPr lang="es-ES" b="0" dirty="0" err="1"/>
+              <a:t>comment</a:t>
+            </a:r>
+            <a:r>
+              <a:rPr lang="es-ES" b="0" dirty="0"/>
+              <a:t> </a:t>
+            </a:r>
+            <a:r>
+              <a:rPr lang="es-ES" b="0" dirty="0" err="1"/>
+              <a:t>from</a:t>
+            </a:r>
+            <a:r>
+              <a:rPr lang="es-ES" b="0" dirty="0"/>
+              <a:t> </a:t>
+            </a:r>
+            <a:r>
+              <a:rPr lang="es-ES" b="0" dirty="0" err="1"/>
+              <a:t>slide</a:t>
+            </a:r>
+            <a:r>
+              <a:rPr lang="es-ES" b="0" dirty="0"/>
+              <a:t> </a:t>
+            </a:r>
+            <a:r>
+              <a:rPr lang="es-ES" b="0" dirty="0" err="1"/>
+              <a:t>before</a:t>
+            </a:r>
             <a:endParaRPr lang="en-GB" b="0" dirty="0"/>
           </a:p>
         </p:txBody>
@@ -2427,6 +4968,78 @@
           <a:bodyPr/>
           <a:lstStyle/>
           <a:p>
+            <a:r>
+              <a:rPr lang="es-ES" dirty="0" err="1"/>
+              <a:t>For</a:t>
+            </a:r>
+            <a:r>
+              <a:rPr lang="es-ES" dirty="0"/>
+              <a:t> CPK, </a:t>
+            </a:r>
+            <a:r>
+              <a:rPr lang="es-ES" dirty="0" err="1"/>
+              <a:t>the</a:t>
+            </a:r>
+            <a:r>
+              <a:rPr lang="es-ES" dirty="0"/>
+              <a:t> </a:t>
+            </a:r>
+            <a:r>
+              <a:rPr lang="es-ES" dirty="0" err="1"/>
+              <a:t>exact</a:t>
+            </a:r>
+            <a:r>
+              <a:rPr lang="es-ES" dirty="0"/>
+              <a:t> </a:t>
+            </a:r>
+            <a:r>
+              <a:rPr lang="es-ES" dirty="0" err="1"/>
+              <a:t>value</a:t>
+            </a:r>
+            <a:r>
+              <a:rPr lang="es-ES" dirty="0"/>
+              <a:t> </a:t>
+            </a:r>
+            <a:r>
+              <a:rPr lang="es-ES" dirty="0" err="1"/>
+              <a:t>is</a:t>
+            </a:r>
+            <a:r>
+              <a:rPr lang="es-ES" dirty="0"/>
+              <a:t>: </a:t>
+            </a:r>
+            <a:r>
+              <a:rPr lang="es-ES" dirty="0" err="1"/>
+              <a:t>exp</a:t>
+            </a:r>
+            <a:r>
+              <a:rPr lang="es-ES" dirty="0"/>
+              <a:t>(</a:t>
+            </a:r>
+            <a:r>
+              <a:rPr lang="es-ES" dirty="0" err="1"/>
+              <a:t>coef</a:t>
+            </a:r>
+            <a:r>
+              <a:rPr lang="es-ES" dirty="0"/>
+              <a:t>) = 1.000221 -&gt; </a:t>
+            </a:r>
+            <a:r>
+              <a:rPr lang="es-ES" dirty="0" err="1"/>
+              <a:t>significant</a:t>
+            </a:r>
+            <a:r>
+              <a:rPr lang="es-ES" dirty="0"/>
+              <a:t> </a:t>
+            </a:r>
+            <a:r>
+              <a:rPr lang="es-ES" dirty="0" err="1"/>
+              <a:t>risk</a:t>
+            </a:r>
+            <a:r>
+              <a:rPr lang="es-ES" dirty="0"/>
+              <a:t> factor</a:t>
+            </a:r>
             <a:endParaRPr lang="en-GB" dirty="0"/>
           </a:p>
         </p:txBody>
@@ -2768,7 +5381,7 @@
           <a:p>
             <a:fld id="{A1B2EB48-0D68-46EB-BB33-70996AFA08CC}" type="datetimeFigureOut">
               <a:rPr lang="en-GB" smtClean="0"/>
-              <a:t>01/06/2023</a:t>
+              <a:t>02/06/2023</a:t>
             </a:fld>
             <a:endParaRPr lang="en-GB"/>
           </a:p>
@@ -3103,7 +5716,7 @@
           <a:p>
             <a:fld id="{A1B2EB48-0D68-46EB-BB33-70996AFA08CC}" type="datetimeFigureOut">
               <a:rPr lang="en-GB" smtClean="0"/>
-              <a:t>01/06/2023</a:t>
+              <a:t>02/06/2023</a:t>
             </a:fld>
             <a:endParaRPr lang="en-GB"/>
           </a:p>
@@ -3406,7 +6019,7 @@
           <a:p>
             <a:fld id="{A1B2EB48-0D68-46EB-BB33-70996AFA08CC}" type="datetimeFigureOut">
               <a:rPr lang="en-GB" smtClean="0"/>
-              <a:t>01/06/2023</a:t>
+              <a:t>02/06/2023</a:t>
             </a:fld>
             <a:endParaRPr lang="en-GB"/>
           </a:p>
@@ -3654,7 +6267,7 @@
           <a:p>
             <a:fld id="{A1B2EB48-0D68-46EB-BB33-70996AFA08CC}" type="datetimeFigureOut">
               <a:rPr lang="en-GB" smtClean="0"/>
-              <a:t>01/06/2023</a:t>
+              <a:t>02/06/2023</a:t>
             </a:fld>
             <a:endParaRPr lang="en-GB"/>
           </a:p>
@@ -4062,7 +6675,7 @@
           <a:p>
             <a:fld id="{A1B2EB48-0D68-46EB-BB33-70996AFA08CC}" type="datetimeFigureOut">
               <a:rPr lang="en-GB" smtClean="0"/>
-              <a:t>01/06/2023</a:t>
+              <a:t>02/06/2023</a:t>
             </a:fld>
             <a:endParaRPr lang="en-GB"/>
           </a:p>
@@ -4377,7 +6990,7 @@
           <a:p>
             <a:fld id="{A1B2EB48-0D68-46EB-BB33-70996AFA08CC}" type="datetimeFigureOut">
               <a:rPr lang="en-GB" smtClean="0"/>
-              <a:t>01/06/2023</a:t>
+              <a:t>02/06/2023</a:t>
             </a:fld>
             <a:endParaRPr lang="en-GB"/>
           </a:p>
@@ -4922,7 +7535,7 @@
           <a:p>
             <a:fld id="{A1B2EB48-0D68-46EB-BB33-70996AFA08CC}" type="datetimeFigureOut">
               <a:rPr lang="en-GB" smtClean="0"/>
-              <a:t>01/06/2023</a:t>
+              <a:t>02/06/2023</a:t>
             </a:fld>
             <a:endParaRPr lang="en-GB"/>
           </a:p>
@@ -5118,7 +7731,7 @@
           <a:p>
             <a:fld id="{A1B2EB48-0D68-46EB-BB33-70996AFA08CC}" type="datetimeFigureOut">
               <a:rPr lang="en-GB" smtClean="0"/>
-              <a:t>01/06/2023</a:t>
+              <a:t>02/06/2023</a:t>
             </a:fld>
             <a:endParaRPr lang="en-GB"/>
           </a:p>
@@ -5332,7 +7945,7 @@
           <a:p>
             <a:fld id="{A1B2EB48-0D68-46EB-BB33-70996AFA08CC}" type="datetimeFigureOut">
               <a:rPr lang="en-GB" smtClean="0"/>
-              <a:t>01/06/2023</a:t>
+              <a:t>02/06/2023</a:t>
             </a:fld>
             <a:endParaRPr lang="en-GB"/>
           </a:p>
@@ -5702,7 +8315,7 @@
           <a:p>
             <a:fld id="{A1B2EB48-0D68-46EB-BB33-70996AFA08CC}" type="datetimeFigureOut">
               <a:rPr lang="en-GB" smtClean="0"/>
-              <a:t>01/06/2023</a:t>
+              <a:t>02/06/2023</a:t>
             </a:fld>
             <a:endParaRPr lang="en-GB"/>
           </a:p>
@@ -6106,7 +8719,7 @@
           <a:p>
             <a:fld id="{A1B2EB48-0D68-46EB-BB33-70996AFA08CC}" type="datetimeFigureOut">
               <a:rPr lang="en-GB" smtClean="0"/>
-              <a:t>01/06/2023</a:t>
+              <a:t>02/06/2023</a:t>
             </a:fld>
             <a:endParaRPr lang="en-GB"/>
           </a:p>
@@ -6418,7 +9031,7 @@
           <a:p>
             <a:fld id="{A1B2EB48-0D68-46EB-BB33-70996AFA08CC}" type="datetimeFigureOut">
               <a:rPr lang="en-GB" smtClean="0"/>
-              <a:t>01/06/2023</a:t>
+              <a:t>02/06/2023</a:t>
             </a:fld>
             <a:endParaRPr lang="en-GB"/>
           </a:p>
@@ -7149,7 +9762,7 @@
           <a:p>
             <a:r>
               <a:rPr lang="es-ES" dirty="0" err="1"/>
-              <a:t>ii</a:t>
+              <a:t>iii</a:t>
             </a:r>
             <a:r>
               <a:rPr lang="es-ES" dirty="0"/>
@@ -7278,6 +9891,10 @@
           </a:bodyPr>
           <a:lstStyle/>
           <a:p>
+            <a:pPr marL="285750" indent="-285750">
+              <a:buFont typeface="Arial" panose="020B0604020202020204" pitchFamily="34" charset="0"/>
+              <a:buChar char="•"/>
+            </a:pPr>
             <a:r>
               <a:rPr lang="es-ES" b="1" dirty="0"/>
               <a:t>Cox </a:t>
@@ -7443,7 +10060,7 @@
           <a:p>
             <a:r>
               <a:rPr lang="es-ES" dirty="0" err="1"/>
-              <a:t>ii</a:t>
+              <a:t>iii</a:t>
             </a:r>
             <a:r>
               <a:rPr lang="es-ES" dirty="0"/>
@@ -7514,7 +10131,7 @@
         </p:blipFill>
         <p:spPr>
           <a:xfrm>
-            <a:off x="1247932" y="2037783"/>
+            <a:off x="1244251" y="1969703"/>
             <a:ext cx="6614733" cy="1028789"/>
           </a:xfrm>
           <a:prstGeom prst="rect">
@@ -7522,12 +10139,156 @@
           </a:prstGeom>
         </p:spPr>
       </p:pic>
+      <p:sp>
+        <p:nvSpPr>
+          <p:cNvPr id="12" name="TextBox 11">
+            <a:extLst>
+              <a:ext uri="{FF2B5EF4-FFF2-40B4-BE49-F238E27FC236}">
+                <a16:creationId xmlns:a16="http://schemas.microsoft.com/office/drawing/2014/main" id="{266858B4-C6E2-2B4A-F0DA-96BD82EB3B96}"/>
+              </a:ext>
+            </a:extLst>
+          </p:cNvPr>
+          <p:cNvSpPr txBox="1"/>
+          <p:nvPr/>
+        </p:nvSpPr>
+        <p:spPr>
+          <a:xfrm>
+            <a:off x="7980788" y="1885285"/>
+            <a:ext cx="3198808" cy="1754326"/>
+          </a:xfrm>
+          <a:prstGeom prst="rect">
+            <a:avLst/>
+          </a:prstGeom>
+          <a:noFill/>
+        </p:spPr>
+        <p:txBody>
+          <a:bodyPr wrap="square" rtlCol="0">
+            <a:spAutoFit/>
+          </a:bodyPr>
+          <a:lstStyle/>
+          <a:p>
+            <a:pPr marL="285750" indent="-285750">
+              <a:buFont typeface="Arial" panose="020B0604020202020204" pitchFamily="34" charset="0"/>
+              <a:buChar char="•"/>
+            </a:pPr>
+            <a:r>
+              <a:rPr lang="es-ES" b="1" dirty="0" err="1"/>
+              <a:t>Backward</a:t>
+            </a:r>
+            <a:r>
+              <a:rPr lang="es-ES" b="1" dirty="0"/>
+              <a:t> </a:t>
+            </a:r>
+            <a:r>
+              <a:rPr lang="es-ES" b="1" dirty="0" err="1"/>
+              <a:t>selection</a:t>
+            </a:r>
+            <a:r>
+              <a:rPr lang="es-ES" dirty="0"/>
+              <a:t>: </a:t>
+            </a:r>
+            <a:r>
+              <a:rPr lang="es-ES" dirty="0" err="1"/>
+              <a:t>gradually</a:t>
+            </a:r>
+            <a:r>
+              <a:rPr lang="es-ES" dirty="0"/>
+              <a:t> reduce </a:t>
+            </a:r>
+            <a:r>
+              <a:rPr lang="es-ES" dirty="0" err="1"/>
+              <a:t>our</a:t>
+            </a:r>
+            <a:r>
+              <a:rPr lang="es-ES" dirty="0"/>
+              <a:t> </a:t>
+            </a:r>
+            <a:r>
+              <a:rPr lang="es-ES" dirty="0" err="1"/>
+              <a:t>baseline</a:t>
+            </a:r>
+            <a:r>
+              <a:rPr lang="es-ES" dirty="0"/>
+              <a:t> </a:t>
+            </a:r>
+            <a:r>
+              <a:rPr lang="es-ES" dirty="0" err="1"/>
+              <a:t>model</a:t>
+            </a:r>
+            <a:r>
+              <a:rPr lang="es-ES" dirty="0"/>
+              <a:t>, </a:t>
+            </a:r>
+            <a:r>
+              <a:rPr lang="es-ES" i="1" dirty="0" err="1">
+                <a:solidFill>
+                  <a:srgbClr val="FFFF00"/>
+                </a:solidFill>
+              </a:rPr>
+              <a:t>cox_all</a:t>
+            </a:r>
+            <a:r>
+              <a:rPr lang="es-ES" dirty="0"/>
+              <a:t>, </a:t>
+            </a:r>
+            <a:r>
+              <a:rPr lang="es-ES" dirty="0" err="1"/>
+              <a:t>by</a:t>
+            </a:r>
+            <a:r>
+              <a:rPr lang="es-ES" dirty="0"/>
+              <a:t> </a:t>
+            </a:r>
+            <a:r>
+              <a:rPr lang="es-ES" dirty="0" err="1"/>
+              <a:t>four</a:t>
+            </a:r>
+            <a:r>
+              <a:rPr lang="es-ES" dirty="0"/>
+              <a:t> variables </a:t>
+            </a:r>
+            <a:r>
+              <a:rPr lang="es-ES" dirty="0" err="1"/>
+              <a:t>which</a:t>
+            </a:r>
+            <a:r>
+              <a:rPr lang="es-ES" dirty="0"/>
+              <a:t> do </a:t>
+            </a:r>
+            <a:r>
+              <a:rPr lang="es-ES" dirty="0" err="1"/>
+              <a:t>not</a:t>
+            </a:r>
+            <a:r>
+              <a:rPr lang="es-ES" dirty="0"/>
+              <a:t> show </a:t>
+            </a:r>
+            <a:r>
+              <a:rPr lang="es-ES" dirty="0" err="1"/>
+              <a:t>significant</a:t>
+            </a:r>
+            <a:r>
+              <a:rPr lang="es-ES" dirty="0"/>
+              <a:t> </a:t>
+            </a:r>
+            <a:r>
+              <a:rPr lang="es-ES" dirty="0" err="1"/>
+              <a:t>effects</a:t>
+            </a:r>
+            <a:r>
+              <a:rPr lang="es-ES" dirty="0"/>
+              <a:t>. </a:t>
+            </a:r>
+            <a:endParaRPr lang="en-GB" dirty="0"/>
+          </a:p>
+        </p:txBody>
+      </p:sp>
       <p:pic>
         <p:nvPicPr>
-          <p:cNvPr id="11" name="Picture 10">
+          <p:cNvPr id="4" name="Picture 3">
             <a:extLst>
               <a:ext uri="{FF2B5EF4-FFF2-40B4-BE49-F238E27FC236}">
-                <a16:creationId xmlns:a16="http://schemas.microsoft.com/office/drawing/2014/main" id="{BA72DC02-707B-335E-BFB2-752C5EEA1288}"/>
+                <a16:creationId xmlns:a16="http://schemas.microsoft.com/office/drawing/2014/main" id="{A7CD4A61-2BAB-1D45-4A46-ECEDB0F565E9}"/>
               </a:ext>
             </a:extLst>
           </p:cNvPr>
@@ -7544,8 +10305,8 @@
         </p:blipFill>
         <p:spPr>
           <a:xfrm>
-            <a:off x="1247932" y="4795280"/>
-            <a:ext cx="2834886" cy="1501270"/>
+            <a:off x="1244251" y="3125120"/>
+            <a:ext cx="5738357" cy="2530059"/>
           </a:xfrm>
           <a:prstGeom prst="rect">
             <a:avLst/>
@@ -7554,10 +10315,10 @@
       </p:pic>
       <p:sp>
         <p:nvSpPr>
-          <p:cNvPr id="12" name="TextBox 11">
+          <p:cNvPr id="6" name="TextBox 5">
             <a:extLst>
               <a:ext uri="{FF2B5EF4-FFF2-40B4-BE49-F238E27FC236}">
-                <a16:creationId xmlns:a16="http://schemas.microsoft.com/office/drawing/2014/main" id="{266858B4-C6E2-2B4A-F0DA-96BD82EB3B96}"/>
+                <a16:creationId xmlns:a16="http://schemas.microsoft.com/office/drawing/2014/main" id="{192A0FC1-E8E6-C222-BD9E-9955F11B1C20}"/>
               </a:ext>
             </a:extLst>
           </p:cNvPr>
@@ -7566,8 +10327,8 @@
         </p:nvSpPr>
         <p:spPr>
           <a:xfrm>
-            <a:off x="1247932" y="3371567"/>
-            <a:ext cx="9975389" cy="646331"/>
+            <a:off x="1244251" y="5781807"/>
+            <a:ext cx="9123619" cy="646331"/>
           </a:xfrm>
           <a:prstGeom prst="rect">
             <a:avLst/>
@@ -7581,64 +10342,36 @@
           <a:lstStyle/>
           <a:p>
             <a:r>
-              <a:rPr lang="es-ES" b="1" dirty="0" err="1"/>
-              <a:t>Backward</a:t>
-            </a:r>
-            <a:r>
-              <a:rPr lang="es-ES" b="1" dirty="0"/>
-              <a:t> </a:t>
-            </a:r>
-            <a:r>
-              <a:rPr lang="es-ES" b="1" dirty="0" err="1"/>
-              <a:t>selection</a:t>
+              <a:rPr lang="es-ES" dirty="0" err="1"/>
+              <a:t>Significant</a:t>
+            </a:r>
+            <a:r>
+              <a:rPr lang="es-ES" dirty="0"/>
+              <a:t> </a:t>
+            </a:r>
+            <a:r>
+              <a:rPr lang="es-ES" dirty="0" err="1"/>
+              <a:t>risk</a:t>
+            </a:r>
+            <a:r>
+              <a:rPr lang="es-ES" dirty="0"/>
+              <a:t> </a:t>
+            </a:r>
+            <a:r>
+              <a:rPr lang="es-ES" dirty="0" err="1"/>
+              <a:t>factors</a:t>
             </a:r>
             <a:r>
               <a:rPr lang="es-ES" dirty="0"/>
               <a:t>: </a:t>
             </a:r>
             <a:r>
-              <a:rPr lang="es-ES" dirty="0" err="1"/>
-              <a:t>We</a:t>
-            </a:r>
-            <a:r>
-              <a:rPr lang="es-ES" dirty="0"/>
-              <a:t> are </a:t>
-            </a:r>
-            <a:r>
-              <a:rPr lang="es-ES" dirty="0" err="1"/>
-              <a:t>gradually</a:t>
-            </a:r>
-            <a:r>
-              <a:rPr lang="es-ES" dirty="0"/>
-              <a:t> </a:t>
-            </a:r>
-            <a:r>
-              <a:rPr lang="es-ES" dirty="0" err="1"/>
-              <a:t>reducing</a:t>
-            </a:r>
-            <a:r>
-              <a:rPr lang="es-ES" dirty="0"/>
-              <a:t> </a:t>
-            </a:r>
-            <a:r>
-              <a:rPr lang="es-ES" dirty="0" err="1"/>
-              <a:t>our</a:t>
-            </a:r>
-            <a:r>
-              <a:rPr lang="es-ES" dirty="0"/>
-              <a:t> </a:t>
-            </a:r>
-            <a:r>
-              <a:rPr lang="es-ES" dirty="0" err="1"/>
-              <a:t>baseline</a:t>
-            </a:r>
-            <a:r>
-              <a:rPr lang="es-ES" dirty="0"/>
-              <a:t> </a:t>
-            </a:r>
-            <a:r>
-              <a:rPr lang="es-ES" dirty="0" err="1"/>
-              <a:t>model</a:t>
+              <a:rPr lang="es-ES" i="1" dirty="0">
+                <a:solidFill>
+                  <a:srgbClr val="FFFF00"/>
+                </a:solidFill>
+              </a:rPr>
+              <a:t>Age</a:t>
             </a:r>
             <a:r>
               <a:rPr lang="es-ES" dirty="0"/>
@@ -7650,75 +10383,23 @@
                   <a:srgbClr val="FFFF00"/>
                 </a:solidFill>
               </a:rPr>
-              <a:t>cox_all</a:t>
+              <a:t>Creatinine</a:t>
             </a:r>
             <a:r>
               <a:rPr lang="es-ES" dirty="0"/>
               <a:t>, </a:t>
             </a:r>
             <a:r>
-              <a:rPr lang="es-ES" dirty="0" err="1"/>
-              <a:t>by</a:t>
-            </a:r>
-            <a:r>
-              <a:rPr lang="es-ES" dirty="0"/>
-              <a:t> </a:t>
-            </a:r>
-            <a:r>
-              <a:rPr lang="es-ES" dirty="0" err="1"/>
-              <a:t>four</a:t>
-            </a:r>
-            <a:r>
-              <a:rPr lang="es-ES" dirty="0"/>
-              <a:t> variables </a:t>
-            </a:r>
-            <a:r>
-              <a:rPr lang="es-ES" dirty="0" err="1"/>
-              <a:t>which</a:t>
-            </a:r>
-            <a:r>
-              <a:rPr lang="es-ES" dirty="0"/>
-              <a:t> do </a:t>
-            </a:r>
-            <a:r>
-              <a:rPr lang="es-ES" dirty="0" err="1"/>
-              <a:t>not</a:t>
-            </a:r>
-            <a:r>
-              <a:rPr lang="es-ES" dirty="0"/>
-              <a:t> show </a:t>
-            </a:r>
-            <a:r>
-              <a:rPr lang="es-ES" dirty="0" err="1"/>
-              <a:t>significant</a:t>
-            </a:r>
-            <a:r>
-              <a:rPr lang="es-ES" dirty="0"/>
-              <a:t> </a:t>
-            </a:r>
-            <a:r>
-              <a:rPr lang="es-ES" dirty="0" err="1"/>
-              <a:t>effects</a:t>
-            </a:r>
-            <a:r>
-              <a:rPr lang="es-ES" dirty="0"/>
-              <a:t>. </a:t>
-            </a:r>
-            <a:r>
-              <a:rPr lang="es-ES" dirty="0" err="1"/>
-              <a:t>The</a:t>
-            </a:r>
-            <a:r>
-              <a:rPr lang="es-ES" dirty="0"/>
-              <a:t> </a:t>
-            </a:r>
-            <a:r>
-              <a:rPr lang="es-ES" dirty="0" err="1"/>
-              <a:t>remaining</a:t>
-            </a:r>
-            <a:r>
-              <a:rPr lang="es-ES" dirty="0"/>
-              <a:t> variables in </a:t>
+              <a:rPr lang="es-ES" i="1" dirty="0">
+                <a:solidFill>
+                  <a:srgbClr val="FFFF00"/>
+                </a:solidFill>
+              </a:rPr>
+              <a:t>BP</a:t>
+            </a:r>
+            <a:r>
+              <a:rPr lang="es-ES" dirty="0"/>
+              <a:t>, </a:t>
             </a:r>
             <a:r>
               <a:rPr lang="es-ES" i="1" dirty="0" err="1">
@@ -7726,7 +10407,11 @@
                   <a:srgbClr val="FFFF00"/>
                 </a:solidFill>
               </a:rPr>
-              <a:t>cox_reduced</a:t>
+              <a:t>Anaemia</a:t>
+            </a:r>
+            <a:r>
+              <a:rPr lang="es-ES" dirty="0"/>
+              <a:t>, </a:t>
             </a:r>
             <a:r>
               <a:rPr lang="es-ES" i="1" dirty="0">
@@ -7734,38 +10419,64 @@
                   <a:srgbClr val="FFFF00"/>
                 </a:solidFill>
               </a:rPr>
-              <a:t> </a:t>
-            </a:r>
-            <a:r>
-              <a:rPr lang="es-ES" dirty="0"/>
-              <a:t>are </a:t>
-            </a:r>
-            <a:r>
-              <a:rPr lang="es-ES" dirty="0" err="1"/>
-              <a:t>all</a:t>
-            </a:r>
-            <a:r>
-              <a:rPr lang="es-ES" dirty="0"/>
-              <a:t> </a:t>
-            </a:r>
-            <a:r>
-              <a:rPr lang="es-ES" dirty="0" err="1"/>
-              <a:t>significant</a:t>
-            </a:r>
-            <a:r>
-              <a:rPr lang="es-ES" dirty="0"/>
-              <a:t>. </a:t>
-            </a:r>
-            <a:endParaRPr lang="en-GB" dirty="0"/>
+              <a:t>CPK</a:t>
+            </a:r>
+          </a:p>
+          <a:p>
+            <a:r>
+              <a:rPr lang="es-ES" dirty="0" err="1"/>
+              <a:t>Significant</a:t>
+            </a:r>
+            <a:r>
+              <a:rPr lang="es-ES" dirty="0"/>
+              <a:t> </a:t>
+            </a:r>
+            <a:r>
+              <a:rPr lang="es-ES" dirty="0" err="1"/>
+              <a:t>protective</a:t>
+            </a:r>
+            <a:r>
+              <a:rPr lang="es-ES" dirty="0"/>
+              <a:t> </a:t>
+            </a:r>
+            <a:r>
+              <a:rPr lang="es-ES" dirty="0" err="1"/>
+              <a:t>factors</a:t>
+            </a:r>
+            <a:r>
+              <a:rPr lang="es-ES" dirty="0"/>
+              <a:t>: </a:t>
+            </a:r>
+            <a:r>
+              <a:rPr lang="es-ES" i="1" dirty="0" err="1">
+                <a:solidFill>
+                  <a:srgbClr val="FFFF00"/>
+                </a:solidFill>
+              </a:rPr>
+              <a:t>Ejection.Fraction</a:t>
+            </a:r>
+            <a:r>
+              <a:rPr lang="es-ES" dirty="0"/>
+              <a:t>, </a:t>
+            </a:r>
+            <a:r>
+              <a:rPr lang="es-ES" i="1" dirty="0" err="1">
+                <a:solidFill>
+                  <a:srgbClr val="FFFF00"/>
+                </a:solidFill>
+              </a:rPr>
+              <a:t>Sodium</a:t>
+            </a:r>
+            <a:endParaRPr lang="es-ES" dirty="0"/>
           </a:p>
         </p:txBody>
       </p:sp>
       <p:sp>
         <p:nvSpPr>
-          <p:cNvPr id="13" name="TextBox 12">
+          <p:cNvPr id="7" name="TextBox 6">
             <a:extLst>
               <a:ext uri="{FF2B5EF4-FFF2-40B4-BE49-F238E27FC236}">
-                <a16:creationId xmlns:a16="http://schemas.microsoft.com/office/drawing/2014/main" id="{54F54134-9C78-4D9C-A321-13C4B1DFD359}"/>
+                <a16:creationId xmlns:a16="http://schemas.microsoft.com/office/drawing/2014/main" id="{935A9DA5-8FC6-99A9-427D-5CBA2A927494}"/>
               </a:ext>
             </a:extLst>
           </p:cNvPr>
@@ -7774,8 +10485,8 @@
         </p:nvSpPr>
         <p:spPr>
           <a:xfrm>
-            <a:off x="4388345" y="4876020"/>
-            <a:ext cx="6722242" cy="1200329"/>
+            <a:off x="7980788" y="3594970"/>
+            <a:ext cx="3198808" cy="923330"/>
           </a:xfrm>
           <a:prstGeom prst="rect">
             <a:avLst/>
@@ -7788,52 +10499,36 @@
           </a:bodyPr>
           <a:lstStyle/>
           <a:p>
-            <a:r>
-              <a:rPr lang="es-ES" b="1" dirty="0" err="1"/>
-              <a:t>Testing</a:t>
-            </a:r>
-            <a:r>
-              <a:rPr lang="es-ES" b="1" dirty="0"/>
-              <a:t> </a:t>
-            </a:r>
-            <a:r>
-              <a:rPr lang="es-ES" b="1" dirty="0" err="1"/>
-              <a:t>for</a:t>
-            </a:r>
-            <a:r>
-              <a:rPr lang="es-ES" b="1" dirty="0"/>
-              <a:t> </a:t>
-            </a:r>
-            <a:r>
-              <a:rPr lang="es-ES" b="1" dirty="0" err="1"/>
-              <a:t>proportional</a:t>
-            </a:r>
-            <a:r>
-              <a:rPr lang="es-ES" b="1" dirty="0"/>
-              <a:t> </a:t>
-            </a:r>
-            <a:r>
-              <a:rPr lang="es-ES" b="1" dirty="0" err="1"/>
-              <a:t>hazard</a:t>
-            </a:r>
-            <a:r>
-              <a:rPr lang="es-ES" dirty="0"/>
-              <a:t>: </a:t>
-            </a:r>
-            <a:r>
-              <a:rPr lang="en-US" dirty="0"/>
-              <a:t>Globally, the PH assumption stands in all tests. Only </a:t>
-            </a:r>
-            <a:r>
-              <a:rPr lang="en-US" i="1" dirty="0" err="1">
+            <a:pPr marL="285750" indent="-285750">
+              <a:buFont typeface="Arial" panose="020B0604020202020204" pitchFamily="34" charset="0"/>
+              <a:buChar char="•"/>
+            </a:pPr>
+            <a:r>
+              <a:rPr lang="es-ES" dirty="0" err="1"/>
+              <a:t>The</a:t>
+            </a:r>
+            <a:r>
+              <a:rPr lang="es-ES" dirty="0"/>
+              <a:t> </a:t>
+            </a:r>
+            <a:r>
+              <a:rPr lang="es-ES" dirty="0" err="1"/>
+              <a:t>remaining</a:t>
+            </a:r>
+            <a:r>
+              <a:rPr lang="es-ES" dirty="0"/>
+              <a:t> variables in </a:t>
+            </a:r>
+            <a:r>
+              <a:rPr lang="es-ES" i="1" dirty="0" err="1">
                 <a:solidFill>
                   <a:srgbClr val="FFFF00"/>
                 </a:solidFill>
               </a:rPr>
-              <a:t>Ejection.Fraction</a:t>
-            </a:r>
-            <a:r>
-              <a:rPr lang="en-US" i="1" dirty="0">
+              <a:t>cox_reduced</a:t>
+            </a:r>
+            <a:r>
+              <a:rPr lang="es-ES" i="1" dirty="0">
                 <a:solidFill>
                   <a:srgbClr val="FFFF00"/>
                 </a:solidFill>
@@ -7841,51 +10536,28 @@
               <a:t> </a:t>
             </a:r>
             <a:r>
-              <a:rPr lang="en-US" dirty="0"/>
-              <a:t>shows inconsistent </a:t>
-            </a:r>
-            <a:r>
-              <a:rPr lang="en-US" dirty="0" err="1"/>
-              <a:t>behaviour</a:t>
-            </a:r>
-            <a:r>
-              <a:rPr lang="en-US" dirty="0"/>
-              <a:t> for the PH assumption under the 'identity' and 'km’ transformations.</a:t>
-            </a:r>
-            <a:endParaRPr lang="en-GB" dirty="0"/>
+              <a:rPr lang="es-ES" dirty="0"/>
+              <a:t>are </a:t>
+            </a:r>
+            <a:r>
+              <a:rPr lang="es-ES" dirty="0" err="1"/>
+              <a:t>all</a:t>
+            </a:r>
+            <a:r>
+              <a:rPr lang="es-ES" dirty="0"/>
+              <a:t> </a:t>
+            </a:r>
+            <a:r>
+              <a:rPr lang="es-ES" dirty="0" err="1"/>
+              <a:t>significant</a:t>
+            </a:r>
+            <a:r>
+              <a:rPr lang="es-ES" dirty="0"/>
+              <a:t>.</a:t>
+            </a:r>
           </a:p>
         </p:txBody>
       </p:sp>
-      <p:pic>
-        <p:nvPicPr>
-          <p:cNvPr id="15" name="Picture 14">
-            <a:extLst>
-              <a:ext uri="{FF2B5EF4-FFF2-40B4-BE49-F238E27FC236}">
-                <a16:creationId xmlns:a16="http://schemas.microsoft.com/office/drawing/2014/main" id="{51CD6BD5-3F4C-DDA2-1657-3D56D7F22735}"/>
-              </a:ext>
-            </a:extLst>
-          </p:cNvPr>
-          <p:cNvPicPr>
-            <a:picLocks noChangeAspect="1"/>
-          </p:cNvPicPr>
-          <p:nvPr/>
-        </p:nvPicPr>
-        <p:blipFill>
-          <a:blip r:embed="rId5"/>
-          <a:stretch>
-            <a:fillRect/>
-          </a:stretch>
-        </p:blipFill>
-        <p:spPr>
-          <a:xfrm>
-            <a:off x="1247932" y="4322893"/>
-            <a:ext cx="6264183" cy="320068"/>
-          </a:xfrm>
-          <a:prstGeom prst="rect">
-            <a:avLst/>
-          </a:prstGeom>
-        </p:spPr>
-      </p:pic>
     </p:spTree>
     <p:extLst>
       <p:ext uri="{BB962C8B-B14F-4D97-AF65-F5344CB8AC3E}">
@@ -7939,7 +10611,7 @@
           <a:p>
             <a:r>
               <a:rPr lang="es-ES" dirty="0" err="1"/>
-              <a:t>ii</a:t>
+              <a:t>iii</a:t>
             </a:r>
             <a:r>
               <a:rPr lang="es-ES" dirty="0"/>
@@ -7974,57 +10646,308 @@
             </a:r>
             <a:r>
               <a:rPr lang="es-ES" dirty="0" err="1"/>
-              <a:t>With</a:t>
-            </a:r>
-            <a:r>
-              <a:rPr lang="es-ES" dirty="0"/>
-              <a:t> time </a:t>
-            </a:r>
-            <a:r>
-              <a:rPr lang="es-ES" dirty="0" err="1"/>
-              <a:t>varying</a:t>
-            </a:r>
-            <a:r>
-              <a:rPr lang="es-ES" dirty="0"/>
-              <a:t> </a:t>
-            </a:r>
-            <a:r>
-              <a:rPr lang="es-ES" dirty="0" err="1"/>
-              <a:t>coefficients</a:t>
+              <a:t>Reduced</a:t>
+            </a:r>
+            <a:r>
+              <a:rPr lang="es-ES" dirty="0"/>
+              <a:t> </a:t>
+            </a:r>
+            <a:r>
+              <a:rPr lang="es-ES" dirty="0" err="1"/>
+              <a:t>model</a:t>
             </a:r>
             <a:endParaRPr lang="en-GB" dirty="0"/>
           </a:p>
         </p:txBody>
       </p:sp>
-      <p:sp>
-        <p:nvSpPr>
-          <p:cNvPr id="3" name="Content Placeholder 2">
+      <p:pic>
+        <p:nvPicPr>
+          <p:cNvPr id="11" name="Picture 10">
             <a:extLst>
               <a:ext uri="{FF2B5EF4-FFF2-40B4-BE49-F238E27FC236}">
-                <a16:creationId xmlns:a16="http://schemas.microsoft.com/office/drawing/2014/main" id="{00097D50-5ACB-4FDD-50C2-902AABD801B5}"/>
+                <a16:creationId xmlns:a16="http://schemas.microsoft.com/office/drawing/2014/main" id="{BA72DC02-707B-335E-BFB2-752C5EEA1288}"/>
               </a:ext>
             </a:extLst>
           </p:cNvPr>
-          <p:cNvSpPr>
-            <a:spLocks noGrp="1"/>
-          </p:cNvSpPr>
-          <p:nvPr>
-            <p:ph idx="1"/>
-          </p:nvPr>
-        </p:nvSpPr>
-        <p:spPr/>
+          <p:cNvPicPr>
+            <a:picLocks noChangeAspect="1"/>
+          </p:cNvPicPr>
+          <p:nvPr/>
+        </p:nvPicPr>
+        <p:blipFill>
+          <a:blip r:embed="rId3"/>
+          <a:stretch>
+            <a:fillRect/>
+          </a:stretch>
+        </p:blipFill>
+        <p:spPr>
+          <a:xfrm>
+            <a:off x="1247932" y="2510151"/>
+            <a:ext cx="2834886" cy="1501270"/>
+          </a:xfrm>
+          <a:prstGeom prst="rect">
+            <a:avLst/>
+          </a:prstGeom>
+        </p:spPr>
+      </p:pic>
+      <p:sp>
+        <p:nvSpPr>
+          <p:cNvPr id="13" name="TextBox 12">
+            <a:extLst>
+              <a:ext uri="{FF2B5EF4-FFF2-40B4-BE49-F238E27FC236}">
+                <a16:creationId xmlns:a16="http://schemas.microsoft.com/office/drawing/2014/main" id="{54F54134-9C78-4D9C-A321-13C4B1DFD359}"/>
+              </a:ext>
+            </a:extLst>
+          </p:cNvPr>
+          <p:cNvSpPr txBox="1"/>
+          <p:nvPr/>
+        </p:nvSpPr>
+        <p:spPr>
+          <a:xfrm>
+            <a:off x="4221826" y="2245124"/>
+            <a:ext cx="6722242" cy="2031325"/>
+          </a:xfrm>
+          <a:prstGeom prst="rect">
+            <a:avLst/>
+          </a:prstGeom>
+          <a:noFill/>
+        </p:spPr>
         <p:txBody>
-          <a:bodyPr/>
+          <a:bodyPr wrap="square" rtlCol="0">
+            <a:spAutoFit/>
+          </a:bodyPr>
           <a:lstStyle/>
           <a:p>
-            <a:endParaRPr lang="en-GB"/>
+            <a:pPr marL="285750" indent="-285750">
+              <a:buFont typeface="Arial" panose="020B0604020202020204" pitchFamily="34" charset="0"/>
+              <a:buChar char="•"/>
+            </a:pPr>
+            <a:r>
+              <a:rPr lang="en-US" b="1" dirty="0"/>
+              <a:t>Global test on Schoenfeld residuals</a:t>
+            </a:r>
+            <a:r>
+              <a:rPr lang="es-ES" dirty="0"/>
+              <a:t>: </a:t>
+            </a:r>
+            <a:r>
+              <a:rPr lang="en-US" dirty="0"/>
+              <a:t>Globally, the PH assumption stands in all tests (under ‘identity’, ‘rank’, ‘log’, and ‘km’ transformations). </a:t>
+            </a:r>
+          </a:p>
+          <a:p>
+            <a:pPr marL="285750" indent="-285750">
+              <a:buFont typeface="Arial" panose="020B0604020202020204" pitchFamily="34" charset="0"/>
+              <a:buChar char="•"/>
+            </a:pPr>
+            <a:r>
+              <a:rPr lang="en-US" dirty="0"/>
+              <a:t>Only </a:t>
+            </a:r>
+            <a:r>
+              <a:rPr lang="en-US" i="1" dirty="0" err="1">
+                <a:solidFill>
+                  <a:srgbClr val="FFFF00"/>
+                </a:solidFill>
+              </a:rPr>
+              <a:t>Ejection.Fraction</a:t>
+            </a:r>
+            <a:r>
+              <a:rPr lang="en-US" i="1" dirty="0">
+                <a:solidFill>
+                  <a:srgbClr val="FFFF00"/>
+                </a:solidFill>
+              </a:rPr>
+              <a:t> </a:t>
+            </a:r>
+            <a:r>
+              <a:rPr lang="en-US" dirty="0"/>
+              <a:t>shows inconsistent </a:t>
+            </a:r>
+            <a:r>
+              <a:rPr lang="en-US" dirty="0" err="1"/>
+              <a:t>behaviour</a:t>
+            </a:r>
+            <a:r>
+              <a:rPr lang="en-US" dirty="0"/>
+              <a:t>: The PH assumption is rejected under the 'identity' and 'km’ transformations.</a:t>
+            </a:r>
+          </a:p>
+          <a:p>
+            <a:pPr marL="285750" indent="-285750">
+              <a:buFont typeface="Arial" panose="020B0604020202020204" pitchFamily="34" charset="0"/>
+              <a:buChar char="•"/>
+            </a:pPr>
+            <a:r>
+              <a:rPr lang="en-US" dirty="0"/>
+              <a:t>However, the Schoenfeld residuals show a mixed </a:t>
+            </a:r>
+            <a:r>
+              <a:rPr lang="en-US" dirty="0" err="1"/>
+              <a:t>behaviour</a:t>
+            </a:r>
+            <a:r>
+              <a:rPr lang="en-US" dirty="0"/>
+              <a:t>:</a:t>
+            </a:r>
+            <a:endParaRPr lang="en-GB" dirty="0"/>
           </a:p>
         </p:txBody>
       </p:sp>
+      <p:pic>
+        <p:nvPicPr>
+          <p:cNvPr id="15" name="Picture 14">
+            <a:extLst>
+              <a:ext uri="{FF2B5EF4-FFF2-40B4-BE49-F238E27FC236}">
+                <a16:creationId xmlns:a16="http://schemas.microsoft.com/office/drawing/2014/main" id="{51CD6BD5-3F4C-DDA2-1657-3D56D7F22735}"/>
+              </a:ext>
+            </a:extLst>
+          </p:cNvPr>
+          <p:cNvPicPr>
+            <a:picLocks noChangeAspect="1"/>
+          </p:cNvPicPr>
+          <p:nvPr/>
+        </p:nvPicPr>
+        <p:blipFill>
+          <a:blip r:embed="rId4"/>
+          <a:stretch>
+            <a:fillRect/>
+          </a:stretch>
+        </p:blipFill>
+        <p:spPr>
+          <a:xfrm>
+            <a:off x="1247932" y="1864907"/>
+            <a:ext cx="6264183" cy="320068"/>
+          </a:xfrm>
+          <a:prstGeom prst="rect">
+            <a:avLst/>
+          </a:prstGeom>
+        </p:spPr>
+      </p:pic>
+      <p:pic>
+        <p:nvPicPr>
+          <p:cNvPr id="7" name="Picture 6">
+            <a:extLst>
+              <a:ext uri="{FF2B5EF4-FFF2-40B4-BE49-F238E27FC236}">
+                <a16:creationId xmlns:a16="http://schemas.microsoft.com/office/drawing/2014/main" id="{C65DE0E6-1AFE-5FBB-3555-E94B535EC217}"/>
+              </a:ext>
+            </a:extLst>
+          </p:cNvPr>
+          <p:cNvPicPr>
+            <a:picLocks noChangeAspect="1"/>
+          </p:cNvPicPr>
+          <p:nvPr/>
+        </p:nvPicPr>
+        <p:blipFill>
+          <a:blip r:embed="rId5"/>
+          <a:stretch>
+            <a:fillRect/>
+          </a:stretch>
+        </p:blipFill>
+        <p:spPr>
+          <a:xfrm>
+            <a:off x="6332225" y="4336598"/>
+            <a:ext cx="2403138" cy="2403138"/>
+          </a:xfrm>
+          <a:prstGeom prst="rect">
+            <a:avLst/>
+          </a:prstGeom>
+        </p:spPr>
+      </p:pic>
+      <p:pic>
+        <p:nvPicPr>
+          <p:cNvPr id="9" name="Picture 8">
+            <a:extLst>
+              <a:ext uri="{FF2B5EF4-FFF2-40B4-BE49-F238E27FC236}">
+                <a16:creationId xmlns:a16="http://schemas.microsoft.com/office/drawing/2014/main" id="{8C8F4F9F-75D4-73EC-B6CE-F21E30E551C4}"/>
+              </a:ext>
+            </a:extLst>
+          </p:cNvPr>
+          <p:cNvPicPr>
+            <a:picLocks noChangeAspect="1"/>
+          </p:cNvPicPr>
+          <p:nvPr/>
+        </p:nvPicPr>
+        <p:blipFill>
+          <a:blip r:embed="rId6"/>
+          <a:stretch>
+            <a:fillRect/>
+          </a:stretch>
+        </p:blipFill>
+        <p:spPr>
+          <a:xfrm>
+            <a:off x="3790079" y="4336598"/>
+            <a:ext cx="2403138" cy="2403138"/>
+          </a:xfrm>
+          <a:prstGeom prst="rect">
+            <a:avLst/>
+          </a:prstGeom>
+        </p:spPr>
+      </p:pic>
+      <p:pic>
+        <p:nvPicPr>
+          <p:cNvPr id="14" name="Picture 13">
+            <a:extLst>
+              <a:ext uri="{FF2B5EF4-FFF2-40B4-BE49-F238E27FC236}">
+                <a16:creationId xmlns:a16="http://schemas.microsoft.com/office/drawing/2014/main" id="{136555D1-3944-694E-C3BB-B90F19A9D6C5}"/>
+              </a:ext>
+            </a:extLst>
+          </p:cNvPr>
+          <p:cNvPicPr>
+            <a:picLocks noChangeAspect="1"/>
+          </p:cNvPicPr>
+          <p:nvPr/>
+        </p:nvPicPr>
+        <p:blipFill>
+          <a:blip r:embed="rId7"/>
+          <a:stretch>
+            <a:fillRect/>
+          </a:stretch>
+        </p:blipFill>
+        <p:spPr>
+          <a:xfrm>
+            <a:off x="1247932" y="4336598"/>
+            <a:ext cx="2403139" cy="2403139"/>
+          </a:xfrm>
+          <a:prstGeom prst="rect">
+            <a:avLst/>
+          </a:prstGeom>
+        </p:spPr>
+      </p:pic>
+      <p:pic>
+        <p:nvPicPr>
+          <p:cNvPr id="17" name="Picture 16">
+            <a:extLst>
+              <a:ext uri="{FF2B5EF4-FFF2-40B4-BE49-F238E27FC236}">
+                <a16:creationId xmlns:a16="http://schemas.microsoft.com/office/drawing/2014/main" id="{B2CCF7CF-05CF-9BF0-C199-2985DD0B7B82}"/>
+              </a:ext>
+            </a:extLst>
+          </p:cNvPr>
+          <p:cNvPicPr>
+            <a:picLocks noChangeAspect="1"/>
+          </p:cNvPicPr>
+          <p:nvPr/>
+        </p:nvPicPr>
+        <p:blipFill>
+          <a:blip r:embed="rId8"/>
+          <a:stretch>
+            <a:fillRect/>
+          </a:stretch>
+        </p:blipFill>
+        <p:spPr>
+          <a:xfrm>
+            <a:off x="8888726" y="4336598"/>
+            <a:ext cx="2403138" cy="2403138"/>
+          </a:xfrm>
+          <a:prstGeom prst="rect">
+            <a:avLst/>
+          </a:prstGeom>
+        </p:spPr>
+      </p:pic>
     </p:spTree>
     <p:extLst>
       <p:ext uri="{BB962C8B-B14F-4D97-AF65-F5344CB8AC3E}">
-        <p14:creationId xmlns:p14="http://schemas.microsoft.com/office/powerpoint/2010/main" val="3708354059"/>
+        <p14:creationId xmlns:p14="http://schemas.microsoft.com/office/powerpoint/2010/main" val="4065129981"/>
       </p:ext>
     </p:extLst>
   </p:cSld>
@@ -8082,45 +11005,444 @@
             </a:r>
             <a:r>
               <a:rPr lang="es-ES" dirty="0" err="1"/>
-              <a:t>Linearity</a:t>
-            </a:r>
-            <a:r>
-              <a:rPr lang="es-ES" dirty="0"/>
-              <a:t> test</a:t>
+              <a:t>Multivariate</a:t>
+            </a:r>
+            <a:r>
+              <a:rPr lang="es-ES" dirty="0"/>
+              <a:t> Cox </a:t>
+            </a:r>
+            <a:r>
+              <a:rPr lang="es-ES" dirty="0" err="1"/>
+              <a:t>regression</a:t>
+            </a:r>
+            <a:r>
+              <a:rPr lang="es-ES" dirty="0"/>
+              <a:t> </a:t>
+            </a:r>
+            <a:r>
+              <a:rPr lang="es-ES" dirty="0" err="1"/>
+              <a:t>model</a:t>
+            </a:r>
+            <a:br>
+              <a:rPr lang="es-ES" dirty="0"/>
+            </a:br>
+            <a:r>
+              <a:rPr lang="es-ES" dirty="0"/>
+              <a:t>C. </a:t>
+            </a:r>
+            <a:r>
+              <a:rPr lang="es-ES" dirty="0" err="1"/>
+              <a:t>Model</a:t>
+            </a:r>
+            <a:r>
+              <a:rPr lang="es-ES" dirty="0"/>
+              <a:t> </a:t>
+            </a:r>
+            <a:r>
+              <a:rPr lang="es-ES" dirty="0" err="1"/>
+              <a:t>with</a:t>
+            </a:r>
+            <a:r>
+              <a:rPr lang="es-ES" dirty="0"/>
+              <a:t> time </a:t>
+            </a:r>
+            <a:r>
+              <a:rPr lang="es-ES" dirty="0" err="1"/>
+              <a:t>varying</a:t>
+            </a:r>
+            <a:r>
+              <a:rPr lang="es-ES" dirty="0"/>
+              <a:t> </a:t>
+            </a:r>
+            <a:r>
+              <a:rPr lang="es-ES" dirty="0" err="1"/>
+              <a:t>coefficients</a:t>
             </a:r>
             <a:endParaRPr lang="en-GB" dirty="0"/>
           </a:p>
         </p:txBody>
       </p:sp>
-      <p:sp>
-        <p:nvSpPr>
-          <p:cNvPr id="3" name="Content Placeholder 2">
+      <p:pic>
+        <p:nvPicPr>
+          <p:cNvPr id="5" name="Picture 4">
             <a:extLst>
               <a:ext uri="{FF2B5EF4-FFF2-40B4-BE49-F238E27FC236}">
-                <a16:creationId xmlns:a16="http://schemas.microsoft.com/office/drawing/2014/main" id="{00097D50-5ACB-4FDD-50C2-902AABD801B5}"/>
+                <a16:creationId xmlns:a16="http://schemas.microsoft.com/office/drawing/2014/main" id="{5F46927E-9F01-0402-C43F-41DDC0560BFC}"/>
               </a:ext>
             </a:extLst>
           </p:cNvPr>
-          <p:cNvSpPr>
-            <a:spLocks noGrp="1"/>
-          </p:cNvSpPr>
-          <p:nvPr>
-            <p:ph idx="1"/>
-          </p:nvPr>
-        </p:nvSpPr>
-        <p:spPr/>
+          <p:cNvPicPr>
+            <a:picLocks noChangeAspect="1"/>
+          </p:cNvPicPr>
+          <p:nvPr/>
+        </p:nvPicPr>
+        <p:blipFill>
+          <a:blip r:embed="rId3"/>
+          <a:stretch>
+            <a:fillRect/>
+          </a:stretch>
+        </p:blipFill>
+        <p:spPr>
+          <a:xfrm>
+            <a:off x="1329431" y="2448828"/>
+            <a:ext cx="6309907" cy="685859"/>
+          </a:xfrm>
+          <a:prstGeom prst="rect">
+            <a:avLst/>
+          </a:prstGeom>
+        </p:spPr>
+      </p:pic>
+      <p:pic>
+        <p:nvPicPr>
+          <p:cNvPr id="7" name="Picture 6">
+            <a:extLst>
+              <a:ext uri="{FF2B5EF4-FFF2-40B4-BE49-F238E27FC236}">
+                <a16:creationId xmlns:a16="http://schemas.microsoft.com/office/drawing/2014/main" id="{35FABCC9-DA63-B7AB-53EA-659105E4D3FB}"/>
+              </a:ext>
+            </a:extLst>
+          </p:cNvPr>
+          <p:cNvPicPr>
+            <a:picLocks noChangeAspect="1"/>
+          </p:cNvPicPr>
+          <p:nvPr/>
+        </p:nvPicPr>
+        <p:blipFill>
+          <a:blip r:embed="rId4"/>
+          <a:stretch>
+            <a:fillRect/>
+          </a:stretch>
+        </p:blipFill>
+        <p:spPr>
+          <a:xfrm>
+            <a:off x="1329431" y="3359851"/>
+            <a:ext cx="5799323" cy="2690093"/>
+          </a:xfrm>
+          <a:prstGeom prst="rect">
+            <a:avLst/>
+          </a:prstGeom>
+        </p:spPr>
+      </p:pic>
+      <p:sp>
+        <p:nvSpPr>
+          <p:cNvPr id="9" name="TextBox 8">
+            <a:extLst>
+              <a:ext uri="{FF2B5EF4-FFF2-40B4-BE49-F238E27FC236}">
+                <a16:creationId xmlns:a16="http://schemas.microsoft.com/office/drawing/2014/main" id="{C20DADFE-7887-4409-A3B2-77E87B80935D}"/>
+              </a:ext>
+            </a:extLst>
+          </p:cNvPr>
+          <p:cNvSpPr txBox="1"/>
+          <p:nvPr/>
+        </p:nvSpPr>
+        <p:spPr>
+          <a:xfrm>
+            <a:off x="7784431" y="2448828"/>
+            <a:ext cx="3489158" cy="3139321"/>
+          </a:xfrm>
+          <a:prstGeom prst="rect">
+            <a:avLst/>
+          </a:prstGeom>
+          <a:noFill/>
+        </p:spPr>
         <p:txBody>
-          <a:bodyPr/>
+          <a:bodyPr wrap="square" rtlCol="0">
+            <a:spAutoFit/>
+          </a:bodyPr>
           <a:lstStyle/>
           <a:p>
-            <a:endParaRPr lang="en-GB"/>
+            <a:pPr marL="285750" indent="-285750">
+              <a:buFont typeface="Arial" panose="020B0604020202020204" pitchFamily="34" charset="0"/>
+              <a:buChar char="•"/>
+            </a:pPr>
+            <a:r>
+              <a:rPr lang="es-ES" dirty="0" err="1"/>
+              <a:t>Refitting</a:t>
+            </a:r>
+            <a:r>
+              <a:rPr lang="es-ES" dirty="0"/>
+              <a:t> </a:t>
+            </a:r>
+            <a:r>
+              <a:rPr lang="es-ES" dirty="0" err="1"/>
+              <a:t>with</a:t>
+            </a:r>
+            <a:r>
+              <a:rPr lang="es-ES" dirty="0"/>
+              <a:t> time </a:t>
+            </a:r>
+            <a:r>
+              <a:rPr lang="es-ES" dirty="0" err="1"/>
+              <a:t>varying</a:t>
+            </a:r>
+            <a:r>
+              <a:rPr lang="es-ES" dirty="0"/>
+              <a:t> </a:t>
+            </a:r>
+            <a:r>
+              <a:rPr lang="es-ES" dirty="0" err="1"/>
+              <a:t>coefficient</a:t>
+            </a:r>
+            <a:r>
+              <a:rPr lang="es-ES" dirty="0"/>
+              <a:t>: </a:t>
+            </a:r>
+            <a:r>
+              <a:rPr lang="es-ES" dirty="0" err="1"/>
+              <a:t>We</a:t>
+            </a:r>
+            <a:r>
+              <a:rPr lang="es-ES" dirty="0"/>
+              <a:t> are </a:t>
+            </a:r>
+            <a:r>
+              <a:rPr lang="es-ES" dirty="0" err="1"/>
+              <a:t>fitting</a:t>
+            </a:r>
+            <a:r>
+              <a:rPr lang="es-ES" dirty="0"/>
+              <a:t> </a:t>
+            </a:r>
+            <a:r>
+              <a:rPr lang="es-ES" dirty="0" err="1"/>
+              <a:t>another</a:t>
+            </a:r>
+            <a:r>
+              <a:rPr lang="es-ES" dirty="0"/>
+              <a:t> </a:t>
+            </a:r>
+            <a:r>
+              <a:rPr lang="es-ES" dirty="0" err="1"/>
+              <a:t>model</a:t>
+            </a:r>
+            <a:r>
+              <a:rPr lang="es-ES" dirty="0"/>
+              <a:t>, </a:t>
+            </a:r>
+            <a:r>
+              <a:rPr lang="es-ES" dirty="0" err="1"/>
+              <a:t>called</a:t>
+            </a:r>
+            <a:r>
+              <a:rPr lang="es-ES" dirty="0"/>
+              <a:t> </a:t>
+            </a:r>
+            <a:r>
+              <a:rPr lang="es-ES" i="1" dirty="0" err="1">
+                <a:solidFill>
+                  <a:srgbClr val="FFFF00"/>
+                </a:solidFill>
+              </a:rPr>
+              <a:t>cox_time</a:t>
+            </a:r>
+            <a:r>
+              <a:rPr lang="es-ES" dirty="0"/>
+              <a:t>.</a:t>
+            </a:r>
+            <a:endParaRPr lang="es-ES" i="1" dirty="0">
+              <a:solidFill>
+                <a:srgbClr val="FFFF00"/>
+              </a:solidFill>
+            </a:endParaRPr>
+          </a:p>
+          <a:p>
+            <a:pPr marL="285750" indent="-285750">
+              <a:buFont typeface="Arial" panose="020B0604020202020204" pitchFamily="34" charset="0"/>
+              <a:buChar char="•"/>
+            </a:pPr>
+            <a:r>
+              <a:rPr lang="es-ES" dirty="0" err="1"/>
+              <a:t>It</a:t>
+            </a:r>
+            <a:r>
+              <a:rPr lang="es-ES" dirty="0"/>
+              <a:t> </a:t>
+            </a:r>
+            <a:r>
+              <a:rPr lang="es-ES" dirty="0" err="1"/>
+              <a:t>includes</a:t>
+            </a:r>
+            <a:r>
+              <a:rPr lang="es-ES" dirty="0"/>
+              <a:t> </a:t>
+            </a:r>
+            <a:r>
+              <a:rPr lang="es-ES" dirty="0" err="1"/>
+              <a:t>an</a:t>
+            </a:r>
+            <a:r>
+              <a:rPr lang="es-ES" dirty="0"/>
+              <a:t> </a:t>
+            </a:r>
+            <a:r>
+              <a:rPr lang="es-ES" dirty="0" err="1"/>
+              <a:t>interaction</a:t>
+            </a:r>
+            <a:r>
+              <a:rPr lang="es-ES" dirty="0"/>
+              <a:t> </a:t>
+            </a:r>
+            <a:r>
+              <a:rPr lang="es-ES" dirty="0" err="1"/>
+              <a:t>of</a:t>
+            </a:r>
+            <a:r>
+              <a:rPr lang="es-ES" dirty="0"/>
+              <a:t> </a:t>
+            </a:r>
+            <a:r>
+              <a:rPr lang="es-ES" i="1" dirty="0" err="1">
+                <a:solidFill>
+                  <a:srgbClr val="FFFF00"/>
+                </a:solidFill>
+              </a:rPr>
+              <a:t>Ejection.Fraction</a:t>
+            </a:r>
+            <a:r>
+              <a:rPr lang="es-ES" i="1" dirty="0">
+                <a:solidFill>
+                  <a:srgbClr val="FFFF00"/>
+                </a:solidFill>
+              </a:rPr>
+              <a:t> </a:t>
+            </a:r>
+            <a:r>
+              <a:rPr lang="es-ES" dirty="0" err="1"/>
+              <a:t>with</a:t>
+            </a:r>
+            <a:r>
+              <a:rPr lang="es-ES" dirty="0"/>
+              <a:t> </a:t>
+            </a:r>
+            <a:r>
+              <a:rPr lang="es-ES" dirty="0" err="1"/>
+              <a:t>the</a:t>
+            </a:r>
+            <a:r>
+              <a:rPr lang="es-ES" dirty="0"/>
+              <a:t> </a:t>
+            </a:r>
+            <a:r>
+              <a:rPr lang="es-ES" dirty="0" err="1"/>
+              <a:t>logarithm</a:t>
+            </a:r>
+            <a:r>
+              <a:rPr lang="es-ES" dirty="0"/>
+              <a:t> </a:t>
+            </a:r>
+            <a:r>
+              <a:rPr lang="es-ES" dirty="0" err="1"/>
+              <a:t>of</a:t>
+            </a:r>
+            <a:r>
+              <a:rPr lang="es-ES" dirty="0"/>
+              <a:t> time.</a:t>
+            </a:r>
+          </a:p>
+          <a:p>
+            <a:pPr marL="285750" indent="-285750">
+              <a:buFont typeface="Arial" panose="020B0604020202020204" pitchFamily="34" charset="0"/>
+              <a:buChar char="•"/>
+            </a:pPr>
+            <a:r>
+              <a:rPr lang="es-ES" dirty="0"/>
+              <a:t>As </a:t>
+            </a:r>
+            <a:r>
+              <a:rPr lang="es-ES" dirty="0" err="1"/>
+              <a:t>expected</a:t>
+            </a:r>
+            <a:r>
+              <a:rPr lang="es-ES" dirty="0"/>
+              <a:t> </a:t>
+            </a:r>
+            <a:r>
+              <a:rPr lang="es-ES" dirty="0" err="1"/>
+              <a:t>from</a:t>
+            </a:r>
+            <a:r>
+              <a:rPr lang="es-ES" dirty="0"/>
+              <a:t> </a:t>
+            </a:r>
+            <a:r>
+              <a:rPr lang="es-ES" dirty="0" err="1"/>
+              <a:t>the</a:t>
+            </a:r>
+            <a:r>
+              <a:rPr lang="es-ES" dirty="0"/>
+              <a:t> </a:t>
+            </a:r>
+            <a:r>
+              <a:rPr lang="es-ES" dirty="0" err="1"/>
+              <a:t>previous</a:t>
+            </a:r>
+            <a:r>
+              <a:rPr lang="es-ES" dirty="0"/>
+              <a:t> test </a:t>
+            </a:r>
+            <a:r>
+              <a:rPr lang="es-ES" dirty="0" err="1"/>
+              <a:t>on</a:t>
+            </a:r>
+            <a:r>
+              <a:rPr lang="es-ES" dirty="0"/>
+              <a:t> Schoenfeld </a:t>
+            </a:r>
+            <a:r>
+              <a:rPr lang="es-ES" dirty="0" err="1"/>
+              <a:t>residuals</a:t>
+            </a:r>
+            <a:r>
+              <a:rPr lang="es-ES" dirty="0"/>
+              <a:t>, </a:t>
+            </a:r>
+            <a:r>
+              <a:rPr lang="es-ES" dirty="0" err="1"/>
+              <a:t>the</a:t>
+            </a:r>
+            <a:r>
+              <a:rPr lang="es-ES" dirty="0"/>
+              <a:t> </a:t>
+            </a:r>
+            <a:r>
+              <a:rPr lang="es-ES" dirty="0" err="1"/>
+              <a:t>interaction</a:t>
+            </a:r>
+            <a:r>
+              <a:rPr lang="es-ES" dirty="0"/>
+              <a:t> </a:t>
+            </a:r>
+            <a:r>
+              <a:rPr lang="es-ES" dirty="0" err="1"/>
+              <a:t>with</a:t>
+            </a:r>
+            <a:r>
+              <a:rPr lang="es-ES" dirty="0"/>
+              <a:t> time </a:t>
+            </a:r>
+            <a:r>
+              <a:rPr lang="es-ES" dirty="0" err="1"/>
+              <a:t>is</a:t>
+            </a:r>
+            <a:r>
+              <a:rPr lang="es-ES" dirty="0"/>
+              <a:t> </a:t>
+            </a:r>
+            <a:r>
+              <a:rPr lang="es-ES" dirty="0" err="1"/>
+              <a:t>significant</a:t>
+            </a:r>
+            <a:r>
+              <a:rPr lang="es-ES" dirty="0"/>
+              <a:t>.</a:t>
+            </a:r>
+            <a:endParaRPr lang="en-GB" dirty="0"/>
           </a:p>
         </p:txBody>
       </p:sp>
     </p:spTree>
     <p:extLst>
       <p:ext uri="{BB962C8B-B14F-4D97-AF65-F5344CB8AC3E}">
-        <p14:creationId xmlns:p14="http://schemas.microsoft.com/office/powerpoint/2010/main" val="3148376159"/>
+        <p14:creationId xmlns:p14="http://schemas.microsoft.com/office/powerpoint/2010/main" val="3708354059"/>
       </p:ext>
     </p:extLst>
   </p:cSld>
@@ -8170,7 +11492,7 @@
           <a:p>
             <a:r>
               <a:rPr lang="es-ES" dirty="0" err="1"/>
-              <a:t>iv</a:t>
+              <a:t>iii</a:t>
             </a:r>
             <a:r>
               <a:rPr lang="es-ES" dirty="0"/>
@@ -8178,39 +11500,15 @@
             </a:r>
             <a:r>
               <a:rPr lang="es-ES" dirty="0" err="1"/>
-              <a:t>Choice</a:t>
-            </a:r>
-            <a:r>
-              <a:rPr lang="es-ES" dirty="0"/>
-              <a:t> </a:t>
-            </a:r>
-            <a:r>
-              <a:rPr lang="es-ES" dirty="0" err="1"/>
-              <a:t>of</a:t>
-            </a:r>
-            <a:r>
-              <a:rPr lang="es-ES" dirty="0"/>
-              <a:t> </a:t>
-            </a:r>
-            <a:r>
-              <a:rPr lang="es-ES" dirty="0" err="1"/>
-              <a:t>the</a:t>
-            </a:r>
-            <a:r>
-              <a:rPr lang="es-ES" dirty="0"/>
-              <a:t> ‘</a:t>
-            </a:r>
-            <a:r>
-              <a:rPr lang="es-ES" dirty="0" err="1"/>
-              <a:t>best</a:t>
-            </a:r>
-            <a:r>
-              <a:rPr lang="es-ES" dirty="0"/>
-              <a:t>’ </a:t>
-            </a:r>
-            <a:r>
-              <a:rPr lang="es-ES" dirty="0" err="1"/>
-              <a:t>parametric</a:t>
+              <a:t>Multivariate</a:t>
+            </a:r>
+            <a:r>
+              <a:rPr lang="es-ES" dirty="0"/>
+              <a:t> Cox </a:t>
+            </a:r>
+            <a:r>
+              <a:rPr lang="es-ES" dirty="0" err="1"/>
+              <a:t>regression</a:t>
             </a:r>
             <a:r>
               <a:rPr lang="es-ES" dirty="0"/>
@@ -8220,39 +11518,490 @@
               <a:rPr lang="es-ES" dirty="0" err="1"/>
               <a:t>model</a:t>
             </a:r>
+            <a:br>
+              <a:rPr lang="es-ES" dirty="0"/>
+            </a:br>
+            <a:r>
+              <a:rPr lang="es-ES" dirty="0"/>
+              <a:t>C. </a:t>
+            </a:r>
+            <a:r>
+              <a:rPr lang="es-ES" dirty="0" err="1"/>
+              <a:t>Model</a:t>
+            </a:r>
+            <a:r>
+              <a:rPr lang="es-ES" dirty="0"/>
+              <a:t> </a:t>
+            </a:r>
+            <a:r>
+              <a:rPr lang="es-ES" dirty="0" err="1"/>
+              <a:t>with</a:t>
+            </a:r>
+            <a:r>
+              <a:rPr lang="es-ES" dirty="0"/>
+              <a:t> time </a:t>
+            </a:r>
+            <a:r>
+              <a:rPr lang="es-ES" dirty="0" err="1"/>
+              <a:t>varying</a:t>
+            </a:r>
+            <a:r>
+              <a:rPr lang="es-ES" dirty="0"/>
+              <a:t> </a:t>
+            </a:r>
+            <a:r>
+              <a:rPr lang="es-ES" dirty="0" err="1"/>
+              <a:t>coefficients</a:t>
+            </a:r>
             <a:endParaRPr lang="en-GB" dirty="0"/>
           </a:p>
         </p:txBody>
       </p:sp>
       <p:sp>
         <p:nvSpPr>
-          <p:cNvPr id="3" name="Content Placeholder 2">
+          <p:cNvPr id="12" name="TextBox 11">
             <a:extLst>
               <a:ext uri="{FF2B5EF4-FFF2-40B4-BE49-F238E27FC236}">
-                <a16:creationId xmlns:a16="http://schemas.microsoft.com/office/drawing/2014/main" id="{00097D50-5ACB-4FDD-50C2-902AABD801B5}"/>
+                <a16:creationId xmlns:a16="http://schemas.microsoft.com/office/drawing/2014/main" id="{266858B4-C6E2-2B4A-F0DA-96BD82EB3B96}"/>
               </a:ext>
             </a:extLst>
           </p:cNvPr>
-          <p:cNvSpPr>
-            <a:spLocks noGrp="1"/>
-          </p:cNvSpPr>
-          <p:nvPr>
-            <p:ph idx="1"/>
-          </p:nvPr>
-        </p:nvSpPr>
-        <p:spPr/>
+          <p:cNvSpPr txBox="1"/>
+          <p:nvPr/>
+        </p:nvSpPr>
+        <p:spPr>
+          <a:xfrm>
+            <a:off x="7980788" y="1983214"/>
+            <a:ext cx="3198808" cy="1754326"/>
+          </a:xfrm>
+          <a:prstGeom prst="rect">
+            <a:avLst/>
+          </a:prstGeom>
+          <a:noFill/>
+        </p:spPr>
         <p:txBody>
-          <a:bodyPr/>
+          <a:bodyPr wrap="square" rtlCol="0">
+            <a:spAutoFit/>
+          </a:bodyPr>
           <a:lstStyle/>
           <a:p>
-            <a:endParaRPr lang="en-GB"/>
+            <a:pPr marL="285750" indent="-285750">
+              <a:buFont typeface="Arial" panose="020B0604020202020204" pitchFamily="34" charset="0"/>
+              <a:buChar char="•"/>
+            </a:pPr>
+            <a:r>
+              <a:rPr lang="es-ES" dirty="0" err="1"/>
+              <a:t>We</a:t>
+            </a:r>
+            <a:r>
+              <a:rPr lang="es-ES" dirty="0"/>
+              <a:t> </a:t>
+            </a:r>
+            <a:r>
+              <a:rPr lang="es-ES" dirty="0" err="1"/>
+              <a:t>perform</a:t>
+            </a:r>
+            <a:r>
+              <a:rPr lang="es-ES" dirty="0"/>
+              <a:t> </a:t>
+            </a:r>
+            <a:r>
+              <a:rPr lang="es-ES" dirty="0" err="1"/>
+              <a:t>another</a:t>
+            </a:r>
+            <a:r>
+              <a:rPr lang="es-ES" dirty="0"/>
+              <a:t> </a:t>
+            </a:r>
+            <a:r>
+              <a:rPr lang="es-ES" b="1" dirty="0" err="1"/>
+              <a:t>backward</a:t>
+            </a:r>
+            <a:r>
+              <a:rPr lang="es-ES" b="1" dirty="0"/>
+              <a:t> </a:t>
+            </a:r>
+            <a:r>
+              <a:rPr lang="es-ES" b="1" dirty="0" err="1"/>
+              <a:t>selection</a:t>
+            </a:r>
+            <a:r>
+              <a:rPr lang="es-ES" b="1" dirty="0"/>
+              <a:t> </a:t>
+            </a:r>
+            <a:r>
+              <a:rPr lang="es-ES" dirty="0" err="1"/>
+              <a:t>on</a:t>
+            </a:r>
+            <a:r>
+              <a:rPr lang="es-ES" dirty="0"/>
+              <a:t> </a:t>
+            </a:r>
+            <a:r>
+              <a:rPr lang="es-ES" i="1" dirty="0" err="1">
+                <a:solidFill>
+                  <a:srgbClr val="FFFF00"/>
+                </a:solidFill>
+              </a:rPr>
+              <a:t>cox_time</a:t>
+            </a:r>
+            <a:r>
+              <a:rPr lang="es-ES" dirty="0"/>
+              <a:t>, </a:t>
+            </a:r>
+            <a:r>
+              <a:rPr lang="es-ES" dirty="0" err="1"/>
+              <a:t>until</a:t>
+            </a:r>
+            <a:r>
+              <a:rPr lang="es-ES" dirty="0"/>
+              <a:t> </a:t>
+            </a:r>
+            <a:r>
+              <a:rPr lang="es-ES" dirty="0" err="1"/>
+              <a:t>we</a:t>
+            </a:r>
+            <a:r>
+              <a:rPr lang="es-ES" dirty="0"/>
+              <a:t> are </a:t>
+            </a:r>
+            <a:r>
+              <a:rPr lang="es-ES" dirty="0" err="1"/>
+              <a:t>left</a:t>
+            </a:r>
+            <a:r>
+              <a:rPr lang="es-ES" dirty="0"/>
+              <a:t> </a:t>
+            </a:r>
+            <a:r>
+              <a:rPr lang="es-ES" dirty="0" err="1"/>
+              <a:t>with</a:t>
+            </a:r>
+            <a:r>
+              <a:rPr lang="es-ES" dirty="0"/>
+              <a:t> </a:t>
+            </a:r>
+            <a:r>
+              <a:rPr lang="es-ES" dirty="0" err="1"/>
+              <a:t>significant</a:t>
+            </a:r>
+            <a:r>
+              <a:rPr lang="es-ES" dirty="0"/>
+              <a:t> </a:t>
+            </a:r>
+            <a:r>
+              <a:rPr lang="es-ES" dirty="0" err="1"/>
+              <a:t>coefficients</a:t>
+            </a:r>
+            <a:r>
+              <a:rPr lang="es-ES" dirty="0"/>
+              <a:t> </a:t>
+            </a:r>
+            <a:r>
+              <a:rPr lang="es-ES" dirty="0" err="1"/>
+              <a:t>only</a:t>
+            </a:r>
+            <a:r>
+              <a:rPr lang="es-ES" dirty="0"/>
+              <a:t> (</a:t>
+            </a:r>
+            <a:r>
+              <a:rPr lang="es-ES" dirty="0" err="1"/>
+              <a:t>including</a:t>
+            </a:r>
+            <a:r>
+              <a:rPr lang="es-ES" dirty="0"/>
+              <a:t> </a:t>
+            </a:r>
+            <a:r>
+              <a:rPr lang="es-ES" dirty="0" err="1"/>
+              <a:t>the</a:t>
+            </a:r>
+            <a:r>
+              <a:rPr lang="es-ES" dirty="0"/>
+              <a:t> time </a:t>
+            </a:r>
+            <a:r>
+              <a:rPr lang="es-ES" dirty="0" err="1"/>
+              <a:t>interaction</a:t>
+            </a:r>
+            <a:r>
+              <a:rPr lang="es-ES" dirty="0"/>
+              <a:t>).</a:t>
+            </a:r>
+            <a:endParaRPr lang="en-GB" dirty="0"/>
           </a:p>
         </p:txBody>
       </p:sp>
+      <p:sp>
+        <p:nvSpPr>
+          <p:cNvPr id="6" name="TextBox 5">
+            <a:extLst>
+              <a:ext uri="{FF2B5EF4-FFF2-40B4-BE49-F238E27FC236}">
+                <a16:creationId xmlns:a16="http://schemas.microsoft.com/office/drawing/2014/main" id="{192A0FC1-E8E6-C222-BD9E-9955F11B1C20}"/>
+              </a:ext>
+            </a:extLst>
+          </p:cNvPr>
+          <p:cNvSpPr txBox="1"/>
+          <p:nvPr/>
+        </p:nvSpPr>
+        <p:spPr>
+          <a:xfrm>
+            <a:off x="1244251" y="5382778"/>
+            <a:ext cx="9123619" cy="646331"/>
+          </a:xfrm>
+          <a:prstGeom prst="rect">
+            <a:avLst/>
+          </a:prstGeom>
+          <a:noFill/>
+        </p:spPr>
+        <p:txBody>
+          <a:bodyPr wrap="square" rtlCol="0">
+            <a:spAutoFit/>
+          </a:bodyPr>
+          <a:lstStyle/>
+          <a:p>
+            <a:r>
+              <a:rPr lang="es-ES" dirty="0" err="1"/>
+              <a:t>Significant</a:t>
+            </a:r>
+            <a:r>
+              <a:rPr lang="es-ES" dirty="0"/>
+              <a:t> </a:t>
+            </a:r>
+            <a:r>
+              <a:rPr lang="es-ES" dirty="0" err="1"/>
+              <a:t>risk</a:t>
+            </a:r>
+            <a:r>
+              <a:rPr lang="es-ES" dirty="0"/>
+              <a:t> </a:t>
+            </a:r>
+            <a:r>
+              <a:rPr lang="es-ES" dirty="0" err="1"/>
+              <a:t>factors</a:t>
+            </a:r>
+            <a:r>
+              <a:rPr lang="es-ES" dirty="0"/>
+              <a:t>: </a:t>
+            </a:r>
+            <a:r>
+              <a:rPr lang="es-ES" i="1" dirty="0">
+                <a:solidFill>
+                  <a:srgbClr val="FFFF00"/>
+                </a:solidFill>
+              </a:rPr>
+              <a:t>Age</a:t>
+            </a:r>
+            <a:r>
+              <a:rPr lang="es-ES" dirty="0"/>
+              <a:t>, </a:t>
+            </a:r>
+            <a:r>
+              <a:rPr lang="es-ES" i="1" dirty="0">
+                <a:solidFill>
+                  <a:srgbClr val="FFFF00"/>
+                </a:solidFill>
+              </a:rPr>
+              <a:t>BP</a:t>
+            </a:r>
+          </a:p>
+          <a:p>
+            <a:r>
+              <a:rPr lang="es-ES" dirty="0" err="1"/>
+              <a:t>Significant</a:t>
+            </a:r>
+            <a:r>
+              <a:rPr lang="es-ES" dirty="0"/>
+              <a:t> </a:t>
+            </a:r>
+            <a:r>
+              <a:rPr lang="es-ES" dirty="0" err="1"/>
+              <a:t>protective</a:t>
+            </a:r>
+            <a:r>
+              <a:rPr lang="es-ES" dirty="0"/>
+              <a:t> </a:t>
+            </a:r>
+            <a:r>
+              <a:rPr lang="es-ES" dirty="0" err="1"/>
+              <a:t>factors</a:t>
+            </a:r>
+            <a:r>
+              <a:rPr lang="es-ES" dirty="0"/>
+              <a:t>: </a:t>
+            </a:r>
+            <a:r>
+              <a:rPr lang="es-ES" i="1" dirty="0" err="1">
+                <a:solidFill>
+                  <a:srgbClr val="FFFF00"/>
+                </a:solidFill>
+              </a:rPr>
+              <a:t>tt</a:t>
+            </a:r>
+            <a:r>
+              <a:rPr lang="es-ES" i="1" dirty="0">
+                <a:solidFill>
+                  <a:srgbClr val="FFFF00"/>
+                </a:solidFill>
+              </a:rPr>
+              <a:t>(</a:t>
+            </a:r>
+            <a:r>
+              <a:rPr lang="es-ES" i="1" dirty="0" err="1">
+                <a:solidFill>
+                  <a:srgbClr val="FFFF00"/>
+                </a:solidFill>
+              </a:rPr>
+              <a:t>Ejection.Fraction</a:t>
+            </a:r>
+            <a:r>
+              <a:rPr lang="es-ES" i="1" dirty="0">
+                <a:solidFill>
+                  <a:srgbClr val="FFFF00"/>
+                </a:solidFill>
+              </a:rPr>
+              <a:t>)</a:t>
+            </a:r>
+          </a:p>
+        </p:txBody>
+      </p:sp>
+      <p:sp>
+        <p:nvSpPr>
+          <p:cNvPr id="7" name="TextBox 6">
+            <a:extLst>
+              <a:ext uri="{FF2B5EF4-FFF2-40B4-BE49-F238E27FC236}">
+                <a16:creationId xmlns:a16="http://schemas.microsoft.com/office/drawing/2014/main" id="{935A9DA5-8FC6-99A9-427D-5CBA2A927494}"/>
+              </a:ext>
+            </a:extLst>
+          </p:cNvPr>
+          <p:cNvSpPr txBox="1"/>
+          <p:nvPr/>
+        </p:nvSpPr>
+        <p:spPr>
+          <a:xfrm>
+            <a:off x="7980788" y="3959121"/>
+            <a:ext cx="3198808" cy="646331"/>
+          </a:xfrm>
+          <a:prstGeom prst="rect">
+            <a:avLst/>
+          </a:prstGeom>
+          <a:noFill/>
+        </p:spPr>
+        <p:txBody>
+          <a:bodyPr wrap="square" rtlCol="0">
+            <a:spAutoFit/>
+          </a:bodyPr>
+          <a:lstStyle/>
+          <a:p>
+            <a:pPr marL="285750" indent="-285750">
+              <a:buFont typeface="Arial" panose="020B0604020202020204" pitchFamily="34" charset="0"/>
+              <a:buChar char="•"/>
+            </a:pPr>
+            <a:r>
+              <a:rPr lang="es-ES" dirty="0" err="1"/>
+              <a:t>This</a:t>
+            </a:r>
+            <a:r>
+              <a:rPr lang="es-ES" dirty="0"/>
+              <a:t> </a:t>
+            </a:r>
+            <a:r>
+              <a:rPr lang="es-ES" dirty="0" err="1"/>
+              <a:t>gives</a:t>
+            </a:r>
+            <a:r>
+              <a:rPr lang="es-ES" dirty="0"/>
+              <a:t> </a:t>
+            </a:r>
+            <a:r>
+              <a:rPr lang="es-ES" dirty="0" err="1"/>
+              <a:t>us</a:t>
+            </a:r>
+            <a:r>
+              <a:rPr lang="es-ES" dirty="0"/>
+              <a:t>: </a:t>
+            </a:r>
+            <a:r>
+              <a:rPr lang="es-ES" i="1" dirty="0" err="1">
+                <a:solidFill>
+                  <a:srgbClr val="FFFF00"/>
+                </a:solidFill>
+              </a:rPr>
+              <a:t>cox_time_reduced</a:t>
+            </a:r>
+            <a:endParaRPr lang="es-ES" i="1" dirty="0">
+              <a:solidFill>
+                <a:srgbClr val="FFFF00"/>
+              </a:solidFill>
+            </a:endParaRPr>
+          </a:p>
+        </p:txBody>
+      </p:sp>
+      <p:pic>
+        <p:nvPicPr>
+          <p:cNvPr id="8" name="Picture 7">
+            <a:extLst>
+              <a:ext uri="{FF2B5EF4-FFF2-40B4-BE49-F238E27FC236}">
+                <a16:creationId xmlns:a16="http://schemas.microsoft.com/office/drawing/2014/main" id="{C103778A-92B5-CD29-49FC-5D4C01B4BC53}"/>
+              </a:ext>
+            </a:extLst>
+          </p:cNvPr>
+          <p:cNvPicPr>
+            <a:picLocks noChangeAspect="1"/>
+          </p:cNvPicPr>
+          <p:nvPr/>
+        </p:nvPicPr>
+        <p:blipFill>
+          <a:blip r:embed="rId3"/>
+          <a:stretch>
+            <a:fillRect/>
+          </a:stretch>
+        </p:blipFill>
+        <p:spPr>
+          <a:xfrm>
+            <a:off x="1244251" y="2014080"/>
+            <a:ext cx="6600338" cy="971696"/>
+          </a:xfrm>
+          <a:prstGeom prst="rect">
+            <a:avLst/>
+          </a:prstGeom>
+        </p:spPr>
+      </p:pic>
+      <p:pic>
+        <p:nvPicPr>
+          <p:cNvPr id="10" name="Picture 9">
+            <a:extLst>
+              <a:ext uri="{FF2B5EF4-FFF2-40B4-BE49-F238E27FC236}">
+                <a16:creationId xmlns:a16="http://schemas.microsoft.com/office/drawing/2014/main" id="{F209787C-F88C-359E-BC5D-5AC9A2A8F14F}"/>
+              </a:ext>
+            </a:extLst>
+          </p:cNvPr>
+          <p:cNvPicPr>
+            <a:picLocks noChangeAspect="1"/>
+          </p:cNvPicPr>
+          <p:nvPr/>
+        </p:nvPicPr>
+        <p:blipFill>
+          <a:blip r:embed="rId4"/>
+          <a:stretch>
+            <a:fillRect/>
+          </a:stretch>
+        </p:blipFill>
+        <p:spPr>
+          <a:xfrm>
+            <a:off x="1244251" y="3286247"/>
+            <a:ext cx="6600338" cy="1796060"/>
+          </a:xfrm>
+          <a:prstGeom prst="rect">
+            <a:avLst/>
+          </a:prstGeom>
+        </p:spPr>
+      </p:pic>
     </p:spTree>
     <p:extLst>
       <p:ext uri="{BB962C8B-B14F-4D97-AF65-F5344CB8AC3E}">
-        <p14:creationId xmlns:p14="http://schemas.microsoft.com/office/powerpoint/2010/main" val="2789381983"/>
+        <p14:creationId xmlns:p14="http://schemas.microsoft.com/office/powerpoint/2010/main" val="2132109088"/>
       </p:ext>
     </p:extLst>
   </p:cSld>
@@ -8284,7 +12033,7 @@
           <p:cNvPr id="2" name="Title 1">
             <a:extLst>
               <a:ext uri="{FF2B5EF4-FFF2-40B4-BE49-F238E27FC236}">
-                <a16:creationId xmlns:a16="http://schemas.microsoft.com/office/drawing/2014/main" id="{4F09B721-2CE6-D091-186A-443E39FF16C9}"/>
+                <a16:creationId xmlns:a16="http://schemas.microsoft.com/office/drawing/2014/main" id="{497E08B4-1A21-5C4A-FF59-0254370A8800}"/>
               </a:ext>
             </a:extLst>
           </p:cNvPr>
@@ -8302,7 +12051,1149 @@
           <a:p>
             <a:r>
               <a:rPr lang="es-ES" dirty="0" err="1"/>
-              <a:t>References</a:t>
+              <a:t>iv</a:t>
+            </a:r>
+            <a:r>
+              <a:rPr lang="es-ES" dirty="0"/>
+              <a:t>. </a:t>
+            </a:r>
+            <a:r>
+              <a:rPr lang="es-ES" dirty="0" err="1"/>
+              <a:t>Linearity</a:t>
+            </a:r>
+            <a:r>
+              <a:rPr lang="es-ES" dirty="0"/>
+              <a:t> test</a:t>
+            </a:r>
+            <a:endParaRPr lang="en-GB" dirty="0"/>
+          </a:p>
+        </p:txBody>
+      </p:sp>
+      <p:pic>
+        <p:nvPicPr>
+          <p:cNvPr id="7" name="Picture 6">
+            <a:extLst>
+              <a:ext uri="{FF2B5EF4-FFF2-40B4-BE49-F238E27FC236}">
+                <a16:creationId xmlns:a16="http://schemas.microsoft.com/office/drawing/2014/main" id="{5D533916-B888-9D0F-763E-A10EE1A98853}"/>
+              </a:ext>
+            </a:extLst>
+          </p:cNvPr>
+          <p:cNvPicPr>
+            <a:picLocks noChangeAspect="1"/>
+          </p:cNvPicPr>
+          <p:nvPr/>
+        </p:nvPicPr>
+        <p:blipFill>
+          <a:blip r:embed="rId3"/>
+          <a:stretch>
+            <a:fillRect/>
+          </a:stretch>
+        </p:blipFill>
+        <p:spPr>
+          <a:xfrm>
+            <a:off x="1266767" y="2341482"/>
+            <a:ext cx="8797090" cy="4398545"/>
+          </a:xfrm>
+          <a:prstGeom prst="rect">
+            <a:avLst/>
+          </a:prstGeom>
+        </p:spPr>
+      </p:pic>
+      <p:sp>
+        <p:nvSpPr>
+          <p:cNvPr id="10" name="TextBox 9">
+            <a:extLst>
+              <a:ext uri="{FF2B5EF4-FFF2-40B4-BE49-F238E27FC236}">
+                <a16:creationId xmlns:a16="http://schemas.microsoft.com/office/drawing/2014/main" id="{45FE6EE5-DD2F-2064-2E7F-59FE5212A61D}"/>
+              </a:ext>
+            </a:extLst>
+          </p:cNvPr>
+          <p:cNvSpPr txBox="1"/>
+          <p:nvPr/>
+        </p:nvSpPr>
+        <p:spPr>
+          <a:xfrm>
+            <a:off x="7339263" y="1431758"/>
+            <a:ext cx="3441032" cy="646331"/>
+          </a:xfrm>
+          <a:prstGeom prst="rect">
+            <a:avLst/>
+          </a:prstGeom>
+          <a:noFill/>
+        </p:spPr>
+        <p:txBody>
+          <a:bodyPr wrap="square" rtlCol="0">
+            <a:spAutoFit/>
+          </a:bodyPr>
+          <a:lstStyle/>
+          <a:p>
+            <a:pPr marL="285750" indent="-285750">
+              <a:buFont typeface="Arial" panose="020B0604020202020204" pitchFamily="34" charset="0"/>
+              <a:buChar char="•"/>
+            </a:pPr>
+            <a:r>
+              <a:rPr lang="es-ES" b="1" dirty="0" err="1"/>
+              <a:t>Martingale</a:t>
+            </a:r>
+            <a:r>
+              <a:rPr lang="es-ES" b="1" dirty="0"/>
+              <a:t> </a:t>
+            </a:r>
+            <a:r>
+              <a:rPr lang="es-ES" b="1" dirty="0" err="1"/>
+              <a:t>residuals</a:t>
+            </a:r>
+            <a:r>
+              <a:rPr lang="es-ES" dirty="0"/>
+              <a:t> are </a:t>
+            </a:r>
+            <a:r>
+              <a:rPr lang="es-ES" dirty="0" err="1"/>
+              <a:t>clearly</a:t>
+            </a:r>
+            <a:r>
+              <a:rPr lang="es-ES" dirty="0"/>
+              <a:t> </a:t>
+            </a:r>
+            <a:r>
+              <a:rPr lang="es-ES" dirty="0" err="1"/>
+              <a:t>showing</a:t>
+            </a:r>
+            <a:r>
+              <a:rPr lang="es-ES" dirty="0"/>
+              <a:t> </a:t>
+            </a:r>
+            <a:r>
+              <a:rPr lang="es-ES" dirty="0" err="1"/>
+              <a:t>some</a:t>
+            </a:r>
+            <a:r>
+              <a:rPr lang="es-ES" dirty="0"/>
+              <a:t> </a:t>
+            </a:r>
+            <a:r>
+              <a:rPr lang="es-ES" dirty="0" err="1"/>
+              <a:t>trends</a:t>
+            </a:r>
+            <a:endParaRPr lang="en-GB" dirty="0"/>
+          </a:p>
+        </p:txBody>
+      </p:sp>
+      <p:pic>
+        <p:nvPicPr>
+          <p:cNvPr id="14" name="Picture 13">
+            <a:extLst>
+              <a:ext uri="{FF2B5EF4-FFF2-40B4-BE49-F238E27FC236}">
+                <a16:creationId xmlns:a16="http://schemas.microsoft.com/office/drawing/2014/main" id="{DA87EE1E-EF7E-0530-EC69-8B25DBC04EC4}"/>
+              </a:ext>
+            </a:extLst>
+          </p:cNvPr>
+          <p:cNvPicPr>
+            <a:picLocks noChangeAspect="1"/>
+          </p:cNvPicPr>
+          <p:nvPr/>
+        </p:nvPicPr>
+        <p:blipFill>
+          <a:blip r:embed="rId4"/>
+          <a:stretch>
+            <a:fillRect/>
+          </a:stretch>
+        </p:blipFill>
+        <p:spPr>
+          <a:xfrm>
+            <a:off x="1266768" y="1346671"/>
+            <a:ext cx="5668156" cy="896312"/>
+          </a:xfrm>
+          <a:prstGeom prst="rect">
+            <a:avLst/>
+          </a:prstGeom>
+        </p:spPr>
+      </p:pic>
+    </p:spTree>
+    <p:extLst>
+      <p:ext uri="{BB962C8B-B14F-4D97-AF65-F5344CB8AC3E}">
+        <p14:creationId xmlns:p14="http://schemas.microsoft.com/office/powerpoint/2010/main" val="3148376159"/>
+      </p:ext>
+    </p:extLst>
+  </p:cSld>
+  <p:clrMapOvr>
+    <a:masterClrMapping/>
+  </p:clrMapOvr>
+</p:sld>
+</file>
+
+<file path=ppt/slides/slide16.xml><?xml version="1.0" encoding="utf-8"?>
+<p:sld xmlns:a="http://schemas.openxmlformats.org/drawingml/2006/main" xmlns:r="http://schemas.openxmlformats.org/officeDocument/2006/relationships" xmlns:p="http://schemas.openxmlformats.org/presentationml/2006/main">
+  <p:cSld>
+    <p:spTree>
+      <p:nvGrpSpPr>
+        <p:cNvPr id="1" name=""/>
+        <p:cNvGrpSpPr/>
+        <p:nvPr/>
+      </p:nvGrpSpPr>
+      <p:grpSpPr>
+        <a:xfrm>
+          <a:off x="0" y="0"/>
+          <a:ext cx="0" cy="0"/>
+          <a:chOff x="0" y="0"/>
+          <a:chExt cx="0" cy="0"/>
+        </a:xfrm>
+      </p:grpSpPr>
+      <p:sp>
+        <p:nvSpPr>
+          <p:cNvPr id="2" name="Title 1">
+            <a:extLst>
+              <a:ext uri="{FF2B5EF4-FFF2-40B4-BE49-F238E27FC236}">
+                <a16:creationId xmlns:a16="http://schemas.microsoft.com/office/drawing/2014/main" id="{497E08B4-1A21-5C4A-FF59-0254370A8800}"/>
+              </a:ext>
+            </a:extLst>
+          </p:cNvPr>
+          <p:cNvSpPr>
+            <a:spLocks noGrp="1"/>
+          </p:cNvSpPr>
+          <p:nvPr>
+            <p:ph type="title"/>
+          </p:nvPr>
+        </p:nvSpPr>
+        <p:spPr/>
+        <p:txBody>
+          <a:bodyPr/>
+          <a:lstStyle/>
+          <a:p>
+            <a:r>
+              <a:rPr lang="es-ES" dirty="0" err="1"/>
+              <a:t>iv</a:t>
+            </a:r>
+            <a:r>
+              <a:rPr lang="es-ES" dirty="0"/>
+              <a:t>. </a:t>
+            </a:r>
+            <a:r>
+              <a:rPr lang="es-ES" dirty="0" err="1"/>
+              <a:t>Linearity</a:t>
+            </a:r>
+            <a:r>
+              <a:rPr lang="es-ES" dirty="0"/>
+              <a:t> test</a:t>
+            </a:r>
+            <a:endParaRPr lang="en-GB" dirty="0"/>
+          </a:p>
+        </p:txBody>
+      </p:sp>
+      <p:pic>
+        <p:nvPicPr>
+          <p:cNvPr id="9" name="Picture 8">
+            <a:extLst>
+              <a:ext uri="{FF2B5EF4-FFF2-40B4-BE49-F238E27FC236}">
+                <a16:creationId xmlns:a16="http://schemas.microsoft.com/office/drawing/2014/main" id="{4EB656DC-7F23-664F-AE57-4CDA276F1346}"/>
+              </a:ext>
+            </a:extLst>
+          </p:cNvPr>
+          <p:cNvPicPr>
+            <a:picLocks noChangeAspect="1"/>
+          </p:cNvPicPr>
+          <p:nvPr/>
+        </p:nvPicPr>
+        <p:blipFill>
+          <a:blip r:embed="rId3"/>
+          <a:stretch>
+            <a:fillRect/>
+          </a:stretch>
+        </p:blipFill>
+        <p:spPr>
+          <a:xfrm>
+            <a:off x="1266767" y="1346670"/>
+            <a:ext cx="5668157" cy="890998"/>
+          </a:xfrm>
+          <a:prstGeom prst="rect">
+            <a:avLst/>
+          </a:prstGeom>
+        </p:spPr>
+      </p:pic>
+      <p:sp>
+        <p:nvSpPr>
+          <p:cNvPr id="10" name="TextBox 9">
+            <a:extLst>
+              <a:ext uri="{FF2B5EF4-FFF2-40B4-BE49-F238E27FC236}">
+                <a16:creationId xmlns:a16="http://schemas.microsoft.com/office/drawing/2014/main" id="{45FE6EE5-DD2F-2064-2E7F-59FE5212A61D}"/>
+              </a:ext>
+            </a:extLst>
+          </p:cNvPr>
+          <p:cNvSpPr txBox="1"/>
+          <p:nvPr/>
+        </p:nvSpPr>
+        <p:spPr>
+          <a:xfrm>
+            <a:off x="7339263" y="1431758"/>
+            <a:ext cx="3441032" cy="646331"/>
+          </a:xfrm>
+          <a:prstGeom prst="rect">
+            <a:avLst/>
+          </a:prstGeom>
+          <a:noFill/>
+        </p:spPr>
+        <p:txBody>
+          <a:bodyPr wrap="square" rtlCol="0">
+            <a:spAutoFit/>
+          </a:bodyPr>
+          <a:lstStyle/>
+          <a:p>
+            <a:pPr marL="285750" indent="-285750">
+              <a:buFont typeface="Arial" panose="020B0604020202020204" pitchFamily="34" charset="0"/>
+              <a:buChar char="•"/>
+            </a:pPr>
+            <a:r>
+              <a:rPr lang="es-ES" b="1" dirty="0" err="1"/>
+              <a:t>Deviance</a:t>
+            </a:r>
+            <a:r>
+              <a:rPr lang="es-ES" b="1" dirty="0"/>
+              <a:t> </a:t>
+            </a:r>
+            <a:r>
+              <a:rPr lang="es-ES" b="1" dirty="0" err="1"/>
+              <a:t>residuals</a:t>
+            </a:r>
+            <a:r>
+              <a:rPr lang="es-ES" dirty="0"/>
+              <a:t> are </a:t>
+            </a:r>
+            <a:r>
+              <a:rPr lang="es-ES" dirty="0" err="1"/>
+              <a:t>clearly</a:t>
+            </a:r>
+            <a:r>
+              <a:rPr lang="es-ES" dirty="0"/>
+              <a:t> </a:t>
+            </a:r>
+            <a:r>
+              <a:rPr lang="es-ES" dirty="0" err="1"/>
+              <a:t>showing</a:t>
+            </a:r>
+            <a:r>
+              <a:rPr lang="es-ES" dirty="0"/>
+              <a:t> </a:t>
+            </a:r>
+            <a:r>
+              <a:rPr lang="es-ES" dirty="0" err="1"/>
+              <a:t>some</a:t>
+            </a:r>
+            <a:r>
+              <a:rPr lang="es-ES" dirty="0"/>
+              <a:t> </a:t>
+            </a:r>
+            <a:r>
+              <a:rPr lang="es-ES" dirty="0" err="1"/>
+              <a:t>trends</a:t>
+            </a:r>
+            <a:endParaRPr lang="en-GB" dirty="0"/>
+          </a:p>
+        </p:txBody>
+      </p:sp>
+      <p:pic>
+        <p:nvPicPr>
+          <p:cNvPr id="4" name="Picture 3">
+            <a:extLst>
+              <a:ext uri="{FF2B5EF4-FFF2-40B4-BE49-F238E27FC236}">
+                <a16:creationId xmlns:a16="http://schemas.microsoft.com/office/drawing/2014/main" id="{AAB67CA9-DB24-E861-B98E-3BC71118DF1A}"/>
+              </a:ext>
+            </a:extLst>
+          </p:cNvPr>
+          <p:cNvPicPr>
+            <a:picLocks noChangeAspect="1"/>
+          </p:cNvPicPr>
+          <p:nvPr/>
+        </p:nvPicPr>
+        <p:blipFill>
+          <a:blip r:embed="rId4"/>
+          <a:stretch>
+            <a:fillRect/>
+          </a:stretch>
+        </p:blipFill>
+        <p:spPr>
+          <a:xfrm>
+            <a:off x="1276603" y="2341482"/>
+            <a:ext cx="8797090" cy="4398545"/>
+          </a:xfrm>
+          <a:prstGeom prst="rect">
+            <a:avLst/>
+          </a:prstGeom>
+        </p:spPr>
+      </p:pic>
+    </p:spTree>
+    <p:extLst>
+      <p:ext uri="{BB962C8B-B14F-4D97-AF65-F5344CB8AC3E}">
+        <p14:creationId xmlns:p14="http://schemas.microsoft.com/office/powerpoint/2010/main" val="1583453349"/>
+      </p:ext>
+    </p:extLst>
+  </p:cSld>
+  <p:clrMapOvr>
+    <a:masterClrMapping/>
+  </p:clrMapOvr>
+</p:sld>
+</file>
+
+<file path=ppt/slides/slide17.xml><?xml version="1.0" encoding="utf-8"?>
+<p:sld xmlns:a="http://schemas.openxmlformats.org/drawingml/2006/main" xmlns:r="http://schemas.openxmlformats.org/officeDocument/2006/relationships" xmlns:p="http://schemas.openxmlformats.org/presentationml/2006/main">
+  <p:cSld>
+    <p:spTree>
+      <p:nvGrpSpPr>
+        <p:cNvPr id="1" name=""/>
+        <p:cNvGrpSpPr/>
+        <p:nvPr/>
+      </p:nvGrpSpPr>
+      <p:grpSpPr>
+        <a:xfrm>
+          <a:off x="0" y="0"/>
+          <a:ext cx="0" cy="0"/>
+          <a:chOff x="0" y="0"/>
+          <a:chExt cx="0" cy="0"/>
+        </a:xfrm>
+      </p:grpSpPr>
+      <p:sp>
+        <p:nvSpPr>
+          <p:cNvPr id="2" name="Title 1">
+            <a:extLst>
+              <a:ext uri="{FF2B5EF4-FFF2-40B4-BE49-F238E27FC236}">
+                <a16:creationId xmlns:a16="http://schemas.microsoft.com/office/drawing/2014/main" id="{497E08B4-1A21-5C4A-FF59-0254370A8800}"/>
+              </a:ext>
+            </a:extLst>
+          </p:cNvPr>
+          <p:cNvSpPr>
+            <a:spLocks noGrp="1"/>
+          </p:cNvSpPr>
+          <p:nvPr>
+            <p:ph type="title"/>
+          </p:nvPr>
+        </p:nvSpPr>
+        <p:spPr/>
+        <p:txBody>
+          <a:bodyPr/>
+          <a:lstStyle/>
+          <a:p>
+            <a:r>
+              <a:rPr lang="es-ES" dirty="0" err="1"/>
+              <a:t>iv</a:t>
+            </a:r>
+            <a:r>
+              <a:rPr lang="es-ES" dirty="0"/>
+              <a:t>. </a:t>
+            </a:r>
+            <a:r>
+              <a:rPr lang="es-ES" dirty="0" err="1"/>
+              <a:t>Linearity</a:t>
+            </a:r>
+            <a:r>
+              <a:rPr lang="es-ES" dirty="0"/>
+              <a:t> test</a:t>
+            </a:r>
+            <a:endParaRPr lang="en-GB" dirty="0"/>
+          </a:p>
+        </p:txBody>
+      </p:sp>
+      <p:sp>
+        <p:nvSpPr>
+          <p:cNvPr id="10" name="TextBox 9">
+            <a:extLst>
+              <a:ext uri="{FF2B5EF4-FFF2-40B4-BE49-F238E27FC236}">
+                <a16:creationId xmlns:a16="http://schemas.microsoft.com/office/drawing/2014/main" id="{45FE6EE5-DD2F-2064-2E7F-59FE5212A61D}"/>
+              </a:ext>
+            </a:extLst>
+          </p:cNvPr>
+          <p:cNvSpPr txBox="1"/>
+          <p:nvPr/>
+        </p:nvSpPr>
+        <p:spPr>
+          <a:xfrm>
+            <a:off x="2274894" y="1591602"/>
+            <a:ext cx="8393106" cy="369332"/>
+          </a:xfrm>
+          <a:prstGeom prst="rect">
+            <a:avLst/>
+          </a:prstGeom>
+          <a:noFill/>
+        </p:spPr>
+        <p:txBody>
+          <a:bodyPr wrap="square" rtlCol="0">
+            <a:spAutoFit/>
+          </a:bodyPr>
+          <a:lstStyle/>
+          <a:p>
+            <a:pPr marL="285750" indent="-285750">
+              <a:buFont typeface="Arial" panose="020B0604020202020204" pitchFamily="34" charset="0"/>
+              <a:buChar char="•"/>
+            </a:pPr>
+            <a:r>
+              <a:rPr lang="es-ES" b="1" dirty="0" err="1"/>
+              <a:t>Plotting</a:t>
+            </a:r>
+            <a:r>
+              <a:rPr lang="es-ES" b="1" dirty="0"/>
+              <a:t> </a:t>
+            </a:r>
+            <a:r>
+              <a:rPr lang="es-ES" b="1" dirty="0" err="1"/>
+              <a:t>deviance</a:t>
+            </a:r>
+            <a:r>
+              <a:rPr lang="es-ES" b="1" dirty="0"/>
+              <a:t> </a:t>
+            </a:r>
+            <a:r>
+              <a:rPr lang="es-ES" b="1" dirty="0" err="1"/>
+              <a:t>residuals</a:t>
+            </a:r>
+            <a:r>
+              <a:rPr lang="es-ES" b="1" dirty="0"/>
+              <a:t> </a:t>
+            </a:r>
+            <a:r>
+              <a:rPr lang="es-ES" b="1" dirty="0" err="1"/>
+              <a:t>against</a:t>
+            </a:r>
+            <a:r>
+              <a:rPr lang="es-ES" b="1" dirty="0"/>
+              <a:t> </a:t>
+            </a:r>
+            <a:r>
+              <a:rPr lang="es-ES" b="1" dirty="0" err="1"/>
+              <a:t>the</a:t>
+            </a:r>
+            <a:r>
+              <a:rPr lang="es-ES" b="1" dirty="0"/>
+              <a:t> linear predictor</a:t>
+            </a:r>
+            <a:r>
+              <a:rPr lang="es-ES" dirty="0"/>
+              <a:t> (</a:t>
+            </a:r>
+            <a:r>
+              <a:rPr lang="es-ES" dirty="0" err="1"/>
+              <a:t>for</a:t>
+            </a:r>
+            <a:r>
+              <a:rPr lang="es-ES" dirty="0"/>
+              <a:t> </a:t>
+            </a:r>
+            <a:r>
+              <a:rPr lang="es-ES" i="1" dirty="0" err="1">
+                <a:solidFill>
+                  <a:srgbClr val="FFFF00"/>
+                </a:solidFill>
+              </a:rPr>
+              <a:t>cox_reduced</a:t>
+            </a:r>
+            <a:r>
+              <a:rPr lang="es-ES" dirty="0"/>
+              <a:t>) </a:t>
+            </a:r>
+            <a:endParaRPr lang="en-GB" i="1" dirty="0">
+              <a:solidFill>
+                <a:srgbClr val="FFFF00"/>
+              </a:solidFill>
+            </a:endParaRPr>
+          </a:p>
+        </p:txBody>
+      </p:sp>
+      <p:sp>
+        <p:nvSpPr>
+          <p:cNvPr id="8" name="TextBox 7">
+            <a:extLst>
+              <a:ext uri="{FF2B5EF4-FFF2-40B4-BE49-F238E27FC236}">
+                <a16:creationId xmlns:a16="http://schemas.microsoft.com/office/drawing/2014/main" id="{C588648D-8376-02FA-BE47-8DB125CA8323}"/>
+              </a:ext>
+            </a:extLst>
+          </p:cNvPr>
+          <p:cNvSpPr txBox="1"/>
+          <p:nvPr/>
+        </p:nvSpPr>
+        <p:spPr>
+          <a:xfrm>
+            <a:off x="2274894" y="5543854"/>
+            <a:ext cx="8803414" cy="1200329"/>
+          </a:xfrm>
+          <a:prstGeom prst="rect">
+            <a:avLst/>
+          </a:prstGeom>
+          <a:noFill/>
+        </p:spPr>
+        <p:txBody>
+          <a:bodyPr wrap="square" rtlCol="0">
+            <a:spAutoFit/>
+          </a:bodyPr>
+          <a:lstStyle/>
+          <a:p>
+            <a:pPr marL="285750" indent="-285750">
+              <a:buFont typeface="Arial" panose="020B0604020202020204" pitchFamily="34" charset="0"/>
+              <a:buChar char="•"/>
+            </a:pPr>
+            <a:r>
+              <a:rPr lang="en-US" dirty="0"/>
+              <a:t>We do not seem to have any outliers, as all deviance residuals are smaller than 3 in absolute terms. The mean is close to zero. However, the residuals are not evenly scattered and we are seeing a slightly decreasing trend. Also, we can recognize two clusters in the data.</a:t>
+            </a:r>
+            <a:endParaRPr lang="en-GB" dirty="0"/>
+          </a:p>
+        </p:txBody>
+      </p:sp>
+      <p:pic>
+        <p:nvPicPr>
+          <p:cNvPr id="4" name="Picture 3">
+            <a:extLst>
+              <a:ext uri="{FF2B5EF4-FFF2-40B4-BE49-F238E27FC236}">
+                <a16:creationId xmlns:a16="http://schemas.microsoft.com/office/drawing/2014/main" id="{24FA3289-9FD5-C3AD-39AC-3EBDB166DB4C}"/>
+              </a:ext>
+            </a:extLst>
+          </p:cNvPr>
+          <p:cNvPicPr>
+            <a:picLocks noChangeAspect="1"/>
+          </p:cNvPicPr>
+          <p:nvPr/>
+        </p:nvPicPr>
+        <p:blipFill>
+          <a:blip r:embed="rId3"/>
+          <a:stretch>
+            <a:fillRect/>
+          </a:stretch>
+        </p:blipFill>
+        <p:spPr>
+          <a:xfrm>
+            <a:off x="2611808" y="1966804"/>
+            <a:ext cx="7168800" cy="3584400"/>
+          </a:xfrm>
+          <a:prstGeom prst="rect">
+            <a:avLst/>
+          </a:prstGeom>
+        </p:spPr>
+      </p:pic>
+    </p:spTree>
+    <p:extLst>
+      <p:ext uri="{BB962C8B-B14F-4D97-AF65-F5344CB8AC3E}">
+        <p14:creationId xmlns:p14="http://schemas.microsoft.com/office/powerpoint/2010/main" val="817226470"/>
+      </p:ext>
+    </p:extLst>
+  </p:cSld>
+  <p:clrMapOvr>
+    <a:masterClrMapping/>
+  </p:clrMapOvr>
+</p:sld>
+</file>
+
+<file path=ppt/slides/slide18.xml><?xml version="1.0" encoding="utf-8"?>
+<p:sld xmlns:a="http://schemas.openxmlformats.org/drawingml/2006/main" xmlns:r="http://schemas.openxmlformats.org/officeDocument/2006/relationships" xmlns:p="http://schemas.openxmlformats.org/presentationml/2006/main">
+  <p:cSld>
+    <p:spTree>
+      <p:nvGrpSpPr>
+        <p:cNvPr id="1" name=""/>
+        <p:cNvGrpSpPr/>
+        <p:nvPr/>
+      </p:nvGrpSpPr>
+      <p:grpSpPr>
+        <a:xfrm>
+          <a:off x="0" y="0"/>
+          <a:ext cx="0" cy="0"/>
+          <a:chOff x="0" y="0"/>
+          <a:chExt cx="0" cy="0"/>
+        </a:xfrm>
+      </p:grpSpPr>
+      <p:sp>
+        <p:nvSpPr>
+          <p:cNvPr id="2" name="Title 1">
+            <a:extLst>
+              <a:ext uri="{FF2B5EF4-FFF2-40B4-BE49-F238E27FC236}">
+                <a16:creationId xmlns:a16="http://schemas.microsoft.com/office/drawing/2014/main" id="{497E08B4-1A21-5C4A-FF59-0254370A8800}"/>
+              </a:ext>
+            </a:extLst>
+          </p:cNvPr>
+          <p:cNvSpPr>
+            <a:spLocks noGrp="1"/>
+          </p:cNvSpPr>
+          <p:nvPr>
+            <p:ph type="title"/>
+          </p:nvPr>
+        </p:nvSpPr>
+        <p:spPr/>
+        <p:txBody>
+          <a:bodyPr/>
+          <a:lstStyle/>
+          <a:p>
+            <a:r>
+              <a:rPr lang="es-ES" dirty="0" err="1"/>
+              <a:t>iv</a:t>
+            </a:r>
+            <a:r>
+              <a:rPr lang="es-ES" dirty="0"/>
+              <a:t>. </a:t>
+            </a:r>
+            <a:r>
+              <a:rPr lang="es-ES" dirty="0" err="1"/>
+              <a:t>Linearity</a:t>
+            </a:r>
+            <a:r>
+              <a:rPr lang="es-ES" dirty="0"/>
+              <a:t> test</a:t>
+            </a:r>
+            <a:endParaRPr lang="en-GB" dirty="0"/>
+          </a:p>
+        </p:txBody>
+      </p:sp>
+      <p:sp>
+        <p:nvSpPr>
+          <p:cNvPr id="10" name="TextBox 9">
+            <a:extLst>
+              <a:ext uri="{FF2B5EF4-FFF2-40B4-BE49-F238E27FC236}">
+                <a16:creationId xmlns:a16="http://schemas.microsoft.com/office/drawing/2014/main" id="{45FE6EE5-DD2F-2064-2E7F-59FE5212A61D}"/>
+              </a:ext>
+            </a:extLst>
+          </p:cNvPr>
+          <p:cNvSpPr txBox="1"/>
+          <p:nvPr/>
+        </p:nvSpPr>
+        <p:spPr>
+          <a:xfrm>
+            <a:off x="2274894" y="1396590"/>
+            <a:ext cx="8393106" cy="646331"/>
+          </a:xfrm>
+          <a:prstGeom prst="rect">
+            <a:avLst/>
+          </a:prstGeom>
+          <a:noFill/>
+        </p:spPr>
+        <p:txBody>
+          <a:bodyPr wrap="square" rtlCol="0">
+            <a:spAutoFit/>
+          </a:bodyPr>
+          <a:lstStyle/>
+          <a:p>
+            <a:pPr marL="285750" indent="-285750">
+              <a:buFont typeface="Arial" panose="020B0604020202020204" pitchFamily="34" charset="0"/>
+              <a:buChar char="•"/>
+            </a:pPr>
+            <a:r>
+              <a:rPr lang="es-ES" dirty="0" err="1"/>
+              <a:t>To</a:t>
+            </a:r>
+            <a:r>
+              <a:rPr lang="es-ES" dirty="0"/>
+              <a:t> deal </a:t>
+            </a:r>
+            <a:r>
+              <a:rPr lang="es-ES" dirty="0" err="1"/>
+              <a:t>with</a:t>
+            </a:r>
+            <a:r>
+              <a:rPr lang="es-ES" dirty="0"/>
+              <a:t> </a:t>
+            </a:r>
+            <a:r>
+              <a:rPr lang="es-ES" dirty="0" err="1"/>
+              <a:t>the</a:t>
+            </a:r>
+            <a:r>
+              <a:rPr lang="es-ES" dirty="0"/>
+              <a:t> </a:t>
+            </a:r>
+            <a:r>
+              <a:rPr lang="es-ES" dirty="0" err="1"/>
+              <a:t>issue</a:t>
+            </a:r>
+            <a:r>
+              <a:rPr lang="es-ES" dirty="0"/>
+              <a:t> </a:t>
+            </a:r>
+            <a:r>
+              <a:rPr lang="es-ES" dirty="0" err="1"/>
+              <a:t>of</a:t>
+            </a:r>
+            <a:r>
+              <a:rPr lang="es-ES" dirty="0"/>
+              <a:t> </a:t>
+            </a:r>
+            <a:r>
+              <a:rPr lang="es-ES" dirty="0" err="1"/>
+              <a:t>nonlinearity</a:t>
+            </a:r>
+            <a:r>
+              <a:rPr lang="es-ES" dirty="0"/>
+              <a:t> in </a:t>
+            </a:r>
+            <a:r>
+              <a:rPr lang="es-ES" dirty="0" err="1"/>
+              <a:t>our</a:t>
+            </a:r>
+            <a:r>
+              <a:rPr lang="es-ES" dirty="0"/>
+              <a:t> </a:t>
+            </a:r>
+            <a:r>
+              <a:rPr lang="es-ES" dirty="0" err="1"/>
+              <a:t>quantitative</a:t>
+            </a:r>
+            <a:r>
+              <a:rPr lang="es-ES" dirty="0"/>
+              <a:t> variables, </a:t>
+            </a:r>
+            <a:r>
+              <a:rPr lang="es-ES" b="1" dirty="0" err="1"/>
+              <a:t>fractional</a:t>
+            </a:r>
+            <a:r>
+              <a:rPr lang="es-ES" b="1" dirty="0"/>
+              <a:t> </a:t>
+            </a:r>
+            <a:r>
+              <a:rPr lang="es-ES" b="1" dirty="0" err="1"/>
+              <a:t>polynomials</a:t>
+            </a:r>
+            <a:r>
+              <a:rPr lang="es-ES" b="1" dirty="0"/>
+              <a:t> </a:t>
+            </a:r>
+            <a:r>
+              <a:rPr lang="es-ES" dirty="0"/>
+              <a:t>are </a:t>
+            </a:r>
+            <a:r>
+              <a:rPr lang="es-ES" dirty="0" err="1"/>
+              <a:t>used</a:t>
+            </a:r>
+            <a:r>
+              <a:rPr lang="es-ES" dirty="0"/>
+              <a:t> </a:t>
+            </a:r>
+            <a:r>
+              <a:rPr lang="es-ES" dirty="0" err="1"/>
+              <a:t>which</a:t>
+            </a:r>
+            <a:r>
+              <a:rPr lang="es-ES" dirty="0"/>
+              <a:t> </a:t>
+            </a:r>
+            <a:r>
+              <a:rPr lang="es-ES" dirty="0" err="1"/>
+              <a:t>gives</a:t>
+            </a:r>
+            <a:r>
+              <a:rPr lang="es-ES" dirty="0"/>
+              <a:t> </a:t>
+            </a:r>
+            <a:r>
+              <a:rPr lang="es-ES" dirty="0" err="1"/>
+              <a:t>us</a:t>
+            </a:r>
+            <a:r>
+              <a:rPr lang="es-ES" dirty="0"/>
+              <a:t> </a:t>
+            </a:r>
+            <a:r>
+              <a:rPr lang="es-ES" dirty="0" err="1"/>
+              <a:t>the</a:t>
+            </a:r>
+            <a:r>
+              <a:rPr lang="es-ES" dirty="0"/>
+              <a:t> </a:t>
+            </a:r>
+            <a:r>
+              <a:rPr lang="es-ES" dirty="0" err="1"/>
+              <a:t>model</a:t>
+            </a:r>
+            <a:r>
+              <a:rPr lang="es-ES" dirty="0"/>
+              <a:t>: </a:t>
+            </a:r>
+            <a:r>
+              <a:rPr lang="es-ES" i="1" dirty="0" err="1">
+                <a:solidFill>
+                  <a:srgbClr val="FFFF00"/>
+                </a:solidFill>
+              </a:rPr>
+              <a:t>cox_all_mfp</a:t>
+            </a:r>
+            <a:endParaRPr lang="en-GB" i="1" dirty="0">
+              <a:solidFill>
+                <a:srgbClr val="FFFF00"/>
+              </a:solidFill>
+            </a:endParaRPr>
+          </a:p>
+        </p:txBody>
+      </p:sp>
+      <p:pic>
+        <p:nvPicPr>
+          <p:cNvPr id="5" name="Picture 4">
+            <a:extLst>
+              <a:ext uri="{FF2B5EF4-FFF2-40B4-BE49-F238E27FC236}">
+                <a16:creationId xmlns:a16="http://schemas.microsoft.com/office/drawing/2014/main" id="{623DA34B-3BB7-BD15-CA53-A212C78C8282}"/>
+              </a:ext>
+            </a:extLst>
+          </p:cNvPr>
+          <p:cNvPicPr>
+            <a:picLocks noChangeAspect="1"/>
+          </p:cNvPicPr>
+          <p:nvPr/>
+        </p:nvPicPr>
+        <p:blipFill>
+          <a:blip r:embed="rId3"/>
+          <a:stretch>
+            <a:fillRect/>
+          </a:stretch>
+        </p:blipFill>
+        <p:spPr>
+          <a:xfrm>
+            <a:off x="2611808" y="2232538"/>
+            <a:ext cx="6751905" cy="891617"/>
+          </a:xfrm>
+          <a:prstGeom prst="rect">
+            <a:avLst/>
+          </a:prstGeom>
+        </p:spPr>
+      </p:pic>
+      <p:pic>
+        <p:nvPicPr>
+          <p:cNvPr id="7" name="Picture 6">
+            <a:extLst>
+              <a:ext uri="{FF2B5EF4-FFF2-40B4-BE49-F238E27FC236}">
+                <a16:creationId xmlns:a16="http://schemas.microsoft.com/office/drawing/2014/main" id="{C49F3AB2-291D-33D7-9A93-1A7136A825A7}"/>
+              </a:ext>
+            </a:extLst>
+          </p:cNvPr>
+          <p:cNvPicPr>
+            <a:picLocks noChangeAspect="1"/>
+          </p:cNvPicPr>
+          <p:nvPr/>
+        </p:nvPicPr>
+        <p:blipFill>
+          <a:blip r:embed="rId4"/>
+          <a:stretch>
+            <a:fillRect/>
+          </a:stretch>
+        </p:blipFill>
+        <p:spPr>
+          <a:xfrm>
+            <a:off x="2611808" y="3313772"/>
+            <a:ext cx="5547841" cy="2019475"/>
+          </a:xfrm>
+          <a:prstGeom prst="rect">
+            <a:avLst/>
+          </a:prstGeom>
+        </p:spPr>
+      </p:pic>
+      <p:sp>
+        <p:nvSpPr>
+          <p:cNvPr id="8" name="TextBox 7">
+            <a:extLst>
+              <a:ext uri="{FF2B5EF4-FFF2-40B4-BE49-F238E27FC236}">
+                <a16:creationId xmlns:a16="http://schemas.microsoft.com/office/drawing/2014/main" id="{C588648D-8376-02FA-BE47-8DB125CA8323}"/>
+              </a:ext>
+            </a:extLst>
+          </p:cNvPr>
+          <p:cNvSpPr txBox="1"/>
+          <p:nvPr/>
+        </p:nvSpPr>
+        <p:spPr>
+          <a:xfrm>
+            <a:off x="2274894" y="5522864"/>
+            <a:ext cx="7305298" cy="1200329"/>
+          </a:xfrm>
+          <a:prstGeom prst="rect">
+            <a:avLst/>
+          </a:prstGeom>
+          <a:noFill/>
+        </p:spPr>
+        <p:txBody>
+          <a:bodyPr wrap="square" rtlCol="0">
+            <a:spAutoFit/>
+          </a:bodyPr>
+          <a:lstStyle/>
+          <a:p>
+            <a:pPr marL="285750" indent="-285750">
+              <a:buFont typeface="Arial" panose="020B0604020202020204" pitchFamily="34" charset="0"/>
+              <a:buChar char="•"/>
+            </a:pPr>
+            <a:r>
+              <a:rPr lang="es-ES" dirty="0" err="1"/>
+              <a:t>The</a:t>
+            </a:r>
+            <a:r>
+              <a:rPr lang="es-ES" dirty="0"/>
+              <a:t> test </a:t>
+            </a:r>
+            <a:r>
+              <a:rPr lang="es-ES" dirty="0" err="1"/>
+              <a:t>from</a:t>
+            </a:r>
+            <a:r>
+              <a:rPr lang="es-ES" dirty="0"/>
+              <a:t> </a:t>
+            </a:r>
+            <a:r>
+              <a:rPr lang="es-ES" b="1" dirty="0" err="1"/>
+              <a:t>Royston</a:t>
+            </a:r>
+            <a:r>
+              <a:rPr lang="es-ES" b="1" dirty="0"/>
+              <a:t> &amp; Altman (1994)</a:t>
+            </a:r>
+            <a:r>
+              <a:rPr lang="es-ES" dirty="0"/>
+              <a:t> </a:t>
+            </a:r>
+            <a:r>
+              <a:rPr lang="es-ES" dirty="0" err="1"/>
+              <a:t>indicates</a:t>
+            </a:r>
+            <a:r>
+              <a:rPr lang="es-ES" dirty="0"/>
+              <a:t> </a:t>
+            </a:r>
+            <a:r>
+              <a:rPr lang="es-ES" dirty="0" err="1"/>
+              <a:t>that</a:t>
+            </a:r>
+            <a:r>
+              <a:rPr lang="es-ES" dirty="0"/>
+              <a:t> </a:t>
+            </a:r>
+            <a:r>
+              <a:rPr lang="en-US" dirty="0"/>
+              <a:t>the variables </a:t>
+            </a:r>
+            <a:r>
+              <a:rPr lang="en-US" i="1" dirty="0" err="1">
+                <a:solidFill>
+                  <a:srgbClr val="FFFF00"/>
+                </a:solidFill>
+              </a:rPr>
+              <a:t>Ejection.Fraction</a:t>
+            </a:r>
+            <a:r>
+              <a:rPr lang="en-US" i="1" dirty="0">
+                <a:solidFill>
+                  <a:srgbClr val="FFFF00"/>
+                </a:solidFill>
+              </a:rPr>
+              <a:t> </a:t>
+            </a:r>
+            <a:r>
+              <a:rPr lang="en-US" dirty="0"/>
+              <a:t>should be added to the model with a negative power of -2 and the variable </a:t>
+            </a:r>
+            <a:r>
+              <a:rPr lang="en-US" i="1" dirty="0">
+                <a:solidFill>
+                  <a:srgbClr val="FFFF00"/>
+                </a:solidFill>
+              </a:rPr>
+              <a:t>Creatinine</a:t>
+            </a:r>
+            <a:r>
+              <a:rPr lang="en-US" dirty="0"/>
+              <a:t> with a negative power of -1, the other variables can be left in their linear form.</a:t>
+            </a:r>
+            <a:r>
+              <a:rPr lang="es-ES" dirty="0"/>
+              <a:t>  </a:t>
+            </a:r>
+            <a:endParaRPr lang="en-GB" dirty="0"/>
+          </a:p>
+        </p:txBody>
+      </p:sp>
+    </p:spTree>
+    <p:extLst>
+      <p:ext uri="{BB962C8B-B14F-4D97-AF65-F5344CB8AC3E}">
+        <p14:creationId xmlns:p14="http://schemas.microsoft.com/office/powerpoint/2010/main" val="1663767226"/>
+      </p:ext>
+    </p:extLst>
+  </p:cSld>
+  <p:clrMapOvr>
+    <a:masterClrMapping/>
+  </p:clrMapOvr>
+</p:sld>
+</file>
+
+<file path=ppt/slides/slide19.xml><?xml version="1.0" encoding="utf-8"?>
+<p:sld xmlns:a="http://schemas.openxmlformats.org/drawingml/2006/main" xmlns:r="http://schemas.openxmlformats.org/officeDocument/2006/relationships" xmlns:p="http://schemas.openxmlformats.org/presentationml/2006/main">
+  <p:cSld>
+    <p:spTree>
+      <p:nvGrpSpPr>
+        <p:cNvPr id="1" name=""/>
+        <p:cNvGrpSpPr/>
+        <p:nvPr/>
+      </p:nvGrpSpPr>
+      <p:grpSpPr>
+        <a:xfrm>
+          <a:off x="0" y="0"/>
+          <a:ext cx="0" cy="0"/>
+          <a:chOff x="0" y="0"/>
+          <a:chExt cx="0" cy="0"/>
+        </a:xfrm>
+      </p:grpSpPr>
+      <p:sp>
+        <p:nvSpPr>
+          <p:cNvPr id="2" name="Title 1">
+            <a:extLst>
+              <a:ext uri="{FF2B5EF4-FFF2-40B4-BE49-F238E27FC236}">
+                <a16:creationId xmlns:a16="http://schemas.microsoft.com/office/drawing/2014/main" id="{497E08B4-1A21-5C4A-FF59-0254370A8800}"/>
+              </a:ext>
+            </a:extLst>
+          </p:cNvPr>
+          <p:cNvSpPr>
+            <a:spLocks noGrp="1"/>
+          </p:cNvSpPr>
+          <p:nvPr>
+            <p:ph type="title"/>
+          </p:nvPr>
+        </p:nvSpPr>
+        <p:spPr/>
+        <p:txBody>
+          <a:bodyPr/>
+          <a:lstStyle/>
+          <a:p>
+            <a:r>
+              <a:rPr lang="es-ES" dirty="0"/>
+              <a:t>v. </a:t>
+            </a:r>
+            <a:r>
+              <a:rPr lang="es-ES" dirty="0" err="1"/>
+              <a:t>Choice</a:t>
+            </a:r>
+            <a:r>
+              <a:rPr lang="es-ES" dirty="0"/>
+              <a:t> </a:t>
+            </a:r>
+            <a:r>
+              <a:rPr lang="es-ES" dirty="0" err="1"/>
+              <a:t>of</a:t>
+            </a:r>
+            <a:r>
+              <a:rPr lang="es-ES" dirty="0"/>
+              <a:t> </a:t>
+            </a:r>
+            <a:r>
+              <a:rPr lang="es-ES" dirty="0" err="1"/>
+              <a:t>the</a:t>
+            </a:r>
+            <a:r>
+              <a:rPr lang="es-ES" dirty="0"/>
+              <a:t> ‘</a:t>
+            </a:r>
+            <a:r>
+              <a:rPr lang="es-ES" dirty="0" err="1"/>
+              <a:t>best</a:t>
+            </a:r>
+            <a:r>
+              <a:rPr lang="es-ES" dirty="0"/>
+              <a:t>’ </a:t>
+            </a:r>
+            <a:r>
+              <a:rPr lang="es-ES" dirty="0" err="1"/>
+              <a:t>parametric</a:t>
+            </a:r>
+            <a:r>
+              <a:rPr lang="es-ES" dirty="0"/>
+              <a:t> </a:t>
+            </a:r>
+            <a:r>
+              <a:rPr lang="es-ES" dirty="0" err="1"/>
+              <a:t>model</a:t>
             </a:r>
             <a:endParaRPr lang="en-GB" dirty="0"/>
           </a:p>
@@ -8313,7 +13204,7 @@
           <p:cNvPr id="3" name="Content Placeholder 2">
             <a:extLst>
               <a:ext uri="{FF2B5EF4-FFF2-40B4-BE49-F238E27FC236}">
-                <a16:creationId xmlns:a16="http://schemas.microsoft.com/office/drawing/2014/main" id="{7B93926A-8058-58EE-8571-32D25C423456}"/>
+                <a16:creationId xmlns:a16="http://schemas.microsoft.com/office/drawing/2014/main" id="{00097D50-5ACB-4FDD-50C2-902AABD801B5}"/>
               </a:ext>
             </a:extLst>
           </p:cNvPr>
@@ -8326,63 +13217,17 @@
         </p:nvSpPr>
         <p:spPr/>
         <p:txBody>
-          <a:bodyPr>
-            <a:normAutofit/>
-          </a:bodyPr>
+          <a:bodyPr/>
           <a:lstStyle/>
           <a:p>
-            <a:r>
-              <a:rPr lang="en-GB" sz="1600" dirty="0"/>
-              <a:t>Tanvir Ahmad, </a:t>
-            </a:r>
-            <a:r>
-              <a:rPr lang="en-GB" sz="1600" dirty="0" err="1"/>
-              <a:t>Assia</a:t>
-            </a:r>
-            <a:r>
-              <a:rPr lang="en-GB" sz="1600" dirty="0"/>
-              <a:t> </a:t>
-            </a:r>
-            <a:r>
-              <a:rPr lang="en-GB" sz="1600" dirty="0" err="1"/>
-              <a:t>Munir,Sajjad</a:t>
-            </a:r>
-            <a:r>
-              <a:rPr lang="en-GB" sz="1600" dirty="0"/>
-              <a:t> Haider Bhatti, Muhammad Aftab, Muhammad Ali Raza (2017): </a:t>
-            </a:r>
-            <a:r>
-              <a:rPr lang="en-US" sz="1600" dirty="0"/>
-              <a:t>Survival analysis of heart failure patients: A case study, </a:t>
-            </a:r>
-            <a:r>
-              <a:rPr lang="en-US" sz="1600" dirty="0" err="1"/>
-              <a:t>PLoS</a:t>
-            </a:r>
-            <a:r>
-              <a:rPr lang="en-US" sz="1600" dirty="0"/>
-              <a:t> ONE 12(7), </a:t>
-            </a:r>
-            <a:r>
-              <a:rPr lang="en-US" sz="1600" dirty="0">
-                <a:hlinkClick r:id="rId2"/>
-              </a:rPr>
-              <a:t>https://journals.plos.org/plosone/article?id=10.1371/journal.pone.0181001</a:t>
-            </a:r>
-            <a:r>
-              <a:rPr lang="en-US" sz="1600" dirty="0"/>
-              <a:t> </a:t>
-            </a:r>
-          </a:p>
-          <a:p>
-            <a:endParaRPr lang="en-GB" sz="1600" dirty="0"/>
+            <a:endParaRPr lang="en-GB"/>
           </a:p>
         </p:txBody>
       </p:sp>
     </p:spTree>
     <p:extLst>
       <p:ext uri="{BB962C8B-B14F-4D97-AF65-F5344CB8AC3E}">
-        <p14:creationId xmlns:p14="http://schemas.microsoft.com/office/powerpoint/2010/main" val="1052708400"/>
+        <p14:creationId xmlns:p14="http://schemas.microsoft.com/office/powerpoint/2010/main" val="2789381983"/>
       </p:ext>
     </p:extLst>
   </p:cSld>
@@ -8594,7 +13439,15 @@
             </a:pPr>
             <a:r>
               <a:rPr lang="es-ES" dirty="0" err="1"/>
-              <a:t>With</a:t>
+              <a:t>Mode</a:t>
+            </a:r>
+            <a:r>
+              <a:rPr lang="es-ES" dirty="0"/>
+              <a:t> </a:t>
+            </a:r>
+            <a:r>
+              <a:rPr lang="es-ES" dirty="0" err="1"/>
+              <a:t>with</a:t>
             </a:r>
             <a:r>
               <a:rPr lang="es-ES" dirty="0"/>
@@ -8692,6 +13545,136 @@
     <p:extLst>
       <p:ext uri="{BB962C8B-B14F-4D97-AF65-F5344CB8AC3E}">
         <p14:creationId xmlns:p14="http://schemas.microsoft.com/office/powerpoint/2010/main" val="4972780"/>
+      </p:ext>
+    </p:extLst>
+  </p:cSld>
+  <p:clrMapOvr>
+    <a:masterClrMapping/>
+  </p:clrMapOvr>
+</p:sld>
+</file>
+
+<file path=ppt/slides/slide20.xml><?xml version="1.0" encoding="utf-8"?>
+<p:sld xmlns:a="http://schemas.openxmlformats.org/drawingml/2006/main" xmlns:r="http://schemas.openxmlformats.org/officeDocument/2006/relationships" xmlns:p="http://schemas.openxmlformats.org/presentationml/2006/main">
+  <p:cSld>
+    <p:spTree>
+      <p:nvGrpSpPr>
+        <p:cNvPr id="1" name=""/>
+        <p:cNvGrpSpPr/>
+        <p:nvPr/>
+      </p:nvGrpSpPr>
+      <p:grpSpPr>
+        <a:xfrm>
+          <a:off x="0" y="0"/>
+          <a:ext cx="0" cy="0"/>
+          <a:chOff x="0" y="0"/>
+          <a:chExt cx="0" cy="0"/>
+        </a:xfrm>
+      </p:grpSpPr>
+      <p:sp>
+        <p:nvSpPr>
+          <p:cNvPr id="2" name="Title 1">
+            <a:extLst>
+              <a:ext uri="{FF2B5EF4-FFF2-40B4-BE49-F238E27FC236}">
+                <a16:creationId xmlns:a16="http://schemas.microsoft.com/office/drawing/2014/main" id="{4F09B721-2CE6-D091-186A-443E39FF16C9}"/>
+              </a:ext>
+            </a:extLst>
+          </p:cNvPr>
+          <p:cNvSpPr>
+            <a:spLocks noGrp="1"/>
+          </p:cNvSpPr>
+          <p:nvPr>
+            <p:ph type="title"/>
+          </p:nvPr>
+        </p:nvSpPr>
+        <p:spPr/>
+        <p:txBody>
+          <a:bodyPr/>
+          <a:lstStyle/>
+          <a:p>
+            <a:r>
+              <a:rPr lang="es-ES" dirty="0" err="1"/>
+              <a:t>References</a:t>
+            </a:r>
+            <a:endParaRPr lang="en-GB" dirty="0"/>
+          </a:p>
+        </p:txBody>
+      </p:sp>
+      <p:sp>
+        <p:nvSpPr>
+          <p:cNvPr id="3" name="Content Placeholder 2">
+            <a:extLst>
+              <a:ext uri="{FF2B5EF4-FFF2-40B4-BE49-F238E27FC236}">
+                <a16:creationId xmlns:a16="http://schemas.microsoft.com/office/drawing/2014/main" id="{7B93926A-8058-58EE-8571-32D25C423456}"/>
+              </a:ext>
+            </a:extLst>
+          </p:cNvPr>
+          <p:cNvSpPr>
+            <a:spLocks noGrp="1"/>
+          </p:cNvSpPr>
+          <p:nvPr>
+            <p:ph idx="1"/>
+          </p:nvPr>
+        </p:nvSpPr>
+        <p:spPr/>
+        <p:txBody>
+          <a:bodyPr>
+            <a:normAutofit/>
+          </a:bodyPr>
+          <a:lstStyle/>
+          <a:p>
+            <a:r>
+              <a:rPr lang="en-GB" sz="1600" dirty="0"/>
+              <a:t>Tanvir Ahmad, </a:t>
+            </a:r>
+            <a:r>
+              <a:rPr lang="en-GB" sz="1600" dirty="0" err="1"/>
+              <a:t>Assia</a:t>
+            </a:r>
+            <a:r>
+              <a:rPr lang="en-GB" sz="1600" dirty="0"/>
+              <a:t> </a:t>
+            </a:r>
+            <a:r>
+              <a:rPr lang="en-GB" sz="1600" dirty="0" err="1"/>
+              <a:t>Munir,Sajjad</a:t>
+            </a:r>
+            <a:r>
+              <a:rPr lang="en-GB" sz="1600" dirty="0"/>
+              <a:t> Haider Bhatti, Muhammad Aftab, Muhammad Ali Raza (2017): </a:t>
+            </a:r>
+            <a:r>
+              <a:rPr lang="en-US" sz="1600" dirty="0"/>
+              <a:t>Survival analysis of heart failure patients: A case study, </a:t>
+            </a:r>
+            <a:r>
+              <a:rPr lang="en-US" sz="1600" dirty="0" err="1"/>
+              <a:t>PLoS</a:t>
+            </a:r>
+            <a:r>
+              <a:rPr lang="en-US" sz="1600" dirty="0"/>
+              <a:t> ONE 12(7), </a:t>
+            </a:r>
+            <a:r>
+              <a:rPr lang="en-US" sz="1600" dirty="0">
+                <a:hlinkClick r:id="rId2"/>
+              </a:rPr>
+              <a:t>https://journals.plos.org/plosone/article?id=10.1371/journal.pone.0181001</a:t>
+            </a:r>
+            <a:r>
+              <a:rPr lang="en-US" sz="1600" dirty="0"/>
+              <a:t> </a:t>
+            </a:r>
+          </a:p>
+          <a:p>
+            <a:endParaRPr lang="en-GB" sz="1600" dirty="0"/>
+          </a:p>
+        </p:txBody>
+      </p:sp>
+    </p:spTree>
+    <p:extLst>
+      <p:ext uri="{BB962C8B-B14F-4D97-AF65-F5344CB8AC3E}">
+        <p14:creationId xmlns:p14="http://schemas.microsoft.com/office/powerpoint/2010/main" val="1052708400"/>
       </p:ext>
     </p:extLst>
   </p:cSld>
@@ -11173,7 +16156,7 @@
           <a:p>
             <a:r>
               <a:rPr lang="es-ES" dirty="0" err="1"/>
-              <a:t>ii</a:t>
+              <a:t>iii</a:t>
             </a:r>
             <a:r>
               <a:rPr lang="es-ES" dirty="0"/>
@@ -11430,11 +16413,18 @@
               </a:rPr>
               <a:t>Anaemia</a:t>
             </a:r>
-            <a:endParaRPr lang="es-ES" i="1" dirty="0">
-              <a:solidFill>
-                <a:srgbClr val="FFFF00"/>
-              </a:solidFill>
-            </a:endParaRPr>
+            <a:r>
+              <a:rPr lang="es-ES" dirty="0"/>
+              <a:t>,</a:t>
+            </a:r>
+            <a:r>
+              <a:rPr lang="es-ES" i="1" dirty="0">
+                <a:solidFill>
+                  <a:srgbClr val="FFFF00"/>
+                </a:solidFill>
+              </a:rPr>
+              <a:t> CPK</a:t>
+            </a:r>
           </a:p>
           <a:p>
             <a:r>
@@ -11469,10 +16459,7 @@
               </a:rPr>
               <a:t>Ejection.Fraction</a:t>
             </a:r>
-            <a:r>
-              <a:rPr lang="es-ES" dirty="0"/>
-              <a:t>,</a:t>
-            </a:r>
+            <a:endParaRPr lang="es-ES" dirty="0"/>
           </a:p>
           <a:p>
             <a:r>
@@ -11490,22 +16477,6 @@
                 </a:solidFill>
               </a:rPr>
               <a:t>Sodium</a:t>
-            </a:r>
-            <a:r>
-              <a:rPr lang="es-ES" dirty="0"/>
-              <a:t>, </a:t>
-            </a:r>
-            <a:r>
-              <a:rPr lang="es-ES" i="1" dirty="0">
-                <a:solidFill>
-                  <a:srgbClr val="FFFF00"/>
-                </a:solidFill>
-              </a:rPr>
-              <a:t>CPK</a:t>
-            </a:r>
-            <a:r>
-              <a:rPr lang="es-ES" dirty="0"/>
-              <a:t> </a:t>
             </a:r>
             <a:endParaRPr lang="en-GB" dirty="0"/>
           </a:p>

--- a/presentation.pptx
+++ b/presentation.pptx
@@ -5,7 +5,7 @@
     <p:sldMasterId id="2147483672" r:id="rId1"/>
   </p:sldMasterIdLst>
   <p:notesMasterIdLst>
-    <p:notesMasterId r:id="rId22"/>
+    <p:notesMasterId r:id="rId26"/>
   </p:notesMasterIdLst>
   <p:sldIdLst>
     <p:sldId id="256" r:id="rId2"/>
@@ -13,21 +13,25 @@
     <p:sldId id="258" r:id="rId4"/>
     <p:sldId id="264" r:id="rId5"/>
     <p:sldId id="268" r:id="rId6"/>
-    <p:sldId id="267" r:id="rId7"/>
-    <p:sldId id="269" r:id="rId8"/>
-    <p:sldId id="271" r:id="rId9"/>
-    <p:sldId id="259" r:id="rId10"/>
-    <p:sldId id="272" r:id="rId11"/>
-    <p:sldId id="273" r:id="rId12"/>
-    <p:sldId id="274" r:id="rId13"/>
-    <p:sldId id="260" r:id="rId14"/>
-    <p:sldId id="276" r:id="rId15"/>
-    <p:sldId id="261" r:id="rId16"/>
-    <p:sldId id="277" r:id="rId17"/>
-    <p:sldId id="278" r:id="rId18"/>
-    <p:sldId id="280" r:id="rId19"/>
-    <p:sldId id="262" r:id="rId20"/>
-    <p:sldId id="263" r:id="rId21"/>
+    <p:sldId id="281" r:id="rId7"/>
+    <p:sldId id="267" r:id="rId8"/>
+    <p:sldId id="269" r:id="rId9"/>
+    <p:sldId id="271" r:id="rId10"/>
+    <p:sldId id="282" r:id="rId11"/>
+    <p:sldId id="259" r:id="rId12"/>
+    <p:sldId id="272" r:id="rId13"/>
+    <p:sldId id="273" r:id="rId14"/>
+    <p:sldId id="274" r:id="rId15"/>
+    <p:sldId id="260" r:id="rId16"/>
+    <p:sldId id="276" r:id="rId17"/>
+    <p:sldId id="261" r:id="rId18"/>
+    <p:sldId id="277" r:id="rId19"/>
+    <p:sldId id="278" r:id="rId20"/>
+    <p:sldId id="280" r:id="rId21"/>
+    <p:sldId id="283" r:id="rId22"/>
+    <p:sldId id="262" r:id="rId23"/>
+    <p:sldId id="284" r:id="rId24"/>
+    <p:sldId id="263" r:id="rId25"/>
   </p:sldIdLst>
   <p:sldSz cx="12192000" cy="6858000"/>
   <p:notesSz cx="6858000" cy="9144000"/>
@@ -1775,7 +1779,7 @@
           <a:p>
             <a:fld id="{0C8215FD-C011-40F7-B8C6-36FA60F83152}" type="datetimeFigureOut">
               <a:rPr lang="en-GB" smtClean="0"/>
-              <a:t>02/06/2023</a:t>
+              <a:t>04/06/2023</a:t>
             </a:fld>
             <a:endParaRPr lang="en-GB"/>
           </a:p>
@@ -2171,23 +2175,6 @@
           <a:bodyPr/>
           <a:lstStyle/>
           <a:p>
-            <a:pPr marL="0" marR="0" lvl="0" indent="0" algn="l" defTabSz="914400" rtl="0" eaLnBrk="1" fontAlgn="auto" latinLnBrk="0" hangingPunct="1">
-              <a:lnSpc>
-                <a:spcPct val="100000"/>
-              </a:lnSpc>
-              <a:spcBef>
-                <a:spcPts val="0"/>
-              </a:spcBef>
-              <a:spcAft>
-                <a:spcPts val="0"/>
-              </a:spcAft>
-              <a:buClrTx/>
-              <a:buSzTx/>
-              <a:buFontTx/>
-              <a:buNone/>
-              <a:tabLst/>
-              <a:defRPr/>
-            </a:pPr>
             <a:r>
               <a:rPr lang="es-ES" dirty="0" err="1"/>
               <a:t>For</a:t>
@@ -2260,9 +2247,6 @@
               <a:rPr lang="es-ES" dirty="0"/>
               <a:t> factor</a:t>
             </a:r>
-            <a:endParaRPr lang="en-GB" dirty="0"/>
-          </a:p>
-          <a:p>
             <a:endParaRPr lang="en-GB" dirty="0"/>
           </a:p>
         </p:txBody>
@@ -2293,7 +2277,7 @@
     </p:spTree>
     <p:extLst>
       <p:ext uri="{BB962C8B-B14F-4D97-AF65-F5344CB8AC3E}">
-        <p14:creationId xmlns:p14="http://schemas.microsoft.com/office/powerpoint/2010/main" val="3430114397"/>
+        <p14:creationId xmlns:p14="http://schemas.microsoft.com/office/powerpoint/2010/main" val="2652534523"/>
       </p:ext>
     </p:extLst>
   </p:cSld>
@@ -2348,132 +2332,40 @@
           <a:lstStyle/>
           <a:p>
             <a:r>
-              <a:rPr lang="es-ES" dirty="0" err="1"/>
-              <a:t>Question</a:t>
-            </a:r>
-            <a:r>
-              <a:rPr lang="es-ES" dirty="0"/>
-              <a:t>: </a:t>
-            </a:r>
-            <a:r>
-              <a:rPr lang="es-ES" dirty="0" err="1"/>
-              <a:t>Globally</a:t>
-            </a:r>
-            <a:r>
-              <a:rPr lang="es-ES" dirty="0"/>
-              <a:t>, </a:t>
-            </a:r>
-            <a:r>
-              <a:rPr lang="es-ES" dirty="0" err="1"/>
-              <a:t>the</a:t>
-            </a:r>
-            <a:r>
-              <a:rPr lang="es-ES" dirty="0"/>
-              <a:t> PH </a:t>
-            </a:r>
-            <a:r>
-              <a:rPr lang="es-ES" dirty="0" err="1"/>
-              <a:t>assumptions</a:t>
-            </a:r>
-            <a:r>
-              <a:rPr lang="es-ES" dirty="0"/>
-              <a:t> </a:t>
-            </a:r>
-            <a:r>
-              <a:rPr lang="es-ES" dirty="0" err="1"/>
-              <a:t>holds</a:t>
-            </a:r>
-            <a:r>
-              <a:rPr lang="es-ES" dirty="0"/>
-              <a:t>, </a:t>
-            </a:r>
-            <a:r>
-              <a:rPr lang="es-ES" dirty="0" err="1"/>
-              <a:t>but</a:t>
-            </a:r>
-            <a:r>
-              <a:rPr lang="es-ES" dirty="0"/>
-              <a:t> </a:t>
-            </a:r>
-            <a:r>
-              <a:rPr lang="es-ES" dirty="0" err="1"/>
-              <a:t>all</a:t>
-            </a:r>
-            <a:r>
-              <a:rPr lang="es-ES" dirty="0"/>
-              <a:t> </a:t>
-            </a:r>
-            <a:r>
-              <a:rPr lang="es-ES" dirty="0" err="1"/>
-              <a:t>our</a:t>
-            </a:r>
-            <a:r>
-              <a:rPr lang="es-ES" dirty="0"/>
-              <a:t> </a:t>
-            </a:r>
-            <a:r>
-              <a:rPr lang="es-ES" dirty="0" err="1"/>
-              <a:t>residuals</a:t>
-            </a:r>
-            <a:r>
-              <a:rPr lang="es-ES" dirty="0"/>
-              <a:t> look </a:t>
-            </a:r>
-            <a:r>
-              <a:rPr lang="es-ES" dirty="0" err="1"/>
-              <a:t>pretty</a:t>
-            </a:r>
-            <a:r>
-              <a:rPr lang="es-ES" dirty="0"/>
-              <a:t> non-</a:t>
-            </a:r>
-            <a:r>
-              <a:rPr lang="es-ES" dirty="0" err="1"/>
-              <a:t>constant</a:t>
-            </a:r>
-            <a:r>
-              <a:rPr lang="es-ES" dirty="0"/>
-              <a:t>. </a:t>
-            </a:r>
-            <a:r>
-              <a:rPr lang="es-ES" dirty="0" err="1"/>
-              <a:t>How</a:t>
-            </a:r>
-            <a:r>
-              <a:rPr lang="es-ES" dirty="0"/>
-              <a:t> </a:t>
-            </a:r>
-            <a:r>
-              <a:rPr lang="es-ES" dirty="0" err="1"/>
-              <a:t>does</a:t>
-            </a:r>
-            <a:r>
-              <a:rPr lang="es-ES" dirty="0"/>
-              <a:t> </a:t>
-            </a:r>
-            <a:r>
-              <a:rPr lang="es-ES" dirty="0" err="1"/>
-              <a:t>that</a:t>
-            </a:r>
-            <a:r>
-              <a:rPr lang="es-ES" dirty="0"/>
-              <a:t> </a:t>
-            </a:r>
-            <a:r>
-              <a:rPr lang="es-ES" dirty="0" err="1"/>
-              <a:t>fit</a:t>
-            </a:r>
-            <a:r>
-              <a:rPr lang="es-ES" dirty="0"/>
-              <a:t> </a:t>
-            </a:r>
-            <a:r>
-              <a:rPr lang="es-ES" dirty="0" err="1"/>
-              <a:t>together</a:t>
-            </a:r>
-            <a:r>
-              <a:rPr lang="es-ES" dirty="0"/>
-              <a:t>?</a:t>
+              <a:rPr lang="es-ES" dirty="0"/>
+              <a:t>DONE: </a:t>
+            </a:r>
+            <a:r>
+              <a:rPr lang="es-ES" dirty="0" err="1"/>
+              <a:t>add</a:t>
+            </a:r>
+            <a:r>
+              <a:rPr lang="es-ES" dirty="0"/>
+              <a:t> </a:t>
+            </a:r>
+            <a:r>
+              <a:rPr lang="es-ES" dirty="0" err="1"/>
+              <a:t>legend</a:t>
+            </a:r>
+            <a:r>
+              <a:rPr lang="es-ES" dirty="0"/>
+              <a:t> and </a:t>
+            </a:r>
+            <a:r>
+              <a:rPr lang="es-ES" dirty="0" err="1"/>
+              <a:t>change</a:t>
+            </a:r>
+            <a:r>
+              <a:rPr lang="es-ES" dirty="0"/>
+              <a:t> color </a:t>
+            </a:r>
+            <a:r>
+              <a:rPr lang="es-ES" dirty="0" err="1"/>
+              <a:t>of</a:t>
+            </a:r>
+            <a:r>
+              <a:rPr lang="es-ES" dirty="0"/>
+              <a:t> KM</a:t>
             </a:r>
             <a:endParaRPr lang="en-GB" dirty="0"/>
           </a:p>
@@ -2505,7 +2397,7 @@
     </p:spTree>
     <p:extLst>
       <p:ext uri="{BB962C8B-B14F-4D97-AF65-F5344CB8AC3E}">
-        <p14:creationId xmlns:p14="http://schemas.microsoft.com/office/powerpoint/2010/main" val="388395520"/>
+        <p14:creationId xmlns:p14="http://schemas.microsoft.com/office/powerpoint/2010/main" val="2530224052"/>
       </p:ext>
     </p:extLst>
   </p:cSld>
@@ -2559,9 +2451,58 @@
           <a:bodyPr/>
           <a:lstStyle/>
           <a:p>
-            <a:r>
-              <a:rPr lang="es-ES" dirty="0" err="1"/>
-              <a:t>Question</a:t>
+            <a:pPr marL="0" marR="0" lvl="0" indent="0" algn="l" defTabSz="914400" rtl="0" eaLnBrk="1" fontAlgn="auto" latinLnBrk="0" hangingPunct="1">
+              <a:lnSpc>
+                <a:spcPct val="100000"/>
+              </a:lnSpc>
+              <a:spcBef>
+                <a:spcPts val="0"/>
+              </a:spcBef>
+              <a:spcAft>
+                <a:spcPts val="0"/>
+              </a:spcAft>
+              <a:buClrTx/>
+              <a:buSzTx/>
+              <a:buFontTx/>
+              <a:buNone/>
+              <a:tabLst/>
+              <a:defRPr/>
+            </a:pPr>
+            <a:r>
+              <a:rPr lang="es-ES" dirty="0" err="1"/>
+              <a:t>For</a:t>
+            </a:r>
+            <a:r>
+              <a:rPr lang="es-ES" dirty="0"/>
+              <a:t> CPK, </a:t>
+            </a:r>
+            <a:r>
+              <a:rPr lang="es-ES" dirty="0" err="1"/>
+              <a:t>the</a:t>
+            </a:r>
+            <a:r>
+              <a:rPr lang="es-ES" dirty="0"/>
+              <a:t> </a:t>
+            </a:r>
+            <a:r>
+              <a:rPr lang="es-ES" dirty="0" err="1"/>
+              <a:t>exact</a:t>
+            </a:r>
+            <a:r>
+              <a:rPr lang="es-ES" dirty="0"/>
+              <a:t> </a:t>
+            </a:r>
+            <a:r>
+              <a:rPr lang="es-ES" dirty="0" err="1"/>
+              <a:t>value</a:t>
+            </a:r>
+            <a:r>
+              <a:rPr lang="es-ES" dirty="0"/>
+              <a:t> </a:t>
+            </a:r>
+            <a:r>
+              <a:rPr lang="es-ES" dirty="0" err="1"/>
+              <a:t>is</a:t>
             </a:r>
             <a:r>
               <a:rPr lang="es-ES" dirty="0"/>
@@ -2569,92 +2510,39 @@
             </a:r>
             <a:r>
               <a:rPr lang="es-ES" dirty="0" err="1"/>
-              <a:t>We</a:t>
-            </a:r>
-            <a:r>
-              <a:rPr lang="es-ES" dirty="0"/>
-              <a:t> </a:t>
-            </a:r>
-            <a:r>
-              <a:rPr lang="es-ES" dirty="0" err="1"/>
-              <a:t>go</a:t>
-            </a:r>
-            <a:r>
-              <a:rPr lang="es-ES" dirty="0"/>
-              <a:t> </a:t>
-            </a:r>
-            <a:r>
-              <a:rPr lang="es-ES" dirty="0" err="1"/>
-              <a:t>for</a:t>
-            </a:r>
-            <a:r>
-              <a:rPr lang="es-ES" dirty="0"/>
-              <a:t> </a:t>
-            </a:r>
-            <a:r>
-              <a:rPr lang="es-ES" dirty="0" err="1"/>
-              <a:t>the</a:t>
-            </a:r>
-            <a:r>
-              <a:rPr lang="es-ES" dirty="0"/>
-              <a:t> </a:t>
-            </a:r>
-            <a:r>
-              <a:rPr lang="es-ES" dirty="0" err="1"/>
-              <a:t>model</a:t>
-            </a:r>
-            <a:r>
-              <a:rPr lang="es-ES" dirty="0"/>
-              <a:t> </a:t>
-            </a:r>
-            <a:r>
-              <a:rPr lang="es-ES" dirty="0" err="1"/>
-              <a:t>with</a:t>
-            </a:r>
-            <a:r>
-              <a:rPr lang="es-ES" dirty="0"/>
-              <a:t> log(time) </a:t>
-            </a:r>
-            <a:r>
-              <a:rPr lang="es-ES" dirty="0" err="1"/>
-              <a:t>instead</a:t>
-            </a:r>
-            <a:r>
-              <a:rPr lang="es-ES" dirty="0"/>
-              <a:t> </a:t>
-            </a:r>
-            <a:r>
-              <a:rPr lang="es-ES" dirty="0" err="1"/>
-              <a:t>of</a:t>
-            </a:r>
-            <a:r>
-              <a:rPr lang="es-ES" dirty="0"/>
-              <a:t> </a:t>
-            </a:r>
-            <a:r>
-              <a:rPr lang="es-ES" dirty="0" err="1"/>
-              <a:t>just</a:t>
-            </a:r>
-            <a:r>
-              <a:rPr lang="es-ES" dirty="0"/>
-              <a:t> time </a:t>
-            </a:r>
-            <a:r>
-              <a:rPr lang="es-ES" dirty="0" err="1"/>
-              <a:t>here</a:t>
-            </a:r>
-            <a:r>
-              <a:rPr lang="es-ES" dirty="0"/>
-              <a:t>, </a:t>
-            </a:r>
-            <a:r>
-              <a:rPr lang="es-ES" dirty="0" err="1"/>
-              <a:t>right</a:t>
-            </a:r>
-            <a:r>
-              <a:rPr lang="es-ES" dirty="0"/>
-              <a:t>?</a:t>
-            </a:r>
+              <a:t>exp</a:t>
+            </a:r>
+            <a:r>
+              <a:rPr lang="es-ES" dirty="0"/>
+              <a:t>(</a:t>
+            </a:r>
+            <a:r>
+              <a:rPr lang="es-ES" dirty="0" err="1"/>
+              <a:t>coef</a:t>
+            </a:r>
+            <a:r>
+              <a:rPr lang="es-ES" dirty="0"/>
+              <a:t>) = 1.000221 -&gt; </a:t>
+            </a:r>
+            <a:r>
+              <a:rPr lang="es-ES" dirty="0" err="1"/>
+              <a:t>significant</a:t>
+            </a:r>
+            <a:r>
+              <a:rPr lang="es-ES" dirty="0"/>
+              <a:t> </a:t>
+            </a:r>
+            <a:r>
+              <a:rPr lang="es-ES" dirty="0" err="1"/>
+              <a:t>risk</a:t>
+            </a:r>
+            <a:r>
+              <a:rPr lang="es-ES" dirty="0"/>
+              <a:t> factor</a:t>
+            </a:r>
+            <a:endParaRPr lang="en-GB" dirty="0"/>
+          </a:p>
+          <a:p>
             <a:endParaRPr lang="en-GB" dirty="0"/>
           </a:p>
         </p:txBody>
@@ -2685,7 +2573,7 @@
     </p:spTree>
     <p:extLst>
       <p:ext uri="{BB962C8B-B14F-4D97-AF65-F5344CB8AC3E}">
-        <p14:creationId xmlns:p14="http://schemas.microsoft.com/office/powerpoint/2010/main" val="1799670140"/>
+        <p14:creationId xmlns:p14="http://schemas.microsoft.com/office/powerpoint/2010/main" val="3430114397"/>
       </p:ext>
     </p:extLst>
   </p:cSld>
@@ -2739,6 +2627,202 @@
           <a:bodyPr/>
           <a:lstStyle/>
           <a:p>
+            <a:r>
+              <a:rPr lang="es-ES" dirty="0"/>
+              <a:t>SOLVED: </a:t>
+            </a:r>
+            <a:r>
+              <a:rPr lang="es-ES" dirty="0" err="1"/>
+              <a:t>Globally</a:t>
+            </a:r>
+            <a:r>
+              <a:rPr lang="es-ES" dirty="0"/>
+              <a:t>, </a:t>
+            </a:r>
+            <a:r>
+              <a:rPr lang="es-ES" dirty="0" err="1"/>
+              <a:t>the</a:t>
+            </a:r>
+            <a:r>
+              <a:rPr lang="es-ES" dirty="0"/>
+              <a:t> PH </a:t>
+            </a:r>
+            <a:r>
+              <a:rPr lang="es-ES" dirty="0" err="1"/>
+              <a:t>assumptions</a:t>
+            </a:r>
+            <a:r>
+              <a:rPr lang="es-ES" dirty="0"/>
+              <a:t> </a:t>
+            </a:r>
+            <a:r>
+              <a:rPr lang="es-ES" dirty="0" err="1"/>
+              <a:t>holds</a:t>
+            </a:r>
+            <a:r>
+              <a:rPr lang="es-ES" dirty="0"/>
+              <a:t>, </a:t>
+            </a:r>
+            <a:r>
+              <a:rPr lang="es-ES" dirty="0" err="1"/>
+              <a:t>but</a:t>
+            </a:r>
+            <a:r>
+              <a:rPr lang="es-ES" dirty="0"/>
+              <a:t> </a:t>
+            </a:r>
+            <a:r>
+              <a:rPr lang="es-ES" dirty="0" err="1"/>
+              <a:t>all</a:t>
+            </a:r>
+            <a:r>
+              <a:rPr lang="es-ES" dirty="0"/>
+              <a:t> </a:t>
+            </a:r>
+            <a:r>
+              <a:rPr lang="es-ES" dirty="0" err="1"/>
+              <a:t>our</a:t>
+            </a:r>
+            <a:r>
+              <a:rPr lang="es-ES" dirty="0"/>
+              <a:t> </a:t>
+            </a:r>
+            <a:r>
+              <a:rPr lang="es-ES" dirty="0" err="1"/>
+              <a:t>residuals</a:t>
+            </a:r>
+            <a:r>
+              <a:rPr lang="es-ES" dirty="0"/>
+              <a:t> look </a:t>
+            </a:r>
+            <a:r>
+              <a:rPr lang="es-ES" dirty="0" err="1"/>
+              <a:t>pretty</a:t>
+            </a:r>
+            <a:r>
+              <a:rPr lang="es-ES" dirty="0"/>
+              <a:t> non-</a:t>
+            </a:r>
+            <a:r>
+              <a:rPr lang="es-ES" dirty="0" err="1"/>
+              <a:t>constant</a:t>
+            </a:r>
+            <a:r>
+              <a:rPr lang="es-ES" dirty="0"/>
+              <a:t>. </a:t>
+            </a:r>
+            <a:r>
+              <a:rPr lang="es-ES" dirty="0" err="1"/>
+              <a:t>How</a:t>
+            </a:r>
+            <a:r>
+              <a:rPr lang="es-ES" dirty="0"/>
+              <a:t> </a:t>
+            </a:r>
+            <a:r>
+              <a:rPr lang="es-ES" dirty="0" err="1"/>
+              <a:t>does</a:t>
+            </a:r>
+            <a:r>
+              <a:rPr lang="es-ES" dirty="0"/>
+              <a:t> </a:t>
+            </a:r>
+            <a:r>
+              <a:rPr lang="es-ES" dirty="0" err="1"/>
+              <a:t>that</a:t>
+            </a:r>
+            <a:r>
+              <a:rPr lang="es-ES" dirty="0"/>
+              <a:t> </a:t>
+            </a:r>
+            <a:r>
+              <a:rPr lang="es-ES" dirty="0" err="1"/>
+              <a:t>fit</a:t>
+            </a:r>
+            <a:r>
+              <a:rPr lang="es-ES" dirty="0"/>
+              <a:t> </a:t>
+            </a:r>
+            <a:r>
+              <a:rPr lang="es-ES" dirty="0" err="1"/>
+              <a:t>together</a:t>
+            </a:r>
+            <a:r>
+              <a:rPr lang="es-ES" dirty="0"/>
+              <a:t>? -&gt; 1) </a:t>
+            </a:r>
+            <a:r>
+              <a:rPr lang="es-ES" dirty="0" err="1"/>
+              <a:t>depends</a:t>
+            </a:r>
+            <a:r>
+              <a:rPr lang="es-ES" dirty="0"/>
+              <a:t> </a:t>
+            </a:r>
+            <a:r>
+              <a:rPr lang="es-ES" dirty="0" err="1"/>
+              <a:t>on</a:t>
+            </a:r>
+            <a:r>
+              <a:rPr lang="es-ES" dirty="0"/>
+              <a:t> </a:t>
+            </a:r>
+            <a:r>
+              <a:rPr lang="es-ES" dirty="0" err="1"/>
+              <a:t>the</a:t>
+            </a:r>
+            <a:r>
+              <a:rPr lang="es-ES" dirty="0"/>
+              <a:t> </a:t>
+            </a:r>
+            <a:r>
+              <a:rPr lang="es-ES" dirty="0" err="1"/>
+              <a:t>scale</a:t>
+            </a:r>
+            <a:r>
+              <a:rPr lang="es-ES" dirty="0"/>
+              <a:t>, 2) </a:t>
+            </a:r>
+            <a:r>
+              <a:rPr lang="es-ES" dirty="0" err="1"/>
+              <a:t>CIs</a:t>
+            </a:r>
+            <a:r>
+              <a:rPr lang="es-ES" dirty="0"/>
+              <a:t> </a:t>
+            </a:r>
+            <a:r>
+              <a:rPr lang="es-ES" dirty="0" err="1"/>
+              <a:t>seem</a:t>
+            </a:r>
+            <a:r>
+              <a:rPr lang="es-ES" dirty="0"/>
+              <a:t> </a:t>
+            </a:r>
+            <a:r>
+              <a:rPr lang="es-ES" dirty="0" err="1"/>
+              <a:t>to</a:t>
+            </a:r>
+            <a:r>
+              <a:rPr lang="es-ES" dirty="0"/>
+              <a:t> </a:t>
+            </a:r>
+            <a:r>
+              <a:rPr lang="es-ES" dirty="0" err="1"/>
+              <a:t>include</a:t>
+            </a:r>
+            <a:r>
+              <a:rPr lang="es-ES" dirty="0"/>
+              <a:t> a </a:t>
+            </a:r>
+            <a:r>
+              <a:rPr lang="es-ES" dirty="0" err="1"/>
+              <a:t>constant</a:t>
+            </a:r>
+            <a:r>
+              <a:rPr lang="es-ES" dirty="0"/>
+              <a:t> line</a:t>
+            </a:r>
             <a:endParaRPr lang="en-GB" dirty="0"/>
           </a:p>
         </p:txBody>
@@ -2769,7 +2853,7 @@
     </p:spTree>
     <p:extLst>
       <p:ext uri="{BB962C8B-B14F-4D97-AF65-F5344CB8AC3E}">
-        <p14:creationId xmlns:p14="http://schemas.microsoft.com/office/powerpoint/2010/main" val="811532236"/>
+        <p14:creationId xmlns:p14="http://schemas.microsoft.com/office/powerpoint/2010/main" val="388395520"/>
       </p:ext>
     </p:extLst>
   </p:cSld>
@@ -2825,27 +2909,122 @@
           <a:p>
             <a:r>
               <a:rPr lang="es-ES" dirty="0"/>
-              <a:t>Note: </a:t>
-            </a:r>
-            <a:r>
-              <a:rPr lang="es-ES" dirty="0" err="1"/>
-              <a:t>Martingale</a:t>
-            </a:r>
-            <a:r>
-              <a:rPr lang="es-ES" dirty="0"/>
-              <a:t> </a:t>
-            </a:r>
-            <a:r>
-              <a:rPr lang="es-ES" dirty="0" err="1"/>
-              <a:t>residuals</a:t>
-            </a:r>
-            <a:r>
-              <a:rPr lang="es-ES" dirty="0"/>
-              <a:t> are </a:t>
-            </a:r>
-            <a:r>
-              <a:rPr lang="es-ES" dirty="0" err="1"/>
-              <a:t>useful</a:t>
+              <a:t>SOLVED: </a:t>
+            </a:r>
+            <a:r>
+              <a:rPr lang="es-ES" dirty="0" err="1"/>
+              <a:t>We</a:t>
+            </a:r>
+            <a:r>
+              <a:rPr lang="es-ES" dirty="0"/>
+              <a:t> </a:t>
+            </a:r>
+            <a:r>
+              <a:rPr lang="es-ES" dirty="0" err="1"/>
+              <a:t>go</a:t>
+            </a:r>
+            <a:r>
+              <a:rPr lang="es-ES" dirty="0"/>
+              <a:t> </a:t>
+            </a:r>
+            <a:r>
+              <a:rPr lang="es-ES" dirty="0" err="1"/>
+              <a:t>for</a:t>
+            </a:r>
+            <a:r>
+              <a:rPr lang="es-ES" dirty="0"/>
+              <a:t> </a:t>
+            </a:r>
+            <a:r>
+              <a:rPr lang="es-ES" dirty="0" err="1"/>
+              <a:t>the</a:t>
+            </a:r>
+            <a:r>
+              <a:rPr lang="es-ES" dirty="0"/>
+              <a:t> </a:t>
+            </a:r>
+            <a:r>
+              <a:rPr lang="es-ES" dirty="0" err="1"/>
+              <a:t>model</a:t>
+            </a:r>
+            <a:r>
+              <a:rPr lang="es-ES" dirty="0"/>
+              <a:t> </a:t>
+            </a:r>
+            <a:r>
+              <a:rPr lang="es-ES" dirty="0" err="1"/>
+              <a:t>with</a:t>
+            </a:r>
+            <a:r>
+              <a:rPr lang="es-ES" dirty="0"/>
+              <a:t> log(time) </a:t>
+            </a:r>
+            <a:r>
+              <a:rPr lang="es-ES" dirty="0" err="1"/>
+              <a:t>instead</a:t>
+            </a:r>
+            <a:r>
+              <a:rPr lang="es-ES" dirty="0"/>
+              <a:t> </a:t>
+            </a:r>
+            <a:r>
+              <a:rPr lang="es-ES" dirty="0" err="1"/>
+              <a:t>of</a:t>
+            </a:r>
+            <a:r>
+              <a:rPr lang="es-ES" dirty="0"/>
+              <a:t> </a:t>
+            </a:r>
+            <a:r>
+              <a:rPr lang="es-ES" dirty="0" err="1"/>
+              <a:t>just</a:t>
+            </a:r>
+            <a:r>
+              <a:rPr lang="es-ES" dirty="0"/>
+              <a:t> time </a:t>
+            </a:r>
+            <a:r>
+              <a:rPr lang="es-ES" dirty="0" err="1"/>
+              <a:t>here</a:t>
+            </a:r>
+            <a:r>
+              <a:rPr lang="es-ES" dirty="0"/>
+              <a:t>, </a:t>
+            </a:r>
+            <a:r>
+              <a:rPr lang="es-ES" dirty="0" err="1"/>
+              <a:t>right</a:t>
+            </a:r>
+            <a:r>
+              <a:rPr lang="es-ES" dirty="0"/>
+              <a:t>? -&gt; yes</a:t>
+            </a:r>
+          </a:p>
+          <a:p>
+            <a:pPr marL="0" marR="0" lvl="0" indent="0" algn="l" defTabSz="914400" rtl="0" eaLnBrk="1" fontAlgn="auto" latinLnBrk="0" hangingPunct="1">
+              <a:lnSpc>
+                <a:spcPct val="100000"/>
+              </a:lnSpc>
+              <a:spcBef>
+                <a:spcPts val="0"/>
+              </a:spcBef>
+              <a:spcAft>
+                <a:spcPts val="0"/>
+              </a:spcAft>
+              <a:buClrTx/>
+              <a:buSzTx/>
+              <a:buFontTx/>
+              <a:buNone/>
+              <a:tabLst/>
+              <a:defRPr/>
+            </a:pPr>
+            <a:r>
+              <a:rPr lang="es-ES" dirty="0"/>
+              <a:t>DONE: </a:t>
+            </a:r>
+            <a:r>
+              <a:rPr lang="es-ES" dirty="0" err="1"/>
+              <a:t>change</a:t>
             </a:r>
             <a:r>
               <a:rPr lang="es-ES" dirty="0"/>
@@ -2857,205 +3036,15 @@
             </a:r>
             <a:r>
               <a:rPr lang="es-ES" dirty="0"/>
-              <a:t> </a:t>
-            </a:r>
-            <a:r>
-              <a:rPr lang="es-ES" dirty="0" err="1"/>
-              <a:t>check</a:t>
-            </a:r>
-            <a:r>
-              <a:rPr lang="es-ES" dirty="0"/>
-              <a:t> </a:t>
-            </a:r>
-            <a:r>
-              <a:rPr lang="es-ES" dirty="0" err="1"/>
-              <a:t>the</a:t>
-            </a:r>
-            <a:r>
-              <a:rPr lang="es-ES" dirty="0"/>
-              <a:t> </a:t>
-            </a:r>
-            <a:r>
-              <a:rPr lang="es-ES" dirty="0" err="1"/>
-              <a:t>linearity</a:t>
-            </a:r>
-            <a:r>
-              <a:rPr lang="es-ES" dirty="0"/>
-              <a:t> </a:t>
-            </a:r>
-            <a:r>
-              <a:rPr lang="es-ES" dirty="0" err="1"/>
-              <a:t>assumption</a:t>
-            </a:r>
-            <a:r>
-              <a:rPr lang="es-ES" dirty="0"/>
-              <a:t> as </a:t>
-            </a:r>
-            <a:r>
-              <a:rPr lang="es-ES" dirty="0" err="1"/>
-              <a:t>it</a:t>
-            </a:r>
-            <a:r>
-              <a:rPr lang="es-ES" dirty="0"/>
-              <a:t> </a:t>
-            </a:r>
-            <a:r>
-              <a:rPr lang="es-ES" dirty="0" err="1"/>
-              <a:t>gives</a:t>
-            </a:r>
-            <a:r>
-              <a:rPr lang="es-ES" dirty="0"/>
-              <a:t> </a:t>
-            </a:r>
-            <a:r>
-              <a:rPr lang="es-ES" dirty="0" err="1"/>
-              <a:t>us</a:t>
-            </a:r>
-            <a:r>
-              <a:rPr lang="es-ES" dirty="0"/>
-              <a:t> </a:t>
-            </a:r>
-            <a:r>
-              <a:rPr lang="es-ES" dirty="0" err="1"/>
-              <a:t>an</a:t>
-            </a:r>
-            <a:r>
-              <a:rPr lang="es-ES" dirty="0"/>
-              <a:t> idea </a:t>
-            </a:r>
-            <a:r>
-              <a:rPr lang="es-ES" dirty="0" err="1"/>
-              <a:t>of</a:t>
-            </a:r>
-            <a:r>
-              <a:rPr lang="es-ES" dirty="0"/>
-              <a:t> </a:t>
-            </a:r>
-            <a:r>
-              <a:rPr lang="es-ES" dirty="0" err="1"/>
-              <a:t>the</a:t>
-            </a:r>
-            <a:r>
-              <a:rPr lang="es-ES" dirty="0"/>
-              <a:t> </a:t>
-            </a:r>
-            <a:r>
-              <a:rPr lang="es-ES" dirty="0" err="1"/>
-              <a:t>effect</a:t>
-            </a:r>
-            <a:r>
-              <a:rPr lang="es-ES" dirty="0"/>
-              <a:t> </a:t>
-            </a:r>
-            <a:r>
-              <a:rPr lang="es-ES" dirty="0" err="1"/>
-              <a:t>for</a:t>
-            </a:r>
-            <a:r>
-              <a:rPr lang="es-ES" dirty="0"/>
-              <a:t> </a:t>
-            </a:r>
-            <a:r>
-              <a:rPr lang="es-ES" dirty="0" err="1"/>
-              <a:t>each</a:t>
-            </a:r>
-            <a:r>
-              <a:rPr lang="es-ES" dirty="0"/>
-              <a:t> covariate</a:t>
-            </a:r>
-          </a:p>
-          <a:p>
-            <a:endParaRPr lang="es-ES" dirty="0"/>
-          </a:p>
-          <a:p>
-            <a:r>
-              <a:rPr lang="es-ES" dirty="0" err="1"/>
-              <a:t>Question</a:t>
-            </a:r>
-            <a:r>
-              <a:rPr lang="es-ES" dirty="0"/>
-              <a:t>: </a:t>
-            </a:r>
-            <a:r>
-              <a:rPr lang="es-ES" dirty="0" err="1"/>
-              <a:t>Should</a:t>
-            </a:r>
-            <a:r>
-              <a:rPr lang="es-ES" dirty="0"/>
-              <a:t> </a:t>
-            </a:r>
-            <a:r>
-              <a:rPr lang="es-ES" dirty="0" err="1"/>
-              <a:t>we</a:t>
-            </a:r>
-            <a:r>
-              <a:rPr lang="es-ES" dirty="0"/>
-              <a:t> </a:t>
-            </a:r>
-            <a:r>
-              <a:rPr lang="es-ES" dirty="0" err="1"/>
-              <a:t>give</a:t>
-            </a:r>
-            <a:r>
-              <a:rPr lang="es-ES" dirty="0"/>
-              <a:t> </a:t>
-            </a:r>
-            <a:r>
-              <a:rPr lang="es-ES" dirty="0" err="1"/>
-              <a:t>any</a:t>
-            </a:r>
-            <a:r>
-              <a:rPr lang="es-ES" dirty="0"/>
-              <a:t> </a:t>
-            </a:r>
-            <a:r>
-              <a:rPr lang="es-ES" dirty="0" err="1"/>
-              <a:t>reason</a:t>
-            </a:r>
-            <a:r>
-              <a:rPr lang="es-ES" dirty="0"/>
-              <a:t> </a:t>
-            </a:r>
-            <a:r>
-              <a:rPr lang="es-ES" dirty="0" err="1"/>
-              <a:t>why</a:t>
-            </a:r>
-            <a:r>
-              <a:rPr lang="es-ES" dirty="0"/>
-              <a:t> </a:t>
-            </a:r>
-            <a:r>
-              <a:rPr lang="es-ES" dirty="0" err="1"/>
-              <a:t>we</a:t>
-            </a:r>
-            <a:r>
-              <a:rPr lang="es-ES" dirty="0"/>
-              <a:t> are </a:t>
-            </a:r>
-            <a:r>
-              <a:rPr lang="es-ES" dirty="0" err="1"/>
-              <a:t>choosing</a:t>
-            </a:r>
-            <a:r>
-              <a:rPr lang="es-ES" dirty="0"/>
-              <a:t> </a:t>
-            </a:r>
-            <a:r>
-              <a:rPr lang="es-ES" dirty="0" err="1"/>
-              <a:t>cox_reduced</a:t>
-            </a:r>
-            <a:r>
-              <a:rPr lang="es-ES" dirty="0"/>
-              <a:t> </a:t>
-            </a:r>
-            <a:r>
-              <a:rPr lang="es-ES" dirty="0" err="1"/>
-              <a:t>here</a:t>
-            </a:r>
-            <a:r>
-              <a:rPr lang="es-ES" dirty="0"/>
-              <a:t>?</a:t>
-            </a:r>
+              <a:t> complete time </a:t>
+            </a:r>
+            <a:r>
+              <a:rPr lang="es-ES" dirty="0" err="1"/>
+              <a:t>model</a:t>
+            </a:r>
+            <a:endParaRPr lang="en-GB" dirty="0"/>
+          </a:p>
+          <a:p>
             <a:endParaRPr lang="en-GB" dirty="0"/>
           </a:p>
         </p:txBody>
@@ -3086,7 +3075,7 @@
     </p:spTree>
     <p:extLst>
       <p:ext uri="{BB962C8B-B14F-4D97-AF65-F5344CB8AC3E}">
-        <p14:creationId xmlns:p14="http://schemas.microsoft.com/office/powerpoint/2010/main" val="3713656712"/>
+        <p14:creationId xmlns:p14="http://schemas.microsoft.com/office/powerpoint/2010/main" val="1799670140"/>
       </p:ext>
     </p:extLst>
   </p:cSld>
@@ -3142,123 +3131,27 @@
           <a:p>
             <a:r>
               <a:rPr lang="es-ES" dirty="0"/>
-              <a:t>Note: </a:t>
-            </a:r>
-            <a:r>
-              <a:rPr lang="es-ES" dirty="0" err="1"/>
-              <a:t>Deviance</a:t>
-            </a:r>
-            <a:r>
-              <a:rPr lang="es-ES" dirty="0"/>
-              <a:t> </a:t>
-            </a:r>
-            <a:r>
-              <a:rPr lang="es-ES" dirty="0" err="1"/>
-              <a:t>residuals</a:t>
-            </a:r>
-            <a:r>
-              <a:rPr lang="es-ES" dirty="0"/>
-              <a:t> are </a:t>
-            </a:r>
-            <a:r>
-              <a:rPr lang="es-ES" dirty="0" err="1"/>
-              <a:t>transformations</a:t>
-            </a:r>
-            <a:r>
-              <a:rPr lang="es-ES" dirty="0"/>
-              <a:t> </a:t>
-            </a:r>
-            <a:r>
-              <a:rPr lang="es-ES" dirty="0" err="1"/>
-              <a:t>of</a:t>
-            </a:r>
-            <a:r>
-              <a:rPr lang="es-ES" dirty="0"/>
-              <a:t> </a:t>
-            </a:r>
-            <a:r>
-              <a:rPr lang="es-ES" dirty="0" err="1"/>
-              <a:t>Martingale</a:t>
-            </a:r>
-            <a:r>
-              <a:rPr lang="es-ES" dirty="0"/>
-              <a:t> </a:t>
-            </a:r>
-            <a:r>
-              <a:rPr lang="es-ES" dirty="0" err="1"/>
-              <a:t>residuals</a:t>
-            </a:r>
-            <a:r>
-              <a:rPr lang="es-ES" dirty="0"/>
-              <a:t>. </a:t>
-            </a:r>
-            <a:r>
-              <a:rPr lang="es-ES" dirty="0" err="1"/>
-              <a:t>They</a:t>
-            </a:r>
-            <a:r>
-              <a:rPr lang="es-ES" dirty="0"/>
-              <a:t> can be </a:t>
-            </a:r>
-            <a:r>
-              <a:rPr lang="es-ES" dirty="0" err="1"/>
-              <a:t>used</a:t>
-            </a:r>
-            <a:r>
-              <a:rPr lang="es-ES" dirty="0"/>
-              <a:t> more </a:t>
-            </a:r>
-            <a:r>
-              <a:rPr lang="es-ES" dirty="0" err="1"/>
-              <a:t>or</a:t>
-            </a:r>
-            <a:r>
-              <a:rPr lang="es-ES" dirty="0"/>
-              <a:t> </a:t>
-            </a:r>
-            <a:r>
-              <a:rPr lang="es-ES" dirty="0" err="1"/>
-              <a:t>less</a:t>
-            </a:r>
-            <a:r>
-              <a:rPr lang="es-ES" dirty="0"/>
-              <a:t> </a:t>
-            </a:r>
-            <a:r>
-              <a:rPr lang="es-ES" dirty="0" err="1"/>
-              <a:t>like</a:t>
-            </a:r>
-            <a:r>
-              <a:rPr lang="es-ES" dirty="0"/>
-              <a:t> </a:t>
-            </a:r>
-            <a:r>
-              <a:rPr lang="es-ES" dirty="0" err="1"/>
-              <a:t>standardized</a:t>
-            </a:r>
-            <a:r>
-              <a:rPr lang="es-ES" dirty="0"/>
-              <a:t> </a:t>
-            </a:r>
-            <a:r>
-              <a:rPr lang="es-ES" dirty="0" err="1"/>
-              <a:t>residuals</a:t>
-            </a:r>
-            <a:r>
-              <a:rPr lang="es-ES" dirty="0"/>
-              <a:t> </a:t>
-            </a:r>
-            <a:r>
-              <a:rPr lang="es-ES" dirty="0" err="1"/>
-              <a:t>for</a:t>
-            </a:r>
-            <a:r>
-              <a:rPr lang="es-ES" dirty="0"/>
-              <a:t> linear </a:t>
-            </a:r>
-            <a:r>
-              <a:rPr lang="es-ES" dirty="0" err="1"/>
-              <a:t>models</a:t>
+              <a:t>DONE: </a:t>
+            </a:r>
+            <a:r>
+              <a:rPr lang="es-ES" dirty="0" err="1"/>
+              <a:t>change</a:t>
+            </a:r>
+            <a:r>
+              <a:rPr lang="es-ES" dirty="0"/>
+              <a:t> </a:t>
+            </a:r>
+            <a:r>
+              <a:rPr lang="es-ES" dirty="0" err="1"/>
+              <a:t>to</a:t>
+            </a:r>
+            <a:r>
+              <a:rPr lang="es-ES" dirty="0"/>
+              <a:t> complete time </a:t>
+            </a:r>
+            <a:r>
+              <a:rPr lang="es-ES" dirty="0" err="1"/>
+              <a:t>model</a:t>
             </a:r>
             <a:endParaRPr lang="en-GB" dirty="0"/>
           </a:p>
@@ -3290,7 +3183,7 @@
     </p:spTree>
     <p:extLst>
       <p:ext uri="{BB962C8B-B14F-4D97-AF65-F5344CB8AC3E}">
-        <p14:creationId xmlns:p14="http://schemas.microsoft.com/office/powerpoint/2010/main" val="3245281593"/>
+        <p14:creationId xmlns:p14="http://schemas.microsoft.com/office/powerpoint/2010/main" val="811532236"/>
       </p:ext>
     </p:extLst>
   </p:cSld>
@@ -3345,6 +3238,151 @@
           <a:lstStyle/>
           <a:p>
             <a:r>
+              <a:rPr lang="es-ES" dirty="0"/>
+              <a:t>Note: </a:t>
+            </a:r>
+            <a:r>
+              <a:rPr lang="es-ES" dirty="0" err="1"/>
+              <a:t>Martingale</a:t>
+            </a:r>
+            <a:r>
+              <a:rPr lang="es-ES" dirty="0"/>
+              <a:t> </a:t>
+            </a:r>
+            <a:r>
+              <a:rPr lang="es-ES" dirty="0" err="1"/>
+              <a:t>residuals</a:t>
+            </a:r>
+            <a:r>
+              <a:rPr lang="es-ES" dirty="0"/>
+              <a:t> are </a:t>
+            </a:r>
+            <a:r>
+              <a:rPr lang="es-ES" dirty="0" err="1"/>
+              <a:t>useful</a:t>
+            </a:r>
+            <a:r>
+              <a:rPr lang="es-ES" dirty="0"/>
+              <a:t> </a:t>
+            </a:r>
+            <a:r>
+              <a:rPr lang="es-ES" dirty="0" err="1"/>
+              <a:t>to</a:t>
+            </a:r>
+            <a:r>
+              <a:rPr lang="es-ES" dirty="0"/>
+              <a:t> </a:t>
+            </a:r>
+            <a:r>
+              <a:rPr lang="es-ES" dirty="0" err="1"/>
+              <a:t>check</a:t>
+            </a:r>
+            <a:r>
+              <a:rPr lang="es-ES" dirty="0"/>
+              <a:t> </a:t>
+            </a:r>
+            <a:r>
+              <a:rPr lang="es-ES" dirty="0" err="1"/>
+              <a:t>the</a:t>
+            </a:r>
+            <a:r>
+              <a:rPr lang="es-ES" dirty="0"/>
+              <a:t> </a:t>
+            </a:r>
+            <a:r>
+              <a:rPr lang="es-ES" dirty="0" err="1"/>
+              <a:t>linearity</a:t>
+            </a:r>
+            <a:r>
+              <a:rPr lang="es-ES" dirty="0"/>
+              <a:t> </a:t>
+            </a:r>
+            <a:r>
+              <a:rPr lang="es-ES" dirty="0" err="1"/>
+              <a:t>assumption</a:t>
+            </a:r>
+            <a:r>
+              <a:rPr lang="es-ES" dirty="0"/>
+              <a:t> as </a:t>
+            </a:r>
+            <a:r>
+              <a:rPr lang="es-ES" dirty="0" err="1"/>
+              <a:t>it</a:t>
+            </a:r>
+            <a:r>
+              <a:rPr lang="es-ES" dirty="0"/>
+              <a:t> </a:t>
+            </a:r>
+            <a:r>
+              <a:rPr lang="es-ES" dirty="0" err="1"/>
+              <a:t>gives</a:t>
+            </a:r>
+            <a:r>
+              <a:rPr lang="es-ES" dirty="0"/>
+              <a:t> </a:t>
+            </a:r>
+            <a:r>
+              <a:rPr lang="es-ES" dirty="0" err="1"/>
+              <a:t>us</a:t>
+            </a:r>
+            <a:r>
+              <a:rPr lang="es-ES" dirty="0"/>
+              <a:t> </a:t>
+            </a:r>
+            <a:r>
+              <a:rPr lang="es-ES" dirty="0" err="1"/>
+              <a:t>an</a:t>
+            </a:r>
+            <a:r>
+              <a:rPr lang="es-ES" dirty="0"/>
+              <a:t> idea </a:t>
+            </a:r>
+            <a:r>
+              <a:rPr lang="es-ES" dirty="0" err="1"/>
+              <a:t>of</a:t>
+            </a:r>
+            <a:r>
+              <a:rPr lang="es-ES" dirty="0"/>
+              <a:t> </a:t>
+            </a:r>
+            <a:r>
+              <a:rPr lang="es-ES" dirty="0" err="1"/>
+              <a:t>the</a:t>
+            </a:r>
+            <a:r>
+              <a:rPr lang="es-ES" dirty="0"/>
+              <a:t> </a:t>
+            </a:r>
+            <a:r>
+              <a:rPr lang="es-ES" dirty="0" err="1"/>
+              <a:t>effect</a:t>
+            </a:r>
+            <a:r>
+              <a:rPr lang="es-ES" dirty="0"/>
+              <a:t> </a:t>
+            </a:r>
+            <a:r>
+              <a:rPr lang="es-ES" dirty="0" err="1"/>
+              <a:t>for</a:t>
+            </a:r>
+            <a:r>
+              <a:rPr lang="es-ES" dirty="0"/>
+              <a:t> </a:t>
+            </a:r>
+            <a:r>
+              <a:rPr lang="es-ES" dirty="0" err="1"/>
+              <a:t>each</a:t>
+            </a:r>
+            <a:r>
+              <a:rPr lang="es-ES" dirty="0"/>
+              <a:t> covariate</a:t>
+            </a:r>
+          </a:p>
+          <a:p>
+            <a:endParaRPr lang="es-ES" dirty="0"/>
+          </a:p>
+          <a:p>
+            <a:r>
               <a:rPr lang="es-ES" dirty="0" err="1"/>
               <a:t>Question</a:t>
             </a:r>
@@ -3354,211 +3392,91 @@
             </a:r>
             <a:r>
               <a:rPr lang="es-ES" dirty="0" err="1"/>
-              <a:t>Not</a:t>
-            </a:r>
-            <a:r>
-              <a:rPr lang="es-ES" dirty="0"/>
-              <a:t> </a:t>
-            </a:r>
-            <a:r>
-              <a:rPr lang="es-ES" dirty="0" err="1"/>
-              <a:t>sure</a:t>
-            </a:r>
-            <a:r>
-              <a:rPr lang="es-ES" dirty="0"/>
-              <a:t> </a:t>
-            </a:r>
-            <a:r>
-              <a:rPr lang="es-ES" dirty="0" err="1"/>
-              <a:t>how</a:t>
-            </a:r>
-            <a:r>
-              <a:rPr lang="es-ES" dirty="0"/>
-              <a:t> </a:t>
-            </a:r>
-            <a:r>
-              <a:rPr lang="es-ES" dirty="0" err="1"/>
-              <a:t>else</a:t>
-            </a:r>
-            <a:r>
-              <a:rPr lang="es-ES" dirty="0"/>
-              <a:t> </a:t>
-            </a:r>
-            <a:r>
-              <a:rPr lang="es-ES" dirty="0" err="1"/>
-              <a:t>to</a:t>
-            </a:r>
-            <a:r>
-              <a:rPr lang="es-ES" dirty="0"/>
-              <a:t> </a:t>
-            </a:r>
-            <a:r>
-              <a:rPr lang="es-ES" dirty="0" err="1"/>
-              <a:t>interpret</a:t>
-            </a:r>
-            <a:r>
-              <a:rPr lang="es-ES" dirty="0"/>
-              <a:t> </a:t>
-            </a:r>
-            <a:r>
-              <a:rPr lang="es-ES" dirty="0" err="1"/>
-              <a:t>this</a:t>
-            </a:r>
-            <a:r>
-              <a:rPr lang="es-ES" dirty="0"/>
-              <a:t> </a:t>
-            </a:r>
-            <a:r>
-              <a:rPr lang="es-ES" dirty="0" err="1"/>
-              <a:t>part</a:t>
-            </a:r>
-            <a:r>
-              <a:rPr lang="es-ES" dirty="0"/>
-              <a:t>. </a:t>
-            </a:r>
-            <a:r>
-              <a:rPr lang="es-ES" dirty="0" err="1"/>
-              <a:t>Basically</a:t>
-            </a:r>
-            <a:r>
-              <a:rPr lang="es-ES" dirty="0"/>
-              <a:t> </a:t>
-            </a:r>
-            <a:r>
-              <a:rPr lang="es-ES" dirty="0" err="1"/>
-              <a:t>our</a:t>
-            </a:r>
-            <a:r>
-              <a:rPr lang="es-ES" dirty="0"/>
-              <a:t> </a:t>
-            </a:r>
-            <a:r>
-              <a:rPr lang="es-ES" dirty="0" err="1"/>
-              <a:t>linearity</a:t>
-            </a:r>
-            <a:r>
-              <a:rPr lang="es-ES" dirty="0"/>
-              <a:t> </a:t>
-            </a:r>
-            <a:r>
-              <a:rPr lang="es-ES" dirty="0" err="1"/>
-              <a:t>assumption</a:t>
-            </a:r>
-            <a:r>
-              <a:rPr lang="es-ES" dirty="0"/>
-              <a:t> </a:t>
-            </a:r>
-            <a:r>
-              <a:rPr lang="es-ES" dirty="0" err="1"/>
-              <a:t>is</a:t>
-            </a:r>
-            <a:r>
-              <a:rPr lang="es-ES" dirty="0"/>
-              <a:t> </a:t>
-            </a:r>
-            <a:r>
-              <a:rPr lang="es-ES" dirty="0" err="1"/>
-              <a:t>does</a:t>
-            </a:r>
-            <a:r>
-              <a:rPr lang="es-ES" dirty="0"/>
-              <a:t> </a:t>
-            </a:r>
-            <a:r>
-              <a:rPr lang="es-ES" dirty="0" err="1"/>
-              <a:t>not</a:t>
-            </a:r>
-            <a:r>
-              <a:rPr lang="es-ES" dirty="0"/>
-              <a:t> </a:t>
-            </a:r>
-            <a:r>
-              <a:rPr lang="es-ES" dirty="0" err="1"/>
-              <a:t>hold</a:t>
-            </a:r>
-            <a:r>
-              <a:rPr lang="es-ES" dirty="0"/>
-              <a:t> </a:t>
-            </a:r>
-            <a:r>
-              <a:rPr lang="es-ES" dirty="0" err="1"/>
-              <a:t>which</a:t>
-            </a:r>
-            <a:r>
-              <a:rPr lang="es-ES" dirty="0"/>
-              <a:t> </a:t>
-            </a:r>
-            <a:r>
-              <a:rPr lang="es-ES" dirty="0" err="1"/>
-              <a:t>gives</a:t>
-            </a:r>
-            <a:r>
-              <a:rPr lang="es-ES" dirty="0"/>
-              <a:t> </a:t>
-            </a:r>
-            <a:r>
-              <a:rPr lang="es-ES" dirty="0" err="1"/>
-              <a:t>us</a:t>
-            </a:r>
-            <a:r>
-              <a:rPr lang="es-ES" dirty="0"/>
-              <a:t> </a:t>
-            </a:r>
-            <a:r>
-              <a:rPr lang="es-ES" dirty="0" err="1"/>
-              <a:t>another</a:t>
-            </a:r>
-            <a:r>
-              <a:rPr lang="es-ES" dirty="0"/>
-              <a:t> </a:t>
-            </a:r>
-            <a:r>
-              <a:rPr lang="es-ES" dirty="0" err="1"/>
-              <a:t>argument</a:t>
-            </a:r>
-            <a:r>
-              <a:rPr lang="es-ES" dirty="0"/>
-              <a:t> </a:t>
-            </a:r>
-            <a:r>
-              <a:rPr lang="es-ES" dirty="0" err="1"/>
-              <a:t>for</a:t>
-            </a:r>
-            <a:r>
-              <a:rPr lang="es-ES" dirty="0"/>
-              <a:t> </a:t>
-            </a:r>
-            <a:r>
-              <a:rPr lang="es-ES" dirty="0" err="1"/>
-              <a:t>the</a:t>
-            </a:r>
-            <a:r>
-              <a:rPr lang="es-ES" dirty="0"/>
-              <a:t> </a:t>
-            </a:r>
-            <a:r>
-              <a:rPr lang="es-ES" dirty="0" err="1"/>
-              <a:t>Royston</a:t>
-            </a:r>
-            <a:r>
-              <a:rPr lang="es-ES" dirty="0"/>
-              <a:t>/Altman test? (</a:t>
-            </a:r>
-            <a:r>
-              <a:rPr lang="es-ES" dirty="0" err="1"/>
-              <a:t>next</a:t>
-            </a:r>
-            <a:r>
-              <a:rPr lang="es-ES" dirty="0"/>
-              <a:t> </a:t>
-            </a:r>
-            <a:r>
-              <a:rPr lang="es-ES" dirty="0" err="1"/>
-              <a:t>slide</a:t>
-            </a:r>
-            <a:r>
-              <a:rPr lang="es-ES" dirty="0"/>
-              <a:t>)</a:t>
+              <a:t>Should</a:t>
+            </a:r>
+            <a:r>
+              <a:rPr lang="es-ES" dirty="0"/>
+              <a:t> </a:t>
+            </a:r>
+            <a:r>
+              <a:rPr lang="es-ES" dirty="0" err="1"/>
+              <a:t>we</a:t>
+            </a:r>
+            <a:r>
+              <a:rPr lang="es-ES" dirty="0"/>
+              <a:t> </a:t>
+            </a:r>
+            <a:r>
+              <a:rPr lang="es-ES" dirty="0" err="1"/>
+              <a:t>give</a:t>
+            </a:r>
+            <a:r>
+              <a:rPr lang="es-ES" dirty="0"/>
+              <a:t> </a:t>
+            </a:r>
+            <a:r>
+              <a:rPr lang="es-ES" dirty="0" err="1"/>
+              <a:t>any</a:t>
+            </a:r>
+            <a:r>
+              <a:rPr lang="es-ES" dirty="0"/>
+              <a:t> </a:t>
+            </a:r>
+            <a:r>
+              <a:rPr lang="es-ES" dirty="0" err="1"/>
+              <a:t>reason</a:t>
+            </a:r>
+            <a:r>
+              <a:rPr lang="es-ES" dirty="0"/>
+              <a:t> </a:t>
+            </a:r>
+            <a:r>
+              <a:rPr lang="es-ES" dirty="0" err="1"/>
+              <a:t>why</a:t>
+            </a:r>
+            <a:r>
+              <a:rPr lang="es-ES" dirty="0"/>
+              <a:t> </a:t>
+            </a:r>
+            <a:r>
+              <a:rPr lang="es-ES" dirty="0" err="1"/>
+              <a:t>we</a:t>
+            </a:r>
+            <a:r>
+              <a:rPr lang="es-ES" dirty="0"/>
+              <a:t> are </a:t>
+            </a:r>
+            <a:r>
+              <a:rPr lang="es-ES" dirty="0" err="1"/>
+              <a:t>choosing</a:t>
+            </a:r>
+            <a:r>
+              <a:rPr lang="es-ES" dirty="0"/>
+              <a:t> </a:t>
+            </a:r>
+            <a:r>
+              <a:rPr lang="es-ES" dirty="0" err="1"/>
+              <a:t>cox_reduced</a:t>
+            </a:r>
+            <a:r>
+              <a:rPr lang="es-ES" dirty="0"/>
+              <a:t> </a:t>
+            </a:r>
+            <a:r>
+              <a:rPr lang="es-ES" dirty="0" err="1"/>
+              <a:t>here</a:t>
+            </a:r>
+            <a:r>
+              <a:rPr lang="es-ES" dirty="0"/>
+              <a:t>? -&gt; </a:t>
+            </a:r>
+            <a:r>
+              <a:rPr lang="es-ES" dirty="0" err="1"/>
+              <a:t>still</a:t>
+            </a:r>
+            <a:r>
+              <a:rPr lang="es-ES" dirty="0"/>
+              <a:t> open</a:t>
             </a:r>
             <a:endParaRPr lang="en-GB" dirty="0"/>
           </a:p>
@@ -3590,7 +3508,7 @@
     </p:spTree>
     <p:extLst>
       <p:ext uri="{BB962C8B-B14F-4D97-AF65-F5344CB8AC3E}">
-        <p14:creationId xmlns:p14="http://schemas.microsoft.com/office/powerpoint/2010/main" val="3177459909"/>
+        <p14:creationId xmlns:p14="http://schemas.microsoft.com/office/powerpoint/2010/main" val="3713656712"/>
       </p:ext>
     </p:extLst>
   </p:cSld>
@@ -3786,6 +3704,510 @@
             <a:fld id="{85EBC9E2-2C9A-438E-83DE-17F69134D413}" type="slidenum">
               <a:rPr lang="en-GB" smtClean="0"/>
               <a:t>18</a:t>
+            </a:fld>
+            <a:endParaRPr lang="en-GB"/>
+          </a:p>
+        </p:txBody>
+      </p:sp>
+    </p:spTree>
+    <p:extLst>
+      <p:ext uri="{BB962C8B-B14F-4D97-AF65-F5344CB8AC3E}">
+        <p14:creationId xmlns:p14="http://schemas.microsoft.com/office/powerpoint/2010/main" val="3245281593"/>
+      </p:ext>
+    </p:extLst>
+  </p:cSld>
+  <p:clrMapOvr>
+    <a:masterClrMapping/>
+  </p:clrMapOvr>
+</p:notes>
+</file>
+
+<file path=ppt/notesSlides/notesSlide18.xml><?xml version="1.0" encoding="utf-8"?>
+<p:notes xmlns:a="http://schemas.openxmlformats.org/drawingml/2006/main" xmlns:r="http://schemas.openxmlformats.org/officeDocument/2006/relationships" xmlns:p="http://schemas.openxmlformats.org/presentationml/2006/main">
+  <p:cSld>
+    <p:spTree>
+      <p:nvGrpSpPr>
+        <p:cNvPr id="1" name=""/>
+        <p:cNvGrpSpPr/>
+        <p:nvPr/>
+      </p:nvGrpSpPr>
+      <p:grpSpPr>
+        <a:xfrm>
+          <a:off x="0" y="0"/>
+          <a:ext cx="0" cy="0"/>
+          <a:chOff x="0" y="0"/>
+          <a:chExt cx="0" cy="0"/>
+        </a:xfrm>
+      </p:grpSpPr>
+      <p:sp>
+        <p:nvSpPr>
+          <p:cNvPr id="2" name="Slide Image Placeholder 1"/>
+          <p:cNvSpPr>
+            <a:spLocks noGrp="1" noRot="1" noChangeAspect="1"/>
+          </p:cNvSpPr>
+          <p:nvPr>
+            <p:ph type="sldImg"/>
+          </p:nvPr>
+        </p:nvSpPr>
+        <p:spPr/>
+      </p:sp>
+      <p:sp>
+        <p:nvSpPr>
+          <p:cNvPr id="3" name="Notes Placeholder 2"/>
+          <p:cNvSpPr>
+            <a:spLocks noGrp="1"/>
+          </p:cNvSpPr>
+          <p:nvPr>
+            <p:ph type="body" idx="1"/>
+          </p:nvPr>
+        </p:nvSpPr>
+        <p:spPr/>
+        <p:txBody>
+          <a:bodyPr/>
+          <a:lstStyle/>
+          <a:p>
+            <a:r>
+              <a:rPr lang="es-ES" dirty="0" err="1"/>
+              <a:t>Question</a:t>
+            </a:r>
+            <a:r>
+              <a:rPr lang="es-ES" dirty="0"/>
+              <a:t>: </a:t>
+            </a:r>
+            <a:r>
+              <a:rPr lang="es-ES" dirty="0" err="1"/>
+              <a:t>Not</a:t>
+            </a:r>
+            <a:r>
+              <a:rPr lang="es-ES" dirty="0"/>
+              <a:t> </a:t>
+            </a:r>
+            <a:r>
+              <a:rPr lang="es-ES" dirty="0" err="1"/>
+              <a:t>sure</a:t>
+            </a:r>
+            <a:r>
+              <a:rPr lang="es-ES" dirty="0"/>
+              <a:t> </a:t>
+            </a:r>
+            <a:r>
+              <a:rPr lang="es-ES" dirty="0" err="1"/>
+              <a:t>how</a:t>
+            </a:r>
+            <a:r>
+              <a:rPr lang="es-ES" dirty="0"/>
+              <a:t> </a:t>
+            </a:r>
+            <a:r>
+              <a:rPr lang="es-ES" dirty="0" err="1"/>
+              <a:t>else</a:t>
+            </a:r>
+            <a:r>
+              <a:rPr lang="es-ES" dirty="0"/>
+              <a:t> </a:t>
+            </a:r>
+            <a:r>
+              <a:rPr lang="es-ES" dirty="0" err="1"/>
+              <a:t>to</a:t>
+            </a:r>
+            <a:r>
+              <a:rPr lang="es-ES" dirty="0"/>
+              <a:t> </a:t>
+            </a:r>
+            <a:r>
+              <a:rPr lang="es-ES" dirty="0" err="1"/>
+              <a:t>interpret</a:t>
+            </a:r>
+            <a:r>
+              <a:rPr lang="es-ES" dirty="0"/>
+              <a:t> </a:t>
+            </a:r>
+            <a:r>
+              <a:rPr lang="es-ES" dirty="0" err="1"/>
+              <a:t>this</a:t>
+            </a:r>
+            <a:r>
+              <a:rPr lang="es-ES" dirty="0"/>
+              <a:t> </a:t>
+            </a:r>
+            <a:r>
+              <a:rPr lang="es-ES" dirty="0" err="1"/>
+              <a:t>part</a:t>
+            </a:r>
+            <a:r>
+              <a:rPr lang="es-ES" dirty="0"/>
+              <a:t>. </a:t>
+            </a:r>
+            <a:r>
+              <a:rPr lang="es-ES" dirty="0" err="1"/>
+              <a:t>Basically</a:t>
+            </a:r>
+            <a:r>
+              <a:rPr lang="es-ES" dirty="0"/>
+              <a:t> </a:t>
+            </a:r>
+            <a:r>
+              <a:rPr lang="es-ES" dirty="0" err="1"/>
+              <a:t>our</a:t>
+            </a:r>
+            <a:r>
+              <a:rPr lang="es-ES" dirty="0"/>
+              <a:t> </a:t>
+            </a:r>
+            <a:r>
+              <a:rPr lang="es-ES" dirty="0" err="1"/>
+              <a:t>linearity</a:t>
+            </a:r>
+            <a:r>
+              <a:rPr lang="es-ES" dirty="0"/>
+              <a:t> </a:t>
+            </a:r>
+            <a:r>
+              <a:rPr lang="es-ES" dirty="0" err="1"/>
+              <a:t>assumption</a:t>
+            </a:r>
+            <a:r>
+              <a:rPr lang="es-ES" dirty="0"/>
+              <a:t> </a:t>
+            </a:r>
+            <a:r>
+              <a:rPr lang="es-ES" dirty="0" err="1"/>
+              <a:t>is</a:t>
+            </a:r>
+            <a:r>
+              <a:rPr lang="es-ES" dirty="0"/>
+              <a:t> </a:t>
+            </a:r>
+            <a:r>
+              <a:rPr lang="es-ES" dirty="0" err="1"/>
+              <a:t>does</a:t>
+            </a:r>
+            <a:r>
+              <a:rPr lang="es-ES" dirty="0"/>
+              <a:t> </a:t>
+            </a:r>
+            <a:r>
+              <a:rPr lang="es-ES" dirty="0" err="1"/>
+              <a:t>not</a:t>
+            </a:r>
+            <a:r>
+              <a:rPr lang="es-ES" dirty="0"/>
+              <a:t> </a:t>
+            </a:r>
+            <a:r>
+              <a:rPr lang="es-ES" dirty="0" err="1"/>
+              <a:t>hold</a:t>
+            </a:r>
+            <a:r>
+              <a:rPr lang="es-ES" dirty="0"/>
+              <a:t> </a:t>
+            </a:r>
+            <a:r>
+              <a:rPr lang="es-ES" dirty="0" err="1"/>
+              <a:t>which</a:t>
+            </a:r>
+            <a:r>
+              <a:rPr lang="es-ES" dirty="0"/>
+              <a:t> </a:t>
+            </a:r>
+            <a:r>
+              <a:rPr lang="es-ES" dirty="0" err="1"/>
+              <a:t>gives</a:t>
+            </a:r>
+            <a:r>
+              <a:rPr lang="es-ES" dirty="0"/>
+              <a:t> </a:t>
+            </a:r>
+            <a:r>
+              <a:rPr lang="es-ES" dirty="0" err="1"/>
+              <a:t>us</a:t>
+            </a:r>
+            <a:r>
+              <a:rPr lang="es-ES" dirty="0"/>
+              <a:t> </a:t>
+            </a:r>
+            <a:r>
+              <a:rPr lang="es-ES" dirty="0" err="1"/>
+              <a:t>another</a:t>
+            </a:r>
+            <a:r>
+              <a:rPr lang="es-ES" dirty="0"/>
+              <a:t> </a:t>
+            </a:r>
+            <a:r>
+              <a:rPr lang="es-ES" dirty="0" err="1"/>
+              <a:t>argument</a:t>
+            </a:r>
+            <a:r>
+              <a:rPr lang="es-ES" dirty="0"/>
+              <a:t> </a:t>
+            </a:r>
+            <a:r>
+              <a:rPr lang="es-ES" dirty="0" err="1"/>
+              <a:t>for</a:t>
+            </a:r>
+            <a:r>
+              <a:rPr lang="es-ES" dirty="0"/>
+              <a:t> </a:t>
+            </a:r>
+            <a:r>
+              <a:rPr lang="es-ES" dirty="0" err="1"/>
+              <a:t>the</a:t>
+            </a:r>
+            <a:r>
+              <a:rPr lang="es-ES" dirty="0"/>
+              <a:t> </a:t>
+            </a:r>
+            <a:r>
+              <a:rPr lang="es-ES" dirty="0" err="1"/>
+              <a:t>Royston</a:t>
+            </a:r>
+            <a:r>
+              <a:rPr lang="es-ES" dirty="0"/>
+              <a:t>/Altman test? (</a:t>
+            </a:r>
+            <a:r>
+              <a:rPr lang="es-ES" dirty="0" err="1"/>
+              <a:t>next</a:t>
+            </a:r>
+            <a:r>
+              <a:rPr lang="es-ES" dirty="0"/>
+              <a:t> </a:t>
+            </a:r>
+            <a:r>
+              <a:rPr lang="es-ES" dirty="0" err="1"/>
+              <a:t>slide</a:t>
+            </a:r>
+            <a:r>
+              <a:rPr lang="es-ES" dirty="0"/>
+              <a:t>)</a:t>
+            </a:r>
+            <a:endParaRPr lang="en-GB" dirty="0"/>
+          </a:p>
+        </p:txBody>
+      </p:sp>
+      <p:sp>
+        <p:nvSpPr>
+          <p:cNvPr id="4" name="Slide Number Placeholder 3"/>
+          <p:cNvSpPr>
+            <a:spLocks noGrp="1"/>
+          </p:cNvSpPr>
+          <p:nvPr>
+            <p:ph type="sldNum" sz="quarter" idx="5"/>
+          </p:nvPr>
+        </p:nvSpPr>
+        <p:spPr/>
+        <p:txBody>
+          <a:bodyPr/>
+          <a:lstStyle/>
+          <a:p>
+            <a:fld id="{85EBC9E2-2C9A-438E-83DE-17F69134D413}" type="slidenum">
+              <a:rPr lang="en-GB" smtClean="0"/>
+              <a:t>19</a:t>
+            </a:fld>
+            <a:endParaRPr lang="en-GB"/>
+          </a:p>
+        </p:txBody>
+      </p:sp>
+    </p:spTree>
+    <p:extLst>
+      <p:ext uri="{BB962C8B-B14F-4D97-AF65-F5344CB8AC3E}">
+        <p14:creationId xmlns:p14="http://schemas.microsoft.com/office/powerpoint/2010/main" val="3177459909"/>
+      </p:ext>
+    </p:extLst>
+  </p:cSld>
+  <p:clrMapOvr>
+    <a:masterClrMapping/>
+  </p:clrMapOvr>
+</p:notes>
+</file>
+
+<file path=ppt/notesSlides/notesSlide19.xml><?xml version="1.0" encoding="utf-8"?>
+<p:notes xmlns:a="http://schemas.openxmlformats.org/drawingml/2006/main" xmlns:r="http://schemas.openxmlformats.org/officeDocument/2006/relationships" xmlns:p="http://schemas.openxmlformats.org/presentationml/2006/main">
+  <p:cSld>
+    <p:spTree>
+      <p:nvGrpSpPr>
+        <p:cNvPr id="1" name=""/>
+        <p:cNvGrpSpPr/>
+        <p:nvPr/>
+      </p:nvGrpSpPr>
+      <p:grpSpPr>
+        <a:xfrm>
+          <a:off x="0" y="0"/>
+          <a:ext cx="0" cy="0"/>
+          <a:chOff x="0" y="0"/>
+          <a:chExt cx="0" cy="0"/>
+        </a:xfrm>
+      </p:grpSpPr>
+      <p:sp>
+        <p:nvSpPr>
+          <p:cNvPr id="2" name="Slide Image Placeholder 1"/>
+          <p:cNvSpPr>
+            <a:spLocks noGrp="1" noRot="1" noChangeAspect="1"/>
+          </p:cNvSpPr>
+          <p:nvPr>
+            <p:ph type="sldImg"/>
+          </p:nvPr>
+        </p:nvSpPr>
+        <p:spPr/>
+      </p:sp>
+      <p:sp>
+        <p:nvSpPr>
+          <p:cNvPr id="3" name="Notes Placeholder 2"/>
+          <p:cNvSpPr>
+            <a:spLocks noGrp="1"/>
+          </p:cNvSpPr>
+          <p:nvPr>
+            <p:ph type="body" idx="1"/>
+          </p:nvPr>
+        </p:nvSpPr>
+        <p:spPr/>
+        <p:txBody>
+          <a:bodyPr/>
+          <a:lstStyle/>
+          <a:p>
+            <a:r>
+              <a:rPr lang="es-ES" dirty="0"/>
+              <a:t>Note: </a:t>
+            </a:r>
+            <a:r>
+              <a:rPr lang="es-ES" dirty="0" err="1"/>
+              <a:t>Deviance</a:t>
+            </a:r>
+            <a:r>
+              <a:rPr lang="es-ES" dirty="0"/>
+              <a:t> </a:t>
+            </a:r>
+            <a:r>
+              <a:rPr lang="es-ES" dirty="0" err="1"/>
+              <a:t>residuals</a:t>
+            </a:r>
+            <a:r>
+              <a:rPr lang="es-ES" dirty="0"/>
+              <a:t> are </a:t>
+            </a:r>
+            <a:r>
+              <a:rPr lang="es-ES" dirty="0" err="1"/>
+              <a:t>transformations</a:t>
+            </a:r>
+            <a:r>
+              <a:rPr lang="es-ES" dirty="0"/>
+              <a:t> </a:t>
+            </a:r>
+            <a:r>
+              <a:rPr lang="es-ES" dirty="0" err="1"/>
+              <a:t>of</a:t>
+            </a:r>
+            <a:r>
+              <a:rPr lang="es-ES" dirty="0"/>
+              <a:t> </a:t>
+            </a:r>
+            <a:r>
+              <a:rPr lang="es-ES" dirty="0" err="1"/>
+              <a:t>Martingale</a:t>
+            </a:r>
+            <a:r>
+              <a:rPr lang="es-ES" dirty="0"/>
+              <a:t> </a:t>
+            </a:r>
+            <a:r>
+              <a:rPr lang="es-ES" dirty="0" err="1"/>
+              <a:t>residuals</a:t>
+            </a:r>
+            <a:r>
+              <a:rPr lang="es-ES" dirty="0"/>
+              <a:t>. </a:t>
+            </a:r>
+            <a:r>
+              <a:rPr lang="es-ES" dirty="0" err="1"/>
+              <a:t>They</a:t>
+            </a:r>
+            <a:r>
+              <a:rPr lang="es-ES" dirty="0"/>
+              <a:t> can be </a:t>
+            </a:r>
+            <a:r>
+              <a:rPr lang="es-ES" dirty="0" err="1"/>
+              <a:t>used</a:t>
+            </a:r>
+            <a:r>
+              <a:rPr lang="es-ES" dirty="0"/>
+              <a:t> more </a:t>
+            </a:r>
+            <a:r>
+              <a:rPr lang="es-ES" dirty="0" err="1"/>
+              <a:t>or</a:t>
+            </a:r>
+            <a:r>
+              <a:rPr lang="es-ES" dirty="0"/>
+              <a:t> </a:t>
+            </a:r>
+            <a:r>
+              <a:rPr lang="es-ES" dirty="0" err="1"/>
+              <a:t>less</a:t>
+            </a:r>
+            <a:r>
+              <a:rPr lang="es-ES" dirty="0"/>
+              <a:t> </a:t>
+            </a:r>
+            <a:r>
+              <a:rPr lang="es-ES" dirty="0" err="1"/>
+              <a:t>like</a:t>
+            </a:r>
+            <a:r>
+              <a:rPr lang="es-ES" dirty="0"/>
+              <a:t> </a:t>
+            </a:r>
+            <a:r>
+              <a:rPr lang="es-ES" dirty="0" err="1"/>
+              <a:t>standardized</a:t>
+            </a:r>
+            <a:r>
+              <a:rPr lang="es-ES" dirty="0"/>
+              <a:t> </a:t>
+            </a:r>
+            <a:r>
+              <a:rPr lang="es-ES" dirty="0" err="1"/>
+              <a:t>residuals</a:t>
+            </a:r>
+            <a:r>
+              <a:rPr lang="es-ES" dirty="0"/>
+              <a:t> </a:t>
+            </a:r>
+            <a:r>
+              <a:rPr lang="es-ES" dirty="0" err="1"/>
+              <a:t>for</a:t>
+            </a:r>
+            <a:r>
+              <a:rPr lang="es-ES" dirty="0"/>
+              <a:t> linear </a:t>
+            </a:r>
+            <a:r>
+              <a:rPr lang="es-ES" dirty="0" err="1"/>
+              <a:t>models</a:t>
+            </a:r>
+            <a:endParaRPr lang="es-ES" dirty="0"/>
+          </a:p>
+        </p:txBody>
+      </p:sp>
+      <p:sp>
+        <p:nvSpPr>
+          <p:cNvPr id="4" name="Slide Number Placeholder 3"/>
+          <p:cNvSpPr>
+            <a:spLocks noGrp="1"/>
+          </p:cNvSpPr>
+          <p:nvPr>
+            <p:ph type="sldNum" sz="quarter" idx="5"/>
+          </p:nvPr>
+        </p:nvSpPr>
+        <p:spPr/>
+        <p:txBody>
+          <a:bodyPr/>
+          <a:lstStyle/>
+          <a:p>
+            <a:fld id="{85EBC9E2-2C9A-438E-83DE-17F69134D413}" type="slidenum">
+              <a:rPr lang="en-GB" smtClean="0"/>
+              <a:t>20</a:t>
             </a:fld>
             <a:endParaRPr lang="en-GB"/>
           </a:p>
@@ -3988,6 +4410,270 @@
 </p:notes>
 </file>
 
+<file path=ppt/notesSlides/notesSlide20.xml><?xml version="1.0" encoding="utf-8"?>
+<p:notes xmlns:a="http://schemas.openxmlformats.org/drawingml/2006/main" xmlns:r="http://schemas.openxmlformats.org/officeDocument/2006/relationships" xmlns:p="http://schemas.openxmlformats.org/presentationml/2006/main">
+  <p:cSld>
+    <p:spTree>
+      <p:nvGrpSpPr>
+        <p:cNvPr id="1" name=""/>
+        <p:cNvGrpSpPr/>
+        <p:nvPr/>
+      </p:nvGrpSpPr>
+      <p:grpSpPr>
+        <a:xfrm>
+          <a:off x="0" y="0"/>
+          <a:ext cx="0" cy="0"/>
+          <a:chOff x="0" y="0"/>
+          <a:chExt cx="0" cy="0"/>
+        </a:xfrm>
+      </p:grpSpPr>
+      <p:sp>
+        <p:nvSpPr>
+          <p:cNvPr id="2" name="Slide Image Placeholder 1"/>
+          <p:cNvSpPr>
+            <a:spLocks noGrp="1" noRot="1" noChangeAspect="1"/>
+          </p:cNvSpPr>
+          <p:nvPr>
+            <p:ph type="sldImg"/>
+          </p:nvPr>
+        </p:nvSpPr>
+        <p:spPr/>
+      </p:sp>
+      <p:sp>
+        <p:nvSpPr>
+          <p:cNvPr id="3" name="Notes Placeholder 2"/>
+          <p:cNvSpPr>
+            <a:spLocks noGrp="1"/>
+          </p:cNvSpPr>
+          <p:nvPr>
+            <p:ph type="body" idx="1"/>
+          </p:nvPr>
+        </p:nvSpPr>
+        <p:spPr/>
+        <p:txBody>
+          <a:bodyPr/>
+          <a:lstStyle/>
+          <a:p>
+            <a:r>
+              <a:rPr lang="es-ES" dirty="0"/>
+              <a:t>DONE: </a:t>
+            </a:r>
+            <a:r>
+              <a:rPr lang="es-ES" dirty="0" err="1"/>
+              <a:t>add</a:t>
+            </a:r>
+            <a:r>
+              <a:rPr lang="es-ES" dirty="0"/>
+              <a:t> AIC</a:t>
+            </a:r>
+            <a:endParaRPr lang="en-GB" dirty="0"/>
+          </a:p>
+        </p:txBody>
+      </p:sp>
+      <p:sp>
+        <p:nvSpPr>
+          <p:cNvPr id="4" name="Slide Number Placeholder 3"/>
+          <p:cNvSpPr>
+            <a:spLocks noGrp="1"/>
+          </p:cNvSpPr>
+          <p:nvPr>
+            <p:ph type="sldNum" sz="quarter" idx="5"/>
+          </p:nvPr>
+        </p:nvSpPr>
+        <p:spPr/>
+        <p:txBody>
+          <a:bodyPr/>
+          <a:lstStyle/>
+          <a:p>
+            <a:fld id="{85EBC9E2-2C9A-438E-83DE-17F69134D413}" type="slidenum">
+              <a:rPr lang="en-GB" smtClean="0"/>
+              <a:t>21</a:t>
+            </a:fld>
+            <a:endParaRPr lang="en-GB"/>
+          </a:p>
+        </p:txBody>
+      </p:sp>
+    </p:spTree>
+    <p:extLst>
+      <p:ext uri="{BB962C8B-B14F-4D97-AF65-F5344CB8AC3E}">
+        <p14:creationId xmlns:p14="http://schemas.microsoft.com/office/powerpoint/2010/main" val="1775229365"/>
+      </p:ext>
+    </p:extLst>
+  </p:cSld>
+  <p:clrMapOvr>
+    <a:masterClrMapping/>
+  </p:clrMapOvr>
+</p:notes>
+</file>
+
+<file path=ppt/notesSlides/notesSlide21.xml><?xml version="1.0" encoding="utf-8"?>
+<p:notes xmlns:a="http://schemas.openxmlformats.org/drawingml/2006/main" xmlns:r="http://schemas.openxmlformats.org/officeDocument/2006/relationships" xmlns:p="http://schemas.openxmlformats.org/presentationml/2006/main">
+  <p:cSld>
+    <p:spTree>
+      <p:nvGrpSpPr>
+        <p:cNvPr id="1" name=""/>
+        <p:cNvGrpSpPr/>
+        <p:nvPr/>
+      </p:nvGrpSpPr>
+      <p:grpSpPr>
+        <a:xfrm>
+          <a:off x="0" y="0"/>
+          <a:ext cx="0" cy="0"/>
+          <a:chOff x="0" y="0"/>
+          <a:chExt cx="0" cy="0"/>
+        </a:xfrm>
+      </p:grpSpPr>
+      <p:sp>
+        <p:nvSpPr>
+          <p:cNvPr id="2" name="Slide Image Placeholder 1"/>
+          <p:cNvSpPr>
+            <a:spLocks noGrp="1" noRot="1" noChangeAspect="1"/>
+          </p:cNvSpPr>
+          <p:nvPr>
+            <p:ph type="sldImg"/>
+          </p:nvPr>
+        </p:nvSpPr>
+        <p:spPr/>
+      </p:sp>
+      <p:sp>
+        <p:nvSpPr>
+          <p:cNvPr id="3" name="Notes Placeholder 2"/>
+          <p:cNvSpPr>
+            <a:spLocks noGrp="1"/>
+          </p:cNvSpPr>
+          <p:nvPr>
+            <p:ph type="body" idx="1"/>
+          </p:nvPr>
+        </p:nvSpPr>
+        <p:spPr/>
+        <p:txBody>
+          <a:bodyPr/>
+          <a:lstStyle/>
+          <a:p>
+            <a:endParaRPr lang="en-GB" dirty="0"/>
+          </a:p>
+        </p:txBody>
+      </p:sp>
+      <p:sp>
+        <p:nvSpPr>
+          <p:cNvPr id="4" name="Slide Number Placeholder 3"/>
+          <p:cNvSpPr>
+            <a:spLocks noGrp="1"/>
+          </p:cNvSpPr>
+          <p:nvPr>
+            <p:ph type="sldNum" sz="quarter" idx="5"/>
+          </p:nvPr>
+        </p:nvSpPr>
+        <p:spPr/>
+        <p:txBody>
+          <a:bodyPr/>
+          <a:lstStyle/>
+          <a:p>
+            <a:fld id="{85EBC9E2-2C9A-438E-83DE-17F69134D413}" type="slidenum">
+              <a:rPr lang="en-GB" smtClean="0"/>
+              <a:t>22</a:t>
+            </a:fld>
+            <a:endParaRPr lang="en-GB"/>
+          </a:p>
+        </p:txBody>
+      </p:sp>
+    </p:spTree>
+    <p:extLst>
+      <p:ext uri="{BB962C8B-B14F-4D97-AF65-F5344CB8AC3E}">
+        <p14:creationId xmlns:p14="http://schemas.microsoft.com/office/powerpoint/2010/main" val="2794133896"/>
+      </p:ext>
+    </p:extLst>
+  </p:cSld>
+  <p:clrMapOvr>
+    <a:masterClrMapping/>
+  </p:clrMapOvr>
+</p:notes>
+</file>
+
+<file path=ppt/notesSlides/notesSlide22.xml><?xml version="1.0" encoding="utf-8"?>
+<p:notes xmlns:a="http://schemas.openxmlformats.org/drawingml/2006/main" xmlns:r="http://schemas.openxmlformats.org/officeDocument/2006/relationships" xmlns:p="http://schemas.openxmlformats.org/presentationml/2006/main">
+  <p:cSld>
+    <p:spTree>
+      <p:nvGrpSpPr>
+        <p:cNvPr id="1" name=""/>
+        <p:cNvGrpSpPr/>
+        <p:nvPr/>
+      </p:nvGrpSpPr>
+      <p:grpSpPr>
+        <a:xfrm>
+          <a:off x="0" y="0"/>
+          <a:ext cx="0" cy="0"/>
+          <a:chOff x="0" y="0"/>
+          <a:chExt cx="0" cy="0"/>
+        </a:xfrm>
+      </p:grpSpPr>
+      <p:sp>
+        <p:nvSpPr>
+          <p:cNvPr id="2" name="Slide Image Placeholder 1"/>
+          <p:cNvSpPr>
+            <a:spLocks noGrp="1" noRot="1" noChangeAspect="1"/>
+          </p:cNvSpPr>
+          <p:nvPr>
+            <p:ph type="sldImg"/>
+          </p:nvPr>
+        </p:nvSpPr>
+        <p:spPr/>
+      </p:sp>
+      <p:sp>
+        <p:nvSpPr>
+          <p:cNvPr id="3" name="Notes Placeholder 2"/>
+          <p:cNvSpPr>
+            <a:spLocks noGrp="1"/>
+          </p:cNvSpPr>
+          <p:nvPr>
+            <p:ph type="body" idx="1"/>
+          </p:nvPr>
+        </p:nvSpPr>
+        <p:spPr/>
+        <p:txBody>
+          <a:bodyPr/>
+          <a:lstStyle/>
+          <a:p>
+            <a:endParaRPr lang="en-GB" dirty="0"/>
+          </a:p>
+        </p:txBody>
+      </p:sp>
+      <p:sp>
+        <p:nvSpPr>
+          <p:cNvPr id="4" name="Slide Number Placeholder 3"/>
+          <p:cNvSpPr>
+            <a:spLocks noGrp="1"/>
+          </p:cNvSpPr>
+          <p:nvPr>
+            <p:ph type="sldNum" sz="quarter" idx="5"/>
+          </p:nvPr>
+        </p:nvSpPr>
+        <p:spPr/>
+        <p:txBody>
+          <a:bodyPr/>
+          <a:lstStyle/>
+          <a:p>
+            <a:fld id="{85EBC9E2-2C9A-438E-83DE-17F69134D413}" type="slidenum">
+              <a:rPr lang="en-GB" smtClean="0"/>
+              <a:t>23</a:t>
+            </a:fld>
+            <a:endParaRPr lang="en-GB"/>
+          </a:p>
+        </p:txBody>
+      </p:sp>
+    </p:spTree>
+    <p:extLst>
+      <p:ext uri="{BB962C8B-B14F-4D97-AF65-F5344CB8AC3E}">
+        <p14:creationId xmlns:p14="http://schemas.microsoft.com/office/powerpoint/2010/main" val="1732016867"/>
+      </p:ext>
+    </p:extLst>
+  </p:cSld>
+  <p:clrMapOvr>
+    <a:masterClrMapping/>
+  </p:clrMapOvr>
+</p:notes>
+</file>
+
 <file path=ppt/notesSlides/notesSlide3.xml><?xml version="1.0" encoding="utf-8"?>
 <p:notes xmlns:a="http://schemas.openxmlformats.org/drawingml/2006/main" xmlns:r="http://schemas.openxmlformats.org/officeDocument/2006/relationships" xmlns:p="http://schemas.openxmlformats.org/presentationml/2006/main">
   <p:cSld>
@@ -4117,12 +4803,8 @@
           <a:lstStyle/>
           <a:p>
             <a:r>
-              <a:rPr lang="es-ES" b="0" dirty="0" err="1"/>
-              <a:t>Question</a:t>
-            </a:r>
-            <a:r>
               <a:rPr lang="es-ES" b="0" dirty="0"/>
-              <a:t>: As </a:t>
+              <a:t>SOLVED: As </a:t>
             </a:r>
             <a:r>
               <a:rPr lang="es-ES" b="0" dirty="0" err="1"/>
@@ -4322,9 +5004,11 @@
             </a:r>
             <a:r>
               <a:rPr lang="es-ES" b="0" dirty="0"/>
-              <a:t>)</a:t>
-            </a:r>
-            <a:endParaRPr lang="en-GB" b="0" dirty="0"/>
+              <a:t>)-&gt; NO</a:t>
+            </a:r>
+          </a:p>
+          <a:p>
+            <a:endParaRPr lang="es-ES" b="0" dirty="0"/>
           </a:p>
         </p:txBody>
       </p:sp>
@@ -4409,72 +5093,12 @@
           <a:lstStyle/>
           <a:p>
             <a:r>
+              <a:rPr lang="es-ES" b="0" dirty="0"/>
+              <a:t>DONE: </a:t>
+            </a:r>
+            <a:r>
               <a:rPr lang="es-ES" b="0" dirty="0" err="1"/>
-              <a:t>Question</a:t>
-            </a:r>
-            <a:r>
-              <a:rPr lang="es-ES" b="0" dirty="0"/>
-              <a:t>: I am </a:t>
-            </a:r>
-            <a:r>
-              <a:rPr lang="es-ES" b="0" dirty="0" err="1"/>
-              <a:t>not</a:t>
-            </a:r>
-            <a:r>
-              <a:rPr lang="es-ES" b="0" dirty="0"/>
-              <a:t> </a:t>
-            </a:r>
-            <a:r>
-              <a:rPr lang="es-ES" b="0" dirty="0" err="1"/>
-              <a:t>sure</a:t>
-            </a:r>
-            <a:r>
-              <a:rPr lang="es-ES" b="0" dirty="0"/>
-              <a:t> </a:t>
-            </a:r>
-            <a:r>
-              <a:rPr lang="es-ES" b="0" dirty="0" err="1"/>
-              <a:t>if</a:t>
-            </a:r>
-            <a:r>
-              <a:rPr lang="es-ES" b="0" dirty="0"/>
-              <a:t> </a:t>
-            </a:r>
-            <a:r>
-              <a:rPr lang="es-ES" b="0" dirty="0" err="1"/>
-              <a:t>these</a:t>
-            </a:r>
-            <a:r>
-              <a:rPr lang="es-ES" b="0" dirty="0"/>
-              <a:t> </a:t>
-            </a:r>
-            <a:r>
-              <a:rPr lang="es-ES" b="0" dirty="0" err="1"/>
-              <a:t>three</a:t>
-            </a:r>
-            <a:r>
-              <a:rPr lang="es-ES" b="0" dirty="0"/>
-              <a:t> variables </a:t>
-            </a:r>
-            <a:r>
-              <a:rPr lang="es-ES" b="0" dirty="0" err="1"/>
-              <a:t>qualify</a:t>
-            </a:r>
-            <a:r>
-              <a:rPr lang="es-ES" b="0" dirty="0"/>
-              <a:t> as PH, as </a:t>
-            </a:r>
-            <a:r>
-              <a:rPr lang="es-ES" b="0" dirty="0" err="1"/>
-              <a:t>there</a:t>
-            </a:r>
-            <a:r>
-              <a:rPr lang="es-ES" b="0" dirty="0"/>
-              <a:t> are </a:t>
-            </a:r>
-            <a:r>
-              <a:rPr lang="es-ES" b="0" dirty="0" err="1"/>
-              <a:t>still</a:t>
+              <a:t>add</a:t>
             </a:r>
             <a:r>
               <a:rPr lang="es-ES" b="0" dirty="0"/>
@@ -4490,7 +5114,7 @@
             </a:r>
             <a:r>
               <a:rPr lang="es-ES" b="0" dirty="0" err="1"/>
-              <a:t>overlaps</a:t>
+              <a:t>badly</a:t>
             </a:r>
             <a:r>
               <a:rPr lang="es-ES" b="0" dirty="0"/>
@@ -4498,7 +5122,7 @@
             </a:r>
             <a:r>
               <a:rPr lang="es-ES" b="0" dirty="0" err="1"/>
-              <a:t>between</a:t>
+              <a:t>separated</a:t>
             </a:r>
             <a:r>
               <a:rPr lang="es-ES" b="0" dirty="0"/>
@@ -4506,181 +5130,12 @@
             </a:r>
             <a:r>
               <a:rPr lang="es-ES" b="0" dirty="0" err="1"/>
-              <a:t>the</a:t>
-            </a:r>
-            <a:r>
-              <a:rPr lang="es-ES" b="0" dirty="0"/>
-              <a:t> </a:t>
-            </a:r>
-            <a:r>
-              <a:rPr lang="es-ES" b="0" dirty="0" err="1"/>
-              <a:t>lines</a:t>
-            </a:r>
-            <a:r>
-              <a:rPr lang="es-ES" b="0" dirty="0"/>
-              <a:t>. </a:t>
-            </a:r>
-            <a:r>
-              <a:rPr lang="es-ES" b="0" dirty="0" err="1"/>
-              <a:t>If</a:t>
-            </a:r>
-            <a:r>
-              <a:rPr lang="es-ES" b="0" dirty="0"/>
-              <a:t> yes, </a:t>
-            </a:r>
-            <a:r>
-              <a:rPr lang="es-ES" b="0" dirty="0" err="1"/>
-              <a:t>then</a:t>
-            </a:r>
-            <a:r>
-              <a:rPr lang="es-ES" b="0" dirty="0"/>
-              <a:t> </a:t>
-            </a:r>
-            <a:r>
-              <a:rPr lang="es-ES" b="0" dirty="0" err="1"/>
-              <a:t>we</a:t>
-            </a:r>
-            <a:r>
-              <a:rPr lang="es-ES" b="0" dirty="0"/>
-              <a:t> </a:t>
-            </a:r>
-            <a:r>
-              <a:rPr lang="es-ES" b="0" dirty="0" err="1"/>
-              <a:t>should</a:t>
-            </a:r>
-            <a:r>
-              <a:rPr lang="es-ES" b="0" dirty="0"/>
-              <a:t> argue </a:t>
-            </a:r>
-            <a:r>
-              <a:rPr lang="es-ES" b="0" dirty="0" err="1"/>
-              <a:t>on</a:t>
-            </a:r>
-            <a:r>
-              <a:rPr lang="es-ES" b="0" dirty="0"/>
-              <a:t> </a:t>
-            </a:r>
-            <a:r>
-              <a:rPr lang="es-ES" b="0" dirty="0" err="1"/>
-              <a:t>the</a:t>
-            </a:r>
-            <a:r>
-              <a:rPr lang="es-ES" b="0" dirty="0"/>
-              <a:t> </a:t>
-            </a:r>
-            <a:r>
-              <a:rPr lang="es-ES" b="0" dirty="0" err="1"/>
-              <a:t>next</a:t>
-            </a:r>
-            <a:r>
-              <a:rPr lang="es-ES" b="0" dirty="0"/>
-              <a:t> </a:t>
-            </a:r>
-            <a:r>
-              <a:rPr lang="es-ES" b="0" dirty="0" err="1"/>
-              <a:t>slide</a:t>
-            </a:r>
-            <a:r>
-              <a:rPr lang="es-ES" b="0" dirty="0"/>
-              <a:t> </a:t>
-            </a:r>
-            <a:r>
-              <a:rPr lang="es-ES" b="0" dirty="0" err="1"/>
-              <a:t>that</a:t>
-            </a:r>
-            <a:r>
-              <a:rPr lang="es-ES" b="0" dirty="0"/>
-              <a:t> </a:t>
-            </a:r>
-            <a:r>
-              <a:rPr lang="es-ES" b="0" dirty="0" err="1"/>
-              <a:t>the</a:t>
-            </a:r>
-            <a:r>
-              <a:rPr lang="es-ES" b="0" dirty="0"/>
-              <a:t> </a:t>
-            </a:r>
-            <a:r>
-              <a:rPr lang="es-ES" b="0" dirty="0" err="1"/>
-              <a:t>logrank</a:t>
-            </a:r>
-            <a:r>
-              <a:rPr lang="es-ES" b="0" dirty="0"/>
-              <a:t> test can </a:t>
-            </a:r>
-            <a:r>
-              <a:rPr lang="es-ES" b="0" dirty="0" err="1"/>
-              <a:t>only</a:t>
-            </a:r>
-            <a:r>
-              <a:rPr lang="es-ES" b="0" dirty="0"/>
-              <a:t> be </a:t>
-            </a:r>
-            <a:r>
-              <a:rPr lang="es-ES" b="0" dirty="0" err="1"/>
-              <a:t>considered</a:t>
-            </a:r>
-            <a:r>
-              <a:rPr lang="es-ES" b="0" dirty="0"/>
-              <a:t> </a:t>
-            </a:r>
-            <a:r>
-              <a:rPr lang="es-ES" b="0" dirty="0" err="1"/>
-              <a:t>for</a:t>
-            </a:r>
-            <a:r>
-              <a:rPr lang="es-ES" b="0" dirty="0"/>
-              <a:t> </a:t>
-            </a:r>
-            <a:r>
-              <a:rPr lang="es-ES" b="0" dirty="0" err="1"/>
-              <a:t>these</a:t>
-            </a:r>
-            <a:r>
-              <a:rPr lang="es-ES" b="0" dirty="0"/>
-              <a:t> 3. </a:t>
-            </a:r>
-            <a:r>
-              <a:rPr lang="es-ES" b="0" dirty="0" err="1"/>
-              <a:t>For</a:t>
-            </a:r>
-            <a:r>
-              <a:rPr lang="es-ES" b="0" dirty="0"/>
-              <a:t> </a:t>
-            </a:r>
-            <a:r>
-              <a:rPr lang="es-ES" b="0" dirty="0" err="1"/>
-              <a:t>the</a:t>
-            </a:r>
-            <a:r>
-              <a:rPr lang="es-ES" b="0" dirty="0"/>
-              <a:t> </a:t>
-            </a:r>
-            <a:r>
-              <a:rPr lang="es-ES" b="0" dirty="0" err="1"/>
-              <a:t>rest</a:t>
-            </a:r>
-            <a:r>
-              <a:rPr lang="es-ES" b="0" dirty="0"/>
-              <a:t>, Wilcoxon </a:t>
-            </a:r>
-            <a:r>
-              <a:rPr lang="es-ES" b="0" dirty="0" err="1"/>
-              <a:t>should</a:t>
-            </a:r>
-            <a:r>
-              <a:rPr lang="es-ES" b="0" dirty="0"/>
-              <a:t> be </a:t>
-            </a:r>
-            <a:r>
-              <a:rPr lang="es-ES" b="0" dirty="0" err="1"/>
-              <a:t>looked</a:t>
-            </a:r>
-            <a:r>
-              <a:rPr lang="es-ES" b="0" dirty="0"/>
-              <a:t> at.</a:t>
-            </a:r>
-            <a:endParaRPr lang="en-GB" b="0" dirty="0"/>
+              <a:t>aswell</a:t>
+            </a:r>
+            <a:endParaRPr lang="es-ES" b="0" dirty="0"/>
+          </a:p>
+          <a:p>
+            <a:endParaRPr lang="es-ES" b="0" dirty="0"/>
           </a:p>
         </p:txBody>
       </p:sp>
@@ -4710,7 +5165,7 @@
     </p:spTree>
     <p:extLst>
       <p:ext uri="{BB962C8B-B14F-4D97-AF65-F5344CB8AC3E}">
-        <p14:creationId xmlns:p14="http://schemas.microsoft.com/office/powerpoint/2010/main" val="1714189590"/>
+        <p14:creationId xmlns:p14="http://schemas.microsoft.com/office/powerpoint/2010/main" val="2008648125"/>
       </p:ext>
     </p:extLst>
   </p:cSld>
@@ -4765,8 +5220,12 @@
           <a:lstStyle/>
           <a:p>
             <a:r>
+              <a:rPr lang="es-ES" b="0" dirty="0"/>
+              <a:t>SOLVED: I am </a:t>
+            </a:r>
+            <a:r>
               <a:rPr lang="es-ES" b="0" dirty="0" err="1"/>
-              <a:t>See</a:t>
+              <a:t>not</a:t>
             </a:r>
             <a:r>
               <a:rPr lang="es-ES" b="0" dirty="0"/>
@@ -4774,7 +5233,7 @@
             </a:r>
             <a:r>
               <a:rPr lang="es-ES" b="0" dirty="0" err="1"/>
-              <a:t>comment</a:t>
+              <a:t>sure</a:t>
             </a:r>
             <a:r>
               <a:rPr lang="es-ES" b="0" dirty="0"/>
@@ -4782,7 +5241,143 @@
             </a:r>
             <a:r>
               <a:rPr lang="es-ES" b="0" dirty="0" err="1"/>
-              <a:t>from</a:t>
+              <a:t>if</a:t>
+            </a:r>
+            <a:r>
+              <a:rPr lang="es-ES" b="0" dirty="0"/>
+              <a:t> </a:t>
+            </a:r>
+            <a:r>
+              <a:rPr lang="es-ES" b="0" dirty="0" err="1"/>
+              <a:t>these</a:t>
+            </a:r>
+            <a:r>
+              <a:rPr lang="es-ES" b="0" dirty="0"/>
+              <a:t> </a:t>
+            </a:r>
+            <a:r>
+              <a:rPr lang="es-ES" b="0" dirty="0" err="1"/>
+              <a:t>three</a:t>
+            </a:r>
+            <a:r>
+              <a:rPr lang="es-ES" b="0" dirty="0"/>
+              <a:t> variables </a:t>
+            </a:r>
+            <a:r>
+              <a:rPr lang="es-ES" b="0" dirty="0" err="1"/>
+              <a:t>qualify</a:t>
+            </a:r>
+            <a:r>
+              <a:rPr lang="es-ES" b="0" dirty="0"/>
+              <a:t> as PH, as </a:t>
+            </a:r>
+            <a:r>
+              <a:rPr lang="es-ES" b="0" dirty="0" err="1"/>
+              <a:t>there</a:t>
+            </a:r>
+            <a:r>
+              <a:rPr lang="es-ES" b="0" dirty="0"/>
+              <a:t> are </a:t>
+            </a:r>
+            <a:r>
+              <a:rPr lang="es-ES" b="0" dirty="0" err="1"/>
+              <a:t>still</a:t>
+            </a:r>
+            <a:r>
+              <a:rPr lang="es-ES" b="0" dirty="0"/>
+              <a:t> </a:t>
+            </a:r>
+            <a:r>
+              <a:rPr lang="es-ES" b="0" dirty="0" err="1"/>
+              <a:t>some</a:t>
+            </a:r>
+            <a:r>
+              <a:rPr lang="es-ES" b="0" dirty="0"/>
+              <a:t> </a:t>
+            </a:r>
+            <a:r>
+              <a:rPr lang="es-ES" b="0" dirty="0" err="1"/>
+              <a:t>overlaps</a:t>
+            </a:r>
+            <a:r>
+              <a:rPr lang="es-ES" b="0" dirty="0"/>
+              <a:t> </a:t>
+            </a:r>
+            <a:r>
+              <a:rPr lang="es-ES" b="0" dirty="0" err="1"/>
+              <a:t>between</a:t>
+            </a:r>
+            <a:r>
+              <a:rPr lang="es-ES" b="0" dirty="0"/>
+              <a:t> </a:t>
+            </a:r>
+            <a:r>
+              <a:rPr lang="es-ES" b="0" dirty="0" err="1"/>
+              <a:t>the</a:t>
+            </a:r>
+            <a:r>
+              <a:rPr lang="es-ES" b="0" dirty="0"/>
+              <a:t> </a:t>
+            </a:r>
+            <a:r>
+              <a:rPr lang="es-ES" b="0" dirty="0" err="1"/>
+              <a:t>lines</a:t>
+            </a:r>
+            <a:r>
+              <a:rPr lang="es-ES" b="0" dirty="0"/>
+              <a:t>. </a:t>
+            </a:r>
+            <a:r>
+              <a:rPr lang="es-ES" b="0" dirty="0" err="1"/>
+              <a:t>If</a:t>
+            </a:r>
+            <a:r>
+              <a:rPr lang="es-ES" b="0" dirty="0"/>
+              <a:t> yes, </a:t>
+            </a:r>
+            <a:r>
+              <a:rPr lang="es-ES" b="0" dirty="0" err="1"/>
+              <a:t>then</a:t>
+            </a:r>
+            <a:r>
+              <a:rPr lang="es-ES" b="0" dirty="0"/>
+              <a:t> </a:t>
+            </a:r>
+            <a:r>
+              <a:rPr lang="es-ES" b="0" dirty="0" err="1"/>
+              <a:t>we</a:t>
+            </a:r>
+            <a:r>
+              <a:rPr lang="es-ES" b="0" dirty="0"/>
+              <a:t> </a:t>
+            </a:r>
+            <a:r>
+              <a:rPr lang="es-ES" b="0" dirty="0" err="1"/>
+              <a:t>should</a:t>
+            </a:r>
+            <a:r>
+              <a:rPr lang="es-ES" b="0" dirty="0"/>
+              <a:t> argue </a:t>
+            </a:r>
+            <a:r>
+              <a:rPr lang="es-ES" b="0" dirty="0" err="1"/>
+              <a:t>on</a:t>
+            </a:r>
+            <a:r>
+              <a:rPr lang="es-ES" b="0" dirty="0"/>
+              <a:t> </a:t>
+            </a:r>
+            <a:r>
+              <a:rPr lang="es-ES" b="0" dirty="0" err="1"/>
+              <a:t>the</a:t>
+            </a:r>
+            <a:r>
+              <a:rPr lang="es-ES" b="0" dirty="0"/>
+              <a:t> </a:t>
+            </a:r>
+            <a:r>
+              <a:rPr lang="es-ES" b="0" dirty="0" err="1"/>
+              <a:t>next</a:t>
             </a:r>
             <a:r>
               <a:rPr lang="es-ES" b="0" dirty="0"/>
@@ -4798,7 +5393,99 @@
             </a:r>
             <a:r>
               <a:rPr lang="es-ES" b="0" dirty="0" err="1"/>
-              <a:t>before</a:t>
+              <a:t>that</a:t>
+            </a:r>
+            <a:r>
+              <a:rPr lang="es-ES" b="0" dirty="0"/>
+              <a:t> </a:t>
+            </a:r>
+            <a:r>
+              <a:rPr lang="es-ES" b="0" dirty="0" err="1"/>
+              <a:t>the</a:t>
+            </a:r>
+            <a:r>
+              <a:rPr lang="es-ES" b="0" dirty="0"/>
+              <a:t> </a:t>
+            </a:r>
+            <a:r>
+              <a:rPr lang="es-ES" b="0" dirty="0" err="1"/>
+              <a:t>logrank</a:t>
+            </a:r>
+            <a:r>
+              <a:rPr lang="es-ES" b="0" dirty="0"/>
+              <a:t> test can </a:t>
+            </a:r>
+            <a:r>
+              <a:rPr lang="es-ES" b="0" dirty="0" err="1"/>
+              <a:t>only</a:t>
+            </a:r>
+            <a:r>
+              <a:rPr lang="es-ES" b="0" dirty="0"/>
+              <a:t> be </a:t>
+            </a:r>
+            <a:r>
+              <a:rPr lang="es-ES" b="0" dirty="0" err="1"/>
+              <a:t>considered</a:t>
+            </a:r>
+            <a:r>
+              <a:rPr lang="es-ES" b="0" dirty="0"/>
+              <a:t> </a:t>
+            </a:r>
+            <a:r>
+              <a:rPr lang="es-ES" b="0" dirty="0" err="1"/>
+              <a:t>for</a:t>
+            </a:r>
+            <a:r>
+              <a:rPr lang="es-ES" b="0" dirty="0"/>
+              <a:t> </a:t>
+            </a:r>
+            <a:r>
+              <a:rPr lang="es-ES" b="0" dirty="0" err="1"/>
+              <a:t>these</a:t>
+            </a:r>
+            <a:r>
+              <a:rPr lang="es-ES" b="0" dirty="0"/>
+              <a:t> 3. </a:t>
+            </a:r>
+            <a:r>
+              <a:rPr lang="es-ES" b="0" dirty="0" err="1"/>
+              <a:t>For</a:t>
+            </a:r>
+            <a:r>
+              <a:rPr lang="es-ES" b="0" dirty="0"/>
+              <a:t> </a:t>
+            </a:r>
+            <a:r>
+              <a:rPr lang="es-ES" b="0" dirty="0" err="1"/>
+              <a:t>the</a:t>
+            </a:r>
+            <a:r>
+              <a:rPr lang="es-ES" b="0" dirty="0"/>
+              <a:t> </a:t>
+            </a:r>
+            <a:r>
+              <a:rPr lang="es-ES" b="0" dirty="0" err="1"/>
+              <a:t>rest</a:t>
+            </a:r>
+            <a:r>
+              <a:rPr lang="es-ES" b="0" dirty="0"/>
+              <a:t>, Wilcoxon </a:t>
+            </a:r>
+            <a:r>
+              <a:rPr lang="es-ES" b="0" dirty="0" err="1"/>
+              <a:t>should</a:t>
+            </a:r>
+            <a:r>
+              <a:rPr lang="es-ES" b="0" dirty="0"/>
+              <a:t> be </a:t>
+            </a:r>
+            <a:r>
+              <a:rPr lang="es-ES" b="0" dirty="0" err="1"/>
+              <a:t>looked</a:t>
+            </a:r>
+            <a:r>
+              <a:rPr lang="es-ES" b="0" dirty="0"/>
+              <a:t> at.</a:t>
             </a:r>
             <a:endParaRPr lang="en-GB" b="0" dirty="0"/>
           </a:p>
@@ -4830,7 +5517,7 @@
     </p:spTree>
     <p:extLst>
       <p:ext uri="{BB962C8B-B14F-4D97-AF65-F5344CB8AC3E}">
-        <p14:creationId xmlns:p14="http://schemas.microsoft.com/office/powerpoint/2010/main" val="1437128128"/>
+        <p14:creationId xmlns:p14="http://schemas.microsoft.com/office/powerpoint/2010/main" val="1714189590"/>
       </p:ext>
     </p:extLst>
   </p:cSld>
@@ -4884,6 +5571,86 @@
           <a:bodyPr/>
           <a:lstStyle/>
           <a:p>
+            <a:r>
+              <a:rPr lang="es-ES" b="0" dirty="0" err="1"/>
+              <a:t>With</a:t>
+            </a:r>
+            <a:r>
+              <a:rPr lang="es-ES" b="0" dirty="0"/>
+              <a:t> PH, </a:t>
+            </a:r>
+            <a:r>
+              <a:rPr lang="es-ES" b="0" dirty="0" err="1"/>
+              <a:t>the</a:t>
+            </a:r>
+            <a:r>
+              <a:rPr lang="es-ES" b="0" dirty="0"/>
+              <a:t> </a:t>
+            </a:r>
+            <a:r>
+              <a:rPr lang="es-ES" b="0" dirty="0" err="1"/>
+              <a:t>logrank</a:t>
+            </a:r>
+            <a:r>
+              <a:rPr lang="es-ES" b="0" dirty="0"/>
+              <a:t> test </a:t>
+            </a:r>
+            <a:r>
+              <a:rPr lang="es-ES" b="0" dirty="0" err="1"/>
+              <a:t>is</a:t>
+            </a:r>
+            <a:r>
+              <a:rPr lang="es-ES" b="0" dirty="0"/>
+              <a:t> more </a:t>
+            </a:r>
+            <a:r>
+              <a:rPr lang="es-ES" b="0" dirty="0" err="1"/>
+              <a:t>powerful</a:t>
+            </a:r>
+            <a:r>
+              <a:rPr lang="es-ES" b="0" dirty="0"/>
+              <a:t>. </a:t>
+            </a:r>
+            <a:r>
+              <a:rPr lang="es-ES" b="0" dirty="0" err="1"/>
+              <a:t>Without</a:t>
+            </a:r>
+            <a:r>
+              <a:rPr lang="es-ES" b="0" dirty="0"/>
+              <a:t> </a:t>
+            </a:r>
+            <a:r>
+              <a:rPr lang="es-ES" b="0" dirty="0" err="1"/>
+              <a:t>it</a:t>
+            </a:r>
+            <a:r>
+              <a:rPr lang="es-ES" b="0" dirty="0"/>
+              <a:t> </a:t>
+            </a:r>
+            <a:r>
+              <a:rPr lang="es-ES" b="0" dirty="0" err="1"/>
+              <a:t>is</a:t>
+            </a:r>
+            <a:r>
+              <a:rPr lang="es-ES" b="0" dirty="0"/>
+              <a:t> </a:t>
+            </a:r>
+            <a:r>
+              <a:rPr lang="es-ES" b="0" dirty="0" err="1"/>
+              <a:t>better</a:t>
+            </a:r>
+            <a:r>
+              <a:rPr lang="es-ES" b="0" dirty="0"/>
+              <a:t> </a:t>
+            </a:r>
+            <a:r>
+              <a:rPr lang="es-ES" b="0" dirty="0" err="1"/>
+              <a:t>to</a:t>
+            </a:r>
+            <a:r>
+              <a:rPr lang="es-ES" b="0" dirty="0"/>
+              <a:t> use Wilcoxon.</a:t>
+            </a:r>
             <a:endParaRPr lang="en-GB" b="0" dirty="0"/>
           </a:p>
         </p:txBody>
@@ -4914,7 +5681,7 @@
     </p:spTree>
     <p:extLst>
       <p:ext uri="{BB962C8B-B14F-4D97-AF65-F5344CB8AC3E}">
-        <p14:creationId xmlns:p14="http://schemas.microsoft.com/office/powerpoint/2010/main" val="1352248156"/>
+        <p14:creationId xmlns:p14="http://schemas.microsoft.com/office/powerpoint/2010/main" val="1437128128"/>
       </p:ext>
     </p:extLst>
   </p:cSld>
@@ -4968,79 +5735,7 @@
           <a:bodyPr/>
           <a:lstStyle/>
           <a:p>
-            <a:r>
-              <a:rPr lang="es-ES" dirty="0" err="1"/>
-              <a:t>For</a:t>
-            </a:r>
-            <a:r>
-              <a:rPr lang="es-ES" dirty="0"/>
-              <a:t> CPK, </a:t>
-            </a:r>
-            <a:r>
-              <a:rPr lang="es-ES" dirty="0" err="1"/>
-              <a:t>the</a:t>
-            </a:r>
-            <a:r>
-              <a:rPr lang="es-ES" dirty="0"/>
-              <a:t> </a:t>
-            </a:r>
-            <a:r>
-              <a:rPr lang="es-ES" dirty="0" err="1"/>
-              <a:t>exact</a:t>
-            </a:r>
-            <a:r>
-              <a:rPr lang="es-ES" dirty="0"/>
-              <a:t> </a:t>
-            </a:r>
-            <a:r>
-              <a:rPr lang="es-ES" dirty="0" err="1"/>
-              <a:t>value</a:t>
-            </a:r>
-            <a:r>
-              <a:rPr lang="es-ES" dirty="0"/>
-              <a:t> </a:t>
-            </a:r>
-            <a:r>
-              <a:rPr lang="es-ES" dirty="0" err="1"/>
-              <a:t>is</a:t>
-            </a:r>
-            <a:r>
-              <a:rPr lang="es-ES" dirty="0"/>
-              <a:t>: </a:t>
-            </a:r>
-            <a:r>
-              <a:rPr lang="es-ES" dirty="0" err="1"/>
-              <a:t>exp</a:t>
-            </a:r>
-            <a:r>
-              <a:rPr lang="es-ES" dirty="0"/>
-              <a:t>(</a:t>
-            </a:r>
-            <a:r>
-              <a:rPr lang="es-ES" dirty="0" err="1"/>
-              <a:t>coef</a:t>
-            </a:r>
-            <a:r>
-              <a:rPr lang="es-ES" dirty="0"/>
-              <a:t>) = 1.000221 -&gt; </a:t>
-            </a:r>
-            <a:r>
-              <a:rPr lang="es-ES" dirty="0" err="1"/>
-              <a:t>significant</a:t>
-            </a:r>
-            <a:r>
-              <a:rPr lang="es-ES" dirty="0"/>
-              <a:t> </a:t>
-            </a:r>
-            <a:r>
-              <a:rPr lang="es-ES" dirty="0" err="1"/>
-              <a:t>risk</a:t>
-            </a:r>
-            <a:r>
-              <a:rPr lang="es-ES" dirty="0"/>
-              <a:t> factor</a:t>
-            </a:r>
-            <a:endParaRPr lang="en-GB" dirty="0"/>
+            <a:endParaRPr lang="en-GB" b="0" dirty="0"/>
           </a:p>
         </p:txBody>
       </p:sp>
@@ -5070,7 +5765,7 @@
     </p:spTree>
     <p:extLst>
       <p:ext uri="{BB962C8B-B14F-4D97-AF65-F5344CB8AC3E}">
-        <p14:creationId xmlns:p14="http://schemas.microsoft.com/office/powerpoint/2010/main" val="2652534523"/>
+        <p14:creationId xmlns:p14="http://schemas.microsoft.com/office/powerpoint/2010/main" val="1352248156"/>
       </p:ext>
     </p:extLst>
   </p:cSld>
@@ -5124,7 +5819,43 @@
           <a:bodyPr/>
           <a:lstStyle/>
           <a:p>
-            <a:endParaRPr lang="en-GB" dirty="0"/>
+            <a:r>
+              <a:rPr lang="es-ES" b="0" dirty="0"/>
+              <a:t>DONE: Show </a:t>
+            </a:r>
+            <a:r>
+              <a:rPr lang="es-ES" b="0" dirty="0" err="1"/>
+              <a:t>some</a:t>
+            </a:r>
+            <a:r>
+              <a:rPr lang="es-ES" b="0" dirty="0"/>
+              <a:t> </a:t>
+            </a:r>
+            <a:r>
+              <a:rPr lang="es-ES" b="0" dirty="0" err="1"/>
+              <a:t>bad</a:t>
+            </a:r>
+            <a:r>
+              <a:rPr lang="es-ES" b="0" dirty="0"/>
+              <a:t> </a:t>
+            </a:r>
+            <a:r>
+              <a:rPr lang="es-ES" b="0" dirty="0" err="1"/>
+              <a:t>examples</a:t>
+            </a:r>
+            <a:r>
+              <a:rPr lang="es-ES" b="0" dirty="0"/>
+              <a:t> </a:t>
+            </a:r>
+            <a:r>
+              <a:rPr lang="es-ES" b="0" dirty="0" err="1"/>
+              <a:t>like</a:t>
+            </a:r>
+            <a:r>
+              <a:rPr lang="es-ES" b="0" dirty="0"/>
+              <a:t> CPK</a:t>
+            </a:r>
+            <a:endParaRPr lang="en-GB" b="0" dirty="0"/>
           </a:p>
         </p:txBody>
       </p:sp>
@@ -5154,7 +5885,7 @@
     </p:spTree>
     <p:extLst>
       <p:ext uri="{BB962C8B-B14F-4D97-AF65-F5344CB8AC3E}">
-        <p14:creationId xmlns:p14="http://schemas.microsoft.com/office/powerpoint/2010/main" val="2530224052"/>
+        <p14:creationId xmlns:p14="http://schemas.microsoft.com/office/powerpoint/2010/main" val="3595966724"/>
       </p:ext>
     </p:extLst>
   </p:cSld>
@@ -5381,7 +6112,7 @@
           <a:p>
             <a:fld id="{A1B2EB48-0D68-46EB-BB33-70996AFA08CC}" type="datetimeFigureOut">
               <a:rPr lang="en-GB" smtClean="0"/>
-              <a:t>02/06/2023</a:t>
+              <a:t>04/06/2023</a:t>
             </a:fld>
             <a:endParaRPr lang="en-GB"/>
           </a:p>
@@ -5716,7 +6447,7 @@
           <a:p>
             <a:fld id="{A1B2EB48-0D68-46EB-BB33-70996AFA08CC}" type="datetimeFigureOut">
               <a:rPr lang="en-GB" smtClean="0"/>
-              <a:t>02/06/2023</a:t>
+              <a:t>04/06/2023</a:t>
             </a:fld>
             <a:endParaRPr lang="en-GB"/>
           </a:p>
@@ -6019,7 +6750,7 @@
           <a:p>
             <a:fld id="{A1B2EB48-0D68-46EB-BB33-70996AFA08CC}" type="datetimeFigureOut">
               <a:rPr lang="en-GB" smtClean="0"/>
-              <a:t>02/06/2023</a:t>
+              <a:t>04/06/2023</a:t>
             </a:fld>
             <a:endParaRPr lang="en-GB"/>
           </a:p>
@@ -6267,7 +6998,7 @@
           <a:p>
             <a:fld id="{A1B2EB48-0D68-46EB-BB33-70996AFA08CC}" type="datetimeFigureOut">
               <a:rPr lang="en-GB" smtClean="0"/>
-              <a:t>02/06/2023</a:t>
+              <a:t>04/06/2023</a:t>
             </a:fld>
             <a:endParaRPr lang="en-GB"/>
           </a:p>
@@ -6675,7 +7406,7 @@
           <a:p>
             <a:fld id="{A1B2EB48-0D68-46EB-BB33-70996AFA08CC}" type="datetimeFigureOut">
               <a:rPr lang="en-GB" smtClean="0"/>
-              <a:t>02/06/2023</a:t>
+              <a:t>04/06/2023</a:t>
             </a:fld>
             <a:endParaRPr lang="en-GB"/>
           </a:p>
@@ -6990,7 +7721,7 @@
           <a:p>
             <a:fld id="{A1B2EB48-0D68-46EB-BB33-70996AFA08CC}" type="datetimeFigureOut">
               <a:rPr lang="en-GB" smtClean="0"/>
-              <a:t>02/06/2023</a:t>
+              <a:t>04/06/2023</a:t>
             </a:fld>
             <a:endParaRPr lang="en-GB"/>
           </a:p>
@@ -7535,7 +8266,7 @@
           <a:p>
             <a:fld id="{A1B2EB48-0D68-46EB-BB33-70996AFA08CC}" type="datetimeFigureOut">
               <a:rPr lang="en-GB" smtClean="0"/>
-              <a:t>02/06/2023</a:t>
+              <a:t>04/06/2023</a:t>
             </a:fld>
             <a:endParaRPr lang="en-GB"/>
           </a:p>
@@ -7731,7 +8462,7 @@
           <a:p>
             <a:fld id="{A1B2EB48-0D68-46EB-BB33-70996AFA08CC}" type="datetimeFigureOut">
               <a:rPr lang="en-GB" smtClean="0"/>
-              <a:t>02/06/2023</a:t>
+              <a:t>04/06/2023</a:t>
             </a:fld>
             <a:endParaRPr lang="en-GB"/>
           </a:p>
@@ -7945,7 +8676,7 @@
           <a:p>
             <a:fld id="{A1B2EB48-0D68-46EB-BB33-70996AFA08CC}" type="datetimeFigureOut">
               <a:rPr lang="en-GB" smtClean="0"/>
-              <a:t>02/06/2023</a:t>
+              <a:t>04/06/2023</a:t>
             </a:fld>
             <a:endParaRPr lang="en-GB"/>
           </a:p>
@@ -8315,7 +9046,7 @@
           <a:p>
             <a:fld id="{A1B2EB48-0D68-46EB-BB33-70996AFA08CC}" type="datetimeFigureOut">
               <a:rPr lang="en-GB" smtClean="0"/>
-              <a:t>02/06/2023</a:t>
+              <a:t>04/06/2023</a:t>
             </a:fld>
             <a:endParaRPr lang="en-GB"/>
           </a:p>
@@ -8719,7 +9450,7 @@
           <a:p>
             <a:fld id="{A1B2EB48-0D68-46EB-BB33-70996AFA08CC}" type="datetimeFigureOut">
               <a:rPr lang="en-GB" smtClean="0"/>
-              <a:t>02/06/2023</a:t>
+              <a:t>04/06/2023</a:t>
             </a:fld>
             <a:endParaRPr lang="en-GB"/>
           </a:p>
@@ -9031,7 +9762,7 @@
           <a:p>
             <a:fld id="{A1B2EB48-0D68-46EB-BB33-70996AFA08CC}" type="datetimeFigureOut">
               <a:rPr lang="en-GB" smtClean="0"/>
-              <a:t>02/06/2023</a:t>
+              <a:t>04/06/2023</a:t>
             </a:fld>
             <a:endParaRPr lang="en-GB"/>
           </a:p>
@@ -9649,7 +10380,7 @@
             </a:pPr>
             <a:r>
               <a:rPr lang="en-GB" dirty="0"/>
-              <a:t>Sebastian </a:t>
+              <a:t>Sebastian Benno </a:t>
             </a:r>
             <a:r>
               <a:rPr lang="en-GB" dirty="0" err="1"/>
@@ -9676,7 +10407,7 @@
             </a:r>
             <a:r>
               <a:rPr lang="en-GB" dirty="0"/>
-              <a:t> </a:t>
+              <a:t> Reyes </a:t>
             </a:r>
           </a:p>
           <a:p>
@@ -9744,7 +10475,7 @@
           <p:cNvPr id="2" name="Title 1">
             <a:extLst>
               <a:ext uri="{FF2B5EF4-FFF2-40B4-BE49-F238E27FC236}">
-                <a16:creationId xmlns:a16="http://schemas.microsoft.com/office/drawing/2014/main" id="{497E08B4-1A21-5C4A-FF59-0254370A8800}"/>
+                <a16:creationId xmlns:a16="http://schemas.microsoft.com/office/drawing/2014/main" id="{9CEF219F-A752-AF3A-FEDC-8EB897838D43}"/>
               </a:ext>
             </a:extLst>
           </p:cNvPr>
@@ -9762,7 +10493,7 @@
           <a:p>
             <a:r>
               <a:rPr lang="es-ES" dirty="0" err="1"/>
-              <a:t>iii</a:t>
+              <a:t>ii</a:t>
             </a:r>
             <a:r>
               <a:rPr lang="es-ES" dirty="0"/>
@@ -9770,34 +10501,57 @@
             </a:r>
             <a:r>
               <a:rPr lang="es-ES" dirty="0" err="1"/>
-              <a:t>Multivariate</a:t>
-            </a:r>
-            <a:r>
-              <a:rPr lang="es-ES" dirty="0"/>
-              <a:t> Cox </a:t>
-            </a:r>
-            <a:r>
-              <a:rPr lang="es-ES" dirty="0" err="1"/>
-              <a:t>regression</a:t>
-            </a:r>
-            <a:r>
-              <a:rPr lang="es-ES" dirty="0"/>
-              <a:t> </a:t>
-            </a:r>
-            <a:r>
-              <a:rPr lang="es-ES" dirty="0" err="1"/>
-              <a:t>model</a:t>
-            </a:r>
-            <a:br>
-              <a:rPr lang="es-ES" dirty="0"/>
-            </a:br>
-            <a:r>
-              <a:rPr lang="es-ES" dirty="0"/>
-              <a:t>A. Base </a:t>
-            </a:r>
-            <a:r>
-              <a:rPr lang="es-ES" dirty="0" err="1"/>
-              <a:t>model</a:t>
+              <a:t>Univariate</a:t>
+            </a:r>
+            <a:r>
+              <a:rPr lang="es-ES" dirty="0"/>
+              <a:t> </a:t>
+            </a:r>
+            <a:r>
+              <a:rPr lang="es-ES" dirty="0" err="1"/>
+              <a:t>analysis</a:t>
+            </a:r>
+            <a:endParaRPr lang="en-GB" dirty="0"/>
+          </a:p>
+        </p:txBody>
+      </p:sp>
+      <p:sp>
+        <p:nvSpPr>
+          <p:cNvPr id="7" name="Content Placeholder 6">
+            <a:extLst>
+              <a:ext uri="{FF2B5EF4-FFF2-40B4-BE49-F238E27FC236}">
+                <a16:creationId xmlns:a16="http://schemas.microsoft.com/office/drawing/2014/main" id="{38434C18-E629-8B9D-4E85-3B193564F614}"/>
+              </a:ext>
+            </a:extLst>
+          </p:cNvPr>
+          <p:cNvSpPr>
+            <a:spLocks noGrp="1"/>
+          </p:cNvSpPr>
+          <p:nvPr>
+            <p:ph idx="1"/>
+          </p:nvPr>
+        </p:nvSpPr>
+        <p:spPr>
+          <a:xfrm>
+            <a:off x="2197729" y="1346670"/>
+            <a:ext cx="7796540" cy="895621"/>
+          </a:xfrm>
+        </p:spPr>
+        <p:txBody>
+          <a:bodyPr/>
+          <a:lstStyle/>
+          <a:p>
+            <a:r>
+              <a:rPr lang="es-ES" b="1" dirty="0" err="1"/>
+              <a:t>Fitting</a:t>
+            </a:r>
+            <a:r>
+              <a:rPr lang="es-ES" b="1" dirty="0"/>
+              <a:t> KM vs. Cox</a:t>
+            </a:r>
+            <a:r>
+              <a:rPr lang="es-ES" dirty="0"/>
+              <a:t>:</a:t>
             </a:r>
             <a:endParaRPr lang="en-GB" dirty="0"/>
           </a:p>
@@ -9808,7 +10562,7 @@
           <p:cNvPr id="4" name="Picture 3">
             <a:extLst>
               <a:ext uri="{FF2B5EF4-FFF2-40B4-BE49-F238E27FC236}">
-                <a16:creationId xmlns:a16="http://schemas.microsoft.com/office/drawing/2014/main" id="{755555F1-081E-F6D6-A388-D039EDDF956A}"/>
+                <a16:creationId xmlns:a16="http://schemas.microsoft.com/office/drawing/2014/main" id="{D0F543CC-75E1-85C8-3A06-00BC5D714534}"/>
               </a:ext>
             </a:extLst>
           </p:cNvPr>
@@ -9825,8 +10579,8 @@
         </p:blipFill>
         <p:spPr>
           <a:xfrm>
-            <a:off x="1223375" y="2104246"/>
-            <a:ext cx="4572000" cy="4572000"/>
+            <a:off x="7960321" y="2242291"/>
+            <a:ext cx="3291694" cy="3291694"/>
           </a:xfrm>
           <a:prstGeom prst="rect">
             <a:avLst/>
@@ -9838,7 +10592,7 @@
           <p:cNvPr id="6" name="Picture 5">
             <a:extLst>
               <a:ext uri="{FF2B5EF4-FFF2-40B4-BE49-F238E27FC236}">
-                <a16:creationId xmlns:a16="http://schemas.microsoft.com/office/drawing/2014/main" id="{6C341124-2E2F-A537-88CC-4904C85A4DCD}"/>
+                <a16:creationId xmlns:a16="http://schemas.microsoft.com/office/drawing/2014/main" id="{D4145D2D-23AC-AB5C-368A-11068A15779B}"/>
               </a:ext>
             </a:extLst>
           </p:cNvPr>
@@ -9855,14 +10609,517 @@
         </p:blipFill>
         <p:spPr>
           <a:xfrm>
-            <a:off x="1206674" y="1667078"/>
-            <a:ext cx="4572001" cy="313051"/>
+            <a:off x="1102654" y="2232756"/>
+            <a:ext cx="3278574" cy="3278574"/>
           </a:xfrm>
           <a:prstGeom prst="rect">
             <a:avLst/>
           </a:prstGeom>
         </p:spPr>
       </p:pic>
+      <p:pic>
+        <p:nvPicPr>
+          <p:cNvPr id="9" name="Picture 8">
+            <a:extLst>
+              <a:ext uri="{FF2B5EF4-FFF2-40B4-BE49-F238E27FC236}">
+                <a16:creationId xmlns:a16="http://schemas.microsoft.com/office/drawing/2014/main" id="{9FC6682C-ED6B-1F30-0169-B0817D0C03CD}"/>
+              </a:ext>
+            </a:extLst>
+          </p:cNvPr>
+          <p:cNvPicPr>
+            <a:picLocks noChangeAspect="1"/>
+          </p:cNvPicPr>
+          <p:nvPr/>
+        </p:nvPicPr>
+        <p:blipFill>
+          <a:blip r:embed="rId5"/>
+          <a:stretch>
+            <a:fillRect/>
+          </a:stretch>
+        </p:blipFill>
+        <p:spPr>
+          <a:xfrm>
+            <a:off x="4538047" y="2232756"/>
+            <a:ext cx="3278574" cy="3278574"/>
+          </a:xfrm>
+          <a:prstGeom prst="rect">
+            <a:avLst/>
+          </a:prstGeom>
+        </p:spPr>
+      </p:pic>
+    </p:spTree>
+    <p:extLst>
+      <p:ext uri="{BB962C8B-B14F-4D97-AF65-F5344CB8AC3E}">
+        <p14:creationId xmlns:p14="http://schemas.microsoft.com/office/powerpoint/2010/main" val="2977306387"/>
+      </p:ext>
+    </p:extLst>
+  </p:cSld>
+  <p:clrMapOvr>
+    <a:masterClrMapping/>
+  </p:clrMapOvr>
+</p:sld>
+</file>
+
+<file path=ppt/slides/slide11.xml><?xml version="1.0" encoding="utf-8"?>
+<p:sld xmlns:a="http://schemas.openxmlformats.org/drawingml/2006/main" xmlns:r="http://schemas.openxmlformats.org/officeDocument/2006/relationships" xmlns:p="http://schemas.openxmlformats.org/presentationml/2006/main">
+  <p:cSld>
+    <p:spTree>
+      <p:nvGrpSpPr>
+        <p:cNvPr id="1" name=""/>
+        <p:cNvGrpSpPr/>
+        <p:nvPr/>
+      </p:nvGrpSpPr>
+      <p:grpSpPr>
+        <a:xfrm>
+          <a:off x="0" y="0"/>
+          <a:ext cx="0" cy="0"/>
+          <a:chOff x="0" y="0"/>
+          <a:chExt cx="0" cy="0"/>
+        </a:xfrm>
+      </p:grpSpPr>
+      <p:sp>
+        <p:nvSpPr>
+          <p:cNvPr id="2" name="Title 1">
+            <a:extLst>
+              <a:ext uri="{FF2B5EF4-FFF2-40B4-BE49-F238E27FC236}">
+                <a16:creationId xmlns:a16="http://schemas.microsoft.com/office/drawing/2014/main" id="{497E08B4-1A21-5C4A-FF59-0254370A8800}"/>
+              </a:ext>
+            </a:extLst>
+          </p:cNvPr>
+          <p:cNvSpPr>
+            <a:spLocks noGrp="1"/>
+          </p:cNvSpPr>
+          <p:nvPr>
+            <p:ph type="title"/>
+          </p:nvPr>
+        </p:nvSpPr>
+        <p:spPr/>
+        <p:txBody>
+          <a:bodyPr/>
+          <a:lstStyle/>
+          <a:p>
+            <a:r>
+              <a:rPr lang="es-ES" dirty="0" err="1"/>
+              <a:t>iii</a:t>
+            </a:r>
+            <a:r>
+              <a:rPr lang="es-ES" dirty="0"/>
+              <a:t>. </a:t>
+            </a:r>
+            <a:r>
+              <a:rPr lang="es-ES" dirty="0" err="1"/>
+              <a:t>Multivariate</a:t>
+            </a:r>
+            <a:r>
+              <a:rPr lang="es-ES" dirty="0"/>
+              <a:t> Cox </a:t>
+            </a:r>
+            <a:r>
+              <a:rPr lang="es-ES" dirty="0" err="1"/>
+              <a:t>regression</a:t>
+            </a:r>
+            <a:r>
+              <a:rPr lang="es-ES" dirty="0"/>
+              <a:t> </a:t>
+            </a:r>
+            <a:r>
+              <a:rPr lang="es-ES" dirty="0" err="1"/>
+              <a:t>model</a:t>
+            </a:r>
+            <a:br>
+              <a:rPr lang="es-ES" dirty="0"/>
+            </a:br>
+            <a:r>
+              <a:rPr lang="es-ES" dirty="0"/>
+              <a:t>A. Base </a:t>
+            </a:r>
+            <a:r>
+              <a:rPr lang="es-ES" dirty="0" err="1"/>
+              <a:t>model</a:t>
+            </a:r>
+            <a:endParaRPr lang="en-GB" dirty="0"/>
+          </a:p>
+        </p:txBody>
+      </p:sp>
+      <p:pic>
+        <p:nvPicPr>
+          <p:cNvPr id="8" name="Picture 7">
+            <a:extLst>
+              <a:ext uri="{FF2B5EF4-FFF2-40B4-BE49-F238E27FC236}">
+                <a16:creationId xmlns:a16="http://schemas.microsoft.com/office/drawing/2014/main" id="{A30CBB7A-1EB9-0A6D-51B4-3AC5B27C270F}"/>
+              </a:ext>
+            </a:extLst>
+          </p:cNvPr>
+          <p:cNvPicPr>
+            <a:picLocks noChangeAspect="1"/>
+          </p:cNvPicPr>
+          <p:nvPr/>
+        </p:nvPicPr>
+        <p:blipFill>
+          <a:blip r:embed="rId3"/>
+          <a:stretch>
+            <a:fillRect/>
+          </a:stretch>
+        </p:blipFill>
+        <p:spPr>
+          <a:xfrm>
+            <a:off x="1168921" y="1572135"/>
+            <a:ext cx="6059905" cy="479921"/>
+          </a:xfrm>
+          <a:prstGeom prst="rect">
+            <a:avLst/>
+          </a:prstGeom>
+        </p:spPr>
+      </p:pic>
+      <p:pic>
+        <p:nvPicPr>
+          <p:cNvPr id="10" name="Picture 9">
+            <a:extLst>
+              <a:ext uri="{FF2B5EF4-FFF2-40B4-BE49-F238E27FC236}">
+                <a16:creationId xmlns:a16="http://schemas.microsoft.com/office/drawing/2014/main" id="{93918629-06E7-5106-3F99-C27FCC165D06}"/>
+              </a:ext>
+            </a:extLst>
+          </p:cNvPr>
+          <p:cNvPicPr>
+            <a:picLocks noChangeAspect="1"/>
+          </p:cNvPicPr>
+          <p:nvPr/>
+        </p:nvPicPr>
+        <p:blipFill>
+          <a:blip r:embed="rId4"/>
+          <a:stretch>
+            <a:fillRect/>
+          </a:stretch>
+        </p:blipFill>
+        <p:spPr>
+          <a:xfrm>
+            <a:off x="1168921" y="2195813"/>
+            <a:ext cx="6059905" cy="3540981"/>
+          </a:xfrm>
+          <a:prstGeom prst="rect">
+            <a:avLst/>
+          </a:prstGeom>
+        </p:spPr>
+      </p:pic>
+      <p:pic>
+        <p:nvPicPr>
+          <p:cNvPr id="18" name="Picture 17">
+            <a:extLst>
+              <a:ext uri="{FF2B5EF4-FFF2-40B4-BE49-F238E27FC236}">
+                <a16:creationId xmlns:a16="http://schemas.microsoft.com/office/drawing/2014/main" id="{279F2486-289C-FE77-D752-22634B8DAECD}"/>
+              </a:ext>
+            </a:extLst>
+          </p:cNvPr>
+          <p:cNvPicPr>
+            <a:picLocks noChangeAspect="1"/>
+          </p:cNvPicPr>
+          <p:nvPr/>
+        </p:nvPicPr>
+        <p:blipFill>
+          <a:blip r:embed="rId5"/>
+          <a:stretch>
+            <a:fillRect/>
+          </a:stretch>
+        </p:blipFill>
+        <p:spPr>
+          <a:xfrm>
+            <a:off x="7342399" y="1892022"/>
+            <a:ext cx="3093988" cy="160034"/>
+          </a:xfrm>
+          <a:prstGeom prst="rect">
+            <a:avLst/>
+          </a:prstGeom>
+        </p:spPr>
+      </p:pic>
+      <p:pic>
+        <p:nvPicPr>
+          <p:cNvPr id="24" name="Picture 23">
+            <a:extLst>
+              <a:ext uri="{FF2B5EF4-FFF2-40B4-BE49-F238E27FC236}">
+                <a16:creationId xmlns:a16="http://schemas.microsoft.com/office/drawing/2014/main" id="{EADBC34E-9B58-7E6E-2D57-D76381B3C42B}"/>
+              </a:ext>
+            </a:extLst>
+          </p:cNvPr>
+          <p:cNvPicPr>
+            <a:picLocks noChangeAspect="1"/>
+          </p:cNvPicPr>
+          <p:nvPr/>
+        </p:nvPicPr>
+        <p:blipFill>
+          <a:blip r:embed="rId6"/>
+          <a:stretch>
+            <a:fillRect/>
+          </a:stretch>
+        </p:blipFill>
+        <p:spPr>
+          <a:xfrm>
+            <a:off x="7342399" y="2195812"/>
+            <a:ext cx="3907290" cy="3540982"/>
+          </a:xfrm>
+          <a:prstGeom prst="rect">
+            <a:avLst/>
+          </a:prstGeom>
+        </p:spPr>
+      </p:pic>
+      <p:sp>
+        <p:nvSpPr>
+          <p:cNvPr id="27" name="TextBox 26">
+            <a:extLst>
+              <a:ext uri="{FF2B5EF4-FFF2-40B4-BE49-F238E27FC236}">
+                <a16:creationId xmlns:a16="http://schemas.microsoft.com/office/drawing/2014/main" id="{453E651C-77D0-0470-10FA-8D90E1A97A08}"/>
+              </a:ext>
+            </a:extLst>
+          </p:cNvPr>
+          <p:cNvSpPr txBox="1"/>
+          <p:nvPr/>
+        </p:nvSpPr>
+        <p:spPr>
+          <a:xfrm>
+            <a:off x="1168921" y="5880550"/>
+            <a:ext cx="8517698" cy="923330"/>
+          </a:xfrm>
+          <a:prstGeom prst="rect">
+            <a:avLst/>
+          </a:prstGeom>
+          <a:noFill/>
+        </p:spPr>
+        <p:txBody>
+          <a:bodyPr wrap="square" rtlCol="0">
+            <a:spAutoFit/>
+          </a:bodyPr>
+          <a:lstStyle/>
+          <a:p>
+            <a:r>
+              <a:rPr lang="es-ES" dirty="0" err="1"/>
+              <a:t>Significant</a:t>
+            </a:r>
+            <a:r>
+              <a:rPr lang="es-ES" dirty="0"/>
+              <a:t> </a:t>
+            </a:r>
+            <a:r>
+              <a:rPr lang="es-ES" dirty="0" err="1"/>
+              <a:t>risk</a:t>
+            </a:r>
+            <a:r>
+              <a:rPr lang="es-ES" dirty="0"/>
+              <a:t> </a:t>
+            </a:r>
+            <a:r>
+              <a:rPr lang="es-ES" dirty="0" err="1"/>
+              <a:t>factors</a:t>
+            </a:r>
+            <a:r>
+              <a:rPr lang="es-ES" dirty="0"/>
+              <a:t>: </a:t>
+            </a:r>
+            <a:r>
+              <a:rPr lang="es-ES" i="1" dirty="0">
+                <a:solidFill>
+                  <a:srgbClr val="FFFF00"/>
+                </a:solidFill>
+              </a:rPr>
+              <a:t>Age</a:t>
+            </a:r>
+            <a:r>
+              <a:rPr lang="es-ES" dirty="0"/>
+              <a:t>, </a:t>
+            </a:r>
+            <a:r>
+              <a:rPr lang="es-ES" i="1" dirty="0" err="1">
+                <a:solidFill>
+                  <a:srgbClr val="FFFF00"/>
+                </a:solidFill>
+              </a:rPr>
+              <a:t>Creatinine</a:t>
+            </a:r>
+            <a:r>
+              <a:rPr lang="es-ES" dirty="0"/>
+              <a:t>, </a:t>
+            </a:r>
+            <a:r>
+              <a:rPr lang="es-ES" i="1" dirty="0">
+                <a:solidFill>
+                  <a:srgbClr val="FFFF00"/>
+                </a:solidFill>
+              </a:rPr>
+              <a:t>BP</a:t>
+            </a:r>
+            <a:r>
+              <a:rPr lang="es-ES" dirty="0"/>
+              <a:t>, </a:t>
+            </a:r>
+            <a:r>
+              <a:rPr lang="es-ES" i="1" dirty="0" err="1">
+                <a:solidFill>
+                  <a:srgbClr val="FFFF00"/>
+                </a:solidFill>
+              </a:rPr>
+              <a:t>Anaemia</a:t>
+            </a:r>
+            <a:r>
+              <a:rPr lang="es-ES" dirty="0"/>
+              <a:t>,</a:t>
+            </a:r>
+            <a:r>
+              <a:rPr lang="es-ES" i="1" dirty="0">
+                <a:solidFill>
+                  <a:srgbClr val="FFFF00"/>
+                </a:solidFill>
+              </a:rPr>
+              <a:t> CPK</a:t>
+            </a:r>
+          </a:p>
+          <a:p>
+            <a:r>
+              <a:rPr lang="es-ES" dirty="0" err="1"/>
+              <a:t>Significant</a:t>
+            </a:r>
+            <a:r>
+              <a:rPr lang="es-ES" dirty="0"/>
+              <a:t> </a:t>
+            </a:r>
+            <a:r>
+              <a:rPr lang="es-ES" dirty="0" err="1"/>
+              <a:t>protective</a:t>
+            </a:r>
+            <a:r>
+              <a:rPr lang="es-ES" dirty="0"/>
+              <a:t> </a:t>
+            </a:r>
+            <a:r>
+              <a:rPr lang="es-ES" dirty="0" err="1"/>
+              <a:t>factors</a:t>
+            </a:r>
+            <a:r>
+              <a:rPr lang="es-ES" dirty="0"/>
+              <a:t>: </a:t>
+            </a:r>
+            <a:r>
+              <a:rPr lang="es-ES" i="1" dirty="0" err="1">
+                <a:solidFill>
+                  <a:srgbClr val="FFFF00"/>
+                </a:solidFill>
+              </a:rPr>
+              <a:t>Ejection.Fraction</a:t>
+            </a:r>
+            <a:endParaRPr lang="es-ES" dirty="0"/>
+          </a:p>
+          <a:p>
+            <a:r>
+              <a:rPr lang="es-ES" dirty="0" err="1"/>
+              <a:t>Borderline</a:t>
+            </a:r>
+            <a:r>
+              <a:rPr lang="es-ES" dirty="0"/>
+              <a:t> cases: </a:t>
+            </a:r>
+            <a:r>
+              <a:rPr lang="es-ES" i="1" dirty="0" err="1">
+                <a:solidFill>
+                  <a:srgbClr val="FFFF00"/>
+                </a:solidFill>
+              </a:rPr>
+              <a:t>Sodium</a:t>
+            </a:r>
+            <a:endParaRPr lang="en-GB" dirty="0"/>
+          </a:p>
+        </p:txBody>
+      </p:sp>
+    </p:spTree>
+    <p:extLst>
+      <p:ext uri="{BB962C8B-B14F-4D97-AF65-F5344CB8AC3E}">
+        <p14:creationId xmlns:p14="http://schemas.microsoft.com/office/powerpoint/2010/main" val="2082576824"/>
+      </p:ext>
+    </p:extLst>
+  </p:cSld>
+  <p:clrMapOvr>
+    <a:masterClrMapping/>
+  </p:clrMapOvr>
+</p:sld>
+</file>
+
+<file path=ppt/slides/slide12.xml><?xml version="1.0" encoding="utf-8"?>
+<p:sld xmlns:a="http://schemas.openxmlformats.org/drawingml/2006/main" xmlns:r="http://schemas.openxmlformats.org/officeDocument/2006/relationships" xmlns:p="http://schemas.openxmlformats.org/presentationml/2006/main">
+  <p:cSld>
+    <p:spTree>
+      <p:nvGrpSpPr>
+        <p:cNvPr id="1" name=""/>
+        <p:cNvGrpSpPr/>
+        <p:nvPr/>
+      </p:nvGrpSpPr>
+      <p:grpSpPr>
+        <a:xfrm>
+          <a:off x="0" y="0"/>
+          <a:ext cx="0" cy="0"/>
+          <a:chOff x="0" y="0"/>
+          <a:chExt cx="0" cy="0"/>
+        </a:xfrm>
+      </p:grpSpPr>
+      <p:sp>
+        <p:nvSpPr>
+          <p:cNvPr id="2" name="Title 1">
+            <a:extLst>
+              <a:ext uri="{FF2B5EF4-FFF2-40B4-BE49-F238E27FC236}">
+                <a16:creationId xmlns:a16="http://schemas.microsoft.com/office/drawing/2014/main" id="{497E08B4-1A21-5C4A-FF59-0254370A8800}"/>
+              </a:ext>
+            </a:extLst>
+          </p:cNvPr>
+          <p:cNvSpPr>
+            <a:spLocks noGrp="1"/>
+          </p:cNvSpPr>
+          <p:nvPr>
+            <p:ph type="title"/>
+          </p:nvPr>
+        </p:nvSpPr>
+        <p:spPr/>
+        <p:txBody>
+          <a:bodyPr/>
+          <a:lstStyle/>
+          <a:p>
+            <a:r>
+              <a:rPr lang="es-ES" dirty="0" err="1"/>
+              <a:t>iii</a:t>
+            </a:r>
+            <a:r>
+              <a:rPr lang="es-ES" dirty="0"/>
+              <a:t>. </a:t>
+            </a:r>
+            <a:r>
+              <a:rPr lang="es-ES" dirty="0" err="1"/>
+              <a:t>Multivariate</a:t>
+            </a:r>
+            <a:r>
+              <a:rPr lang="es-ES" dirty="0"/>
+              <a:t> Cox </a:t>
+            </a:r>
+            <a:r>
+              <a:rPr lang="es-ES" dirty="0" err="1"/>
+              <a:t>regression</a:t>
+            </a:r>
+            <a:r>
+              <a:rPr lang="es-ES" dirty="0"/>
+              <a:t> </a:t>
+            </a:r>
+            <a:r>
+              <a:rPr lang="es-ES" dirty="0" err="1"/>
+              <a:t>model</a:t>
+            </a:r>
+            <a:br>
+              <a:rPr lang="es-ES" dirty="0"/>
+            </a:br>
+            <a:r>
+              <a:rPr lang="es-ES" dirty="0"/>
+              <a:t>A. Base </a:t>
+            </a:r>
+            <a:r>
+              <a:rPr lang="es-ES" dirty="0" err="1"/>
+              <a:t>model</a:t>
+            </a:r>
+            <a:endParaRPr lang="en-GB" dirty="0"/>
+          </a:p>
+        </p:txBody>
+      </p:sp>
       <p:sp>
         <p:nvSpPr>
           <p:cNvPr id="7" name="TextBox 6">
@@ -9877,7 +11134,7 @@
         </p:nvSpPr>
         <p:spPr>
           <a:xfrm>
-            <a:off x="6590973" y="3466916"/>
+            <a:off x="6096000" y="3941926"/>
             <a:ext cx="4296427" cy="1200329"/>
           </a:xfrm>
           <a:prstGeom prst="rect">
@@ -10007,6 +11264,66 @@
           </a:p>
         </p:txBody>
       </p:sp>
+      <p:pic>
+        <p:nvPicPr>
+          <p:cNvPr id="5" name="Picture 4">
+            <a:extLst>
+              <a:ext uri="{FF2B5EF4-FFF2-40B4-BE49-F238E27FC236}">
+                <a16:creationId xmlns:a16="http://schemas.microsoft.com/office/drawing/2014/main" id="{BF31C5AC-9882-3BAC-EE59-64609A9E178F}"/>
+              </a:ext>
+            </a:extLst>
+          </p:cNvPr>
+          <p:cNvPicPr>
+            <a:picLocks noChangeAspect="1"/>
+          </p:cNvPicPr>
+          <p:nvPr/>
+        </p:nvPicPr>
+        <p:blipFill>
+          <a:blip r:embed="rId3"/>
+          <a:stretch>
+            <a:fillRect/>
+          </a:stretch>
+        </p:blipFill>
+        <p:spPr>
+          <a:xfrm>
+            <a:off x="1206674" y="2393878"/>
+            <a:ext cx="4296427" cy="4296427"/>
+          </a:xfrm>
+          <a:prstGeom prst="rect">
+            <a:avLst/>
+          </a:prstGeom>
+        </p:spPr>
+      </p:pic>
+      <p:pic>
+        <p:nvPicPr>
+          <p:cNvPr id="9" name="Picture 8">
+            <a:extLst>
+              <a:ext uri="{FF2B5EF4-FFF2-40B4-BE49-F238E27FC236}">
+                <a16:creationId xmlns:a16="http://schemas.microsoft.com/office/drawing/2014/main" id="{E23C77E9-CE6E-56BE-0599-73DB0A73FCC9}"/>
+              </a:ext>
+            </a:extLst>
+          </p:cNvPr>
+          <p:cNvPicPr>
+            <a:picLocks noChangeAspect="1"/>
+          </p:cNvPicPr>
+          <p:nvPr/>
+        </p:nvPicPr>
+        <p:blipFill>
+          <a:blip r:embed="rId4"/>
+          <a:stretch>
+            <a:fillRect/>
+          </a:stretch>
+        </p:blipFill>
+        <p:spPr>
+          <a:xfrm>
+            <a:off x="1206674" y="1885285"/>
+            <a:ext cx="6400626" cy="430624"/>
+          </a:xfrm>
+          <a:prstGeom prst="rect">
+            <a:avLst/>
+          </a:prstGeom>
+        </p:spPr>
+      </p:pic>
     </p:spTree>
     <p:extLst>
       <p:ext uri="{BB962C8B-B14F-4D97-AF65-F5344CB8AC3E}">
@@ -10020,7 +11337,7 @@
 </p:sld>
 </file>
 
-<file path=ppt/slides/slide11.xml><?xml version="1.0" encoding="utf-8"?>
+<file path=ppt/slides/slide13.xml><?xml version="1.0" encoding="utf-8"?>
 <p:sld xmlns:a="http://schemas.openxmlformats.org/drawingml/2006/main" xmlns:r="http://schemas.openxmlformats.org/officeDocument/2006/relationships" xmlns:p="http://schemas.openxmlformats.org/presentationml/2006/main">
   <p:cSld>
     <p:spTree>
@@ -10571,7 +11888,7 @@
 </p:sld>
 </file>
 
-<file path=ppt/slides/slide12.xml><?xml version="1.0" encoding="utf-8"?>
+<file path=ppt/slides/slide14.xml><?xml version="1.0" encoding="utf-8"?>
 <p:sld xmlns:a="http://schemas.openxmlformats.org/drawingml/2006/main" xmlns:r="http://schemas.openxmlformats.org/officeDocument/2006/relationships" xmlns:p="http://schemas.openxmlformats.org/presentationml/2006/main">
   <p:cSld>
     <p:spTree>
@@ -10780,7 +12097,7 @@
             </a:pPr>
             <a:r>
               <a:rPr lang="en-US" dirty="0"/>
-              <a:t>However, the Schoenfeld residuals show a mixed </a:t>
+              <a:t>Generally, the Schoenfeld residuals show a mixed </a:t>
             </a:r>
             <a:r>
               <a:rPr lang="en-US" dirty="0" err="1"/>
@@ -10957,7 +12274,7 @@
 </p:sld>
 </file>
 
-<file path=ppt/slides/slide13.xml><?xml version="1.0" encoding="utf-8"?>
+<file path=ppt/slides/slide15.xml><?xml version="1.0" encoding="utf-8"?>
 <p:sld xmlns:a="http://schemas.openxmlformats.org/drawingml/2006/main" xmlns:r="http://schemas.openxmlformats.org/officeDocument/2006/relationships" xmlns:p="http://schemas.openxmlformats.org/presentationml/2006/main">
   <p:cSld>
     <p:spTree>
@@ -11062,12 +12379,317 @@
           </a:p>
         </p:txBody>
       </p:sp>
+      <p:sp>
+        <p:nvSpPr>
+          <p:cNvPr id="9" name="TextBox 8">
+            <a:extLst>
+              <a:ext uri="{FF2B5EF4-FFF2-40B4-BE49-F238E27FC236}">
+                <a16:creationId xmlns:a16="http://schemas.microsoft.com/office/drawing/2014/main" id="{C20DADFE-7887-4409-A3B2-77E87B80935D}"/>
+              </a:ext>
+            </a:extLst>
+          </p:cNvPr>
+          <p:cNvSpPr txBox="1"/>
+          <p:nvPr/>
+        </p:nvSpPr>
+        <p:spPr>
+          <a:xfrm>
+            <a:off x="7784431" y="2448828"/>
+            <a:ext cx="3489158" cy="2862322"/>
+          </a:xfrm>
+          <a:prstGeom prst="rect">
+            <a:avLst/>
+          </a:prstGeom>
+          <a:noFill/>
+        </p:spPr>
+        <p:txBody>
+          <a:bodyPr wrap="square" rtlCol="0">
+            <a:spAutoFit/>
+          </a:bodyPr>
+          <a:lstStyle/>
+          <a:p>
+            <a:pPr marL="285750" indent="-285750">
+              <a:buFont typeface="Arial" panose="020B0604020202020204" pitchFamily="34" charset="0"/>
+              <a:buChar char="•"/>
+            </a:pPr>
+            <a:r>
+              <a:rPr lang="es-ES" dirty="0" err="1"/>
+              <a:t>Refitting</a:t>
+            </a:r>
+            <a:r>
+              <a:rPr lang="es-ES" dirty="0"/>
+              <a:t> </a:t>
+            </a:r>
+            <a:r>
+              <a:rPr lang="es-ES" dirty="0" err="1"/>
+              <a:t>with</a:t>
+            </a:r>
+            <a:r>
+              <a:rPr lang="es-ES" dirty="0"/>
+              <a:t> time </a:t>
+            </a:r>
+            <a:r>
+              <a:rPr lang="es-ES" dirty="0" err="1"/>
+              <a:t>varying</a:t>
+            </a:r>
+            <a:r>
+              <a:rPr lang="es-ES" dirty="0"/>
+              <a:t> </a:t>
+            </a:r>
+            <a:r>
+              <a:rPr lang="es-ES" dirty="0" err="1"/>
+              <a:t>coefficient</a:t>
+            </a:r>
+            <a:r>
+              <a:rPr lang="es-ES" dirty="0"/>
+              <a:t>: </a:t>
+            </a:r>
+            <a:r>
+              <a:rPr lang="es-ES" dirty="0" err="1"/>
+              <a:t>We</a:t>
+            </a:r>
+            <a:r>
+              <a:rPr lang="es-ES" dirty="0"/>
+              <a:t> are </a:t>
+            </a:r>
+            <a:r>
+              <a:rPr lang="es-ES" dirty="0" err="1"/>
+              <a:t>fitting</a:t>
+            </a:r>
+            <a:r>
+              <a:rPr lang="es-ES" dirty="0"/>
+              <a:t> </a:t>
+            </a:r>
+            <a:r>
+              <a:rPr lang="es-ES" dirty="0" err="1"/>
+              <a:t>another</a:t>
+            </a:r>
+            <a:r>
+              <a:rPr lang="es-ES" dirty="0"/>
+              <a:t> </a:t>
+            </a:r>
+            <a:r>
+              <a:rPr lang="es-ES" dirty="0" err="1"/>
+              <a:t>model</a:t>
+            </a:r>
+            <a:r>
+              <a:rPr lang="es-ES" dirty="0"/>
+              <a:t>, </a:t>
+            </a:r>
+            <a:r>
+              <a:rPr lang="es-ES" dirty="0" err="1"/>
+              <a:t>called</a:t>
+            </a:r>
+            <a:r>
+              <a:rPr lang="es-ES" dirty="0"/>
+              <a:t> </a:t>
+            </a:r>
+            <a:r>
+              <a:rPr lang="es-ES" i="1" dirty="0" err="1">
+                <a:solidFill>
+                  <a:srgbClr val="FFFF00"/>
+                </a:solidFill>
+              </a:rPr>
+              <a:t>cox_time</a:t>
+            </a:r>
+            <a:r>
+              <a:rPr lang="es-ES" dirty="0"/>
+              <a:t>.</a:t>
+            </a:r>
+            <a:endParaRPr lang="es-ES" i="1" dirty="0">
+              <a:solidFill>
+                <a:srgbClr val="FFFF00"/>
+              </a:solidFill>
+            </a:endParaRPr>
+          </a:p>
+          <a:p>
+            <a:pPr marL="285750" indent="-285750">
+              <a:buFont typeface="Arial" panose="020B0604020202020204" pitchFamily="34" charset="0"/>
+              <a:buChar char="•"/>
+            </a:pPr>
+            <a:r>
+              <a:rPr lang="es-ES" dirty="0" err="1"/>
+              <a:t>It</a:t>
+            </a:r>
+            <a:r>
+              <a:rPr lang="es-ES" dirty="0"/>
+              <a:t> </a:t>
+            </a:r>
+            <a:r>
+              <a:rPr lang="es-ES" dirty="0" err="1"/>
+              <a:t>includes</a:t>
+            </a:r>
+            <a:r>
+              <a:rPr lang="es-ES" dirty="0"/>
+              <a:t> </a:t>
+            </a:r>
+            <a:r>
+              <a:rPr lang="es-ES" dirty="0" err="1"/>
+              <a:t>an</a:t>
+            </a:r>
+            <a:r>
+              <a:rPr lang="es-ES" dirty="0"/>
+              <a:t> </a:t>
+            </a:r>
+            <a:r>
+              <a:rPr lang="es-ES" dirty="0" err="1"/>
+              <a:t>interaction</a:t>
+            </a:r>
+            <a:r>
+              <a:rPr lang="es-ES" dirty="0"/>
+              <a:t> </a:t>
+            </a:r>
+            <a:r>
+              <a:rPr lang="es-ES" dirty="0" err="1"/>
+              <a:t>of</a:t>
+            </a:r>
+            <a:r>
+              <a:rPr lang="es-ES" dirty="0"/>
+              <a:t> </a:t>
+            </a:r>
+            <a:r>
+              <a:rPr lang="es-ES" i="1" dirty="0" err="1">
+                <a:solidFill>
+                  <a:srgbClr val="FFFF00"/>
+                </a:solidFill>
+              </a:rPr>
+              <a:t>Ejection.Fraction</a:t>
+            </a:r>
+            <a:r>
+              <a:rPr lang="es-ES" i="1" dirty="0">
+                <a:solidFill>
+                  <a:srgbClr val="FFFF00"/>
+                </a:solidFill>
+              </a:rPr>
+              <a:t> </a:t>
+            </a:r>
+            <a:r>
+              <a:rPr lang="es-ES" dirty="0" err="1"/>
+              <a:t>with</a:t>
+            </a:r>
+            <a:r>
+              <a:rPr lang="es-ES" dirty="0"/>
+              <a:t> </a:t>
+            </a:r>
+            <a:r>
+              <a:rPr lang="es-ES" dirty="0" err="1"/>
+              <a:t>the</a:t>
+            </a:r>
+            <a:r>
+              <a:rPr lang="es-ES" dirty="0"/>
+              <a:t> </a:t>
+            </a:r>
+            <a:r>
+              <a:rPr lang="es-ES" dirty="0" err="1"/>
+              <a:t>logarithm</a:t>
+            </a:r>
+            <a:r>
+              <a:rPr lang="es-ES" dirty="0"/>
+              <a:t> </a:t>
+            </a:r>
+            <a:r>
+              <a:rPr lang="es-ES" dirty="0" err="1"/>
+              <a:t>of</a:t>
+            </a:r>
+            <a:r>
+              <a:rPr lang="es-ES" dirty="0"/>
+              <a:t> time.</a:t>
+            </a:r>
+          </a:p>
+          <a:p>
+            <a:pPr marL="285750" indent="-285750">
+              <a:buFont typeface="Arial" panose="020B0604020202020204" pitchFamily="34" charset="0"/>
+              <a:buChar char="•"/>
+            </a:pPr>
+            <a:r>
+              <a:rPr lang="es-ES" dirty="0" err="1"/>
+              <a:t>The</a:t>
+            </a:r>
+            <a:r>
+              <a:rPr lang="es-ES" dirty="0"/>
+              <a:t> </a:t>
+            </a:r>
+            <a:r>
+              <a:rPr lang="es-ES" dirty="0" err="1"/>
+              <a:t>interaction</a:t>
+            </a:r>
+            <a:r>
+              <a:rPr lang="es-ES" dirty="0"/>
+              <a:t> </a:t>
+            </a:r>
+            <a:r>
+              <a:rPr lang="es-ES" dirty="0" err="1"/>
+              <a:t>is</a:t>
+            </a:r>
+            <a:r>
+              <a:rPr lang="es-ES" dirty="0"/>
+              <a:t> </a:t>
+            </a:r>
+            <a:r>
+              <a:rPr lang="es-ES" dirty="0" err="1"/>
+              <a:t>not</a:t>
+            </a:r>
+            <a:r>
+              <a:rPr lang="es-ES" dirty="0"/>
+              <a:t> </a:t>
+            </a:r>
+            <a:r>
+              <a:rPr lang="es-ES" dirty="0" err="1"/>
+              <a:t>yet</a:t>
+            </a:r>
+            <a:r>
+              <a:rPr lang="es-ES" dirty="0"/>
+              <a:t> </a:t>
+            </a:r>
+            <a:r>
+              <a:rPr lang="es-ES" dirty="0" err="1"/>
+              <a:t>shown</a:t>
+            </a:r>
+            <a:r>
+              <a:rPr lang="es-ES" dirty="0"/>
+              <a:t> as </a:t>
+            </a:r>
+            <a:r>
+              <a:rPr lang="es-ES" dirty="0" err="1"/>
+              <a:t>significant</a:t>
+            </a:r>
+            <a:r>
+              <a:rPr lang="es-ES" dirty="0"/>
+              <a:t> </a:t>
+            </a:r>
+            <a:r>
+              <a:rPr lang="es-ES" dirty="0" err="1"/>
+              <a:t>on</a:t>
+            </a:r>
+            <a:r>
+              <a:rPr lang="es-ES" dirty="0"/>
+              <a:t> </a:t>
+            </a:r>
+            <a:r>
+              <a:rPr lang="es-ES" dirty="0" err="1"/>
+              <a:t>the</a:t>
+            </a:r>
+            <a:r>
+              <a:rPr lang="es-ES" dirty="0"/>
+              <a:t> 5% </a:t>
+            </a:r>
+            <a:r>
+              <a:rPr lang="es-ES" dirty="0" err="1"/>
+              <a:t>level</a:t>
+            </a:r>
+            <a:r>
+              <a:rPr lang="es-ES" dirty="0"/>
+              <a:t>.</a:t>
+            </a:r>
+            <a:endParaRPr lang="en-GB" dirty="0"/>
+          </a:p>
+        </p:txBody>
+      </p:sp>
       <p:pic>
         <p:nvPicPr>
-          <p:cNvPr id="5" name="Picture 4">
+          <p:cNvPr id="4" name="Picture 3">
             <a:extLst>
               <a:ext uri="{FF2B5EF4-FFF2-40B4-BE49-F238E27FC236}">
-                <a16:creationId xmlns:a16="http://schemas.microsoft.com/office/drawing/2014/main" id="{5F46927E-9F01-0402-C43F-41DDC0560BFC}"/>
+                <a16:creationId xmlns:a16="http://schemas.microsoft.com/office/drawing/2014/main" id="{78ABE4F6-F396-9209-0078-D9B863F8AAB3}"/>
               </a:ext>
             </a:extLst>
           </p:cNvPr>
@@ -11084,8 +12706,8 @@
         </p:blipFill>
         <p:spPr>
           <a:xfrm>
-            <a:off x="1329431" y="2448828"/>
-            <a:ext cx="6309907" cy="685859"/>
+            <a:off x="1329431" y="2110648"/>
+            <a:ext cx="5799323" cy="857011"/>
           </a:xfrm>
           <a:prstGeom prst="rect">
             <a:avLst/>
@@ -11094,10 +12716,10 @@
       </p:pic>
       <p:pic>
         <p:nvPicPr>
-          <p:cNvPr id="7" name="Picture 6">
+          <p:cNvPr id="8" name="Picture 7">
             <a:extLst>
               <a:ext uri="{FF2B5EF4-FFF2-40B4-BE49-F238E27FC236}">
-                <a16:creationId xmlns:a16="http://schemas.microsoft.com/office/drawing/2014/main" id="{35FABCC9-DA63-B7AB-53EA-659105E4D3FB}"/>
+                <a16:creationId xmlns:a16="http://schemas.microsoft.com/office/drawing/2014/main" id="{2C08B387-8733-CCA0-CF9A-44476AE1E154}"/>
               </a:ext>
             </a:extLst>
           </p:cNvPr>
@@ -11114,331 +12736,14 @@
         </p:blipFill>
         <p:spPr>
           <a:xfrm>
-            <a:off x="1329431" y="3359851"/>
-            <a:ext cx="5799323" cy="2690093"/>
+            <a:off x="1329431" y="3193023"/>
+            <a:ext cx="5799323" cy="3482454"/>
           </a:xfrm>
           <a:prstGeom prst="rect">
             <a:avLst/>
           </a:prstGeom>
         </p:spPr>
       </p:pic>
-      <p:sp>
-        <p:nvSpPr>
-          <p:cNvPr id="9" name="TextBox 8">
-            <a:extLst>
-              <a:ext uri="{FF2B5EF4-FFF2-40B4-BE49-F238E27FC236}">
-                <a16:creationId xmlns:a16="http://schemas.microsoft.com/office/drawing/2014/main" id="{C20DADFE-7887-4409-A3B2-77E87B80935D}"/>
-              </a:ext>
-            </a:extLst>
-          </p:cNvPr>
-          <p:cNvSpPr txBox="1"/>
-          <p:nvPr/>
-        </p:nvSpPr>
-        <p:spPr>
-          <a:xfrm>
-            <a:off x="7784431" y="2448828"/>
-            <a:ext cx="3489158" cy="3139321"/>
-          </a:xfrm>
-          <a:prstGeom prst="rect">
-            <a:avLst/>
-          </a:prstGeom>
-          <a:noFill/>
-        </p:spPr>
-        <p:txBody>
-          <a:bodyPr wrap="square" rtlCol="0">
-            <a:spAutoFit/>
-          </a:bodyPr>
-          <a:lstStyle/>
-          <a:p>
-            <a:pPr marL="285750" indent="-285750">
-              <a:buFont typeface="Arial" panose="020B0604020202020204" pitchFamily="34" charset="0"/>
-              <a:buChar char="•"/>
-            </a:pPr>
-            <a:r>
-              <a:rPr lang="es-ES" dirty="0" err="1"/>
-              <a:t>Refitting</a:t>
-            </a:r>
-            <a:r>
-              <a:rPr lang="es-ES" dirty="0"/>
-              <a:t> </a:t>
-            </a:r>
-            <a:r>
-              <a:rPr lang="es-ES" dirty="0" err="1"/>
-              <a:t>with</a:t>
-            </a:r>
-            <a:r>
-              <a:rPr lang="es-ES" dirty="0"/>
-              <a:t> time </a:t>
-            </a:r>
-            <a:r>
-              <a:rPr lang="es-ES" dirty="0" err="1"/>
-              <a:t>varying</a:t>
-            </a:r>
-            <a:r>
-              <a:rPr lang="es-ES" dirty="0"/>
-              <a:t> </a:t>
-            </a:r>
-            <a:r>
-              <a:rPr lang="es-ES" dirty="0" err="1"/>
-              <a:t>coefficient</a:t>
-            </a:r>
-            <a:r>
-              <a:rPr lang="es-ES" dirty="0"/>
-              <a:t>: </a:t>
-            </a:r>
-            <a:r>
-              <a:rPr lang="es-ES" dirty="0" err="1"/>
-              <a:t>We</a:t>
-            </a:r>
-            <a:r>
-              <a:rPr lang="es-ES" dirty="0"/>
-              <a:t> are </a:t>
-            </a:r>
-            <a:r>
-              <a:rPr lang="es-ES" dirty="0" err="1"/>
-              <a:t>fitting</a:t>
-            </a:r>
-            <a:r>
-              <a:rPr lang="es-ES" dirty="0"/>
-              <a:t> </a:t>
-            </a:r>
-            <a:r>
-              <a:rPr lang="es-ES" dirty="0" err="1"/>
-              <a:t>another</a:t>
-            </a:r>
-            <a:r>
-              <a:rPr lang="es-ES" dirty="0"/>
-              <a:t> </a:t>
-            </a:r>
-            <a:r>
-              <a:rPr lang="es-ES" dirty="0" err="1"/>
-              <a:t>model</a:t>
-            </a:r>
-            <a:r>
-              <a:rPr lang="es-ES" dirty="0"/>
-              <a:t>, </a:t>
-            </a:r>
-            <a:r>
-              <a:rPr lang="es-ES" dirty="0" err="1"/>
-              <a:t>called</a:t>
-            </a:r>
-            <a:r>
-              <a:rPr lang="es-ES" dirty="0"/>
-              <a:t> </a:t>
-            </a:r>
-            <a:r>
-              <a:rPr lang="es-ES" i="1" dirty="0" err="1">
-                <a:solidFill>
-                  <a:srgbClr val="FFFF00"/>
-                </a:solidFill>
-              </a:rPr>
-              <a:t>cox_time</a:t>
-            </a:r>
-            <a:r>
-              <a:rPr lang="es-ES" dirty="0"/>
-              <a:t>.</a:t>
-            </a:r>
-            <a:endParaRPr lang="es-ES" i="1" dirty="0">
-              <a:solidFill>
-                <a:srgbClr val="FFFF00"/>
-              </a:solidFill>
-            </a:endParaRPr>
-          </a:p>
-          <a:p>
-            <a:pPr marL="285750" indent="-285750">
-              <a:buFont typeface="Arial" panose="020B0604020202020204" pitchFamily="34" charset="0"/>
-              <a:buChar char="•"/>
-            </a:pPr>
-            <a:r>
-              <a:rPr lang="es-ES" dirty="0" err="1"/>
-              <a:t>It</a:t>
-            </a:r>
-            <a:r>
-              <a:rPr lang="es-ES" dirty="0"/>
-              <a:t> </a:t>
-            </a:r>
-            <a:r>
-              <a:rPr lang="es-ES" dirty="0" err="1"/>
-              <a:t>includes</a:t>
-            </a:r>
-            <a:r>
-              <a:rPr lang="es-ES" dirty="0"/>
-              <a:t> </a:t>
-            </a:r>
-            <a:r>
-              <a:rPr lang="es-ES" dirty="0" err="1"/>
-              <a:t>an</a:t>
-            </a:r>
-            <a:r>
-              <a:rPr lang="es-ES" dirty="0"/>
-              <a:t> </a:t>
-            </a:r>
-            <a:r>
-              <a:rPr lang="es-ES" dirty="0" err="1"/>
-              <a:t>interaction</a:t>
-            </a:r>
-            <a:r>
-              <a:rPr lang="es-ES" dirty="0"/>
-              <a:t> </a:t>
-            </a:r>
-            <a:r>
-              <a:rPr lang="es-ES" dirty="0" err="1"/>
-              <a:t>of</a:t>
-            </a:r>
-            <a:r>
-              <a:rPr lang="es-ES" dirty="0"/>
-              <a:t> </a:t>
-            </a:r>
-            <a:r>
-              <a:rPr lang="es-ES" i="1" dirty="0" err="1">
-                <a:solidFill>
-                  <a:srgbClr val="FFFF00"/>
-                </a:solidFill>
-              </a:rPr>
-              <a:t>Ejection.Fraction</a:t>
-            </a:r>
-            <a:r>
-              <a:rPr lang="es-ES" i="1" dirty="0">
-                <a:solidFill>
-                  <a:srgbClr val="FFFF00"/>
-                </a:solidFill>
-              </a:rPr>
-              <a:t> </a:t>
-            </a:r>
-            <a:r>
-              <a:rPr lang="es-ES" dirty="0" err="1"/>
-              <a:t>with</a:t>
-            </a:r>
-            <a:r>
-              <a:rPr lang="es-ES" dirty="0"/>
-              <a:t> </a:t>
-            </a:r>
-            <a:r>
-              <a:rPr lang="es-ES" dirty="0" err="1"/>
-              <a:t>the</a:t>
-            </a:r>
-            <a:r>
-              <a:rPr lang="es-ES" dirty="0"/>
-              <a:t> </a:t>
-            </a:r>
-            <a:r>
-              <a:rPr lang="es-ES" dirty="0" err="1"/>
-              <a:t>logarithm</a:t>
-            </a:r>
-            <a:r>
-              <a:rPr lang="es-ES" dirty="0"/>
-              <a:t> </a:t>
-            </a:r>
-            <a:r>
-              <a:rPr lang="es-ES" dirty="0" err="1"/>
-              <a:t>of</a:t>
-            </a:r>
-            <a:r>
-              <a:rPr lang="es-ES" dirty="0"/>
-              <a:t> time.</a:t>
-            </a:r>
-          </a:p>
-          <a:p>
-            <a:pPr marL="285750" indent="-285750">
-              <a:buFont typeface="Arial" panose="020B0604020202020204" pitchFamily="34" charset="0"/>
-              <a:buChar char="•"/>
-            </a:pPr>
-            <a:r>
-              <a:rPr lang="es-ES" dirty="0"/>
-              <a:t>As </a:t>
-            </a:r>
-            <a:r>
-              <a:rPr lang="es-ES" dirty="0" err="1"/>
-              <a:t>expected</a:t>
-            </a:r>
-            <a:r>
-              <a:rPr lang="es-ES" dirty="0"/>
-              <a:t> </a:t>
-            </a:r>
-            <a:r>
-              <a:rPr lang="es-ES" dirty="0" err="1"/>
-              <a:t>from</a:t>
-            </a:r>
-            <a:r>
-              <a:rPr lang="es-ES" dirty="0"/>
-              <a:t> </a:t>
-            </a:r>
-            <a:r>
-              <a:rPr lang="es-ES" dirty="0" err="1"/>
-              <a:t>the</a:t>
-            </a:r>
-            <a:r>
-              <a:rPr lang="es-ES" dirty="0"/>
-              <a:t> </a:t>
-            </a:r>
-            <a:r>
-              <a:rPr lang="es-ES" dirty="0" err="1"/>
-              <a:t>previous</a:t>
-            </a:r>
-            <a:r>
-              <a:rPr lang="es-ES" dirty="0"/>
-              <a:t> test </a:t>
-            </a:r>
-            <a:r>
-              <a:rPr lang="es-ES" dirty="0" err="1"/>
-              <a:t>on</a:t>
-            </a:r>
-            <a:r>
-              <a:rPr lang="es-ES" dirty="0"/>
-              <a:t> Schoenfeld </a:t>
-            </a:r>
-            <a:r>
-              <a:rPr lang="es-ES" dirty="0" err="1"/>
-              <a:t>residuals</a:t>
-            </a:r>
-            <a:r>
-              <a:rPr lang="es-ES" dirty="0"/>
-              <a:t>, </a:t>
-            </a:r>
-            <a:r>
-              <a:rPr lang="es-ES" dirty="0" err="1"/>
-              <a:t>the</a:t>
-            </a:r>
-            <a:r>
-              <a:rPr lang="es-ES" dirty="0"/>
-              <a:t> </a:t>
-            </a:r>
-            <a:r>
-              <a:rPr lang="es-ES" dirty="0" err="1"/>
-              <a:t>interaction</a:t>
-            </a:r>
-            <a:r>
-              <a:rPr lang="es-ES" dirty="0"/>
-              <a:t> </a:t>
-            </a:r>
-            <a:r>
-              <a:rPr lang="es-ES" dirty="0" err="1"/>
-              <a:t>with</a:t>
-            </a:r>
-            <a:r>
-              <a:rPr lang="es-ES" dirty="0"/>
-              <a:t> time </a:t>
-            </a:r>
-            <a:r>
-              <a:rPr lang="es-ES" dirty="0" err="1"/>
-              <a:t>is</a:t>
-            </a:r>
-            <a:r>
-              <a:rPr lang="es-ES" dirty="0"/>
-              <a:t> </a:t>
-            </a:r>
-            <a:r>
-              <a:rPr lang="es-ES" dirty="0" err="1"/>
-              <a:t>significant</a:t>
-            </a:r>
-            <a:r>
-              <a:rPr lang="es-ES" dirty="0"/>
-              <a:t>.</a:t>
-            </a:r>
-            <a:endParaRPr lang="en-GB" dirty="0"/>
-          </a:p>
-        </p:txBody>
-      </p:sp>
     </p:spTree>
     <p:extLst>
       <p:ext uri="{BB962C8B-B14F-4D97-AF65-F5344CB8AC3E}">
@@ -11452,7 +12757,7 @@
 </p:sld>
 </file>
 
-<file path=ppt/slides/slide14.xml><?xml version="1.0" encoding="utf-8"?>
+<file path=ppt/slides/slide16.xml><?xml version="1.0" encoding="utf-8"?>
 <p:sld xmlns:a="http://schemas.openxmlformats.org/drawingml/2006/main" xmlns:r="http://schemas.openxmlformats.org/officeDocument/2006/relationships" xmlns:p="http://schemas.openxmlformats.org/presentationml/2006/main">
   <p:cSld>
     <p:spTree>
@@ -11559,182 +12864,6 @@
       </p:sp>
       <p:sp>
         <p:nvSpPr>
-          <p:cNvPr id="12" name="TextBox 11">
-            <a:extLst>
-              <a:ext uri="{FF2B5EF4-FFF2-40B4-BE49-F238E27FC236}">
-                <a16:creationId xmlns:a16="http://schemas.microsoft.com/office/drawing/2014/main" id="{266858B4-C6E2-2B4A-F0DA-96BD82EB3B96}"/>
-              </a:ext>
-            </a:extLst>
-          </p:cNvPr>
-          <p:cNvSpPr txBox="1"/>
-          <p:nvPr/>
-        </p:nvSpPr>
-        <p:spPr>
-          <a:xfrm>
-            <a:off x="7980788" y="1983214"/>
-            <a:ext cx="3198808" cy="1754326"/>
-          </a:xfrm>
-          <a:prstGeom prst="rect">
-            <a:avLst/>
-          </a:prstGeom>
-          <a:noFill/>
-        </p:spPr>
-        <p:txBody>
-          <a:bodyPr wrap="square" rtlCol="0">
-            <a:spAutoFit/>
-          </a:bodyPr>
-          <a:lstStyle/>
-          <a:p>
-            <a:pPr marL="285750" indent="-285750">
-              <a:buFont typeface="Arial" panose="020B0604020202020204" pitchFamily="34" charset="0"/>
-              <a:buChar char="•"/>
-            </a:pPr>
-            <a:r>
-              <a:rPr lang="es-ES" dirty="0" err="1"/>
-              <a:t>We</a:t>
-            </a:r>
-            <a:r>
-              <a:rPr lang="es-ES" dirty="0"/>
-              <a:t> </a:t>
-            </a:r>
-            <a:r>
-              <a:rPr lang="es-ES" dirty="0" err="1"/>
-              <a:t>perform</a:t>
-            </a:r>
-            <a:r>
-              <a:rPr lang="es-ES" dirty="0"/>
-              <a:t> </a:t>
-            </a:r>
-            <a:r>
-              <a:rPr lang="es-ES" dirty="0" err="1"/>
-              <a:t>another</a:t>
-            </a:r>
-            <a:r>
-              <a:rPr lang="es-ES" dirty="0"/>
-              <a:t> </a:t>
-            </a:r>
-            <a:r>
-              <a:rPr lang="es-ES" b="1" dirty="0" err="1"/>
-              <a:t>backward</a:t>
-            </a:r>
-            <a:r>
-              <a:rPr lang="es-ES" b="1" dirty="0"/>
-              <a:t> </a:t>
-            </a:r>
-            <a:r>
-              <a:rPr lang="es-ES" b="1" dirty="0" err="1"/>
-              <a:t>selection</a:t>
-            </a:r>
-            <a:r>
-              <a:rPr lang="es-ES" b="1" dirty="0"/>
-              <a:t> </a:t>
-            </a:r>
-            <a:r>
-              <a:rPr lang="es-ES" dirty="0" err="1"/>
-              <a:t>on</a:t>
-            </a:r>
-            <a:r>
-              <a:rPr lang="es-ES" dirty="0"/>
-              <a:t> </a:t>
-            </a:r>
-            <a:r>
-              <a:rPr lang="es-ES" i="1" dirty="0" err="1">
-                <a:solidFill>
-                  <a:srgbClr val="FFFF00"/>
-                </a:solidFill>
-              </a:rPr>
-              <a:t>cox_time</a:t>
-            </a:r>
-            <a:r>
-              <a:rPr lang="es-ES" dirty="0"/>
-              <a:t>, </a:t>
-            </a:r>
-            <a:r>
-              <a:rPr lang="es-ES" dirty="0" err="1"/>
-              <a:t>until</a:t>
-            </a:r>
-            <a:r>
-              <a:rPr lang="es-ES" dirty="0"/>
-              <a:t> </a:t>
-            </a:r>
-            <a:r>
-              <a:rPr lang="es-ES" dirty="0" err="1"/>
-              <a:t>we</a:t>
-            </a:r>
-            <a:r>
-              <a:rPr lang="es-ES" dirty="0"/>
-              <a:t> are </a:t>
-            </a:r>
-            <a:r>
-              <a:rPr lang="es-ES" dirty="0" err="1"/>
-              <a:t>left</a:t>
-            </a:r>
-            <a:r>
-              <a:rPr lang="es-ES" dirty="0"/>
-              <a:t> </a:t>
-            </a:r>
-            <a:r>
-              <a:rPr lang="es-ES" dirty="0" err="1"/>
-              <a:t>with</a:t>
-            </a:r>
-            <a:r>
-              <a:rPr lang="es-ES" dirty="0"/>
-              <a:t> </a:t>
-            </a:r>
-            <a:r>
-              <a:rPr lang="es-ES" dirty="0" err="1"/>
-              <a:t>significant</a:t>
-            </a:r>
-            <a:r>
-              <a:rPr lang="es-ES" dirty="0"/>
-              <a:t> </a:t>
-            </a:r>
-            <a:r>
-              <a:rPr lang="es-ES" dirty="0" err="1"/>
-              <a:t>coefficients</a:t>
-            </a:r>
-            <a:r>
-              <a:rPr lang="es-ES" dirty="0"/>
-              <a:t> </a:t>
-            </a:r>
-            <a:r>
-              <a:rPr lang="es-ES" dirty="0" err="1"/>
-              <a:t>only</a:t>
-            </a:r>
-            <a:r>
-              <a:rPr lang="es-ES" dirty="0"/>
-              <a:t> (</a:t>
-            </a:r>
-            <a:r>
-              <a:rPr lang="es-ES" dirty="0" err="1"/>
-              <a:t>including</a:t>
-            </a:r>
-            <a:r>
-              <a:rPr lang="es-ES" dirty="0"/>
-              <a:t> </a:t>
-            </a:r>
-            <a:r>
-              <a:rPr lang="es-ES" dirty="0" err="1"/>
-              <a:t>the</a:t>
-            </a:r>
-            <a:r>
-              <a:rPr lang="es-ES" dirty="0"/>
-              <a:t> time </a:t>
-            </a:r>
-            <a:r>
-              <a:rPr lang="es-ES" dirty="0" err="1"/>
-              <a:t>interaction</a:t>
-            </a:r>
-            <a:r>
-              <a:rPr lang="es-ES" dirty="0"/>
-              <a:t>).</a:t>
-            </a:r>
-            <a:endParaRPr lang="en-GB" dirty="0"/>
-          </a:p>
-        </p:txBody>
-      </p:sp>
-      <p:sp>
-        <p:nvSpPr>
           <p:cNvPr id="6" name="TextBox 5">
             <a:extLst>
               <a:ext uri="{FF2B5EF4-FFF2-40B4-BE49-F238E27FC236}">
@@ -11747,7 +12876,7 @@
         </p:nvSpPr>
         <p:spPr>
           <a:xfrm>
-            <a:off x="1244251" y="5382778"/>
+            <a:off x="1244251" y="5966978"/>
             <a:ext cx="9123619" cy="646331"/>
           </a:xfrm>
           <a:prstGeom prst="rect">
@@ -11798,6 +12927,18 @@
               <a:t>, </a:t>
             </a:r>
             <a:r>
+              <a:rPr lang="es-ES" i="1" dirty="0" err="1">
+                <a:solidFill>
+                  <a:srgbClr val="FFFF00"/>
+                </a:solidFill>
+              </a:rPr>
+              <a:t>Creatinine</a:t>
+            </a:r>
+            <a:r>
+              <a:rPr lang="es-ES" dirty="0"/>
+              <a:t>, </a:t>
+            </a:r>
+            <a:r>
               <a:rPr lang="es-ES" i="1" dirty="0">
                 <a:solidFill>
                   <a:srgbClr val="FFFF00"/>
@@ -11880,8 +13021,8 @@
         </p:nvSpPr>
         <p:spPr>
           <a:xfrm>
-            <a:off x="7980788" y="3959121"/>
-            <a:ext cx="3198808" cy="646331"/>
+            <a:off x="7822616" y="1798072"/>
+            <a:ext cx="3515151" cy="5078313"/>
           </a:xfrm>
           <a:prstGeom prst="rect">
             <a:avLst/>
@@ -11900,6 +13041,129 @@
             </a:pPr>
             <a:r>
               <a:rPr lang="es-ES" dirty="0" err="1"/>
+              <a:t>We</a:t>
+            </a:r>
+            <a:r>
+              <a:rPr lang="es-ES" dirty="0"/>
+              <a:t> </a:t>
+            </a:r>
+            <a:r>
+              <a:rPr lang="es-ES" dirty="0" err="1"/>
+              <a:t>perform</a:t>
+            </a:r>
+            <a:r>
+              <a:rPr lang="es-ES" dirty="0"/>
+              <a:t> </a:t>
+            </a:r>
+            <a:r>
+              <a:rPr lang="es-ES" dirty="0" err="1"/>
+              <a:t>another</a:t>
+            </a:r>
+            <a:r>
+              <a:rPr lang="es-ES" dirty="0"/>
+              <a:t> </a:t>
+            </a:r>
+            <a:r>
+              <a:rPr lang="es-ES" b="1" dirty="0" err="1"/>
+              <a:t>backward</a:t>
+            </a:r>
+            <a:r>
+              <a:rPr lang="es-ES" b="1" dirty="0"/>
+              <a:t> </a:t>
+            </a:r>
+            <a:r>
+              <a:rPr lang="es-ES" b="1" dirty="0" err="1"/>
+              <a:t>selection</a:t>
+            </a:r>
+            <a:r>
+              <a:rPr lang="es-ES" b="1" dirty="0"/>
+              <a:t> </a:t>
+            </a:r>
+            <a:r>
+              <a:rPr lang="es-ES" dirty="0" err="1"/>
+              <a:t>on</a:t>
+            </a:r>
+            <a:r>
+              <a:rPr lang="es-ES" dirty="0"/>
+              <a:t> </a:t>
+            </a:r>
+            <a:r>
+              <a:rPr lang="es-ES" i="1" dirty="0" err="1">
+                <a:solidFill>
+                  <a:srgbClr val="FFFF00"/>
+                </a:solidFill>
+              </a:rPr>
+              <a:t>cox_time</a:t>
+            </a:r>
+            <a:r>
+              <a:rPr lang="es-ES" dirty="0"/>
+              <a:t>, </a:t>
+            </a:r>
+            <a:r>
+              <a:rPr lang="es-ES" dirty="0" err="1"/>
+              <a:t>until</a:t>
+            </a:r>
+            <a:r>
+              <a:rPr lang="es-ES" dirty="0"/>
+              <a:t> </a:t>
+            </a:r>
+            <a:r>
+              <a:rPr lang="es-ES" dirty="0" err="1"/>
+              <a:t>we</a:t>
+            </a:r>
+            <a:r>
+              <a:rPr lang="es-ES" dirty="0"/>
+              <a:t> are </a:t>
+            </a:r>
+            <a:r>
+              <a:rPr lang="es-ES" dirty="0" err="1"/>
+              <a:t>left</a:t>
+            </a:r>
+            <a:r>
+              <a:rPr lang="es-ES" dirty="0"/>
+              <a:t> </a:t>
+            </a:r>
+            <a:r>
+              <a:rPr lang="es-ES" dirty="0" err="1"/>
+              <a:t>with</a:t>
+            </a:r>
+            <a:r>
+              <a:rPr lang="es-ES" dirty="0"/>
+              <a:t> </a:t>
+            </a:r>
+            <a:r>
+              <a:rPr lang="es-ES" dirty="0" err="1"/>
+              <a:t>significant</a:t>
+            </a:r>
+            <a:r>
+              <a:rPr lang="es-ES" dirty="0"/>
+              <a:t> </a:t>
+            </a:r>
+            <a:r>
+              <a:rPr lang="es-ES" dirty="0" err="1"/>
+              <a:t>coefficients</a:t>
+            </a:r>
+            <a:r>
+              <a:rPr lang="es-ES" dirty="0"/>
+              <a:t> </a:t>
+            </a:r>
+            <a:r>
+              <a:rPr lang="es-ES" dirty="0" err="1"/>
+              <a:t>only</a:t>
+            </a:r>
+            <a:r>
+              <a:rPr lang="es-ES" dirty="0"/>
+              <a:t>.</a:t>
+            </a:r>
+            <a:endParaRPr lang="en-GB" dirty="0"/>
+          </a:p>
+          <a:p>
+            <a:pPr marL="285750" indent="-285750">
+              <a:buFont typeface="Arial" panose="020B0604020202020204" pitchFamily="34" charset="0"/>
+              <a:buChar char="•"/>
+            </a:pPr>
+            <a:r>
+              <a:rPr lang="es-ES" dirty="0" err="1"/>
               <a:t>This</a:t>
             </a:r>
             <a:r>
@@ -11936,14 +13200,270 @@
               </a:solidFill>
             </a:endParaRPr>
           </a:p>
+          <a:p>
+            <a:pPr marL="285750" indent="-285750">
+              <a:buFont typeface="Arial" panose="020B0604020202020204" pitchFamily="34" charset="0"/>
+              <a:buChar char="•"/>
+            </a:pPr>
+            <a:r>
+              <a:rPr lang="es-ES" dirty="0" err="1"/>
+              <a:t>We</a:t>
+            </a:r>
+            <a:r>
+              <a:rPr lang="es-ES" dirty="0"/>
+              <a:t> can </a:t>
+            </a:r>
+            <a:r>
+              <a:rPr lang="es-ES" dirty="0" err="1"/>
+              <a:t>see</a:t>
+            </a:r>
+            <a:r>
+              <a:rPr lang="es-ES" dirty="0"/>
+              <a:t> </a:t>
+            </a:r>
+            <a:r>
+              <a:rPr lang="es-ES" dirty="0" err="1"/>
+              <a:t>that</a:t>
+            </a:r>
+            <a:r>
+              <a:rPr lang="es-ES" dirty="0"/>
+              <a:t> </a:t>
+            </a:r>
+            <a:r>
+              <a:rPr lang="es-ES" dirty="0" err="1"/>
+              <a:t>the</a:t>
+            </a:r>
+            <a:r>
+              <a:rPr lang="es-ES" dirty="0"/>
+              <a:t> log(time) </a:t>
+            </a:r>
+            <a:r>
+              <a:rPr lang="es-ES" dirty="0" err="1"/>
+              <a:t>interaction</a:t>
+            </a:r>
+            <a:r>
+              <a:rPr lang="es-ES" dirty="0"/>
+              <a:t> </a:t>
+            </a:r>
+            <a:r>
+              <a:rPr lang="es-ES" dirty="0" err="1"/>
+              <a:t>with</a:t>
+            </a:r>
+            <a:r>
+              <a:rPr lang="es-ES" dirty="0"/>
+              <a:t> </a:t>
+            </a:r>
+            <a:r>
+              <a:rPr lang="es-ES" i="1" dirty="0" err="1">
+                <a:solidFill>
+                  <a:srgbClr val="FFFF00"/>
+                </a:solidFill>
+              </a:rPr>
+              <a:t>Ejection.Fraction</a:t>
+            </a:r>
+            <a:r>
+              <a:rPr lang="es-ES" i="1" dirty="0">
+                <a:solidFill>
+                  <a:srgbClr val="FFFF00"/>
+                </a:solidFill>
+              </a:rPr>
+              <a:t> </a:t>
+            </a:r>
+            <a:r>
+              <a:rPr lang="es-ES" dirty="0" err="1"/>
+              <a:t>remains</a:t>
+            </a:r>
+            <a:r>
+              <a:rPr lang="es-ES" dirty="0"/>
+              <a:t> as a </a:t>
+            </a:r>
+            <a:r>
+              <a:rPr lang="es-ES" dirty="0" err="1"/>
+              <a:t>significant</a:t>
+            </a:r>
+            <a:r>
+              <a:rPr lang="es-ES" dirty="0"/>
+              <a:t> factor. </a:t>
+            </a:r>
+          </a:p>
+          <a:p>
+            <a:pPr marL="285750" indent="-285750">
+              <a:buFont typeface="Arial" panose="020B0604020202020204" pitchFamily="34" charset="0"/>
+              <a:buChar char="•"/>
+            </a:pPr>
+            <a:r>
+              <a:rPr lang="es-ES" dirty="0" err="1"/>
+              <a:t>This</a:t>
+            </a:r>
+            <a:r>
+              <a:rPr lang="es-ES" dirty="0"/>
+              <a:t> </a:t>
+            </a:r>
+            <a:r>
+              <a:rPr lang="es-ES" dirty="0" err="1"/>
+              <a:t>points</a:t>
+            </a:r>
+            <a:r>
+              <a:rPr lang="es-ES" dirty="0"/>
+              <a:t> back </a:t>
+            </a:r>
+            <a:r>
+              <a:rPr lang="es-ES" dirty="0" err="1"/>
+              <a:t>to</a:t>
+            </a:r>
+            <a:r>
+              <a:rPr lang="es-ES" dirty="0"/>
+              <a:t> </a:t>
+            </a:r>
+            <a:r>
+              <a:rPr lang="es-ES" dirty="0" err="1"/>
+              <a:t>the</a:t>
+            </a:r>
+            <a:r>
+              <a:rPr lang="es-ES" dirty="0"/>
+              <a:t> </a:t>
+            </a:r>
+            <a:r>
+              <a:rPr lang="es-ES" b="1" dirty="0"/>
+              <a:t>Global test </a:t>
+            </a:r>
+            <a:r>
+              <a:rPr lang="es-ES" b="1" dirty="0" err="1"/>
+              <a:t>on</a:t>
+            </a:r>
+            <a:r>
+              <a:rPr lang="es-ES" b="1" dirty="0"/>
+              <a:t> Schoenfeld </a:t>
+            </a:r>
+            <a:r>
+              <a:rPr lang="es-ES" b="1" dirty="0" err="1"/>
+              <a:t>residuals</a:t>
+            </a:r>
+            <a:r>
+              <a:rPr lang="es-ES" b="1" dirty="0"/>
+              <a:t>: </a:t>
+            </a:r>
+            <a:r>
+              <a:rPr lang="es-ES" dirty="0" err="1"/>
+              <a:t>However</a:t>
+            </a:r>
+            <a:r>
+              <a:rPr lang="es-ES" dirty="0"/>
+              <a:t>, note </a:t>
+            </a:r>
+            <a:r>
+              <a:rPr lang="es-ES" dirty="0" err="1"/>
+              <a:t>that</a:t>
+            </a:r>
+            <a:r>
+              <a:rPr lang="es-ES" dirty="0"/>
+              <a:t> </a:t>
+            </a:r>
+            <a:r>
+              <a:rPr lang="es-ES" dirty="0" err="1"/>
+              <a:t>the</a:t>
+            </a:r>
+            <a:r>
+              <a:rPr lang="es-ES" dirty="0"/>
+              <a:t> PH </a:t>
+            </a:r>
+            <a:r>
+              <a:rPr lang="es-ES" dirty="0" err="1"/>
+              <a:t>assumption</a:t>
+            </a:r>
+            <a:r>
+              <a:rPr lang="es-ES" dirty="0"/>
+              <a:t> </a:t>
+            </a:r>
+            <a:r>
+              <a:rPr lang="es-ES" dirty="0" err="1"/>
+              <a:t>was</a:t>
+            </a:r>
+            <a:r>
+              <a:rPr lang="es-ES" dirty="0"/>
+              <a:t> </a:t>
+            </a:r>
+            <a:r>
+              <a:rPr lang="es-ES" dirty="0" err="1"/>
+              <a:t>not</a:t>
+            </a:r>
+            <a:r>
+              <a:rPr lang="es-ES" dirty="0"/>
+              <a:t> </a:t>
+            </a:r>
+            <a:r>
+              <a:rPr lang="es-ES" dirty="0" err="1"/>
+              <a:t>rejected</a:t>
+            </a:r>
+            <a:r>
+              <a:rPr lang="es-ES" dirty="0"/>
+              <a:t> </a:t>
+            </a:r>
+            <a:r>
+              <a:rPr lang="es-ES" dirty="0" err="1"/>
+              <a:t>for</a:t>
+            </a:r>
+            <a:r>
+              <a:rPr lang="es-ES" dirty="0"/>
+              <a:t> </a:t>
+            </a:r>
+            <a:r>
+              <a:rPr lang="es-ES" dirty="0" err="1"/>
+              <a:t>the</a:t>
+            </a:r>
+            <a:r>
+              <a:rPr lang="es-ES" dirty="0"/>
+              <a:t> log </a:t>
+            </a:r>
+            <a:r>
+              <a:rPr lang="es-ES" dirty="0" err="1"/>
+              <a:t>transformation</a:t>
+            </a:r>
+            <a:r>
+              <a:rPr lang="es-ES" dirty="0"/>
+              <a:t> </a:t>
+            </a:r>
+            <a:r>
+              <a:rPr lang="es-ES" dirty="0" err="1"/>
+              <a:t>of</a:t>
+            </a:r>
+            <a:r>
+              <a:rPr lang="es-ES" dirty="0"/>
+              <a:t> time, </a:t>
+            </a:r>
+            <a:r>
+              <a:rPr lang="es-ES" dirty="0" err="1"/>
+              <a:t>but</a:t>
+            </a:r>
+            <a:r>
+              <a:rPr lang="es-ES" dirty="0"/>
+              <a:t> </a:t>
+            </a:r>
+            <a:r>
+              <a:rPr lang="es-ES" dirty="0" err="1"/>
+              <a:t>for</a:t>
+            </a:r>
+            <a:r>
+              <a:rPr lang="es-ES" dirty="0"/>
+              <a:t> ‘</a:t>
+            </a:r>
+            <a:r>
+              <a:rPr lang="es-ES" dirty="0" err="1"/>
+              <a:t>identity</a:t>
+            </a:r>
+            <a:r>
+              <a:rPr lang="es-ES" dirty="0"/>
+              <a:t>’ and ‘km’.</a:t>
+            </a:r>
+          </a:p>
         </p:txBody>
       </p:sp>
       <p:pic>
         <p:nvPicPr>
-          <p:cNvPr id="8" name="Picture 7">
+          <p:cNvPr id="4" name="Picture 3">
             <a:extLst>
               <a:ext uri="{FF2B5EF4-FFF2-40B4-BE49-F238E27FC236}">
-                <a16:creationId xmlns:a16="http://schemas.microsoft.com/office/drawing/2014/main" id="{C103778A-92B5-CD29-49FC-5D4C01B4BC53}"/>
+                <a16:creationId xmlns:a16="http://schemas.microsoft.com/office/drawing/2014/main" id="{104DA91B-7C22-F8F2-D036-548ECE474261}"/>
               </a:ext>
             </a:extLst>
           </p:cNvPr>
@@ -11960,8 +13480,8 @@
         </p:blipFill>
         <p:spPr>
           <a:xfrm>
-            <a:off x="1244251" y="2014080"/>
-            <a:ext cx="6600338" cy="971696"/>
+            <a:off x="1244251" y="2071443"/>
+            <a:ext cx="6568998" cy="1017282"/>
           </a:xfrm>
           <a:prstGeom prst="rect">
             <a:avLst/>
@@ -11970,10 +13490,10 @@
       </p:pic>
       <p:pic>
         <p:nvPicPr>
-          <p:cNvPr id="10" name="Picture 9">
+          <p:cNvPr id="9" name="Picture 8">
             <a:extLst>
               <a:ext uri="{FF2B5EF4-FFF2-40B4-BE49-F238E27FC236}">
-                <a16:creationId xmlns:a16="http://schemas.microsoft.com/office/drawing/2014/main" id="{F209787C-F88C-359E-BC5D-5AC9A2A8F14F}"/>
+                <a16:creationId xmlns:a16="http://schemas.microsoft.com/office/drawing/2014/main" id="{F5C1BAB7-8F6A-CB65-A801-C4550EA1C0BB}"/>
               </a:ext>
             </a:extLst>
           </p:cNvPr>
@@ -11990,8 +13510,8 @@
         </p:blipFill>
         <p:spPr>
           <a:xfrm>
-            <a:off x="1244251" y="3286247"/>
-            <a:ext cx="6600338" cy="1796060"/>
+            <a:off x="1244251" y="3959121"/>
+            <a:ext cx="6568998" cy="1953743"/>
           </a:xfrm>
           <a:prstGeom prst="rect">
             <a:avLst/>
@@ -12011,7 +13531,7 @@
 </p:sld>
 </file>
 
-<file path=ppt/slides/slide15.xml><?xml version="1.0" encoding="utf-8"?>
+<file path=ppt/slides/slide17.xml><?xml version="1.0" encoding="utf-8"?>
 <p:sld xmlns:a="http://schemas.openxmlformats.org/drawingml/2006/main" xmlns:r="http://schemas.openxmlformats.org/officeDocument/2006/relationships" xmlns:p="http://schemas.openxmlformats.org/presentationml/2006/main">
   <p:cSld>
     <p:spTree>
@@ -12222,7 +13742,7 @@
 </p:sld>
 </file>
 
-<file path=ppt/slides/slide16.xml><?xml version="1.0" encoding="utf-8"?>
+<file path=ppt/slides/slide18.xml><?xml version="1.0" encoding="utf-8"?>
 <p:sld xmlns:a="http://schemas.openxmlformats.org/drawingml/2006/main" xmlns:r="http://schemas.openxmlformats.org/officeDocument/2006/relationships" xmlns:p="http://schemas.openxmlformats.org/presentationml/2006/main">
   <p:cSld>
     <p:spTree>
@@ -12433,7 +13953,7 @@
 </p:sld>
 </file>
 
-<file path=ppt/slides/slide17.xml><?xml version="1.0" encoding="utf-8"?>
+<file path=ppt/slides/slide19.xml><?xml version="1.0" encoding="utf-8"?>
 <p:sld xmlns:a="http://schemas.openxmlformats.org/drawingml/2006/main" xmlns:r="http://schemas.openxmlformats.org/officeDocument/2006/relationships" xmlns:p="http://schemas.openxmlformats.org/presentationml/2006/main">
   <p:cSld>
     <p:spTree>
@@ -12678,7 +14198,324 @@
 </p:sld>
 </file>
 
-<file path=ppt/slides/slide18.xml><?xml version="1.0" encoding="utf-8"?>
+<file path=ppt/slides/slide2.xml><?xml version="1.0" encoding="utf-8"?>
+<p:sld xmlns:a="http://schemas.openxmlformats.org/drawingml/2006/main" xmlns:r="http://schemas.openxmlformats.org/officeDocument/2006/relationships" xmlns:p="http://schemas.openxmlformats.org/presentationml/2006/main">
+  <p:cSld>
+    <p:spTree>
+      <p:nvGrpSpPr>
+        <p:cNvPr id="1" name=""/>
+        <p:cNvGrpSpPr/>
+        <p:nvPr/>
+      </p:nvGrpSpPr>
+      <p:grpSpPr>
+        <a:xfrm>
+          <a:off x="0" y="0"/>
+          <a:ext cx="0" cy="0"/>
+          <a:chOff x="0" y="0"/>
+          <a:chExt cx="0" cy="0"/>
+        </a:xfrm>
+      </p:grpSpPr>
+      <p:sp>
+        <p:nvSpPr>
+          <p:cNvPr id="2" name="Title 1">
+            <a:extLst>
+              <a:ext uri="{FF2B5EF4-FFF2-40B4-BE49-F238E27FC236}">
+                <a16:creationId xmlns:a16="http://schemas.microsoft.com/office/drawing/2014/main" id="{45B66112-171E-1ECA-8B21-B617C495018A}"/>
+              </a:ext>
+            </a:extLst>
+          </p:cNvPr>
+          <p:cNvSpPr>
+            <a:spLocks noGrp="1"/>
+          </p:cNvSpPr>
+          <p:nvPr>
+            <p:ph type="title"/>
+          </p:nvPr>
+        </p:nvSpPr>
+        <p:spPr/>
+        <p:txBody>
+          <a:bodyPr/>
+          <a:lstStyle/>
+          <a:p>
+            <a:r>
+              <a:rPr lang="es-ES" dirty="0"/>
+              <a:t>Table </a:t>
+            </a:r>
+            <a:r>
+              <a:rPr lang="es-ES" dirty="0" err="1"/>
+              <a:t>of</a:t>
+            </a:r>
+            <a:r>
+              <a:rPr lang="es-ES" dirty="0"/>
+              <a:t> </a:t>
+            </a:r>
+            <a:r>
+              <a:rPr lang="es-ES" dirty="0" err="1"/>
+              <a:t>Contents</a:t>
+            </a:r>
+            <a:endParaRPr lang="en-GB" dirty="0"/>
+          </a:p>
+        </p:txBody>
+      </p:sp>
+      <p:sp>
+        <p:nvSpPr>
+          <p:cNvPr id="3" name="Content Placeholder 2">
+            <a:extLst>
+              <a:ext uri="{FF2B5EF4-FFF2-40B4-BE49-F238E27FC236}">
+                <a16:creationId xmlns:a16="http://schemas.microsoft.com/office/drawing/2014/main" id="{9E28193F-FE09-8E4B-A363-00025BEC7E88}"/>
+              </a:ext>
+            </a:extLst>
+          </p:cNvPr>
+          <p:cNvSpPr>
+            <a:spLocks noGrp="1"/>
+          </p:cNvSpPr>
+          <p:nvPr>
+            <p:ph idx="1"/>
+          </p:nvPr>
+        </p:nvSpPr>
+        <p:spPr>
+          <a:xfrm>
+            <a:off x="2611808" y="1885285"/>
+            <a:ext cx="7958331" cy="4164659"/>
+          </a:xfrm>
+        </p:spPr>
+        <p:txBody>
+          <a:bodyPr>
+            <a:normAutofit lnSpcReduction="10000"/>
+          </a:bodyPr>
+          <a:lstStyle/>
+          <a:p>
+            <a:pPr marL="514350" indent="-514350">
+              <a:buFont typeface="+mj-lt"/>
+              <a:buAutoNum type="romanLcPeriod"/>
+            </a:pPr>
+            <a:r>
+              <a:rPr lang="es-ES" dirty="0" err="1"/>
+              <a:t>Introduction</a:t>
+            </a:r>
+            <a:r>
+              <a:rPr lang="es-ES" dirty="0"/>
+              <a:t> </a:t>
+            </a:r>
+            <a:r>
+              <a:rPr lang="es-ES" dirty="0" err="1"/>
+              <a:t>to</a:t>
+            </a:r>
+            <a:r>
+              <a:rPr lang="es-ES" dirty="0"/>
+              <a:t> </a:t>
+            </a:r>
+            <a:r>
+              <a:rPr lang="es-ES" dirty="0" err="1"/>
+              <a:t>the</a:t>
+            </a:r>
+            <a:r>
+              <a:rPr lang="es-ES" dirty="0"/>
+              <a:t> data</a:t>
+            </a:r>
+          </a:p>
+          <a:p>
+            <a:pPr marL="514350" indent="-514350">
+              <a:buFont typeface="+mj-lt"/>
+              <a:buAutoNum type="romanLcPeriod"/>
+            </a:pPr>
+            <a:r>
+              <a:rPr lang="es-ES" dirty="0" err="1"/>
+              <a:t>Univariate</a:t>
+            </a:r>
+            <a:r>
+              <a:rPr lang="es-ES" dirty="0"/>
+              <a:t> </a:t>
+            </a:r>
+            <a:r>
+              <a:rPr lang="es-ES" dirty="0" err="1"/>
+              <a:t>analysis</a:t>
+            </a:r>
+            <a:endParaRPr lang="es-ES" dirty="0"/>
+          </a:p>
+          <a:p>
+            <a:pPr marL="457200" indent="-457200">
+              <a:buFont typeface="+mj-lt"/>
+              <a:buAutoNum type="romanLcPeriod"/>
+            </a:pPr>
+            <a:r>
+              <a:rPr lang="es-ES" dirty="0" err="1"/>
+              <a:t>Multivariate</a:t>
+            </a:r>
+            <a:r>
+              <a:rPr lang="es-ES" dirty="0"/>
+              <a:t> Cox </a:t>
+            </a:r>
+            <a:r>
+              <a:rPr lang="es-ES" dirty="0" err="1"/>
+              <a:t>regression</a:t>
+            </a:r>
+            <a:r>
+              <a:rPr lang="es-ES" dirty="0"/>
+              <a:t> </a:t>
+            </a:r>
+            <a:r>
+              <a:rPr lang="es-ES" dirty="0" err="1"/>
+              <a:t>model</a:t>
+            </a:r>
+            <a:endParaRPr lang="es-ES" dirty="0"/>
+          </a:p>
+          <a:p>
+            <a:pPr marL="908050" lvl="1" indent="-457200">
+              <a:buFont typeface="+mj-lt"/>
+              <a:buAutoNum type="alphaUcPeriod"/>
+            </a:pPr>
+            <a:r>
+              <a:rPr lang="es-ES" dirty="0"/>
+              <a:t>Base </a:t>
+            </a:r>
+            <a:r>
+              <a:rPr lang="es-ES" dirty="0" err="1"/>
+              <a:t>model</a:t>
+            </a:r>
+            <a:endParaRPr lang="es-ES" dirty="0"/>
+          </a:p>
+          <a:p>
+            <a:pPr marL="908050" lvl="1" indent="-457200">
+              <a:buFont typeface="+mj-lt"/>
+              <a:buAutoNum type="alphaUcPeriod"/>
+            </a:pPr>
+            <a:r>
+              <a:rPr lang="es-ES" dirty="0" err="1"/>
+              <a:t>Reduced</a:t>
+            </a:r>
+            <a:r>
+              <a:rPr lang="es-ES" dirty="0"/>
+              <a:t> </a:t>
+            </a:r>
+            <a:r>
+              <a:rPr lang="es-ES" dirty="0" err="1"/>
+              <a:t>model</a:t>
+            </a:r>
+            <a:endParaRPr lang="es-ES" dirty="0"/>
+          </a:p>
+          <a:p>
+            <a:pPr marL="908050" lvl="1" indent="-457200">
+              <a:buFont typeface="+mj-lt"/>
+              <a:buAutoNum type="alphaUcPeriod"/>
+            </a:pPr>
+            <a:r>
+              <a:rPr lang="es-ES" dirty="0" err="1"/>
+              <a:t>Mode</a:t>
+            </a:r>
+            <a:r>
+              <a:rPr lang="es-ES" dirty="0"/>
+              <a:t> </a:t>
+            </a:r>
+            <a:r>
+              <a:rPr lang="es-ES" dirty="0" err="1"/>
+              <a:t>with</a:t>
+            </a:r>
+            <a:r>
+              <a:rPr lang="es-ES" dirty="0"/>
+              <a:t> time </a:t>
+            </a:r>
+            <a:r>
+              <a:rPr lang="es-ES" dirty="0" err="1"/>
+              <a:t>varying</a:t>
+            </a:r>
+            <a:r>
+              <a:rPr lang="es-ES" dirty="0"/>
+              <a:t> </a:t>
+            </a:r>
+            <a:r>
+              <a:rPr lang="es-ES" dirty="0" err="1"/>
+              <a:t>coefficients</a:t>
+            </a:r>
+            <a:endParaRPr lang="es-ES" dirty="0"/>
+          </a:p>
+          <a:p>
+            <a:pPr marL="457200" indent="-457200">
+              <a:buFont typeface="+mj-lt"/>
+              <a:buAutoNum type="romanLcPeriod"/>
+            </a:pPr>
+            <a:r>
+              <a:rPr lang="es-ES" dirty="0" err="1"/>
+              <a:t>Linearity</a:t>
+            </a:r>
+            <a:r>
+              <a:rPr lang="es-ES" dirty="0"/>
+              <a:t> test</a:t>
+            </a:r>
+          </a:p>
+          <a:p>
+            <a:pPr marL="457200" indent="-457200">
+              <a:buFont typeface="+mj-lt"/>
+              <a:buAutoNum type="romanLcPeriod"/>
+            </a:pPr>
+            <a:r>
+              <a:rPr lang="es-ES" dirty="0" err="1"/>
+              <a:t>Choice</a:t>
+            </a:r>
+            <a:r>
+              <a:rPr lang="es-ES" dirty="0"/>
+              <a:t> </a:t>
+            </a:r>
+            <a:r>
+              <a:rPr lang="es-ES" dirty="0" err="1"/>
+              <a:t>of</a:t>
+            </a:r>
+            <a:r>
+              <a:rPr lang="es-ES" dirty="0"/>
+              <a:t> </a:t>
+            </a:r>
+            <a:r>
+              <a:rPr lang="es-ES" dirty="0" err="1"/>
+              <a:t>the</a:t>
+            </a:r>
+            <a:r>
+              <a:rPr lang="es-ES" dirty="0"/>
+              <a:t> ‘</a:t>
+            </a:r>
+            <a:r>
+              <a:rPr lang="es-ES" dirty="0" err="1"/>
+              <a:t>best</a:t>
+            </a:r>
+            <a:r>
+              <a:rPr lang="es-ES" dirty="0"/>
+              <a:t>’ </a:t>
+            </a:r>
+            <a:r>
+              <a:rPr lang="es-ES" dirty="0" err="1"/>
+              <a:t>parametric</a:t>
+            </a:r>
+            <a:r>
+              <a:rPr lang="es-ES" dirty="0"/>
+              <a:t> </a:t>
+            </a:r>
+            <a:r>
+              <a:rPr lang="es-ES" dirty="0" err="1"/>
+              <a:t>model</a:t>
+            </a:r>
+            <a:endParaRPr lang="es-ES" dirty="0"/>
+          </a:p>
+          <a:p>
+            <a:pPr marL="457200" indent="-457200">
+              <a:buFont typeface="+mj-lt"/>
+              <a:buAutoNum type="romanLcPeriod"/>
+            </a:pPr>
+            <a:endParaRPr lang="en-GB" dirty="0"/>
+          </a:p>
+        </p:txBody>
+      </p:sp>
+    </p:spTree>
+    <p:extLst>
+      <p:ext uri="{BB962C8B-B14F-4D97-AF65-F5344CB8AC3E}">
+        <p14:creationId xmlns:p14="http://schemas.microsoft.com/office/powerpoint/2010/main" val="4972780"/>
+      </p:ext>
+    </p:extLst>
+  </p:cSld>
+  <p:clrMapOvr>
+    <a:masterClrMapping/>
+  </p:clrMapOvr>
+</p:sld>
+</file>
+
+<file path=ppt/slides/slide20.xml><?xml version="1.0" encoding="utf-8"?>
 <p:sld xmlns:a="http://schemas.openxmlformats.org/drawingml/2006/main" xmlns:r="http://schemas.openxmlformats.org/officeDocument/2006/relationships" xmlns:p="http://schemas.openxmlformats.org/presentationml/2006/main">
   <p:cSld>
     <p:spTree>
@@ -13109,7 +14946,7 @@
 </p:sld>
 </file>
 
-<file path=ppt/slides/slide19.xml><?xml version="1.0" encoding="utf-8"?>
+<file path=ppt/slides/slide21.xml><?xml version="1.0" encoding="utf-8"?>
 <p:sld xmlns:a="http://schemas.openxmlformats.org/drawingml/2006/main" xmlns:r="http://schemas.openxmlformats.org/officeDocument/2006/relationships" xmlns:p="http://schemas.openxmlformats.org/presentationml/2006/main">
   <p:cSld>
     <p:spTree>
@@ -13148,52 +14985,20 @@
           <a:lstStyle/>
           <a:p>
             <a:r>
-              <a:rPr lang="es-ES" dirty="0"/>
-              <a:t>v. </a:t>
-            </a:r>
-            <a:r>
-              <a:rPr lang="es-ES" dirty="0" err="1"/>
-              <a:t>Choice</a:t>
-            </a:r>
-            <a:r>
-              <a:rPr lang="es-ES" dirty="0"/>
-              <a:t> </a:t>
-            </a:r>
-            <a:r>
-              <a:rPr lang="es-ES" dirty="0" err="1"/>
-              <a:t>of</a:t>
-            </a:r>
-            <a:r>
-              <a:rPr lang="es-ES" dirty="0"/>
-              <a:t> </a:t>
-            </a:r>
-            <a:r>
-              <a:rPr lang="es-ES" dirty="0" err="1"/>
-              <a:t>the</a:t>
-            </a:r>
-            <a:r>
-              <a:rPr lang="es-ES" dirty="0"/>
-              <a:t> ‘</a:t>
-            </a:r>
-            <a:r>
-              <a:rPr lang="es-ES" dirty="0" err="1"/>
-              <a:t>best</a:t>
-            </a:r>
-            <a:r>
-              <a:rPr lang="es-ES" dirty="0"/>
-              <a:t>’ </a:t>
-            </a:r>
-            <a:r>
-              <a:rPr lang="es-ES" dirty="0" err="1"/>
-              <a:t>parametric</a:t>
-            </a:r>
-            <a:r>
-              <a:rPr lang="es-ES" dirty="0"/>
-              <a:t> </a:t>
-            </a:r>
-            <a:r>
-              <a:rPr lang="es-ES" dirty="0" err="1"/>
-              <a:t>model</a:t>
+              <a:rPr lang="es-ES" dirty="0" err="1"/>
+              <a:t>iv</a:t>
+            </a:r>
+            <a:r>
+              <a:rPr lang="es-ES" dirty="0"/>
+              <a:t>. </a:t>
+            </a:r>
+            <a:r>
+              <a:rPr lang="es-ES" dirty="0" err="1"/>
+              <a:t>Linearity</a:t>
+            </a:r>
+            <a:r>
+              <a:rPr lang="es-ES" dirty="0"/>
+              <a:t> test</a:t>
             </a:r>
             <a:endParaRPr lang="en-GB" dirty="0"/>
           </a:p>
@@ -13201,33 +15006,346 @@
       </p:sp>
       <p:sp>
         <p:nvSpPr>
-          <p:cNvPr id="3" name="Content Placeholder 2">
+          <p:cNvPr id="10" name="TextBox 9">
             <a:extLst>
               <a:ext uri="{FF2B5EF4-FFF2-40B4-BE49-F238E27FC236}">
-                <a16:creationId xmlns:a16="http://schemas.microsoft.com/office/drawing/2014/main" id="{00097D50-5ACB-4FDD-50C2-902AABD801B5}"/>
+                <a16:creationId xmlns:a16="http://schemas.microsoft.com/office/drawing/2014/main" id="{45FE6EE5-DD2F-2064-2E7F-59FE5212A61D}"/>
               </a:ext>
             </a:extLst>
           </p:cNvPr>
-          <p:cNvSpPr>
-            <a:spLocks noGrp="1"/>
-          </p:cNvSpPr>
+          <p:cNvSpPr txBox="1"/>
+          <p:nvPr/>
+        </p:nvSpPr>
+        <p:spPr>
+          <a:xfrm>
+            <a:off x="2274894" y="1396590"/>
+            <a:ext cx="8393106" cy="369332"/>
+          </a:xfrm>
+          <a:prstGeom prst="rect">
+            <a:avLst/>
+          </a:prstGeom>
+          <a:noFill/>
+        </p:spPr>
+        <p:txBody>
+          <a:bodyPr wrap="square" rtlCol="0">
+            <a:spAutoFit/>
+          </a:bodyPr>
+          <a:lstStyle/>
+          <a:p>
+            <a:pPr marL="285750" indent="-285750">
+              <a:buFont typeface="Arial" panose="020B0604020202020204" pitchFamily="34" charset="0"/>
+              <a:buChar char="•"/>
+            </a:pPr>
+            <a:r>
+              <a:rPr lang="es-ES" dirty="0" err="1"/>
+              <a:t>Comparison</a:t>
+            </a:r>
+            <a:r>
+              <a:rPr lang="es-ES" dirty="0"/>
+              <a:t> </a:t>
+            </a:r>
+            <a:r>
+              <a:rPr lang="es-ES" dirty="0" err="1"/>
+              <a:t>with</a:t>
+            </a:r>
+            <a:r>
+              <a:rPr lang="es-ES" dirty="0"/>
+              <a:t> </a:t>
+            </a:r>
+            <a:r>
+              <a:rPr lang="es-ES" b="1" dirty="0"/>
+              <a:t>AIC</a:t>
+            </a:r>
+            <a:r>
+              <a:rPr lang="es-ES" dirty="0"/>
+              <a:t>:</a:t>
+            </a:r>
+            <a:endParaRPr lang="en-GB" dirty="0"/>
+          </a:p>
+        </p:txBody>
+      </p:sp>
+      <p:graphicFrame>
+        <p:nvGraphicFramePr>
+          <p:cNvPr id="6" name="Table 3">
+            <a:extLst>
+              <a:ext uri="{FF2B5EF4-FFF2-40B4-BE49-F238E27FC236}">
+                <a16:creationId xmlns:a16="http://schemas.microsoft.com/office/drawing/2014/main" id="{AE1532C1-D34E-7495-0F01-8925FDEDA9BE}"/>
+              </a:ext>
+            </a:extLst>
+          </p:cNvPr>
+          <p:cNvGraphicFramePr>
+            <a:graphicFrameLocks noGrp="1"/>
+          </p:cNvGraphicFramePr>
           <p:nvPr>
-            <p:ph idx="1"/>
+            <p:extLst>
+              <p:ext uri="{D42A27DB-BD31-4B8C-83A1-F6EECF244321}">
+                <p14:modId xmlns:p14="http://schemas.microsoft.com/office/powerpoint/2010/main" val="1798453869"/>
+              </p:ext>
+            </p:extLst>
           </p:nvPr>
-        </p:nvSpPr>
-        <p:spPr/>
-        <p:txBody>
-          <a:bodyPr/>
-          <a:lstStyle/>
-          <a:p>
-            <a:endParaRPr lang="en-GB"/>
-          </a:p>
-        </p:txBody>
-      </p:sp>
+        </p:nvGraphicFramePr>
+        <p:xfrm>
+          <a:off x="2274894" y="3059113"/>
+          <a:ext cx="5418666" cy="1478280"/>
+        </p:xfrm>
+        <a:graphic>
+          <a:graphicData uri="http://schemas.openxmlformats.org/drawingml/2006/table">
+            <a:tbl>
+              <a:tblPr firstRow="1" bandRow="1">
+                <a:tableStyleId>{5C22544A-7EE6-4342-B048-85BDC9FD1C3A}</a:tableStyleId>
+              </a:tblPr>
+              <a:tblGrid>
+                <a:gridCol w="2709333">
+                  <a:extLst>
+                    <a:ext uri="{9D8B030D-6E8A-4147-A177-3AD203B41FA5}">
+                      <a16:colId xmlns:a16="http://schemas.microsoft.com/office/drawing/2014/main" val="609590367"/>
+                    </a:ext>
+                  </a:extLst>
+                </a:gridCol>
+                <a:gridCol w="2709333">
+                  <a:extLst>
+                    <a:ext uri="{9D8B030D-6E8A-4147-A177-3AD203B41FA5}">
+                      <a16:colId xmlns:a16="http://schemas.microsoft.com/office/drawing/2014/main" val="3073907434"/>
+                    </a:ext>
+                  </a:extLst>
+                </a:gridCol>
+              </a:tblGrid>
+              <a:tr h="361531">
+                <a:tc>
+                  <a:txBody>
+                    <a:bodyPr/>
+                    <a:lstStyle/>
+                    <a:p>
+                      <a:r>
+                        <a:rPr lang="es-ES" dirty="0" err="1">
+                          <a:solidFill>
+                            <a:schemeClr val="bg1"/>
+                          </a:solidFill>
+                        </a:rPr>
+                        <a:t>Model</a:t>
+                      </a:r>
+                      <a:endParaRPr lang="en-GB" dirty="0">
+                        <a:solidFill>
+                          <a:schemeClr val="bg1"/>
+                        </a:solidFill>
+                      </a:endParaRPr>
+                    </a:p>
+                  </a:txBody>
+                  <a:tcPr/>
+                </a:tc>
+                <a:tc>
+                  <a:txBody>
+                    <a:bodyPr/>
+                    <a:lstStyle/>
+                    <a:p>
+                      <a:r>
+                        <a:rPr lang="es-ES" dirty="0">
+                          <a:solidFill>
+                            <a:schemeClr val="bg1"/>
+                          </a:solidFill>
+                        </a:rPr>
+                        <a:t>AIC</a:t>
+                      </a:r>
+                      <a:endParaRPr lang="en-GB" dirty="0">
+                        <a:solidFill>
+                          <a:schemeClr val="bg1"/>
+                        </a:solidFill>
+                      </a:endParaRPr>
+                    </a:p>
+                  </a:txBody>
+                  <a:tcPr/>
+                </a:tc>
+                <a:extLst>
+                  <a:ext uri="{0D108BD9-81ED-4DB2-BD59-A6C34878D82A}">
+                    <a16:rowId xmlns:a16="http://schemas.microsoft.com/office/drawing/2014/main" val="423016576"/>
+                  </a:ext>
+                </a:extLst>
+              </a:tr>
+              <a:tr h="370840">
+                <a:tc>
+                  <a:txBody>
+                    <a:bodyPr/>
+                    <a:lstStyle/>
+                    <a:p>
+                      <a:r>
+                        <a:rPr lang="es-ES" i="1" dirty="0" err="1"/>
+                        <a:t>cox_reduced</a:t>
+                      </a:r>
+                      <a:endParaRPr lang="en-GB" i="1" dirty="0"/>
+                    </a:p>
+                  </a:txBody>
+                  <a:tcPr/>
+                </a:tc>
+                <a:tc>
+                  <a:txBody>
+                    <a:bodyPr/>
+                    <a:lstStyle/>
+                    <a:p>
+                      <a:r>
+                        <a:rPr lang="es-ES" sz="1800" kern="1200" dirty="0">
+                          <a:solidFill>
+                            <a:schemeClr val="dk1"/>
+                          </a:solidFill>
+                          <a:latin typeface="+mn-lt"/>
+                          <a:ea typeface="+mn-ea"/>
+                          <a:cs typeface="+mn-cs"/>
+                        </a:rPr>
+                        <a:t>952.97</a:t>
+                      </a:r>
+                      <a:endParaRPr lang="en-GB" sz="1800" kern="1200" dirty="0">
+                        <a:solidFill>
+                          <a:schemeClr val="dk1"/>
+                        </a:solidFill>
+                        <a:latin typeface="+mn-lt"/>
+                        <a:ea typeface="+mn-ea"/>
+                        <a:cs typeface="+mn-cs"/>
+                      </a:endParaRPr>
+                    </a:p>
+                  </a:txBody>
+                  <a:tcPr/>
+                </a:tc>
+                <a:extLst>
+                  <a:ext uri="{0D108BD9-81ED-4DB2-BD59-A6C34878D82A}">
+                    <a16:rowId xmlns:a16="http://schemas.microsoft.com/office/drawing/2014/main" val="349952682"/>
+                  </a:ext>
+                </a:extLst>
+              </a:tr>
+              <a:tr h="370840">
+                <a:tc>
+                  <a:txBody>
+                    <a:bodyPr/>
+                    <a:lstStyle/>
+                    <a:p>
+                      <a:r>
+                        <a:rPr lang="es-ES" i="1" dirty="0" err="1"/>
+                        <a:t>cox_time_reduced</a:t>
+                      </a:r>
+                      <a:endParaRPr lang="en-GB" i="1" dirty="0"/>
+                    </a:p>
+                  </a:txBody>
+                  <a:tcPr/>
+                </a:tc>
+                <a:tc>
+                  <a:txBody>
+                    <a:bodyPr/>
+                    <a:lstStyle/>
+                    <a:p>
+                      <a:r>
+                        <a:rPr lang="es-ES" sz="1800" kern="1200" dirty="0">
+                          <a:solidFill>
+                            <a:schemeClr val="dk1"/>
+                          </a:solidFill>
+                          <a:latin typeface="+mn-lt"/>
+                          <a:ea typeface="+mn-ea"/>
+                          <a:cs typeface="+mn-cs"/>
+                        </a:rPr>
+                        <a:t>953.48</a:t>
+                      </a:r>
+                      <a:endParaRPr lang="en-GB" sz="1800" kern="1200" dirty="0">
+                        <a:solidFill>
+                          <a:schemeClr val="dk1"/>
+                        </a:solidFill>
+                        <a:latin typeface="+mn-lt"/>
+                        <a:ea typeface="+mn-ea"/>
+                        <a:cs typeface="+mn-cs"/>
+                      </a:endParaRPr>
+                    </a:p>
+                  </a:txBody>
+                  <a:tcPr/>
+                </a:tc>
+                <a:extLst>
+                  <a:ext uri="{0D108BD9-81ED-4DB2-BD59-A6C34878D82A}">
+                    <a16:rowId xmlns:a16="http://schemas.microsoft.com/office/drawing/2014/main" val="93902608"/>
+                  </a:ext>
+                </a:extLst>
+              </a:tr>
+              <a:tr h="370840">
+                <a:tc>
+                  <a:txBody>
+                    <a:bodyPr/>
+                    <a:lstStyle/>
+                    <a:p>
+                      <a:r>
+                        <a:rPr lang="es-ES" i="1" dirty="0" err="1"/>
+                        <a:t>cox_all_mfp</a:t>
+                      </a:r>
+                      <a:endParaRPr lang="en-GB" i="1" dirty="0"/>
+                    </a:p>
+                  </a:txBody>
+                  <a:tcPr/>
+                </a:tc>
+                <a:tc>
+                  <a:txBody>
+                    <a:bodyPr/>
+                    <a:lstStyle/>
+                    <a:p>
+                      <a:r>
+                        <a:rPr lang="es-ES" sz="1800" b="1" kern="1200" dirty="0">
+                          <a:solidFill>
+                            <a:schemeClr val="dk1"/>
+                          </a:solidFill>
+                          <a:latin typeface="+mn-lt"/>
+                          <a:ea typeface="+mn-ea"/>
+                          <a:cs typeface="+mn-cs"/>
+                        </a:rPr>
+                        <a:t>938.76</a:t>
+                      </a:r>
+                      <a:endParaRPr lang="en-GB" sz="1800" b="1" kern="1200" dirty="0">
+                        <a:solidFill>
+                          <a:schemeClr val="dk1"/>
+                        </a:solidFill>
+                        <a:latin typeface="+mn-lt"/>
+                        <a:ea typeface="+mn-ea"/>
+                        <a:cs typeface="+mn-cs"/>
+                      </a:endParaRPr>
+                    </a:p>
+                  </a:txBody>
+                  <a:tcPr/>
+                </a:tc>
+                <a:extLst>
+                  <a:ext uri="{0D108BD9-81ED-4DB2-BD59-A6C34878D82A}">
+                    <a16:rowId xmlns:a16="http://schemas.microsoft.com/office/drawing/2014/main" val="794258951"/>
+                  </a:ext>
+                </a:extLst>
+              </a:tr>
+            </a:tbl>
+          </a:graphicData>
+        </a:graphic>
+      </p:graphicFrame>
+      <p:pic>
+        <p:nvPicPr>
+          <p:cNvPr id="13" name="Picture 12">
+            <a:extLst>
+              <a:ext uri="{FF2B5EF4-FFF2-40B4-BE49-F238E27FC236}">
+                <a16:creationId xmlns:a16="http://schemas.microsoft.com/office/drawing/2014/main" id="{D507BB06-C85C-A1F7-2F2E-25684613271B}"/>
+              </a:ext>
+            </a:extLst>
+          </p:cNvPr>
+          <p:cNvPicPr>
+            <a:picLocks noChangeAspect="1"/>
+          </p:cNvPicPr>
+          <p:nvPr/>
+        </p:nvPicPr>
+        <p:blipFill>
+          <a:blip r:embed="rId3"/>
+          <a:stretch>
+            <a:fillRect/>
+          </a:stretch>
+        </p:blipFill>
+        <p:spPr>
+          <a:xfrm>
+            <a:off x="2274893" y="2354456"/>
+            <a:ext cx="4034977" cy="585294"/>
+          </a:xfrm>
+          <a:prstGeom prst="rect">
+            <a:avLst/>
+          </a:prstGeom>
+        </p:spPr>
+      </p:pic>
     </p:spTree>
     <p:extLst>
       <p:ext uri="{BB962C8B-B14F-4D97-AF65-F5344CB8AC3E}">
-        <p14:creationId xmlns:p14="http://schemas.microsoft.com/office/powerpoint/2010/main" val="2789381983"/>
+        <p14:creationId xmlns:p14="http://schemas.microsoft.com/office/powerpoint/2010/main" val="1208147724"/>
       </p:ext>
     </p:extLst>
   </p:cSld>
@@ -13237,7 +15355,7 @@
 </p:sld>
 </file>
 
-<file path=ppt/slides/slide2.xml><?xml version="1.0" encoding="utf-8"?>
+<file path=ppt/slides/slide22.xml><?xml version="1.0" encoding="utf-8"?>
 <p:sld xmlns:a="http://schemas.openxmlformats.org/drawingml/2006/main" xmlns:r="http://schemas.openxmlformats.org/officeDocument/2006/relationships" xmlns:p="http://schemas.openxmlformats.org/presentationml/2006/main">
   <p:cSld>
     <p:spTree>
@@ -13259,7 +15377,7 @@
           <p:cNvPr id="2" name="Title 1">
             <a:extLst>
               <a:ext uri="{FF2B5EF4-FFF2-40B4-BE49-F238E27FC236}">
-                <a16:creationId xmlns:a16="http://schemas.microsoft.com/office/drawing/2014/main" id="{45B66112-171E-1ECA-8B21-B617C495018A}"/>
+                <a16:creationId xmlns:a16="http://schemas.microsoft.com/office/drawing/2014/main" id="{497E08B4-1A21-5C4A-FF59-0254370A8800}"/>
               </a:ext>
             </a:extLst>
           </p:cNvPr>
@@ -13277,7 +15395,15 @@
           <a:p>
             <a:r>
               <a:rPr lang="es-ES" dirty="0"/>
-              <a:t>Table </a:t>
+              <a:t>v. </a:t>
+            </a:r>
+            <a:r>
+              <a:rPr lang="es-ES" dirty="0" err="1"/>
+              <a:t>Choice</a:t>
+            </a:r>
+            <a:r>
+              <a:rPr lang="es-ES" dirty="0"/>
+              <a:t> </a:t>
             </a:r>
             <a:r>
               <a:rPr lang="es-ES" dirty="0" err="1"/>
@@ -13289,157 +15415,592 @@
             </a:r>
             <a:r>
               <a:rPr lang="es-ES" dirty="0" err="1"/>
-              <a:t>Contents</a:t>
+              <a:t>the</a:t>
+            </a:r>
+            <a:r>
+              <a:rPr lang="es-ES" dirty="0"/>
+              <a:t> ‘</a:t>
+            </a:r>
+            <a:r>
+              <a:rPr lang="es-ES" dirty="0" err="1"/>
+              <a:t>best</a:t>
+            </a:r>
+            <a:r>
+              <a:rPr lang="es-ES" dirty="0"/>
+              <a:t>’ </a:t>
+            </a:r>
+            <a:r>
+              <a:rPr lang="es-ES" dirty="0" err="1"/>
+              <a:t>parametric</a:t>
+            </a:r>
+            <a:r>
+              <a:rPr lang="es-ES" dirty="0"/>
+              <a:t> </a:t>
+            </a:r>
+            <a:r>
+              <a:rPr lang="es-ES" dirty="0" err="1"/>
+              <a:t>model</a:t>
             </a:r>
             <a:endParaRPr lang="en-GB" dirty="0"/>
           </a:p>
         </p:txBody>
       </p:sp>
-      <p:sp>
-        <p:nvSpPr>
-          <p:cNvPr id="3" name="Content Placeholder 2">
+      <p:graphicFrame>
+        <p:nvGraphicFramePr>
+          <p:cNvPr id="5" name="Table 3">
             <a:extLst>
               <a:ext uri="{FF2B5EF4-FFF2-40B4-BE49-F238E27FC236}">
-                <a16:creationId xmlns:a16="http://schemas.microsoft.com/office/drawing/2014/main" id="{9E28193F-FE09-8E4B-A363-00025BEC7E88}"/>
+                <a16:creationId xmlns:a16="http://schemas.microsoft.com/office/drawing/2014/main" id="{C62464A6-00D3-E992-6979-E82EEDC1BC8C}"/>
               </a:ext>
             </a:extLst>
           </p:cNvPr>
-          <p:cNvSpPr>
-            <a:spLocks noGrp="1"/>
-          </p:cNvSpPr>
+          <p:cNvGraphicFramePr>
+            <a:graphicFrameLocks noGrp="1"/>
+          </p:cNvGraphicFramePr>
           <p:nvPr>
-            <p:ph idx="1"/>
+            <p:extLst>
+              <p:ext uri="{D42A27DB-BD31-4B8C-83A1-F6EECF244321}">
+                <p14:modId xmlns:p14="http://schemas.microsoft.com/office/powerpoint/2010/main" val="2079396221"/>
+              </p:ext>
+            </p:extLst>
           </p:nvPr>
+        </p:nvGraphicFramePr>
+        <p:xfrm>
+          <a:off x="2210429" y="2924391"/>
+          <a:ext cx="8127999" cy="2595880"/>
+        </p:xfrm>
+        <a:graphic>
+          <a:graphicData uri="http://schemas.openxmlformats.org/drawingml/2006/table">
+            <a:tbl>
+              <a:tblPr firstRow="1" bandRow="1">
+                <a:tableStyleId>{5C22544A-7EE6-4342-B048-85BDC9FD1C3A}</a:tableStyleId>
+              </a:tblPr>
+              <a:tblGrid>
+                <a:gridCol w="2709333">
+                  <a:extLst>
+                    <a:ext uri="{9D8B030D-6E8A-4147-A177-3AD203B41FA5}">
+                      <a16:colId xmlns:a16="http://schemas.microsoft.com/office/drawing/2014/main" val="609590367"/>
+                    </a:ext>
+                  </a:extLst>
+                </a:gridCol>
+                <a:gridCol w="2709333">
+                  <a:extLst>
+                    <a:ext uri="{9D8B030D-6E8A-4147-A177-3AD203B41FA5}">
+                      <a16:colId xmlns:a16="http://schemas.microsoft.com/office/drawing/2014/main" val="3073907434"/>
+                    </a:ext>
+                  </a:extLst>
+                </a:gridCol>
+                <a:gridCol w="2709333">
+                  <a:extLst>
+                    <a:ext uri="{9D8B030D-6E8A-4147-A177-3AD203B41FA5}">
+                      <a16:colId xmlns:a16="http://schemas.microsoft.com/office/drawing/2014/main" val="4112593623"/>
+                    </a:ext>
+                  </a:extLst>
+                </a:gridCol>
+              </a:tblGrid>
+              <a:tr h="370840">
+                <a:tc>
+                  <a:txBody>
+                    <a:bodyPr/>
+                    <a:lstStyle/>
+                    <a:p>
+                      <a:r>
+                        <a:rPr lang="es-ES" dirty="0" err="1">
+                          <a:solidFill>
+                            <a:schemeClr val="bg1"/>
+                          </a:solidFill>
+                        </a:rPr>
+                        <a:t>Model</a:t>
+                      </a:r>
+                      <a:endParaRPr lang="en-GB" dirty="0">
+                        <a:solidFill>
+                          <a:schemeClr val="bg1"/>
+                        </a:solidFill>
+                      </a:endParaRPr>
+                    </a:p>
+                  </a:txBody>
+                  <a:tcPr/>
+                </a:tc>
+                <a:tc>
+                  <a:txBody>
+                    <a:bodyPr/>
+                    <a:lstStyle/>
+                    <a:p>
+                      <a:r>
+                        <a:rPr lang="es-ES" dirty="0">
+                          <a:solidFill>
+                            <a:schemeClr val="bg1"/>
+                          </a:solidFill>
+                        </a:rPr>
+                        <a:t>AIC</a:t>
+                      </a:r>
+                      <a:endParaRPr lang="en-GB" dirty="0">
+                        <a:solidFill>
+                          <a:schemeClr val="bg1"/>
+                        </a:solidFill>
+                      </a:endParaRPr>
+                    </a:p>
+                  </a:txBody>
+                  <a:tcPr/>
+                </a:tc>
+                <a:tc>
+                  <a:txBody>
+                    <a:bodyPr/>
+                    <a:lstStyle/>
+                    <a:p>
+                      <a:r>
+                        <a:rPr lang="es-ES" dirty="0">
+                          <a:solidFill>
+                            <a:schemeClr val="bg1"/>
+                          </a:solidFill>
+                        </a:rPr>
+                        <a:t>BIC</a:t>
+                      </a:r>
+                      <a:endParaRPr lang="en-GB" dirty="0">
+                        <a:solidFill>
+                          <a:schemeClr val="bg1"/>
+                        </a:solidFill>
+                      </a:endParaRPr>
+                    </a:p>
+                  </a:txBody>
+                  <a:tcPr/>
+                </a:tc>
+                <a:extLst>
+                  <a:ext uri="{0D108BD9-81ED-4DB2-BD59-A6C34878D82A}">
+                    <a16:rowId xmlns:a16="http://schemas.microsoft.com/office/drawing/2014/main" val="423016576"/>
+                  </a:ext>
+                </a:extLst>
+              </a:tr>
+              <a:tr h="370840">
+                <a:tc>
+                  <a:txBody>
+                    <a:bodyPr/>
+                    <a:lstStyle/>
+                    <a:p>
+                      <a:r>
+                        <a:rPr lang="es-ES" i="1" dirty="0" err="1"/>
+                        <a:t>Exponential</a:t>
+                      </a:r>
+                      <a:r>
+                        <a:rPr lang="es-ES" i="1" dirty="0"/>
+                        <a:t> PH</a:t>
+                      </a:r>
+                      <a:endParaRPr lang="en-GB" i="1" dirty="0"/>
+                    </a:p>
+                  </a:txBody>
+                  <a:tcPr/>
+                </a:tc>
+                <a:tc>
+                  <a:txBody>
+                    <a:bodyPr/>
+                    <a:lstStyle/>
+                    <a:p>
+                      <a:pPr marL="0" algn="l" defTabSz="914400" rtl="0" eaLnBrk="1" latinLnBrk="0" hangingPunct="1"/>
+                      <a:r>
+                        <a:rPr lang="es-ES" sz="1800" b="1" kern="1200" dirty="0">
+                          <a:solidFill>
+                            <a:schemeClr val="dk1"/>
+                          </a:solidFill>
+                          <a:latin typeface="+mn-lt"/>
+                          <a:ea typeface="+mn-ea"/>
+                          <a:cs typeface="+mn-cs"/>
+                        </a:rPr>
+                        <a:t>1280.421</a:t>
+                      </a:r>
+                      <a:endParaRPr lang="en-GB" sz="1800" b="1" kern="1200" dirty="0">
+                        <a:solidFill>
+                          <a:schemeClr val="dk1"/>
+                        </a:solidFill>
+                        <a:latin typeface="+mn-lt"/>
+                        <a:ea typeface="+mn-ea"/>
+                        <a:cs typeface="+mn-cs"/>
+                      </a:endParaRPr>
+                    </a:p>
+                  </a:txBody>
+                  <a:tcPr/>
+                </a:tc>
+                <a:tc>
+                  <a:txBody>
+                    <a:bodyPr/>
+                    <a:lstStyle/>
+                    <a:p>
+                      <a:r>
+                        <a:rPr lang="es-ES" b="1" dirty="0"/>
+                        <a:t>1324.827</a:t>
+                      </a:r>
+                      <a:endParaRPr lang="en-GB" b="1" dirty="0"/>
+                    </a:p>
+                  </a:txBody>
+                  <a:tcPr/>
+                </a:tc>
+                <a:extLst>
+                  <a:ext uri="{0D108BD9-81ED-4DB2-BD59-A6C34878D82A}">
+                    <a16:rowId xmlns:a16="http://schemas.microsoft.com/office/drawing/2014/main" val="349952682"/>
+                  </a:ext>
+                </a:extLst>
+              </a:tr>
+              <a:tr h="370840">
+                <a:tc>
+                  <a:txBody>
+                    <a:bodyPr/>
+                    <a:lstStyle/>
+                    <a:p>
+                      <a:r>
+                        <a:rPr lang="es-ES" i="1" dirty="0"/>
+                        <a:t>Weibull PH</a:t>
+                      </a:r>
+                      <a:endParaRPr lang="en-GB" i="1" dirty="0"/>
+                    </a:p>
+                  </a:txBody>
+                  <a:tcPr/>
+                </a:tc>
+                <a:tc>
+                  <a:txBody>
+                    <a:bodyPr/>
+                    <a:lstStyle/>
+                    <a:p>
+                      <a:pPr marL="0" algn="l" defTabSz="914400" rtl="0" eaLnBrk="1" latinLnBrk="0" hangingPunct="1"/>
+                      <a:r>
+                        <a:rPr lang="es-ES" sz="1800" kern="1200" dirty="0">
+                          <a:solidFill>
+                            <a:schemeClr val="dk1"/>
+                          </a:solidFill>
+                          <a:latin typeface="+mn-lt"/>
+                          <a:ea typeface="+mn-ea"/>
+                          <a:cs typeface="+mn-cs"/>
+                        </a:rPr>
+                        <a:t>1282.236</a:t>
+                      </a:r>
+                      <a:endParaRPr lang="en-GB" sz="1800" kern="1200" dirty="0">
+                        <a:solidFill>
+                          <a:schemeClr val="dk1"/>
+                        </a:solidFill>
+                        <a:latin typeface="+mn-lt"/>
+                        <a:ea typeface="+mn-ea"/>
+                        <a:cs typeface="+mn-cs"/>
+                      </a:endParaRPr>
+                    </a:p>
+                  </a:txBody>
+                  <a:tcPr/>
+                </a:tc>
+                <a:tc>
+                  <a:txBody>
+                    <a:bodyPr/>
+                    <a:lstStyle/>
+                    <a:p>
+                      <a:r>
+                        <a:rPr lang="es-ES" dirty="0"/>
+                        <a:t>1330.341</a:t>
+                      </a:r>
+                      <a:endParaRPr lang="en-GB" dirty="0"/>
+                    </a:p>
+                  </a:txBody>
+                  <a:tcPr/>
+                </a:tc>
+                <a:extLst>
+                  <a:ext uri="{0D108BD9-81ED-4DB2-BD59-A6C34878D82A}">
+                    <a16:rowId xmlns:a16="http://schemas.microsoft.com/office/drawing/2014/main" val="93902608"/>
+                  </a:ext>
+                </a:extLst>
+              </a:tr>
+              <a:tr h="370840">
+                <a:tc>
+                  <a:txBody>
+                    <a:bodyPr/>
+                    <a:lstStyle/>
+                    <a:p>
+                      <a:r>
+                        <a:rPr lang="es-ES" i="1" dirty="0" err="1"/>
+                        <a:t>Gompertz</a:t>
+                      </a:r>
+                      <a:r>
+                        <a:rPr lang="es-ES" i="1" dirty="0"/>
+                        <a:t> PH</a:t>
+                      </a:r>
+                      <a:endParaRPr lang="en-GB" i="1" dirty="0"/>
+                    </a:p>
+                  </a:txBody>
+                  <a:tcPr/>
+                </a:tc>
+                <a:tc>
+                  <a:txBody>
+                    <a:bodyPr/>
+                    <a:lstStyle/>
+                    <a:p>
+                      <a:pPr marL="0" algn="l" defTabSz="914400" rtl="0" eaLnBrk="1" latinLnBrk="0" hangingPunct="1"/>
+                      <a:r>
+                        <a:rPr lang="es-ES" sz="1800" kern="1200" dirty="0">
+                          <a:solidFill>
+                            <a:schemeClr val="dk1"/>
+                          </a:solidFill>
+                          <a:latin typeface="+mn-lt"/>
+                          <a:ea typeface="+mn-ea"/>
+                          <a:cs typeface="+mn-cs"/>
+                        </a:rPr>
+                        <a:t>1333.842</a:t>
+                      </a:r>
+                      <a:endParaRPr lang="en-GB" sz="1800" kern="1200" dirty="0">
+                        <a:solidFill>
+                          <a:schemeClr val="dk1"/>
+                        </a:solidFill>
+                        <a:latin typeface="+mn-lt"/>
+                        <a:ea typeface="+mn-ea"/>
+                        <a:cs typeface="+mn-cs"/>
+                      </a:endParaRPr>
+                    </a:p>
+                  </a:txBody>
+                  <a:tcPr/>
+                </a:tc>
+                <a:tc>
+                  <a:txBody>
+                    <a:bodyPr/>
+                    <a:lstStyle/>
+                    <a:p>
+                      <a:r>
+                        <a:rPr lang="es-ES" dirty="0"/>
+                        <a:t>1381.948</a:t>
+                      </a:r>
+                      <a:endParaRPr lang="en-GB" dirty="0"/>
+                    </a:p>
+                  </a:txBody>
+                  <a:tcPr/>
+                </a:tc>
+                <a:extLst>
+                  <a:ext uri="{0D108BD9-81ED-4DB2-BD59-A6C34878D82A}">
+                    <a16:rowId xmlns:a16="http://schemas.microsoft.com/office/drawing/2014/main" val="794258951"/>
+                  </a:ext>
+                </a:extLst>
+              </a:tr>
+              <a:tr h="370840">
+                <a:tc>
+                  <a:txBody>
+                    <a:bodyPr/>
+                    <a:lstStyle/>
+                    <a:p>
+                      <a:r>
+                        <a:rPr lang="es-ES" i="1" dirty="0"/>
+                        <a:t>Log-Normal AFT</a:t>
+                      </a:r>
+                      <a:endParaRPr lang="en-GB" i="1" dirty="0"/>
+                    </a:p>
+                  </a:txBody>
+                  <a:tcPr/>
+                </a:tc>
+                <a:tc>
+                  <a:txBody>
+                    <a:bodyPr/>
+                    <a:lstStyle/>
+                    <a:p>
+                      <a:pPr marL="0" algn="l" defTabSz="914400" rtl="0" eaLnBrk="1" latinLnBrk="0" hangingPunct="1"/>
+                      <a:r>
+                        <a:rPr lang="es-ES" sz="1800" kern="1200" dirty="0">
+                          <a:solidFill>
+                            <a:schemeClr val="dk1"/>
+                          </a:solidFill>
+                          <a:latin typeface="+mn-lt"/>
+                          <a:ea typeface="+mn-ea"/>
+                          <a:cs typeface="+mn-cs"/>
+                        </a:rPr>
+                        <a:t>1287.371</a:t>
+                      </a:r>
+                      <a:endParaRPr lang="en-GB" sz="1800" kern="1200" dirty="0">
+                        <a:solidFill>
+                          <a:schemeClr val="dk1"/>
+                        </a:solidFill>
+                        <a:latin typeface="+mn-lt"/>
+                        <a:ea typeface="+mn-ea"/>
+                        <a:cs typeface="+mn-cs"/>
+                      </a:endParaRPr>
+                    </a:p>
+                  </a:txBody>
+                  <a:tcPr/>
+                </a:tc>
+                <a:tc>
+                  <a:txBody>
+                    <a:bodyPr/>
+                    <a:lstStyle/>
+                    <a:p>
+                      <a:r>
+                        <a:rPr lang="es-ES" dirty="0"/>
+                        <a:t>1335.477</a:t>
+                      </a:r>
+                      <a:endParaRPr lang="en-GB" dirty="0"/>
+                    </a:p>
+                  </a:txBody>
+                  <a:tcPr/>
+                </a:tc>
+                <a:extLst>
+                  <a:ext uri="{0D108BD9-81ED-4DB2-BD59-A6C34878D82A}">
+                    <a16:rowId xmlns:a16="http://schemas.microsoft.com/office/drawing/2014/main" val="4169310468"/>
+                  </a:ext>
+                </a:extLst>
+              </a:tr>
+              <a:tr h="370840">
+                <a:tc>
+                  <a:txBody>
+                    <a:bodyPr/>
+                    <a:lstStyle/>
+                    <a:p>
+                      <a:r>
+                        <a:rPr lang="es-ES" i="1" dirty="0"/>
+                        <a:t>Gamma AFT</a:t>
+                      </a:r>
+                      <a:endParaRPr lang="en-GB" i="1" dirty="0"/>
+                    </a:p>
+                  </a:txBody>
+                  <a:tcPr/>
+                </a:tc>
+                <a:tc>
+                  <a:txBody>
+                    <a:bodyPr/>
+                    <a:lstStyle/>
+                    <a:p>
+                      <a:pPr marL="0" algn="l" defTabSz="914400" rtl="0" eaLnBrk="1" latinLnBrk="0" hangingPunct="1"/>
+                      <a:r>
+                        <a:rPr lang="es-ES" sz="1800" kern="1200" dirty="0">
+                          <a:solidFill>
+                            <a:schemeClr val="dk1"/>
+                          </a:solidFill>
+                          <a:latin typeface="+mn-lt"/>
+                          <a:ea typeface="+mn-ea"/>
+                          <a:cs typeface="+mn-cs"/>
+                        </a:rPr>
+                        <a:t>1301.284</a:t>
+                      </a:r>
+                      <a:endParaRPr lang="en-GB" sz="1800" kern="1200" dirty="0">
+                        <a:solidFill>
+                          <a:schemeClr val="dk1"/>
+                        </a:solidFill>
+                        <a:latin typeface="+mn-lt"/>
+                        <a:ea typeface="+mn-ea"/>
+                        <a:cs typeface="+mn-cs"/>
+                      </a:endParaRPr>
+                    </a:p>
+                  </a:txBody>
+                  <a:tcPr/>
+                </a:tc>
+                <a:tc>
+                  <a:txBody>
+                    <a:bodyPr/>
+                    <a:lstStyle/>
+                    <a:p>
+                      <a:r>
+                        <a:rPr lang="es-ES" dirty="0"/>
+                        <a:t>1353.090</a:t>
+                      </a:r>
+                      <a:endParaRPr lang="en-GB" dirty="0"/>
+                    </a:p>
+                  </a:txBody>
+                  <a:tcPr/>
+                </a:tc>
+                <a:extLst>
+                  <a:ext uri="{0D108BD9-81ED-4DB2-BD59-A6C34878D82A}">
+                    <a16:rowId xmlns:a16="http://schemas.microsoft.com/office/drawing/2014/main" val="3225914729"/>
+                  </a:ext>
+                </a:extLst>
+              </a:tr>
+              <a:tr h="370840">
+                <a:tc>
+                  <a:txBody>
+                    <a:bodyPr/>
+                    <a:lstStyle/>
+                    <a:p>
+                      <a:r>
+                        <a:rPr lang="es-ES" i="1" dirty="0"/>
+                        <a:t>Log-</a:t>
+                      </a:r>
+                      <a:r>
+                        <a:rPr lang="es-ES" i="1" dirty="0" err="1"/>
+                        <a:t>Logistic</a:t>
+                      </a:r>
+                      <a:r>
+                        <a:rPr lang="es-ES" i="1" dirty="0"/>
+                        <a:t> AFT </a:t>
+                      </a:r>
+                      <a:endParaRPr lang="en-GB" i="1" dirty="0"/>
+                    </a:p>
+                  </a:txBody>
+                  <a:tcPr/>
+                </a:tc>
+                <a:tc>
+                  <a:txBody>
+                    <a:bodyPr/>
+                    <a:lstStyle/>
+                    <a:p>
+                      <a:pPr marL="0" algn="l" defTabSz="914400" rtl="0" eaLnBrk="1" latinLnBrk="0" hangingPunct="1"/>
+                      <a:r>
+                        <a:rPr lang="en-GB" sz="1800" kern="1200" dirty="0">
+                          <a:solidFill>
+                            <a:schemeClr val="dk1"/>
+                          </a:solidFill>
+                          <a:latin typeface="+mn-lt"/>
+                          <a:ea typeface="+mn-ea"/>
+                          <a:cs typeface="+mn-cs"/>
+                        </a:rPr>
+                        <a:t>1310.362</a:t>
+                      </a:r>
+                    </a:p>
+                  </a:txBody>
+                  <a:tcPr/>
+                </a:tc>
+                <a:tc>
+                  <a:txBody>
+                    <a:bodyPr/>
+                    <a:lstStyle/>
+                    <a:p>
+                      <a:r>
+                        <a:rPr lang="en-GB" dirty="0"/>
+                        <a:t>1358.468</a:t>
+                      </a:r>
+                    </a:p>
+                  </a:txBody>
+                  <a:tcPr/>
+                </a:tc>
+                <a:extLst>
+                  <a:ext uri="{0D108BD9-81ED-4DB2-BD59-A6C34878D82A}">
+                    <a16:rowId xmlns:a16="http://schemas.microsoft.com/office/drawing/2014/main" val="2857183528"/>
+                  </a:ext>
+                </a:extLst>
+              </a:tr>
+            </a:tbl>
+          </a:graphicData>
+        </a:graphic>
+      </p:graphicFrame>
+      <p:sp>
+        <p:nvSpPr>
+          <p:cNvPr id="6" name="TextBox 5">
+            <a:extLst>
+              <a:ext uri="{FF2B5EF4-FFF2-40B4-BE49-F238E27FC236}">
+                <a16:creationId xmlns:a16="http://schemas.microsoft.com/office/drawing/2014/main" id="{1319B7E7-7928-91EF-CE1B-3ACB3CF46B8D}"/>
+              </a:ext>
+            </a:extLst>
+          </p:cNvPr>
+          <p:cNvSpPr txBox="1"/>
+          <p:nvPr/>
         </p:nvSpPr>
         <p:spPr>
           <a:xfrm>
-            <a:off x="2611808" y="1885285"/>
-            <a:ext cx="7958331" cy="4164659"/>
+            <a:off x="2210429" y="2035506"/>
+            <a:ext cx="8393106" cy="369332"/>
           </a:xfrm>
+          <a:prstGeom prst="rect">
+            <a:avLst/>
+          </a:prstGeom>
+          <a:noFill/>
         </p:spPr>
         <p:txBody>
-          <a:bodyPr>
-            <a:normAutofit lnSpcReduction="10000"/>
+          <a:bodyPr wrap="square" rtlCol="0">
+            <a:spAutoFit/>
           </a:bodyPr>
           <a:lstStyle/>
           <a:p>
-            <a:pPr marL="514350" indent="-514350">
-              <a:buFont typeface="+mj-lt"/>
-              <a:buAutoNum type="romanLcPeriod"/>
+            <a:pPr marL="285750" indent="-285750">
+              <a:buFont typeface="Arial" panose="020B0604020202020204" pitchFamily="34" charset="0"/>
+              <a:buChar char="•"/>
             </a:pPr>
             <a:r>
               <a:rPr lang="es-ES" dirty="0" err="1"/>
-              <a:t>Introduction</a:t>
-            </a:r>
-            <a:r>
-              <a:rPr lang="es-ES" dirty="0"/>
-              <a:t> </a:t>
-            </a:r>
-            <a:r>
-              <a:rPr lang="es-ES" dirty="0" err="1"/>
-              <a:t>to</a:t>
-            </a:r>
-            <a:r>
-              <a:rPr lang="es-ES" dirty="0"/>
-              <a:t> </a:t>
-            </a:r>
-            <a:r>
-              <a:rPr lang="es-ES" dirty="0" err="1"/>
-              <a:t>the</a:t>
-            </a:r>
-            <a:r>
-              <a:rPr lang="es-ES" dirty="0"/>
-              <a:t> data</a:t>
-            </a:r>
-          </a:p>
-          <a:p>
-            <a:pPr marL="514350" indent="-514350">
-              <a:buFont typeface="+mj-lt"/>
-              <a:buAutoNum type="romanLcPeriod"/>
-            </a:pPr>
-            <a:r>
-              <a:rPr lang="es-ES" dirty="0" err="1"/>
-              <a:t>Univariate</a:t>
-            </a:r>
-            <a:r>
-              <a:rPr lang="es-ES" dirty="0"/>
-              <a:t> </a:t>
-            </a:r>
-            <a:r>
-              <a:rPr lang="es-ES" dirty="0" err="1"/>
-              <a:t>analysis</a:t>
-            </a:r>
-            <a:endParaRPr lang="es-ES" dirty="0"/>
-          </a:p>
-          <a:p>
-            <a:pPr marL="457200" indent="-457200">
-              <a:buFont typeface="+mj-lt"/>
-              <a:buAutoNum type="romanLcPeriod"/>
-            </a:pPr>
-            <a:r>
-              <a:rPr lang="es-ES" dirty="0" err="1"/>
-              <a:t>Multivariate</a:t>
-            </a:r>
-            <a:r>
-              <a:rPr lang="es-ES" dirty="0"/>
-              <a:t> Cox </a:t>
-            </a:r>
-            <a:r>
-              <a:rPr lang="es-ES" dirty="0" err="1"/>
-              <a:t>regression</a:t>
-            </a:r>
-            <a:r>
-              <a:rPr lang="es-ES" dirty="0"/>
-              <a:t> </a:t>
-            </a:r>
-            <a:r>
-              <a:rPr lang="es-ES" dirty="0" err="1"/>
-              <a:t>model</a:t>
-            </a:r>
-            <a:endParaRPr lang="es-ES" dirty="0"/>
-          </a:p>
-          <a:p>
-            <a:pPr marL="908050" lvl="1" indent="-457200">
-              <a:buFont typeface="+mj-lt"/>
-              <a:buAutoNum type="alphaUcPeriod"/>
-            </a:pPr>
-            <a:r>
-              <a:rPr lang="es-ES" dirty="0"/>
-              <a:t>Base </a:t>
-            </a:r>
-            <a:r>
-              <a:rPr lang="es-ES" dirty="0" err="1"/>
-              <a:t>model</a:t>
-            </a:r>
-            <a:endParaRPr lang="es-ES" dirty="0"/>
-          </a:p>
-          <a:p>
-            <a:pPr marL="908050" lvl="1" indent="-457200">
-              <a:buFont typeface="+mj-lt"/>
-              <a:buAutoNum type="alphaUcPeriod"/>
-            </a:pPr>
-            <a:r>
-              <a:rPr lang="es-ES" dirty="0" err="1"/>
-              <a:t>Reduced</a:t>
-            </a:r>
-            <a:r>
-              <a:rPr lang="es-ES" dirty="0"/>
-              <a:t> </a:t>
-            </a:r>
-            <a:r>
-              <a:rPr lang="es-ES" dirty="0" err="1"/>
-              <a:t>model</a:t>
-            </a:r>
-            <a:endParaRPr lang="es-ES" dirty="0"/>
-          </a:p>
-          <a:p>
-            <a:pPr marL="908050" lvl="1" indent="-457200">
-              <a:buFont typeface="+mj-lt"/>
-              <a:buAutoNum type="alphaUcPeriod"/>
-            </a:pPr>
-            <a:r>
-              <a:rPr lang="es-ES" dirty="0" err="1"/>
-              <a:t>Mode</a:t>
+              <a:t>Comparison</a:t>
             </a:r>
             <a:r>
               <a:rPr lang="es-ES" dirty="0"/>
@@ -13451,92 +16012,24 @@
             </a:r>
             <a:r>
               <a:rPr lang="es-ES" dirty="0"/>
-              <a:t> time </a:t>
-            </a:r>
-            <a:r>
-              <a:rPr lang="es-ES" dirty="0" err="1"/>
-              <a:t>varying</a:t>
-            </a:r>
-            <a:r>
-              <a:rPr lang="es-ES" dirty="0"/>
-              <a:t> </a:t>
-            </a:r>
-            <a:r>
-              <a:rPr lang="es-ES" dirty="0" err="1"/>
-              <a:t>coefficients</a:t>
-            </a:r>
-            <a:endParaRPr lang="es-ES" dirty="0"/>
-          </a:p>
-          <a:p>
-            <a:pPr marL="457200" indent="-457200">
-              <a:buFont typeface="+mj-lt"/>
-              <a:buAutoNum type="romanLcPeriod"/>
-            </a:pPr>
-            <a:r>
-              <a:rPr lang="es-ES" dirty="0" err="1"/>
-              <a:t>Linearity</a:t>
-            </a:r>
-            <a:r>
-              <a:rPr lang="es-ES" dirty="0"/>
-              <a:t> test</a:t>
-            </a:r>
-          </a:p>
-          <a:p>
-            <a:pPr marL="457200" indent="-457200">
-              <a:buFont typeface="+mj-lt"/>
-              <a:buAutoNum type="romanLcPeriod"/>
-            </a:pPr>
-            <a:r>
-              <a:rPr lang="es-ES" dirty="0" err="1"/>
-              <a:t>Choice</a:t>
-            </a:r>
-            <a:r>
-              <a:rPr lang="es-ES" dirty="0"/>
-              <a:t> </a:t>
-            </a:r>
-            <a:r>
-              <a:rPr lang="es-ES" dirty="0" err="1"/>
-              <a:t>of</a:t>
-            </a:r>
-            <a:r>
-              <a:rPr lang="es-ES" dirty="0"/>
-              <a:t> </a:t>
-            </a:r>
-            <a:r>
-              <a:rPr lang="es-ES" dirty="0" err="1"/>
-              <a:t>the</a:t>
-            </a:r>
-            <a:r>
-              <a:rPr lang="es-ES" dirty="0"/>
-              <a:t> ‘</a:t>
-            </a:r>
-            <a:r>
-              <a:rPr lang="es-ES" dirty="0" err="1"/>
-              <a:t>best</a:t>
-            </a:r>
-            <a:r>
-              <a:rPr lang="es-ES" dirty="0"/>
-              <a:t>’ </a:t>
-            </a:r>
-            <a:r>
-              <a:rPr lang="es-ES" dirty="0" err="1"/>
-              <a:t>parametric</a:t>
-            </a:r>
-            <a:r>
-              <a:rPr lang="es-ES" dirty="0"/>
-              <a:t> </a:t>
-            </a:r>
-            <a:r>
-              <a:rPr lang="es-ES" dirty="0" err="1"/>
-              <a:t>model</a:t>
-            </a:r>
-            <a:endParaRPr lang="es-ES" dirty="0"/>
-          </a:p>
-          <a:p>
-            <a:pPr marL="457200" indent="-457200">
-              <a:buFont typeface="+mj-lt"/>
-              <a:buAutoNum type="romanLcPeriod"/>
-            </a:pPr>
+              <a:t> </a:t>
+            </a:r>
+            <a:r>
+              <a:rPr lang="es-ES" b="1" dirty="0"/>
+              <a:t>AIC</a:t>
+            </a:r>
+            <a:r>
+              <a:rPr lang="es-ES" dirty="0"/>
+              <a:t> &amp; </a:t>
+            </a:r>
+            <a:r>
+              <a:rPr lang="es-ES" b="1" dirty="0"/>
+              <a:t>BIC</a:t>
+            </a:r>
+            <a:r>
+              <a:rPr lang="es-ES" dirty="0"/>
+              <a:t>:</a:t>
+            </a:r>
             <a:endParaRPr lang="en-GB" dirty="0"/>
           </a:p>
         </p:txBody>
@@ -13544,7 +16037,7 @@
     </p:spTree>
     <p:extLst>
       <p:ext uri="{BB962C8B-B14F-4D97-AF65-F5344CB8AC3E}">
-        <p14:creationId xmlns:p14="http://schemas.microsoft.com/office/powerpoint/2010/main" val="4972780"/>
+        <p14:creationId xmlns:p14="http://schemas.microsoft.com/office/powerpoint/2010/main" val="2789381983"/>
       </p:ext>
     </p:extLst>
   </p:cSld>
@@ -13554,7 +16047,178 @@
 </p:sld>
 </file>
 
-<file path=ppt/slides/slide20.xml><?xml version="1.0" encoding="utf-8"?>
+<file path=ppt/slides/slide23.xml><?xml version="1.0" encoding="utf-8"?>
+<p:sld xmlns:a="http://schemas.openxmlformats.org/drawingml/2006/main" xmlns:r="http://schemas.openxmlformats.org/officeDocument/2006/relationships" xmlns:p="http://schemas.openxmlformats.org/presentationml/2006/main">
+  <p:cSld>
+    <p:spTree>
+      <p:nvGrpSpPr>
+        <p:cNvPr id="1" name=""/>
+        <p:cNvGrpSpPr/>
+        <p:nvPr/>
+      </p:nvGrpSpPr>
+      <p:grpSpPr>
+        <a:xfrm>
+          <a:off x="0" y="0"/>
+          <a:ext cx="0" cy="0"/>
+          <a:chOff x="0" y="0"/>
+          <a:chExt cx="0" cy="0"/>
+        </a:xfrm>
+      </p:grpSpPr>
+      <p:sp>
+        <p:nvSpPr>
+          <p:cNvPr id="2" name="Title 1">
+            <a:extLst>
+              <a:ext uri="{FF2B5EF4-FFF2-40B4-BE49-F238E27FC236}">
+                <a16:creationId xmlns:a16="http://schemas.microsoft.com/office/drawing/2014/main" id="{497E08B4-1A21-5C4A-FF59-0254370A8800}"/>
+              </a:ext>
+            </a:extLst>
+          </p:cNvPr>
+          <p:cNvSpPr>
+            <a:spLocks noGrp="1"/>
+          </p:cNvSpPr>
+          <p:nvPr>
+            <p:ph type="title"/>
+          </p:nvPr>
+        </p:nvSpPr>
+        <p:spPr/>
+        <p:txBody>
+          <a:bodyPr/>
+          <a:lstStyle/>
+          <a:p>
+            <a:r>
+              <a:rPr lang="es-ES" dirty="0"/>
+              <a:t>v. </a:t>
+            </a:r>
+            <a:r>
+              <a:rPr lang="es-ES" dirty="0" err="1"/>
+              <a:t>Choice</a:t>
+            </a:r>
+            <a:r>
+              <a:rPr lang="es-ES" dirty="0"/>
+              <a:t> </a:t>
+            </a:r>
+            <a:r>
+              <a:rPr lang="es-ES" dirty="0" err="1"/>
+              <a:t>of</a:t>
+            </a:r>
+            <a:r>
+              <a:rPr lang="es-ES" dirty="0"/>
+              <a:t> </a:t>
+            </a:r>
+            <a:r>
+              <a:rPr lang="es-ES" dirty="0" err="1"/>
+              <a:t>the</a:t>
+            </a:r>
+            <a:r>
+              <a:rPr lang="es-ES" dirty="0"/>
+              <a:t> ‘</a:t>
+            </a:r>
+            <a:r>
+              <a:rPr lang="es-ES" dirty="0" err="1"/>
+              <a:t>best</a:t>
+            </a:r>
+            <a:r>
+              <a:rPr lang="es-ES" dirty="0"/>
+              <a:t>’ </a:t>
+            </a:r>
+            <a:r>
+              <a:rPr lang="es-ES" dirty="0" err="1"/>
+              <a:t>parametric</a:t>
+            </a:r>
+            <a:r>
+              <a:rPr lang="es-ES" dirty="0"/>
+              <a:t> </a:t>
+            </a:r>
+            <a:r>
+              <a:rPr lang="es-ES" dirty="0" err="1"/>
+              <a:t>model</a:t>
+            </a:r>
+            <a:endParaRPr lang="en-GB" dirty="0"/>
+          </a:p>
+        </p:txBody>
+      </p:sp>
+      <p:sp>
+        <p:nvSpPr>
+          <p:cNvPr id="6" name="TextBox 5">
+            <a:extLst>
+              <a:ext uri="{FF2B5EF4-FFF2-40B4-BE49-F238E27FC236}">
+                <a16:creationId xmlns:a16="http://schemas.microsoft.com/office/drawing/2014/main" id="{1319B7E7-7928-91EF-CE1B-3ACB3CF46B8D}"/>
+              </a:ext>
+            </a:extLst>
+          </p:cNvPr>
+          <p:cNvSpPr txBox="1"/>
+          <p:nvPr/>
+        </p:nvSpPr>
+        <p:spPr>
+          <a:xfrm>
+            <a:off x="2210429" y="2035506"/>
+            <a:ext cx="8393106" cy="369332"/>
+          </a:xfrm>
+          <a:prstGeom prst="rect">
+            <a:avLst/>
+          </a:prstGeom>
+          <a:noFill/>
+        </p:spPr>
+        <p:txBody>
+          <a:bodyPr wrap="square" rtlCol="0">
+            <a:spAutoFit/>
+          </a:bodyPr>
+          <a:lstStyle/>
+          <a:p>
+            <a:pPr marL="285750" indent="-285750">
+              <a:buFont typeface="Arial" panose="020B0604020202020204" pitchFamily="34" charset="0"/>
+              <a:buChar char="•"/>
+            </a:pPr>
+            <a:r>
+              <a:rPr lang="es-ES" dirty="0"/>
+              <a:t>Hazard </a:t>
+            </a:r>
+            <a:r>
+              <a:rPr lang="es-ES" dirty="0" err="1"/>
+              <a:t>function</a:t>
+            </a:r>
+            <a:r>
+              <a:rPr lang="es-ES" dirty="0"/>
+              <a:t> </a:t>
+            </a:r>
+            <a:r>
+              <a:rPr lang="es-ES" dirty="0" err="1"/>
+              <a:t>of</a:t>
+            </a:r>
+            <a:r>
+              <a:rPr lang="es-ES" dirty="0"/>
+              <a:t> </a:t>
+            </a:r>
+            <a:r>
+              <a:rPr lang="es-ES" dirty="0" err="1"/>
+              <a:t>Exponential</a:t>
+            </a:r>
+            <a:r>
+              <a:rPr lang="es-ES" dirty="0"/>
+              <a:t> PH </a:t>
+            </a:r>
+            <a:r>
+              <a:rPr lang="es-ES" dirty="0" err="1"/>
+              <a:t>model</a:t>
+            </a:r>
+            <a:endParaRPr lang="en-GB" dirty="0"/>
+          </a:p>
+        </p:txBody>
+      </p:sp>
+    </p:spTree>
+    <p:extLst>
+      <p:ext uri="{BB962C8B-B14F-4D97-AF65-F5344CB8AC3E}">
+        <p14:creationId xmlns:p14="http://schemas.microsoft.com/office/powerpoint/2010/main" val="1596011771"/>
+      </p:ext>
+    </p:extLst>
+  </p:cSld>
+  <p:clrMapOvr>
+    <a:masterClrMapping/>
+  </p:clrMapOvr>
+</p:sld>
+</file>
+
+<file path=ppt/slides/slide24.xml><?xml version="1.0" encoding="utf-8"?>
 <p:sld xmlns:a="http://schemas.openxmlformats.org/drawingml/2006/main" xmlns:r="http://schemas.openxmlformats.org/officeDocument/2006/relationships" xmlns:p="http://schemas.openxmlformats.org/presentationml/2006/main">
   <p:cSld>
     <p:spTree>
@@ -13948,7 +16612,7 @@
             </a:r>
             <a:r>
               <a:rPr lang="en-GB" dirty="0"/>
-              <a:t>  – 2 levels: 1 = male?</a:t>
+              <a:t>  – 2 levels: 1 = male</a:t>
             </a:r>
             <a:endParaRPr lang="en-GB" i="1" dirty="0"/>
           </a:p>
@@ -13975,7 +16639,7 @@
             </a:r>
             <a:r>
               <a:rPr lang="en-GB" dirty="0"/>
-              <a:t>2 levels: 1 = yes?</a:t>
+              <a:t>2 levels: 1 = yes</a:t>
             </a:r>
           </a:p>
           <a:p>
@@ -13997,7 +16661,7 @@
             </a:r>
             <a:r>
               <a:rPr lang="en-GB" dirty="0"/>
-              <a:t> – 2 levels: 1 = yes?</a:t>
+              <a:t> – 2 levels: 1 = yes</a:t>
             </a:r>
             <a:endParaRPr lang="en-GB" i="1" dirty="0"/>
           </a:p>
@@ -14020,7 +16684,7 @@
             </a:r>
             <a:r>
               <a:rPr lang="en-GB" dirty="0"/>
-              <a:t> (blood pressure) – 2 levels: 1 = high blood pressure?</a:t>
+              <a:t> (blood pressure) – 2 levels: 1 = higher than normal</a:t>
             </a:r>
             <a:endParaRPr lang="en-GB" i="1" dirty="0"/>
           </a:p>
@@ -14043,7 +16707,7 @@
             </a:r>
             <a:r>
               <a:rPr lang="en-GB" dirty="0"/>
-              <a:t> – 2 levels: 1 = yes?</a:t>
+              <a:t> – 2 levels: 1 = yes</a:t>
             </a:r>
             <a:endParaRPr lang="en-GB" i="1" dirty="0"/>
           </a:p>
@@ -14803,6 +17467,241 @@
           <a:p>
             <a:r>
               <a:rPr lang="es-ES" b="1" dirty="0" err="1"/>
+              <a:t>Survival</a:t>
+            </a:r>
+            <a:r>
+              <a:rPr lang="es-ES" b="1" dirty="0"/>
+              <a:t> </a:t>
+            </a:r>
+            <a:r>
+              <a:rPr lang="es-ES" b="1" dirty="0" err="1"/>
+              <a:t>Probability</a:t>
+            </a:r>
+            <a:r>
+              <a:rPr lang="es-ES" b="1" dirty="0"/>
+              <a:t> </a:t>
+            </a:r>
+            <a:r>
+              <a:rPr lang="es-ES" dirty="0" err="1"/>
+              <a:t>by</a:t>
+            </a:r>
+            <a:r>
+              <a:rPr lang="es-ES" dirty="0"/>
+              <a:t> </a:t>
+            </a:r>
+            <a:r>
+              <a:rPr lang="es-ES" dirty="0" err="1"/>
+              <a:t>Gender</a:t>
+            </a:r>
+            <a:r>
+              <a:rPr lang="es-ES" dirty="0"/>
+              <a:t>, Smoking and </a:t>
+            </a:r>
+            <a:r>
+              <a:rPr lang="es-ES" dirty="0" err="1"/>
+              <a:t>Pletelets_group</a:t>
+            </a:r>
+            <a:r>
+              <a:rPr lang="es-ES" dirty="0"/>
+              <a:t>:</a:t>
+            </a:r>
+            <a:endParaRPr lang="en-GB" dirty="0"/>
+          </a:p>
+        </p:txBody>
+      </p:sp>
+      <p:pic>
+        <p:nvPicPr>
+          <p:cNvPr id="6" name="Picture 5">
+            <a:extLst>
+              <a:ext uri="{FF2B5EF4-FFF2-40B4-BE49-F238E27FC236}">
+                <a16:creationId xmlns:a16="http://schemas.microsoft.com/office/drawing/2014/main" id="{BA48F4BF-B5E0-D4F0-A390-EC70753A1EDD}"/>
+              </a:ext>
+            </a:extLst>
+          </p:cNvPr>
+          <p:cNvPicPr>
+            <a:picLocks noChangeAspect="1"/>
+          </p:cNvPicPr>
+          <p:nvPr/>
+        </p:nvPicPr>
+        <p:blipFill>
+          <a:blip r:embed="rId3"/>
+          <a:stretch>
+            <a:fillRect/>
+          </a:stretch>
+        </p:blipFill>
+        <p:spPr>
+          <a:xfrm>
+            <a:off x="1068093" y="2238705"/>
+            <a:ext cx="3272625" cy="3272625"/>
+          </a:xfrm>
+          <a:prstGeom prst="rect">
+            <a:avLst/>
+          </a:prstGeom>
+        </p:spPr>
+      </p:pic>
+      <p:pic>
+        <p:nvPicPr>
+          <p:cNvPr id="9" name="Picture 8">
+            <a:extLst>
+              <a:ext uri="{FF2B5EF4-FFF2-40B4-BE49-F238E27FC236}">
+                <a16:creationId xmlns:a16="http://schemas.microsoft.com/office/drawing/2014/main" id="{6738AD75-F349-3B5F-8DA6-835E8D48C082}"/>
+              </a:ext>
+            </a:extLst>
+          </p:cNvPr>
+          <p:cNvPicPr>
+            <a:picLocks noChangeAspect="1"/>
+          </p:cNvPicPr>
+          <p:nvPr/>
+        </p:nvPicPr>
+        <p:blipFill>
+          <a:blip r:embed="rId4"/>
+          <a:stretch>
+            <a:fillRect/>
+          </a:stretch>
+        </p:blipFill>
+        <p:spPr>
+          <a:xfrm>
+            <a:off x="4511350" y="2238705"/>
+            <a:ext cx="3272625" cy="3272625"/>
+          </a:xfrm>
+          <a:prstGeom prst="rect">
+            <a:avLst/>
+          </a:prstGeom>
+        </p:spPr>
+      </p:pic>
+      <p:pic>
+        <p:nvPicPr>
+          <p:cNvPr id="12" name="Picture 11">
+            <a:extLst>
+              <a:ext uri="{FF2B5EF4-FFF2-40B4-BE49-F238E27FC236}">
+                <a16:creationId xmlns:a16="http://schemas.microsoft.com/office/drawing/2014/main" id="{879F9E65-A657-3869-F675-C5D04470FDE2}"/>
+              </a:ext>
+            </a:extLst>
+          </p:cNvPr>
+          <p:cNvPicPr>
+            <a:picLocks noChangeAspect="1"/>
+          </p:cNvPicPr>
+          <p:nvPr/>
+        </p:nvPicPr>
+        <p:blipFill>
+          <a:blip r:embed="rId5"/>
+          <a:stretch>
+            <a:fillRect/>
+          </a:stretch>
+        </p:blipFill>
+        <p:spPr>
+          <a:xfrm>
+            <a:off x="7954607" y="2238705"/>
+            <a:ext cx="3272625" cy="3272625"/>
+          </a:xfrm>
+          <a:prstGeom prst="rect">
+            <a:avLst/>
+          </a:prstGeom>
+        </p:spPr>
+      </p:pic>
+    </p:spTree>
+    <p:extLst>
+      <p:ext uri="{BB962C8B-B14F-4D97-AF65-F5344CB8AC3E}">
+        <p14:creationId xmlns:p14="http://schemas.microsoft.com/office/powerpoint/2010/main" val="330355888"/>
+      </p:ext>
+    </p:extLst>
+  </p:cSld>
+  <p:clrMapOvr>
+    <a:masterClrMapping/>
+  </p:clrMapOvr>
+</p:sld>
+</file>
+
+<file path=ppt/slides/slide7.xml><?xml version="1.0" encoding="utf-8"?>
+<p:sld xmlns:a="http://schemas.openxmlformats.org/drawingml/2006/main" xmlns:r="http://schemas.openxmlformats.org/officeDocument/2006/relationships" xmlns:p="http://schemas.openxmlformats.org/presentationml/2006/main">
+  <p:cSld>
+    <p:spTree>
+      <p:nvGrpSpPr>
+        <p:cNvPr id="1" name=""/>
+        <p:cNvGrpSpPr/>
+        <p:nvPr/>
+      </p:nvGrpSpPr>
+      <p:grpSpPr>
+        <a:xfrm>
+          <a:off x="0" y="0"/>
+          <a:ext cx="0" cy="0"/>
+          <a:chOff x="0" y="0"/>
+          <a:chExt cx="0" cy="0"/>
+        </a:xfrm>
+      </p:grpSpPr>
+      <p:sp>
+        <p:nvSpPr>
+          <p:cNvPr id="2" name="Title 1">
+            <a:extLst>
+              <a:ext uri="{FF2B5EF4-FFF2-40B4-BE49-F238E27FC236}">
+                <a16:creationId xmlns:a16="http://schemas.microsoft.com/office/drawing/2014/main" id="{9CEF219F-A752-AF3A-FEDC-8EB897838D43}"/>
+              </a:ext>
+            </a:extLst>
+          </p:cNvPr>
+          <p:cNvSpPr>
+            <a:spLocks noGrp="1"/>
+          </p:cNvSpPr>
+          <p:nvPr>
+            <p:ph type="title"/>
+          </p:nvPr>
+        </p:nvSpPr>
+        <p:spPr/>
+        <p:txBody>
+          <a:bodyPr/>
+          <a:lstStyle/>
+          <a:p>
+            <a:r>
+              <a:rPr lang="es-ES" dirty="0" err="1"/>
+              <a:t>ii</a:t>
+            </a:r>
+            <a:r>
+              <a:rPr lang="es-ES" dirty="0"/>
+              <a:t>. </a:t>
+            </a:r>
+            <a:r>
+              <a:rPr lang="es-ES" dirty="0" err="1"/>
+              <a:t>Univariate</a:t>
+            </a:r>
+            <a:r>
+              <a:rPr lang="es-ES" dirty="0"/>
+              <a:t> </a:t>
+            </a:r>
+            <a:r>
+              <a:rPr lang="es-ES" dirty="0" err="1"/>
+              <a:t>analysis</a:t>
+            </a:r>
+            <a:endParaRPr lang="en-GB" dirty="0"/>
+          </a:p>
+        </p:txBody>
+      </p:sp>
+      <p:sp>
+        <p:nvSpPr>
+          <p:cNvPr id="7" name="Content Placeholder 6">
+            <a:extLst>
+              <a:ext uri="{FF2B5EF4-FFF2-40B4-BE49-F238E27FC236}">
+                <a16:creationId xmlns:a16="http://schemas.microsoft.com/office/drawing/2014/main" id="{38434C18-E629-8B9D-4E85-3B193564F614}"/>
+              </a:ext>
+            </a:extLst>
+          </p:cNvPr>
+          <p:cNvSpPr>
+            <a:spLocks noGrp="1"/>
+          </p:cNvSpPr>
+          <p:nvPr>
+            <p:ph idx="1"/>
+          </p:nvPr>
+        </p:nvSpPr>
+        <p:spPr>
+          <a:xfrm>
+            <a:off x="2197729" y="1346670"/>
+            <a:ext cx="7796540" cy="895621"/>
+          </a:xfrm>
+        </p:spPr>
+        <p:txBody>
+          <a:bodyPr/>
+          <a:lstStyle/>
+          <a:p>
+            <a:r>
+              <a:rPr lang="es-ES" b="1" dirty="0" err="1"/>
               <a:t>Cloglog</a:t>
             </a:r>
             <a:r>
@@ -14940,7 +17839,7 @@
 </p:sld>
 </file>
 
-<file path=ppt/slides/slide7.xml><?xml version="1.0" encoding="utf-8"?>
+<file path=ppt/slides/slide8.xml><?xml version="1.0" encoding="utf-8"?>
 <p:sld xmlns:a="http://schemas.openxmlformats.org/drawingml/2006/main" xmlns:r="http://schemas.openxmlformats.org/officeDocument/2006/relationships" xmlns:p="http://schemas.openxmlformats.org/presentationml/2006/main">
   <p:cSld>
     <p:spTree>
@@ -15909,7 +18808,7 @@
 </p:sld>
 </file>
 
-<file path=ppt/slides/slide8.xml><?xml version="1.0" encoding="utf-8"?>
+<file path=ppt/slides/slide9.xml><?xml version="1.0" encoding="utf-8"?>
 <p:sld xmlns:a="http://schemas.openxmlformats.org/drawingml/2006/main" xmlns:r="http://schemas.openxmlformats.org/officeDocument/2006/relationships" xmlns:p="http://schemas.openxmlformats.org/presentationml/2006/main">
   <p:cSld>
     <p:spTree>
@@ -16065,7 +18964,7 @@
         </p:blipFill>
         <p:spPr>
           <a:xfrm>
-            <a:off x="1090196" y="2261359"/>
+            <a:off x="1102896" y="2238704"/>
             <a:ext cx="3272626" cy="3272626"/>
           </a:xfrm>
           <a:prstGeom prst="rect">
@@ -16095,7 +18994,7 @@
         </p:blipFill>
         <p:spPr>
           <a:xfrm>
-            <a:off x="4528112" y="2242291"/>
+            <a:off x="4534462" y="2238704"/>
             <a:ext cx="3272625" cy="3272625"/>
           </a:xfrm>
           <a:prstGeom prst="rect">
@@ -16107,385 +19006,6 @@
     <p:extLst>
       <p:ext uri="{BB962C8B-B14F-4D97-AF65-F5344CB8AC3E}">
         <p14:creationId xmlns:p14="http://schemas.microsoft.com/office/powerpoint/2010/main" val="3603686234"/>
-      </p:ext>
-    </p:extLst>
-  </p:cSld>
-  <p:clrMapOvr>
-    <a:masterClrMapping/>
-  </p:clrMapOvr>
-</p:sld>
-</file>
-
-<file path=ppt/slides/slide9.xml><?xml version="1.0" encoding="utf-8"?>
-<p:sld xmlns:a="http://schemas.openxmlformats.org/drawingml/2006/main" xmlns:r="http://schemas.openxmlformats.org/officeDocument/2006/relationships" xmlns:p="http://schemas.openxmlformats.org/presentationml/2006/main">
-  <p:cSld>
-    <p:spTree>
-      <p:nvGrpSpPr>
-        <p:cNvPr id="1" name=""/>
-        <p:cNvGrpSpPr/>
-        <p:nvPr/>
-      </p:nvGrpSpPr>
-      <p:grpSpPr>
-        <a:xfrm>
-          <a:off x="0" y="0"/>
-          <a:ext cx="0" cy="0"/>
-          <a:chOff x="0" y="0"/>
-          <a:chExt cx="0" cy="0"/>
-        </a:xfrm>
-      </p:grpSpPr>
-      <p:sp>
-        <p:nvSpPr>
-          <p:cNvPr id="2" name="Title 1">
-            <a:extLst>
-              <a:ext uri="{FF2B5EF4-FFF2-40B4-BE49-F238E27FC236}">
-                <a16:creationId xmlns:a16="http://schemas.microsoft.com/office/drawing/2014/main" id="{497E08B4-1A21-5C4A-FF59-0254370A8800}"/>
-              </a:ext>
-            </a:extLst>
-          </p:cNvPr>
-          <p:cNvSpPr>
-            <a:spLocks noGrp="1"/>
-          </p:cNvSpPr>
-          <p:nvPr>
-            <p:ph type="title"/>
-          </p:nvPr>
-        </p:nvSpPr>
-        <p:spPr/>
-        <p:txBody>
-          <a:bodyPr/>
-          <a:lstStyle/>
-          <a:p>
-            <a:r>
-              <a:rPr lang="es-ES" dirty="0" err="1"/>
-              <a:t>iii</a:t>
-            </a:r>
-            <a:r>
-              <a:rPr lang="es-ES" dirty="0"/>
-              <a:t>. </a:t>
-            </a:r>
-            <a:r>
-              <a:rPr lang="es-ES" dirty="0" err="1"/>
-              <a:t>Multivariate</a:t>
-            </a:r>
-            <a:r>
-              <a:rPr lang="es-ES" dirty="0"/>
-              <a:t> Cox </a:t>
-            </a:r>
-            <a:r>
-              <a:rPr lang="es-ES" dirty="0" err="1"/>
-              <a:t>regression</a:t>
-            </a:r>
-            <a:r>
-              <a:rPr lang="es-ES" dirty="0"/>
-              <a:t> </a:t>
-            </a:r>
-            <a:r>
-              <a:rPr lang="es-ES" dirty="0" err="1"/>
-              <a:t>model</a:t>
-            </a:r>
-            <a:br>
-              <a:rPr lang="es-ES" dirty="0"/>
-            </a:br>
-            <a:r>
-              <a:rPr lang="es-ES" dirty="0"/>
-              <a:t>A. Base </a:t>
-            </a:r>
-            <a:r>
-              <a:rPr lang="es-ES" dirty="0" err="1"/>
-              <a:t>model</a:t>
-            </a:r>
-            <a:endParaRPr lang="en-GB" dirty="0"/>
-          </a:p>
-        </p:txBody>
-      </p:sp>
-      <p:pic>
-        <p:nvPicPr>
-          <p:cNvPr id="8" name="Picture 7">
-            <a:extLst>
-              <a:ext uri="{FF2B5EF4-FFF2-40B4-BE49-F238E27FC236}">
-                <a16:creationId xmlns:a16="http://schemas.microsoft.com/office/drawing/2014/main" id="{A30CBB7A-1EB9-0A6D-51B4-3AC5B27C270F}"/>
-              </a:ext>
-            </a:extLst>
-          </p:cNvPr>
-          <p:cNvPicPr>
-            <a:picLocks noChangeAspect="1"/>
-          </p:cNvPicPr>
-          <p:nvPr/>
-        </p:nvPicPr>
-        <p:blipFill>
-          <a:blip r:embed="rId3"/>
-          <a:stretch>
-            <a:fillRect/>
-          </a:stretch>
-        </p:blipFill>
-        <p:spPr>
-          <a:xfrm>
-            <a:off x="1168921" y="1572135"/>
-            <a:ext cx="6059905" cy="479921"/>
-          </a:xfrm>
-          <a:prstGeom prst="rect">
-            <a:avLst/>
-          </a:prstGeom>
-        </p:spPr>
-      </p:pic>
-      <p:pic>
-        <p:nvPicPr>
-          <p:cNvPr id="10" name="Picture 9">
-            <a:extLst>
-              <a:ext uri="{FF2B5EF4-FFF2-40B4-BE49-F238E27FC236}">
-                <a16:creationId xmlns:a16="http://schemas.microsoft.com/office/drawing/2014/main" id="{93918629-06E7-5106-3F99-C27FCC165D06}"/>
-              </a:ext>
-            </a:extLst>
-          </p:cNvPr>
-          <p:cNvPicPr>
-            <a:picLocks noChangeAspect="1"/>
-          </p:cNvPicPr>
-          <p:nvPr/>
-        </p:nvPicPr>
-        <p:blipFill>
-          <a:blip r:embed="rId4"/>
-          <a:stretch>
-            <a:fillRect/>
-          </a:stretch>
-        </p:blipFill>
-        <p:spPr>
-          <a:xfrm>
-            <a:off x="1168921" y="2195813"/>
-            <a:ext cx="6059905" cy="3540981"/>
-          </a:xfrm>
-          <a:prstGeom prst="rect">
-            <a:avLst/>
-          </a:prstGeom>
-        </p:spPr>
-      </p:pic>
-      <p:pic>
-        <p:nvPicPr>
-          <p:cNvPr id="18" name="Picture 17">
-            <a:extLst>
-              <a:ext uri="{FF2B5EF4-FFF2-40B4-BE49-F238E27FC236}">
-                <a16:creationId xmlns:a16="http://schemas.microsoft.com/office/drawing/2014/main" id="{279F2486-289C-FE77-D752-22634B8DAECD}"/>
-              </a:ext>
-            </a:extLst>
-          </p:cNvPr>
-          <p:cNvPicPr>
-            <a:picLocks noChangeAspect="1"/>
-          </p:cNvPicPr>
-          <p:nvPr/>
-        </p:nvPicPr>
-        <p:blipFill>
-          <a:blip r:embed="rId5"/>
-          <a:stretch>
-            <a:fillRect/>
-          </a:stretch>
-        </p:blipFill>
-        <p:spPr>
-          <a:xfrm>
-            <a:off x="7342399" y="1892022"/>
-            <a:ext cx="3093988" cy="160034"/>
-          </a:xfrm>
-          <a:prstGeom prst="rect">
-            <a:avLst/>
-          </a:prstGeom>
-        </p:spPr>
-      </p:pic>
-      <p:pic>
-        <p:nvPicPr>
-          <p:cNvPr id="24" name="Picture 23">
-            <a:extLst>
-              <a:ext uri="{FF2B5EF4-FFF2-40B4-BE49-F238E27FC236}">
-                <a16:creationId xmlns:a16="http://schemas.microsoft.com/office/drawing/2014/main" id="{EADBC34E-9B58-7E6E-2D57-D76381B3C42B}"/>
-              </a:ext>
-            </a:extLst>
-          </p:cNvPr>
-          <p:cNvPicPr>
-            <a:picLocks noChangeAspect="1"/>
-          </p:cNvPicPr>
-          <p:nvPr/>
-        </p:nvPicPr>
-        <p:blipFill>
-          <a:blip r:embed="rId6"/>
-          <a:stretch>
-            <a:fillRect/>
-          </a:stretch>
-        </p:blipFill>
-        <p:spPr>
-          <a:xfrm>
-            <a:off x="7342399" y="2195812"/>
-            <a:ext cx="3907290" cy="3540982"/>
-          </a:xfrm>
-          <a:prstGeom prst="rect">
-            <a:avLst/>
-          </a:prstGeom>
-        </p:spPr>
-      </p:pic>
-      <p:sp>
-        <p:nvSpPr>
-          <p:cNvPr id="27" name="TextBox 26">
-            <a:extLst>
-              <a:ext uri="{FF2B5EF4-FFF2-40B4-BE49-F238E27FC236}">
-                <a16:creationId xmlns:a16="http://schemas.microsoft.com/office/drawing/2014/main" id="{453E651C-77D0-0470-10FA-8D90E1A97A08}"/>
-              </a:ext>
-            </a:extLst>
-          </p:cNvPr>
-          <p:cNvSpPr txBox="1"/>
-          <p:nvPr/>
-        </p:nvSpPr>
-        <p:spPr>
-          <a:xfrm>
-            <a:off x="1168921" y="5880550"/>
-            <a:ext cx="8517698" cy="923330"/>
-          </a:xfrm>
-          <a:prstGeom prst="rect">
-            <a:avLst/>
-          </a:prstGeom>
-          <a:noFill/>
-        </p:spPr>
-        <p:txBody>
-          <a:bodyPr wrap="square" rtlCol="0">
-            <a:spAutoFit/>
-          </a:bodyPr>
-          <a:lstStyle/>
-          <a:p>
-            <a:r>
-              <a:rPr lang="es-ES" dirty="0" err="1"/>
-              <a:t>Significant</a:t>
-            </a:r>
-            <a:r>
-              <a:rPr lang="es-ES" dirty="0"/>
-              <a:t> </a:t>
-            </a:r>
-            <a:r>
-              <a:rPr lang="es-ES" dirty="0" err="1"/>
-              <a:t>risk</a:t>
-            </a:r>
-            <a:r>
-              <a:rPr lang="es-ES" dirty="0"/>
-              <a:t> </a:t>
-            </a:r>
-            <a:r>
-              <a:rPr lang="es-ES" dirty="0" err="1"/>
-              <a:t>factors</a:t>
-            </a:r>
-            <a:r>
-              <a:rPr lang="es-ES" dirty="0"/>
-              <a:t>: </a:t>
-            </a:r>
-            <a:r>
-              <a:rPr lang="es-ES" i="1" dirty="0">
-                <a:solidFill>
-                  <a:srgbClr val="FFFF00"/>
-                </a:solidFill>
-              </a:rPr>
-              <a:t>Age</a:t>
-            </a:r>
-            <a:r>
-              <a:rPr lang="es-ES" dirty="0"/>
-              <a:t>, </a:t>
-            </a:r>
-            <a:r>
-              <a:rPr lang="es-ES" i="1" dirty="0" err="1">
-                <a:solidFill>
-                  <a:srgbClr val="FFFF00"/>
-                </a:solidFill>
-              </a:rPr>
-              <a:t>Creatinine</a:t>
-            </a:r>
-            <a:r>
-              <a:rPr lang="es-ES" dirty="0"/>
-              <a:t>, </a:t>
-            </a:r>
-            <a:r>
-              <a:rPr lang="es-ES" i="1" dirty="0">
-                <a:solidFill>
-                  <a:srgbClr val="FFFF00"/>
-                </a:solidFill>
-              </a:rPr>
-              <a:t>BP</a:t>
-            </a:r>
-            <a:r>
-              <a:rPr lang="es-ES" dirty="0"/>
-              <a:t>, </a:t>
-            </a:r>
-            <a:r>
-              <a:rPr lang="es-ES" i="1" dirty="0" err="1">
-                <a:solidFill>
-                  <a:srgbClr val="FFFF00"/>
-                </a:solidFill>
-              </a:rPr>
-              <a:t>Anaemia</a:t>
-            </a:r>
-            <a:r>
-              <a:rPr lang="es-ES" dirty="0"/>
-              <a:t>,</a:t>
-            </a:r>
-            <a:r>
-              <a:rPr lang="es-ES" i="1" dirty="0">
-                <a:solidFill>
-                  <a:srgbClr val="FFFF00"/>
-                </a:solidFill>
-              </a:rPr>
-              <a:t> CPK</a:t>
-            </a:r>
-          </a:p>
-          <a:p>
-            <a:r>
-              <a:rPr lang="es-ES" dirty="0" err="1"/>
-              <a:t>Significant</a:t>
-            </a:r>
-            <a:r>
-              <a:rPr lang="es-ES" dirty="0"/>
-              <a:t> </a:t>
-            </a:r>
-            <a:r>
-              <a:rPr lang="es-ES" dirty="0" err="1"/>
-              <a:t>protective</a:t>
-            </a:r>
-            <a:r>
-              <a:rPr lang="es-ES" dirty="0"/>
-              <a:t> </a:t>
-            </a:r>
-            <a:r>
-              <a:rPr lang="es-ES" dirty="0" err="1"/>
-              <a:t>factors</a:t>
-            </a:r>
-            <a:r>
-              <a:rPr lang="es-ES" dirty="0"/>
-              <a:t>: </a:t>
-            </a:r>
-            <a:r>
-              <a:rPr lang="es-ES" i="1" dirty="0" err="1">
-                <a:solidFill>
-                  <a:srgbClr val="FFFF00"/>
-                </a:solidFill>
-              </a:rPr>
-              <a:t>Ejection.Fraction</a:t>
-            </a:r>
-            <a:endParaRPr lang="es-ES" dirty="0"/>
-          </a:p>
-          <a:p>
-            <a:r>
-              <a:rPr lang="es-ES" dirty="0" err="1"/>
-              <a:t>Borderline</a:t>
-            </a:r>
-            <a:r>
-              <a:rPr lang="es-ES" dirty="0"/>
-              <a:t> cases: </a:t>
-            </a:r>
-            <a:r>
-              <a:rPr lang="es-ES" i="1" dirty="0" err="1">
-                <a:solidFill>
-                  <a:srgbClr val="FFFF00"/>
-                </a:solidFill>
-              </a:rPr>
-              <a:t>Sodium</a:t>
-            </a:r>
-            <a:endParaRPr lang="en-GB" dirty="0"/>
-          </a:p>
-        </p:txBody>
-      </p:sp>
-    </p:spTree>
-    <p:extLst>
-      <p:ext uri="{BB962C8B-B14F-4D97-AF65-F5344CB8AC3E}">
-        <p14:creationId xmlns:p14="http://schemas.microsoft.com/office/powerpoint/2010/main" val="2082576824"/>
       </p:ext>
     </p:extLst>
   </p:cSld>

--- a/presentation.pptx
+++ b/presentation.pptx
@@ -5,7 +5,7 @@
     <p:sldMasterId id="2147483672" r:id="rId1"/>
   </p:sldMasterIdLst>
   <p:notesMasterIdLst>
-    <p:notesMasterId r:id="rId26"/>
+    <p:notesMasterId r:id="rId25"/>
   </p:notesMasterIdLst>
   <p:sldIdLst>
     <p:sldId id="256" r:id="rId2"/>
@@ -17,21 +17,20 @@
     <p:sldId id="267" r:id="rId8"/>
     <p:sldId id="269" r:id="rId9"/>
     <p:sldId id="271" r:id="rId10"/>
-    <p:sldId id="282" r:id="rId11"/>
-    <p:sldId id="259" r:id="rId12"/>
-    <p:sldId id="272" r:id="rId13"/>
-    <p:sldId id="273" r:id="rId14"/>
-    <p:sldId id="274" r:id="rId15"/>
-    <p:sldId id="260" r:id="rId16"/>
-    <p:sldId id="276" r:id="rId17"/>
-    <p:sldId id="261" r:id="rId18"/>
-    <p:sldId id="277" r:id="rId19"/>
-    <p:sldId id="278" r:id="rId20"/>
-    <p:sldId id="280" r:id="rId21"/>
-    <p:sldId id="283" r:id="rId22"/>
-    <p:sldId id="262" r:id="rId23"/>
-    <p:sldId id="284" r:id="rId24"/>
-    <p:sldId id="263" r:id="rId25"/>
+    <p:sldId id="259" r:id="rId11"/>
+    <p:sldId id="272" r:id="rId12"/>
+    <p:sldId id="273" r:id="rId13"/>
+    <p:sldId id="274" r:id="rId14"/>
+    <p:sldId id="260" r:id="rId15"/>
+    <p:sldId id="276" r:id="rId16"/>
+    <p:sldId id="261" r:id="rId17"/>
+    <p:sldId id="277" r:id="rId18"/>
+    <p:sldId id="278" r:id="rId19"/>
+    <p:sldId id="280" r:id="rId20"/>
+    <p:sldId id="283" r:id="rId21"/>
+    <p:sldId id="262" r:id="rId22"/>
+    <p:sldId id="284" r:id="rId23"/>
+    <p:sldId id="263" r:id="rId24"/>
   </p:sldIdLst>
   <p:sldSz cx="12192000" cy="6858000"/>
   <p:notesSz cx="6858000" cy="9144000"/>
@@ -1779,7 +1778,7 @@
           <a:p>
             <a:fld id="{0C8215FD-C011-40F7-B8C6-36FA60F83152}" type="datetimeFigureOut">
               <a:rPr lang="en-GB" smtClean="0"/>
-              <a:t>04/06/2023</a:t>
+              <a:t>06/06/2023</a:t>
             </a:fld>
             <a:endParaRPr lang="en-GB"/>
           </a:p>
@@ -2176,76 +2175,40 @@
           <a:lstStyle/>
           <a:p>
             <a:r>
-              <a:rPr lang="es-ES" dirty="0" err="1"/>
-              <a:t>For</a:t>
-            </a:r>
-            <a:r>
-              <a:rPr lang="es-ES" dirty="0"/>
-              <a:t> CPK, </a:t>
-            </a:r>
-            <a:r>
-              <a:rPr lang="es-ES" dirty="0" err="1"/>
-              <a:t>the</a:t>
-            </a:r>
-            <a:r>
-              <a:rPr lang="es-ES" dirty="0"/>
-              <a:t> </a:t>
-            </a:r>
-            <a:r>
-              <a:rPr lang="es-ES" dirty="0" err="1"/>
-              <a:t>exact</a:t>
-            </a:r>
-            <a:r>
-              <a:rPr lang="es-ES" dirty="0"/>
-              <a:t> </a:t>
-            </a:r>
-            <a:r>
-              <a:rPr lang="es-ES" dirty="0" err="1"/>
-              <a:t>value</a:t>
-            </a:r>
-            <a:r>
-              <a:rPr lang="es-ES" dirty="0"/>
-              <a:t> </a:t>
-            </a:r>
-            <a:r>
-              <a:rPr lang="es-ES" dirty="0" err="1"/>
-              <a:t>is</a:t>
-            </a:r>
-            <a:r>
-              <a:rPr lang="es-ES" dirty="0"/>
-              <a:t>: </a:t>
-            </a:r>
-            <a:r>
-              <a:rPr lang="es-ES" dirty="0" err="1"/>
-              <a:t>exp</a:t>
-            </a:r>
-            <a:r>
-              <a:rPr lang="es-ES" dirty="0"/>
-              <a:t>(</a:t>
-            </a:r>
-            <a:r>
-              <a:rPr lang="es-ES" dirty="0" err="1"/>
-              <a:t>coef</a:t>
-            </a:r>
-            <a:r>
-              <a:rPr lang="es-ES" dirty="0"/>
-              <a:t>) = 1.000221 -&gt; </a:t>
-            </a:r>
-            <a:r>
-              <a:rPr lang="es-ES" dirty="0" err="1"/>
-              <a:t>significant</a:t>
-            </a:r>
-            <a:r>
-              <a:rPr lang="es-ES" dirty="0"/>
-              <a:t> </a:t>
-            </a:r>
-            <a:r>
-              <a:rPr lang="es-ES" dirty="0" err="1"/>
-              <a:t>risk</a:t>
-            </a:r>
-            <a:r>
-              <a:rPr lang="es-ES" dirty="0"/>
-              <a:t> factor</a:t>
+              <a:rPr lang="es-ES" dirty="0"/>
+              <a:t>DONE: </a:t>
+            </a:r>
+            <a:r>
+              <a:rPr lang="es-ES" dirty="0" err="1"/>
+              <a:t>add</a:t>
+            </a:r>
+            <a:r>
+              <a:rPr lang="es-ES" dirty="0"/>
+              <a:t> </a:t>
+            </a:r>
+            <a:r>
+              <a:rPr lang="es-ES" dirty="0" err="1"/>
+              <a:t>legend</a:t>
+            </a:r>
+            <a:r>
+              <a:rPr lang="es-ES" dirty="0"/>
+              <a:t> and </a:t>
+            </a:r>
+            <a:r>
+              <a:rPr lang="es-ES" dirty="0" err="1"/>
+              <a:t>change</a:t>
+            </a:r>
+            <a:r>
+              <a:rPr lang="es-ES" dirty="0"/>
+              <a:t> color </a:t>
+            </a:r>
+            <a:r>
+              <a:rPr lang="es-ES" dirty="0" err="1"/>
+              <a:t>of</a:t>
+            </a:r>
+            <a:r>
+              <a:rPr lang="es-ES" dirty="0"/>
+              <a:t> KM</a:t>
             </a:r>
             <a:endParaRPr lang="en-GB" dirty="0"/>
           </a:p>
@@ -2277,7 +2240,7 @@
     </p:spTree>
     <p:extLst>
       <p:ext uri="{BB962C8B-B14F-4D97-AF65-F5344CB8AC3E}">
-        <p14:creationId xmlns:p14="http://schemas.microsoft.com/office/powerpoint/2010/main" val="2652534523"/>
+        <p14:creationId xmlns:p14="http://schemas.microsoft.com/office/powerpoint/2010/main" val="2530224052"/>
       </p:ext>
     </p:extLst>
   </p:cSld>
@@ -2331,42 +2294,98 @@
           <a:bodyPr/>
           <a:lstStyle/>
           <a:p>
-            <a:r>
-              <a:rPr lang="es-ES" dirty="0"/>
-              <a:t>DONE: </a:t>
-            </a:r>
-            <a:r>
-              <a:rPr lang="es-ES" dirty="0" err="1"/>
-              <a:t>add</a:t>
-            </a:r>
-            <a:r>
-              <a:rPr lang="es-ES" dirty="0"/>
-              <a:t> </a:t>
-            </a:r>
-            <a:r>
-              <a:rPr lang="es-ES" dirty="0" err="1"/>
-              <a:t>legend</a:t>
-            </a:r>
-            <a:r>
-              <a:rPr lang="es-ES" dirty="0"/>
-              <a:t> and </a:t>
-            </a:r>
-            <a:r>
-              <a:rPr lang="es-ES" dirty="0" err="1"/>
-              <a:t>change</a:t>
-            </a:r>
-            <a:r>
-              <a:rPr lang="es-ES" dirty="0"/>
-              <a:t> color </a:t>
-            </a:r>
-            <a:r>
-              <a:rPr lang="es-ES" dirty="0" err="1"/>
-              <a:t>of</a:t>
-            </a:r>
-            <a:r>
-              <a:rPr lang="es-ES" dirty="0"/>
-              <a:t> KM</a:t>
-            </a:r>
+            <a:pPr marL="0" marR="0" lvl="0" indent="0" algn="l" defTabSz="914400" rtl="0" eaLnBrk="1" fontAlgn="auto" latinLnBrk="0" hangingPunct="1">
+              <a:lnSpc>
+                <a:spcPct val="100000"/>
+              </a:lnSpc>
+              <a:spcBef>
+                <a:spcPts val="0"/>
+              </a:spcBef>
+              <a:spcAft>
+                <a:spcPts val="0"/>
+              </a:spcAft>
+              <a:buClrTx/>
+              <a:buSzTx/>
+              <a:buFontTx/>
+              <a:buNone/>
+              <a:tabLst/>
+              <a:defRPr/>
+            </a:pPr>
+            <a:r>
+              <a:rPr lang="es-ES" dirty="0" err="1"/>
+              <a:t>For</a:t>
+            </a:r>
+            <a:r>
+              <a:rPr lang="es-ES" dirty="0"/>
+              <a:t> CPK, </a:t>
+            </a:r>
+            <a:r>
+              <a:rPr lang="es-ES" dirty="0" err="1"/>
+              <a:t>the</a:t>
+            </a:r>
+            <a:r>
+              <a:rPr lang="es-ES" dirty="0"/>
+              <a:t> </a:t>
+            </a:r>
+            <a:r>
+              <a:rPr lang="es-ES" dirty="0" err="1"/>
+              <a:t>exact</a:t>
+            </a:r>
+            <a:r>
+              <a:rPr lang="es-ES" dirty="0"/>
+              <a:t> </a:t>
+            </a:r>
+            <a:r>
+              <a:rPr lang="es-ES" dirty="0" err="1"/>
+              <a:t>value</a:t>
+            </a:r>
+            <a:r>
+              <a:rPr lang="es-ES" dirty="0"/>
+              <a:t> </a:t>
+            </a:r>
+            <a:r>
+              <a:rPr lang="es-ES" dirty="0" err="1"/>
+              <a:t>is</a:t>
+            </a:r>
+            <a:r>
+              <a:rPr lang="es-ES" dirty="0"/>
+              <a:t>: </a:t>
+            </a:r>
+            <a:r>
+              <a:rPr lang="es-ES" dirty="0" err="1"/>
+              <a:t>exp</a:t>
+            </a:r>
+            <a:r>
+              <a:rPr lang="es-ES" dirty="0"/>
+              <a:t>(</a:t>
+            </a:r>
+            <a:r>
+              <a:rPr lang="es-ES" dirty="0" err="1"/>
+              <a:t>coef</a:t>
+            </a:r>
+            <a:r>
+              <a:rPr lang="es-ES" dirty="0"/>
+              <a:t>) = 1.000221 -&gt; </a:t>
+            </a:r>
+            <a:r>
+              <a:rPr lang="es-ES" dirty="0" err="1"/>
+              <a:t>significant</a:t>
+            </a:r>
+            <a:r>
+              <a:rPr lang="es-ES" dirty="0"/>
+              <a:t> </a:t>
+            </a:r>
+            <a:r>
+              <a:rPr lang="es-ES" dirty="0" err="1"/>
+              <a:t>risk</a:t>
+            </a:r>
+            <a:r>
+              <a:rPr lang="es-ES" dirty="0"/>
+              <a:t> factor</a:t>
+            </a:r>
+            <a:endParaRPr lang="en-GB" dirty="0"/>
+          </a:p>
+          <a:p>
             <a:endParaRPr lang="en-GB" dirty="0"/>
           </a:p>
         </p:txBody>
@@ -2397,7 +2416,7 @@
     </p:spTree>
     <p:extLst>
       <p:ext uri="{BB962C8B-B14F-4D97-AF65-F5344CB8AC3E}">
-        <p14:creationId xmlns:p14="http://schemas.microsoft.com/office/powerpoint/2010/main" val="2530224052"/>
+        <p14:creationId xmlns:p14="http://schemas.microsoft.com/office/powerpoint/2010/main" val="3430114397"/>
       </p:ext>
     </p:extLst>
   </p:cSld>
@@ -2451,30 +2470,17 @@
           <a:bodyPr/>
           <a:lstStyle/>
           <a:p>
-            <a:pPr marL="0" marR="0" lvl="0" indent="0" algn="l" defTabSz="914400" rtl="0" eaLnBrk="1" fontAlgn="auto" latinLnBrk="0" hangingPunct="1">
-              <a:lnSpc>
-                <a:spcPct val="100000"/>
-              </a:lnSpc>
-              <a:spcBef>
-                <a:spcPts val="0"/>
-              </a:spcBef>
-              <a:spcAft>
-                <a:spcPts val="0"/>
-              </a:spcAft>
-              <a:buClrTx/>
-              <a:buSzTx/>
-              <a:buFontTx/>
-              <a:buNone/>
-              <a:tabLst/>
-              <a:defRPr/>
-            </a:pPr>
-            <a:r>
-              <a:rPr lang="es-ES" dirty="0" err="1"/>
-              <a:t>For</a:t>
-            </a:r>
-            <a:r>
-              <a:rPr lang="es-ES" dirty="0"/>
-              <a:t> CPK, </a:t>
+            <a:r>
+              <a:rPr lang="es-ES" dirty="0"/>
+              <a:t>SOLVED: </a:t>
+            </a:r>
+            <a:r>
+              <a:rPr lang="es-ES" dirty="0" err="1"/>
+              <a:t>Globally</a:t>
+            </a:r>
+            <a:r>
+              <a:rPr lang="es-ES" dirty="0"/>
+              <a:t>, </a:t>
             </a:r>
             <a:r>
               <a:rPr lang="es-ES" dirty="0" err="1"/>
@@ -2482,67 +2488,235 @@
             </a:r>
             <a:r>
               <a:rPr lang="es-ES" dirty="0"/>
-              <a:t> </a:t>
-            </a:r>
-            <a:r>
-              <a:rPr lang="es-ES" dirty="0" err="1"/>
-              <a:t>exact</a:t>
-            </a:r>
-            <a:r>
-              <a:rPr lang="es-ES" dirty="0"/>
-              <a:t> </a:t>
-            </a:r>
-            <a:r>
-              <a:rPr lang="es-ES" dirty="0" err="1"/>
-              <a:t>value</a:t>
-            </a:r>
-            <a:r>
-              <a:rPr lang="es-ES" dirty="0"/>
-              <a:t> </a:t>
-            </a:r>
-            <a:r>
-              <a:rPr lang="es-ES" dirty="0" err="1"/>
-              <a:t>is</a:t>
-            </a:r>
-            <a:r>
-              <a:rPr lang="es-ES" dirty="0"/>
-              <a:t>: </a:t>
-            </a:r>
-            <a:r>
-              <a:rPr lang="es-ES" dirty="0" err="1"/>
-              <a:t>exp</a:t>
-            </a:r>
-            <a:r>
-              <a:rPr lang="es-ES" dirty="0"/>
-              <a:t>(</a:t>
-            </a:r>
-            <a:r>
-              <a:rPr lang="es-ES" dirty="0" err="1"/>
-              <a:t>coef</a:t>
-            </a:r>
-            <a:r>
-              <a:rPr lang="es-ES" dirty="0"/>
-              <a:t>) = 1.000221 -&gt; </a:t>
-            </a:r>
-            <a:r>
-              <a:rPr lang="es-ES" dirty="0" err="1"/>
-              <a:t>significant</a:t>
-            </a:r>
-            <a:r>
-              <a:rPr lang="es-ES" dirty="0"/>
-              <a:t> </a:t>
-            </a:r>
-            <a:r>
-              <a:rPr lang="es-ES" dirty="0" err="1"/>
-              <a:t>risk</a:t>
-            </a:r>
-            <a:r>
-              <a:rPr lang="es-ES" dirty="0"/>
-              <a:t> factor</a:t>
-            </a:r>
-            <a:endParaRPr lang="en-GB" dirty="0"/>
-          </a:p>
-          <a:p>
+              <a:t> PH </a:t>
+            </a:r>
+            <a:r>
+              <a:rPr lang="es-ES" dirty="0" err="1"/>
+              <a:t>assumptions</a:t>
+            </a:r>
+            <a:r>
+              <a:rPr lang="es-ES" dirty="0"/>
+              <a:t> </a:t>
+            </a:r>
+            <a:r>
+              <a:rPr lang="es-ES" dirty="0" err="1"/>
+              <a:t>holds</a:t>
+            </a:r>
+            <a:r>
+              <a:rPr lang="es-ES" dirty="0"/>
+              <a:t>, </a:t>
+            </a:r>
+            <a:r>
+              <a:rPr lang="es-ES" dirty="0" err="1"/>
+              <a:t>but</a:t>
+            </a:r>
+            <a:r>
+              <a:rPr lang="es-ES" dirty="0"/>
+              <a:t> </a:t>
+            </a:r>
+            <a:r>
+              <a:rPr lang="es-ES" dirty="0" err="1"/>
+              <a:t>all</a:t>
+            </a:r>
+            <a:r>
+              <a:rPr lang="es-ES" dirty="0"/>
+              <a:t> </a:t>
+            </a:r>
+            <a:r>
+              <a:rPr lang="es-ES" dirty="0" err="1"/>
+              <a:t>our</a:t>
+            </a:r>
+            <a:r>
+              <a:rPr lang="es-ES" dirty="0"/>
+              <a:t> </a:t>
+            </a:r>
+            <a:r>
+              <a:rPr lang="es-ES" dirty="0" err="1"/>
+              <a:t>residuals</a:t>
+            </a:r>
+            <a:r>
+              <a:rPr lang="es-ES" dirty="0"/>
+              <a:t> look </a:t>
+            </a:r>
+            <a:r>
+              <a:rPr lang="es-ES" dirty="0" err="1"/>
+              <a:t>pretty</a:t>
+            </a:r>
+            <a:r>
+              <a:rPr lang="es-ES" dirty="0"/>
+              <a:t> non-</a:t>
+            </a:r>
+            <a:r>
+              <a:rPr lang="es-ES" dirty="0" err="1"/>
+              <a:t>constant</a:t>
+            </a:r>
+            <a:r>
+              <a:rPr lang="es-ES" dirty="0"/>
+              <a:t>. </a:t>
+            </a:r>
+            <a:r>
+              <a:rPr lang="es-ES" dirty="0" err="1"/>
+              <a:t>How</a:t>
+            </a:r>
+            <a:r>
+              <a:rPr lang="es-ES" dirty="0"/>
+              <a:t> </a:t>
+            </a:r>
+            <a:r>
+              <a:rPr lang="es-ES" dirty="0" err="1"/>
+              <a:t>does</a:t>
+            </a:r>
+            <a:r>
+              <a:rPr lang="es-ES" dirty="0"/>
+              <a:t> </a:t>
+            </a:r>
+            <a:r>
+              <a:rPr lang="es-ES" dirty="0" err="1"/>
+              <a:t>that</a:t>
+            </a:r>
+            <a:r>
+              <a:rPr lang="es-ES" dirty="0"/>
+              <a:t> </a:t>
+            </a:r>
+            <a:r>
+              <a:rPr lang="es-ES" dirty="0" err="1"/>
+              <a:t>fit</a:t>
+            </a:r>
+            <a:r>
+              <a:rPr lang="es-ES" dirty="0"/>
+              <a:t> </a:t>
+            </a:r>
+            <a:r>
+              <a:rPr lang="es-ES" dirty="0" err="1"/>
+              <a:t>together</a:t>
+            </a:r>
+            <a:r>
+              <a:rPr lang="es-ES" dirty="0"/>
+              <a:t>? -&gt; 1) </a:t>
+            </a:r>
+            <a:r>
+              <a:rPr lang="es-ES" dirty="0" err="1"/>
+              <a:t>depends</a:t>
+            </a:r>
+            <a:r>
+              <a:rPr lang="es-ES" dirty="0"/>
+              <a:t> </a:t>
+            </a:r>
+            <a:r>
+              <a:rPr lang="es-ES" dirty="0" err="1"/>
+              <a:t>on</a:t>
+            </a:r>
+            <a:r>
+              <a:rPr lang="es-ES" dirty="0"/>
+              <a:t> </a:t>
+            </a:r>
+            <a:r>
+              <a:rPr lang="es-ES" dirty="0" err="1"/>
+              <a:t>the</a:t>
+            </a:r>
+            <a:r>
+              <a:rPr lang="es-ES" dirty="0"/>
+              <a:t> </a:t>
+            </a:r>
+            <a:r>
+              <a:rPr lang="es-ES" dirty="0" err="1"/>
+              <a:t>scale</a:t>
+            </a:r>
+            <a:r>
+              <a:rPr lang="es-ES" dirty="0"/>
+              <a:t>, 2) </a:t>
+            </a:r>
+            <a:r>
+              <a:rPr lang="es-ES" dirty="0" err="1"/>
+              <a:t>CIs</a:t>
+            </a:r>
+            <a:r>
+              <a:rPr lang="es-ES" dirty="0"/>
+              <a:t> </a:t>
+            </a:r>
+            <a:r>
+              <a:rPr lang="es-ES" dirty="0" err="1"/>
+              <a:t>seem</a:t>
+            </a:r>
+            <a:r>
+              <a:rPr lang="es-ES" dirty="0"/>
+              <a:t> </a:t>
+            </a:r>
+            <a:r>
+              <a:rPr lang="es-ES" dirty="0" err="1"/>
+              <a:t>to</a:t>
+            </a:r>
+            <a:r>
+              <a:rPr lang="es-ES" dirty="0"/>
+              <a:t> </a:t>
+            </a:r>
+            <a:r>
+              <a:rPr lang="es-ES" dirty="0" err="1"/>
+              <a:t>include</a:t>
+            </a:r>
+            <a:r>
+              <a:rPr lang="es-ES" dirty="0"/>
+              <a:t> a </a:t>
+            </a:r>
+            <a:r>
+              <a:rPr lang="es-ES" dirty="0" err="1"/>
+              <a:t>constant</a:t>
+            </a:r>
+            <a:r>
+              <a:rPr lang="es-ES" dirty="0"/>
+              <a:t> line</a:t>
+            </a:r>
+          </a:p>
+          <a:p>
+            <a:endParaRPr lang="es-ES" dirty="0"/>
+          </a:p>
+          <a:p>
+            <a:r>
+              <a:rPr lang="es-ES" dirty="0"/>
+              <a:t>H0: </a:t>
+            </a:r>
+            <a:r>
+              <a:rPr lang="es-ES" dirty="0" err="1"/>
+              <a:t>Proportional</a:t>
+            </a:r>
+            <a:r>
+              <a:rPr lang="es-ES" dirty="0"/>
+              <a:t> Hazard</a:t>
+            </a:r>
+          </a:p>
+          <a:p>
+            <a:r>
+              <a:rPr lang="es-ES" dirty="0"/>
+              <a:t>-&gt; </a:t>
+            </a:r>
+            <a:r>
+              <a:rPr lang="es-ES" dirty="0" err="1"/>
+              <a:t>rejected</a:t>
+            </a:r>
+            <a:r>
+              <a:rPr lang="es-ES" dirty="0"/>
+              <a:t> </a:t>
+            </a:r>
+            <a:r>
+              <a:rPr lang="es-ES" dirty="0" err="1"/>
+              <a:t>for</a:t>
+            </a:r>
+            <a:r>
+              <a:rPr lang="es-ES" dirty="0"/>
+              <a:t> </a:t>
+            </a:r>
+            <a:r>
+              <a:rPr lang="es-ES" dirty="0" err="1"/>
+              <a:t>Ejection.Fraction</a:t>
+            </a:r>
+            <a:r>
+              <a:rPr lang="es-ES" dirty="0"/>
+              <a:t> </a:t>
+            </a:r>
+            <a:r>
+              <a:rPr lang="es-ES" dirty="0" err="1"/>
+              <a:t>only</a:t>
+            </a:r>
             <a:endParaRPr lang="en-GB" dirty="0"/>
           </a:p>
         </p:txBody>
@@ -2573,7 +2747,7 @@
     </p:spTree>
     <p:extLst>
       <p:ext uri="{BB962C8B-B14F-4D97-AF65-F5344CB8AC3E}">
-        <p14:creationId xmlns:p14="http://schemas.microsoft.com/office/powerpoint/2010/main" val="3430114397"/>
+        <p14:creationId xmlns:p14="http://schemas.microsoft.com/office/powerpoint/2010/main" val="388395520"/>
       </p:ext>
     </p:extLst>
   </p:cSld>
@@ -2633,7 +2807,79 @@
             </a:r>
             <a:r>
               <a:rPr lang="es-ES" dirty="0" err="1"/>
-              <a:t>Globally</a:t>
+              <a:t>We</a:t>
+            </a:r>
+            <a:r>
+              <a:rPr lang="es-ES" dirty="0"/>
+              <a:t> </a:t>
+            </a:r>
+            <a:r>
+              <a:rPr lang="es-ES" dirty="0" err="1"/>
+              <a:t>go</a:t>
+            </a:r>
+            <a:r>
+              <a:rPr lang="es-ES" dirty="0"/>
+              <a:t> </a:t>
+            </a:r>
+            <a:r>
+              <a:rPr lang="es-ES" dirty="0" err="1"/>
+              <a:t>for</a:t>
+            </a:r>
+            <a:r>
+              <a:rPr lang="es-ES" dirty="0"/>
+              <a:t> </a:t>
+            </a:r>
+            <a:r>
+              <a:rPr lang="es-ES" dirty="0" err="1"/>
+              <a:t>the</a:t>
+            </a:r>
+            <a:r>
+              <a:rPr lang="es-ES" dirty="0"/>
+              <a:t> </a:t>
+            </a:r>
+            <a:r>
+              <a:rPr lang="es-ES" dirty="0" err="1"/>
+              <a:t>model</a:t>
+            </a:r>
+            <a:r>
+              <a:rPr lang="es-ES" dirty="0"/>
+              <a:t> </a:t>
+            </a:r>
+            <a:r>
+              <a:rPr lang="es-ES" dirty="0" err="1"/>
+              <a:t>with</a:t>
+            </a:r>
+            <a:r>
+              <a:rPr lang="es-ES" dirty="0"/>
+              <a:t> log(time) </a:t>
+            </a:r>
+            <a:r>
+              <a:rPr lang="es-ES" dirty="0" err="1"/>
+              <a:t>instead</a:t>
+            </a:r>
+            <a:r>
+              <a:rPr lang="es-ES" dirty="0"/>
+              <a:t> </a:t>
+            </a:r>
+            <a:r>
+              <a:rPr lang="es-ES" dirty="0" err="1"/>
+              <a:t>of</a:t>
+            </a:r>
+            <a:r>
+              <a:rPr lang="es-ES" dirty="0"/>
+              <a:t> </a:t>
+            </a:r>
+            <a:r>
+              <a:rPr lang="es-ES" dirty="0" err="1"/>
+              <a:t>just</a:t>
+            </a:r>
+            <a:r>
+              <a:rPr lang="es-ES" dirty="0"/>
+              <a:t> time </a:t>
+            </a:r>
+            <a:r>
+              <a:rPr lang="es-ES" dirty="0" err="1"/>
+              <a:t>here</a:t>
             </a:r>
             <a:r>
               <a:rPr lang="es-ES" dirty="0"/>
@@ -2641,159 +2887,38 @@
             </a:r>
             <a:r>
               <a:rPr lang="es-ES" dirty="0" err="1"/>
-              <a:t>the</a:t>
-            </a:r>
-            <a:r>
-              <a:rPr lang="es-ES" dirty="0"/>
-              <a:t> PH </a:t>
-            </a:r>
-            <a:r>
-              <a:rPr lang="es-ES" dirty="0" err="1"/>
-              <a:t>assumptions</a:t>
-            </a:r>
-            <a:r>
-              <a:rPr lang="es-ES" dirty="0"/>
-              <a:t> </a:t>
-            </a:r>
-            <a:r>
-              <a:rPr lang="es-ES" dirty="0" err="1"/>
-              <a:t>holds</a:t>
-            </a:r>
-            <a:r>
-              <a:rPr lang="es-ES" dirty="0"/>
-              <a:t>, </a:t>
-            </a:r>
-            <a:r>
-              <a:rPr lang="es-ES" dirty="0" err="1"/>
-              <a:t>but</a:t>
-            </a:r>
-            <a:r>
-              <a:rPr lang="es-ES" dirty="0"/>
-              <a:t> </a:t>
-            </a:r>
-            <a:r>
-              <a:rPr lang="es-ES" dirty="0" err="1"/>
-              <a:t>all</a:t>
-            </a:r>
-            <a:r>
-              <a:rPr lang="es-ES" dirty="0"/>
-              <a:t> </a:t>
-            </a:r>
-            <a:r>
-              <a:rPr lang="es-ES" dirty="0" err="1"/>
-              <a:t>our</a:t>
-            </a:r>
-            <a:r>
-              <a:rPr lang="es-ES" dirty="0"/>
-              <a:t> </a:t>
-            </a:r>
-            <a:r>
-              <a:rPr lang="es-ES" dirty="0" err="1"/>
-              <a:t>residuals</a:t>
-            </a:r>
-            <a:r>
-              <a:rPr lang="es-ES" dirty="0"/>
-              <a:t> look </a:t>
-            </a:r>
-            <a:r>
-              <a:rPr lang="es-ES" dirty="0" err="1"/>
-              <a:t>pretty</a:t>
-            </a:r>
-            <a:r>
-              <a:rPr lang="es-ES" dirty="0"/>
-              <a:t> non-</a:t>
-            </a:r>
-            <a:r>
-              <a:rPr lang="es-ES" dirty="0" err="1"/>
-              <a:t>constant</a:t>
-            </a:r>
-            <a:r>
-              <a:rPr lang="es-ES" dirty="0"/>
-              <a:t>. </a:t>
-            </a:r>
-            <a:r>
-              <a:rPr lang="es-ES" dirty="0" err="1"/>
-              <a:t>How</a:t>
-            </a:r>
-            <a:r>
-              <a:rPr lang="es-ES" dirty="0"/>
-              <a:t> </a:t>
-            </a:r>
-            <a:r>
-              <a:rPr lang="es-ES" dirty="0" err="1"/>
-              <a:t>does</a:t>
-            </a:r>
-            <a:r>
-              <a:rPr lang="es-ES" dirty="0"/>
-              <a:t> </a:t>
-            </a:r>
-            <a:r>
-              <a:rPr lang="es-ES" dirty="0" err="1"/>
-              <a:t>that</a:t>
-            </a:r>
-            <a:r>
-              <a:rPr lang="es-ES" dirty="0"/>
-              <a:t> </a:t>
-            </a:r>
-            <a:r>
-              <a:rPr lang="es-ES" dirty="0" err="1"/>
-              <a:t>fit</a:t>
-            </a:r>
-            <a:r>
-              <a:rPr lang="es-ES" dirty="0"/>
-              <a:t> </a:t>
-            </a:r>
-            <a:r>
-              <a:rPr lang="es-ES" dirty="0" err="1"/>
-              <a:t>together</a:t>
-            </a:r>
-            <a:r>
-              <a:rPr lang="es-ES" dirty="0"/>
-              <a:t>? -&gt; 1) </a:t>
-            </a:r>
-            <a:r>
-              <a:rPr lang="es-ES" dirty="0" err="1"/>
-              <a:t>depends</a:t>
-            </a:r>
-            <a:r>
-              <a:rPr lang="es-ES" dirty="0"/>
-              <a:t> </a:t>
-            </a:r>
-            <a:r>
-              <a:rPr lang="es-ES" dirty="0" err="1"/>
-              <a:t>on</a:t>
-            </a:r>
-            <a:r>
-              <a:rPr lang="es-ES" dirty="0"/>
-              <a:t> </a:t>
-            </a:r>
-            <a:r>
-              <a:rPr lang="es-ES" dirty="0" err="1"/>
-              <a:t>the</a:t>
-            </a:r>
-            <a:r>
-              <a:rPr lang="es-ES" dirty="0"/>
-              <a:t> </a:t>
-            </a:r>
-            <a:r>
-              <a:rPr lang="es-ES" dirty="0" err="1"/>
-              <a:t>scale</a:t>
-            </a:r>
-            <a:r>
-              <a:rPr lang="es-ES" dirty="0"/>
-              <a:t>, 2) </a:t>
-            </a:r>
-            <a:r>
-              <a:rPr lang="es-ES" dirty="0" err="1"/>
-              <a:t>CIs</a:t>
-            </a:r>
-            <a:r>
-              <a:rPr lang="es-ES" dirty="0"/>
-              <a:t> </a:t>
-            </a:r>
-            <a:r>
-              <a:rPr lang="es-ES" dirty="0" err="1"/>
-              <a:t>seem</a:t>
+              <a:t>right</a:t>
+            </a:r>
+            <a:r>
+              <a:rPr lang="es-ES" dirty="0"/>
+              <a:t>? -&gt; yes</a:t>
+            </a:r>
+          </a:p>
+          <a:p>
+            <a:pPr marL="0" marR="0" lvl="0" indent="0" algn="l" defTabSz="914400" rtl="0" eaLnBrk="1" fontAlgn="auto" latinLnBrk="0" hangingPunct="1">
+              <a:lnSpc>
+                <a:spcPct val="100000"/>
+              </a:lnSpc>
+              <a:spcBef>
+                <a:spcPts val="0"/>
+              </a:spcBef>
+              <a:spcAft>
+                <a:spcPts val="0"/>
+              </a:spcAft>
+              <a:buClrTx/>
+              <a:buSzTx/>
+              <a:buFontTx/>
+              <a:buNone/>
+              <a:tabLst/>
+              <a:defRPr/>
+            </a:pPr>
+            <a:r>
+              <a:rPr lang="es-ES" dirty="0"/>
+              <a:t>DONE: </a:t>
+            </a:r>
+            <a:r>
+              <a:rPr lang="es-ES" dirty="0" err="1"/>
+              <a:t>change</a:t>
             </a:r>
             <a:r>
               <a:rPr lang="es-ES" dirty="0"/>
@@ -2805,24 +2930,15 @@
             </a:r>
             <a:r>
               <a:rPr lang="es-ES" dirty="0"/>
-              <a:t> </a:t>
-            </a:r>
-            <a:r>
-              <a:rPr lang="es-ES" dirty="0" err="1"/>
-              <a:t>include</a:t>
-            </a:r>
-            <a:r>
-              <a:rPr lang="es-ES" dirty="0"/>
-              <a:t> a </a:t>
-            </a:r>
-            <a:r>
-              <a:rPr lang="es-ES" dirty="0" err="1"/>
-              <a:t>constant</a:t>
-            </a:r>
-            <a:r>
-              <a:rPr lang="es-ES" dirty="0"/>
-              <a:t> line</a:t>
-            </a:r>
+              <a:t> complete time </a:t>
+            </a:r>
+            <a:r>
+              <a:rPr lang="es-ES" dirty="0" err="1"/>
+              <a:t>model</a:t>
+            </a:r>
+            <a:endParaRPr lang="en-GB" dirty="0"/>
+          </a:p>
+          <a:p>
             <a:endParaRPr lang="en-GB" dirty="0"/>
           </a:p>
         </p:txBody>
@@ -2853,7 +2969,7 @@
     </p:spTree>
     <p:extLst>
       <p:ext uri="{BB962C8B-B14F-4D97-AF65-F5344CB8AC3E}">
-        <p14:creationId xmlns:p14="http://schemas.microsoft.com/office/powerpoint/2010/main" val="388395520"/>
+        <p14:creationId xmlns:p14="http://schemas.microsoft.com/office/powerpoint/2010/main" val="1799670140"/>
       </p:ext>
     </p:extLst>
   </p:cSld>
@@ -2909,142 +3025,28 @@
           <a:p>
             <a:r>
               <a:rPr lang="es-ES" dirty="0"/>
-              <a:t>SOLVED: </a:t>
-            </a:r>
-            <a:r>
-              <a:rPr lang="es-ES" dirty="0" err="1"/>
-              <a:t>We</a:t>
-            </a:r>
-            <a:r>
-              <a:rPr lang="es-ES" dirty="0"/>
-              <a:t> </a:t>
-            </a:r>
-            <a:r>
-              <a:rPr lang="es-ES" dirty="0" err="1"/>
-              <a:t>go</a:t>
-            </a:r>
-            <a:r>
-              <a:rPr lang="es-ES" dirty="0"/>
-              <a:t> </a:t>
-            </a:r>
-            <a:r>
-              <a:rPr lang="es-ES" dirty="0" err="1"/>
-              <a:t>for</a:t>
-            </a:r>
-            <a:r>
-              <a:rPr lang="es-ES" dirty="0"/>
-              <a:t> </a:t>
-            </a:r>
-            <a:r>
-              <a:rPr lang="es-ES" dirty="0" err="1"/>
-              <a:t>the</a:t>
-            </a:r>
-            <a:r>
-              <a:rPr lang="es-ES" dirty="0"/>
-              <a:t> </a:t>
+              <a:t>DONE: </a:t>
+            </a:r>
+            <a:r>
+              <a:rPr lang="es-ES" dirty="0" err="1"/>
+              <a:t>change</a:t>
+            </a:r>
+            <a:r>
+              <a:rPr lang="es-ES" dirty="0"/>
+              <a:t> </a:t>
+            </a:r>
+            <a:r>
+              <a:rPr lang="es-ES" dirty="0" err="1"/>
+              <a:t>to</a:t>
+            </a:r>
+            <a:r>
+              <a:rPr lang="es-ES" dirty="0"/>
+              <a:t> complete time </a:t>
             </a:r>
             <a:r>
               <a:rPr lang="es-ES" dirty="0" err="1"/>
               <a:t>model</a:t>
             </a:r>
-            <a:r>
-              <a:rPr lang="es-ES" dirty="0"/>
-              <a:t> </a:t>
-            </a:r>
-            <a:r>
-              <a:rPr lang="es-ES" dirty="0" err="1"/>
-              <a:t>with</a:t>
-            </a:r>
-            <a:r>
-              <a:rPr lang="es-ES" dirty="0"/>
-              <a:t> log(time) </a:t>
-            </a:r>
-            <a:r>
-              <a:rPr lang="es-ES" dirty="0" err="1"/>
-              <a:t>instead</a:t>
-            </a:r>
-            <a:r>
-              <a:rPr lang="es-ES" dirty="0"/>
-              <a:t> </a:t>
-            </a:r>
-            <a:r>
-              <a:rPr lang="es-ES" dirty="0" err="1"/>
-              <a:t>of</a:t>
-            </a:r>
-            <a:r>
-              <a:rPr lang="es-ES" dirty="0"/>
-              <a:t> </a:t>
-            </a:r>
-            <a:r>
-              <a:rPr lang="es-ES" dirty="0" err="1"/>
-              <a:t>just</a:t>
-            </a:r>
-            <a:r>
-              <a:rPr lang="es-ES" dirty="0"/>
-              <a:t> time </a:t>
-            </a:r>
-            <a:r>
-              <a:rPr lang="es-ES" dirty="0" err="1"/>
-              <a:t>here</a:t>
-            </a:r>
-            <a:r>
-              <a:rPr lang="es-ES" dirty="0"/>
-              <a:t>, </a:t>
-            </a:r>
-            <a:r>
-              <a:rPr lang="es-ES" dirty="0" err="1"/>
-              <a:t>right</a:t>
-            </a:r>
-            <a:r>
-              <a:rPr lang="es-ES" dirty="0"/>
-              <a:t>? -&gt; yes</a:t>
-            </a:r>
-          </a:p>
-          <a:p>
-            <a:pPr marL="0" marR="0" lvl="0" indent="0" algn="l" defTabSz="914400" rtl="0" eaLnBrk="1" fontAlgn="auto" latinLnBrk="0" hangingPunct="1">
-              <a:lnSpc>
-                <a:spcPct val="100000"/>
-              </a:lnSpc>
-              <a:spcBef>
-                <a:spcPts val="0"/>
-              </a:spcBef>
-              <a:spcAft>
-                <a:spcPts val="0"/>
-              </a:spcAft>
-              <a:buClrTx/>
-              <a:buSzTx/>
-              <a:buFontTx/>
-              <a:buNone/>
-              <a:tabLst/>
-              <a:defRPr/>
-            </a:pPr>
-            <a:r>
-              <a:rPr lang="es-ES" dirty="0"/>
-              <a:t>DONE: </a:t>
-            </a:r>
-            <a:r>
-              <a:rPr lang="es-ES" dirty="0" err="1"/>
-              <a:t>change</a:t>
-            </a:r>
-            <a:r>
-              <a:rPr lang="es-ES" dirty="0"/>
-              <a:t> </a:t>
-            </a:r>
-            <a:r>
-              <a:rPr lang="es-ES" dirty="0" err="1"/>
-              <a:t>to</a:t>
-            </a:r>
-            <a:r>
-              <a:rPr lang="es-ES" dirty="0"/>
-              <a:t> complete time </a:t>
-            </a:r>
-            <a:r>
-              <a:rPr lang="es-ES" dirty="0" err="1"/>
-              <a:t>model</a:t>
-            </a:r>
-            <a:endParaRPr lang="en-GB" dirty="0"/>
-          </a:p>
-          <a:p>
             <a:endParaRPr lang="en-GB" dirty="0"/>
           </a:p>
         </p:txBody>
@@ -3075,7 +3077,7 @@
     </p:spTree>
     <p:extLst>
       <p:ext uri="{BB962C8B-B14F-4D97-AF65-F5344CB8AC3E}">
-        <p14:creationId xmlns:p14="http://schemas.microsoft.com/office/powerpoint/2010/main" val="1799670140"/>
+        <p14:creationId xmlns:p14="http://schemas.microsoft.com/office/powerpoint/2010/main" val="811532236"/>
       </p:ext>
     </p:extLst>
   </p:cSld>
@@ -3131,11 +3133,27 @@
           <a:p>
             <a:r>
               <a:rPr lang="es-ES" dirty="0"/>
-              <a:t>DONE: </a:t>
-            </a:r>
-            <a:r>
-              <a:rPr lang="es-ES" dirty="0" err="1"/>
-              <a:t>change</a:t>
+              <a:t>Note: </a:t>
+            </a:r>
+            <a:r>
+              <a:rPr lang="es-ES" dirty="0" err="1"/>
+              <a:t>Martingale</a:t>
+            </a:r>
+            <a:r>
+              <a:rPr lang="es-ES" dirty="0"/>
+              <a:t> </a:t>
+            </a:r>
+            <a:r>
+              <a:rPr lang="es-ES" dirty="0" err="1"/>
+              <a:t>residuals</a:t>
+            </a:r>
+            <a:r>
+              <a:rPr lang="es-ES" dirty="0"/>
+              <a:t> are </a:t>
+            </a:r>
+            <a:r>
+              <a:rPr lang="es-ES" dirty="0" err="1"/>
+              <a:t>useful</a:t>
             </a:r>
             <a:r>
               <a:rPr lang="es-ES" dirty="0"/>
@@ -3147,11 +3165,212 @@
             </a:r>
             <a:r>
               <a:rPr lang="es-ES" dirty="0"/>
-              <a:t> complete time </a:t>
-            </a:r>
-            <a:r>
-              <a:rPr lang="es-ES" dirty="0" err="1"/>
-              <a:t>model</a:t>
+              <a:t> </a:t>
+            </a:r>
+            <a:r>
+              <a:rPr lang="es-ES" dirty="0" err="1"/>
+              <a:t>check</a:t>
+            </a:r>
+            <a:r>
+              <a:rPr lang="es-ES" dirty="0"/>
+              <a:t> </a:t>
+            </a:r>
+            <a:r>
+              <a:rPr lang="es-ES" dirty="0" err="1"/>
+              <a:t>the</a:t>
+            </a:r>
+            <a:r>
+              <a:rPr lang="es-ES" dirty="0"/>
+              <a:t> </a:t>
+            </a:r>
+            <a:r>
+              <a:rPr lang="es-ES" dirty="0" err="1"/>
+              <a:t>linearity</a:t>
+            </a:r>
+            <a:r>
+              <a:rPr lang="es-ES" dirty="0"/>
+              <a:t> </a:t>
+            </a:r>
+            <a:r>
+              <a:rPr lang="es-ES" dirty="0" err="1"/>
+              <a:t>assumption</a:t>
+            </a:r>
+            <a:r>
+              <a:rPr lang="es-ES" dirty="0"/>
+              <a:t> as </a:t>
+            </a:r>
+            <a:r>
+              <a:rPr lang="es-ES" dirty="0" err="1"/>
+              <a:t>it</a:t>
+            </a:r>
+            <a:r>
+              <a:rPr lang="es-ES" dirty="0"/>
+              <a:t> </a:t>
+            </a:r>
+            <a:r>
+              <a:rPr lang="es-ES" dirty="0" err="1"/>
+              <a:t>gives</a:t>
+            </a:r>
+            <a:r>
+              <a:rPr lang="es-ES" dirty="0"/>
+              <a:t> </a:t>
+            </a:r>
+            <a:r>
+              <a:rPr lang="es-ES" dirty="0" err="1"/>
+              <a:t>us</a:t>
+            </a:r>
+            <a:r>
+              <a:rPr lang="es-ES" dirty="0"/>
+              <a:t> </a:t>
+            </a:r>
+            <a:r>
+              <a:rPr lang="es-ES" dirty="0" err="1"/>
+              <a:t>an</a:t>
+            </a:r>
+            <a:r>
+              <a:rPr lang="es-ES" dirty="0"/>
+              <a:t> idea </a:t>
+            </a:r>
+            <a:r>
+              <a:rPr lang="es-ES" dirty="0" err="1"/>
+              <a:t>of</a:t>
+            </a:r>
+            <a:r>
+              <a:rPr lang="es-ES" dirty="0"/>
+              <a:t> </a:t>
+            </a:r>
+            <a:r>
+              <a:rPr lang="es-ES" dirty="0" err="1"/>
+              <a:t>the</a:t>
+            </a:r>
+            <a:r>
+              <a:rPr lang="es-ES" dirty="0"/>
+              <a:t> </a:t>
+            </a:r>
+            <a:r>
+              <a:rPr lang="es-ES" dirty="0" err="1"/>
+              <a:t>effect</a:t>
+            </a:r>
+            <a:r>
+              <a:rPr lang="es-ES" dirty="0"/>
+              <a:t> </a:t>
+            </a:r>
+            <a:r>
+              <a:rPr lang="es-ES" dirty="0" err="1"/>
+              <a:t>for</a:t>
+            </a:r>
+            <a:r>
+              <a:rPr lang="es-ES" dirty="0"/>
+              <a:t> </a:t>
+            </a:r>
+            <a:r>
+              <a:rPr lang="es-ES" dirty="0" err="1"/>
+              <a:t>each</a:t>
+            </a:r>
+            <a:r>
+              <a:rPr lang="es-ES" dirty="0"/>
+              <a:t> covariate</a:t>
+            </a:r>
+          </a:p>
+          <a:p>
+            <a:endParaRPr lang="es-ES" dirty="0"/>
+          </a:p>
+          <a:p>
+            <a:r>
+              <a:rPr lang="es-ES" dirty="0" err="1"/>
+              <a:t>Question</a:t>
+            </a:r>
+            <a:r>
+              <a:rPr lang="es-ES" dirty="0"/>
+              <a:t>: </a:t>
+            </a:r>
+            <a:r>
+              <a:rPr lang="es-ES" dirty="0" err="1"/>
+              <a:t>Should</a:t>
+            </a:r>
+            <a:r>
+              <a:rPr lang="es-ES" dirty="0"/>
+              <a:t> </a:t>
+            </a:r>
+            <a:r>
+              <a:rPr lang="es-ES" dirty="0" err="1"/>
+              <a:t>we</a:t>
+            </a:r>
+            <a:r>
+              <a:rPr lang="es-ES" dirty="0"/>
+              <a:t> </a:t>
+            </a:r>
+            <a:r>
+              <a:rPr lang="es-ES" dirty="0" err="1"/>
+              <a:t>give</a:t>
+            </a:r>
+            <a:r>
+              <a:rPr lang="es-ES" dirty="0"/>
+              <a:t> </a:t>
+            </a:r>
+            <a:r>
+              <a:rPr lang="es-ES" dirty="0" err="1"/>
+              <a:t>any</a:t>
+            </a:r>
+            <a:r>
+              <a:rPr lang="es-ES" dirty="0"/>
+              <a:t> </a:t>
+            </a:r>
+            <a:r>
+              <a:rPr lang="es-ES" dirty="0" err="1"/>
+              <a:t>reason</a:t>
+            </a:r>
+            <a:r>
+              <a:rPr lang="es-ES" dirty="0"/>
+              <a:t> </a:t>
+            </a:r>
+            <a:r>
+              <a:rPr lang="es-ES" dirty="0" err="1"/>
+              <a:t>why</a:t>
+            </a:r>
+            <a:r>
+              <a:rPr lang="es-ES" dirty="0"/>
+              <a:t> </a:t>
+            </a:r>
+            <a:r>
+              <a:rPr lang="es-ES" dirty="0" err="1"/>
+              <a:t>we</a:t>
+            </a:r>
+            <a:r>
+              <a:rPr lang="es-ES" dirty="0"/>
+              <a:t> are </a:t>
+            </a:r>
+            <a:r>
+              <a:rPr lang="es-ES" dirty="0" err="1"/>
+              <a:t>choosing</a:t>
+            </a:r>
+            <a:r>
+              <a:rPr lang="es-ES" dirty="0"/>
+              <a:t> </a:t>
+            </a:r>
+            <a:r>
+              <a:rPr lang="es-ES" dirty="0" err="1"/>
+              <a:t>cox_reduced</a:t>
+            </a:r>
+            <a:r>
+              <a:rPr lang="es-ES" dirty="0"/>
+              <a:t> </a:t>
+            </a:r>
+            <a:r>
+              <a:rPr lang="es-ES" dirty="0" err="1"/>
+              <a:t>here</a:t>
+            </a:r>
+            <a:r>
+              <a:rPr lang="es-ES" dirty="0"/>
+              <a:t>? -&gt; </a:t>
+            </a:r>
+            <a:r>
+              <a:rPr lang="es-ES" dirty="0" err="1"/>
+              <a:t>still</a:t>
+            </a:r>
+            <a:r>
+              <a:rPr lang="es-ES" dirty="0"/>
+              <a:t> open</a:t>
             </a:r>
             <a:endParaRPr lang="en-GB" dirty="0"/>
           </a:p>
@@ -3183,7 +3402,7 @@
     </p:spTree>
     <p:extLst>
       <p:ext uri="{BB962C8B-B14F-4D97-AF65-F5344CB8AC3E}">
-        <p14:creationId xmlns:p14="http://schemas.microsoft.com/office/powerpoint/2010/main" val="811532236"/>
+        <p14:creationId xmlns:p14="http://schemas.microsoft.com/office/powerpoint/2010/main" val="3713656712"/>
       </p:ext>
     </p:extLst>
   </p:cSld>
@@ -3243,6 +3462,38 @@
             </a:r>
             <a:r>
               <a:rPr lang="es-ES" dirty="0" err="1"/>
+              <a:t>Deviance</a:t>
+            </a:r>
+            <a:r>
+              <a:rPr lang="es-ES" dirty="0"/>
+              <a:t> </a:t>
+            </a:r>
+            <a:r>
+              <a:rPr lang="es-ES" dirty="0" err="1"/>
+              <a:t>residuals</a:t>
+            </a:r>
+            <a:r>
+              <a:rPr lang="es-ES" dirty="0"/>
+              <a:t> are </a:t>
+            </a:r>
+            <a:r>
+              <a:rPr lang="es-ES" dirty="0" err="1"/>
+              <a:t>transformations</a:t>
+            </a:r>
+            <a:r>
+              <a:rPr lang="es-ES" dirty="0"/>
+              <a:t> </a:t>
+            </a:r>
+            <a:r>
+              <a:rPr lang="es-ES" dirty="0" err="1"/>
+              <a:t>of</a:t>
+            </a:r>
+            <a:r>
+              <a:rPr lang="es-ES" dirty="0"/>
+              <a:t> </a:t>
+            </a:r>
+            <a:r>
+              <a:rPr lang="es-ES" dirty="0" err="1"/>
               <a:t>Martingale</a:t>
             </a:r>
             <a:r>
@@ -3255,107 +3506,59 @@
             </a:r>
             <a:r>
               <a:rPr lang="es-ES" dirty="0"/>
-              <a:t> are </a:t>
-            </a:r>
-            <a:r>
-              <a:rPr lang="es-ES" dirty="0" err="1"/>
-              <a:t>useful</a:t>
-            </a:r>
-            <a:r>
-              <a:rPr lang="es-ES" dirty="0"/>
-              <a:t> </a:t>
-            </a:r>
-            <a:r>
-              <a:rPr lang="es-ES" dirty="0" err="1"/>
-              <a:t>to</a:t>
-            </a:r>
-            <a:r>
-              <a:rPr lang="es-ES" dirty="0"/>
-              <a:t> </a:t>
-            </a:r>
-            <a:r>
-              <a:rPr lang="es-ES" dirty="0" err="1"/>
-              <a:t>check</a:t>
-            </a:r>
-            <a:r>
-              <a:rPr lang="es-ES" dirty="0"/>
-              <a:t> </a:t>
-            </a:r>
-            <a:r>
-              <a:rPr lang="es-ES" dirty="0" err="1"/>
-              <a:t>the</a:t>
-            </a:r>
-            <a:r>
-              <a:rPr lang="es-ES" dirty="0"/>
-              <a:t> </a:t>
-            </a:r>
-            <a:r>
-              <a:rPr lang="es-ES" dirty="0" err="1"/>
-              <a:t>linearity</a:t>
-            </a:r>
-            <a:r>
-              <a:rPr lang="es-ES" dirty="0"/>
-              <a:t> </a:t>
-            </a:r>
-            <a:r>
-              <a:rPr lang="es-ES" dirty="0" err="1"/>
-              <a:t>assumption</a:t>
-            </a:r>
-            <a:r>
-              <a:rPr lang="es-ES" dirty="0"/>
-              <a:t> as </a:t>
-            </a:r>
-            <a:r>
-              <a:rPr lang="es-ES" dirty="0" err="1"/>
-              <a:t>it</a:t>
-            </a:r>
-            <a:r>
-              <a:rPr lang="es-ES" dirty="0"/>
-              <a:t> </a:t>
-            </a:r>
-            <a:r>
-              <a:rPr lang="es-ES" dirty="0" err="1"/>
-              <a:t>gives</a:t>
-            </a:r>
-            <a:r>
-              <a:rPr lang="es-ES" dirty="0"/>
-              <a:t> </a:t>
-            </a:r>
-            <a:r>
-              <a:rPr lang="es-ES" dirty="0" err="1"/>
-              <a:t>us</a:t>
-            </a:r>
-            <a:r>
-              <a:rPr lang="es-ES" dirty="0"/>
-              <a:t> </a:t>
-            </a:r>
-            <a:r>
-              <a:rPr lang="es-ES" dirty="0" err="1"/>
-              <a:t>an</a:t>
-            </a:r>
-            <a:r>
-              <a:rPr lang="es-ES" dirty="0"/>
-              <a:t> idea </a:t>
-            </a:r>
-            <a:r>
-              <a:rPr lang="es-ES" dirty="0" err="1"/>
-              <a:t>of</a:t>
-            </a:r>
-            <a:r>
-              <a:rPr lang="es-ES" dirty="0"/>
-              <a:t> </a:t>
-            </a:r>
-            <a:r>
-              <a:rPr lang="es-ES" dirty="0" err="1"/>
-              <a:t>the</a:t>
-            </a:r>
-            <a:r>
-              <a:rPr lang="es-ES" dirty="0"/>
-              <a:t> </a:t>
-            </a:r>
-            <a:r>
-              <a:rPr lang="es-ES" dirty="0" err="1"/>
-              <a:t>effect</a:t>
+              <a:t>. </a:t>
+            </a:r>
+            <a:r>
+              <a:rPr lang="es-ES" dirty="0" err="1"/>
+              <a:t>They</a:t>
+            </a:r>
+            <a:r>
+              <a:rPr lang="es-ES" dirty="0"/>
+              <a:t> can be </a:t>
+            </a:r>
+            <a:r>
+              <a:rPr lang="es-ES" dirty="0" err="1"/>
+              <a:t>used</a:t>
+            </a:r>
+            <a:r>
+              <a:rPr lang="es-ES" dirty="0"/>
+              <a:t> more </a:t>
+            </a:r>
+            <a:r>
+              <a:rPr lang="es-ES" dirty="0" err="1"/>
+              <a:t>or</a:t>
+            </a:r>
+            <a:r>
+              <a:rPr lang="es-ES" dirty="0"/>
+              <a:t> </a:t>
+            </a:r>
+            <a:r>
+              <a:rPr lang="es-ES" dirty="0" err="1"/>
+              <a:t>less</a:t>
+            </a:r>
+            <a:r>
+              <a:rPr lang="es-ES" dirty="0"/>
+              <a:t> </a:t>
+            </a:r>
+            <a:r>
+              <a:rPr lang="es-ES" dirty="0" err="1"/>
+              <a:t>like</a:t>
+            </a:r>
+            <a:r>
+              <a:rPr lang="es-ES" dirty="0"/>
+              <a:t> </a:t>
+            </a:r>
+            <a:r>
+              <a:rPr lang="es-ES" dirty="0" err="1"/>
+              <a:t>standardized</a:t>
+            </a:r>
+            <a:r>
+              <a:rPr lang="es-ES" dirty="0"/>
+              <a:t> </a:t>
+            </a:r>
+            <a:r>
+              <a:rPr lang="es-ES" dirty="0" err="1"/>
+              <a:t>residuals</a:t>
             </a:r>
             <a:r>
               <a:rPr lang="es-ES" dirty="0"/>
@@ -3367,116 +3570,11 @@
             </a:r>
             <a:r>
               <a:rPr lang="es-ES" dirty="0"/>
-              <a:t> </a:t>
-            </a:r>
-            <a:r>
-              <a:rPr lang="es-ES" dirty="0" err="1"/>
-              <a:t>each</a:t>
-            </a:r>
-            <a:r>
-              <a:rPr lang="es-ES" dirty="0"/>
-              <a:t> covariate</a:t>
-            </a:r>
-          </a:p>
-          <a:p>
-            <a:endParaRPr lang="es-ES" dirty="0"/>
-          </a:p>
-          <a:p>
-            <a:r>
-              <a:rPr lang="es-ES" dirty="0" err="1"/>
-              <a:t>Question</a:t>
-            </a:r>
-            <a:r>
-              <a:rPr lang="es-ES" dirty="0"/>
-              <a:t>: </a:t>
-            </a:r>
-            <a:r>
-              <a:rPr lang="es-ES" dirty="0" err="1"/>
-              <a:t>Should</a:t>
-            </a:r>
-            <a:r>
-              <a:rPr lang="es-ES" dirty="0"/>
-              <a:t> </a:t>
-            </a:r>
-            <a:r>
-              <a:rPr lang="es-ES" dirty="0" err="1"/>
-              <a:t>we</a:t>
-            </a:r>
-            <a:r>
-              <a:rPr lang="es-ES" dirty="0"/>
-              <a:t> </a:t>
-            </a:r>
-            <a:r>
-              <a:rPr lang="es-ES" dirty="0" err="1"/>
-              <a:t>give</a:t>
-            </a:r>
-            <a:r>
-              <a:rPr lang="es-ES" dirty="0"/>
-              <a:t> </a:t>
-            </a:r>
-            <a:r>
-              <a:rPr lang="es-ES" dirty="0" err="1"/>
-              <a:t>any</a:t>
-            </a:r>
-            <a:r>
-              <a:rPr lang="es-ES" dirty="0"/>
-              <a:t> </a:t>
-            </a:r>
-            <a:r>
-              <a:rPr lang="es-ES" dirty="0" err="1"/>
-              <a:t>reason</a:t>
-            </a:r>
-            <a:r>
-              <a:rPr lang="es-ES" dirty="0"/>
-              <a:t> </a:t>
-            </a:r>
-            <a:r>
-              <a:rPr lang="es-ES" dirty="0" err="1"/>
-              <a:t>why</a:t>
-            </a:r>
-            <a:r>
-              <a:rPr lang="es-ES" dirty="0"/>
-              <a:t> </a:t>
-            </a:r>
-            <a:r>
-              <a:rPr lang="es-ES" dirty="0" err="1"/>
-              <a:t>we</a:t>
-            </a:r>
-            <a:r>
-              <a:rPr lang="es-ES" dirty="0"/>
-              <a:t> are </a:t>
-            </a:r>
-            <a:r>
-              <a:rPr lang="es-ES" dirty="0" err="1"/>
-              <a:t>choosing</a:t>
-            </a:r>
-            <a:r>
-              <a:rPr lang="es-ES" dirty="0"/>
-              <a:t> </a:t>
-            </a:r>
-            <a:r>
-              <a:rPr lang="es-ES" dirty="0" err="1"/>
-              <a:t>cox_reduced</a:t>
-            </a:r>
-            <a:r>
-              <a:rPr lang="es-ES" dirty="0"/>
-              <a:t> </a:t>
-            </a:r>
-            <a:r>
-              <a:rPr lang="es-ES" dirty="0" err="1"/>
-              <a:t>here</a:t>
-            </a:r>
-            <a:r>
-              <a:rPr lang="es-ES" dirty="0"/>
-              <a:t>? -&gt; </a:t>
-            </a:r>
-            <a:r>
-              <a:rPr lang="es-ES" dirty="0" err="1"/>
-              <a:t>still</a:t>
-            </a:r>
-            <a:r>
-              <a:rPr lang="es-ES" dirty="0"/>
-              <a:t> open</a:t>
+              <a:t> linear </a:t>
+            </a:r>
+            <a:r>
+              <a:rPr lang="es-ES" dirty="0" err="1"/>
+              <a:t>models</a:t>
             </a:r>
             <a:endParaRPr lang="en-GB" dirty="0"/>
           </a:p>
@@ -3508,7 +3606,7 @@
     </p:spTree>
     <p:extLst>
       <p:ext uri="{BB962C8B-B14F-4D97-AF65-F5344CB8AC3E}">
-        <p14:creationId xmlns:p14="http://schemas.microsoft.com/office/powerpoint/2010/main" val="3713656712"/>
+        <p14:creationId xmlns:p14="http://schemas.microsoft.com/office/powerpoint/2010/main" val="3245281593"/>
       </p:ext>
     </p:extLst>
   </p:cSld>
@@ -3563,52 +3661,72 @@
           <a:lstStyle/>
           <a:p>
             <a:r>
-              <a:rPr lang="es-ES" dirty="0"/>
-              <a:t>Note: </a:t>
-            </a:r>
-            <a:r>
-              <a:rPr lang="es-ES" dirty="0" err="1"/>
-              <a:t>Deviance</a:t>
-            </a:r>
-            <a:r>
-              <a:rPr lang="es-ES" dirty="0"/>
-              <a:t> </a:t>
-            </a:r>
-            <a:r>
-              <a:rPr lang="es-ES" dirty="0" err="1"/>
-              <a:t>residuals</a:t>
-            </a:r>
-            <a:r>
-              <a:rPr lang="es-ES" dirty="0"/>
-              <a:t> are </a:t>
-            </a:r>
-            <a:r>
-              <a:rPr lang="es-ES" dirty="0" err="1"/>
-              <a:t>transformations</a:t>
-            </a:r>
-            <a:r>
-              <a:rPr lang="es-ES" dirty="0"/>
-              <a:t> </a:t>
-            </a:r>
-            <a:r>
-              <a:rPr lang="es-ES" dirty="0" err="1"/>
-              <a:t>of</a:t>
-            </a:r>
-            <a:r>
-              <a:rPr lang="es-ES" dirty="0"/>
-              <a:t> </a:t>
-            </a:r>
-            <a:r>
-              <a:rPr lang="es-ES" dirty="0" err="1"/>
-              <a:t>Martingale</a:t>
-            </a:r>
-            <a:r>
-              <a:rPr lang="es-ES" dirty="0"/>
-              <a:t> </a:t>
-            </a:r>
-            <a:r>
-              <a:rPr lang="es-ES" dirty="0" err="1"/>
-              <a:t>residuals</a:t>
+              <a:rPr lang="es-ES" dirty="0" err="1"/>
+              <a:t>Question</a:t>
+            </a:r>
+            <a:r>
+              <a:rPr lang="es-ES" dirty="0"/>
+              <a:t>: </a:t>
+            </a:r>
+            <a:r>
+              <a:rPr lang="es-ES" dirty="0" err="1"/>
+              <a:t>Not</a:t>
+            </a:r>
+            <a:r>
+              <a:rPr lang="es-ES" dirty="0"/>
+              <a:t> </a:t>
+            </a:r>
+            <a:r>
+              <a:rPr lang="es-ES" dirty="0" err="1"/>
+              <a:t>sure</a:t>
+            </a:r>
+            <a:r>
+              <a:rPr lang="es-ES" dirty="0"/>
+              <a:t> </a:t>
+            </a:r>
+            <a:r>
+              <a:rPr lang="es-ES" dirty="0" err="1"/>
+              <a:t>how</a:t>
+            </a:r>
+            <a:r>
+              <a:rPr lang="es-ES" dirty="0"/>
+              <a:t> </a:t>
+            </a:r>
+            <a:r>
+              <a:rPr lang="es-ES" dirty="0" err="1"/>
+              <a:t>else</a:t>
+            </a:r>
+            <a:r>
+              <a:rPr lang="es-ES" dirty="0"/>
+              <a:t> </a:t>
+            </a:r>
+            <a:r>
+              <a:rPr lang="es-ES" dirty="0" err="1"/>
+              <a:t>to</a:t>
+            </a:r>
+            <a:r>
+              <a:rPr lang="es-ES" dirty="0"/>
+              <a:t> </a:t>
+            </a:r>
+            <a:r>
+              <a:rPr lang="es-ES" dirty="0" err="1"/>
+              <a:t>interpret</a:t>
+            </a:r>
+            <a:r>
+              <a:rPr lang="es-ES" dirty="0"/>
+              <a:t> </a:t>
+            </a:r>
+            <a:r>
+              <a:rPr lang="es-ES" dirty="0" err="1"/>
+              <a:t>this</a:t>
+            </a:r>
+            <a:r>
+              <a:rPr lang="es-ES" dirty="0"/>
+              <a:t> </a:t>
+            </a:r>
+            <a:r>
+              <a:rPr lang="es-ES" dirty="0" err="1"/>
+              <a:t>part</a:t>
             </a:r>
             <a:r>
               <a:rPr lang="es-ES" dirty="0"/>
@@ -3616,55 +3734,103 @@
             </a:r>
             <a:r>
               <a:rPr lang="es-ES" dirty="0" err="1"/>
-              <a:t>They</a:t>
-            </a:r>
-            <a:r>
-              <a:rPr lang="es-ES" dirty="0"/>
-              <a:t> can be </a:t>
-            </a:r>
-            <a:r>
-              <a:rPr lang="es-ES" dirty="0" err="1"/>
-              <a:t>used</a:t>
-            </a:r>
-            <a:r>
-              <a:rPr lang="es-ES" dirty="0"/>
-              <a:t> more </a:t>
-            </a:r>
-            <a:r>
-              <a:rPr lang="es-ES" dirty="0" err="1"/>
-              <a:t>or</a:t>
-            </a:r>
-            <a:r>
-              <a:rPr lang="es-ES" dirty="0"/>
-              <a:t> </a:t>
-            </a:r>
-            <a:r>
-              <a:rPr lang="es-ES" dirty="0" err="1"/>
-              <a:t>less</a:t>
-            </a:r>
-            <a:r>
-              <a:rPr lang="es-ES" dirty="0"/>
-              <a:t> </a:t>
-            </a:r>
-            <a:r>
-              <a:rPr lang="es-ES" dirty="0" err="1"/>
-              <a:t>like</a:t>
-            </a:r>
-            <a:r>
-              <a:rPr lang="es-ES" dirty="0"/>
-              <a:t> </a:t>
-            </a:r>
-            <a:r>
-              <a:rPr lang="es-ES" dirty="0" err="1"/>
-              <a:t>standardized</a:t>
-            </a:r>
-            <a:r>
-              <a:rPr lang="es-ES" dirty="0"/>
-              <a:t> </a:t>
-            </a:r>
-            <a:r>
-              <a:rPr lang="es-ES" dirty="0" err="1"/>
-              <a:t>residuals</a:t>
+              <a:t>Basically</a:t>
+            </a:r>
+            <a:r>
+              <a:rPr lang="es-ES" dirty="0"/>
+              <a:t> </a:t>
+            </a:r>
+            <a:r>
+              <a:rPr lang="es-ES" dirty="0" err="1"/>
+              <a:t>our</a:t>
+            </a:r>
+            <a:r>
+              <a:rPr lang="es-ES" dirty="0"/>
+              <a:t> </a:t>
+            </a:r>
+            <a:r>
+              <a:rPr lang="es-ES" dirty="0" err="1"/>
+              <a:t>linearity</a:t>
+            </a:r>
+            <a:r>
+              <a:rPr lang="es-ES" dirty="0"/>
+              <a:t> </a:t>
+            </a:r>
+            <a:r>
+              <a:rPr lang="es-ES" dirty="0" err="1"/>
+              <a:t>assumption</a:t>
+            </a:r>
+            <a:r>
+              <a:rPr lang="es-ES" dirty="0"/>
+              <a:t> </a:t>
+            </a:r>
+            <a:r>
+              <a:rPr lang="es-ES" dirty="0" err="1"/>
+              <a:t>is</a:t>
+            </a:r>
+            <a:r>
+              <a:rPr lang="es-ES" dirty="0"/>
+              <a:t> </a:t>
+            </a:r>
+            <a:r>
+              <a:rPr lang="es-ES" dirty="0" err="1"/>
+              <a:t>does</a:t>
+            </a:r>
+            <a:r>
+              <a:rPr lang="es-ES" dirty="0"/>
+              <a:t> </a:t>
+            </a:r>
+            <a:r>
+              <a:rPr lang="es-ES" dirty="0" err="1"/>
+              <a:t>not</a:t>
+            </a:r>
+            <a:r>
+              <a:rPr lang="es-ES" dirty="0"/>
+              <a:t> </a:t>
+            </a:r>
+            <a:r>
+              <a:rPr lang="es-ES" dirty="0" err="1"/>
+              <a:t>hold</a:t>
+            </a:r>
+            <a:r>
+              <a:rPr lang="es-ES" dirty="0"/>
+              <a:t> </a:t>
+            </a:r>
+            <a:r>
+              <a:rPr lang="es-ES" dirty="0" err="1"/>
+              <a:t>which</a:t>
+            </a:r>
+            <a:r>
+              <a:rPr lang="es-ES" dirty="0"/>
+              <a:t> </a:t>
+            </a:r>
+            <a:r>
+              <a:rPr lang="es-ES" dirty="0" err="1"/>
+              <a:t>gives</a:t>
+            </a:r>
+            <a:r>
+              <a:rPr lang="es-ES" dirty="0"/>
+              <a:t> </a:t>
+            </a:r>
+            <a:r>
+              <a:rPr lang="es-ES" dirty="0" err="1"/>
+              <a:t>us</a:t>
+            </a:r>
+            <a:r>
+              <a:rPr lang="es-ES" dirty="0"/>
+              <a:t> </a:t>
+            </a:r>
+            <a:r>
+              <a:rPr lang="es-ES" dirty="0" err="1"/>
+              <a:t>another</a:t>
+            </a:r>
+            <a:r>
+              <a:rPr lang="es-ES" dirty="0"/>
+              <a:t> </a:t>
+            </a:r>
+            <a:r>
+              <a:rPr lang="es-ES" dirty="0" err="1"/>
+              <a:t>argument</a:t>
             </a:r>
             <a:r>
               <a:rPr lang="es-ES" dirty="0"/>
@@ -3676,11 +3842,39 @@
             </a:r>
             <a:r>
               <a:rPr lang="es-ES" dirty="0"/>
-              <a:t> linear </a:t>
-            </a:r>
-            <a:r>
-              <a:rPr lang="es-ES" dirty="0" err="1"/>
-              <a:t>models</a:t>
+              <a:t> </a:t>
+            </a:r>
+            <a:r>
+              <a:rPr lang="es-ES" dirty="0" err="1"/>
+              <a:t>the</a:t>
+            </a:r>
+            <a:r>
+              <a:rPr lang="es-ES" dirty="0"/>
+              <a:t> </a:t>
+            </a:r>
+            <a:r>
+              <a:rPr lang="es-ES" dirty="0" err="1"/>
+              <a:t>Royston</a:t>
+            </a:r>
+            <a:r>
+              <a:rPr lang="es-ES" dirty="0"/>
+              <a:t>/Altman test? (</a:t>
+            </a:r>
+            <a:r>
+              <a:rPr lang="es-ES" dirty="0" err="1"/>
+              <a:t>next</a:t>
+            </a:r>
+            <a:r>
+              <a:rPr lang="es-ES" dirty="0"/>
+              <a:t> </a:t>
+            </a:r>
+            <a:r>
+              <a:rPr lang="es-ES" dirty="0" err="1"/>
+              <a:t>slide</a:t>
+            </a:r>
+            <a:r>
+              <a:rPr lang="es-ES" dirty="0"/>
+              <a:t>)</a:t>
             </a:r>
             <a:endParaRPr lang="en-GB" dirty="0"/>
           </a:p>
@@ -3712,7 +3906,7 @@
     </p:spTree>
     <p:extLst>
       <p:ext uri="{BB962C8B-B14F-4D97-AF65-F5344CB8AC3E}">
-        <p14:creationId xmlns:p14="http://schemas.microsoft.com/office/powerpoint/2010/main" val="3245281593"/>
+        <p14:creationId xmlns:p14="http://schemas.microsoft.com/office/powerpoint/2010/main" val="3177459909"/>
       </p:ext>
     </p:extLst>
   </p:cSld>
@@ -3766,223 +3960,7 @@
           <a:bodyPr/>
           <a:lstStyle/>
           <a:p>
-            <a:r>
-              <a:rPr lang="es-ES" dirty="0" err="1"/>
-              <a:t>Question</a:t>
-            </a:r>
-            <a:r>
-              <a:rPr lang="es-ES" dirty="0"/>
-              <a:t>: </a:t>
-            </a:r>
-            <a:r>
-              <a:rPr lang="es-ES" dirty="0" err="1"/>
-              <a:t>Not</a:t>
-            </a:r>
-            <a:r>
-              <a:rPr lang="es-ES" dirty="0"/>
-              <a:t> </a:t>
-            </a:r>
-            <a:r>
-              <a:rPr lang="es-ES" dirty="0" err="1"/>
-              <a:t>sure</a:t>
-            </a:r>
-            <a:r>
-              <a:rPr lang="es-ES" dirty="0"/>
-              <a:t> </a:t>
-            </a:r>
-            <a:r>
-              <a:rPr lang="es-ES" dirty="0" err="1"/>
-              <a:t>how</a:t>
-            </a:r>
-            <a:r>
-              <a:rPr lang="es-ES" dirty="0"/>
-              <a:t> </a:t>
-            </a:r>
-            <a:r>
-              <a:rPr lang="es-ES" dirty="0" err="1"/>
-              <a:t>else</a:t>
-            </a:r>
-            <a:r>
-              <a:rPr lang="es-ES" dirty="0"/>
-              <a:t> </a:t>
-            </a:r>
-            <a:r>
-              <a:rPr lang="es-ES" dirty="0" err="1"/>
-              <a:t>to</a:t>
-            </a:r>
-            <a:r>
-              <a:rPr lang="es-ES" dirty="0"/>
-              <a:t> </a:t>
-            </a:r>
-            <a:r>
-              <a:rPr lang="es-ES" dirty="0" err="1"/>
-              <a:t>interpret</a:t>
-            </a:r>
-            <a:r>
-              <a:rPr lang="es-ES" dirty="0"/>
-              <a:t> </a:t>
-            </a:r>
-            <a:r>
-              <a:rPr lang="es-ES" dirty="0" err="1"/>
-              <a:t>this</a:t>
-            </a:r>
-            <a:r>
-              <a:rPr lang="es-ES" dirty="0"/>
-              <a:t> </a:t>
-            </a:r>
-            <a:r>
-              <a:rPr lang="es-ES" dirty="0" err="1"/>
-              <a:t>part</a:t>
-            </a:r>
-            <a:r>
-              <a:rPr lang="es-ES" dirty="0"/>
-              <a:t>. </a:t>
-            </a:r>
-            <a:r>
-              <a:rPr lang="es-ES" dirty="0" err="1"/>
-              <a:t>Basically</a:t>
-            </a:r>
-            <a:r>
-              <a:rPr lang="es-ES" dirty="0"/>
-              <a:t> </a:t>
-            </a:r>
-            <a:r>
-              <a:rPr lang="es-ES" dirty="0" err="1"/>
-              <a:t>our</a:t>
-            </a:r>
-            <a:r>
-              <a:rPr lang="es-ES" dirty="0"/>
-              <a:t> </a:t>
-            </a:r>
-            <a:r>
-              <a:rPr lang="es-ES" dirty="0" err="1"/>
-              <a:t>linearity</a:t>
-            </a:r>
-            <a:r>
-              <a:rPr lang="es-ES" dirty="0"/>
-              <a:t> </a:t>
-            </a:r>
-            <a:r>
-              <a:rPr lang="es-ES" dirty="0" err="1"/>
-              <a:t>assumption</a:t>
-            </a:r>
-            <a:r>
-              <a:rPr lang="es-ES" dirty="0"/>
-              <a:t> </a:t>
-            </a:r>
-            <a:r>
-              <a:rPr lang="es-ES" dirty="0" err="1"/>
-              <a:t>is</a:t>
-            </a:r>
-            <a:r>
-              <a:rPr lang="es-ES" dirty="0"/>
-              <a:t> </a:t>
-            </a:r>
-            <a:r>
-              <a:rPr lang="es-ES" dirty="0" err="1"/>
-              <a:t>does</a:t>
-            </a:r>
-            <a:r>
-              <a:rPr lang="es-ES" dirty="0"/>
-              <a:t> </a:t>
-            </a:r>
-            <a:r>
-              <a:rPr lang="es-ES" dirty="0" err="1"/>
-              <a:t>not</a:t>
-            </a:r>
-            <a:r>
-              <a:rPr lang="es-ES" dirty="0"/>
-              <a:t> </a:t>
-            </a:r>
-            <a:r>
-              <a:rPr lang="es-ES" dirty="0" err="1"/>
-              <a:t>hold</a:t>
-            </a:r>
-            <a:r>
-              <a:rPr lang="es-ES" dirty="0"/>
-              <a:t> </a:t>
-            </a:r>
-            <a:r>
-              <a:rPr lang="es-ES" dirty="0" err="1"/>
-              <a:t>which</a:t>
-            </a:r>
-            <a:r>
-              <a:rPr lang="es-ES" dirty="0"/>
-              <a:t> </a:t>
-            </a:r>
-            <a:r>
-              <a:rPr lang="es-ES" dirty="0" err="1"/>
-              <a:t>gives</a:t>
-            </a:r>
-            <a:r>
-              <a:rPr lang="es-ES" dirty="0"/>
-              <a:t> </a:t>
-            </a:r>
-            <a:r>
-              <a:rPr lang="es-ES" dirty="0" err="1"/>
-              <a:t>us</a:t>
-            </a:r>
-            <a:r>
-              <a:rPr lang="es-ES" dirty="0"/>
-              <a:t> </a:t>
-            </a:r>
-            <a:r>
-              <a:rPr lang="es-ES" dirty="0" err="1"/>
-              <a:t>another</a:t>
-            </a:r>
-            <a:r>
-              <a:rPr lang="es-ES" dirty="0"/>
-              <a:t> </a:t>
-            </a:r>
-            <a:r>
-              <a:rPr lang="es-ES" dirty="0" err="1"/>
-              <a:t>argument</a:t>
-            </a:r>
-            <a:r>
-              <a:rPr lang="es-ES" dirty="0"/>
-              <a:t> </a:t>
-            </a:r>
-            <a:r>
-              <a:rPr lang="es-ES" dirty="0" err="1"/>
-              <a:t>for</a:t>
-            </a:r>
-            <a:r>
-              <a:rPr lang="es-ES" dirty="0"/>
-              <a:t> </a:t>
-            </a:r>
-            <a:r>
-              <a:rPr lang="es-ES" dirty="0" err="1"/>
-              <a:t>the</a:t>
-            </a:r>
-            <a:r>
-              <a:rPr lang="es-ES" dirty="0"/>
-              <a:t> </a:t>
-            </a:r>
-            <a:r>
-              <a:rPr lang="es-ES" dirty="0" err="1"/>
-              <a:t>Royston</a:t>
-            </a:r>
-            <a:r>
-              <a:rPr lang="es-ES" dirty="0"/>
-              <a:t>/Altman test? (</a:t>
-            </a:r>
-            <a:r>
-              <a:rPr lang="es-ES" dirty="0" err="1"/>
-              <a:t>next</a:t>
-            </a:r>
-            <a:r>
-              <a:rPr lang="es-ES" dirty="0"/>
-              <a:t> </a:t>
-            </a:r>
-            <a:r>
-              <a:rPr lang="es-ES" dirty="0" err="1"/>
-              <a:t>slide</a:t>
-            </a:r>
-            <a:r>
-              <a:rPr lang="es-ES" dirty="0"/>
-              <a:t>)</a:t>
-            </a:r>
-            <a:endParaRPr lang="en-GB" dirty="0"/>
+            <a:endParaRPr lang="es-ES" dirty="0"/>
           </a:p>
         </p:txBody>
       </p:sp>
@@ -4012,7 +3990,7 @@
     </p:spTree>
     <p:extLst>
       <p:ext uri="{BB962C8B-B14F-4D97-AF65-F5344CB8AC3E}">
-        <p14:creationId xmlns:p14="http://schemas.microsoft.com/office/powerpoint/2010/main" val="3177459909"/>
+        <p14:creationId xmlns:p14="http://schemas.microsoft.com/office/powerpoint/2010/main" val="313783324"/>
       </p:ext>
     </p:extLst>
   </p:cSld>
@@ -4068,125 +4046,17 @@
           <a:p>
             <a:r>
               <a:rPr lang="es-ES" dirty="0"/>
-              <a:t>Note: </a:t>
-            </a:r>
-            <a:r>
-              <a:rPr lang="es-ES" dirty="0" err="1"/>
-              <a:t>Deviance</a:t>
-            </a:r>
-            <a:r>
-              <a:rPr lang="es-ES" dirty="0"/>
-              <a:t> </a:t>
-            </a:r>
-            <a:r>
-              <a:rPr lang="es-ES" dirty="0" err="1"/>
-              <a:t>residuals</a:t>
-            </a:r>
-            <a:r>
-              <a:rPr lang="es-ES" dirty="0"/>
-              <a:t> are </a:t>
-            </a:r>
-            <a:r>
-              <a:rPr lang="es-ES" dirty="0" err="1"/>
-              <a:t>transformations</a:t>
-            </a:r>
-            <a:r>
-              <a:rPr lang="es-ES" dirty="0"/>
-              <a:t> </a:t>
-            </a:r>
-            <a:r>
-              <a:rPr lang="es-ES" dirty="0" err="1"/>
-              <a:t>of</a:t>
-            </a:r>
-            <a:r>
-              <a:rPr lang="es-ES" dirty="0"/>
-              <a:t> </a:t>
-            </a:r>
-            <a:r>
-              <a:rPr lang="es-ES" dirty="0" err="1"/>
-              <a:t>Martingale</a:t>
-            </a:r>
-            <a:r>
-              <a:rPr lang="es-ES" dirty="0"/>
-              <a:t> </a:t>
-            </a:r>
-            <a:r>
-              <a:rPr lang="es-ES" dirty="0" err="1"/>
-              <a:t>residuals</a:t>
-            </a:r>
-            <a:r>
-              <a:rPr lang="es-ES" dirty="0"/>
-              <a:t>. </a:t>
-            </a:r>
-            <a:r>
-              <a:rPr lang="es-ES" dirty="0" err="1"/>
-              <a:t>They</a:t>
-            </a:r>
-            <a:r>
-              <a:rPr lang="es-ES" dirty="0"/>
-              <a:t> can be </a:t>
-            </a:r>
-            <a:r>
-              <a:rPr lang="es-ES" dirty="0" err="1"/>
-              <a:t>used</a:t>
-            </a:r>
-            <a:r>
-              <a:rPr lang="es-ES" dirty="0"/>
-              <a:t> more </a:t>
-            </a:r>
-            <a:r>
-              <a:rPr lang="es-ES" dirty="0" err="1"/>
-              <a:t>or</a:t>
-            </a:r>
-            <a:r>
-              <a:rPr lang="es-ES" dirty="0"/>
-              <a:t> </a:t>
-            </a:r>
-            <a:r>
-              <a:rPr lang="es-ES" dirty="0" err="1"/>
-              <a:t>less</a:t>
-            </a:r>
-            <a:r>
-              <a:rPr lang="es-ES" dirty="0"/>
-              <a:t> </a:t>
-            </a:r>
-            <a:r>
-              <a:rPr lang="es-ES" dirty="0" err="1"/>
-              <a:t>like</a:t>
-            </a:r>
-            <a:r>
-              <a:rPr lang="es-ES" dirty="0"/>
-              <a:t> </a:t>
-            </a:r>
-            <a:r>
-              <a:rPr lang="es-ES" dirty="0" err="1"/>
-              <a:t>standardized</a:t>
-            </a:r>
-            <a:r>
-              <a:rPr lang="es-ES" dirty="0"/>
-              <a:t> </a:t>
-            </a:r>
-            <a:r>
-              <a:rPr lang="es-ES" dirty="0" err="1"/>
-              <a:t>residuals</a:t>
-            </a:r>
-            <a:r>
-              <a:rPr lang="es-ES" dirty="0"/>
-              <a:t> </a:t>
-            </a:r>
-            <a:r>
-              <a:rPr lang="es-ES" dirty="0" err="1"/>
-              <a:t>for</a:t>
-            </a:r>
-            <a:r>
-              <a:rPr lang="es-ES" dirty="0"/>
-              <a:t> linear </a:t>
-            </a:r>
-            <a:r>
-              <a:rPr lang="es-ES" dirty="0" err="1"/>
-              <a:t>models</a:t>
-            </a:r>
-            <a:endParaRPr lang="es-ES" dirty="0"/>
+              <a:t>DONE: </a:t>
+            </a:r>
+            <a:r>
+              <a:rPr lang="es-ES" dirty="0" err="1"/>
+              <a:t>add</a:t>
+            </a:r>
+            <a:r>
+              <a:rPr lang="es-ES" dirty="0"/>
+              <a:t> AIC</a:t>
+            </a:r>
+            <a:endParaRPr lang="en-GB" dirty="0"/>
           </a:p>
         </p:txBody>
       </p:sp>
@@ -4216,7 +4086,7 @@
     </p:spTree>
     <p:extLst>
       <p:ext uri="{BB962C8B-B14F-4D97-AF65-F5344CB8AC3E}">
-        <p14:creationId xmlns:p14="http://schemas.microsoft.com/office/powerpoint/2010/main" val="313783324"/>
+        <p14:creationId xmlns:p14="http://schemas.microsoft.com/office/powerpoint/2010/main" val="1775229365"/>
       </p:ext>
     </p:extLst>
   </p:cSld>
@@ -4454,18 +4324,6 @@
           <a:bodyPr/>
           <a:lstStyle/>
           <a:p>
-            <a:r>
-              <a:rPr lang="es-ES" dirty="0"/>
-              <a:t>DONE: </a:t>
-            </a:r>
-            <a:r>
-              <a:rPr lang="es-ES" dirty="0" err="1"/>
-              <a:t>add</a:t>
-            </a:r>
-            <a:r>
-              <a:rPr lang="es-ES" dirty="0"/>
-              <a:t> AIC</a:t>
-            </a:r>
             <a:endParaRPr lang="en-GB" dirty="0"/>
           </a:p>
         </p:txBody>
@@ -4496,7 +4354,7 @@
     </p:spTree>
     <p:extLst>
       <p:ext uri="{BB962C8B-B14F-4D97-AF65-F5344CB8AC3E}">
-        <p14:creationId xmlns:p14="http://schemas.microsoft.com/office/powerpoint/2010/main" val="1775229365"/>
+        <p14:creationId xmlns:p14="http://schemas.microsoft.com/office/powerpoint/2010/main" val="2794133896"/>
       </p:ext>
     </p:extLst>
   </p:cSld>
@@ -4550,6 +4408,70 @@
           <a:bodyPr/>
           <a:lstStyle/>
           <a:p>
+            <a:pPr marL="0" marR="0" lvl="0" indent="0" algn="l" defTabSz="914400" rtl="0" eaLnBrk="1" fontAlgn="auto" latinLnBrk="0" hangingPunct="1">
+              <a:lnSpc>
+                <a:spcPct val="100000"/>
+              </a:lnSpc>
+              <a:spcBef>
+                <a:spcPts val="0"/>
+              </a:spcBef>
+              <a:spcAft>
+                <a:spcPts val="0"/>
+              </a:spcAft>
+              <a:buClrTx/>
+              <a:buSzTx/>
+              <a:buFontTx/>
+              <a:buNone/>
+              <a:tabLst/>
+              <a:defRPr/>
+            </a:pPr>
+            <a:r>
+              <a:rPr lang="en-US" dirty="0"/>
+              <a:t>Here are some potential interpretations based on this pattern:</a:t>
+            </a:r>
+            <a:br>
+              <a:rPr lang="en-US" dirty="0"/>
+            </a:br>
+            <a:br>
+              <a:rPr lang="en-US" dirty="0"/>
+            </a:br>
+            <a:r>
+              <a:rPr lang="en-US" dirty="0"/>
+              <a:t>Early High Risk: The initial phase of the curve being above the horizontal line indicates a higher risk or hazard rate in the early stages of the study. This suggests that individuals are more likely to experience the event of interest soon after entering the study or at the beginning of the follow-up period. </a:t>
+            </a:r>
+            <a:br>
+              <a:rPr lang="en-US" dirty="0"/>
+            </a:br>
+            <a:br>
+              <a:rPr lang="en-US" dirty="0"/>
+            </a:br>
+            <a:r>
+              <a:rPr lang="en-US" dirty="0"/>
+              <a:t>Stable Hazard: The middle portion of the curve being similar to a horizontal line suggests that the hazard rate remains relatively constant or stable over time. This implies that the risk of the event remains consistent throughout this period.</a:t>
+            </a:r>
+            <a:br>
+              <a:rPr lang="en-US" dirty="0"/>
+            </a:br>
+            <a:br>
+              <a:rPr lang="en-US" dirty="0"/>
+            </a:br>
+            <a:r>
+              <a:rPr lang="en-US" dirty="0"/>
+              <a:t>Late Increased Risk: The curve rising above the horizontal line towards the end indicates an increased hazard rate in the later stages of the study or follow-up period. This suggests that individuals become more susceptible to experiencing the event as time progresses.</a:t>
+            </a:r>
+            <a:br>
+              <a:rPr lang="en-US" dirty="0"/>
+            </a:br>
+            <a:br>
+              <a:rPr lang="en-US" dirty="0"/>
+            </a:br>
+            <a:r>
+              <a:rPr lang="en-US" dirty="0"/>
+              <a:t>The observed pattern could indicate non-proportional hazards, which means that the hazard ratios associated with certain covariates or variables are not constant over time. This violation of the proportional hazards assumption might suggest that the effect of certain factors on the event of interest changes over time.</a:t>
+            </a:r>
+            <a:endParaRPr lang="en-GB" dirty="0"/>
+          </a:p>
+          <a:p>
             <a:endParaRPr lang="en-GB" dirty="0"/>
           </a:p>
         </p:txBody>
@@ -4572,90 +4494,6 @@
             <a:fld id="{85EBC9E2-2C9A-438E-83DE-17F69134D413}" type="slidenum">
               <a:rPr lang="en-GB" smtClean="0"/>
               <a:t>22</a:t>
-            </a:fld>
-            <a:endParaRPr lang="en-GB"/>
-          </a:p>
-        </p:txBody>
-      </p:sp>
-    </p:spTree>
-    <p:extLst>
-      <p:ext uri="{BB962C8B-B14F-4D97-AF65-F5344CB8AC3E}">
-        <p14:creationId xmlns:p14="http://schemas.microsoft.com/office/powerpoint/2010/main" val="2794133896"/>
-      </p:ext>
-    </p:extLst>
-  </p:cSld>
-  <p:clrMapOvr>
-    <a:masterClrMapping/>
-  </p:clrMapOvr>
-</p:notes>
-</file>
-
-<file path=ppt/notesSlides/notesSlide22.xml><?xml version="1.0" encoding="utf-8"?>
-<p:notes xmlns:a="http://schemas.openxmlformats.org/drawingml/2006/main" xmlns:r="http://schemas.openxmlformats.org/officeDocument/2006/relationships" xmlns:p="http://schemas.openxmlformats.org/presentationml/2006/main">
-  <p:cSld>
-    <p:spTree>
-      <p:nvGrpSpPr>
-        <p:cNvPr id="1" name=""/>
-        <p:cNvGrpSpPr/>
-        <p:nvPr/>
-      </p:nvGrpSpPr>
-      <p:grpSpPr>
-        <a:xfrm>
-          <a:off x="0" y="0"/>
-          <a:ext cx="0" cy="0"/>
-          <a:chOff x="0" y="0"/>
-          <a:chExt cx="0" cy="0"/>
-        </a:xfrm>
-      </p:grpSpPr>
-      <p:sp>
-        <p:nvSpPr>
-          <p:cNvPr id="2" name="Slide Image Placeholder 1"/>
-          <p:cNvSpPr>
-            <a:spLocks noGrp="1" noRot="1" noChangeAspect="1"/>
-          </p:cNvSpPr>
-          <p:nvPr>
-            <p:ph type="sldImg"/>
-          </p:nvPr>
-        </p:nvSpPr>
-        <p:spPr/>
-      </p:sp>
-      <p:sp>
-        <p:nvSpPr>
-          <p:cNvPr id="3" name="Notes Placeholder 2"/>
-          <p:cNvSpPr>
-            <a:spLocks noGrp="1"/>
-          </p:cNvSpPr>
-          <p:nvPr>
-            <p:ph type="body" idx="1"/>
-          </p:nvPr>
-        </p:nvSpPr>
-        <p:spPr/>
-        <p:txBody>
-          <a:bodyPr/>
-          <a:lstStyle/>
-          <a:p>
-            <a:endParaRPr lang="en-GB" dirty="0"/>
-          </a:p>
-        </p:txBody>
-      </p:sp>
-      <p:sp>
-        <p:nvSpPr>
-          <p:cNvPr id="4" name="Slide Number Placeholder 3"/>
-          <p:cNvSpPr>
-            <a:spLocks noGrp="1"/>
-          </p:cNvSpPr>
-          <p:nvPr>
-            <p:ph type="sldNum" sz="quarter" idx="5"/>
-          </p:nvPr>
-        </p:nvSpPr>
-        <p:spPr/>
-        <p:txBody>
-          <a:bodyPr/>
-          <a:lstStyle/>
-          <a:p>
-            <a:fld id="{85EBC9E2-2C9A-438E-83DE-17F69134D413}" type="slidenum">
-              <a:rPr lang="en-GB" smtClean="0"/>
-              <a:t>23</a:t>
             </a:fld>
             <a:endParaRPr lang="en-GB"/>
           </a:p>
@@ -5651,6 +5489,191 @@
               <a:rPr lang="es-ES" b="0" dirty="0"/>
               <a:t> use Wilcoxon.</a:t>
             </a:r>
+          </a:p>
+          <a:p>
+            <a:endParaRPr lang="es-ES" b="0" dirty="0"/>
+          </a:p>
+          <a:p>
+            <a:r>
+              <a:rPr lang="es-ES" b="0" dirty="0"/>
+              <a:t>H0 in </a:t>
+            </a:r>
+            <a:r>
+              <a:rPr lang="es-ES" b="0" dirty="0" err="1"/>
+              <a:t>both</a:t>
+            </a:r>
+            <a:r>
+              <a:rPr lang="es-ES" b="0" dirty="0"/>
+              <a:t> </a:t>
+            </a:r>
+            <a:r>
+              <a:rPr lang="es-ES" b="0" dirty="0" err="1"/>
+              <a:t>tests</a:t>
+            </a:r>
+            <a:r>
+              <a:rPr lang="es-ES" b="0" dirty="0"/>
+              <a:t>: No </a:t>
+            </a:r>
+            <a:r>
+              <a:rPr lang="es-ES" b="0" dirty="0" err="1"/>
+              <a:t>effect</a:t>
+            </a:r>
+            <a:r>
+              <a:rPr lang="es-ES" b="0" dirty="0"/>
+              <a:t> </a:t>
+            </a:r>
+            <a:r>
+              <a:rPr lang="es-ES" b="0" dirty="0" err="1"/>
+              <a:t>of</a:t>
+            </a:r>
+            <a:r>
+              <a:rPr lang="es-ES" b="0" dirty="0"/>
+              <a:t> </a:t>
+            </a:r>
+            <a:r>
+              <a:rPr lang="es-ES" b="0" dirty="0" err="1"/>
+              <a:t>the</a:t>
+            </a:r>
+            <a:r>
+              <a:rPr lang="es-ES" b="0" dirty="0"/>
+              <a:t> </a:t>
+            </a:r>
+            <a:r>
+              <a:rPr lang="es-ES" b="0" dirty="0" err="1"/>
+              <a:t>corresponding</a:t>
+            </a:r>
+            <a:r>
+              <a:rPr lang="es-ES" b="0" dirty="0"/>
+              <a:t> variable </a:t>
+            </a:r>
+            <a:r>
+              <a:rPr lang="es-ES" b="0" dirty="0" err="1"/>
+              <a:t>on</a:t>
+            </a:r>
+            <a:r>
+              <a:rPr lang="es-ES" b="0" dirty="0"/>
+              <a:t> </a:t>
+            </a:r>
+            <a:r>
+              <a:rPr lang="es-ES" b="0" dirty="0" err="1"/>
+              <a:t>the</a:t>
+            </a:r>
+            <a:r>
+              <a:rPr lang="es-ES" b="0" dirty="0"/>
+              <a:t> </a:t>
+            </a:r>
+            <a:r>
+              <a:rPr lang="es-ES" b="0" dirty="0" err="1"/>
+              <a:t>survival</a:t>
+            </a:r>
+            <a:r>
+              <a:rPr lang="es-ES" b="0" dirty="0"/>
+              <a:t> </a:t>
+            </a:r>
+            <a:r>
+              <a:rPr lang="es-ES" b="0" dirty="0" err="1"/>
+              <a:t>probability</a:t>
+            </a:r>
+            <a:r>
+              <a:rPr lang="es-ES" b="0" dirty="0"/>
+              <a:t>. </a:t>
+            </a:r>
+            <a:r>
+              <a:rPr lang="es-ES" b="0" dirty="0" err="1"/>
+              <a:t>Therefore</a:t>
+            </a:r>
+            <a:r>
+              <a:rPr lang="es-ES" b="0" dirty="0"/>
+              <a:t>, </a:t>
+            </a:r>
+            <a:r>
+              <a:rPr lang="es-ES" b="0" dirty="0" err="1"/>
+              <a:t>the</a:t>
+            </a:r>
+            <a:r>
+              <a:rPr lang="es-ES" b="0" dirty="0"/>
+              <a:t> </a:t>
+            </a:r>
+            <a:r>
+              <a:rPr lang="es-ES" b="0" dirty="0" err="1"/>
+              <a:t>low</a:t>
+            </a:r>
+            <a:r>
+              <a:rPr lang="es-ES" b="0" dirty="0"/>
+              <a:t> p-</a:t>
+            </a:r>
+            <a:r>
+              <a:rPr lang="es-ES" b="0" dirty="0" err="1"/>
+              <a:t>values</a:t>
+            </a:r>
+            <a:r>
+              <a:rPr lang="es-ES" b="0" dirty="0"/>
+              <a:t> </a:t>
+            </a:r>
+            <a:r>
+              <a:rPr lang="es-ES" b="0" dirty="0" err="1"/>
+              <a:t>for</a:t>
+            </a:r>
+            <a:r>
+              <a:rPr lang="es-ES" b="0" dirty="0"/>
+              <a:t> </a:t>
+            </a:r>
+            <a:r>
+              <a:rPr lang="es-ES" b="0" dirty="0" err="1"/>
+              <a:t>some</a:t>
+            </a:r>
+            <a:r>
+              <a:rPr lang="es-ES" b="0" dirty="0"/>
+              <a:t> variables </a:t>
+            </a:r>
+            <a:r>
+              <a:rPr lang="es-ES" b="0" dirty="0" err="1"/>
+              <a:t>indicate</a:t>
+            </a:r>
+            <a:r>
+              <a:rPr lang="es-ES" b="0" dirty="0"/>
+              <a:t> </a:t>
+            </a:r>
+            <a:r>
+              <a:rPr lang="es-ES" b="0" dirty="0" err="1"/>
+              <a:t>that</a:t>
+            </a:r>
+            <a:r>
+              <a:rPr lang="es-ES" b="0" dirty="0"/>
+              <a:t> </a:t>
+            </a:r>
+            <a:r>
+              <a:rPr lang="es-ES" b="0" dirty="0" err="1"/>
+              <a:t>there</a:t>
+            </a:r>
+            <a:r>
+              <a:rPr lang="es-ES" b="0" dirty="0"/>
+              <a:t> are </a:t>
+            </a:r>
+            <a:r>
+              <a:rPr lang="es-ES" b="0" dirty="0" err="1"/>
+              <a:t>some</a:t>
+            </a:r>
+            <a:r>
+              <a:rPr lang="es-ES" b="0" dirty="0"/>
+              <a:t> </a:t>
+            </a:r>
+            <a:r>
+              <a:rPr lang="es-ES" b="0" dirty="0" err="1"/>
+              <a:t>univariate</a:t>
+            </a:r>
+            <a:r>
+              <a:rPr lang="es-ES" b="0" dirty="0"/>
+              <a:t> </a:t>
+            </a:r>
+            <a:r>
+              <a:rPr lang="es-ES" b="0" dirty="0" err="1"/>
+              <a:t>effects</a:t>
+            </a:r>
+            <a:r>
+              <a:rPr lang="es-ES" b="0" dirty="0"/>
+              <a:t>.</a:t>
+            </a:r>
             <a:endParaRPr lang="en-GB" b="0" dirty="0"/>
           </a:p>
         </p:txBody>
@@ -5820,42 +5843,78 @@
           <a:lstStyle/>
           <a:p>
             <a:r>
-              <a:rPr lang="es-ES" b="0" dirty="0"/>
-              <a:t>DONE: Show </a:t>
-            </a:r>
-            <a:r>
-              <a:rPr lang="es-ES" b="0" dirty="0" err="1"/>
-              <a:t>some</a:t>
-            </a:r>
-            <a:r>
-              <a:rPr lang="es-ES" b="0" dirty="0"/>
-              <a:t> </a:t>
-            </a:r>
-            <a:r>
-              <a:rPr lang="es-ES" b="0" dirty="0" err="1"/>
-              <a:t>bad</a:t>
-            </a:r>
-            <a:r>
-              <a:rPr lang="es-ES" b="0" dirty="0"/>
-              <a:t> </a:t>
-            </a:r>
-            <a:r>
-              <a:rPr lang="es-ES" b="0" dirty="0" err="1"/>
-              <a:t>examples</a:t>
-            </a:r>
-            <a:r>
-              <a:rPr lang="es-ES" b="0" dirty="0"/>
-              <a:t> </a:t>
-            </a:r>
-            <a:r>
-              <a:rPr lang="es-ES" b="0" dirty="0" err="1"/>
-              <a:t>like</a:t>
-            </a:r>
-            <a:r>
-              <a:rPr lang="es-ES" b="0" dirty="0"/>
-              <a:t> CPK</a:t>
-            </a:r>
-            <a:endParaRPr lang="en-GB" b="0" dirty="0"/>
+              <a:rPr lang="es-ES" dirty="0" err="1"/>
+              <a:t>For</a:t>
+            </a:r>
+            <a:r>
+              <a:rPr lang="es-ES" dirty="0"/>
+              <a:t> CPK, </a:t>
+            </a:r>
+            <a:r>
+              <a:rPr lang="es-ES" dirty="0" err="1"/>
+              <a:t>the</a:t>
+            </a:r>
+            <a:r>
+              <a:rPr lang="es-ES" dirty="0"/>
+              <a:t> </a:t>
+            </a:r>
+            <a:r>
+              <a:rPr lang="es-ES" dirty="0" err="1"/>
+              <a:t>exact</a:t>
+            </a:r>
+            <a:r>
+              <a:rPr lang="es-ES" dirty="0"/>
+              <a:t> </a:t>
+            </a:r>
+            <a:r>
+              <a:rPr lang="es-ES" dirty="0" err="1"/>
+              <a:t>value</a:t>
+            </a:r>
+            <a:r>
+              <a:rPr lang="es-ES" dirty="0"/>
+              <a:t> </a:t>
+            </a:r>
+            <a:r>
+              <a:rPr lang="es-ES" dirty="0" err="1"/>
+              <a:t>is</a:t>
+            </a:r>
+            <a:r>
+              <a:rPr lang="es-ES" dirty="0"/>
+              <a:t>: </a:t>
+            </a:r>
+            <a:r>
+              <a:rPr lang="es-ES" dirty="0" err="1"/>
+              <a:t>exp</a:t>
+            </a:r>
+            <a:r>
+              <a:rPr lang="es-ES" dirty="0"/>
+              <a:t>(</a:t>
+            </a:r>
+            <a:r>
+              <a:rPr lang="es-ES" dirty="0" err="1"/>
+              <a:t>coef</a:t>
+            </a:r>
+            <a:r>
+              <a:rPr lang="es-ES" dirty="0"/>
+              <a:t>) = 1.000221 -&gt; </a:t>
+            </a:r>
+            <a:r>
+              <a:rPr lang="es-ES" dirty="0" err="1"/>
+              <a:t>significant</a:t>
+            </a:r>
+            <a:r>
+              <a:rPr lang="es-ES" dirty="0"/>
+              <a:t> </a:t>
+            </a:r>
+            <a:r>
+              <a:rPr lang="es-ES" dirty="0" err="1"/>
+              <a:t>risk</a:t>
+            </a:r>
+            <a:r>
+              <a:rPr lang="es-ES" dirty="0"/>
+              <a:t> factor</a:t>
+            </a:r>
+            <a:endParaRPr lang="en-GB" dirty="0"/>
           </a:p>
         </p:txBody>
       </p:sp>
@@ -5885,7 +5944,7 @@
     </p:spTree>
     <p:extLst>
       <p:ext uri="{BB962C8B-B14F-4D97-AF65-F5344CB8AC3E}">
-        <p14:creationId xmlns:p14="http://schemas.microsoft.com/office/powerpoint/2010/main" val="3595966724"/>
+        <p14:creationId xmlns:p14="http://schemas.microsoft.com/office/powerpoint/2010/main" val="2652534523"/>
       </p:ext>
     </p:extLst>
   </p:cSld>
@@ -6112,7 +6171,7 @@
           <a:p>
             <a:fld id="{A1B2EB48-0D68-46EB-BB33-70996AFA08CC}" type="datetimeFigureOut">
               <a:rPr lang="en-GB" smtClean="0"/>
-              <a:t>04/06/2023</a:t>
+              <a:t>06/06/2023</a:t>
             </a:fld>
             <a:endParaRPr lang="en-GB"/>
           </a:p>
@@ -6447,7 +6506,7 @@
           <a:p>
             <a:fld id="{A1B2EB48-0D68-46EB-BB33-70996AFA08CC}" type="datetimeFigureOut">
               <a:rPr lang="en-GB" smtClean="0"/>
-              <a:t>04/06/2023</a:t>
+              <a:t>06/06/2023</a:t>
             </a:fld>
             <a:endParaRPr lang="en-GB"/>
           </a:p>
@@ -6750,7 +6809,7 @@
           <a:p>
             <a:fld id="{A1B2EB48-0D68-46EB-BB33-70996AFA08CC}" type="datetimeFigureOut">
               <a:rPr lang="en-GB" smtClean="0"/>
-              <a:t>04/06/2023</a:t>
+              <a:t>06/06/2023</a:t>
             </a:fld>
             <a:endParaRPr lang="en-GB"/>
           </a:p>
@@ -6998,7 +7057,7 @@
           <a:p>
             <a:fld id="{A1B2EB48-0D68-46EB-BB33-70996AFA08CC}" type="datetimeFigureOut">
               <a:rPr lang="en-GB" smtClean="0"/>
-              <a:t>04/06/2023</a:t>
+              <a:t>06/06/2023</a:t>
             </a:fld>
             <a:endParaRPr lang="en-GB"/>
           </a:p>
@@ -7406,7 +7465,7 @@
           <a:p>
             <a:fld id="{A1B2EB48-0D68-46EB-BB33-70996AFA08CC}" type="datetimeFigureOut">
               <a:rPr lang="en-GB" smtClean="0"/>
-              <a:t>04/06/2023</a:t>
+              <a:t>06/06/2023</a:t>
             </a:fld>
             <a:endParaRPr lang="en-GB"/>
           </a:p>
@@ -7721,7 +7780,7 @@
           <a:p>
             <a:fld id="{A1B2EB48-0D68-46EB-BB33-70996AFA08CC}" type="datetimeFigureOut">
               <a:rPr lang="en-GB" smtClean="0"/>
-              <a:t>04/06/2023</a:t>
+              <a:t>06/06/2023</a:t>
             </a:fld>
             <a:endParaRPr lang="en-GB"/>
           </a:p>
@@ -8266,7 +8325,7 @@
           <a:p>
             <a:fld id="{A1B2EB48-0D68-46EB-BB33-70996AFA08CC}" type="datetimeFigureOut">
               <a:rPr lang="en-GB" smtClean="0"/>
-              <a:t>04/06/2023</a:t>
+              <a:t>06/06/2023</a:t>
             </a:fld>
             <a:endParaRPr lang="en-GB"/>
           </a:p>
@@ -8462,7 +8521,7 @@
           <a:p>
             <a:fld id="{A1B2EB48-0D68-46EB-BB33-70996AFA08CC}" type="datetimeFigureOut">
               <a:rPr lang="en-GB" smtClean="0"/>
-              <a:t>04/06/2023</a:t>
+              <a:t>06/06/2023</a:t>
             </a:fld>
             <a:endParaRPr lang="en-GB"/>
           </a:p>
@@ -8676,7 +8735,7 @@
           <a:p>
             <a:fld id="{A1B2EB48-0D68-46EB-BB33-70996AFA08CC}" type="datetimeFigureOut">
               <a:rPr lang="en-GB" smtClean="0"/>
-              <a:t>04/06/2023</a:t>
+              <a:t>06/06/2023</a:t>
             </a:fld>
             <a:endParaRPr lang="en-GB"/>
           </a:p>
@@ -9046,7 +9105,7 @@
           <a:p>
             <a:fld id="{A1B2EB48-0D68-46EB-BB33-70996AFA08CC}" type="datetimeFigureOut">
               <a:rPr lang="en-GB" smtClean="0"/>
-              <a:t>04/06/2023</a:t>
+              <a:t>06/06/2023</a:t>
             </a:fld>
             <a:endParaRPr lang="en-GB"/>
           </a:p>
@@ -9450,7 +9509,7 @@
           <a:p>
             <a:fld id="{A1B2EB48-0D68-46EB-BB33-70996AFA08CC}" type="datetimeFigureOut">
               <a:rPr lang="en-GB" smtClean="0"/>
-              <a:t>04/06/2023</a:t>
+              <a:t>06/06/2023</a:t>
             </a:fld>
             <a:endParaRPr lang="en-GB"/>
           </a:p>
@@ -9762,7 +9821,7 @@
           <a:p>
             <a:fld id="{A1B2EB48-0D68-46EB-BB33-70996AFA08CC}" type="datetimeFigureOut">
               <a:rPr lang="en-GB" smtClean="0"/>
-              <a:t>04/06/2023</a:t>
+              <a:t>06/06/2023</a:t>
             </a:fld>
             <a:endParaRPr lang="en-GB"/>
           </a:p>
@@ -10475,213 +10534,6 @@
           <p:cNvPr id="2" name="Title 1">
             <a:extLst>
               <a:ext uri="{FF2B5EF4-FFF2-40B4-BE49-F238E27FC236}">
-                <a16:creationId xmlns:a16="http://schemas.microsoft.com/office/drawing/2014/main" id="{9CEF219F-A752-AF3A-FEDC-8EB897838D43}"/>
-              </a:ext>
-            </a:extLst>
-          </p:cNvPr>
-          <p:cNvSpPr>
-            <a:spLocks noGrp="1"/>
-          </p:cNvSpPr>
-          <p:nvPr>
-            <p:ph type="title"/>
-          </p:nvPr>
-        </p:nvSpPr>
-        <p:spPr/>
-        <p:txBody>
-          <a:bodyPr/>
-          <a:lstStyle/>
-          <a:p>
-            <a:r>
-              <a:rPr lang="es-ES" dirty="0" err="1"/>
-              <a:t>ii</a:t>
-            </a:r>
-            <a:r>
-              <a:rPr lang="es-ES" dirty="0"/>
-              <a:t>. </a:t>
-            </a:r>
-            <a:r>
-              <a:rPr lang="es-ES" dirty="0" err="1"/>
-              <a:t>Univariate</a:t>
-            </a:r>
-            <a:r>
-              <a:rPr lang="es-ES" dirty="0"/>
-              <a:t> </a:t>
-            </a:r>
-            <a:r>
-              <a:rPr lang="es-ES" dirty="0" err="1"/>
-              <a:t>analysis</a:t>
-            </a:r>
-            <a:endParaRPr lang="en-GB" dirty="0"/>
-          </a:p>
-        </p:txBody>
-      </p:sp>
-      <p:sp>
-        <p:nvSpPr>
-          <p:cNvPr id="7" name="Content Placeholder 6">
-            <a:extLst>
-              <a:ext uri="{FF2B5EF4-FFF2-40B4-BE49-F238E27FC236}">
-                <a16:creationId xmlns:a16="http://schemas.microsoft.com/office/drawing/2014/main" id="{38434C18-E629-8B9D-4E85-3B193564F614}"/>
-              </a:ext>
-            </a:extLst>
-          </p:cNvPr>
-          <p:cNvSpPr>
-            <a:spLocks noGrp="1"/>
-          </p:cNvSpPr>
-          <p:nvPr>
-            <p:ph idx="1"/>
-          </p:nvPr>
-        </p:nvSpPr>
-        <p:spPr>
-          <a:xfrm>
-            <a:off x="2197729" y="1346670"/>
-            <a:ext cx="7796540" cy="895621"/>
-          </a:xfrm>
-        </p:spPr>
-        <p:txBody>
-          <a:bodyPr/>
-          <a:lstStyle/>
-          <a:p>
-            <a:r>
-              <a:rPr lang="es-ES" b="1" dirty="0" err="1"/>
-              <a:t>Fitting</a:t>
-            </a:r>
-            <a:r>
-              <a:rPr lang="es-ES" b="1" dirty="0"/>
-              <a:t> KM vs. Cox</a:t>
-            </a:r>
-            <a:r>
-              <a:rPr lang="es-ES" dirty="0"/>
-              <a:t>:</a:t>
-            </a:r>
-            <a:endParaRPr lang="en-GB" dirty="0"/>
-          </a:p>
-        </p:txBody>
-      </p:sp>
-      <p:pic>
-        <p:nvPicPr>
-          <p:cNvPr id="4" name="Picture 3">
-            <a:extLst>
-              <a:ext uri="{FF2B5EF4-FFF2-40B4-BE49-F238E27FC236}">
-                <a16:creationId xmlns:a16="http://schemas.microsoft.com/office/drawing/2014/main" id="{D0F543CC-75E1-85C8-3A06-00BC5D714534}"/>
-              </a:ext>
-            </a:extLst>
-          </p:cNvPr>
-          <p:cNvPicPr>
-            <a:picLocks noChangeAspect="1"/>
-          </p:cNvPicPr>
-          <p:nvPr/>
-        </p:nvPicPr>
-        <p:blipFill>
-          <a:blip r:embed="rId3"/>
-          <a:stretch>
-            <a:fillRect/>
-          </a:stretch>
-        </p:blipFill>
-        <p:spPr>
-          <a:xfrm>
-            <a:off x="7960321" y="2242291"/>
-            <a:ext cx="3291694" cy="3291694"/>
-          </a:xfrm>
-          <a:prstGeom prst="rect">
-            <a:avLst/>
-          </a:prstGeom>
-        </p:spPr>
-      </p:pic>
-      <p:pic>
-        <p:nvPicPr>
-          <p:cNvPr id="6" name="Picture 5">
-            <a:extLst>
-              <a:ext uri="{FF2B5EF4-FFF2-40B4-BE49-F238E27FC236}">
-                <a16:creationId xmlns:a16="http://schemas.microsoft.com/office/drawing/2014/main" id="{D4145D2D-23AC-AB5C-368A-11068A15779B}"/>
-              </a:ext>
-            </a:extLst>
-          </p:cNvPr>
-          <p:cNvPicPr>
-            <a:picLocks noChangeAspect="1"/>
-          </p:cNvPicPr>
-          <p:nvPr/>
-        </p:nvPicPr>
-        <p:blipFill>
-          <a:blip r:embed="rId4"/>
-          <a:stretch>
-            <a:fillRect/>
-          </a:stretch>
-        </p:blipFill>
-        <p:spPr>
-          <a:xfrm>
-            <a:off x="1102654" y="2232756"/>
-            <a:ext cx="3278574" cy="3278574"/>
-          </a:xfrm>
-          <a:prstGeom prst="rect">
-            <a:avLst/>
-          </a:prstGeom>
-        </p:spPr>
-      </p:pic>
-      <p:pic>
-        <p:nvPicPr>
-          <p:cNvPr id="9" name="Picture 8">
-            <a:extLst>
-              <a:ext uri="{FF2B5EF4-FFF2-40B4-BE49-F238E27FC236}">
-                <a16:creationId xmlns:a16="http://schemas.microsoft.com/office/drawing/2014/main" id="{9FC6682C-ED6B-1F30-0169-B0817D0C03CD}"/>
-              </a:ext>
-            </a:extLst>
-          </p:cNvPr>
-          <p:cNvPicPr>
-            <a:picLocks noChangeAspect="1"/>
-          </p:cNvPicPr>
-          <p:nvPr/>
-        </p:nvPicPr>
-        <p:blipFill>
-          <a:blip r:embed="rId5"/>
-          <a:stretch>
-            <a:fillRect/>
-          </a:stretch>
-        </p:blipFill>
-        <p:spPr>
-          <a:xfrm>
-            <a:off x="4538047" y="2232756"/>
-            <a:ext cx="3278574" cy="3278574"/>
-          </a:xfrm>
-          <a:prstGeom prst="rect">
-            <a:avLst/>
-          </a:prstGeom>
-        </p:spPr>
-      </p:pic>
-    </p:spTree>
-    <p:extLst>
-      <p:ext uri="{BB962C8B-B14F-4D97-AF65-F5344CB8AC3E}">
-        <p14:creationId xmlns:p14="http://schemas.microsoft.com/office/powerpoint/2010/main" val="2977306387"/>
-      </p:ext>
-    </p:extLst>
-  </p:cSld>
-  <p:clrMapOvr>
-    <a:masterClrMapping/>
-  </p:clrMapOvr>
-</p:sld>
-</file>
-
-<file path=ppt/slides/slide11.xml><?xml version="1.0" encoding="utf-8"?>
-<p:sld xmlns:a="http://schemas.openxmlformats.org/drawingml/2006/main" xmlns:r="http://schemas.openxmlformats.org/officeDocument/2006/relationships" xmlns:p="http://schemas.openxmlformats.org/presentationml/2006/main">
-  <p:cSld>
-    <p:spTree>
-      <p:nvGrpSpPr>
-        <p:cNvPr id="1" name=""/>
-        <p:cNvGrpSpPr/>
-        <p:nvPr/>
-      </p:nvGrpSpPr>
-      <p:grpSpPr>
-        <a:xfrm>
-          <a:off x="0" y="0"/>
-          <a:ext cx="0" cy="0"/>
-          <a:chOff x="0" y="0"/>
-          <a:chExt cx="0" cy="0"/>
-        </a:xfrm>
-      </p:grpSpPr>
-      <p:sp>
-        <p:nvSpPr>
-          <p:cNvPr id="2" name="Title 1">
-            <a:extLst>
-              <a:ext uri="{FF2B5EF4-FFF2-40B4-BE49-F238E27FC236}">
                 <a16:creationId xmlns:a16="http://schemas.microsoft.com/office/drawing/2014/main" id="{497E08B4-1A21-5C4A-FF59-0254370A8800}"/>
               </a:ext>
             </a:extLst>
@@ -11039,7 +10891,7 @@
 </p:sld>
 </file>
 
-<file path=ppt/slides/slide12.xml><?xml version="1.0" encoding="utf-8"?>
+<file path=ppt/slides/slide11.xml><?xml version="1.0" encoding="utf-8"?>
 <p:sld xmlns:a="http://schemas.openxmlformats.org/drawingml/2006/main" xmlns:r="http://schemas.openxmlformats.org/officeDocument/2006/relationships" xmlns:p="http://schemas.openxmlformats.org/presentationml/2006/main">
   <p:cSld>
     <p:spTree>
@@ -11337,7 +11189,7 @@
 </p:sld>
 </file>
 
-<file path=ppt/slides/slide13.xml><?xml version="1.0" encoding="utf-8"?>
+<file path=ppt/slides/slide12.xml><?xml version="1.0" encoding="utf-8"?>
 <p:sld xmlns:a="http://schemas.openxmlformats.org/drawingml/2006/main" xmlns:r="http://schemas.openxmlformats.org/officeDocument/2006/relationships" xmlns:p="http://schemas.openxmlformats.org/presentationml/2006/main">
   <p:cSld>
     <p:spTree>
@@ -11888,7 +11740,7 @@
 </p:sld>
 </file>
 
-<file path=ppt/slides/slide14.xml><?xml version="1.0" encoding="utf-8"?>
+<file path=ppt/slides/slide13.xml><?xml version="1.0" encoding="utf-8"?>
 <p:sld xmlns:a="http://schemas.openxmlformats.org/drawingml/2006/main" xmlns:r="http://schemas.openxmlformats.org/officeDocument/2006/relationships" xmlns:p="http://schemas.openxmlformats.org/presentationml/2006/main">
   <p:cSld>
     <p:spTree>
@@ -12274,7 +12126,7 @@
 </p:sld>
 </file>
 
-<file path=ppt/slides/slide15.xml><?xml version="1.0" encoding="utf-8"?>
+<file path=ppt/slides/slide14.xml><?xml version="1.0" encoding="utf-8"?>
 <p:sld xmlns:a="http://schemas.openxmlformats.org/drawingml/2006/main" xmlns:r="http://schemas.openxmlformats.org/officeDocument/2006/relationships" xmlns:p="http://schemas.openxmlformats.org/presentationml/2006/main">
   <p:cSld>
     <p:spTree>
@@ -12757,7 +12609,7 @@
 </p:sld>
 </file>
 
-<file path=ppt/slides/slide16.xml><?xml version="1.0" encoding="utf-8"?>
+<file path=ppt/slides/slide15.xml><?xml version="1.0" encoding="utf-8"?>
 <p:sld xmlns:a="http://schemas.openxmlformats.org/drawingml/2006/main" xmlns:r="http://schemas.openxmlformats.org/officeDocument/2006/relationships" xmlns:p="http://schemas.openxmlformats.org/presentationml/2006/main">
   <p:cSld>
     <p:spTree>
@@ -13531,7 +13383,7 @@
 </p:sld>
 </file>
 
-<file path=ppt/slides/slide17.xml><?xml version="1.0" encoding="utf-8"?>
+<file path=ppt/slides/slide16.xml><?xml version="1.0" encoding="utf-8"?>
 <p:sld xmlns:a="http://schemas.openxmlformats.org/drawingml/2006/main" xmlns:r="http://schemas.openxmlformats.org/officeDocument/2006/relationships" xmlns:p="http://schemas.openxmlformats.org/presentationml/2006/main">
   <p:cSld>
     <p:spTree>
@@ -13742,7 +13594,7 @@
 </p:sld>
 </file>
 
-<file path=ppt/slides/slide18.xml><?xml version="1.0" encoding="utf-8"?>
+<file path=ppt/slides/slide17.xml><?xml version="1.0" encoding="utf-8"?>
 <p:sld xmlns:a="http://schemas.openxmlformats.org/drawingml/2006/main" xmlns:r="http://schemas.openxmlformats.org/officeDocument/2006/relationships" xmlns:p="http://schemas.openxmlformats.org/presentationml/2006/main">
   <p:cSld>
     <p:spTree>
@@ -13953,7 +13805,7 @@
 </p:sld>
 </file>
 
-<file path=ppt/slides/slide19.xml><?xml version="1.0" encoding="utf-8"?>
+<file path=ppt/slides/slide18.xml><?xml version="1.0" encoding="utf-8"?>
 <p:sld xmlns:a="http://schemas.openxmlformats.org/drawingml/2006/main" xmlns:r="http://schemas.openxmlformats.org/officeDocument/2006/relationships" xmlns:p="http://schemas.openxmlformats.org/presentationml/2006/main">
   <p:cSld>
     <p:spTree>
@@ -14198,324 +14050,7 @@
 </p:sld>
 </file>
 
-<file path=ppt/slides/slide2.xml><?xml version="1.0" encoding="utf-8"?>
-<p:sld xmlns:a="http://schemas.openxmlformats.org/drawingml/2006/main" xmlns:r="http://schemas.openxmlformats.org/officeDocument/2006/relationships" xmlns:p="http://schemas.openxmlformats.org/presentationml/2006/main">
-  <p:cSld>
-    <p:spTree>
-      <p:nvGrpSpPr>
-        <p:cNvPr id="1" name=""/>
-        <p:cNvGrpSpPr/>
-        <p:nvPr/>
-      </p:nvGrpSpPr>
-      <p:grpSpPr>
-        <a:xfrm>
-          <a:off x="0" y="0"/>
-          <a:ext cx="0" cy="0"/>
-          <a:chOff x="0" y="0"/>
-          <a:chExt cx="0" cy="0"/>
-        </a:xfrm>
-      </p:grpSpPr>
-      <p:sp>
-        <p:nvSpPr>
-          <p:cNvPr id="2" name="Title 1">
-            <a:extLst>
-              <a:ext uri="{FF2B5EF4-FFF2-40B4-BE49-F238E27FC236}">
-                <a16:creationId xmlns:a16="http://schemas.microsoft.com/office/drawing/2014/main" id="{45B66112-171E-1ECA-8B21-B617C495018A}"/>
-              </a:ext>
-            </a:extLst>
-          </p:cNvPr>
-          <p:cNvSpPr>
-            <a:spLocks noGrp="1"/>
-          </p:cNvSpPr>
-          <p:nvPr>
-            <p:ph type="title"/>
-          </p:nvPr>
-        </p:nvSpPr>
-        <p:spPr/>
-        <p:txBody>
-          <a:bodyPr/>
-          <a:lstStyle/>
-          <a:p>
-            <a:r>
-              <a:rPr lang="es-ES" dirty="0"/>
-              <a:t>Table </a:t>
-            </a:r>
-            <a:r>
-              <a:rPr lang="es-ES" dirty="0" err="1"/>
-              <a:t>of</a:t>
-            </a:r>
-            <a:r>
-              <a:rPr lang="es-ES" dirty="0"/>
-              <a:t> </a:t>
-            </a:r>
-            <a:r>
-              <a:rPr lang="es-ES" dirty="0" err="1"/>
-              <a:t>Contents</a:t>
-            </a:r>
-            <a:endParaRPr lang="en-GB" dirty="0"/>
-          </a:p>
-        </p:txBody>
-      </p:sp>
-      <p:sp>
-        <p:nvSpPr>
-          <p:cNvPr id="3" name="Content Placeholder 2">
-            <a:extLst>
-              <a:ext uri="{FF2B5EF4-FFF2-40B4-BE49-F238E27FC236}">
-                <a16:creationId xmlns:a16="http://schemas.microsoft.com/office/drawing/2014/main" id="{9E28193F-FE09-8E4B-A363-00025BEC7E88}"/>
-              </a:ext>
-            </a:extLst>
-          </p:cNvPr>
-          <p:cNvSpPr>
-            <a:spLocks noGrp="1"/>
-          </p:cNvSpPr>
-          <p:nvPr>
-            <p:ph idx="1"/>
-          </p:nvPr>
-        </p:nvSpPr>
-        <p:spPr>
-          <a:xfrm>
-            <a:off x="2611808" y="1885285"/>
-            <a:ext cx="7958331" cy="4164659"/>
-          </a:xfrm>
-        </p:spPr>
-        <p:txBody>
-          <a:bodyPr>
-            <a:normAutofit lnSpcReduction="10000"/>
-          </a:bodyPr>
-          <a:lstStyle/>
-          <a:p>
-            <a:pPr marL="514350" indent="-514350">
-              <a:buFont typeface="+mj-lt"/>
-              <a:buAutoNum type="romanLcPeriod"/>
-            </a:pPr>
-            <a:r>
-              <a:rPr lang="es-ES" dirty="0" err="1"/>
-              <a:t>Introduction</a:t>
-            </a:r>
-            <a:r>
-              <a:rPr lang="es-ES" dirty="0"/>
-              <a:t> </a:t>
-            </a:r>
-            <a:r>
-              <a:rPr lang="es-ES" dirty="0" err="1"/>
-              <a:t>to</a:t>
-            </a:r>
-            <a:r>
-              <a:rPr lang="es-ES" dirty="0"/>
-              <a:t> </a:t>
-            </a:r>
-            <a:r>
-              <a:rPr lang="es-ES" dirty="0" err="1"/>
-              <a:t>the</a:t>
-            </a:r>
-            <a:r>
-              <a:rPr lang="es-ES" dirty="0"/>
-              <a:t> data</a:t>
-            </a:r>
-          </a:p>
-          <a:p>
-            <a:pPr marL="514350" indent="-514350">
-              <a:buFont typeface="+mj-lt"/>
-              <a:buAutoNum type="romanLcPeriod"/>
-            </a:pPr>
-            <a:r>
-              <a:rPr lang="es-ES" dirty="0" err="1"/>
-              <a:t>Univariate</a:t>
-            </a:r>
-            <a:r>
-              <a:rPr lang="es-ES" dirty="0"/>
-              <a:t> </a:t>
-            </a:r>
-            <a:r>
-              <a:rPr lang="es-ES" dirty="0" err="1"/>
-              <a:t>analysis</a:t>
-            </a:r>
-            <a:endParaRPr lang="es-ES" dirty="0"/>
-          </a:p>
-          <a:p>
-            <a:pPr marL="457200" indent="-457200">
-              <a:buFont typeface="+mj-lt"/>
-              <a:buAutoNum type="romanLcPeriod"/>
-            </a:pPr>
-            <a:r>
-              <a:rPr lang="es-ES" dirty="0" err="1"/>
-              <a:t>Multivariate</a:t>
-            </a:r>
-            <a:r>
-              <a:rPr lang="es-ES" dirty="0"/>
-              <a:t> Cox </a:t>
-            </a:r>
-            <a:r>
-              <a:rPr lang="es-ES" dirty="0" err="1"/>
-              <a:t>regression</a:t>
-            </a:r>
-            <a:r>
-              <a:rPr lang="es-ES" dirty="0"/>
-              <a:t> </a:t>
-            </a:r>
-            <a:r>
-              <a:rPr lang="es-ES" dirty="0" err="1"/>
-              <a:t>model</a:t>
-            </a:r>
-            <a:endParaRPr lang="es-ES" dirty="0"/>
-          </a:p>
-          <a:p>
-            <a:pPr marL="908050" lvl="1" indent="-457200">
-              <a:buFont typeface="+mj-lt"/>
-              <a:buAutoNum type="alphaUcPeriod"/>
-            </a:pPr>
-            <a:r>
-              <a:rPr lang="es-ES" dirty="0"/>
-              <a:t>Base </a:t>
-            </a:r>
-            <a:r>
-              <a:rPr lang="es-ES" dirty="0" err="1"/>
-              <a:t>model</a:t>
-            </a:r>
-            <a:endParaRPr lang="es-ES" dirty="0"/>
-          </a:p>
-          <a:p>
-            <a:pPr marL="908050" lvl="1" indent="-457200">
-              <a:buFont typeface="+mj-lt"/>
-              <a:buAutoNum type="alphaUcPeriod"/>
-            </a:pPr>
-            <a:r>
-              <a:rPr lang="es-ES" dirty="0" err="1"/>
-              <a:t>Reduced</a:t>
-            </a:r>
-            <a:r>
-              <a:rPr lang="es-ES" dirty="0"/>
-              <a:t> </a:t>
-            </a:r>
-            <a:r>
-              <a:rPr lang="es-ES" dirty="0" err="1"/>
-              <a:t>model</a:t>
-            </a:r>
-            <a:endParaRPr lang="es-ES" dirty="0"/>
-          </a:p>
-          <a:p>
-            <a:pPr marL="908050" lvl="1" indent="-457200">
-              <a:buFont typeface="+mj-lt"/>
-              <a:buAutoNum type="alphaUcPeriod"/>
-            </a:pPr>
-            <a:r>
-              <a:rPr lang="es-ES" dirty="0" err="1"/>
-              <a:t>Mode</a:t>
-            </a:r>
-            <a:r>
-              <a:rPr lang="es-ES" dirty="0"/>
-              <a:t> </a:t>
-            </a:r>
-            <a:r>
-              <a:rPr lang="es-ES" dirty="0" err="1"/>
-              <a:t>with</a:t>
-            </a:r>
-            <a:r>
-              <a:rPr lang="es-ES" dirty="0"/>
-              <a:t> time </a:t>
-            </a:r>
-            <a:r>
-              <a:rPr lang="es-ES" dirty="0" err="1"/>
-              <a:t>varying</a:t>
-            </a:r>
-            <a:r>
-              <a:rPr lang="es-ES" dirty="0"/>
-              <a:t> </a:t>
-            </a:r>
-            <a:r>
-              <a:rPr lang="es-ES" dirty="0" err="1"/>
-              <a:t>coefficients</a:t>
-            </a:r>
-            <a:endParaRPr lang="es-ES" dirty="0"/>
-          </a:p>
-          <a:p>
-            <a:pPr marL="457200" indent="-457200">
-              <a:buFont typeface="+mj-lt"/>
-              <a:buAutoNum type="romanLcPeriod"/>
-            </a:pPr>
-            <a:r>
-              <a:rPr lang="es-ES" dirty="0" err="1"/>
-              <a:t>Linearity</a:t>
-            </a:r>
-            <a:r>
-              <a:rPr lang="es-ES" dirty="0"/>
-              <a:t> test</a:t>
-            </a:r>
-          </a:p>
-          <a:p>
-            <a:pPr marL="457200" indent="-457200">
-              <a:buFont typeface="+mj-lt"/>
-              <a:buAutoNum type="romanLcPeriod"/>
-            </a:pPr>
-            <a:r>
-              <a:rPr lang="es-ES" dirty="0" err="1"/>
-              <a:t>Choice</a:t>
-            </a:r>
-            <a:r>
-              <a:rPr lang="es-ES" dirty="0"/>
-              <a:t> </a:t>
-            </a:r>
-            <a:r>
-              <a:rPr lang="es-ES" dirty="0" err="1"/>
-              <a:t>of</a:t>
-            </a:r>
-            <a:r>
-              <a:rPr lang="es-ES" dirty="0"/>
-              <a:t> </a:t>
-            </a:r>
-            <a:r>
-              <a:rPr lang="es-ES" dirty="0" err="1"/>
-              <a:t>the</a:t>
-            </a:r>
-            <a:r>
-              <a:rPr lang="es-ES" dirty="0"/>
-              <a:t> ‘</a:t>
-            </a:r>
-            <a:r>
-              <a:rPr lang="es-ES" dirty="0" err="1"/>
-              <a:t>best</a:t>
-            </a:r>
-            <a:r>
-              <a:rPr lang="es-ES" dirty="0"/>
-              <a:t>’ </a:t>
-            </a:r>
-            <a:r>
-              <a:rPr lang="es-ES" dirty="0" err="1"/>
-              <a:t>parametric</a:t>
-            </a:r>
-            <a:r>
-              <a:rPr lang="es-ES" dirty="0"/>
-              <a:t> </a:t>
-            </a:r>
-            <a:r>
-              <a:rPr lang="es-ES" dirty="0" err="1"/>
-              <a:t>model</a:t>
-            </a:r>
-            <a:endParaRPr lang="es-ES" dirty="0"/>
-          </a:p>
-          <a:p>
-            <a:pPr marL="457200" indent="-457200">
-              <a:buFont typeface="+mj-lt"/>
-              <a:buAutoNum type="romanLcPeriod"/>
-            </a:pPr>
-            <a:endParaRPr lang="en-GB" dirty="0"/>
-          </a:p>
-        </p:txBody>
-      </p:sp>
-    </p:spTree>
-    <p:extLst>
-      <p:ext uri="{BB962C8B-B14F-4D97-AF65-F5344CB8AC3E}">
-        <p14:creationId xmlns:p14="http://schemas.microsoft.com/office/powerpoint/2010/main" val="4972780"/>
-      </p:ext>
-    </p:extLst>
-  </p:cSld>
-  <p:clrMapOvr>
-    <a:masterClrMapping/>
-  </p:clrMapOvr>
-</p:sld>
-</file>
-
-<file path=ppt/slides/slide20.xml><?xml version="1.0" encoding="utf-8"?>
+<file path=ppt/slides/slide19.xml><?xml version="1.0" encoding="utf-8"?>
 <p:sld xmlns:a="http://schemas.openxmlformats.org/drawingml/2006/main" xmlns:r="http://schemas.openxmlformats.org/officeDocument/2006/relationships" xmlns:p="http://schemas.openxmlformats.org/presentationml/2006/main">
   <p:cSld>
     <p:spTree>
@@ -14946,7 +14481,324 @@
 </p:sld>
 </file>
 
-<file path=ppt/slides/slide21.xml><?xml version="1.0" encoding="utf-8"?>
+<file path=ppt/slides/slide2.xml><?xml version="1.0" encoding="utf-8"?>
+<p:sld xmlns:a="http://schemas.openxmlformats.org/drawingml/2006/main" xmlns:r="http://schemas.openxmlformats.org/officeDocument/2006/relationships" xmlns:p="http://schemas.openxmlformats.org/presentationml/2006/main">
+  <p:cSld>
+    <p:spTree>
+      <p:nvGrpSpPr>
+        <p:cNvPr id="1" name=""/>
+        <p:cNvGrpSpPr/>
+        <p:nvPr/>
+      </p:nvGrpSpPr>
+      <p:grpSpPr>
+        <a:xfrm>
+          <a:off x="0" y="0"/>
+          <a:ext cx="0" cy="0"/>
+          <a:chOff x="0" y="0"/>
+          <a:chExt cx="0" cy="0"/>
+        </a:xfrm>
+      </p:grpSpPr>
+      <p:sp>
+        <p:nvSpPr>
+          <p:cNvPr id="2" name="Title 1">
+            <a:extLst>
+              <a:ext uri="{FF2B5EF4-FFF2-40B4-BE49-F238E27FC236}">
+                <a16:creationId xmlns:a16="http://schemas.microsoft.com/office/drawing/2014/main" id="{45B66112-171E-1ECA-8B21-B617C495018A}"/>
+              </a:ext>
+            </a:extLst>
+          </p:cNvPr>
+          <p:cNvSpPr>
+            <a:spLocks noGrp="1"/>
+          </p:cNvSpPr>
+          <p:nvPr>
+            <p:ph type="title"/>
+          </p:nvPr>
+        </p:nvSpPr>
+        <p:spPr/>
+        <p:txBody>
+          <a:bodyPr/>
+          <a:lstStyle/>
+          <a:p>
+            <a:r>
+              <a:rPr lang="es-ES" dirty="0"/>
+              <a:t>Table </a:t>
+            </a:r>
+            <a:r>
+              <a:rPr lang="es-ES" dirty="0" err="1"/>
+              <a:t>of</a:t>
+            </a:r>
+            <a:r>
+              <a:rPr lang="es-ES" dirty="0"/>
+              <a:t> </a:t>
+            </a:r>
+            <a:r>
+              <a:rPr lang="es-ES" dirty="0" err="1"/>
+              <a:t>Contents</a:t>
+            </a:r>
+            <a:endParaRPr lang="en-GB" dirty="0"/>
+          </a:p>
+        </p:txBody>
+      </p:sp>
+      <p:sp>
+        <p:nvSpPr>
+          <p:cNvPr id="3" name="Content Placeholder 2">
+            <a:extLst>
+              <a:ext uri="{FF2B5EF4-FFF2-40B4-BE49-F238E27FC236}">
+                <a16:creationId xmlns:a16="http://schemas.microsoft.com/office/drawing/2014/main" id="{9E28193F-FE09-8E4B-A363-00025BEC7E88}"/>
+              </a:ext>
+            </a:extLst>
+          </p:cNvPr>
+          <p:cNvSpPr>
+            <a:spLocks noGrp="1"/>
+          </p:cNvSpPr>
+          <p:nvPr>
+            <p:ph idx="1"/>
+          </p:nvPr>
+        </p:nvSpPr>
+        <p:spPr>
+          <a:xfrm>
+            <a:off x="2611808" y="1885285"/>
+            <a:ext cx="7958331" cy="4164659"/>
+          </a:xfrm>
+        </p:spPr>
+        <p:txBody>
+          <a:bodyPr>
+            <a:normAutofit lnSpcReduction="10000"/>
+          </a:bodyPr>
+          <a:lstStyle/>
+          <a:p>
+            <a:pPr marL="514350" indent="-514350">
+              <a:buFont typeface="+mj-lt"/>
+              <a:buAutoNum type="romanLcPeriod"/>
+            </a:pPr>
+            <a:r>
+              <a:rPr lang="es-ES" dirty="0" err="1"/>
+              <a:t>Introduction</a:t>
+            </a:r>
+            <a:r>
+              <a:rPr lang="es-ES" dirty="0"/>
+              <a:t> </a:t>
+            </a:r>
+            <a:r>
+              <a:rPr lang="es-ES" dirty="0" err="1"/>
+              <a:t>to</a:t>
+            </a:r>
+            <a:r>
+              <a:rPr lang="es-ES" dirty="0"/>
+              <a:t> </a:t>
+            </a:r>
+            <a:r>
+              <a:rPr lang="es-ES" dirty="0" err="1"/>
+              <a:t>the</a:t>
+            </a:r>
+            <a:r>
+              <a:rPr lang="es-ES" dirty="0"/>
+              <a:t> data</a:t>
+            </a:r>
+          </a:p>
+          <a:p>
+            <a:pPr marL="514350" indent="-514350">
+              <a:buFont typeface="+mj-lt"/>
+              <a:buAutoNum type="romanLcPeriod"/>
+            </a:pPr>
+            <a:r>
+              <a:rPr lang="es-ES" dirty="0" err="1"/>
+              <a:t>Univariate</a:t>
+            </a:r>
+            <a:r>
+              <a:rPr lang="es-ES" dirty="0"/>
+              <a:t> </a:t>
+            </a:r>
+            <a:r>
+              <a:rPr lang="es-ES" dirty="0" err="1"/>
+              <a:t>analysis</a:t>
+            </a:r>
+            <a:endParaRPr lang="es-ES" dirty="0"/>
+          </a:p>
+          <a:p>
+            <a:pPr marL="457200" indent="-457200">
+              <a:buFont typeface="+mj-lt"/>
+              <a:buAutoNum type="romanLcPeriod"/>
+            </a:pPr>
+            <a:r>
+              <a:rPr lang="es-ES" dirty="0" err="1"/>
+              <a:t>Multivariate</a:t>
+            </a:r>
+            <a:r>
+              <a:rPr lang="es-ES" dirty="0"/>
+              <a:t> Cox </a:t>
+            </a:r>
+            <a:r>
+              <a:rPr lang="es-ES" dirty="0" err="1"/>
+              <a:t>regression</a:t>
+            </a:r>
+            <a:r>
+              <a:rPr lang="es-ES" dirty="0"/>
+              <a:t> </a:t>
+            </a:r>
+            <a:r>
+              <a:rPr lang="es-ES" dirty="0" err="1"/>
+              <a:t>model</a:t>
+            </a:r>
+            <a:endParaRPr lang="es-ES" dirty="0"/>
+          </a:p>
+          <a:p>
+            <a:pPr marL="908050" lvl="1" indent="-457200">
+              <a:buFont typeface="+mj-lt"/>
+              <a:buAutoNum type="alphaUcPeriod"/>
+            </a:pPr>
+            <a:r>
+              <a:rPr lang="es-ES" dirty="0"/>
+              <a:t>Base </a:t>
+            </a:r>
+            <a:r>
+              <a:rPr lang="es-ES" dirty="0" err="1"/>
+              <a:t>model</a:t>
+            </a:r>
+            <a:endParaRPr lang="es-ES" dirty="0"/>
+          </a:p>
+          <a:p>
+            <a:pPr marL="908050" lvl="1" indent="-457200">
+              <a:buFont typeface="+mj-lt"/>
+              <a:buAutoNum type="alphaUcPeriod"/>
+            </a:pPr>
+            <a:r>
+              <a:rPr lang="es-ES" dirty="0" err="1"/>
+              <a:t>Reduced</a:t>
+            </a:r>
+            <a:r>
+              <a:rPr lang="es-ES" dirty="0"/>
+              <a:t> </a:t>
+            </a:r>
+            <a:r>
+              <a:rPr lang="es-ES" dirty="0" err="1"/>
+              <a:t>model</a:t>
+            </a:r>
+            <a:endParaRPr lang="es-ES" dirty="0"/>
+          </a:p>
+          <a:p>
+            <a:pPr marL="908050" lvl="1" indent="-457200">
+              <a:buFont typeface="+mj-lt"/>
+              <a:buAutoNum type="alphaUcPeriod"/>
+            </a:pPr>
+            <a:r>
+              <a:rPr lang="es-ES" dirty="0" err="1"/>
+              <a:t>Mode</a:t>
+            </a:r>
+            <a:r>
+              <a:rPr lang="es-ES" dirty="0"/>
+              <a:t> </a:t>
+            </a:r>
+            <a:r>
+              <a:rPr lang="es-ES" dirty="0" err="1"/>
+              <a:t>with</a:t>
+            </a:r>
+            <a:r>
+              <a:rPr lang="es-ES" dirty="0"/>
+              <a:t> time </a:t>
+            </a:r>
+            <a:r>
+              <a:rPr lang="es-ES" dirty="0" err="1"/>
+              <a:t>varying</a:t>
+            </a:r>
+            <a:r>
+              <a:rPr lang="es-ES" dirty="0"/>
+              <a:t> </a:t>
+            </a:r>
+            <a:r>
+              <a:rPr lang="es-ES" dirty="0" err="1"/>
+              <a:t>coefficients</a:t>
+            </a:r>
+            <a:endParaRPr lang="es-ES" dirty="0"/>
+          </a:p>
+          <a:p>
+            <a:pPr marL="457200" indent="-457200">
+              <a:buFont typeface="+mj-lt"/>
+              <a:buAutoNum type="romanLcPeriod"/>
+            </a:pPr>
+            <a:r>
+              <a:rPr lang="es-ES" dirty="0" err="1"/>
+              <a:t>Linearity</a:t>
+            </a:r>
+            <a:r>
+              <a:rPr lang="es-ES" dirty="0"/>
+              <a:t> test</a:t>
+            </a:r>
+          </a:p>
+          <a:p>
+            <a:pPr marL="457200" indent="-457200">
+              <a:buFont typeface="+mj-lt"/>
+              <a:buAutoNum type="romanLcPeriod"/>
+            </a:pPr>
+            <a:r>
+              <a:rPr lang="es-ES" dirty="0" err="1"/>
+              <a:t>Choice</a:t>
+            </a:r>
+            <a:r>
+              <a:rPr lang="es-ES" dirty="0"/>
+              <a:t> </a:t>
+            </a:r>
+            <a:r>
+              <a:rPr lang="es-ES" dirty="0" err="1"/>
+              <a:t>of</a:t>
+            </a:r>
+            <a:r>
+              <a:rPr lang="es-ES" dirty="0"/>
+              <a:t> </a:t>
+            </a:r>
+            <a:r>
+              <a:rPr lang="es-ES" dirty="0" err="1"/>
+              <a:t>the</a:t>
+            </a:r>
+            <a:r>
+              <a:rPr lang="es-ES" dirty="0"/>
+              <a:t> ‘</a:t>
+            </a:r>
+            <a:r>
+              <a:rPr lang="es-ES" dirty="0" err="1"/>
+              <a:t>best</a:t>
+            </a:r>
+            <a:r>
+              <a:rPr lang="es-ES" dirty="0"/>
+              <a:t>’ </a:t>
+            </a:r>
+            <a:r>
+              <a:rPr lang="es-ES" dirty="0" err="1"/>
+              <a:t>parametric</a:t>
+            </a:r>
+            <a:r>
+              <a:rPr lang="es-ES" dirty="0"/>
+              <a:t> </a:t>
+            </a:r>
+            <a:r>
+              <a:rPr lang="es-ES" dirty="0" err="1"/>
+              <a:t>model</a:t>
+            </a:r>
+            <a:endParaRPr lang="es-ES" dirty="0"/>
+          </a:p>
+          <a:p>
+            <a:pPr marL="457200" indent="-457200">
+              <a:buFont typeface="+mj-lt"/>
+              <a:buAutoNum type="romanLcPeriod"/>
+            </a:pPr>
+            <a:endParaRPr lang="en-GB" dirty="0"/>
+          </a:p>
+        </p:txBody>
+      </p:sp>
+    </p:spTree>
+    <p:extLst>
+      <p:ext uri="{BB962C8B-B14F-4D97-AF65-F5344CB8AC3E}">
+        <p14:creationId xmlns:p14="http://schemas.microsoft.com/office/powerpoint/2010/main" val="4972780"/>
+      </p:ext>
+    </p:extLst>
+  </p:cSld>
+  <p:clrMapOvr>
+    <a:masterClrMapping/>
+  </p:clrMapOvr>
+</p:sld>
+</file>
+
+<file path=ppt/slides/slide20.xml><?xml version="1.0" encoding="utf-8"?>
 <p:sld xmlns:a="http://schemas.openxmlformats.org/drawingml/2006/main" xmlns:r="http://schemas.openxmlformats.org/officeDocument/2006/relationships" xmlns:p="http://schemas.openxmlformats.org/presentationml/2006/main">
   <p:cSld>
     <p:spTree>
@@ -15355,7 +15207,7 @@
 </p:sld>
 </file>
 
-<file path=ppt/slides/slide22.xml><?xml version="1.0" encoding="utf-8"?>
+<file path=ppt/slides/slide21.xml><?xml version="1.0" encoding="utf-8"?>
 <p:sld xmlns:a="http://schemas.openxmlformats.org/drawingml/2006/main" xmlns:r="http://schemas.openxmlformats.org/officeDocument/2006/relationships" xmlns:p="http://schemas.openxmlformats.org/presentationml/2006/main">
   <p:cSld>
     <p:spTree>
@@ -16047,7 +15899,7 @@
 </p:sld>
 </file>
 
-<file path=ppt/slides/slide23.xml><?xml version="1.0" encoding="utf-8"?>
+<file path=ppt/slides/slide22.xml><?xml version="1.0" encoding="utf-8"?>
 <p:sld xmlns:a="http://schemas.openxmlformats.org/drawingml/2006/main" xmlns:r="http://schemas.openxmlformats.org/officeDocument/2006/relationships" xmlns:p="http://schemas.openxmlformats.org/presentationml/2006/main">
   <p:cSld>
     <p:spTree>
@@ -16205,6 +16057,36 @@
           </a:p>
         </p:txBody>
       </p:sp>
+      <p:pic>
+        <p:nvPicPr>
+          <p:cNvPr id="3" name="Picture 2">
+            <a:extLst>
+              <a:ext uri="{FF2B5EF4-FFF2-40B4-BE49-F238E27FC236}">
+                <a16:creationId xmlns:a16="http://schemas.microsoft.com/office/drawing/2014/main" id="{FF9580AD-7644-F34E-24A9-5D6AB7E5BD91}"/>
+              </a:ext>
+            </a:extLst>
+          </p:cNvPr>
+          <p:cNvPicPr>
+            <a:picLocks noChangeAspect="1"/>
+          </p:cNvPicPr>
+          <p:nvPr/>
+        </p:nvPicPr>
+        <p:blipFill>
+          <a:blip r:embed="rId3"/>
+          <a:stretch>
+            <a:fillRect/>
+          </a:stretch>
+        </p:blipFill>
+        <p:spPr>
+          <a:xfrm>
+            <a:off x="2328405" y="2555059"/>
+            <a:ext cx="6163590" cy="2597121"/>
+          </a:xfrm>
+          <a:prstGeom prst="rect">
+            <a:avLst/>
+          </a:prstGeom>
+        </p:spPr>
+      </p:pic>
     </p:spTree>
     <p:extLst>
       <p:ext uri="{BB962C8B-B14F-4D97-AF65-F5344CB8AC3E}">
@@ -16218,7 +16100,7 @@
 </p:sld>
 </file>
 
-<file path=ppt/slides/slide24.xml><?xml version="1.0" encoding="utf-8"?>
+<file path=ppt/slides/slide23.xml><?xml version="1.0" encoding="utf-8"?>
 <p:sld xmlns:a="http://schemas.openxmlformats.org/drawingml/2006/main" xmlns:r="http://schemas.openxmlformats.org/officeDocument/2006/relationships" xmlns:p="http://schemas.openxmlformats.org/presentationml/2006/main">
   <p:cSld>
     <p:spTree>

--- a/presentation.pptx
+++ b/presentation.pptx
@@ -1778,7 +1778,7 @@
           <a:p>
             <a:fld id="{0C8215FD-C011-40F7-B8C6-36FA60F83152}" type="datetimeFigureOut">
               <a:rPr lang="en-GB" smtClean="0"/>
-              <a:t>06/06/2023</a:t>
+              <a:t>07/06/2023</a:t>
             </a:fld>
             <a:endParaRPr lang="en-GB"/>
           </a:p>
@@ -6171,7 +6171,7 @@
           <a:p>
             <a:fld id="{A1B2EB48-0D68-46EB-BB33-70996AFA08CC}" type="datetimeFigureOut">
               <a:rPr lang="en-GB" smtClean="0"/>
-              <a:t>06/06/2023</a:t>
+              <a:t>07/06/2023</a:t>
             </a:fld>
             <a:endParaRPr lang="en-GB"/>
           </a:p>
@@ -6506,7 +6506,7 @@
           <a:p>
             <a:fld id="{A1B2EB48-0D68-46EB-BB33-70996AFA08CC}" type="datetimeFigureOut">
               <a:rPr lang="en-GB" smtClean="0"/>
-              <a:t>06/06/2023</a:t>
+              <a:t>07/06/2023</a:t>
             </a:fld>
             <a:endParaRPr lang="en-GB"/>
           </a:p>
@@ -6809,7 +6809,7 @@
           <a:p>
             <a:fld id="{A1B2EB48-0D68-46EB-BB33-70996AFA08CC}" type="datetimeFigureOut">
               <a:rPr lang="en-GB" smtClean="0"/>
-              <a:t>06/06/2023</a:t>
+              <a:t>07/06/2023</a:t>
             </a:fld>
             <a:endParaRPr lang="en-GB"/>
           </a:p>
@@ -7057,7 +7057,7 @@
           <a:p>
             <a:fld id="{A1B2EB48-0D68-46EB-BB33-70996AFA08CC}" type="datetimeFigureOut">
               <a:rPr lang="en-GB" smtClean="0"/>
-              <a:t>06/06/2023</a:t>
+              <a:t>07/06/2023</a:t>
             </a:fld>
             <a:endParaRPr lang="en-GB"/>
           </a:p>
@@ -7465,7 +7465,7 @@
           <a:p>
             <a:fld id="{A1B2EB48-0D68-46EB-BB33-70996AFA08CC}" type="datetimeFigureOut">
               <a:rPr lang="en-GB" smtClean="0"/>
-              <a:t>06/06/2023</a:t>
+              <a:t>07/06/2023</a:t>
             </a:fld>
             <a:endParaRPr lang="en-GB"/>
           </a:p>
@@ -7780,7 +7780,7 @@
           <a:p>
             <a:fld id="{A1B2EB48-0D68-46EB-BB33-70996AFA08CC}" type="datetimeFigureOut">
               <a:rPr lang="en-GB" smtClean="0"/>
-              <a:t>06/06/2023</a:t>
+              <a:t>07/06/2023</a:t>
             </a:fld>
             <a:endParaRPr lang="en-GB"/>
           </a:p>
@@ -8325,7 +8325,7 @@
           <a:p>
             <a:fld id="{A1B2EB48-0D68-46EB-BB33-70996AFA08CC}" type="datetimeFigureOut">
               <a:rPr lang="en-GB" smtClean="0"/>
-              <a:t>06/06/2023</a:t>
+              <a:t>07/06/2023</a:t>
             </a:fld>
             <a:endParaRPr lang="en-GB"/>
           </a:p>
@@ -8521,7 +8521,7 @@
           <a:p>
             <a:fld id="{A1B2EB48-0D68-46EB-BB33-70996AFA08CC}" type="datetimeFigureOut">
               <a:rPr lang="en-GB" smtClean="0"/>
-              <a:t>06/06/2023</a:t>
+              <a:t>07/06/2023</a:t>
             </a:fld>
             <a:endParaRPr lang="en-GB"/>
           </a:p>
@@ -8735,7 +8735,7 @@
           <a:p>
             <a:fld id="{A1B2EB48-0D68-46EB-BB33-70996AFA08CC}" type="datetimeFigureOut">
               <a:rPr lang="en-GB" smtClean="0"/>
-              <a:t>06/06/2023</a:t>
+              <a:t>07/06/2023</a:t>
             </a:fld>
             <a:endParaRPr lang="en-GB"/>
           </a:p>
@@ -9105,7 +9105,7 @@
           <a:p>
             <a:fld id="{A1B2EB48-0D68-46EB-BB33-70996AFA08CC}" type="datetimeFigureOut">
               <a:rPr lang="en-GB" smtClean="0"/>
-              <a:t>06/06/2023</a:t>
+              <a:t>07/06/2023</a:t>
             </a:fld>
             <a:endParaRPr lang="en-GB"/>
           </a:p>
@@ -9509,7 +9509,7 @@
           <a:p>
             <a:fld id="{A1B2EB48-0D68-46EB-BB33-70996AFA08CC}" type="datetimeFigureOut">
               <a:rPr lang="en-GB" smtClean="0"/>
-              <a:t>06/06/2023</a:t>
+              <a:t>07/06/2023</a:t>
             </a:fld>
             <a:endParaRPr lang="en-GB"/>
           </a:p>
@@ -9821,7 +9821,7 @@
           <a:p>
             <a:fld id="{A1B2EB48-0D68-46EB-BB33-70996AFA08CC}" type="datetimeFigureOut">
               <a:rPr lang="en-GB" smtClean="0"/>
-              <a:t>06/06/2023</a:t>
+              <a:t>07/06/2023</a:t>
             </a:fld>
             <a:endParaRPr lang="en-GB"/>
           </a:p>
@@ -14001,7 +14001,7 @@
             </a:pPr>
             <a:r>
               <a:rPr lang="en-US" dirty="0"/>
-              <a:t>We do not seem to have any outliers, as all deviance residuals are smaller than 3 in absolute terms. The mean is close to zero. However, the residuals are not evenly scattered and we are seeing a slightly decreasing trend. Also, we can recognize two clusters in the data.</a:t>
+              <a:t>We do not seem to have any outliers, as all deviance residuals are smaller than 3 in absolute terms. The mean is close to zero. However, the residuals are not evenly scattered and we are seeing more of an S-shaped curve. Also, we can recognize two clusters in the data.</a:t>
             </a:r>
             <a:endParaRPr lang="en-GB" dirty="0"/>
           </a:p>
@@ -14009,10 +14009,10 @@
       </p:sp>
       <p:pic>
         <p:nvPicPr>
-          <p:cNvPr id="4" name="Picture 3">
+          <p:cNvPr id="5" name="Picture 4">
             <a:extLst>
               <a:ext uri="{FF2B5EF4-FFF2-40B4-BE49-F238E27FC236}">
-                <a16:creationId xmlns:a16="http://schemas.microsoft.com/office/drawing/2014/main" id="{24FA3289-9FD5-C3AD-39AC-3EBDB166DB4C}"/>
+                <a16:creationId xmlns:a16="http://schemas.microsoft.com/office/drawing/2014/main" id="{036A410F-799D-F75B-79EB-0D8306632571}"/>
               </a:ext>
             </a:extLst>
           </p:cNvPr>
@@ -14029,8 +14029,8 @@
         </p:blipFill>
         <p:spPr>
           <a:xfrm>
-            <a:off x="2611808" y="1966804"/>
-            <a:ext cx="7168800" cy="3584400"/>
+            <a:off x="2679597" y="2044192"/>
+            <a:ext cx="6848025" cy="3424013"/>
           </a:xfrm>
           <a:prstGeom prst="rect">
             <a:avLst/>
